--- a/Zwischenvortrag/Präsentation.pptx
+++ b/Zwischenvortrag/Präsentation.pptx
@@ -5,7 +5,7 @@
     <p:sldMasterId id="2147483648" r:id="rId1"/>
   </p:sldMasterIdLst>
   <p:notesMasterIdLst>
-    <p:notesMasterId r:id="rId16"/>
+    <p:notesMasterId r:id="rId18"/>
   </p:notesMasterIdLst>
   <p:sldIdLst>
     <p:sldId id="256" r:id="rId2"/>
@@ -20,8 +20,10 @@
     <p:sldId id="306" r:id="rId11"/>
     <p:sldId id="303" r:id="rId12"/>
     <p:sldId id="307" r:id="rId13"/>
-    <p:sldId id="287" r:id="rId14"/>
-    <p:sldId id="299" r:id="rId15"/>
+    <p:sldId id="309" r:id="rId14"/>
+    <p:sldId id="310" r:id="rId15"/>
+    <p:sldId id="287" r:id="rId16"/>
+    <p:sldId id="299" r:id="rId17"/>
   </p:sldIdLst>
   <p:sldSz cx="9144000" cy="6858000" type="screen4x3"/>
   <p:notesSz cx="6858000" cy="9144000"/>
@@ -823,6 +825,198 @@
               <a:rPr lang="de-DE" smtClean="0"/>
               <a:pPr/>
               <a:t>12</a:t>
+            </a:fld>
+            <a:endParaRPr lang="de-DE"/>
+          </a:p>
+        </p:txBody>
+      </p:sp>
+    </p:spTree>
+  </p:cSld>
+  <p:clrMapOvr>
+    <a:masterClrMapping/>
+  </p:clrMapOvr>
+</p:notes>
+</file>
+
+<file path=ppt/notesSlides/notesSlide13.xml><?xml version="1.0" encoding="utf-8"?>
+<p:notes xmlns:a="http://schemas.openxmlformats.org/drawingml/2006/main" xmlns:r="http://schemas.openxmlformats.org/officeDocument/2006/relationships" xmlns:p="http://schemas.openxmlformats.org/presentationml/2006/main">
+  <p:cSld>
+    <p:spTree>
+      <p:nvGrpSpPr>
+        <p:cNvPr id="1" name=""/>
+        <p:cNvGrpSpPr/>
+        <p:nvPr/>
+      </p:nvGrpSpPr>
+      <p:grpSpPr>
+        <a:xfrm>
+          <a:off x="0" y="0"/>
+          <a:ext cx="0" cy="0"/>
+          <a:chOff x="0" y="0"/>
+          <a:chExt cx="0" cy="0"/>
+        </a:xfrm>
+      </p:grpSpPr>
+      <p:sp>
+        <p:nvSpPr>
+          <p:cNvPr id="2" name="Folienbildplatzhalter 1"/>
+          <p:cNvSpPr>
+            <a:spLocks noGrp="1" noRot="1" noChangeAspect="1"/>
+          </p:cNvSpPr>
+          <p:nvPr>
+            <p:ph type="sldImg"/>
+          </p:nvPr>
+        </p:nvSpPr>
+        <p:spPr/>
+      </p:sp>
+      <p:sp>
+        <p:nvSpPr>
+          <p:cNvPr id="3" name="Notizenplatzhalter 2"/>
+          <p:cNvSpPr>
+            <a:spLocks noGrp="1"/>
+          </p:cNvSpPr>
+          <p:nvPr>
+            <p:ph type="body" idx="1"/>
+          </p:nvPr>
+        </p:nvSpPr>
+        <p:spPr/>
+        <p:txBody>
+          <a:bodyPr>
+            <a:normAutofit/>
+          </a:bodyPr>
+          <a:lstStyle/>
+          <a:p>
+            <a:r>
+              <a:rPr lang="de-DE" smtClean="0"/>
+              <a:t>Akzeptoren und Löcher werden aufgrund der Dotierung N_D &gt;&gt; N_A vernachlässigt.</a:t>
+            </a:r>
+          </a:p>
+          <a:p>
+            <a:r>
+              <a:rPr lang="de-DE" smtClean="0"/>
+              <a:t>Randbedingung für Poisson Gleichung aus Forderung nach Ladungsneutralität</a:t>
+            </a:r>
+            <a:r>
+              <a:rPr lang="de-DE" baseline="0" smtClean="0"/>
+              <a:t> in ausreichend großer Entfernung</a:t>
+            </a:r>
+            <a:endParaRPr lang="de-DE"/>
+          </a:p>
+        </p:txBody>
+      </p:sp>
+      <p:sp>
+        <p:nvSpPr>
+          <p:cNvPr id="4" name="Foliennummernplatzhalter 3"/>
+          <p:cNvSpPr>
+            <a:spLocks noGrp="1"/>
+          </p:cNvSpPr>
+          <p:nvPr>
+            <p:ph type="sldNum" sz="quarter" idx="10"/>
+          </p:nvPr>
+        </p:nvSpPr>
+        <p:spPr/>
+        <p:txBody>
+          <a:bodyPr/>
+          <a:lstStyle/>
+          <a:p>
+            <a:fld id="{31DC6EB7-B8C5-4A13-A184-8A045D6E94E6}" type="slidenum">
+              <a:rPr lang="de-DE" smtClean="0"/>
+              <a:pPr/>
+              <a:t>13</a:t>
+            </a:fld>
+            <a:endParaRPr lang="de-DE"/>
+          </a:p>
+        </p:txBody>
+      </p:sp>
+    </p:spTree>
+  </p:cSld>
+  <p:clrMapOvr>
+    <a:masterClrMapping/>
+  </p:clrMapOvr>
+</p:notes>
+</file>
+
+<file path=ppt/notesSlides/notesSlide14.xml><?xml version="1.0" encoding="utf-8"?>
+<p:notes xmlns:a="http://schemas.openxmlformats.org/drawingml/2006/main" xmlns:r="http://schemas.openxmlformats.org/officeDocument/2006/relationships" xmlns:p="http://schemas.openxmlformats.org/presentationml/2006/main">
+  <p:cSld>
+    <p:spTree>
+      <p:nvGrpSpPr>
+        <p:cNvPr id="1" name=""/>
+        <p:cNvGrpSpPr/>
+        <p:nvPr/>
+      </p:nvGrpSpPr>
+      <p:grpSpPr>
+        <a:xfrm>
+          <a:off x="0" y="0"/>
+          <a:ext cx="0" cy="0"/>
+          <a:chOff x="0" y="0"/>
+          <a:chExt cx="0" cy="0"/>
+        </a:xfrm>
+      </p:grpSpPr>
+      <p:sp>
+        <p:nvSpPr>
+          <p:cNvPr id="2" name="Folienbildplatzhalter 1"/>
+          <p:cNvSpPr>
+            <a:spLocks noGrp="1" noRot="1" noChangeAspect="1"/>
+          </p:cNvSpPr>
+          <p:nvPr>
+            <p:ph type="sldImg"/>
+          </p:nvPr>
+        </p:nvSpPr>
+        <p:spPr/>
+      </p:sp>
+      <p:sp>
+        <p:nvSpPr>
+          <p:cNvPr id="3" name="Notizenplatzhalter 2"/>
+          <p:cNvSpPr>
+            <a:spLocks noGrp="1"/>
+          </p:cNvSpPr>
+          <p:nvPr>
+            <p:ph type="body" idx="1"/>
+          </p:nvPr>
+        </p:nvSpPr>
+        <p:spPr/>
+        <p:txBody>
+          <a:bodyPr>
+            <a:normAutofit/>
+          </a:bodyPr>
+          <a:lstStyle/>
+          <a:p>
+            <a:r>
+              <a:rPr lang="de-DE" smtClean="0"/>
+              <a:t>Akzeptoren und Löcher werden aufgrund der Dotierung N_D &gt;&gt; N_A vernachlässigt.</a:t>
+            </a:r>
+          </a:p>
+          <a:p>
+            <a:r>
+              <a:rPr lang="de-DE" smtClean="0"/>
+              <a:t>Randbedingung für Poisson Gleichung aus Forderung nach Ladungsneutralität</a:t>
+            </a:r>
+            <a:r>
+              <a:rPr lang="de-DE" baseline="0" smtClean="0"/>
+              <a:t> in ausreichend großer Entfernung</a:t>
+            </a:r>
+            <a:endParaRPr lang="de-DE"/>
+          </a:p>
+        </p:txBody>
+      </p:sp>
+      <p:sp>
+        <p:nvSpPr>
+          <p:cNvPr id="4" name="Foliennummernplatzhalter 3"/>
+          <p:cNvSpPr>
+            <a:spLocks noGrp="1"/>
+          </p:cNvSpPr>
+          <p:nvPr>
+            <p:ph type="sldNum" sz="quarter" idx="10"/>
+          </p:nvPr>
+        </p:nvSpPr>
+        <p:spPr/>
+        <p:txBody>
+          <a:bodyPr/>
+          <a:lstStyle/>
+          <a:p>
+            <a:fld id="{31DC6EB7-B8C5-4A13-A184-8A045D6E94E6}" type="slidenum">
+              <a:rPr lang="de-DE" smtClean="0"/>
+              <a:pPr/>
+              <a:t>14</a:t>
             </a:fld>
             <a:endParaRPr lang="de-DE"/>
           </a:p>
@@ -5109,7 +5303,6 @@
               <a:rPr lang="de-DE" smtClean="0"/>
               <a:t>Unterscheidung nach Geschwindigkeit des Teilchens erforderlich !</a:t>
             </a:r>
-            <a:endParaRPr lang="de-DE" smtClean="0"/>
           </a:p>
         </p:txBody>
       </p:sp>
@@ -7245,7 +7438,6 @@
               <a:rPr lang="de-DE" sz="3200" smtClean="0"/>
               <a:t>Selbstkonsistentes Potential</a:t>
             </a:r>
-            <a:endParaRPr lang="de-DE" sz="3200" smtClean="0"/>
           </a:p>
         </p:txBody>
       </p:sp>
@@ -7313,11 +7505,11 @@
   <p:clrMapOvr>
     <a:masterClrMapping/>
   </p:clrMapOvr>
-  <mc:AlternateContent xmlns:mc="http://schemas.openxmlformats.org/markup-compatibility/2006">
-    <mc:Choice xmlns:p14="http://schemas.microsoft.com/office/powerpoint/2010/main" Requires="p14">
+  <mc:AlternateContent xmlns:mc="http://schemas.openxmlformats.org/markup-compatibility/2006" xmlns:p14="http://schemas.microsoft.com/office/powerpoint/2010/main">
+    <mc:Choice Requires="p14">
       <p:transition spd="slow" p14:dur="2000"/>
     </mc:Choice>
-    <mc:Fallback>
+    <mc:Fallback xmlns="">
       <p:transition spd="slow"/>
     </mc:Fallback>
   </mc:AlternateContent>
@@ -7758,7 +7950,6 @@
               <a:rPr lang="de-DE" sz="3200" smtClean="0"/>
               <a:t>Selbstkonsistentes Potential</a:t>
             </a:r>
-            <a:endParaRPr lang="de-DE" sz="3200" smtClean="0"/>
           </a:p>
         </p:txBody>
       </p:sp>
@@ -8352,11 +8543,11 @@
   <p:clrMapOvr>
     <a:masterClrMapping/>
   </p:clrMapOvr>
-  <mc:AlternateContent xmlns:mc="http://schemas.openxmlformats.org/markup-compatibility/2006">
-    <mc:Choice xmlns:p14="http://schemas.microsoft.com/office/powerpoint/2010/main" Requires="p14">
+  <mc:AlternateContent xmlns:mc="http://schemas.openxmlformats.org/markup-compatibility/2006" xmlns:p14="http://schemas.microsoft.com/office/powerpoint/2010/main">
+    <mc:Choice Requires="p14">
       <p:transition spd="slow" p14:dur="2000"/>
     </mc:Choice>
-    <mc:Fallback>
+    <mc:Fallback xmlns="">
       <p:transition spd="slow"/>
     </mc:Fallback>
   </mc:AlternateContent>
@@ -8687,467 +8878,6 @@
       </p:grpSpPr>
       <p:sp>
         <p:nvSpPr>
-          <p:cNvPr id="2" name="Inhaltsplatzhalter 1"/>
-          <p:cNvSpPr>
-            <a:spLocks noGrp="1"/>
-          </p:cNvSpPr>
-          <p:nvPr>
-            <p:ph idx="1"/>
-          </p:nvPr>
-        </p:nvSpPr>
-        <p:spPr>
-          <a:xfrm>
-            <a:off x="251520" y="1379909"/>
-            <a:ext cx="8496944" cy="5145435"/>
-          </a:xfrm>
-        </p:spPr>
-        <p:txBody>
-          <a:bodyPr>
-            <a:noAutofit/>
-          </a:bodyPr>
-          <a:lstStyle/>
-          <a:p>
-            <a:pPr>
-              <a:buNone/>
-            </a:pPr>
-            <a:r>
-              <a:rPr lang="de-DE" sz="1800" smtClean="0"/>
-              <a:t>[1] Renn, Ortwin, </a:t>
-            </a:r>
-            <a:r>
-              <a:rPr lang="de-DE" sz="1800" err="1" smtClean="0"/>
-              <a:t>ed</a:t>
-            </a:r>
-            <a:r>
-              <a:rPr lang="de-DE" sz="1800" smtClean="0"/>
-              <a:t>. Partitionierung und Transmutation: Forschung–Entwicklung–Gesellschaftliche Implikationen. Herbert Utz Verlag, 2014.</a:t>
-            </a:r>
-          </a:p>
-          <a:p>
-            <a:pPr>
-              <a:buNone/>
-            </a:pPr>
-            <a:r>
-              <a:rPr lang="de-DE" sz="1800" smtClean="0"/>
-              <a:t>[2] Huber, Josef, Werner Mester, und Wolfgang Thomas. "Sicherheitsaspekte der Wiederaufbereitung von Kernbrennstoffen." GRS, 1987.</a:t>
-            </a:r>
-          </a:p>
-          <a:p>
-            <a:pPr>
-              <a:buNone/>
-            </a:pPr>
-            <a:r>
-              <a:rPr lang="de-DE" sz="1800" smtClean="0"/>
-              <a:t>[3] Mueller, Alex C. </a:t>
-            </a:r>
-            <a:r>
-              <a:rPr lang="de-DE" sz="1800" err="1" smtClean="0"/>
-              <a:t>and</a:t>
-            </a:r>
-            <a:r>
-              <a:rPr lang="de-DE" sz="1800" smtClean="0"/>
-              <a:t> Hamid </a:t>
-            </a:r>
-            <a:r>
-              <a:rPr lang="de-DE" sz="1800" err="1" smtClean="0"/>
-              <a:t>Ait</a:t>
-            </a:r>
-            <a:r>
-              <a:rPr lang="de-DE" sz="1800" smtClean="0"/>
-              <a:t> Abderrahim. "Transmutation von radioaktivem Abfall." In: Physik Journal 11 (2010), Seiten 33-38.</a:t>
-            </a:r>
-          </a:p>
-          <a:p>
-            <a:pPr>
-              <a:buNone/>
-            </a:pPr>
-            <a:r>
-              <a:rPr lang="de-DE" sz="1800" smtClean="0"/>
-              <a:t>[4] </a:t>
-            </a:r>
-            <a:r>
-              <a:rPr lang="de-DE" sz="1800" err="1" smtClean="0"/>
-              <a:t>Varaine</a:t>
-            </a:r>
-            <a:r>
-              <a:rPr lang="de-DE" sz="1800" smtClean="0"/>
-              <a:t>, F., et al. "</a:t>
-            </a:r>
-            <a:r>
-              <a:rPr lang="de-DE" sz="1800" err="1" smtClean="0"/>
-              <a:t>Overview</a:t>
-            </a:r>
-            <a:r>
-              <a:rPr lang="de-DE" sz="1800" smtClean="0"/>
-              <a:t> on </a:t>
-            </a:r>
-            <a:r>
-              <a:rPr lang="de-DE" sz="1800" err="1" smtClean="0"/>
-              <a:t>homogeneous</a:t>
-            </a:r>
-            <a:r>
-              <a:rPr lang="de-DE" sz="1800" smtClean="0"/>
-              <a:t> </a:t>
-            </a:r>
-            <a:r>
-              <a:rPr lang="de-DE" sz="1800" err="1" smtClean="0"/>
-              <a:t>and</a:t>
-            </a:r>
-            <a:r>
-              <a:rPr lang="de-DE" sz="1800" smtClean="0"/>
-              <a:t> </a:t>
-            </a:r>
-            <a:r>
-              <a:rPr lang="de-DE" sz="1800" err="1" smtClean="0"/>
-              <a:t>heterogeneous</a:t>
-            </a:r>
-            <a:r>
-              <a:rPr lang="de-DE" sz="1800" smtClean="0"/>
-              <a:t> </a:t>
-            </a:r>
-            <a:r>
-              <a:rPr lang="de-DE" sz="1800" err="1" smtClean="0"/>
-              <a:t>transmutation</a:t>
-            </a:r>
-            <a:r>
-              <a:rPr lang="de-DE" sz="1800" smtClean="0"/>
-              <a:t> in a </a:t>
-            </a:r>
-            <a:r>
-              <a:rPr lang="de-DE" sz="1800" err="1" smtClean="0"/>
-              <a:t>new</a:t>
-            </a:r>
-            <a:r>
-              <a:rPr lang="de-DE" sz="1800" smtClean="0"/>
-              <a:t> French SFR: </a:t>
-            </a:r>
-            <a:r>
-              <a:rPr lang="de-DE" sz="1800" err="1" smtClean="0"/>
-              <a:t>Reactor</a:t>
-            </a:r>
-            <a:r>
-              <a:rPr lang="de-DE" sz="1800" smtClean="0"/>
-              <a:t> </a:t>
-            </a:r>
-            <a:r>
-              <a:rPr lang="de-DE" sz="1800" err="1" smtClean="0"/>
-              <a:t>and</a:t>
-            </a:r>
-            <a:r>
-              <a:rPr lang="de-DE" sz="1800" smtClean="0"/>
-              <a:t> </a:t>
-            </a:r>
-            <a:r>
-              <a:rPr lang="de-DE" sz="1800" err="1" smtClean="0"/>
-              <a:t>fuel</a:t>
-            </a:r>
-            <a:r>
-              <a:rPr lang="de-DE" sz="1800" smtClean="0"/>
-              <a:t> </a:t>
-            </a:r>
-            <a:r>
-              <a:rPr lang="de-DE" sz="1800" err="1" smtClean="0"/>
-              <a:t>cycle</a:t>
-            </a:r>
-            <a:r>
-              <a:rPr lang="de-DE" sz="1800" smtClean="0"/>
-              <a:t> </a:t>
-            </a:r>
-            <a:r>
-              <a:rPr lang="de-DE" sz="1800" err="1" smtClean="0"/>
-              <a:t>impact</a:t>
-            </a:r>
-            <a:r>
-              <a:rPr lang="de-DE" sz="1800" smtClean="0"/>
-              <a:t>." In: </a:t>
-            </a:r>
-            <a:r>
-              <a:rPr lang="de-DE" sz="1800" err="1" smtClean="0"/>
-              <a:t>Actinide</a:t>
-            </a:r>
-            <a:r>
-              <a:rPr lang="de-DE" sz="1800" smtClean="0"/>
-              <a:t> </a:t>
-            </a:r>
-            <a:r>
-              <a:rPr lang="de-DE" sz="1800" err="1" smtClean="0"/>
-              <a:t>and</a:t>
-            </a:r>
-            <a:r>
-              <a:rPr lang="de-DE" sz="1800" smtClean="0"/>
-              <a:t> Fission </a:t>
-            </a:r>
-            <a:r>
-              <a:rPr lang="de-DE" sz="1800" err="1" smtClean="0"/>
-              <a:t>Product</a:t>
-            </a:r>
-            <a:r>
-              <a:rPr lang="de-DE" sz="1800" smtClean="0"/>
-              <a:t> </a:t>
-            </a:r>
-            <a:r>
-              <a:rPr lang="de-DE" sz="1800" err="1" smtClean="0"/>
-              <a:t>Partitioning</a:t>
-            </a:r>
-            <a:r>
-              <a:rPr lang="de-DE" sz="1800" smtClean="0"/>
-              <a:t> </a:t>
-            </a:r>
-            <a:r>
-              <a:rPr lang="de-DE" sz="1800" err="1" smtClean="0"/>
-              <a:t>and</a:t>
-            </a:r>
-            <a:r>
-              <a:rPr lang="de-DE" sz="1800" smtClean="0"/>
-              <a:t> Transmutation (2010), Seiten 113-122.</a:t>
-            </a:r>
-          </a:p>
-          <a:p>
-            <a:pPr>
-              <a:buNone/>
-            </a:pPr>
-            <a:r>
-              <a:rPr lang="de-DE" sz="1800" smtClean="0"/>
-              <a:t>[5] Merk, Bruno, et al. "On </a:t>
-            </a:r>
-            <a:r>
-              <a:rPr lang="de-DE" sz="1800" err="1" smtClean="0"/>
-              <a:t>the</a:t>
-            </a:r>
-            <a:r>
-              <a:rPr lang="de-DE" sz="1800" smtClean="0"/>
-              <a:t> </a:t>
-            </a:r>
-            <a:r>
-              <a:rPr lang="de-DE" sz="1800" err="1" smtClean="0"/>
-              <a:t>use</a:t>
-            </a:r>
-            <a:r>
-              <a:rPr lang="de-DE" sz="1800" smtClean="0"/>
-              <a:t> </a:t>
-            </a:r>
-            <a:r>
-              <a:rPr lang="de-DE" sz="1800" err="1" smtClean="0"/>
-              <a:t>of</a:t>
-            </a:r>
-            <a:r>
-              <a:rPr lang="de-DE" sz="1800" smtClean="0"/>
-              <a:t> a </a:t>
-            </a:r>
-            <a:r>
-              <a:rPr lang="de-DE" sz="1800" err="1" smtClean="0"/>
-              <a:t>molten</a:t>
-            </a:r>
-            <a:r>
-              <a:rPr lang="de-DE" sz="1800" smtClean="0"/>
-              <a:t> </a:t>
-            </a:r>
-            <a:r>
-              <a:rPr lang="de-DE" sz="1800" err="1" smtClean="0"/>
-              <a:t>salt</a:t>
-            </a:r>
-            <a:r>
-              <a:rPr lang="de-DE" sz="1800" smtClean="0"/>
-              <a:t> fast </a:t>
-            </a:r>
-            <a:r>
-              <a:rPr lang="de-DE" sz="1800" err="1" smtClean="0"/>
-              <a:t>reactor</a:t>
-            </a:r>
-            <a:r>
-              <a:rPr lang="de-DE" sz="1800" smtClean="0"/>
-              <a:t> </a:t>
-            </a:r>
-            <a:r>
-              <a:rPr lang="de-DE" sz="1800" err="1" smtClean="0"/>
-              <a:t>to</a:t>
-            </a:r>
-            <a:r>
-              <a:rPr lang="de-DE" sz="1800" smtClean="0"/>
-              <a:t> </a:t>
-            </a:r>
-            <a:r>
-              <a:rPr lang="de-DE" sz="1800" err="1" smtClean="0"/>
-              <a:t>apply</a:t>
-            </a:r>
-            <a:r>
-              <a:rPr lang="de-DE" sz="1800" smtClean="0"/>
-              <a:t> an </a:t>
-            </a:r>
-            <a:r>
-              <a:rPr lang="de-DE" sz="1800" err="1" smtClean="0"/>
-              <a:t>idealized</a:t>
-            </a:r>
-            <a:r>
-              <a:rPr lang="de-DE" sz="1800" smtClean="0"/>
-              <a:t> </a:t>
-            </a:r>
-            <a:r>
-              <a:rPr lang="de-DE" sz="1800" err="1" smtClean="0"/>
-              <a:t>transmutation</a:t>
-            </a:r>
-            <a:r>
-              <a:rPr lang="de-DE" sz="1800" smtClean="0"/>
-              <a:t> </a:t>
-            </a:r>
-            <a:r>
-              <a:rPr lang="de-DE" sz="1800" err="1" smtClean="0"/>
-              <a:t>scenario</a:t>
-            </a:r>
-            <a:r>
-              <a:rPr lang="de-DE" sz="1800" smtClean="0"/>
-              <a:t> </a:t>
-            </a:r>
-            <a:r>
-              <a:rPr lang="de-DE" sz="1800" err="1" smtClean="0"/>
-              <a:t>for</a:t>
-            </a:r>
-            <a:r>
-              <a:rPr lang="de-DE" sz="1800" smtClean="0"/>
-              <a:t> </a:t>
-            </a:r>
-            <a:r>
-              <a:rPr lang="de-DE" sz="1800" err="1" smtClean="0"/>
-              <a:t>the</a:t>
-            </a:r>
-            <a:r>
-              <a:rPr lang="de-DE" sz="1800" smtClean="0"/>
-              <a:t> </a:t>
-            </a:r>
-            <a:r>
-              <a:rPr lang="de-DE" sz="1800" err="1" smtClean="0"/>
-              <a:t>nuclear</a:t>
-            </a:r>
-            <a:r>
-              <a:rPr lang="de-DE" sz="1800" smtClean="0"/>
-              <a:t> </a:t>
-            </a:r>
-            <a:r>
-              <a:rPr lang="de-DE" sz="1800" err="1" smtClean="0"/>
-              <a:t>phase</a:t>
-            </a:r>
-            <a:r>
-              <a:rPr lang="de-DE" sz="1800" smtClean="0"/>
-              <a:t> out." In: </a:t>
-            </a:r>
-            <a:r>
-              <a:rPr lang="de-DE" sz="1800" err="1" smtClean="0"/>
-              <a:t>PloS</a:t>
-            </a:r>
-            <a:r>
-              <a:rPr lang="de-DE" sz="1800" smtClean="0"/>
-              <a:t> </a:t>
-            </a:r>
-            <a:r>
-              <a:rPr lang="de-DE" sz="1800" err="1" smtClean="0"/>
-              <a:t>one</a:t>
-            </a:r>
-            <a:r>
-              <a:rPr lang="de-DE" sz="1800" smtClean="0"/>
-              <a:t> 9.4 (2014): e92776.</a:t>
-            </a:r>
-          </a:p>
-          <a:p>
-            <a:pPr>
-              <a:buNone/>
-            </a:pPr>
-            <a:r>
-              <a:rPr lang="de-DE" sz="1800" smtClean="0"/>
-              <a:t>[6] </a:t>
-            </a:r>
-            <a:r>
-              <a:rPr lang="de-DE" sz="1800" smtClean="0">
-                <a:hlinkClick r:id="rId2"/>
-              </a:rPr>
-              <a:t>https://www.welt.de/img/wissenschaft/mobile101678711/1752509087-ci102l-w1024/fp-atom-teaser2-DW-Kultur-Juelich-jpg.jpg</a:t>
-            </a:r>
-            <a:endParaRPr lang="de-DE" sz="1800" smtClean="0"/>
-          </a:p>
-          <a:p>
-            <a:pPr>
-              <a:buNone/>
-            </a:pPr>
-            <a:r>
-              <a:rPr lang="de-DE" sz="1800" smtClean="0"/>
-              <a:t>[7] </a:t>
-            </a:r>
-            <a:r>
-              <a:rPr lang="de-DE" sz="1800" err="1" smtClean="0"/>
-              <a:t>Malmbeck</a:t>
-            </a:r>
-            <a:r>
-              <a:rPr lang="de-DE" sz="1800" smtClean="0"/>
-              <a:t>, R., et al. "</a:t>
-            </a:r>
-            <a:r>
-              <a:rPr lang="de-DE" sz="1800" err="1" smtClean="0"/>
-              <a:t>Advanced</a:t>
-            </a:r>
-            <a:r>
-              <a:rPr lang="de-DE" sz="1800" smtClean="0"/>
-              <a:t> </a:t>
-            </a:r>
-            <a:r>
-              <a:rPr lang="de-DE" sz="1800" err="1" smtClean="0"/>
-              <a:t>fuel</a:t>
-            </a:r>
-            <a:r>
-              <a:rPr lang="de-DE" sz="1800" smtClean="0"/>
-              <a:t> </a:t>
-            </a:r>
-            <a:r>
-              <a:rPr lang="de-DE" sz="1800" err="1" smtClean="0"/>
-              <a:t>cycle</a:t>
-            </a:r>
-            <a:r>
-              <a:rPr lang="de-DE" sz="1800" smtClean="0"/>
-              <a:t> </a:t>
-            </a:r>
-            <a:r>
-              <a:rPr lang="de-DE" sz="1800" err="1" smtClean="0"/>
-              <a:t>options</a:t>
-            </a:r>
-            <a:r>
-              <a:rPr lang="de-DE" sz="1800" smtClean="0"/>
-              <a:t>." </a:t>
-            </a:r>
-            <a:r>
-              <a:rPr lang="de-DE" sz="1800" err="1" smtClean="0"/>
-              <a:t>Energy</a:t>
-            </a:r>
-            <a:r>
-              <a:rPr lang="de-DE" sz="1800" smtClean="0"/>
-              <a:t> </a:t>
-            </a:r>
-            <a:r>
-              <a:rPr lang="de-DE" sz="1800" err="1" smtClean="0"/>
-              <a:t>Procedia</a:t>
-            </a:r>
-            <a:r>
-              <a:rPr lang="de-DE" sz="1800" smtClean="0"/>
-              <a:t> 7 (2011): 93-102.</a:t>
-            </a:r>
-          </a:p>
-          <a:p>
-            <a:pPr>
-              <a:buNone/>
-            </a:pPr>
-            <a:r>
-              <a:rPr lang="de-DE" sz="1800" smtClean="0"/>
-              <a:t>[8] </a:t>
-            </a:r>
-            <a:r>
-              <a:rPr lang="de-DE" sz="1800" smtClean="0">
-                <a:hlinkClick r:id="rId3"/>
-              </a:rPr>
-              <a:t>http://francis.naukas.com/2010/08/11/el-ascenso-y-la-caida-del-rubbiatron-en-zaragoza-laesa-y-el-acelerador-de-energia-propuesto-por-carlo-rubbia/</a:t>
-            </a:r>
-            <a:endParaRPr lang="de-DE" sz="1800" smtClean="0"/>
-          </a:p>
-        </p:txBody>
-      </p:sp>
-      <p:sp>
-        <p:nvSpPr>
           <p:cNvPr id="3" name="Datumsplatzhalter 2"/>
           <p:cNvSpPr>
             <a:spLocks noGrp="1"/>
@@ -9211,808 +8941,6 @@
               <a:rPr lang="de-DE" smtClean="0"/>
               <a:pPr/>
               <a:t>13</a:t>
-            </a:fld>
-            <a:endParaRPr lang="de-DE"/>
-          </a:p>
-        </p:txBody>
-      </p:sp>
-      <p:sp>
-        <p:nvSpPr>
-          <p:cNvPr id="7" name="Titel 1"/>
-          <p:cNvSpPr txBox="1">
-            <a:spLocks/>
-          </p:cNvSpPr>
-          <p:nvPr/>
-        </p:nvSpPr>
-        <p:spPr>
-          <a:xfrm>
-            <a:off x="467544" y="620688"/>
-            <a:ext cx="8229600" cy="1143000"/>
-          </a:xfrm>
-          <a:prstGeom prst="rect">
-            <a:avLst/>
-          </a:prstGeom>
-        </p:spPr>
-        <p:txBody>
-          <a:bodyPr/>
-          <a:lstStyle/>
-          <a:p>
-            <a:pPr marL="0" marR="0" lvl="0" indent="0" algn="ctr" defTabSz="914400" rtl="0" eaLnBrk="1" fontAlgn="auto" latinLnBrk="0" hangingPunct="1">
-              <a:lnSpc>
-                <a:spcPct val="100000"/>
-              </a:lnSpc>
-              <a:spcBef>
-                <a:spcPct val="0"/>
-              </a:spcBef>
-              <a:spcAft>
-                <a:spcPts val="0"/>
-              </a:spcAft>
-              <a:buClrTx/>
-              <a:buSzTx/>
-              <a:buFontTx/>
-              <a:buNone/>
-              <a:tabLst/>
-              <a:defRPr/>
-            </a:pPr>
-            <a:r>
-              <a:rPr kumimoji="0" lang="de-DE" sz="4400" b="0" i="0" u="none" strike="noStrike" kern="1200" cap="none" spc="0" normalizeH="0" baseline="0" noProof="0" smtClean="0">
-                <a:ln>
-                  <a:noFill/>
-                </a:ln>
-                <a:solidFill>
-                  <a:schemeClr val="tx1"/>
-                </a:solidFill>
-                <a:effectLst/>
-                <a:uLnTx/>
-                <a:uFillTx/>
-                <a:latin typeface="Adobe Arabic" pitchFamily="18" charset="-78"/>
-                <a:ea typeface="+mj-ea"/>
-                <a:cs typeface="Adobe Arabic" pitchFamily="18" charset="-78"/>
-              </a:rPr>
-              <a:t>Quellen</a:t>
-            </a:r>
-            <a:endParaRPr kumimoji="0" lang="de-DE" sz="4400" b="0" i="0" u="none" strike="noStrike" kern="1200" cap="none" spc="0" normalizeH="0" baseline="0" noProof="0">
-              <a:ln>
-                <a:noFill/>
-              </a:ln>
-              <a:solidFill>
-                <a:schemeClr val="tx1"/>
-              </a:solidFill>
-              <a:effectLst/>
-              <a:uLnTx/>
-              <a:uFillTx/>
-              <a:latin typeface="Adobe Arabic" pitchFamily="18" charset="-78"/>
-              <a:ea typeface="+mj-ea"/>
-              <a:cs typeface="Adobe Arabic" pitchFamily="18" charset="-78"/>
-            </a:endParaRPr>
-          </a:p>
-        </p:txBody>
-      </p:sp>
-    </p:spTree>
-  </p:cSld>
-  <p:clrMapOvr>
-    <a:masterClrMapping/>
-  </p:clrMapOvr>
-  <p:timing>
-    <p:tnLst>
-      <p:par>
-        <p:cTn id="1" dur="indefinite" restart="never" nodeType="tmRoot"/>
-      </p:par>
-    </p:tnLst>
-  </p:timing>
-</p:sld>
-</file>
-
-<file path=ppt/slides/slide14.xml><?xml version="1.0" encoding="utf-8"?>
-<p:sld xmlns:a="http://schemas.openxmlformats.org/drawingml/2006/main" xmlns:r="http://schemas.openxmlformats.org/officeDocument/2006/relationships" xmlns:p="http://schemas.openxmlformats.org/presentationml/2006/main">
-  <p:cSld>
-    <p:spTree>
-      <p:nvGrpSpPr>
-        <p:cNvPr id="1" name=""/>
-        <p:cNvGrpSpPr/>
-        <p:nvPr/>
-      </p:nvGrpSpPr>
-      <p:grpSpPr>
-        <a:xfrm>
-          <a:off x="0" y="0"/>
-          <a:ext cx="0" cy="0"/>
-          <a:chOff x="0" y="0"/>
-          <a:chExt cx="0" cy="0"/>
-        </a:xfrm>
-      </p:grpSpPr>
-      <p:sp>
-        <p:nvSpPr>
-          <p:cNvPr id="2" name="Inhaltsplatzhalter 1"/>
-          <p:cNvSpPr>
-            <a:spLocks noGrp="1"/>
-          </p:cNvSpPr>
-          <p:nvPr>
-            <p:ph idx="1"/>
-          </p:nvPr>
-        </p:nvSpPr>
-        <p:spPr>
-          <a:xfrm>
-            <a:off x="251520" y="1379909"/>
-            <a:ext cx="8445624" cy="5145435"/>
-          </a:xfrm>
-        </p:spPr>
-        <p:txBody>
-          <a:bodyPr>
-            <a:normAutofit/>
-          </a:bodyPr>
-          <a:lstStyle/>
-          <a:p>
-            <a:pPr>
-              <a:buNone/>
-            </a:pPr>
-            <a:r>
-              <a:rPr lang="de-DE" sz="1800" smtClean="0"/>
-              <a:t>[9]   </a:t>
-            </a:r>
-            <a:r>
-              <a:rPr lang="de-DE" sz="1800" smtClean="0">
-                <a:hlinkClick r:id="rId2"/>
-              </a:rPr>
-              <a:t>http://myrrha.sckcen.be/en/</a:t>
-            </a:r>
-            <a:endParaRPr lang="de-DE" sz="1800" smtClean="0"/>
-          </a:p>
-          <a:p>
-            <a:pPr>
-              <a:buNone/>
-            </a:pPr>
-            <a:r>
-              <a:rPr lang="de-DE" sz="1800" smtClean="0"/>
-              <a:t>[10] Smidt, Dieter. Reaktor-Sicherheitstechnik: Sicherheitssysteme und Störfallanalyse für Leichtwasserreaktoren und schnelle Brüter. Springer-Verlag, 2013.</a:t>
-            </a:r>
-          </a:p>
-          <a:p>
-            <a:pPr>
-              <a:buNone/>
-            </a:pPr>
-            <a:r>
-              <a:rPr lang="de-DE" sz="1800" smtClean="0"/>
-              <a:t>[11] </a:t>
-            </a:r>
-            <a:r>
-              <a:rPr lang="de-DE" sz="1800" smtClean="0">
-                <a:hlinkClick r:id="rId3"/>
-              </a:rPr>
-              <a:t>https://www.j-parc.jp/Transmutation/en/index.html</a:t>
-            </a:r>
-            <a:endParaRPr lang="de-DE" sz="1800" smtClean="0"/>
-          </a:p>
-          <a:p>
-            <a:pPr>
-              <a:buNone/>
-            </a:pPr>
-            <a:r>
-              <a:rPr lang="de-DE" sz="1800" smtClean="0"/>
-              <a:t>[12] </a:t>
-            </a:r>
-            <a:r>
-              <a:rPr lang="de-DE" sz="1800" smtClean="0">
-                <a:hlinkClick r:id="rId4"/>
-              </a:rPr>
-              <a:t>https://www.gen-4.org/gif/jcms/c_59461/generation-iv-systems</a:t>
-            </a:r>
-            <a:endParaRPr lang="de-DE" sz="1800" smtClean="0"/>
-          </a:p>
-          <a:p>
-            <a:pPr>
-              <a:buNone/>
-            </a:pPr>
-            <a:r>
-              <a:rPr lang="de-DE" sz="1800" smtClean="0"/>
-              <a:t>[13] </a:t>
-            </a:r>
-            <a:r>
-              <a:rPr lang="de-DE" sz="1800" smtClean="0">
-                <a:hlinkClick r:id="rId5"/>
-              </a:rPr>
-              <a:t>http://www.nndc.bnl.gov/nudat2/</a:t>
-            </a:r>
-            <a:endParaRPr lang="de-DE" sz="1800" smtClean="0"/>
-          </a:p>
-          <a:p>
-            <a:pPr>
-              <a:buNone/>
-            </a:pPr>
-            <a:r>
-              <a:rPr lang="de-DE" sz="1800" smtClean="0"/>
-              <a:t>[14] </a:t>
-            </a:r>
-            <a:r>
-              <a:rPr lang="de-DE" sz="1800" err="1" smtClean="0"/>
-              <a:t>Bowman</a:t>
-            </a:r>
-            <a:r>
-              <a:rPr lang="de-DE" sz="1800" smtClean="0"/>
-              <a:t>, Charles D. "</a:t>
-            </a:r>
-            <a:r>
-              <a:rPr lang="de-DE" sz="1800" err="1" smtClean="0"/>
-              <a:t>Accelerator-driven</a:t>
-            </a:r>
-            <a:r>
-              <a:rPr lang="de-DE" sz="1800" smtClean="0"/>
-              <a:t> </a:t>
-            </a:r>
-            <a:r>
-              <a:rPr lang="de-DE" sz="1800" err="1" smtClean="0"/>
-              <a:t>systems</a:t>
-            </a:r>
-            <a:r>
-              <a:rPr lang="de-DE" sz="1800" smtClean="0"/>
-              <a:t> </a:t>
-            </a:r>
-            <a:r>
-              <a:rPr lang="de-DE" sz="1800" err="1" smtClean="0"/>
-              <a:t>for</a:t>
-            </a:r>
-            <a:r>
-              <a:rPr lang="de-DE" sz="1800" smtClean="0"/>
-              <a:t> </a:t>
-            </a:r>
-            <a:r>
-              <a:rPr lang="de-DE" sz="1800" err="1" smtClean="0"/>
-              <a:t>nuclear</a:t>
-            </a:r>
-            <a:r>
-              <a:rPr lang="de-DE" sz="1800" smtClean="0"/>
-              <a:t> </a:t>
-            </a:r>
-            <a:r>
-              <a:rPr lang="de-DE" sz="1800" err="1" smtClean="0"/>
-              <a:t>waste</a:t>
-            </a:r>
-            <a:r>
-              <a:rPr lang="de-DE" sz="1800" smtClean="0"/>
-              <a:t> </a:t>
-            </a:r>
-            <a:r>
-              <a:rPr lang="de-DE" sz="1800" err="1" smtClean="0"/>
-              <a:t>transmutation</a:t>
-            </a:r>
-            <a:r>
-              <a:rPr lang="de-DE" sz="1800" smtClean="0"/>
-              <a:t>." Annual Review </a:t>
-            </a:r>
-            <a:r>
-              <a:rPr lang="de-DE" sz="1800" err="1" smtClean="0"/>
-              <a:t>of</a:t>
-            </a:r>
-            <a:r>
-              <a:rPr lang="de-DE" sz="1800" smtClean="0"/>
-              <a:t> </a:t>
-            </a:r>
-            <a:r>
-              <a:rPr lang="de-DE" sz="1800" err="1" smtClean="0"/>
-              <a:t>Nuclear</a:t>
-            </a:r>
-            <a:r>
-              <a:rPr lang="de-DE" sz="1800" smtClean="0"/>
-              <a:t> </a:t>
-            </a:r>
-            <a:r>
-              <a:rPr lang="de-DE" sz="1800" err="1" smtClean="0"/>
-              <a:t>and</a:t>
-            </a:r>
-            <a:r>
-              <a:rPr lang="de-DE" sz="1800" smtClean="0"/>
-              <a:t> </a:t>
-            </a:r>
-            <a:r>
-              <a:rPr lang="de-DE" sz="1800" err="1" smtClean="0"/>
-              <a:t>Particle</a:t>
-            </a:r>
-            <a:r>
-              <a:rPr lang="de-DE" sz="1800" smtClean="0"/>
-              <a:t> Science 48.1 (1998): 505-556.</a:t>
-            </a:r>
-          </a:p>
-          <a:p>
-            <a:pPr>
-              <a:buNone/>
-            </a:pPr>
-            <a:r>
-              <a:rPr lang="de-DE" sz="1800" smtClean="0"/>
-              <a:t>[15] </a:t>
-            </a:r>
-            <a:r>
-              <a:rPr lang="de-DE" sz="1800" err="1" smtClean="0"/>
-              <a:t>Nünighoff</a:t>
-            </a:r>
-            <a:r>
-              <a:rPr lang="de-DE" sz="1800" smtClean="0"/>
-              <a:t>, Kay. Sicherheitstechnik im Wandel nuklearer Systeme: Strahlenschutz bei </a:t>
-            </a:r>
-            <a:r>
-              <a:rPr lang="de-DE" sz="1800" err="1" smtClean="0"/>
-              <a:t>Spallationsneutronenquellen</a:t>
-            </a:r>
-            <a:r>
-              <a:rPr lang="de-DE" sz="1800" smtClean="0"/>
-              <a:t> und Transmutationsanlagen. Vol. 40. Forschungszentrum Jülich, 2009.</a:t>
-            </a:r>
-          </a:p>
-          <a:p>
-            <a:pPr>
-              <a:buNone/>
-            </a:pPr>
-            <a:endParaRPr lang="de-DE" sz="1800"/>
-          </a:p>
-        </p:txBody>
-      </p:sp>
-      <p:sp>
-        <p:nvSpPr>
-          <p:cNvPr id="3" name="Datumsplatzhalter 2"/>
-          <p:cNvSpPr>
-            <a:spLocks noGrp="1"/>
-          </p:cNvSpPr>
-          <p:nvPr>
-            <p:ph type="dt" sz="half" idx="10"/>
-          </p:nvPr>
-        </p:nvSpPr>
-        <p:spPr/>
-        <p:txBody>
-          <a:bodyPr/>
-          <a:lstStyle/>
-          <a:p>
-            <a:r>
-              <a:rPr lang="de-DE" smtClean="0"/>
-              <a:t>27.01.2017</a:t>
-            </a:r>
-            <a:endParaRPr lang="de-DE"/>
-          </a:p>
-        </p:txBody>
-      </p:sp>
-      <p:sp>
-        <p:nvSpPr>
-          <p:cNvPr id="4" name="Fußzeilenplatzhalter 3"/>
-          <p:cNvSpPr>
-            <a:spLocks noGrp="1"/>
-          </p:cNvSpPr>
-          <p:nvPr>
-            <p:ph type="ftr" sz="quarter" idx="11"/>
-          </p:nvPr>
-        </p:nvSpPr>
-        <p:spPr/>
-        <p:txBody>
-          <a:bodyPr/>
-          <a:lstStyle/>
-          <a:p>
-            <a:r>
-              <a:rPr lang="de-DE" smtClean="0"/>
-              <a:t>Transmutation – Matthias Jaeger</a:t>
-            </a:r>
-            <a:endParaRPr lang="de-DE"/>
-          </a:p>
-        </p:txBody>
-      </p:sp>
-      <p:sp>
-        <p:nvSpPr>
-          <p:cNvPr id="5" name="Foliennummernplatzhalter 4"/>
-          <p:cNvSpPr>
-            <a:spLocks noGrp="1"/>
-          </p:cNvSpPr>
-          <p:nvPr>
-            <p:ph type="sldNum" sz="quarter" idx="12"/>
-          </p:nvPr>
-        </p:nvSpPr>
-        <p:spPr/>
-        <p:txBody>
-          <a:bodyPr/>
-          <a:lstStyle/>
-          <a:p>
-            <a:fld id="{1A73E011-4CD9-4D05-A24A-32BCD9CDCEE7}" type="slidenum">
-              <a:rPr lang="de-DE" smtClean="0"/>
-              <a:pPr/>
-              <a:t>14</a:t>
-            </a:fld>
-            <a:endParaRPr lang="de-DE"/>
-          </a:p>
-        </p:txBody>
-      </p:sp>
-      <p:sp>
-        <p:nvSpPr>
-          <p:cNvPr id="6" name="Textplatzhalter 5"/>
-          <p:cNvSpPr>
-            <a:spLocks noGrp="1"/>
-          </p:cNvSpPr>
-          <p:nvPr>
-            <p:ph type="body" sz="quarter" idx="13"/>
-          </p:nvPr>
-        </p:nvSpPr>
-        <p:spPr/>
-        <p:txBody>
-          <a:bodyPr/>
-          <a:lstStyle/>
-          <a:p>
-            <a:endParaRPr lang="de-DE"/>
-          </a:p>
-        </p:txBody>
-      </p:sp>
-      <p:sp>
-        <p:nvSpPr>
-          <p:cNvPr id="8" name="Titel 1"/>
-          <p:cNvSpPr txBox="1">
-            <a:spLocks/>
-          </p:cNvSpPr>
-          <p:nvPr/>
-        </p:nvSpPr>
-        <p:spPr>
-          <a:xfrm>
-            <a:off x="467544" y="620688"/>
-            <a:ext cx="8229600" cy="1143000"/>
-          </a:xfrm>
-          <a:prstGeom prst="rect">
-            <a:avLst/>
-          </a:prstGeom>
-        </p:spPr>
-        <p:txBody>
-          <a:bodyPr/>
-          <a:lstStyle/>
-          <a:p>
-            <a:pPr marL="0" marR="0" lvl="0" indent="0" algn="ctr" defTabSz="914400" rtl="0" eaLnBrk="1" fontAlgn="auto" latinLnBrk="0" hangingPunct="1">
-              <a:lnSpc>
-                <a:spcPct val="100000"/>
-              </a:lnSpc>
-              <a:spcBef>
-                <a:spcPct val="0"/>
-              </a:spcBef>
-              <a:spcAft>
-                <a:spcPts val="0"/>
-              </a:spcAft>
-              <a:buClrTx/>
-              <a:buSzTx/>
-              <a:buFontTx/>
-              <a:buNone/>
-              <a:tabLst/>
-              <a:defRPr/>
-            </a:pPr>
-            <a:r>
-              <a:rPr kumimoji="0" lang="de-DE" sz="4400" b="0" i="0" u="none" strike="noStrike" kern="1200" cap="none" spc="0" normalizeH="0" baseline="0" noProof="0" smtClean="0">
-                <a:ln>
-                  <a:noFill/>
-                </a:ln>
-                <a:solidFill>
-                  <a:schemeClr val="tx1"/>
-                </a:solidFill>
-                <a:effectLst/>
-                <a:uLnTx/>
-                <a:uFillTx/>
-                <a:latin typeface="Adobe Arabic" pitchFamily="18" charset="-78"/>
-                <a:ea typeface="+mj-ea"/>
-                <a:cs typeface="Adobe Arabic" pitchFamily="18" charset="-78"/>
-              </a:rPr>
-              <a:t>Quellen</a:t>
-            </a:r>
-            <a:endParaRPr kumimoji="0" lang="de-DE" sz="4400" b="0" i="0" u="none" strike="noStrike" kern="1200" cap="none" spc="0" normalizeH="0" baseline="0" noProof="0">
-              <a:ln>
-                <a:noFill/>
-              </a:ln>
-              <a:solidFill>
-                <a:schemeClr val="tx1"/>
-              </a:solidFill>
-              <a:effectLst/>
-              <a:uLnTx/>
-              <a:uFillTx/>
-              <a:latin typeface="Adobe Arabic" pitchFamily="18" charset="-78"/>
-              <a:ea typeface="+mj-ea"/>
-              <a:cs typeface="Adobe Arabic" pitchFamily="18" charset="-78"/>
-            </a:endParaRPr>
-          </a:p>
-        </p:txBody>
-      </p:sp>
-    </p:spTree>
-  </p:cSld>
-  <p:clrMapOvr>
-    <a:masterClrMapping/>
-  </p:clrMapOvr>
-  <p:timing>
-    <p:tnLst>
-      <p:par>
-        <p:cTn id="1" dur="indefinite" restart="never" nodeType="tmRoot"/>
-      </p:par>
-    </p:tnLst>
-  </p:timing>
-</p:sld>
-</file>
-
-<file path=ppt/slides/slide2.xml><?xml version="1.0" encoding="utf-8"?>
-<p:sld xmlns:a="http://schemas.openxmlformats.org/drawingml/2006/main" xmlns:r="http://schemas.openxmlformats.org/officeDocument/2006/relationships" xmlns:p="http://schemas.openxmlformats.org/presentationml/2006/main">
-  <p:cSld>
-    <p:spTree>
-      <p:nvGrpSpPr>
-        <p:cNvPr id="1" name=""/>
-        <p:cNvGrpSpPr/>
-        <p:nvPr/>
-      </p:nvGrpSpPr>
-      <p:grpSpPr>
-        <a:xfrm>
-          <a:off x="0" y="0"/>
-          <a:ext cx="0" cy="0"/>
-          <a:chOff x="0" y="0"/>
-          <a:chExt cx="0" cy="0"/>
-        </a:xfrm>
-      </p:grpSpPr>
-      <p:sp>
-        <p:nvSpPr>
-          <p:cNvPr id="2" name="Titel 1"/>
-          <p:cNvSpPr>
-            <a:spLocks noGrp="1"/>
-          </p:cNvSpPr>
-          <p:nvPr>
-            <p:ph type="title"/>
-          </p:nvPr>
-        </p:nvSpPr>
-        <p:spPr/>
-        <p:txBody>
-          <a:bodyPr/>
-          <a:lstStyle/>
-          <a:p>
-            <a:r>
-              <a:rPr lang="de-DE" smtClean="0"/>
-              <a:t>Inhalt</a:t>
-            </a:r>
-            <a:endParaRPr lang="de-DE"/>
-          </a:p>
-        </p:txBody>
-      </p:sp>
-      <p:sp>
-        <p:nvSpPr>
-          <p:cNvPr id="3" name="Inhaltsplatzhalter 2"/>
-          <p:cNvSpPr>
-            <a:spLocks noGrp="1"/>
-          </p:cNvSpPr>
-          <p:nvPr>
-            <p:ph idx="1"/>
-          </p:nvPr>
-        </p:nvSpPr>
-        <p:spPr/>
-        <p:txBody>
-          <a:bodyPr>
-            <a:normAutofit/>
-          </a:bodyPr>
-          <a:lstStyle/>
-          <a:p>
-            <a:pPr marL="514350" indent="-514350">
-              <a:buFont typeface="+mj-lt"/>
-              <a:buAutoNum type="arabicPeriod"/>
-            </a:pPr>
-            <a:r>
-              <a:rPr lang="de-DE" smtClean="0"/>
-              <a:t>Problemstellung</a:t>
-            </a:r>
-          </a:p>
-          <a:p>
-            <a:pPr marL="514350" indent="-514350">
-              <a:buFont typeface="+mj-lt"/>
-              <a:buAutoNum type="arabicPeriod"/>
-            </a:pPr>
-            <a:r>
-              <a:rPr lang="de-DE" smtClean="0"/>
-              <a:t>DG-Verfahren</a:t>
-            </a:r>
-          </a:p>
-          <a:p>
-            <a:pPr marL="514350" indent="-514350">
-              <a:buFont typeface="+mj-lt"/>
-              <a:buAutoNum type="arabicPeriod"/>
-            </a:pPr>
-            <a:r>
-              <a:rPr lang="de-DE" smtClean="0"/>
-              <a:t>Erste Ergebnisse</a:t>
-            </a:r>
-          </a:p>
-          <a:p>
-            <a:pPr marL="514350" indent="-514350">
-              <a:buFont typeface="+mj-lt"/>
-              <a:buAutoNum type="arabicPeriod"/>
-            </a:pPr>
-            <a:r>
-              <a:rPr lang="de-DE" smtClean="0"/>
-              <a:t>Ausblick</a:t>
-            </a:r>
-            <a:endParaRPr lang="de-DE"/>
-          </a:p>
-        </p:txBody>
-      </p:sp>
-      <p:sp>
-        <p:nvSpPr>
-          <p:cNvPr id="4" name="Datumsplatzhalter 3"/>
-          <p:cNvSpPr>
-            <a:spLocks noGrp="1"/>
-          </p:cNvSpPr>
-          <p:nvPr>
-            <p:ph type="dt" sz="half" idx="10"/>
-          </p:nvPr>
-        </p:nvSpPr>
-        <p:spPr/>
-        <p:txBody>
-          <a:bodyPr/>
-          <a:lstStyle/>
-          <a:p>
-            <a:r>
-              <a:rPr lang="de-DE" smtClean="0"/>
-              <a:t>27.01.2017</a:t>
-            </a:r>
-            <a:endParaRPr lang="de-DE"/>
-          </a:p>
-        </p:txBody>
-      </p:sp>
-      <p:sp>
-        <p:nvSpPr>
-          <p:cNvPr id="5" name="Fußzeilenplatzhalter 4"/>
-          <p:cNvSpPr>
-            <a:spLocks noGrp="1"/>
-          </p:cNvSpPr>
-          <p:nvPr>
-            <p:ph type="ftr" sz="quarter" idx="11"/>
-          </p:nvPr>
-        </p:nvSpPr>
-        <p:spPr/>
-        <p:txBody>
-          <a:bodyPr/>
-          <a:lstStyle/>
-          <a:p>
-            <a:r>
-              <a:rPr lang="de-DE" smtClean="0"/>
-              <a:t>Transmutation – Matthias Jaeger</a:t>
-            </a:r>
-            <a:endParaRPr lang="de-DE"/>
-          </a:p>
-        </p:txBody>
-      </p:sp>
-      <p:sp>
-        <p:nvSpPr>
-          <p:cNvPr id="6" name="Foliennummernplatzhalter 5"/>
-          <p:cNvSpPr>
-            <a:spLocks noGrp="1"/>
-          </p:cNvSpPr>
-          <p:nvPr>
-            <p:ph type="sldNum" sz="quarter" idx="12"/>
-          </p:nvPr>
-        </p:nvSpPr>
-        <p:spPr/>
-        <p:txBody>
-          <a:bodyPr/>
-          <a:lstStyle/>
-          <a:p>
-            <a:fld id="{1A73E011-4CD9-4D05-A24A-32BCD9CDCEE7}" type="slidenum">
-              <a:rPr lang="de-DE" smtClean="0"/>
-              <a:pPr/>
-              <a:t>2</a:t>
-            </a:fld>
-            <a:endParaRPr lang="de-DE"/>
-          </a:p>
-        </p:txBody>
-      </p:sp>
-    </p:spTree>
-  </p:cSld>
-  <p:clrMapOvr>
-    <a:masterClrMapping/>
-  </p:clrMapOvr>
-  <p:timing>
-    <p:tnLst>
-      <p:par>
-        <p:cTn id="1" dur="indefinite" restart="never" nodeType="tmRoot"/>
-      </p:par>
-    </p:tnLst>
-  </p:timing>
-</p:sld>
-</file>
-
-<file path=ppt/slides/slide3.xml><?xml version="1.0" encoding="utf-8"?>
-<p:sld xmlns:a="http://schemas.openxmlformats.org/drawingml/2006/main" xmlns:r="http://schemas.openxmlformats.org/officeDocument/2006/relationships" xmlns:p="http://schemas.openxmlformats.org/presentationml/2006/main">
-  <p:cSld>
-    <p:spTree>
-      <p:nvGrpSpPr>
-        <p:cNvPr id="1" name=""/>
-        <p:cNvGrpSpPr/>
-        <p:nvPr/>
-      </p:nvGrpSpPr>
-      <p:grpSpPr>
-        <a:xfrm>
-          <a:off x="0" y="0"/>
-          <a:ext cx="0" cy="0"/>
-          <a:chOff x="0" y="0"/>
-          <a:chExt cx="0" cy="0"/>
-        </a:xfrm>
-      </p:grpSpPr>
-      <p:sp>
-        <p:nvSpPr>
-          <p:cNvPr id="2" name="Inhaltsplatzhalter 1"/>
-          <p:cNvSpPr>
-            <a:spLocks noGrp="1"/>
-          </p:cNvSpPr>
-          <p:nvPr>
-            <p:ph idx="1"/>
-          </p:nvPr>
-        </p:nvSpPr>
-        <p:spPr/>
-        <p:txBody>
-          <a:bodyPr>
-            <a:normAutofit/>
-          </a:bodyPr>
-          <a:lstStyle/>
-          <a:p>
-            <a:pPr marL="0" indent="0">
-              <a:buNone/>
-            </a:pPr>
-            <a:r>
-              <a:rPr lang="de-DE" sz="3200" smtClean="0"/>
-              <a:t>Übergang geschlossene        offene Systeme</a:t>
-            </a:r>
-          </a:p>
-        </p:txBody>
-      </p:sp>
-      <p:sp>
-        <p:nvSpPr>
-          <p:cNvPr id="3" name="Datumsplatzhalter 2"/>
-          <p:cNvSpPr>
-            <a:spLocks noGrp="1"/>
-          </p:cNvSpPr>
-          <p:nvPr>
-            <p:ph type="dt" sz="half" idx="10"/>
-          </p:nvPr>
-        </p:nvSpPr>
-        <p:spPr/>
-        <p:txBody>
-          <a:bodyPr/>
-          <a:lstStyle/>
-          <a:p>
-            <a:r>
-              <a:rPr lang="de-DE" smtClean="0"/>
-              <a:t>27.01.2017</a:t>
-            </a:r>
-            <a:endParaRPr lang="de-DE"/>
-          </a:p>
-        </p:txBody>
-      </p:sp>
-      <p:sp>
-        <p:nvSpPr>
-          <p:cNvPr id="4" name="Fußzeilenplatzhalter 3"/>
-          <p:cNvSpPr>
-            <a:spLocks noGrp="1"/>
-          </p:cNvSpPr>
-          <p:nvPr>
-            <p:ph type="ftr" sz="quarter" idx="11"/>
-          </p:nvPr>
-        </p:nvSpPr>
-        <p:spPr/>
-        <p:txBody>
-          <a:bodyPr/>
-          <a:lstStyle/>
-          <a:p>
-            <a:r>
-              <a:rPr lang="de-DE" smtClean="0"/>
-              <a:t>Transmutation – Matthias Jaeger</a:t>
-            </a:r>
-            <a:endParaRPr lang="de-DE"/>
-          </a:p>
-        </p:txBody>
-      </p:sp>
-      <p:sp>
-        <p:nvSpPr>
-          <p:cNvPr id="5" name="Foliennummernplatzhalter 4"/>
-          <p:cNvSpPr>
-            <a:spLocks noGrp="1"/>
-          </p:cNvSpPr>
-          <p:nvPr>
-            <p:ph type="sldNum" sz="quarter" idx="12"/>
-          </p:nvPr>
-        </p:nvSpPr>
-        <p:spPr/>
-        <p:txBody>
-          <a:bodyPr/>
-          <a:lstStyle/>
-          <a:p>
-            <a:fld id="{1A73E011-4CD9-4D05-A24A-32BCD9CDCEE7}" type="slidenum">
-              <a:rPr lang="de-DE" smtClean="0"/>
-              <a:pPr/>
-              <a:t>3</a:t>
             </a:fld>
             <a:endParaRPr lang="de-DE"/>
           </a:p>
@@ -10115,6 +9043,2008 @@
                 <a:latin typeface="Adobe Arabic" pitchFamily="18" charset="-78"/>
                 <a:cs typeface="Adobe Arabic" pitchFamily="18" charset="-78"/>
               </a:rPr>
+              <a:t>2. </a:t>
+            </a:r>
+            <a:r>
+              <a:rPr lang="de-DE" sz="1600" smtClean="0">
+                <a:latin typeface="Adobe Arabic" pitchFamily="18" charset="-78"/>
+                <a:cs typeface="Adobe Arabic" pitchFamily="18" charset="-78"/>
+              </a:rPr>
+              <a:t>DG-Verfahren</a:t>
+            </a:r>
+            <a:endParaRPr lang="de-DE" sz="1600" smtClean="0">
+              <a:latin typeface="Adobe Arabic" pitchFamily="18" charset="-78"/>
+              <a:cs typeface="Adobe Arabic" pitchFamily="18" charset="-78"/>
+            </a:endParaRPr>
+          </a:p>
+          <a:p>
+            <a:pPr algn="ctr"/>
+            <a:endParaRPr lang="de-DE" sz="1600">
+              <a:solidFill>
+                <a:schemeClr val="accent5">
+                  <a:lumMod val="50000"/>
+                </a:schemeClr>
+              </a:solidFill>
+              <a:latin typeface="Adobe Arabic" pitchFamily="18" charset="-78"/>
+              <a:cs typeface="Adobe Arabic" pitchFamily="18" charset="-78"/>
+            </a:endParaRPr>
+          </a:p>
+        </p:txBody>
+      </p:sp>
+      <p:sp>
+        <p:nvSpPr>
+          <p:cNvPr id="17" name="Inhaltsplatzhalter 1"/>
+          <p:cNvSpPr>
+            <a:spLocks noGrp="1"/>
+          </p:cNvSpPr>
+          <p:nvPr>
+            <p:ph idx="1"/>
+          </p:nvPr>
+        </p:nvSpPr>
+        <p:spPr>
+          <a:xfrm>
+            <a:off x="457200" y="980728"/>
+            <a:ext cx="8229600" cy="5145435"/>
+          </a:xfrm>
+        </p:spPr>
+        <p:txBody>
+          <a:bodyPr>
+            <a:normAutofit/>
+          </a:bodyPr>
+          <a:lstStyle/>
+          <a:p>
+            <a:pPr marL="0" indent="0">
+              <a:buNone/>
+            </a:pPr>
+            <a:r>
+              <a:rPr lang="de-DE" sz="3200" smtClean="0"/>
+              <a:t>Discontinuous Galerkin Verfahren</a:t>
+            </a:r>
+          </a:p>
+          <a:p>
+            <a:pPr marL="0" indent="0">
+              <a:buNone/>
+            </a:pPr>
+            <a:r>
+              <a:rPr lang="de-DE" sz="3200"/>
+              <a:t>	</a:t>
+            </a:r>
+            <a:r>
+              <a:rPr lang="de-DE" sz="3200" smtClean="0"/>
+              <a:t>		= erweitertes FEM Verfahren</a:t>
+            </a:r>
+          </a:p>
+          <a:p>
+            <a:pPr marL="0" indent="0">
+              <a:buNone/>
+            </a:pPr>
+            <a:r>
+              <a:rPr lang="de-DE" sz="3200" smtClean="0"/>
+              <a:t>Idee FEM: </a:t>
+            </a:r>
+          </a:p>
+          <a:p>
+            <a:pPr marL="0" indent="0">
+              <a:buNone/>
+            </a:pPr>
+            <a:r>
+              <a:rPr lang="de-DE" sz="3200" smtClean="0"/>
+              <a:t>Approximiere Lösung               einer pDGL durch       auf endlichdimensionalem Funktionenraum</a:t>
+            </a:r>
+            <a:endParaRPr lang="de-DE" sz="3200" smtClean="0"/>
+          </a:p>
+        </p:txBody>
+      </p:sp>
+      <p:pic>
+        <p:nvPicPr>
+          <p:cNvPr id="1026" name="Picture 2"/>
+          <p:cNvPicPr>
+            <a:picLocks noChangeAspect="1" noChangeArrowheads="1"/>
+          </p:cNvPicPr>
+          <p:nvPr/>
+        </p:nvPicPr>
+        <p:blipFill>
+          <a:blip r:embed="rId3">
+            <a:extLst>
+              <a:ext uri="{28A0092B-C50C-407E-A947-70E740481C1C}">
+                <a14:useLocalDpi xmlns:a14="http://schemas.microsoft.com/office/drawing/2010/main" val="0"/>
+              </a:ext>
+            </a:extLst>
+          </a:blip>
+          <a:srcRect/>
+          <a:stretch>
+            <a:fillRect/>
+          </a:stretch>
+        </p:blipFill>
+        <p:spPr bwMode="auto">
+          <a:xfrm>
+            <a:off x="5508104" y="3332578"/>
+            <a:ext cx="580641" cy="419671"/>
+          </a:xfrm>
+          <a:prstGeom prst="rect">
+            <a:avLst/>
+          </a:prstGeom>
+          <a:noFill/>
+          <a:ln>
+            <a:noFill/>
+          </a:ln>
+          <a:extLst>
+            <a:ext uri="{909E8E84-426E-40DD-AFC4-6F175D3DCCD1}">
+              <a14:hiddenFill xmlns:a14="http://schemas.microsoft.com/office/drawing/2010/main">
+                <a:solidFill>
+                  <a:schemeClr val="accent1"/>
+                </a:solidFill>
+              </a14:hiddenFill>
+            </a:ext>
+            <a:ext uri="{91240B29-F687-4F45-9708-019B960494DF}">
+              <a14:hiddenLine xmlns:a14="http://schemas.microsoft.com/office/drawing/2010/main" w="9525">
+                <a:solidFill>
+                  <a:schemeClr val="tx1"/>
+                </a:solidFill>
+                <a:miter lim="800000"/>
+                <a:headEnd/>
+                <a:tailEnd/>
+              </a14:hiddenLine>
+            </a:ext>
+          </a:extLst>
+        </p:spPr>
+      </p:pic>
+      <p:pic>
+        <p:nvPicPr>
+          <p:cNvPr id="1027" name="Picture 3"/>
+          <p:cNvPicPr>
+            <a:picLocks noChangeAspect="1" noChangeArrowheads="1"/>
+          </p:cNvPicPr>
+          <p:nvPr/>
+        </p:nvPicPr>
+        <p:blipFill>
+          <a:blip r:embed="rId4">
+            <a:extLst>
+              <a:ext uri="{28A0092B-C50C-407E-A947-70E740481C1C}">
+                <a14:useLocalDpi xmlns:a14="http://schemas.microsoft.com/office/drawing/2010/main" val="0"/>
+              </a:ext>
+            </a:extLst>
+          </a:blip>
+          <a:srcRect/>
+          <a:stretch>
+            <a:fillRect/>
+          </a:stretch>
+        </p:blipFill>
+        <p:spPr bwMode="auto">
+          <a:xfrm>
+            <a:off x="3347864" y="2813258"/>
+            <a:ext cx="966684" cy="357014"/>
+          </a:xfrm>
+          <a:prstGeom prst="rect">
+            <a:avLst/>
+          </a:prstGeom>
+          <a:noFill/>
+          <a:ln>
+            <a:noFill/>
+          </a:ln>
+          <a:extLst>
+            <a:ext uri="{909E8E84-426E-40DD-AFC4-6F175D3DCCD1}">
+              <a14:hiddenFill xmlns:a14="http://schemas.microsoft.com/office/drawing/2010/main">
+                <a:solidFill>
+                  <a:schemeClr val="accent1"/>
+                </a:solidFill>
+              </a14:hiddenFill>
+            </a:ext>
+            <a:ext uri="{91240B29-F687-4F45-9708-019B960494DF}">
+              <a14:hiddenLine xmlns:a14="http://schemas.microsoft.com/office/drawing/2010/main" w="9525">
+                <a:solidFill>
+                  <a:schemeClr val="tx1"/>
+                </a:solidFill>
+                <a:miter lim="800000"/>
+                <a:headEnd/>
+                <a:tailEnd/>
+              </a14:hiddenLine>
+            </a:ext>
+          </a:extLst>
+        </p:spPr>
+      </p:pic>
+      <p:pic>
+        <p:nvPicPr>
+          <p:cNvPr id="1028" name="Picture 4"/>
+          <p:cNvPicPr>
+            <a:picLocks noChangeAspect="1" noChangeArrowheads="1"/>
+          </p:cNvPicPr>
+          <p:nvPr/>
+        </p:nvPicPr>
+        <p:blipFill>
+          <a:blip r:embed="rId5" cstate="print">
+            <a:extLst>
+              <a:ext uri="{28A0092B-C50C-407E-A947-70E740481C1C}">
+                <a14:useLocalDpi xmlns:a14="http://schemas.microsoft.com/office/drawing/2010/main" val="0"/>
+              </a:ext>
+            </a:extLst>
+          </a:blip>
+          <a:srcRect/>
+          <a:stretch>
+            <a:fillRect/>
+          </a:stretch>
+        </p:blipFill>
+        <p:spPr bwMode="auto">
+          <a:xfrm>
+            <a:off x="6747056" y="2925929"/>
+            <a:ext cx="435784" cy="280417"/>
+          </a:xfrm>
+          <a:prstGeom prst="rect">
+            <a:avLst/>
+          </a:prstGeom>
+          <a:noFill/>
+          <a:ln>
+            <a:noFill/>
+          </a:ln>
+          <a:extLst>
+            <a:ext uri="{909E8E84-426E-40DD-AFC4-6F175D3DCCD1}">
+              <a14:hiddenFill xmlns:a14="http://schemas.microsoft.com/office/drawing/2010/main">
+                <a:solidFill>
+                  <a:schemeClr val="accent1"/>
+                </a:solidFill>
+              </a14:hiddenFill>
+            </a:ext>
+            <a:ext uri="{91240B29-F687-4F45-9708-019B960494DF}">
+              <a14:hiddenLine xmlns:a14="http://schemas.microsoft.com/office/drawing/2010/main" w="9525">
+                <a:solidFill>
+                  <a:schemeClr val="tx1"/>
+                </a:solidFill>
+                <a:miter lim="800000"/>
+                <a:headEnd/>
+                <a:tailEnd/>
+              </a14:hiddenLine>
+            </a:ext>
+          </a:extLst>
+        </p:spPr>
+      </p:pic>
+    </p:spTree>
+    <p:extLst>
+      <p:ext uri="{BB962C8B-B14F-4D97-AF65-F5344CB8AC3E}">
+        <p14:creationId xmlns:p14="http://schemas.microsoft.com/office/powerpoint/2010/main" val="2710702658"/>
+      </p:ext>
+    </p:extLst>
+  </p:cSld>
+  <p:clrMapOvr>
+    <a:masterClrMapping/>
+  </p:clrMapOvr>
+  <mc:AlternateContent xmlns:mc="http://schemas.openxmlformats.org/markup-compatibility/2006" xmlns:p14="http://schemas.microsoft.com/office/powerpoint/2010/main">
+    <mc:Choice Requires="p14">
+      <p:transition spd="slow" p14:dur="2000"/>
+    </mc:Choice>
+    <mc:Fallback xmlns="">
+      <p:transition spd="slow"/>
+    </mc:Fallback>
+  </mc:AlternateContent>
+  <p:timing>
+    <p:tnLst>
+      <p:par>
+        <p:cTn id="1" dur="indefinite" restart="never" nodeType="tmRoot"/>
+      </p:par>
+    </p:tnLst>
+  </p:timing>
+</p:sld>
+</file>
+
+<file path=ppt/slides/slide14.xml><?xml version="1.0" encoding="utf-8"?>
+<p:sld xmlns:a="http://schemas.openxmlformats.org/drawingml/2006/main" xmlns:r="http://schemas.openxmlformats.org/officeDocument/2006/relationships" xmlns:p="http://schemas.openxmlformats.org/presentationml/2006/main">
+  <p:cSld>
+    <p:spTree>
+      <p:nvGrpSpPr>
+        <p:cNvPr id="1" name=""/>
+        <p:cNvGrpSpPr/>
+        <p:nvPr/>
+      </p:nvGrpSpPr>
+      <p:grpSpPr>
+        <a:xfrm>
+          <a:off x="0" y="0"/>
+          <a:ext cx="0" cy="0"/>
+          <a:chOff x="0" y="0"/>
+          <a:chExt cx="0" cy="0"/>
+        </a:xfrm>
+      </p:grpSpPr>
+      <p:sp>
+        <p:nvSpPr>
+          <p:cNvPr id="3" name="Datumsplatzhalter 2"/>
+          <p:cNvSpPr>
+            <a:spLocks noGrp="1"/>
+          </p:cNvSpPr>
+          <p:nvPr>
+            <p:ph type="dt" sz="half" idx="10"/>
+          </p:nvPr>
+        </p:nvSpPr>
+        <p:spPr/>
+        <p:txBody>
+          <a:bodyPr/>
+          <a:lstStyle/>
+          <a:p>
+            <a:r>
+              <a:rPr lang="de-DE" smtClean="0"/>
+              <a:t>27.01.2017</a:t>
+            </a:r>
+            <a:endParaRPr lang="de-DE"/>
+          </a:p>
+        </p:txBody>
+      </p:sp>
+      <p:sp>
+        <p:nvSpPr>
+          <p:cNvPr id="4" name="Fußzeilenplatzhalter 3"/>
+          <p:cNvSpPr>
+            <a:spLocks noGrp="1"/>
+          </p:cNvSpPr>
+          <p:nvPr>
+            <p:ph type="ftr" sz="quarter" idx="11"/>
+          </p:nvPr>
+        </p:nvSpPr>
+        <p:spPr/>
+        <p:txBody>
+          <a:bodyPr/>
+          <a:lstStyle/>
+          <a:p>
+            <a:r>
+              <a:rPr lang="de-DE" smtClean="0"/>
+              <a:t>Transmutation – Matthias Jaeger</a:t>
+            </a:r>
+            <a:endParaRPr lang="de-DE"/>
+          </a:p>
+        </p:txBody>
+      </p:sp>
+      <p:sp>
+        <p:nvSpPr>
+          <p:cNvPr id="5" name="Foliennummernplatzhalter 4"/>
+          <p:cNvSpPr>
+            <a:spLocks noGrp="1"/>
+          </p:cNvSpPr>
+          <p:nvPr>
+            <p:ph type="sldNum" sz="quarter" idx="12"/>
+          </p:nvPr>
+        </p:nvSpPr>
+        <p:spPr/>
+        <p:txBody>
+          <a:bodyPr/>
+          <a:lstStyle/>
+          <a:p>
+            <a:fld id="{1A73E011-4CD9-4D05-A24A-32BCD9CDCEE7}" type="slidenum">
+              <a:rPr lang="de-DE" smtClean="0"/>
+              <a:pPr/>
+              <a:t>14</a:t>
+            </a:fld>
+            <a:endParaRPr lang="de-DE"/>
+          </a:p>
+        </p:txBody>
+      </p:sp>
+      <p:sp>
+        <p:nvSpPr>
+          <p:cNvPr id="7" name="Rechteck 6"/>
+          <p:cNvSpPr/>
+          <p:nvPr/>
+        </p:nvSpPr>
+        <p:spPr>
+          <a:xfrm>
+            <a:off x="6588224" y="72008"/>
+            <a:ext cx="2483768" cy="260648"/>
+          </a:xfrm>
+          <a:prstGeom prst="rect">
+            <a:avLst/>
+          </a:prstGeom>
+          <a:solidFill>
+            <a:srgbClr val="92D050"/>
+          </a:solidFill>
+          <a:ln>
+            <a:noFill/>
+          </a:ln>
+          <a:effectLst>
+            <a:outerShdw blurRad="44450" dist="27940" dir="5400000" algn="ctr">
+              <a:srgbClr val="000000">
+                <a:alpha val="32000"/>
+              </a:srgbClr>
+            </a:outerShdw>
+          </a:effectLst>
+          <a:scene3d>
+            <a:camera prst="orthographicFront">
+              <a:rot lat="0" lon="0" rev="0"/>
+            </a:camera>
+            <a:lightRig rig="balanced" dir="t">
+              <a:rot lat="0" lon="0" rev="8700000"/>
+            </a:lightRig>
+          </a:scene3d>
+          <a:sp3d>
+            <a:bevelT w="190500" h="38100"/>
+          </a:sp3d>
+        </p:spPr>
+        <p:style>
+          <a:lnRef idx="2">
+            <a:schemeClr val="accent1">
+              <a:shade val="50000"/>
+            </a:schemeClr>
+          </a:lnRef>
+          <a:fillRef idx="1">
+            <a:schemeClr val="accent1"/>
+          </a:fillRef>
+          <a:effectRef idx="0">
+            <a:schemeClr val="accent1"/>
+          </a:effectRef>
+          <a:fontRef idx="minor">
+            <a:schemeClr val="lt1"/>
+          </a:fontRef>
+        </p:style>
+        <p:txBody>
+          <a:bodyPr rtlCol="0" anchor="ctr"/>
+          <a:lstStyle/>
+          <a:p>
+            <a:pPr algn="ctr"/>
+            <a:endParaRPr lang="de-DE"/>
+          </a:p>
+        </p:txBody>
+      </p:sp>
+      <p:sp>
+        <p:nvSpPr>
+          <p:cNvPr id="8" name="Textfeld 7"/>
+          <p:cNvSpPr txBox="1"/>
+          <p:nvPr/>
+        </p:nvSpPr>
+        <p:spPr>
+          <a:xfrm>
+            <a:off x="6586695" y="35913"/>
+            <a:ext cx="2521809" cy="584775"/>
+          </a:xfrm>
+          <a:prstGeom prst="rect">
+            <a:avLst/>
+          </a:prstGeom>
+          <a:noFill/>
+        </p:spPr>
+        <p:txBody>
+          <a:bodyPr wrap="square" rtlCol="0">
+            <a:spAutoFit/>
+          </a:bodyPr>
+          <a:lstStyle/>
+          <a:p>
+            <a:pPr algn="ctr"/>
+            <a:r>
+              <a:rPr lang="de-DE" sz="1600" smtClean="0">
+                <a:solidFill>
+                  <a:schemeClr val="accent5">
+                    <a:lumMod val="50000"/>
+                  </a:schemeClr>
+                </a:solidFill>
+                <a:latin typeface="Adobe Arabic" pitchFamily="18" charset="-78"/>
+                <a:cs typeface="Adobe Arabic" pitchFamily="18" charset="-78"/>
+              </a:rPr>
+              <a:t>2. </a:t>
+            </a:r>
+            <a:r>
+              <a:rPr lang="de-DE" sz="1600" smtClean="0">
+                <a:latin typeface="Adobe Arabic" pitchFamily="18" charset="-78"/>
+                <a:cs typeface="Adobe Arabic" pitchFamily="18" charset="-78"/>
+              </a:rPr>
+              <a:t>DG-Verfahren</a:t>
+            </a:r>
+            <a:endParaRPr lang="de-DE" sz="1600" smtClean="0">
+              <a:latin typeface="Adobe Arabic" pitchFamily="18" charset="-78"/>
+              <a:cs typeface="Adobe Arabic" pitchFamily="18" charset="-78"/>
+            </a:endParaRPr>
+          </a:p>
+          <a:p>
+            <a:pPr algn="ctr"/>
+            <a:endParaRPr lang="de-DE" sz="1600">
+              <a:solidFill>
+                <a:schemeClr val="accent5">
+                  <a:lumMod val="50000"/>
+                </a:schemeClr>
+              </a:solidFill>
+              <a:latin typeface="Adobe Arabic" pitchFamily="18" charset="-78"/>
+              <a:cs typeface="Adobe Arabic" pitchFamily="18" charset="-78"/>
+            </a:endParaRPr>
+          </a:p>
+        </p:txBody>
+      </p:sp>
+      <p:sp>
+        <p:nvSpPr>
+          <p:cNvPr id="17" name="Inhaltsplatzhalter 1"/>
+          <p:cNvSpPr>
+            <a:spLocks noGrp="1"/>
+          </p:cNvSpPr>
+          <p:nvPr>
+            <p:ph idx="1"/>
+          </p:nvPr>
+        </p:nvSpPr>
+        <p:spPr>
+          <a:xfrm>
+            <a:off x="457200" y="980728"/>
+            <a:ext cx="8229600" cy="5145435"/>
+          </a:xfrm>
+        </p:spPr>
+        <p:txBody>
+          <a:bodyPr>
+            <a:normAutofit/>
+          </a:bodyPr>
+          <a:lstStyle/>
+          <a:p>
+            <a:pPr marL="0" indent="0">
+              <a:buNone/>
+            </a:pPr>
+            <a:r>
+              <a:rPr lang="de-DE" sz="3200" smtClean="0"/>
+              <a:t>Nicht-konforme Methode: Der FES ist nicht mehr in dem Raum, in dem das zugrundeliegende Variationsproblem formuliert ist, enthalten. Mehr Flexibilität für Diskretisierung. Bei DG ist die diskrete Lösung komplett unstetig und verletzt idR auch eventuelle Dirichlet-Randbedingungen. Lösbarkeit wird erreicht durch geschickte Stabilisierungsterme, die zudem so gewählt werden, dass keine Konsistenzfehler auftreten.</a:t>
+            </a:r>
+            <a:endParaRPr lang="de-DE" sz="3200" smtClean="0"/>
+          </a:p>
+        </p:txBody>
+      </p:sp>
+    </p:spTree>
+    <p:extLst>
+      <p:ext uri="{BB962C8B-B14F-4D97-AF65-F5344CB8AC3E}">
+        <p14:creationId xmlns:p14="http://schemas.microsoft.com/office/powerpoint/2010/main" val="2267934893"/>
+      </p:ext>
+    </p:extLst>
+  </p:cSld>
+  <p:clrMapOvr>
+    <a:masterClrMapping/>
+  </p:clrMapOvr>
+  <mc:AlternateContent xmlns:mc="http://schemas.openxmlformats.org/markup-compatibility/2006" xmlns:p14="http://schemas.microsoft.com/office/powerpoint/2010/main">
+    <mc:Choice Requires="p14">
+      <p:transition spd="slow" p14:dur="2000"/>
+    </mc:Choice>
+    <mc:Fallback xmlns="">
+      <p:transition spd="slow"/>
+    </mc:Fallback>
+  </mc:AlternateContent>
+  <p:timing>
+    <p:tnLst>
+      <p:par>
+        <p:cTn id="1" dur="indefinite" restart="never" nodeType="tmRoot"/>
+      </p:par>
+    </p:tnLst>
+  </p:timing>
+</p:sld>
+</file>
+
+<file path=ppt/slides/slide15.xml><?xml version="1.0" encoding="utf-8"?>
+<p:sld xmlns:a="http://schemas.openxmlformats.org/drawingml/2006/main" xmlns:r="http://schemas.openxmlformats.org/officeDocument/2006/relationships" xmlns:p="http://schemas.openxmlformats.org/presentationml/2006/main">
+  <p:cSld>
+    <p:spTree>
+      <p:nvGrpSpPr>
+        <p:cNvPr id="1" name=""/>
+        <p:cNvGrpSpPr/>
+        <p:nvPr/>
+      </p:nvGrpSpPr>
+      <p:grpSpPr>
+        <a:xfrm>
+          <a:off x="0" y="0"/>
+          <a:ext cx="0" cy="0"/>
+          <a:chOff x="0" y="0"/>
+          <a:chExt cx="0" cy="0"/>
+        </a:xfrm>
+      </p:grpSpPr>
+      <p:sp>
+        <p:nvSpPr>
+          <p:cNvPr id="2" name="Inhaltsplatzhalter 1"/>
+          <p:cNvSpPr>
+            <a:spLocks noGrp="1"/>
+          </p:cNvSpPr>
+          <p:nvPr>
+            <p:ph idx="1"/>
+          </p:nvPr>
+        </p:nvSpPr>
+        <p:spPr>
+          <a:xfrm>
+            <a:off x="251520" y="1379909"/>
+            <a:ext cx="8496944" cy="5145435"/>
+          </a:xfrm>
+        </p:spPr>
+        <p:txBody>
+          <a:bodyPr>
+            <a:noAutofit/>
+          </a:bodyPr>
+          <a:lstStyle/>
+          <a:p>
+            <a:pPr>
+              <a:buNone/>
+            </a:pPr>
+            <a:r>
+              <a:rPr lang="de-DE" sz="1800" smtClean="0"/>
+              <a:t>[1] Renn, Ortwin, </a:t>
+            </a:r>
+            <a:r>
+              <a:rPr lang="de-DE" sz="1800" err="1" smtClean="0"/>
+              <a:t>ed</a:t>
+            </a:r>
+            <a:r>
+              <a:rPr lang="de-DE" sz="1800" smtClean="0"/>
+              <a:t>. Partitionierung und Transmutation: Forschung–Entwicklung–Gesellschaftliche Implikationen. Herbert Utz Verlag, 2014.</a:t>
+            </a:r>
+          </a:p>
+          <a:p>
+            <a:pPr>
+              <a:buNone/>
+            </a:pPr>
+            <a:r>
+              <a:rPr lang="de-DE" sz="1800" smtClean="0"/>
+              <a:t>[2] Huber, Josef, Werner Mester, und Wolfgang Thomas. "Sicherheitsaspekte der Wiederaufbereitung von Kernbrennstoffen." GRS, 1987.</a:t>
+            </a:r>
+          </a:p>
+          <a:p>
+            <a:pPr>
+              <a:buNone/>
+            </a:pPr>
+            <a:r>
+              <a:rPr lang="de-DE" sz="1800" smtClean="0"/>
+              <a:t>[3] Mueller, Alex C. </a:t>
+            </a:r>
+            <a:r>
+              <a:rPr lang="de-DE" sz="1800" err="1" smtClean="0"/>
+              <a:t>and</a:t>
+            </a:r>
+            <a:r>
+              <a:rPr lang="de-DE" sz="1800" smtClean="0"/>
+              <a:t> Hamid </a:t>
+            </a:r>
+            <a:r>
+              <a:rPr lang="de-DE" sz="1800" err="1" smtClean="0"/>
+              <a:t>Ait</a:t>
+            </a:r>
+            <a:r>
+              <a:rPr lang="de-DE" sz="1800" smtClean="0"/>
+              <a:t> Abderrahim. "Transmutation von radioaktivem Abfall." In: Physik Journal 11 (2010), Seiten 33-38.</a:t>
+            </a:r>
+          </a:p>
+          <a:p>
+            <a:pPr>
+              <a:buNone/>
+            </a:pPr>
+            <a:r>
+              <a:rPr lang="de-DE" sz="1800" smtClean="0"/>
+              <a:t>[4] </a:t>
+            </a:r>
+            <a:r>
+              <a:rPr lang="de-DE" sz="1800" err="1" smtClean="0"/>
+              <a:t>Varaine</a:t>
+            </a:r>
+            <a:r>
+              <a:rPr lang="de-DE" sz="1800" smtClean="0"/>
+              <a:t>, F., et al. "</a:t>
+            </a:r>
+            <a:r>
+              <a:rPr lang="de-DE" sz="1800" err="1" smtClean="0"/>
+              <a:t>Overview</a:t>
+            </a:r>
+            <a:r>
+              <a:rPr lang="de-DE" sz="1800" smtClean="0"/>
+              <a:t> on </a:t>
+            </a:r>
+            <a:r>
+              <a:rPr lang="de-DE" sz="1800" err="1" smtClean="0"/>
+              <a:t>homogeneous</a:t>
+            </a:r>
+            <a:r>
+              <a:rPr lang="de-DE" sz="1800" smtClean="0"/>
+              <a:t> </a:t>
+            </a:r>
+            <a:r>
+              <a:rPr lang="de-DE" sz="1800" err="1" smtClean="0"/>
+              <a:t>and</a:t>
+            </a:r>
+            <a:r>
+              <a:rPr lang="de-DE" sz="1800" smtClean="0"/>
+              <a:t> </a:t>
+            </a:r>
+            <a:r>
+              <a:rPr lang="de-DE" sz="1800" err="1" smtClean="0"/>
+              <a:t>heterogeneous</a:t>
+            </a:r>
+            <a:r>
+              <a:rPr lang="de-DE" sz="1800" smtClean="0"/>
+              <a:t> </a:t>
+            </a:r>
+            <a:r>
+              <a:rPr lang="de-DE" sz="1800" err="1" smtClean="0"/>
+              <a:t>transmutation</a:t>
+            </a:r>
+            <a:r>
+              <a:rPr lang="de-DE" sz="1800" smtClean="0"/>
+              <a:t> in a </a:t>
+            </a:r>
+            <a:r>
+              <a:rPr lang="de-DE" sz="1800" err="1" smtClean="0"/>
+              <a:t>new</a:t>
+            </a:r>
+            <a:r>
+              <a:rPr lang="de-DE" sz="1800" smtClean="0"/>
+              <a:t> French SFR: </a:t>
+            </a:r>
+            <a:r>
+              <a:rPr lang="de-DE" sz="1800" err="1" smtClean="0"/>
+              <a:t>Reactor</a:t>
+            </a:r>
+            <a:r>
+              <a:rPr lang="de-DE" sz="1800" smtClean="0"/>
+              <a:t> </a:t>
+            </a:r>
+            <a:r>
+              <a:rPr lang="de-DE" sz="1800" err="1" smtClean="0"/>
+              <a:t>and</a:t>
+            </a:r>
+            <a:r>
+              <a:rPr lang="de-DE" sz="1800" smtClean="0"/>
+              <a:t> </a:t>
+            </a:r>
+            <a:r>
+              <a:rPr lang="de-DE" sz="1800" err="1" smtClean="0"/>
+              <a:t>fuel</a:t>
+            </a:r>
+            <a:r>
+              <a:rPr lang="de-DE" sz="1800" smtClean="0"/>
+              <a:t> </a:t>
+            </a:r>
+            <a:r>
+              <a:rPr lang="de-DE" sz="1800" err="1" smtClean="0"/>
+              <a:t>cycle</a:t>
+            </a:r>
+            <a:r>
+              <a:rPr lang="de-DE" sz="1800" smtClean="0"/>
+              <a:t> </a:t>
+            </a:r>
+            <a:r>
+              <a:rPr lang="de-DE" sz="1800" err="1" smtClean="0"/>
+              <a:t>impact</a:t>
+            </a:r>
+            <a:r>
+              <a:rPr lang="de-DE" sz="1800" smtClean="0"/>
+              <a:t>." In: </a:t>
+            </a:r>
+            <a:r>
+              <a:rPr lang="de-DE" sz="1800" err="1" smtClean="0"/>
+              <a:t>Actinide</a:t>
+            </a:r>
+            <a:r>
+              <a:rPr lang="de-DE" sz="1800" smtClean="0"/>
+              <a:t> </a:t>
+            </a:r>
+            <a:r>
+              <a:rPr lang="de-DE" sz="1800" err="1" smtClean="0"/>
+              <a:t>and</a:t>
+            </a:r>
+            <a:r>
+              <a:rPr lang="de-DE" sz="1800" smtClean="0"/>
+              <a:t> Fission </a:t>
+            </a:r>
+            <a:r>
+              <a:rPr lang="de-DE" sz="1800" err="1" smtClean="0"/>
+              <a:t>Product</a:t>
+            </a:r>
+            <a:r>
+              <a:rPr lang="de-DE" sz="1800" smtClean="0"/>
+              <a:t> </a:t>
+            </a:r>
+            <a:r>
+              <a:rPr lang="de-DE" sz="1800" err="1" smtClean="0"/>
+              <a:t>Partitioning</a:t>
+            </a:r>
+            <a:r>
+              <a:rPr lang="de-DE" sz="1800" smtClean="0"/>
+              <a:t> </a:t>
+            </a:r>
+            <a:r>
+              <a:rPr lang="de-DE" sz="1800" err="1" smtClean="0"/>
+              <a:t>and</a:t>
+            </a:r>
+            <a:r>
+              <a:rPr lang="de-DE" sz="1800" smtClean="0"/>
+              <a:t> Transmutation (2010), Seiten 113-122.</a:t>
+            </a:r>
+          </a:p>
+          <a:p>
+            <a:pPr>
+              <a:buNone/>
+            </a:pPr>
+            <a:r>
+              <a:rPr lang="de-DE" sz="1800" smtClean="0"/>
+              <a:t>[5] Merk, Bruno, et al. "On </a:t>
+            </a:r>
+            <a:r>
+              <a:rPr lang="de-DE" sz="1800" err="1" smtClean="0"/>
+              <a:t>the</a:t>
+            </a:r>
+            <a:r>
+              <a:rPr lang="de-DE" sz="1800" smtClean="0"/>
+              <a:t> </a:t>
+            </a:r>
+            <a:r>
+              <a:rPr lang="de-DE" sz="1800" err="1" smtClean="0"/>
+              <a:t>use</a:t>
+            </a:r>
+            <a:r>
+              <a:rPr lang="de-DE" sz="1800" smtClean="0"/>
+              <a:t> </a:t>
+            </a:r>
+            <a:r>
+              <a:rPr lang="de-DE" sz="1800" err="1" smtClean="0"/>
+              <a:t>of</a:t>
+            </a:r>
+            <a:r>
+              <a:rPr lang="de-DE" sz="1800" smtClean="0"/>
+              <a:t> a </a:t>
+            </a:r>
+            <a:r>
+              <a:rPr lang="de-DE" sz="1800" err="1" smtClean="0"/>
+              <a:t>molten</a:t>
+            </a:r>
+            <a:r>
+              <a:rPr lang="de-DE" sz="1800" smtClean="0"/>
+              <a:t> </a:t>
+            </a:r>
+            <a:r>
+              <a:rPr lang="de-DE" sz="1800" err="1" smtClean="0"/>
+              <a:t>salt</a:t>
+            </a:r>
+            <a:r>
+              <a:rPr lang="de-DE" sz="1800" smtClean="0"/>
+              <a:t> fast </a:t>
+            </a:r>
+            <a:r>
+              <a:rPr lang="de-DE" sz="1800" err="1" smtClean="0"/>
+              <a:t>reactor</a:t>
+            </a:r>
+            <a:r>
+              <a:rPr lang="de-DE" sz="1800" smtClean="0"/>
+              <a:t> </a:t>
+            </a:r>
+            <a:r>
+              <a:rPr lang="de-DE" sz="1800" err="1" smtClean="0"/>
+              <a:t>to</a:t>
+            </a:r>
+            <a:r>
+              <a:rPr lang="de-DE" sz="1800" smtClean="0"/>
+              <a:t> </a:t>
+            </a:r>
+            <a:r>
+              <a:rPr lang="de-DE" sz="1800" err="1" smtClean="0"/>
+              <a:t>apply</a:t>
+            </a:r>
+            <a:r>
+              <a:rPr lang="de-DE" sz="1800" smtClean="0"/>
+              <a:t> an </a:t>
+            </a:r>
+            <a:r>
+              <a:rPr lang="de-DE" sz="1800" err="1" smtClean="0"/>
+              <a:t>idealized</a:t>
+            </a:r>
+            <a:r>
+              <a:rPr lang="de-DE" sz="1800" smtClean="0"/>
+              <a:t> </a:t>
+            </a:r>
+            <a:r>
+              <a:rPr lang="de-DE" sz="1800" err="1" smtClean="0"/>
+              <a:t>transmutation</a:t>
+            </a:r>
+            <a:r>
+              <a:rPr lang="de-DE" sz="1800" smtClean="0"/>
+              <a:t> </a:t>
+            </a:r>
+            <a:r>
+              <a:rPr lang="de-DE" sz="1800" err="1" smtClean="0"/>
+              <a:t>scenario</a:t>
+            </a:r>
+            <a:r>
+              <a:rPr lang="de-DE" sz="1800" smtClean="0"/>
+              <a:t> </a:t>
+            </a:r>
+            <a:r>
+              <a:rPr lang="de-DE" sz="1800" err="1" smtClean="0"/>
+              <a:t>for</a:t>
+            </a:r>
+            <a:r>
+              <a:rPr lang="de-DE" sz="1800" smtClean="0"/>
+              <a:t> </a:t>
+            </a:r>
+            <a:r>
+              <a:rPr lang="de-DE" sz="1800" err="1" smtClean="0"/>
+              <a:t>the</a:t>
+            </a:r>
+            <a:r>
+              <a:rPr lang="de-DE" sz="1800" smtClean="0"/>
+              <a:t> </a:t>
+            </a:r>
+            <a:r>
+              <a:rPr lang="de-DE" sz="1800" err="1" smtClean="0"/>
+              <a:t>nuclear</a:t>
+            </a:r>
+            <a:r>
+              <a:rPr lang="de-DE" sz="1800" smtClean="0"/>
+              <a:t> </a:t>
+            </a:r>
+            <a:r>
+              <a:rPr lang="de-DE" sz="1800" err="1" smtClean="0"/>
+              <a:t>phase</a:t>
+            </a:r>
+            <a:r>
+              <a:rPr lang="de-DE" sz="1800" smtClean="0"/>
+              <a:t> out." In: </a:t>
+            </a:r>
+            <a:r>
+              <a:rPr lang="de-DE" sz="1800" err="1" smtClean="0"/>
+              <a:t>PloS</a:t>
+            </a:r>
+            <a:r>
+              <a:rPr lang="de-DE" sz="1800" smtClean="0"/>
+              <a:t> </a:t>
+            </a:r>
+            <a:r>
+              <a:rPr lang="de-DE" sz="1800" err="1" smtClean="0"/>
+              <a:t>one</a:t>
+            </a:r>
+            <a:r>
+              <a:rPr lang="de-DE" sz="1800" smtClean="0"/>
+              <a:t> 9.4 (2014): e92776.</a:t>
+            </a:r>
+          </a:p>
+          <a:p>
+            <a:pPr>
+              <a:buNone/>
+            </a:pPr>
+            <a:r>
+              <a:rPr lang="de-DE" sz="1800" smtClean="0"/>
+              <a:t>[6] </a:t>
+            </a:r>
+            <a:r>
+              <a:rPr lang="de-DE" sz="1800" smtClean="0">
+                <a:hlinkClick r:id="rId2"/>
+              </a:rPr>
+              <a:t>https://www.welt.de/img/wissenschaft/mobile101678711/1752509087-ci102l-w1024/fp-atom-teaser2-DW-Kultur-Juelich-jpg.jpg</a:t>
+            </a:r>
+            <a:endParaRPr lang="de-DE" sz="1800" smtClean="0"/>
+          </a:p>
+          <a:p>
+            <a:pPr>
+              <a:buNone/>
+            </a:pPr>
+            <a:r>
+              <a:rPr lang="de-DE" sz="1800" smtClean="0"/>
+              <a:t>[7] </a:t>
+            </a:r>
+            <a:r>
+              <a:rPr lang="de-DE" sz="1800" err="1" smtClean="0"/>
+              <a:t>Malmbeck</a:t>
+            </a:r>
+            <a:r>
+              <a:rPr lang="de-DE" sz="1800" smtClean="0"/>
+              <a:t>, R., et al. "</a:t>
+            </a:r>
+            <a:r>
+              <a:rPr lang="de-DE" sz="1800" err="1" smtClean="0"/>
+              <a:t>Advanced</a:t>
+            </a:r>
+            <a:r>
+              <a:rPr lang="de-DE" sz="1800" smtClean="0"/>
+              <a:t> </a:t>
+            </a:r>
+            <a:r>
+              <a:rPr lang="de-DE" sz="1800" err="1" smtClean="0"/>
+              <a:t>fuel</a:t>
+            </a:r>
+            <a:r>
+              <a:rPr lang="de-DE" sz="1800" smtClean="0"/>
+              <a:t> </a:t>
+            </a:r>
+            <a:r>
+              <a:rPr lang="de-DE" sz="1800" err="1" smtClean="0"/>
+              <a:t>cycle</a:t>
+            </a:r>
+            <a:r>
+              <a:rPr lang="de-DE" sz="1800" smtClean="0"/>
+              <a:t> </a:t>
+            </a:r>
+            <a:r>
+              <a:rPr lang="de-DE" sz="1800" err="1" smtClean="0"/>
+              <a:t>options</a:t>
+            </a:r>
+            <a:r>
+              <a:rPr lang="de-DE" sz="1800" smtClean="0"/>
+              <a:t>." </a:t>
+            </a:r>
+            <a:r>
+              <a:rPr lang="de-DE" sz="1800" err="1" smtClean="0"/>
+              <a:t>Energy</a:t>
+            </a:r>
+            <a:r>
+              <a:rPr lang="de-DE" sz="1800" smtClean="0"/>
+              <a:t> </a:t>
+            </a:r>
+            <a:r>
+              <a:rPr lang="de-DE" sz="1800" err="1" smtClean="0"/>
+              <a:t>Procedia</a:t>
+            </a:r>
+            <a:r>
+              <a:rPr lang="de-DE" sz="1800" smtClean="0"/>
+              <a:t> 7 (2011): 93-102.</a:t>
+            </a:r>
+          </a:p>
+          <a:p>
+            <a:pPr>
+              <a:buNone/>
+            </a:pPr>
+            <a:r>
+              <a:rPr lang="de-DE" sz="1800" smtClean="0"/>
+              <a:t>[8] </a:t>
+            </a:r>
+            <a:r>
+              <a:rPr lang="de-DE" sz="1800" smtClean="0">
+                <a:hlinkClick r:id="rId3"/>
+              </a:rPr>
+              <a:t>http://francis.naukas.com/2010/08/11/el-ascenso-y-la-caida-del-rubbiatron-en-zaragoza-laesa-y-el-acelerador-de-energia-propuesto-por-carlo-rubbia/</a:t>
+            </a:r>
+            <a:endParaRPr lang="de-DE" sz="1800" smtClean="0"/>
+          </a:p>
+        </p:txBody>
+      </p:sp>
+      <p:sp>
+        <p:nvSpPr>
+          <p:cNvPr id="3" name="Datumsplatzhalter 2"/>
+          <p:cNvSpPr>
+            <a:spLocks noGrp="1"/>
+          </p:cNvSpPr>
+          <p:nvPr>
+            <p:ph type="dt" sz="half" idx="10"/>
+          </p:nvPr>
+        </p:nvSpPr>
+        <p:spPr/>
+        <p:txBody>
+          <a:bodyPr/>
+          <a:lstStyle/>
+          <a:p>
+            <a:r>
+              <a:rPr lang="de-DE" smtClean="0"/>
+              <a:t>27.01.2017</a:t>
+            </a:r>
+            <a:endParaRPr lang="de-DE"/>
+          </a:p>
+        </p:txBody>
+      </p:sp>
+      <p:sp>
+        <p:nvSpPr>
+          <p:cNvPr id="4" name="Fußzeilenplatzhalter 3"/>
+          <p:cNvSpPr>
+            <a:spLocks noGrp="1"/>
+          </p:cNvSpPr>
+          <p:nvPr>
+            <p:ph type="ftr" sz="quarter" idx="11"/>
+          </p:nvPr>
+        </p:nvSpPr>
+        <p:spPr/>
+        <p:txBody>
+          <a:bodyPr/>
+          <a:lstStyle/>
+          <a:p>
+            <a:r>
+              <a:rPr lang="de-DE" smtClean="0"/>
+              <a:t>Transmutation – Matthias Jaeger</a:t>
+            </a:r>
+            <a:endParaRPr lang="de-DE"/>
+          </a:p>
+        </p:txBody>
+      </p:sp>
+      <p:sp>
+        <p:nvSpPr>
+          <p:cNvPr id="5" name="Foliennummernplatzhalter 4"/>
+          <p:cNvSpPr>
+            <a:spLocks noGrp="1"/>
+          </p:cNvSpPr>
+          <p:nvPr>
+            <p:ph type="sldNum" sz="quarter" idx="12"/>
+          </p:nvPr>
+        </p:nvSpPr>
+        <p:spPr/>
+        <p:txBody>
+          <a:bodyPr/>
+          <a:lstStyle/>
+          <a:p>
+            <a:fld id="{1A73E011-4CD9-4D05-A24A-32BCD9CDCEE7}" type="slidenum">
+              <a:rPr lang="de-DE" smtClean="0"/>
+              <a:pPr/>
+              <a:t>15</a:t>
+            </a:fld>
+            <a:endParaRPr lang="de-DE"/>
+          </a:p>
+        </p:txBody>
+      </p:sp>
+      <p:sp>
+        <p:nvSpPr>
+          <p:cNvPr id="7" name="Titel 1"/>
+          <p:cNvSpPr txBox="1">
+            <a:spLocks/>
+          </p:cNvSpPr>
+          <p:nvPr/>
+        </p:nvSpPr>
+        <p:spPr>
+          <a:xfrm>
+            <a:off x="467544" y="620688"/>
+            <a:ext cx="8229600" cy="1143000"/>
+          </a:xfrm>
+          <a:prstGeom prst="rect">
+            <a:avLst/>
+          </a:prstGeom>
+        </p:spPr>
+        <p:txBody>
+          <a:bodyPr/>
+          <a:lstStyle/>
+          <a:p>
+            <a:pPr marL="0" marR="0" lvl="0" indent="0" algn="ctr" defTabSz="914400" rtl="0" eaLnBrk="1" fontAlgn="auto" latinLnBrk="0" hangingPunct="1">
+              <a:lnSpc>
+                <a:spcPct val="100000"/>
+              </a:lnSpc>
+              <a:spcBef>
+                <a:spcPct val="0"/>
+              </a:spcBef>
+              <a:spcAft>
+                <a:spcPts val="0"/>
+              </a:spcAft>
+              <a:buClrTx/>
+              <a:buSzTx/>
+              <a:buFontTx/>
+              <a:buNone/>
+              <a:tabLst/>
+              <a:defRPr/>
+            </a:pPr>
+            <a:r>
+              <a:rPr kumimoji="0" lang="de-DE" sz="4400" b="0" i="0" u="none" strike="noStrike" kern="1200" cap="none" spc="0" normalizeH="0" baseline="0" noProof="0" smtClean="0">
+                <a:ln>
+                  <a:noFill/>
+                </a:ln>
+                <a:solidFill>
+                  <a:schemeClr val="tx1"/>
+                </a:solidFill>
+                <a:effectLst/>
+                <a:uLnTx/>
+                <a:uFillTx/>
+                <a:latin typeface="Adobe Arabic" pitchFamily="18" charset="-78"/>
+                <a:ea typeface="+mj-ea"/>
+                <a:cs typeface="Adobe Arabic" pitchFamily="18" charset="-78"/>
+              </a:rPr>
+              <a:t>Quellen</a:t>
+            </a:r>
+            <a:endParaRPr kumimoji="0" lang="de-DE" sz="4400" b="0" i="0" u="none" strike="noStrike" kern="1200" cap="none" spc="0" normalizeH="0" baseline="0" noProof="0">
+              <a:ln>
+                <a:noFill/>
+              </a:ln>
+              <a:solidFill>
+                <a:schemeClr val="tx1"/>
+              </a:solidFill>
+              <a:effectLst/>
+              <a:uLnTx/>
+              <a:uFillTx/>
+              <a:latin typeface="Adobe Arabic" pitchFamily="18" charset="-78"/>
+              <a:ea typeface="+mj-ea"/>
+              <a:cs typeface="Adobe Arabic" pitchFamily="18" charset="-78"/>
+            </a:endParaRPr>
+          </a:p>
+        </p:txBody>
+      </p:sp>
+    </p:spTree>
+  </p:cSld>
+  <p:clrMapOvr>
+    <a:masterClrMapping/>
+  </p:clrMapOvr>
+  <p:timing>
+    <p:tnLst>
+      <p:par>
+        <p:cTn id="1" dur="indefinite" restart="never" nodeType="tmRoot"/>
+      </p:par>
+    </p:tnLst>
+  </p:timing>
+</p:sld>
+</file>
+
+<file path=ppt/slides/slide16.xml><?xml version="1.0" encoding="utf-8"?>
+<p:sld xmlns:a="http://schemas.openxmlformats.org/drawingml/2006/main" xmlns:r="http://schemas.openxmlformats.org/officeDocument/2006/relationships" xmlns:p="http://schemas.openxmlformats.org/presentationml/2006/main">
+  <p:cSld>
+    <p:spTree>
+      <p:nvGrpSpPr>
+        <p:cNvPr id="1" name=""/>
+        <p:cNvGrpSpPr/>
+        <p:nvPr/>
+      </p:nvGrpSpPr>
+      <p:grpSpPr>
+        <a:xfrm>
+          <a:off x="0" y="0"/>
+          <a:ext cx="0" cy="0"/>
+          <a:chOff x="0" y="0"/>
+          <a:chExt cx="0" cy="0"/>
+        </a:xfrm>
+      </p:grpSpPr>
+      <p:sp>
+        <p:nvSpPr>
+          <p:cNvPr id="2" name="Inhaltsplatzhalter 1"/>
+          <p:cNvSpPr>
+            <a:spLocks noGrp="1"/>
+          </p:cNvSpPr>
+          <p:nvPr>
+            <p:ph idx="1"/>
+          </p:nvPr>
+        </p:nvSpPr>
+        <p:spPr>
+          <a:xfrm>
+            <a:off x="251520" y="1379909"/>
+            <a:ext cx="8445624" cy="5145435"/>
+          </a:xfrm>
+        </p:spPr>
+        <p:txBody>
+          <a:bodyPr>
+            <a:normAutofit/>
+          </a:bodyPr>
+          <a:lstStyle/>
+          <a:p>
+            <a:pPr>
+              <a:buNone/>
+            </a:pPr>
+            <a:r>
+              <a:rPr lang="de-DE" sz="1800" smtClean="0"/>
+              <a:t>[9]   </a:t>
+            </a:r>
+            <a:r>
+              <a:rPr lang="de-DE" sz="1800" smtClean="0">
+                <a:hlinkClick r:id="rId2"/>
+              </a:rPr>
+              <a:t>http://myrrha.sckcen.be/en/</a:t>
+            </a:r>
+            <a:endParaRPr lang="de-DE" sz="1800" smtClean="0"/>
+          </a:p>
+          <a:p>
+            <a:pPr>
+              <a:buNone/>
+            </a:pPr>
+            <a:r>
+              <a:rPr lang="de-DE" sz="1800" smtClean="0"/>
+              <a:t>[10] Smidt, Dieter. Reaktor-Sicherheitstechnik: Sicherheitssysteme und Störfallanalyse für Leichtwasserreaktoren und schnelle Brüter. Springer-Verlag, 2013.</a:t>
+            </a:r>
+          </a:p>
+          <a:p>
+            <a:pPr>
+              <a:buNone/>
+            </a:pPr>
+            <a:r>
+              <a:rPr lang="de-DE" sz="1800" smtClean="0"/>
+              <a:t>[11] </a:t>
+            </a:r>
+            <a:r>
+              <a:rPr lang="de-DE" sz="1800" smtClean="0">
+                <a:hlinkClick r:id="rId3"/>
+              </a:rPr>
+              <a:t>https://www.j-parc.jp/Transmutation/en/index.html</a:t>
+            </a:r>
+            <a:endParaRPr lang="de-DE" sz="1800" smtClean="0"/>
+          </a:p>
+          <a:p>
+            <a:pPr>
+              <a:buNone/>
+            </a:pPr>
+            <a:r>
+              <a:rPr lang="de-DE" sz="1800" smtClean="0"/>
+              <a:t>[12] </a:t>
+            </a:r>
+            <a:r>
+              <a:rPr lang="de-DE" sz="1800" smtClean="0">
+                <a:hlinkClick r:id="rId4"/>
+              </a:rPr>
+              <a:t>https://www.gen-4.org/gif/jcms/c_59461/generation-iv-systems</a:t>
+            </a:r>
+            <a:endParaRPr lang="de-DE" sz="1800" smtClean="0"/>
+          </a:p>
+          <a:p>
+            <a:pPr>
+              <a:buNone/>
+            </a:pPr>
+            <a:r>
+              <a:rPr lang="de-DE" sz="1800" smtClean="0"/>
+              <a:t>[13] </a:t>
+            </a:r>
+            <a:r>
+              <a:rPr lang="de-DE" sz="1800" smtClean="0">
+                <a:hlinkClick r:id="rId5"/>
+              </a:rPr>
+              <a:t>http://www.nndc.bnl.gov/nudat2/</a:t>
+            </a:r>
+            <a:endParaRPr lang="de-DE" sz="1800" smtClean="0"/>
+          </a:p>
+          <a:p>
+            <a:pPr>
+              <a:buNone/>
+            </a:pPr>
+            <a:r>
+              <a:rPr lang="de-DE" sz="1800" smtClean="0"/>
+              <a:t>[14] </a:t>
+            </a:r>
+            <a:r>
+              <a:rPr lang="de-DE" sz="1800" err="1" smtClean="0"/>
+              <a:t>Bowman</a:t>
+            </a:r>
+            <a:r>
+              <a:rPr lang="de-DE" sz="1800" smtClean="0"/>
+              <a:t>, Charles D. "</a:t>
+            </a:r>
+            <a:r>
+              <a:rPr lang="de-DE" sz="1800" err="1" smtClean="0"/>
+              <a:t>Accelerator-driven</a:t>
+            </a:r>
+            <a:r>
+              <a:rPr lang="de-DE" sz="1800" smtClean="0"/>
+              <a:t> </a:t>
+            </a:r>
+            <a:r>
+              <a:rPr lang="de-DE" sz="1800" err="1" smtClean="0"/>
+              <a:t>systems</a:t>
+            </a:r>
+            <a:r>
+              <a:rPr lang="de-DE" sz="1800" smtClean="0"/>
+              <a:t> </a:t>
+            </a:r>
+            <a:r>
+              <a:rPr lang="de-DE" sz="1800" err="1" smtClean="0"/>
+              <a:t>for</a:t>
+            </a:r>
+            <a:r>
+              <a:rPr lang="de-DE" sz="1800" smtClean="0"/>
+              <a:t> </a:t>
+            </a:r>
+            <a:r>
+              <a:rPr lang="de-DE" sz="1800" err="1" smtClean="0"/>
+              <a:t>nuclear</a:t>
+            </a:r>
+            <a:r>
+              <a:rPr lang="de-DE" sz="1800" smtClean="0"/>
+              <a:t> </a:t>
+            </a:r>
+            <a:r>
+              <a:rPr lang="de-DE" sz="1800" err="1" smtClean="0"/>
+              <a:t>waste</a:t>
+            </a:r>
+            <a:r>
+              <a:rPr lang="de-DE" sz="1800" smtClean="0"/>
+              <a:t> </a:t>
+            </a:r>
+            <a:r>
+              <a:rPr lang="de-DE" sz="1800" err="1" smtClean="0"/>
+              <a:t>transmutation</a:t>
+            </a:r>
+            <a:r>
+              <a:rPr lang="de-DE" sz="1800" smtClean="0"/>
+              <a:t>." Annual Review </a:t>
+            </a:r>
+            <a:r>
+              <a:rPr lang="de-DE" sz="1800" err="1" smtClean="0"/>
+              <a:t>of</a:t>
+            </a:r>
+            <a:r>
+              <a:rPr lang="de-DE" sz="1800" smtClean="0"/>
+              <a:t> </a:t>
+            </a:r>
+            <a:r>
+              <a:rPr lang="de-DE" sz="1800" err="1" smtClean="0"/>
+              <a:t>Nuclear</a:t>
+            </a:r>
+            <a:r>
+              <a:rPr lang="de-DE" sz="1800" smtClean="0"/>
+              <a:t> </a:t>
+            </a:r>
+            <a:r>
+              <a:rPr lang="de-DE" sz="1800" err="1" smtClean="0"/>
+              <a:t>and</a:t>
+            </a:r>
+            <a:r>
+              <a:rPr lang="de-DE" sz="1800" smtClean="0"/>
+              <a:t> </a:t>
+            </a:r>
+            <a:r>
+              <a:rPr lang="de-DE" sz="1800" err="1" smtClean="0"/>
+              <a:t>Particle</a:t>
+            </a:r>
+            <a:r>
+              <a:rPr lang="de-DE" sz="1800" smtClean="0"/>
+              <a:t> Science 48.1 (1998): 505-556.</a:t>
+            </a:r>
+          </a:p>
+          <a:p>
+            <a:pPr>
+              <a:buNone/>
+            </a:pPr>
+            <a:r>
+              <a:rPr lang="de-DE" sz="1800" smtClean="0"/>
+              <a:t>[15] </a:t>
+            </a:r>
+            <a:r>
+              <a:rPr lang="de-DE" sz="1800" err="1" smtClean="0"/>
+              <a:t>Nünighoff</a:t>
+            </a:r>
+            <a:r>
+              <a:rPr lang="de-DE" sz="1800" smtClean="0"/>
+              <a:t>, Kay. Sicherheitstechnik im Wandel nuklearer Systeme: Strahlenschutz bei </a:t>
+            </a:r>
+            <a:r>
+              <a:rPr lang="de-DE" sz="1800" err="1" smtClean="0"/>
+              <a:t>Spallationsneutronenquellen</a:t>
+            </a:r>
+            <a:r>
+              <a:rPr lang="de-DE" sz="1800" smtClean="0"/>
+              <a:t> und Transmutationsanlagen. Vol. 40. Forschungszentrum Jülich, 2009.</a:t>
+            </a:r>
+          </a:p>
+          <a:p>
+            <a:pPr>
+              <a:buNone/>
+            </a:pPr>
+            <a:endParaRPr lang="de-DE" sz="1800"/>
+          </a:p>
+        </p:txBody>
+      </p:sp>
+      <p:sp>
+        <p:nvSpPr>
+          <p:cNvPr id="3" name="Datumsplatzhalter 2"/>
+          <p:cNvSpPr>
+            <a:spLocks noGrp="1"/>
+          </p:cNvSpPr>
+          <p:nvPr>
+            <p:ph type="dt" sz="half" idx="10"/>
+          </p:nvPr>
+        </p:nvSpPr>
+        <p:spPr/>
+        <p:txBody>
+          <a:bodyPr/>
+          <a:lstStyle/>
+          <a:p>
+            <a:r>
+              <a:rPr lang="de-DE" smtClean="0"/>
+              <a:t>27.01.2017</a:t>
+            </a:r>
+            <a:endParaRPr lang="de-DE"/>
+          </a:p>
+        </p:txBody>
+      </p:sp>
+      <p:sp>
+        <p:nvSpPr>
+          <p:cNvPr id="4" name="Fußzeilenplatzhalter 3"/>
+          <p:cNvSpPr>
+            <a:spLocks noGrp="1"/>
+          </p:cNvSpPr>
+          <p:nvPr>
+            <p:ph type="ftr" sz="quarter" idx="11"/>
+          </p:nvPr>
+        </p:nvSpPr>
+        <p:spPr/>
+        <p:txBody>
+          <a:bodyPr/>
+          <a:lstStyle/>
+          <a:p>
+            <a:r>
+              <a:rPr lang="de-DE" smtClean="0"/>
+              <a:t>Transmutation – Matthias Jaeger</a:t>
+            </a:r>
+            <a:endParaRPr lang="de-DE"/>
+          </a:p>
+        </p:txBody>
+      </p:sp>
+      <p:sp>
+        <p:nvSpPr>
+          <p:cNvPr id="5" name="Foliennummernplatzhalter 4"/>
+          <p:cNvSpPr>
+            <a:spLocks noGrp="1"/>
+          </p:cNvSpPr>
+          <p:nvPr>
+            <p:ph type="sldNum" sz="quarter" idx="12"/>
+          </p:nvPr>
+        </p:nvSpPr>
+        <p:spPr/>
+        <p:txBody>
+          <a:bodyPr/>
+          <a:lstStyle/>
+          <a:p>
+            <a:fld id="{1A73E011-4CD9-4D05-A24A-32BCD9CDCEE7}" type="slidenum">
+              <a:rPr lang="de-DE" smtClean="0"/>
+              <a:pPr/>
+              <a:t>16</a:t>
+            </a:fld>
+            <a:endParaRPr lang="de-DE"/>
+          </a:p>
+        </p:txBody>
+      </p:sp>
+      <p:sp>
+        <p:nvSpPr>
+          <p:cNvPr id="6" name="Textplatzhalter 5"/>
+          <p:cNvSpPr>
+            <a:spLocks noGrp="1"/>
+          </p:cNvSpPr>
+          <p:nvPr>
+            <p:ph type="body" sz="quarter" idx="13"/>
+          </p:nvPr>
+        </p:nvSpPr>
+        <p:spPr/>
+        <p:txBody>
+          <a:bodyPr/>
+          <a:lstStyle/>
+          <a:p>
+            <a:endParaRPr lang="de-DE"/>
+          </a:p>
+        </p:txBody>
+      </p:sp>
+      <p:sp>
+        <p:nvSpPr>
+          <p:cNvPr id="8" name="Titel 1"/>
+          <p:cNvSpPr txBox="1">
+            <a:spLocks/>
+          </p:cNvSpPr>
+          <p:nvPr/>
+        </p:nvSpPr>
+        <p:spPr>
+          <a:xfrm>
+            <a:off x="467544" y="620688"/>
+            <a:ext cx="8229600" cy="1143000"/>
+          </a:xfrm>
+          <a:prstGeom prst="rect">
+            <a:avLst/>
+          </a:prstGeom>
+        </p:spPr>
+        <p:txBody>
+          <a:bodyPr/>
+          <a:lstStyle/>
+          <a:p>
+            <a:pPr marL="0" marR="0" lvl="0" indent="0" algn="ctr" defTabSz="914400" rtl="0" eaLnBrk="1" fontAlgn="auto" latinLnBrk="0" hangingPunct="1">
+              <a:lnSpc>
+                <a:spcPct val="100000"/>
+              </a:lnSpc>
+              <a:spcBef>
+                <a:spcPct val="0"/>
+              </a:spcBef>
+              <a:spcAft>
+                <a:spcPts val="0"/>
+              </a:spcAft>
+              <a:buClrTx/>
+              <a:buSzTx/>
+              <a:buFontTx/>
+              <a:buNone/>
+              <a:tabLst/>
+              <a:defRPr/>
+            </a:pPr>
+            <a:r>
+              <a:rPr kumimoji="0" lang="de-DE" sz="4400" b="0" i="0" u="none" strike="noStrike" kern="1200" cap="none" spc="0" normalizeH="0" baseline="0" noProof="0" smtClean="0">
+                <a:ln>
+                  <a:noFill/>
+                </a:ln>
+                <a:solidFill>
+                  <a:schemeClr val="tx1"/>
+                </a:solidFill>
+                <a:effectLst/>
+                <a:uLnTx/>
+                <a:uFillTx/>
+                <a:latin typeface="Adobe Arabic" pitchFamily="18" charset="-78"/>
+                <a:ea typeface="+mj-ea"/>
+                <a:cs typeface="Adobe Arabic" pitchFamily="18" charset="-78"/>
+              </a:rPr>
+              <a:t>Quellen</a:t>
+            </a:r>
+            <a:endParaRPr kumimoji="0" lang="de-DE" sz="4400" b="0" i="0" u="none" strike="noStrike" kern="1200" cap="none" spc="0" normalizeH="0" baseline="0" noProof="0">
+              <a:ln>
+                <a:noFill/>
+              </a:ln>
+              <a:solidFill>
+                <a:schemeClr val="tx1"/>
+              </a:solidFill>
+              <a:effectLst/>
+              <a:uLnTx/>
+              <a:uFillTx/>
+              <a:latin typeface="Adobe Arabic" pitchFamily="18" charset="-78"/>
+              <a:ea typeface="+mj-ea"/>
+              <a:cs typeface="Adobe Arabic" pitchFamily="18" charset="-78"/>
+            </a:endParaRPr>
+          </a:p>
+        </p:txBody>
+      </p:sp>
+    </p:spTree>
+  </p:cSld>
+  <p:clrMapOvr>
+    <a:masterClrMapping/>
+  </p:clrMapOvr>
+  <p:timing>
+    <p:tnLst>
+      <p:par>
+        <p:cTn id="1" dur="indefinite" restart="never" nodeType="tmRoot"/>
+      </p:par>
+    </p:tnLst>
+  </p:timing>
+</p:sld>
+</file>
+
+<file path=ppt/slides/slide2.xml><?xml version="1.0" encoding="utf-8"?>
+<p:sld xmlns:a="http://schemas.openxmlformats.org/drawingml/2006/main" xmlns:r="http://schemas.openxmlformats.org/officeDocument/2006/relationships" xmlns:p="http://schemas.openxmlformats.org/presentationml/2006/main">
+  <p:cSld>
+    <p:spTree>
+      <p:nvGrpSpPr>
+        <p:cNvPr id="1" name=""/>
+        <p:cNvGrpSpPr/>
+        <p:nvPr/>
+      </p:nvGrpSpPr>
+      <p:grpSpPr>
+        <a:xfrm>
+          <a:off x="0" y="0"/>
+          <a:ext cx="0" cy="0"/>
+          <a:chOff x="0" y="0"/>
+          <a:chExt cx="0" cy="0"/>
+        </a:xfrm>
+      </p:grpSpPr>
+      <p:sp>
+        <p:nvSpPr>
+          <p:cNvPr id="2" name="Titel 1"/>
+          <p:cNvSpPr>
+            <a:spLocks noGrp="1"/>
+          </p:cNvSpPr>
+          <p:nvPr>
+            <p:ph type="title"/>
+          </p:nvPr>
+        </p:nvSpPr>
+        <p:spPr/>
+        <p:txBody>
+          <a:bodyPr/>
+          <a:lstStyle/>
+          <a:p>
+            <a:r>
+              <a:rPr lang="de-DE" smtClean="0"/>
+              <a:t>Inhalt</a:t>
+            </a:r>
+            <a:endParaRPr lang="de-DE"/>
+          </a:p>
+        </p:txBody>
+      </p:sp>
+      <p:sp>
+        <p:nvSpPr>
+          <p:cNvPr id="3" name="Inhaltsplatzhalter 2"/>
+          <p:cNvSpPr>
+            <a:spLocks noGrp="1"/>
+          </p:cNvSpPr>
+          <p:nvPr>
+            <p:ph idx="1"/>
+          </p:nvPr>
+        </p:nvSpPr>
+        <p:spPr/>
+        <p:txBody>
+          <a:bodyPr>
+            <a:normAutofit/>
+          </a:bodyPr>
+          <a:lstStyle/>
+          <a:p>
+            <a:pPr marL="514350" indent="-514350">
+              <a:buFont typeface="+mj-lt"/>
+              <a:buAutoNum type="arabicPeriod"/>
+            </a:pPr>
+            <a:r>
+              <a:rPr lang="de-DE" smtClean="0"/>
+              <a:t>Problemstellung</a:t>
+            </a:r>
+          </a:p>
+          <a:p>
+            <a:pPr marL="514350" indent="-514350">
+              <a:buFont typeface="+mj-lt"/>
+              <a:buAutoNum type="arabicPeriod"/>
+            </a:pPr>
+            <a:r>
+              <a:rPr lang="de-DE" smtClean="0"/>
+              <a:t>DG-Verfahren</a:t>
+            </a:r>
+          </a:p>
+          <a:p>
+            <a:pPr marL="514350" indent="-514350">
+              <a:buFont typeface="+mj-lt"/>
+              <a:buAutoNum type="arabicPeriod"/>
+            </a:pPr>
+            <a:r>
+              <a:rPr lang="de-DE" smtClean="0"/>
+              <a:t>Erste Ergebnisse</a:t>
+            </a:r>
+          </a:p>
+          <a:p>
+            <a:pPr marL="514350" indent="-514350">
+              <a:buFont typeface="+mj-lt"/>
+              <a:buAutoNum type="arabicPeriod"/>
+            </a:pPr>
+            <a:r>
+              <a:rPr lang="de-DE" smtClean="0"/>
+              <a:t>Ausblick</a:t>
+            </a:r>
+            <a:endParaRPr lang="de-DE"/>
+          </a:p>
+        </p:txBody>
+      </p:sp>
+      <p:sp>
+        <p:nvSpPr>
+          <p:cNvPr id="4" name="Datumsplatzhalter 3"/>
+          <p:cNvSpPr>
+            <a:spLocks noGrp="1"/>
+          </p:cNvSpPr>
+          <p:nvPr>
+            <p:ph type="dt" sz="half" idx="10"/>
+          </p:nvPr>
+        </p:nvSpPr>
+        <p:spPr/>
+        <p:txBody>
+          <a:bodyPr/>
+          <a:lstStyle/>
+          <a:p>
+            <a:r>
+              <a:rPr lang="de-DE" smtClean="0"/>
+              <a:t>27.01.2017</a:t>
+            </a:r>
+            <a:endParaRPr lang="de-DE"/>
+          </a:p>
+        </p:txBody>
+      </p:sp>
+      <p:sp>
+        <p:nvSpPr>
+          <p:cNvPr id="5" name="Fußzeilenplatzhalter 4"/>
+          <p:cNvSpPr>
+            <a:spLocks noGrp="1"/>
+          </p:cNvSpPr>
+          <p:nvPr>
+            <p:ph type="ftr" sz="quarter" idx="11"/>
+          </p:nvPr>
+        </p:nvSpPr>
+        <p:spPr/>
+        <p:txBody>
+          <a:bodyPr/>
+          <a:lstStyle/>
+          <a:p>
+            <a:r>
+              <a:rPr lang="de-DE" smtClean="0"/>
+              <a:t>Transmutation – Matthias Jaeger</a:t>
+            </a:r>
+            <a:endParaRPr lang="de-DE"/>
+          </a:p>
+        </p:txBody>
+      </p:sp>
+      <p:sp>
+        <p:nvSpPr>
+          <p:cNvPr id="6" name="Foliennummernplatzhalter 5"/>
+          <p:cNvSpPr>
+            <a:spLocks noGrp="1"/>
+          </p:cNvSpPr>
+          <p:nvPr>
+            <p:ph type="sldNum" sz="quarter" idx="12"/>
+          </p:nvPr>
+        </p:nvSpPr>
+        <p:spPr/>
+        <p:txBody>
+          <a:bodyPr/>
+          <a:lstStyle/>
+          <a:p>
+            <a:fld id="{1A73E011-4CD9-4D05-A24A-32BCD9CDCEE7}" type="slidenum">
+              <a:rPr lang="de-DE" smtClean="0"/>
+              <a:pPr/>
+              <a:t>2</a:t>
+            </a:fld>
+            <a:endParaRPr lang="de-DE"/>
+          </a:p>
+        </p:txBody>
+      </p:sp>
+    </p:spTree>
+  </p:cSld>
+  <p:clrMapOvr>
+    <a:masterClrMapping/>
+  </p:clrMapOvr>
+  <p:timing>
+    <p:tnLst>
+      <p:par>
+        <p:cTn id="1" dur="indefinite" restart="never" nodeType="tmRoot"/>
+      </p:par>
+    </p:tnLst>
+  </p:timing>
+</p:sld>
+</file>
+
+<file path=ppt/slides/slide3.xml><?xml version="1.0" encoding="utf-8"?>
+<p:sld xmlns:a="http://schemas.openxmlformats.org/drawingml/2006/main" xmlns:r="http://schemas.openxmlformats.org/officeDocument/2006/relationships" xmlns:p="http://schemas.openxmlformats.org/presentationml/2006/main">
+  <p:cSld>
+    <p:spTree>
+      <p:nvGrpSpPr>
+        <p:cNvPr id="1" name=""/>
+        <p:cNvGrpSpPr/>
+        <p:nvPr/>
+      </p:nvGrpSpPr>
+      <p:grpSpPr>
+        <a:xfrm>
+          <a:off x="0" y="0"/>
+          <a:ext cx="0" cy="0"/>
+          <a:chOff x="0" y="0"/>
+          <a:chExt cx="0" cy="0"/>
+        </a:xfrm>
+      </p:grpSpPr>
+      <p:sp>
+        <p:nvSpPr>
+          <p:cNvPr id="2" name="Inhaltsplatzhalter 1"/>
+          <p:cNvSpPr>
+            <a:spLocks noGrp="1"/>
+          </p:cNvSpPr>
+          <p:nvPr>
+            <p:ph idx="1"/>
+          </p:nvPr>
+        </p:nvSpPr>
+        <p:spPr/>
+        <p:txBody>
+          <a:bodyPr>
+            <a:normAutofit/>
+          </a:bodyPr>
+          <a:lstStyle/>
+          <a:p>
+            <a:pPr marL="0" indent="0">
+              <a:buNone/>
+            </a:pPr>
+            <a:r>
+              <a:rPr lang="de-DE" sz="3200" smtClean="0"/>
+              <a:t>Übergang geschlossene        offene Systeme</a:t>
+            </a:r>
+          </a:p>
+        </p:txBody>
+      </p:sp>
+      <p:sp>
+        <p:nvSpPr>
+          <p:cNvPr id="3" name="Datumsplatzhalter 2"/>
+          <p:cNvSpPr>
+            <a:spLocks noGrp="1"/>
+          </p:cNvSpPr>
+          <p:nvPr>
+            <p:ph type="dt" sz="half" idx="10"/>
+          </p:nvPr>
+        </p:nvSpPr>
+        <p:spPr/>
+        <p:txBody>
+          <a:bodyPr/>
+          <a:lstStyle/>
+          <a:p>
+            <a:r>
+              <a:rPr lang="de-DE" smtClean="0"/>
+              <a:t>27.01.2017</a:t>
+            </a:r>
+            <a:endParaRPr lang="de-DE"/>
+          </a:p>
+        </p:txBody>
+      </p:sp>
+      <p:sp>
+        <p:nvSpPr>
+          <p:cNvPr id="4" name="Fußzeilenplatzhalter 3"/>
+          <p:cNvSpPr>
+            <a:spLocks noGrp="1"/>
+          </p:cNvSpPr>
+          <p:nvPr>
+            <p:ph type="ftr" sz="quarter" idx="11"/>
+          </p:nvPr>
+        </p:nvSpPr>
+        <p:spPr/>
+        <p:txBody>
+          <a:bodyPr/>
+          <a:lstStyle/>
+          <a:p>
+            <a:r>
+              <a:rPr lang="de-DE" smtClean="0"/>
+              <a:t>Transmutation – Matthias Jaeger</a:t>
+            </a:r>
+            <a:endParaRPr lang="de-DE"/>
+          </a:p>
+        </p:txBody>
+      </p:sp>
+      <p:sp>
+        <p:nvSpPr>
+          <p:cNvPr id="5" name="Foliennummernplatzhalter 4"/>
+          <p:cNvSpPr>
+            <a:spLocks noGrp="1"/>
+          </p:cNvSpPr>
+          <p:nvPr>
+            <p:ph type="sldNum" sz="quarter" idx="12"/>
+          </p:nvPr>
+        </p:nvSpPr>
+        <p:spPr/>
+        <p:txBody>
+          <a:bodyPr/>
+          <a:lstStyle/>
+          <a:p>
+            <a:fld id="{1A73E011-4CD9-4D05-A24A-32BCD9CDCEE7}" type="slidenum">
+              <a:rPr lang="de-DE" smtClean="0"/>
+              <a:pPr/>
+              <a:t>3</a:t>
+            </a:fld>
+            <a:endParaRPr lang="de-DE"/>
+          </a:p>
+        </p:txBody>
+      </p:sp>
+      <p:sp>
+        <p:nvSpPr>
+          <p:cNvPr id="7" name="Rechteck 6"/>
+          <p:cNvSpPr/>
+          <p:nvPr/>
+        </p:nvSpPr>
+        <p:spPr>
+          <a:xfrm>
+            <a:off x="6588224" y="72008"/>
+            <a:ext cx="2483768" cy="260648"/>
+          </a:xfrm>
+          <a:prstGeom prst="rect">
+            <a:avLst/>
+          </a:prstGeom>
+          <a:solidFill>
+            <a:srgbClr val="92D050"/>
+          </a:solidFill>
+          <a:ln>
+            <a:noFill/>
+          </a:ln>
+          <a:effectLst>
+            <a:outerShdw blurRad="44450" dist="27940" dir="5400000" algn="ctr">
+              <a:srgbClr val="000000">
+                <a:alpha val="32000"/>
+              </a:srgbClr>
+            </a:outerShdw>
+          </a:effectLst>
+          <a:scene3d>
+            <a:camera prst="orthographicFront">
+              <a:rot lat="0" lon="0" rev="0"/>
+            </a:camera>
+            <a:lightRig rig="balanced" dir="t">
+              <a:rot lat="0" lon="0" rev="8700000"/>
+            </a:lightRig>
+          </a:scene3d>
+          <a:sp3d>
+            <a:bevelT w="190500" h="38100"/>
+          </a:sp3d>
+        </p:spPr>
+        <p:style>
+          <a:lnRef idx="2">
+            <a:schemeClr val="accent1">
+              <a:shade val="50000"/>
+            </a:schemeClr>
+          </a:lnRef>
+          <a:fillRef idx="1">
+            <a:schemeClr val="accent1"/>
+          </a:fillRef>
+          <a:effectRef idx="0">
+            <a:schemeClr val="accent1"/>
+          </a:effectRef>
+          <a:fontRef idx="minor">
+            <a:schemeClr val="lt1"/>
+          </a:fontRef>
+        </p:style>
+        <p:txBody>
+          <a:bodyPr rtlCol="0" anchor="ctr"/>
+          <a:lstStyle/>
+          <a:p>
+            <a:pPr algn="ctr"/>
+            <a:endParaRPr lang="de-DE"/>
+          </a:p>
+        </p:txBody>
+      </p:sp>
+      <p:sp>
+        <p:nvSpPr>
+          <p:cNvPr id="8" name="Textfeld 7"/>
+          <p:cNvSpPr txBox="1"/>
+          <p:nvPr/>
+        </p:nvSpPr>
+        <p:spPr>
+          <a:xfrm>
+            <a:off x="6586695" y="35913"/>
+            <a:ext cx="2521809" cy="584775"/>
+          </a:xfrm>
+          <a:prstGeom prst="rect">
+            <a:avLst/>
+          </a:prstGeom>
+          <a:noFill/>
+        </p:spPr>
+        <p:txBody>
+          <a:bodyPr wrap="square" rtlCol="0">
+            <a:spAutoFit/>
+          </a:bodyPr>
+          <a:lstStyle/>
+          <a:p>
+            <a:pPr algn="ctr"/>
+            <a:r>
+              <a:rPr lang="de-DE" sz="1600" smtClean="0">
+                <a:solidFill>
+                  <a:schemeClr val="accent5">
+                    <a:lumMod val="50000"/>
+                  </a:schemeClr>
+                </a:solidFill>
+                <a:latin typeface="Adobe Arabic" pitchFamily="18" charset="-78"/>
+                <a:cs typeface="Adobe Arabic" pitchFamily="18" charset="-78"/>
+              </a:rPr>
               <a:t>1. </a:t>
             </a:r>
             <a:r>
@@ -11135,11 +12065,11 @@
   <p:clrMapOvr>
     <a:masterClrMapping/>
   </p:clrMapOvr>
-  <mc:AlternateContent xmlns:mc="http://schemas.openxmlformats.org/markup-compatibility/2006">
-    <mc:Choice xmlns:p14="http://schemas.microsoft.com/office/powerpoint/2010/main" Requires="p14">
+  <mc:AlternateContent xmlns:mc="http://schemas.openxmlformats.org/markup-compatibility/2006" xmlns:p14="http://schemas.microsoft.com/office/powerpoint/2010/main">
+    <mc:Choice Requires="p14">
       <p:transition spd="slow" p14:dur="2000"/>
     </mc:Choice>
-    <mc:Fallback>
+    <mc:Fallback xmlns="">
       <p:transition spd="slow"/>
     </mc:Fallback>
   </mc:AlternateContent>
@@ -13293,7 +14223,6 @@
               <a:rPr lang="de-DE" sz="3200" smtClean="0"/>
               <a:t>Liouville-von-Neumann-Gleichung (LvN)</a:t>
             </a:r>
-            <a:endParaRPr lang="de-DE" sz="3200" smtClean="0"/>
           </a:p>
         </p:txBody>
       </p:sp>
@@ -14451,11 +15380,11 @@
   <p:clrMapOvr>
     <a:masterClrMapping/>
   </p:clrMapOvr>
-  <mc:AlternateContent xmlns:mc="http://schemas.openxmlformats.org/markup-compatibility/2006">
-    <mc:Choice xmlns:p14="http://schemas.microsoft.com/office/powerpoint/2010/main" Requires="p14">
+  <mc:AlternateContent xmlns:mc="http://schemas.openxmlformats.org/markup-compatibility/2006" xmlns:p14="http://schemas.microsoft.com/office/powerpoint/2010/main">
+    <mc:Choice Requires="p14">
       <p:transition spd="slow" p14:dur="2000"/>
     </mc:Choice>
-    <mc:Fallback>
+    <mc:Fallback xmlns="">
       <p:transition spd="slow"/>
     </mc:Fallback>
   </mc:AlternateContent>
@@ -14681,17 +15610,12 @@
             </a:pPr>
             <a:r>
               <a:rPr lang="de-DE" sz="3200"/>
-              <a:t>Elektronendichte </a:t>
-            </a:r>
-            <a:r>
-              <a:rPr lang="de-DE" sz="3200"/>
-              <a:t>und </a:t>
+              <a:t>Elektronendichte und </a:t>
             </a:r>
             <a:r>
               <a:rPr lang="de-DE" sz="3200" smtClean="0"/>
               <a:t>Strom</a:t>
             </a:r>
-            <a:endParaRPr lang="de-DE" sz="3200" smtClean="0"/>
           </a:p>
         </p:txBody>
       </p:sp>
@@ -15004,11 +15928,11 @@
   <p:clrMapOvr>
     <a:masterClrMapping/>
   </p:clrMapOvr>
-  <mc:AlternateContent xmlns:mc="http://schemas.openxmlformats.org/markup-compatibility/2006">
-    <mc:Choice xmlns:p14="http://schemas.microsoft.com/office/powerpoint/2010/main" Requires="p14">
+  <mc:AlternateContent xmlns:mc="http://schemas.openxmlformats.org/markup-compatibility/2006" xmlns:p14="http://schemas.microsoft.com/office/powerpoint/2010/main">
+    <mc:Choice Requires="p14">
       <p:transition spd="slow" p14:dur="2000"/>
     </mc:Choice>
-    <mc:Fallback>
+    <mc:Fallback xmlns="">
       <p:transition spd="slow"/>
     </mc:Fallback>
   </mc:AlternateContent>
@@ -16812,11 +17736,11 @@
   <p:clrMapOvr>
     <a:masterClrMapping/>
   </p:clrMapOvr>
-  <mc:AlternateContent xmlns:mc="http://schemas.openxmlformats.org/markup-compatibility/2006">
-    <mc:Choice xmlns:p14="http://schemas.microsoft.com/office/powerpoint/2010/main" Requires="p14">
+  <mc:AlternateContent xmlns:mc="http://schemas.openxmlformats.org/markup-compatibility/2006" xmlns:p14="http://schemas.microsoft.com/office/powerpoint/2010/main">
+    <mc:Choice Requires="p14">
       <p:transition spd="slow" p14:dur="2000"/>
     </mc:Choice>
-    <mc:Fallback>
+    <mc:Fallback xmlns="">
       <p:transition spd="slow"/>
     </mc:Fallback>
   </mc:AlternateContent>

--- a/Zwischenvortrag/Präsentation.pptx
+++ b/Zwischenvortrag/Präsentation.pptx
@@ -5,7 +5,7 @@
     <p:sldMasterId id="2147483648" r:id="rId1"/>
   </p:sldMasterIdLst>
   <p:notesMasterIdLst>
-    <p:notesMasterId r:id="rId18"/>
+    <p:notesMasterId r:id="rId23"/>
   </p:notesMasterIdLst>
   <p:sldIdLst>
     <p:sldId id="256" r:id="rId2"/>
@@ -21,9 +21,14 @@
     <p:sldId id="303" r:id="rId12"/>
     <p:sldId id="307" r:id="rId13"/>
     <p:sldId id="309" r:id="rId14"/>
-    <p:sldId id="310" r:id="rId15"/>
-    <p:sldId id="287" r:id="rId16"/>
-    <p:sldId id="299" r:id="rId17"/>
+    <p:sldId id="311" r:id="rId15"/>
+    <p:sldId id="315" r:id="rId16"/>
+    <p:sldId id="312" r:id="rId17"/>
+    <p:sldId id="313" r:id="rId18"/>
+    <p:sldId id="314" r:id="rId19"/>
+    <p:sldId id="310" r:id="rId20"/>
+    <p:sldId id="287" r:id="rId21"/>
+    <p:sldId id="299" r:id="rId22"/>
   </p:sldIdLst>
   <p:sldSz cx="9144000" cy="6858000" type="screen4x3"/>
   <p:notesSz cx="6858000" cy="9144000"/>
@@ -208,7 +213,7 @@
             <a:fld id="{4171A3E4-08F7-470B-B28A-F7F44AD1D267}" type="datetimeFigureOut">
               <a:rPr lang="de-DE" smtClean="0"/>
               <a:pPr/>
-              <a:t>06.03.2019</a:t>
+              <a:t>08.03.2019</a:t>
             </a:fld>
             <a:endParaRPr lang="de-DE"/>
           </a:p>
@@ -886,17 +891,7 @@
           <a:p>
             <a:r>
               <a:rPr lang="de-DE" smtClean="0"/>
-              <a:t>Akzeptoren und Löcher werden aufgrund der Dotierung N_D &gt;&gt; N_A vernachlässigt.</a:t>
-            </a:r>
-          </a:p>
-          <a:p>
-            <a:r>
-              <a:rPr lang="de-DE" smtClean="0"/>
-              <a:t>Randbedingung für Poisson Gleichung aus Forderung nach Ladungsneutralität</a:t>
-            </a:r>
-            <a:r>
-              <a:rPr lang="de-DE" baseline="0" smtClean="0"/>
-              <a:t> in ausreichend großer Entfernung</a:t>
+              <a:t>Kostenfunktion, z.B. Energie</a:t>
             </a:r>
             <a:endParaRPr lang="de-DE"/>
           </a:p>
@@ -982,18 +977,33 @@
           <a:p>
             <a:r>
               <a:rPr lang="de-DE" smtClean="0"/>
-              <a:t>Akzeptoren und Löcher werden aufgrund der Dotierung N_D &gt;&gt; N_A vernachlässigt.</a:t>
-            </a:r>
-          </a:p>
-          <a:p>
+              <a:t>Energie als Kostenfunktion</a:t>
+            </a:r>
+          </a:p>
+          <a:p>
+            <a:pPr marL="0" marR="0" indent="0" algn="l" defTabSz="914400" rtl="0" eaLnBrk="1" fontAlgn="auto" latinLnBrk="0" hangingPunct="1">
+              <a:lnSpc>
+                <a:spcPct val="100000"/>
+              </a:lnSpc>
+              <a:spcBef>
+                <a:spcPts val="0"/>
+              </a:spcBef>
+              <a:spcAft>
+                <a:spcPts val="0"/>
+              </a:spcAft>
+              <a:buClrTx/>
+              <a:buSzTx/>
+              <a:buFontTx/>
+              <a:buNone/>
+              <a:tabLst/>
+              <a:defRPr/>
+            </a:pPr>
             <a:r>
               <a:rPr lang="de-DE" smtClean="0"/>
-              <a:t>Randbedingung für Poisson Gleichung aus Forderung nach Ladungsneutralität</a:t>
-            </a:r>
-            <a:r>
-              <a:rPr lang="de-DE" baseline="0" smtClean="0"/>
-              <a:t> in ausreichend großer Entfernung</a:t>
-            </a:r>
+              <a:t>Sigma: Oberflächenspannung</a:t>
+            </a:r>
+          </a:p>
+          <a:p>
             <a:endParaRPr lang="de-DE"/>
           </a:p>
         </p:txBody>
@@ -1017,6 +1027,455 @@
               <a:rPr lang="de-DE" smtClean="0"/>
               <a:pPr/>
               <a:t>14</a:t>
+            </a:fld>
+            <a:endParaRPr lang="de-DE"/>
+          </a:p>
+        </p:txBody>
+      </p:sp>
+    </p:spTree>
+  </p:cSld>
+  <p:clrMapOvr>
+    <a:masterClrMapping/>
+  </p:clrMapOvr>
+</p:notes>
+</file>
+
+<file path=ppt/notesSlides/notesSlide15.xml><?xml version="1.0" encoding="utf-8"?>
+<p:notes xmlns:a="http://schemas.openxmlformats.org/drawingml/2006/main" xmlns:r="http://schemas.openxmlformats.org/officeDocument/2006/relationships" xmlns:p="http://schemas.openxmlformats.org/presentationml/2006/main">
+  <p:cSld>
+    <p:spTree>
+      <p:nvGrpSpPr>
+        <p:cNvPr id="1" name=""/>
+        <p:cNvGrpSpPr/>
+        <p:nvPr/>
+      </p:nvGrpSpPr>
+      <p:grpSpPr>
+        <a:xfrm>
+          <a:off x="0" y="0"/>
+          <a:ext cx="0" cy="0"/>
+          <a:chOff x="0" y="0"/>
+          <a:chExt cx="0" cy="0"/>
+        </a:xfrm>
+      </p:grpSpPr>
+      <p:sp>
+        <p:nvSpPr>
+          <p:cNvPr id="2" name="Folienbildplatzhalter 1"/>
+          <p:cNvSpPr>
+            <a:spLocks noGrp="1" noRot="1" noChangeAspect="1"/>
+          </p:cNvSpPr>
+          <p:nvPr>
+            <p:ph type="sldImg"/>
+          </p:nvPr>
+        </p:nvSpPr>
+        <p:spPr/>
+      </p:sp>
+      <p:sp>
+        <p:nvSpPr>
+          <p:cNvPr id="3" name="Notizenplatzhalter 2"/>
+          <p:cNvSpPr>
+            <a:spLocks noGrp="1"/>
+          </p:cNvSpPr>
+          <p:nvPr>
+            <p:ph type="body" idx="1"/>
+          </p:nvPr>
+        </p:nvSpPr>
+        <p:spPr/>
+        <p:txBody>
+          <a:bodyPr>
+            <a:normAutofit/>
+          </a:bodyPr>
+          <a:lstStyle/>
+          <a:p>
+            <a:r>
+              <a:rPr lang="de-DE" smtClean="0"/>
+              <a:t>Unten:</a:t>
+            </a:r>
+            <a:r>
+              <a:rPr lang="de-DE" baseline="0" smtClean="0"/>
+              <a:t> Insbesondere, wenn s größer gleich 1 und d=2 sind schwache Lösungen stetig</a:t>
+            </a:r>
+            <a:endParaRPr lang="de-DE" smtClean="0"/>
+          </a:p>
+          <a:p>
+            <a:endParaRPr lang="de-DE"/>
+          </a:p>
+        </p:txBody>
+      </p:sp>
+      <p:sp>
+        <p:nvSpPr>
+          <p:cNvPr id="4" name="Foliennummernplatzhalter 3"/>
+          <p:cNvSpPr>
+            <a:spLocks noGrp="1"/>
+          </p:cNvSpPr>
+          <p:nvPr>
+            <p:ph type="sldNum" sz="quarter" idx="10"/>
+          </p:nvPr>
+        </p:nvSpPr>
+        <p:spPr/>
+        <p:txBody>
+          <a:bodyPr/>
+          <a:lstStyle/>
+          <a:p>
+            <a:fld id="{31DC6EB7-B8C5-4A13-A184-8A045D6E94E6}" type="slidenum">
+              <a:rPr lang="de-DE" smtClean="0"/>
+              <a:pPr/>
+              <a:t>15</a:t>
+            </a:fld>
+            <a:endParaRPr lang="de-DE"/>
+          </a:p>
+        </p:txBody>
+      </p:sp>
+    </p:spTree>
+  </p:cSld>
+  <p:clrMapOvr>
+    <a:masterClrMapping/>
+  </p:clrMapOvr>
+</p:notes>
+</file>
+
+<file path=ppt/notesSlides/notesSlide16.xml><?xml version="1.0" encoding="utf-8"?>
+<p:notes xmlns:a="http://schemas.openxmlformats.org/drawingml/2006/main" xmlns:r="http://schemas.openxmlformats.org/officeDocument/2006/relationships" xmlns:p="http://schemas.openxmlformats.org/presentationml/2006/main">
+  <p:cSld>
+    <p:spTree>
+      <p:nvGrpSpPr>
+        <p:cNvPr id="1" name=""/>
+        <p:cNvGrpSpPr/>
+        <p:nvPr/>
+      </p:nvGrpSpPr>
+      <p:grpSpPr>
+        <a:xfrm>
+          <a:off x="0" y="0"/>
+          <a:ext cx="0" cy="0"/>
+          <a:chOff x="0" y="0"/>
+          <a:chExt cx="0" cy="0"/>
+        </a:xfrm>
+      </p:grpSpPr>
+      <p:sp>
+        <p:nvSpPr>
+          <p:cNvPr id="2" name="Folienbildplatzhalter 1"/>
+          <p:cNvSpPr>
+            <a:spLocks noGrp="1" noRot="1" noChangeAspect="1"/>
+          </p:cNvSpPr>
+          <p:nvPr>
+            <p:ph type="sldImg"/>
+          </p:nvPr>
+        </p:nvSpPr>
+        <p:spPr/>
+      </p:sp>
+      <p:sp>
+        <p:nvSpPr>
+          <p:cNvPr id="3" name="Notizenplatzhalter 2"/>
+          <p:cNvSpPr>
+            <a:spLocks noGrp="1"/>
+          </p:cNvSpPr>
+          <p:nvPr>
+            <p:ph type="body" idx="1"/>
+          </p:nvPr>
+        </p:nvSpPr>
+        <p:spPr/>
+        <p:txBody>
+          <a:bodyPr>
+            <a:normAutofit/>
+          </a:bodyPr>
+          <a:lstStyle/>
+          <a:p>
+            <a:endParaRPr lang="de-DE"/>
+          </a:p>
+        </p:txBody>
+      </p:sp>
+      <p:sp>
+        <p:nvSpPr>
+          <p:cNvPr id="4" name="Foliennummernplatzhalter 3"/>
+          <p:cNvSpPr>
+            <a:spLocks noGrp="1"/>
+          </p:cNvSpPr>
+          <p:nvPr>
+            <p:ph type="sldNum" sz="quarter" idx="10"/>
+          </p:nvPr>
+        </p:nvSpPr>
+        <p:spPr/>
+        <p:txBody>
+          <a:bodyPr/>
+          <a:lstStyle/>
+          <a:p>
+            <a:fld id="{31DC6EB7-B8C5-4A13-A184-8A045D6E94E6}" type="slidenum">
+              <a:rPr lang="de-DE" smtClean="0"/>
+              <a:pPr/>
+              <a:t>16</a:t>
+            </a:fld>
+            <a:endParaRPr lang="de-DE"/>
+          </a:p>
+        </p:txBody>
+      </p:sp>
+    </p:spTree>
+  </p:cSld>
+  <p:clrMapOvr>
+    <a:masterClrMapping/>
+  </p:clrMapOvr>
+</p:notes>
+</file>
+
+<file path=ppt/notesSlides/notesSlide17.xml><?xml version="1.0" encoding="utf-8"?>
+<p:notes xmlns:a="http://schemas.openxmlformats.org/drawingml/2006/main" xmlns:r="http://schemas.openxmlformats.org/officeDocument/2006/relationships" xmlns:p="http://schemas.openxmlformats.org/presentationml/2006/main">
+  <p:cSld>
+    <p:spTree>
+      <p:nvGrpSpPr>
+        <p:cNvPr id="1" name=""/>
+        <p:cNvGrpSpPr/>
+        <p:nvPr/>
+      </p:nvGrpSpPr>
+      <p:grpSpPr>
+        <a:xfrm>
+          <a:off x="0" y="0"/>
+          <a:ext cx="0" cy="0"/>
+          <a:chOff x="0" y="0"/>
+          <a:chExt cx="0" cy="0"/>
+        </a:xfrm>
+      </p:grpSpPr>
+      <p:sp>
+        <p:nvSpPr>
+          <p:cNvPr id="2" name="Folienbildplatzhalter 1"/>
+          <p:cNvSpPr>
+            <a:spLocks noGrp="1" noRot="1" noChangeAspect="1"/>
+          </p:cNvSpPr>
+          <p:nvPr>
+            <p:ph type="sldImg"/>
+          </p:nvPr>
+        </p:nvSpPr>
+        <p:spPr/>
+      </p:sp>
+      <p:sp>
+        <p:nvSpPr>
+          <p:cNvPr id="3" name="Notizenplatzhalter 2"/>
+          <p:cNvSpPr>
+            <a:spLocks noGrp="1"/>
+          </p:cNvSpPr>
+          <p:nvPr>
+            <p:ph type="body" idx="1"/>
+          </p:nvPr>
+        </p:nvSpPr>
+        <p:spPr/>
+        <p:txBody>
+          <a:bodyPr>
+            <a:normAutofit/>
+          </a:bodyPr>
+          <a:lstStyle/>
+          <a:p>
+            <a:r>
+              <a:rPr lang="de-DE" smtClean="0"/>
+              <a:t>Cea‘s Lemma: das Gleichheitszeichen nutzt die Galerkin-Orthogonalität.</a:t>
+            </a:r>
+            <a:r>
+              <a:rPr lang="de-DE" baseline="0" smtClean="0"/>
+              <a:t> Es kommt darauf an, wie gut V_N den eigentlichen Funktionenraum V approximiert!</a:t>
+            </a:r>
+          </a:p>
+          <a:p>
+            <a:r>
+              <a:rPr lang="de-DE" baseline="0" smtClean="0"/>
+              <a:t>Falls die Distanz (der inf Term hinten) für N gegen unendlich gegen 0 geht, geht also die Ritz-Approximation gegen die echte Lösung</a:t>
+            </a:r>
+            <a:endParaRPr lang="de-DE"/>
+          </a:p>
+        </p:txBody>
+      </p:sp>
+      <p:sp>
+        <p:nvSpPr>
+          <p:cNvPr id="4" name="Foliennummernplatzhalter 3"/>
+          <p:cNvSpPr>
+            <a:spLocks noGrp="1"/>
+          </p:cNvSpPr>
+          <p:nvPr>
+            <p:ph type="sldNum" sz="quarter" idx="10"/>
+          </p:nvPr>
+        </p:nvSpPr>
+        <p:spPr/>
+        <p:txBody>
+          <a:bodyPr/>
+          <a:lstStyle/>
+          <a:p>
+            <a:fld id="{31DC6EB7-B8C5-4A13-A184-8A045D6E94E6}" type="slidenum">
+              <a:rPr lang="de-DE" smtClean="0"/>
+              <a:pPr/>
+              <a:t>17</a:t>
+            </a:fld>
+            <a:endParaRPr lang="de-DE"/>
+          </a:p>
+        </p:txBody>
+      </p:sp>
+    </p:spTree>
+  </p:cSld>
+  <p:clrMapOvr>
+    <a:masterClrMapping/>
+  </p:clrMapOvr>
+</p:notes>
+</file>
+
+<file path=ppt/notesSlides/notesSlide18.xml><?xml version="1.0" encoding="utf-8"?>
+<p:notes xmlns:a="http://schemas.openxmlformats.org/drawingml/2006/main" xmlns:r="http://schemas.openxmlformats.org/officeDocument/2006/relationships" xmlns:p="http://schemas.openxmlformats.org/presentationml/2006/main">
+  <p:cSld>
+    <p:spTree>
+      <p:nvGrpSpPr>
+        <p:cNvPr id="1" name=""/>
+        <p:cNvGrpSpPr/>
+        <p:nvPr/>
+      </p:nvGrpSpPr>
+      <p:grpSpPr>
+        <a:xfrm>
+          <a:off x="0" y="0"/>
+          <a:ext cx="0" cy="0"/>
+          <a:chOff x="0" y="0"/>
+          <a:chExt cx="0" cy="0"/>
+        </a:xfrm>
+      </p:grpSpPr>
+      <p:sp>
+        <p:nvSpPr>
+          <p:cNvPr id="2" name="Folienbildplatzhalter 1"/>
+          <p:cNvSpPr>
+            <a:spLocks noGrp="1" noRot="1" noChangeAspect="1"/>
+          </p:cNvSpPr>
+          <p:nvPr>
+            <p:ph type="sldImg"/>
+          </p:nvPr>
+        </p:nvSpPr>
+        <p:spPr/>
+      </p:sp>
+      <p:sp>
+        <p:nvSpPr>
+          <p:cNvPr id="3" name="Notizenplatzhalter 2"/>
+          <p:cNvSpPr>
+            <a:spLocks noGrp="1"/>
+          </p:cNvSpPr>
+          <p:nvPr>
+            <p:ph type="body" idx="1"/>
+          </p:nvPr>
+        </p:nvSpPr>
+        <p:spPr/>
+        <p:txBody>
+          <a:bodyPr>
+            <a:normAutofit/>
+          </a:bodyPr>
+          <a:lstStyle/>
+          <a:p>
+            <a:endParaRPr lang="de-DE"/>
+          </a:p>
+        </p:txBody>
+      </p:sp>
+      <p:sp>
+        <p:nvSpPr>
+          <p:cNvPr id="4" name="Foliennummernplatzhalter 3"/>
+          <p:cNvSpPr>
+            <a:spLocks noGrp="1"/>
+          </p:cNvSpPr>
+          <p:nvPr>
+            <p:ph type="sldNum" sz="quarter" idx="10"/>
+          </p:nvPr>
+        </p:nvSpPr>
+        <p:spPr/>
+        <p:txBody>
+          <a:bodyPr/>
+          <a:lstStyle/>
+          <a:p>
+            <a:fld id="{31DC6EB7-B8C5-4A13-A184-8A045D6E94E6}" type="slidenum">
+              <a:rPr lang="de-DE" smtClean="0"/>
+              <a:pPr/>
+              <a:t>18</a:t>
+            </a:fld>
+            <a:endParaRPr lang="de-DE"/>
+          </a:p>
+        </p:txBody>
+      </p:sp>
+    </p:spTree>
+  </p:cSld>
+  <p:clrMapOvr>
+    <a:masterClrMapping/>
+  </p:clrMapOvr>
+</p:notes>
+</file>
+
+<file path=ppt/notesSlides/notesSlide19.xml><?xml version="1.0" encoding="utf-8"?>
+<p:notes xmlns:a="http://schemas.openxmlformats.org/drawingml/2006/main" xmlns:r="http://schemas.openxmlformats.org/officeDocument/2006/relationships" xmlns:p="http://schemas.openxmlformats.org/presentationml/2006/main">
+  <p:cSld>
+    <p:spTree>
+      <p:nvGrpSpPr>
+        <p:cNvPr id="1" name=""/>
+        <p:cNvGrpSpPr/>
+        <p:nvPr/>
+      </p:nvGrpSpPr>
+      <p:grpSpPr>
+        <a:xfrm>
+          <a:off x="0" y="0"/>
+          <a:ext cx="0" cy="0"/>
+          <a:chOff x="0" y="0"/>
+          <a:chExt cx="0" cy="0"/>
+        </a:xfrm>
+      </p:grpSpPr>
+      <p:sp>
+        <p:nvSpPr>
+          <p:cNvPr id="2" name="Folienbildplatzhalter 1"/>
+          <p:cNvSpPr>
+            <a:spLocks noGrp="1" noRot="1" noChangeAspect="1"/>
+          </p:cNvSpPr>
+          <p:nvPr>
+            <p:ph type="sldImg"/>
+          </p:nvPr>
+        </p:nvSpPr>
+        <p:spPr/>
+      </p:sp>
+      <p:sp>
+        <p:nvSpPr>
+          <p:cNvPr id="3" name="Notizenplatzhalter 2"/>
+          <p:cNvSpPr>
+            <a:spLocks noGrp="1"/>
+          </p:cNvSpPr>
+          <p:nvPr>
+            <p:ph type="body" idx="1"/>
+          </p:nvPr>
+        </p:nvSpPr>
+        <p:spPr/>
+        <p:txBody>
+          <a:bodyPr>
+            <a:normAutofit/>
+          </a:bodyPr>
+          <a:lstStyle/>
+          <a:p>
+            <a:r>
+              <a:rPr lang="de-DE" smtClean="0"/>
+              <a:t>Akzeptoren und Löcher werden aufgrund der Dotierung N_D &gt;&gt; N_A vernachlässigt.</a:t>
+            </a:r>
+          </a:p>
+          <a:p>
+            <a:r>
+              <a:rPr lang="de-DE" smtClean="0"/>
+              <a:t>Randbedingung für Poisson Gleichung aus Forderung nach Ladungsneutralität</a:t>
+            </a:r>
+            <a:r>
+              <a:rPr lang="de-DE" baseline="0" smtClean="0"/>
+              <a:t> in ausreichend großer Entfernung</a:t>
+            </a:r>
+            <a:endParaRPr lang="de-DE"/>
+          </a:p>
+        </p:txBody>
+      </p:sp>
+      <p:sp>
+        <p:nvSpPr>
+          <p:cNvPr id="4" name="Foliennummernplatzhalter 3"/>
+          <p:cNvSpPr>
+            <a:spLocks noGrp="1"/>
+          </p:cNvSpPr>
+          <p:nvPr>
+            <p:ph type="sldNum" sz="quarter" idx="10"/>
+          </p:nvPr>
+        </p:nvSpPr>
+        <p:spPr/>
+        <p:txBody>
+          <a:bodyPr/>
+          <a:lstStyle/>
+          <a:p>
+            <a:fld id="{31DC6EB7-B8C5-4A13-A184-8A045D6E94E6}" type="slidenum">
+              <a:rPr lang="de-DE" smtClean="0"/>
+              <a:pPr/>
+              <a:t>19</a:t>
             </a:fld>
             <a:endParaRPr lang="de-DE"/>
           </a:p>
@@ -5291,7 +5750,7 @@
               <a:buNone/>
             </a:pPr>
             <a:r>
-              <a:rPr lang="de-DE" sz="3200" smtClean="0"/>
+              <a:rPr lang="de-DE" sz="3200" b="1" smtClean="0"/>
               <a:t>Randbedingungen</a:t>
             </a:r>
           </a:p>
@@ -7435,7 +7894,7 @@
               <a:buNone/>
             </a:pPr>
             <a:r>
-              <a:rPr lang="de-DE" sz="3200" smtClean="0"/>
+              <a:rPr lang="de-DE" sz="3200" b="1" smtClean="0"/>
               <a:t>Selbstkonsistentes Potential</a:t>
             </a:r>
           </a:p>
@@ -7947,7 +8406,7 @@
               <a:buNone/>
             </a:pPr>
             <a:r>
-              <a:rPr lang="de-DE" sz="3200" smtClean="0"/>
+              <a:rPr lang="de-DE" sz="3200" b="1" smtClean="0"/>
               <a:t>Selbstkonsistentes Potential</a:t>
             </a:r>
           </a:p>
@@ -9052,10 +9511,6 @@
               </a:rPr>
               <a:t>DG-Verfahren</a:t>
             </a:r>
-            <a:endParaRPr lang="de-DE" sz="1600" smtClean="0">
-              <a:latin typeface="Adobe Arabic" pitchFamily="18" charset="-78"/>
-              <a:cs typeface="Adobe Arabic" pitchFamily="18" charset="-78"/>
-            </a:endParaRPr>
           </a:p>
           <a:p>
             <a:pPr algn="ctr"/>
@@ -9124,14 +9579,28 @@
             </a:r>
           </a:p>
           <a:p>
-            <a:pPr marL="0" indent="0">
-              <a:buNone/>
+            <a:pPr marL="514350" indent="-514350">
+              <a:buFont typeface="+mj-lt"/>
+              <a:buAutoNum type="arabicPeriod"/>
             </a:pPr>
             <a:r>
               <a:rPr lang="de-DE" sz="3200" smtClean="0"/>
-              <a:t>Approximiere Lösung               einer pDGL durch       auf endlichdimensionalem Funktionenraum</a:t>
-            </a:r>
-            <a:endParaRPr lang="de-DE" sz="3200" smtClean="0"/>
+              <a:t>Ritz-Galerkin-Ansatz: Formuliere das Problem als Variations-problem zur Minimierung einer Kostenfunktion</a:t>
+            </a:r>
+          </a:p>
+          <a:p>
+            <a:pPr marL="514350" indent="-514350">
+              <a:buFont typeface="+mj-lt"/>
+              <a:buAutoNum type="arabicPeriod"/>
+            </a:pPr>
+            <a:r>
+              <a:rPr lang="de-DE" sz="3200" smtClean="0"/>
+              <a:t>Approximiere </a:t>
+            </a:r>
+            <a:r>
+              <a:rPr lang="de-DE" sz="3200" smtClean="0"/>
+              <a:t>Lösung               einer pDGL durch       auf endlichdimensionalem Funktionenraum</a:t>
+            </a:r>
           </a:p>
         </p:txBody>
       </p:sp>
@@ -9158,7 +9627,7 @@
         </p:blipFill>
         <p:spPr bwMode="auto">
           <a:xfrm>
-            <a:off x="5508104" y="3332578"/>
+            <a:off x="6107065" y="4356836"/>
             <a:ext cx="580641" cy="419671"/>
           </a:xfrm>
           <a:prstGeom prst="rect">
@@ -9212,7 +9681,7 @@
         </p:blipFill>
         <p:spPr bwMode="auto">
           <a:xfrm>
-            <a:off x="3347864" y="2813258"/>
+            <a:off x="3802809" y="3891023"/>
             <a:ext cx="966684" cy="357014"/>
           </a:xfrm>
           <a:prstGeom prst="rect">
@@ -9266,7 +9735,7 @@
         </p:blipFill>
         <p:spPr bwMode="auto">
           <a:xfrm>
-            <a:off x="6747056" y="2925929"/>
+            <a:off x="7232560" y="3997595"/>
             <a:ext cx="435784" cy="280417"/>
           </a:xfrm>
           <a:prstGeom prst="rect">
@@ -9518,10 +9987,6 @@
               </a:rPr>
               <a:t>DG-Verfahren</a:t>
             </a:r>
-            <a:endParaRPr lang="de-DE" sz="1600" smtClean="0">
-              <a:latin typeface="Adobe Arabic" pitchFamily="18" charset="-78"/>
-              <a:cs typeface="Adobe Arabic" pitchFamily="18" charset="-78"/>
-            </a:endParaRPr>
           </a:p>
           <a:p>
             <a:pPr algn="ctr"/>
@@ -9550,7 +10015,7 @@
         <p:spPr>
           <a:xfrm>
             <a:off x="457200" y="980728"/>
-            <a:ext cx="8229600" cy="5145435"/>
+            <a:ext cx="8229600" cy="5544616"/>
           </a:xfrm>
         </p:spPr>
         <p:txBody>
@@ -9563,17 +10028,822 @@
               <a:buNone/>
             </a:pPr>
             <a:r>
-              <a:rPr lang="de-DE" sz="3200" smtClean="0"/>
-              <a:t>Nicht-konforme Methode: Der FES ist nicht mehr in dem Raum, in dem das zugrundeliegende Variationsproblem formuliert ist, enthalten. Mehr Flexibilität für Diskretisierung. Bei DG ist die diskrete Lösung komplett unstetig und verletzt idR auch eventuelle Dirichlet-Randbedingungen. Lösbarkeit wird erreicht durch geschickte Stabilisierungsterme, die zudem so gewählt werden, dass keine Konsistenzfehler auftreten.</a:t>
-            </a:r>
+              <a:rPr lang="de-DE" sz="3200" b="1" smtClean="0"/>
+              <a:t>Ritz-Galerkin-Ansatz (Schwache Formulierung)</a:t>
+            </a:r>
+          </a:p>
+          <a:p>
+            <a:pPr marL="0" indent="0">
+              <a:buNone/>
+            </a:pPr>
+            <a:endParaRPr lang="de-DE" sz="3200"/>
+          </a:p>
+          <a:p>
+            <a:pPr marL="0" indent="0">
+              <a:buNone/>
+            </a:pPr>
             <a:endParaRPr lang="de-DE" sz="3200" smtClean="0"/>
           </a:p>
-        </p:txBody>
-      </p:sp>
+          <a:p>
+            <a:pPr marL="0" indent="0">
+              <a:buNone/>
+            </a:pPr>
+            <a:endParaRPr lang="de-DE" sz="3200"/>
+          </a:p>
+          <a:p>
+            <a:pPr marL="0" indent="0">
+              <a:buNone/>
+            </a:pPr>
+            <a:endParaRPr lang="de-DE" sz="3200" smtClean="0"/>
+          </a:p>
+          <a:p>
+            <a:pPr marL="0" indent="0">
+              <a:buNone/>
+            </a:pPr>
+            <a:endParaRPr lang="de-DE" sz="3200"/>
+          </a:p>
+          <a:p>
+            <a:pPr marL="0" indent="0">
+              <a:buNone/>
+            </a:pPr>
+            <a:r>
+              <a:rPr lang="de-DE" smtClean="0"/>
+              <a:t>Identifiziere im Bsp. Bilinearform und Linearform</a:t>
+            </a:r>
+          </a:p>
+          <a:p>
+            <a:pPr marL="0" indent="0">
+              <a:buNone/>
+            </a:pPr>
+            <a:endParaRPr lang="de-DE" sz="4000"/>
+          </a:p>
+          <a:p>
+            <a:pPr marL="0" indent="0">
+              <a:buNone/>
+            </a:pPr>
+            <a:r>
+              <a:rPr lang="de-DE" smtClean="0"/>
+              <a:t>Schwache Formulierung: Finde           ,  , sodass</a:t>
+            </a:r>
+            <a:endParaRPr lang="de-DE" smtClean="0"/>
+          </a:p>
+        </p:txBody>
+      </p:sp>
+      <p:sp>
+        <p:nvSpPr>
+          <p:cNvPr id="2" name="Rechteck 1"/>
+          <p:cNvSpPr/>
+          <p:nvPr/>
+        </p:nvSpPr>
+        <p:spPr>
+          <a:xfrm>
+            <a:off x="827584" y="1772816"/>
+            <a:ext cx="7848872" cy="2664296"/>
+          </a:xfrm>
+          <a:prstGeom prst="rect">
+            <a:avLst/>
+          </a:prstGeom>
+          <a:noFill/>
+          <a:ln>
+            <a:solidFill>
+              <a:srgbClr val="52C000"/>
+            </a:solidFill>
+          </a:ln>
+        </p:spPr>
+        <p:style>
+          <a:lnRef idx="2">
+            <a:schemeClr val="accent1">
+              <a:shade val="50000"/>
+            </a:schemeClr>
+          </a:lnRef>
+          <a:fillRef idx="1">
+            <a:schemeClr val="accent1"/>
+          </a:fillRef>
+          <a:effectRef idx="0">
+            <a:schemeClr val="accent1"/>
+          </a:effectRef>
+          <a:fontRef idx="minor">
+            <a:schemeClr val="lt1"/>
+          </a:fontRef>
+        </p:style>
+        <p:txBody>
+          <a:bodyPr rtlCol="0" anchor="ctr"/>
+          <a:lstStyle/>
+          <a:p>
+            <a:pPr algn="ctr"/>
+            <a:endParaRPr lang="de-DE"/>
+          </a:p>
+        </p:txBody>
+      </p:sp>
+      <p:sp>
+        <p:nvSpPr>
+          <p:cNvPr id="6" name="Textfeld 5"/>
+          <p:cNvSpPr txBox="1"/>
+          <p:nvPr/>
+        </p:nvSpPr>
+        <p:spPr>
+          <a:xfrm>
+            <a:off x="899592" y="1844824"/>
+            <a:ext cx="4464496" cy="2554545"/>
+          </a:xfrm>
+          <a:prstGeom prst="rect">
+            <a:avLst/>
+          </a:prstGeom>
+          <a:noFill/>
+        </p:spPr>
+        <p:txBody>
+          <a:bodyPr wrap="square" rtlCol="0">
+            <a:spAutoFit/>
+          </a:bodyPr>
+          <a:lstStyle/>
+          <a:p>
+            <a:r>
+              <a:rPr lang="de-DE" sz="2400" smtClean="0">
+                <a:latin typeface="Adobe Arabic" pitchFamily="18" charset="-78"/>
+                <a:cs typeface="Adobe Arabic" pitchFamily="18" charset="-78"/>
+              </a:rPr>
+              <a:t>Bsp. Membran-Problem</a:t>
+            </a:r>
+          </a:p>
+          <a:p>
+            <a:endParaRPr lang="de-DE" sz="2400">
+              <a:latin typeface="Adobe Arabic" pitchFamily="18" charset="-78"/>
+              <a:cs typeface="Adobe Arabic" pitchFamily="18" charset="-78"/>
+            </a:endParaRPr>
+          </a:p>
+          <a:p>
+            <a:endParaRPr lang="de-DE" sz="2400" smtClean="0">
+              <a:latin typeface="Adobe Arabic" pitchFamily="18" charset="-78"/>
+              <a:cs typeface="Adobe Arabic" pitchFamily="18" charset="-78"/>
+            </a:endParaRPr>
+          </a:p>
+          <a:p>
+            <a:endParaRPr lang="de-DE" sz="2400">
+              <a:latin typeface="Adobe Arabic" pitchFamily="18" charset="-78"/>
+              <a:cs typeface="Adobe Arabic" pitchFamily="18" charset="-78"/>
+            </a:endParaRPr>
+          </a:p>
+          <a:p>
+            <a:endParaRPr lang="de-DE" sz="1200" smtClean="0">
+              <a:latin typeface="Adobe Arabic" pitchFamily="18" charset="-78"/>
+              <a:cs typeface="Adobe Arabic" pitchFamily="18" charset="-78"/>
+            </a:endParaRPr>
+          </a:p>
+          <a:p>
+            <a:endParaRPr lang="de-DE" sz="2400">
+              <a:latin typeface="Adobe Arabic" pitchFamily="18" charset="-78"/>
+              <a:cs typeface="Adobe Arabic" pitchFamily="18" charset="-78"/>
+            </a:endParaRPr>
+          </a:p>
+          <a:p>
+            <a:r>
+              <a:rPr lang="de-DE" sz="2400" smtClean="0">
+                <a:latin typeface="Adobe Arabic" pitchFamily="18" charset="-78"/>
+                <a:cs typeface="Adobe Arabic" pitchFamily="18" charset="-78"/>
+              </a:rPr>
+              <a:t>	Euler-Lagrange-Gleichung:</a:t>
+            </a:r>
+            <a:endParaRPr lang="de-DE">
+              <a:latin typeface="Adobe Arabic" pitchFamily="18" charset="-78"/>
+              <a:cs typeface="Adobe Arabic" pitchFamily="18" charset="-78"/>
+            </a:endParaRPr>
+          </a:p>
+        </p:txBody>
+      </p:sp>
+      <p:pic>
+        <p:nvPicPr>
+          <p:cNvPr id="9" name="Picture 2"/>
+          <p:cNvPicPr>
+            <a:picLocks noChangeAspect="1" noChangeArrowheads="1"/>
+          </p:cNvPicPr>
+          <p:nvPr/>
+        </p:nvPicPr>
+        <p:blipFill>
+          <a:blip r:embed="rId3">
+            <a:extLst>
+              <a:ext uri="{28A0092B-C50C-407E-A947-70E740481C1C}">
+                <a14:useLocalDpi xmlns:a14="http://schemas.microsoft.com/office/drawing/2010/main" val="0"/>
+              </a:ext>
+            </a:extLst>
+          </a:blip>
+          <a:srcRect/>
+          <a:stretch>
+            <a:fillRect/>
+          </a:stretch>
+        </p:blipFill>
+        <p:spPr bwMode="auto">
+          <a:xfrm>
+            <a:off x="5276409" y="1988840"/>
+            <a:ext cx="1625160" cy="455215"/>
+          </a:xfrm>
+          <a:prstGeom prst="rect">
+            <a:avLst/>
+          </a:prstGeom>
+          <a:noFill/>
+          <a:ln>
+            <a:noFill/>
+          </a:ln>
+          <a:extLst>
+            <a:ext uri="{909E8E84-426E-40DD-AFC4-6F175D3DCCD1}">
+              <a14:hiddenFill xmlns:a14="http://schemas.microsoft.com/office/drawing/2010/main">
+                <a:solidFill>
+                  <a:schemeClr val="accent1"/>
+                </a:solidFill>
+              </a14:hiddenFill>
+            </a:ext>
+            <a:ext uri="{91240B29-F687-4F45-9708-019B960494DF}">
+              <a14:hiddenLine xmlns:a14="http://schemas.microsoft.com/office/drawing/2010/main" w="9525">
+                <a:solidFill>
+                  <a:schemeClr val="tx1"/>
+                </a:solidFill>
+                <a:miter lim="800000"/>
+                <a:headEnd/>
+                <a:tailEnd/>
+              </a14:hiddenLine>
+            </a:ext>
+          </a:extLst>
+        </p:spPr>
+      </p:pic>
+      <p:pic>
+        <p:nvPicPr>
+          <p:cNvPr id="10" name="Picture 3"/>
+          <p:cNvPicPr>
+            <a:picLocks noChangeAspect="1" noChangeArrowheads="1"/>
+          </p:cNvPicPr>
+          <p:nvPr/>
+        </p:nvPicPr>
+        <p:blipFill>
+          <a:blip r:embed="rId4">
+            <a:extLst>
+              <a:ext uri="{28A0092B-C50C-407E-A947-70E740481C1C}">
+                <a14:useLocalDpi xmlns:a14="http://schemas.microsoft.com/office/drawing/2010/main" val="0"/>
+              </a:ext>
+            </a:extLst>
+          </a:blip>
+          <a:srcRect/>
+          <a:stretch>
+            <a:fillRect/>
+          </a:stretch>
+        </p:blipFill>
+        <p:spPr bwMode="auto">
+          <a:xfrm>
+            <a:off x="5192406" y="2515884"/>
+            <a:ext cx="2655193" cy="485496"/>
+          </a:xfrm>
+          <a:prstGeom prst="rect">
+            <a:avLst/>
+          </a:prstGeom>
+          <a:noFill/>
+          <a:ln>
+            <a:noFill/>
+          </a:ln>
+          <a:extLst>
+            <a:ext uri="{909E8E84-426E-40DD-AFC4-6F175D3DCCD1}">
+              <a14:hiddenFill xmlns:a14="http://schemas.microsoft.com/office/drawing/2010/main">
+                <a:solidFill>
+                  <a:schemeClr val="accent1"/>
+                </a:solidFill>
+              </a14:hiddenFill>
+            </a:ext>
+            <a:ext uri="{91240B29-F687-4F45-9708-019B960494DF}">
+              <a14:hiddenLine xmlns:a14="http://schemas.microsoft.com/office/drawing/2010/main" w="9525">
+                <a:solidFill>
+                  <a:schemeClr val="tx1"/>
+                </a:solidFill>
+                <a:miter lim="800000"/>
+                <a:headEnd/>
+                <a:tailEnd/>
+              </a14:hiddenLine>
+            </a:ext>
+          </a:extLst>
+        </p:spPr>
+      </p:pic>
+      <p:pic>
+        <p:nvPicPr>
+          <p:cNvPr id="11" name="Picture 4"/>
+          <p:cNvPicPr>
+            <a:picLocks noChangeAspect="1" noChangeArrowheads="1"/>
+          </p:cNvPicPr>
+          <p:nvPr/>
+        </p:nvPicPr>
+        <p:blipFill>
+          <a:blip r:embed="rId5">
+            <a:extLst>
+              <a:ext uri="{28A0092B-C50C-407E-A947-70E740481C1C}">
+                <a14:useLocalDpi xmlns:a14="http://schemas.microsoft.com/office/drawing/2010/main" val="0"/>
+              </a:ext>
+            </a:extLst>
+          </a:blip>
+          <a:srcRect/>
+          <a:stretch>
+            <a:fillRect/>
+          </a:stretch>
+        </p:blipFill>
+        <p:spPr bwMode="auto">
+          <a:xfrm>
+            <a:off x="5192406" y="3068454"/>
+            <a:ext cx="1675607" cy="498386"/>
+          </a:xfrm>
+          <a:prstGeom prst="rect">
+            <a:avLst/>
+          </a:prstGeom>
+          <a:noFill/>
+          <a:ln>
+            <a:noFill/>
+          </a:ln>
+          <a:extLst>
+            <a:ext uri="{909E8E84-426E-40DD-AFC4-6F175D3DCCD1}">
+              <a14:hiddenFill xmlns:a14="http://schemas.microsoft.com/office/drawing/2010/main">
+                <a:solidFill>
+                  <a:schemeClr val="accent1"/>
+                </a:solidFill>
+              </a14:hiddenFill>
+            </a:ext>
+            <a:ext uri="{91240B29-F687-4F45-9708-019B960494DF}">
+              <a14:hiddenLine xmlns:a14="http://schemas.microsoft.com/office/drawing/2010/main" w="9525">
+                <a:solidFill>
+                  <a:schemeClr val="tx1"/>
+                </a:solidFill>
+                <a:miter lim="800000"/>
+                <a:headEnd/>
+                <a:tailEnd/>
+              </a14:hiddenLine>
+            </a:ext>
+          </a:extLst>
+        </p:spPr>
+      </p:pic>
+      <p:pic>
+        <p:nvPicPr>
+          <p:cNvPr id="1029" name="Picture 5"/>
+          <p:cNvPicPr>
+            <a:picLocks noChangeAspect="1" noChangeArrowheads="1"/>
+          </p:cNvPicPr>
+          <p:nvPr/>
+        </p:nvPicPr>
+        <p:blipFill>
+          <a:blip r:embed="rId6" cstate="print">
+            <a:extLst>
+              <a:ext uri="{28A0092B-C50C-407E-A947-70E740481C1C}">
+                <a14:useLocalDpi xmlns:a14="http://schemas.microsoft.com/office/drawing/2010/main" val="0"/>
+              </a:ext>
+            </a:extLst>
+          </a:blip>
+          <a:srcRect/>
+          <a:stretch>
+            <a:fillRect/>
+          </a:stretch>
+        </p:blipFill>
+        <p:spPr bwMode="auto">
+          <a:xfrm>
+            <a:off x="1043608" y="2381974"/>
+            <a:ext cx="3344437" cy="1303412"/>
+          </a:xfrm>
+          <a:prstGeom prst="rect">
+            <a:avLst/>
+          </a:prstGeom>
+          <a:noFill/>
+          <a:ln>
+            <a:noFill/>
+          </a:ln>
+          <a:extLst>
+            <a:ext uri="{909E8E84-426E-40DD-AFC4-6F175D3DCCD1}">
+              <a14:hiddenFill xmlns:a14="http://schemas.microsoft.com/office/drawing/2010/main">
+                <a:solidFill>
+                  <a:schemeClr val="accent1"/>
+                </a:solidFill>
+              </a14:hiddenFill>
+            </a:ext>
+            <a:ext uri="{91240B29-F687-4F45-9708-019B960494DF}">
+              <a14:hiddenLine xmlns:a14="http://schemas.microsoft.com/office/drawing/2010/main" w="9525">
+                <a:solidFill>
+                  <a:schemeClr val="tx1"/>
+                </a:solidFill>
+                <a:miter lim="800000"/>
+                <a:headEnd/>
+                <a:tailEnd/>
+              </a14:hiddenLine>
+            </a:ext>
+          </a:extLst>
+        </p:spPr>
+      </p:pic>
+      <p:pic>
+        <p:nvPicPr>
+          <p:cNvPr id="1030" name="Picture 6"/>
+          <p:cNvPicPr>
+            <a:picLocks noChangeAspect="1" noChangeArrowheads="1"/>
+          </p:cNvPicPr>
+          <p:nvPr/>
+        </p:nvPicPr>
+        <p:blipFill>
+          <a:blip r:embed="rId7" cstate="print">
+            <a:extLst>
+              <a:ext uri="{28A0092B-C50C-407E-A947-70E740481C1C}">
+                <a14:useLocalDpi xmlns:a14="http://schemas.microsoft.com/office/drawing/2010/main" val="0"/>
+              </a:ext>
+            </a:extLst>
+          </a:blip>
+          <a:srcRect/>
+          <a:stretch>
+            <a:fillRect/>
+          </a:stretch>
+        </p:blipFill>
+        <p:spPr bwMode="auto">
+          <a:xfrm>
+            <a:off x="4752020" y="3856838"/>
+            <a:ext cx="2974107" cy="495685"/>
+          </a:xfrm>
+          <a:prstGeom prst="rect">
+            <a:avLst/>
+          </a:prstGeom>
+          <a:noFill/>
+          <a:ln>
+            <a:noFill/>
+          </a:ln>
+          <a:extLst>
+            <a:ext uri="{909E8E84-426E-40DD-AFC4-6F175D3DCCD1}">
+              <a14:hiddenFill xmlns:a14="http://schemas.microsoft.com/office/drawing/2010/main">
+                <a:solidFill>
+                  <a:schemeClr val="accent1"/>
+                </a:solidFill>
+              </a14:hiddenFill>
+            </a:ext>
+            <a:ext uri="{91240B29-F687-4F45-9708-019B960494DF}">
+              <a14:hiddenLine xmlns:a14="http://schemas.microsoft.com/office/drawing/2010/main" w="9525">
+                <a:solidFill>
+                  <a:schemeClr val="tx1"/>
+                </a:solidFill>
+                <a:miter lim="800000"/>
+                <a:headEnd/>
+                <a:tailEnd/>
+              </a14:hiddenLine>
+            </a:ext>
+          </a:extLst>
+        </p:spPr>
+      </p:pic>
+      <p:cxnSp>
+        <p:nvCxnSpPr>
+          <p:cNvPr id="13" name="Gerade Verbindung mit Pfeil 12"/>
+          <p:cNvCxnSpPr/>
+          <p:nvPr/>
+        </p:nvCxnSpPr>
+        <p:spPr>
+          <a:xfrm>
+            <a:off x="1191816" y="4097060"/>
+            <a:ext cx="576064" cy="0"/>
+          </a:xfrm>
+          <a:prstGeom prst="straightConnector1">
+            <a:avLst/>
+          </a:prstGeom>
+          <a:ln>
+            <a:solidFill>
+              <a:srgbClr val="52C000"/>
+            </a:solidFill>
+            <a:tailEnd type="arrow"/>
+          </a:ln>
+        </p:spPr>
+        <p:style>
+          <a:lnRef idx="1">
+            <a:schemeClr val="accent1"/>
+          </a:lnRef>
+          <a:fillRef idx="0">
+            <a:schemeClr val="accent1"/>
+          </a:fillRef>
+          <a:effectRef idx="0">
+            <a:schemeClr val="accent1"/>
+          </a:effectRef>
+          <a:fontRef idx="minor">
+            <a:schemeClr val="tx1"/>
+          </a:fontRef>
+        </p:style>
+      </p:cxnSp>
+      <p:pic>
+        <p:nvPicPr>
+          <p:cNvPr id="1031" name="Picture 7"/>
+          <p:cNvPicPr>
+            <a:picLocks noChangeAspect="1" noChangeArrowheads="1"/>
+          </p:cNvPicPr>
+          <p:nvPr/>
+        </p:nvPicPr>
+        <p:blipFill>
+          <a:blip r:embed="rId8">
+            <a:extLst>
+              <a:ext uri="{28A0092B-C50C-407E-A947-70E740481C1C}">
+                <a14:useLocalDpi xmlns:a14="http://schemas.microsoft.com/office/drawing/2010/main" val="0"/>
+              </a:ext>
+            </a:extLst>
+          </a:blip>
+          <a:srcRect/>
+          <a:stretch>
+            <a:fillRect/>
+          </a:stretch>
+        </p:blipFill>
+        <p:spPr bwMode="auto">
+          <a:xfrm>
+            <a:off x="1606748" y="5085184"/>
+            <a:ext cx="4499992" cy="531055"/>
+          </a:xfrm>
+          <a:prstGeom prst="rect">
+            <a:avLst/>
+          </a:prstGeom>
+          <a:noFill/>
+          <a:ln>
+            <a:noFill/>
+          </a:ln>
+          <a:extLst>
+            <a:ext uri="{909E8E84-426E-40DD-AFC4-6F175D3DCCD1}">
+              <a14:hiddenFill xmlns:a14="http://schemas.microsoft.com/office/drawing/2010/main">
+                <a:solidFill>
+                  <a:schemeClr val="accent1"/>
+                </a:solidFill>
+              </a14:hiddenFill>
+            </a:ext>
+            <a:ext uri="{91240B29-F687-4F45-9708-019B960494DF}">
+              <a14:hiddenLine xmlns:a14="http://schemas.microsoft.com/office/drawing/2010/main" w="9525">
+                <a:solidFill>
+                  <a:schemeClr val="tx1"/>
+                </a:solidFill>
+                <a:miter lim="800000"/>
+                <a:headEnd/>
+                <a:tailEnd/>
+              </a14:hiddenLine>
+            </a:ext>
+          </a:extLst>
+        </p:spPr>
+      </p:pic>
+      <p:pic>
+        <p:nvPicPr>
+          <p:cNvPr id="1033" name="Picture 9"/>
+          <p:cNvPicPr>
+            <a:picLocks noChangeAspect="1" noChangeArrowheads="1"/>
+          </p:cNvPicPr>
+          <p:nvPr/>
+        </p:nvPicPr>
+        <p:blipFill>
+          <a:blip r:embed="rId9" cstate="print">
+            <a:extLst>
+              <a:ext uri="{28A0092B-C50C-407E-A947-70E740481C1C}">
+                <a14:useLocalDpi xmlns:a14="http://schemas.microsoft.com/office/drawing/2010/main" val="0"/>
+              </a:ext>
+            </a:extLst>
+          </a:blip>
+          <a:srcRect/>
+          <a:stretch>
+            <a:fillRect/>
+          </a:stretch>
+        </p:blipFill>
+        <p:spPr bwMode="auto">
+          <a:xfrm>
+            <a:off x="6938501" y="3947726"/>
+            <a:ext cx="785068" cy="228155"/>
+          </a:xfrm>
+          <a:prstGeom prst="rect">
+            <a:avLst/>
+          </a:prstGeom>
+          <a:noFill/>
+          <a:ln>
+            <a:noFill/>
+          </a:ln>
+          <a:extLst>
+            <a:ext uri="{909E8E84-426E-40DD-AFC4-6F175D3DCCD1}">
+              <a14:hiddenFill xmlns:a14="http://schemas.microsoft.com/office/drawing/2010/main">
+                <a:solidFill>
+                  <a:schemeClr val="accent1"/>
+                </a:solidFill>
+              </a14:hiddenFill>
+            </a:ext>
+            <a:ext uri="{91240B29-F687-4F45-9708-019B960494DF}">
+              <a14:hiddenLine xmlns:a14="http://schemas.microsoft.com/office/drawing/2010/main" w="9525">
+                <a:solidFill>
+                  <a:schemeClr val="tx1"/>
+                </a:solidFill>
+                <a:miter lim="800000"/>
+                <a:headEnd/>
+                <a:tailEnd/>
+              </a14:hiddenLine>
+            </a:ext>
+          </a:extLst>
+        </p:spPr>
+      </p:pic>
+      <p:grpSp>
+        <p:nvGrpSpPr>
+          <p:cNvPr id="15" name="Gruppieren 14"/>
+          <p:cNvGrpSpPr/>
+          <p:nvPr/>
+        </p:nvGrpSpPr>
+        <p:grpSpPr>
+          <a:xfrm>
+            <a:off x="5807816" y="5735667"/>
+            <a:ext cx="3045105" cy="431528"/>
+            <a:chOff x="5697386" y="5735667"/>
+            <a:chExt cx="3045105" cy="431528"/>
+          </a:xfrm>
+        </p:grpSpPr>
+        <p:pic>
+          <p:nvPicPr>
+            <p:cNvPr id="1032" name="Picture 8"/>
+            <p:cNvPicPr>
+              <a:picLocks noChangeAspect="1" noChangeArrowheads="1"/>
+            </p:cNvPicPr>
+            <p:nvPr/>
+          </p:nvPicPr>
+          <p:blipFill>
+            <a:blip r:embed="rId10">
+              <a:extLst>
+                <a:ext uri="{28A0092B-C50C-407E-A947-70E740481C1C}">
+                  <a14:useLocalDpi xmlns:a14="http://schemas.microsoft.com/office/drawing/2010/main" val="0"/>
+                </a:ext>
+              </a:extLst>
+            </a:blip>
+            <a:srcRect/>
+            <a:stretch>
+              <a:fillRect/>
+            </a:stretch>
+          </p:blipFill>
+          <p:spPr bwMode="auto">
+            <a:xfrm>
+              <a:off x="5697386" y="5735667"/>
+              <a:ext cx="1925692" cy="431528"/>
+            </a:xfrm>
+            <a:prstGeom prst="rect">
+              <a:avLst/>
+            </a:prstGeom>
+            <a:noFill/>
+            <a:ln w="9525">
+              <a:noFill/>
+              <a:miter lim="800000"/>
+              <a:headEnd/>
+              <a:tailEnd/>
+            </a:ln>
+            <a:extLst>
+              <a:ext uri="{909E8E84-426E-40DD-AFC4-6F175D3DCCD1}">
+                <a14:hiddenFill xmlns:a14="http://schemas.microsoft.com/office/drawing/2010/main">
+                  <a:solidFill>
+                    <a:schemeClr val="accent1"/>
+                  </a:solidFill>
+                </a14:hiddenFill>
+              </a:ext>
+            </a:extLst>
+          </p:spPr>
+        </p:pic>
+        <p:pic>
+          <p:nvPicPr>
+            <p:cNvPr id="1034" name="Picture 10"/>
+            <p:cNvPicPr>
+              <a:picLocks noChangeAspect="1" noChangeArrowheads="1"/>
+            </p:cNvPicPr>
+            <p:nvPr/>
+          </p:nvPicPr>
+          <p:blipFill>
+            <a:blip r:embed="rId11" cstate="print">
+              <a:extLst>
+                <a:ext uri="{28A0092B-C50C-407E-A947-70E740481C1C}">
+                  <a14:useLocalDpi xmlns:a14="http://schemas.microsoft.com/office/drawing/2010/main" val="0"/>
+                </a:ext>
+              </a:extLst>
+            </a:blip>
+            <a:srcRect/>
+            <a:stretch>
+              <a:fillRect/>
+            </a:stretch>
+          </p:blipFill>
+          <p:spPr bwMode="auto">
+            <a:xfrm>
+              <a:off x="7722646" y="5803238"/>
+              <a:ext cx="1019845" cy="296385"/>
+            </a:xfrm>
+            <a:prstGeom prst="rect">
+              <a:avLst/>
+            </a:prstGeom>
+            <a:noFill/>
+            <a:ln>
+              <a:noFill/>
+            </a:ln>
+            <a:extLst>
+              <a:ext uri="{909E8E84-426E-40DD-AFC4-6F175D3DCCD1}">
+                <a14:hiddenFill xmlns:a14="http://schemas.microsoft.com/office/drawing/2010/main">
+                  <a:solidFill>
+                    <a:schemeClr val="accent1"/>
+                  </a:solidFill>
+                </a14:hiddenFill>
+              </a:ext>
+              <a:ext uri="{91240B29-F687-4F45-9708-019B960494DF}">
+                <a14:hiddenLine xmlns:a14="http://schemas.microsoft.com/office/drawing/2010/main" w="9525">
+                  <a:solidFill>
+                    <a:schemeClr val="tx1"/>
+                  </a:solidFill>
+                  <a:miter lim="800000"/>
+                  <a:headEnd/>
+                  <a:tailEnd/>
+                </a14:hiddenLine>
+              </a:ext>
+            </a:extLst>
+          </p:spPr>
+        </p:pic>
+      </p:grpSp>
+      <p:sp>
+        <p:nvSpPr>
+          <p:cNvPr id="16" name="Rechteck 15"/>
+          <p:cNvSpPr/>
+          <p:nvPr/>
+        </p:nvSpPr>
+        <p:spPr>
+          <a:xfrm>
+            <a:off x="5834558" y="5776568"/>
+            <a:ext cx="3057922" cy="365152"/>
+          </a:xfrm>
+          <a:prstGeom prst="rect">
+            <a:avLst/>
+          </a:prstGeom>
+          <a:noFill/>
+          <a:ln w="6350">
+            <a:solidFill>
+              <a:schemeClr val="tx1"/>
+            </a:solidFill>
+          </a:ln>
+        </p:spPr>
+        <p:style>
+          <a:lnRef idx="2">
+            <a:schemeClr val="accent1">
+              <a:shade val="50000"/>
+            </a:schemeClr>
+          </a:lnRef>
+          <a:fillRef idx="1">
+            <a:schemeClr val="accent1"/>
+          </a:fillRef>
+          <a:effectRef idx="0">
+            <a:schemeClr val="accent1"/>
+          </a:effectRef>
+          <a:fontRef idx="minor">
+            <a:schemeClr val="lt1"/>
+          </a:fontRef>
+        </p:style>
+        <p:txBody>
+          <a:bodyPr rtlCol="0" anchor="ctr"/>
+          <a:lstStyle/>
+          <a:p>
+            <a:pPr algn="ctr"/>
+            <a:endParaRPr lang="de-DE"/>
+          </a:p>
+        </p:txBody>
+      </p:sp>
+      <p:pic>
+        <p:nvPicPr>
+          <p:cNvPr id="1035" name="Picture 11"/>
+          <p:cNvPicPr>
+            <a:picLocks noChangeAspect="1" noChangeArrowheads="1"/>
+          </p:cNvPicPr>
+          <p:nvPr/>
+        </p:nvPicPr>
+        <p:blipFill>
+          <a:blip r:embed="rId12">
+            <a:extLst>
+              <a:ext uri="{28A0092B-C50C-407E-A947-70E740481C1C}">
+                <a14:useLocalDpi xmlns:a14="http://schemas.microsoft.com/office/drawing/2010/main" val="0"/>
+              </a:ext>
+            </a:extLst>
+          </a:blip>
+          <a:srcRect/>
+          <a:stretch>
+            <a:fillRect/>
+          </a:stretch>
+        </p:blipFill>
+        <p:spPr bwMode="auto">
+          <a:xfrm>
+            <a:off x="3954586" y="5803237"/>
+            <a:ext cx="811002" cy="296595"/>
+          </a:xfrm>
+          <a:prstGeom prst="rect">
+            <a:avLst/>
+          </a:prstGeom>
+          <a:noFill/>
+          <a:ln>
+            <a:noFill/>
+          </a:ln>
+          <a:extLst>
+            <a:ext uri="{909E8E84-426E-40DD-AFC4-6F175D3DCCD1}">
+              <a14:hiddenFill xmlns:a14="http://schemas.microsoft.com/office/drawing/2010/main">
+                <a:solidFill>
+                  <a:schemeClr val="accent1"/>
+                </a:solidFill>
+              </a14:hiddenFill>
+            </a:ext>
+            <a:ext uri="{91240B29-F687-4F45-9708-019B960494DF}">
+              <a14:hiddenLine xmlns:a14="http://schemas.microsoft.com/office/drawing/2010/main" w="9525">
+                <a:solidFill>
+                  <a:schemeClr val="tx1"/>
+                </a:solidFill>
+                <a:miter lim="800000"/>
+                <a:headEnd/>
+                <a:tailEnd/>
+              </a14:hiddenLine>
+            </a:ext>
+          </a:extLst>
+        </p:spPr>
+      </p:pic>
     </p:spTree>
     <p:extLst>
       <p:ext uri="{BB962C8B-B14F-4D97-AF65-F5344CB8AC3E}">
-        <p14:creationId xmlns:p14="http://schemas.microsoft.com/office/powerpoint/2010/main" val="2267934893"/>
+        <p14:creationId xmlns:p14="http://schemas.microsoft.com/office/powerpoint/2010/main" val="3899836803"/>
       </p:ext>
     </p:extLst>
   </p:cSld>
@@ -9617,467 +10887,6 @@
       </p:grpSpPr>
       <p:sp>
         <p:nvSpPr>
-          <p:cNvPr id="2" name="Inhaltsplatzhalter 1"/>
-          <p:cNvSpPr>
-            <a:spLocks noGrp="1"/>
-          </p:cNvSpPr>
-          <p:nvPr>
-            <p:ph idx="1"/>
-          </p:nvPr>
-        </p:nvSpPr>
-        <p:spPr>
-          <a:xfrm>
-            <a:off x="251520" y="1379909"/>
-            <a:ext cx="8496944" cy="5145435"/>
-          </a:xfrm>
-        </p:spPr>
-        <p:txBody>
-          <a:bodyPr>
-            <a:noAutofit/>
-          </a:bodyPr>
-          <a:lstStyle/>
-          <a:p>
-            <a:pPr>
-              <a:buNone/>
-            </a:pPr>
-            <a:r>
-              <a:rPr lang="de-DE" sz="1800" smtClean="0"/>
-              <a:t>[1] Renn, Ortwin, </a:t>
-            </a:r>
-            <a:r>
-              <a:rPr lang="de-DE" sz="1800" err="1" smtClean="0"/>
-              <a:t>ed</a:t>
-            </a:r>
-            <a:r>
-              <a:rPr lang="de-DE" sz="1800" smtClean="0"/>
-              <a:t>. Partitionierung und Transmutation: Forschung–Entwicklung–Gesellschaftliche Implikationen. Herbert Utz Verlag, 2014.</a:t>
-            </a:r>
-          </a:p>
-          <a:p>
-            <a:pPr>
-              <a:buNone/>
-            </a:pPr>
-            <a:r>
-              <a:rPr lang="de-DE" sz="1800" smtClean="0"/>
-              <a:t>[2] Huber, Josef, Werner Mester, und Wolfgang Thomas. "Sicherheitsaspekte der Wiederaufbereitung von Kernbrennstoffen." GRS, 1987.</a:t>
-            </a:r>
-          </a:p>
-          <a:p>
-            <a:pPr>
-              <a:buNone/>
-            </a:pPr>
-            <a:r>
-              <a:rPr lang="de-DE" sz="1800" smtClean="0"/>
-              <a:t>[3] Mueller, Alex C. </a:t>
-            </a:r>
-            <a:r>
-              <a:rPr lang="de-DE" sz="1800" err="1" smtClean="0"/>
-              <a:t>and</a:t>
-            </a:r>
-            <a:r>
-              <a:rPr lang="de-DE" sz="1800" smtClean="0"/>
-              <a:t> Hamid </a:t>
-            </a:r>
-            <a:r>
-              <a:rPr lang="de-DE" sz="1800" err="1" smtClean="0"/>
-              <a:t>Ait</a:t>
-            </a:r>
-            <a:r>
-              <a:rPr lang="de-DE" sz="1800" smtClean="0"/>
-              <a:t> Abderrahim. "Transmutation von radioaktivem Abfall." In: Physik Journal 11 (2010), Seiten 33-38.</a:t>
-            </a:r>
-          </a:p>
-          <a:p>
-            <a:pPr>
-              <a:buNone/>
-            </a:pPr>
-            <a:r>
-              <a:rPr lang="de-DE" sz="1800" smtClean="0"/>
-              <a:t>[4] </a:t>
-            </a:r>
-            <a:r>
-              <a:rPr lang="de-DE" sz="1800" err="1" smtClean="0"/>
-              <a:t>Varaine</a:t>
-            </a:r>
-            <a:r>
-              <a:rPr lang="de-DE" sz="1800" smtClean="0"/>
-              <a:t>, F., et al. "</a:t>
-            </a:r>
-            <a:r>
-              <a:rPr lang="de-DE" sz="1800" err="1" smtClean="0"/>
-              <a:t>Overview</a:t>
-            </a:r>
-            <a:r>
-              <a:rPr lang="de-DE" sz="1800" smtClean="0"/>
-              <a:t> on </a:t>
-            </a:r>
-            <a:r>
-              <a:rPr lang="de-DE" sz="1800" err="1" smtClean="0"/>
-              <a:t>homogeneous</a:t>
-            </a:r>
-            <a:r>
-              <a:rPr lang="de-DE" sz="1800" smtClean="0"/>
-              <a:t> </a:t>
-            </a:r>
-            <a:r>
-              <a:rPr lang="de-DE" sz="1800" err="1" smtClean="0"/>
-              <a:t>and</a:t>
-            </a:r>
-            <a:r>
-              <a:rPr lang="de-DE" sz="1800" smtClean="0"/>
-              <a:t> </a:t>
-            </a:r>
-            <a:r>
-              <a:rPr lang="de-DE" sz="1800" err="1" smtClean="0"/>
-              <a:t>heterogeneous</a:t>
-            </a:r>
-            <a:r>
-              <a:rPr lang="de-DE" sz="1800" smtClean="0"/>
-              <a:t> </a:t>
-            </a:r>
-            <a:r>
-              <a:rPr lang="de-DE" sz="1800" err="1" smtClean="0"/>
-              <a:t>transmutation</a:t>
-            </a:r>
-            <a:r>
-              <a:rPr lang="de-DE" sz="1800" smtClean="0"/>
-              <a:t> in a </a:t>
-            </a:r>
-            <a:r>
-              <a:rPr lang="de-DE" sz="1800" err="1" smtClean="0"/>
-              <a:t>new</a:t>
-            </a:r>
-            <a:r>
-              <a:rPr lang="de-DE" sz="1800" smtClean="0"/>
-              <a:t> French SFR: </a:t>
-            </a:r>
-            <a:r>
-              <a:rPr lang="de-DE" sz="1800" err="1" smtClean="0"/>
-              <a:t>Reactor</a:t>
-            </a:r>
-            <a:r>
-              <a:rPr lang="de-DE" sz="1800" smtClean="0"/>
-              <a:t> </a:t>
-            </a:r>
-            <a:r>
-              <a:rPr lang="de-DE" sz="1800" err="1" smtClean="0"/>
-              <a:t>and</a:t>
-            </a:r>
-            <a:r>
-              <a:rPr lang="de-DE" sz="1800" smtClean="0"/>
-              <a:t> </a:t>
-            </a:r>
-            <a:r>
-              <a:rPr lang="de-DE" sz="1800" err="1" smtClean="0"/>
-              <a:t>fuel</a:t>
-            </a:r>
-            <a:r>
-              <a:rPr lang="de-DE" sz="1800" smtClean="0"/>
-              <a:t> </a:t>
-            </a:r>
-            <a:r>
-              <a:rPr lang="de-DE" sz="1800" err="1" smtClean="0"/>
-              <a:t>cycle</a:t>
-            </a:r>
-            <a:r>
-              <a:rPr lang="de-DE" sz="1800" smtClean="0"/>
-              <a:t> </a:t>
-            </a:r>
-            <a:r>
-              <a:rPr lang="de-DE" sz="1800" err="1" smtClean="0"/>
-              <a:t>impact</a:t>
-            </a:r>
-            <a:r>
-              <a:rPr lang="de-DE" sz="1800" smtClean="0"/>
-              <a:t>." In: </a:t>
-            </a:r>
-            <a:r>
-              <a:rPr lang="de-DE" sz="1800" err="1" smtClean="0"/>
-              <a:t>Actinide</a:t>
-            </a:r>
-            <a:r>
-              <a:rPr lang="de-DE" sz="1800" smtClean="0"/>
-              <a:t> </a:t>
-            </a:r>
-            <a:r>
-              <a:rPr lang="de-DE" sz="1800" err="1" smtClean="0"/>
-              <a:t>and</a:t>
-            </a:r>
-            <a:r>
-              <a:rPr lang="de-DE" sz="1800" smtClean="0"/>
-              <a:t> Fission </a:t>
-            </a:r>
-            <a:r>
-              <a:rPr lang="de-DE" sz="1800" err="1" smtClean="0"/>
-              <a:t>Product</a:t>
-            </a:r>
-            <a:r>
-              <a:rPr lang="de-DE" sz="1800" smtClean="0"/>
-              <a:t> </a:t>
-            </a:r>
-            <a:r>
-              <a:rPr lang="de-DE" sz="1800" err="1" smtClean="0"/>
-              <a:t>Partitioning</a:t>
-            </a:r>
-            <a:r>
-              <a:rPr lang="de-DE" sz="1800" smtClean="0"/>
-              <a:t> </a:t>
-            </a:r>
-            <a:r>
-              <a:rPr lang="de-DE" sz="1800" err="1" smtClean="0"/>
-              <a:t>and</a:t>
-            </a:r>
-            <a:r>
-              <a:rPr lang="de-DE" sz="1800" smtClean="0"/>
-              <a:t> Transmutation (2010), Seiten 113-122.</a:t>
-            </a:r>
-          </a:p>
-          <a:p>
-            <a:pPr>
-              <a:buNone/>
-            </a:pPr>
-            <a:r>
-              <a:rPr lang="de-DE" sz="1800" smtClean="0"/>
-              <a:t>[5] Merk, Bruno, et al. "On </a:t>
-            </a:r>
-            <a:r>
-              <a:rPr lang="de-DE" sz="1800" err="1" smtClean="0"/>
-              <a:t>the</a:t>
-            </a:r>
-            <a:r>
-              <a:rPr lang="de-DE" sz="1800" smtClean="0"/>
-              <a:t> </a:t>
-            </a:r>
-            <a:r>
-              <a:rPr lang="de-DE" sz="1800" err="1" smtClean="0"/>
-              <a:t>use</a:t>
-            </a:r>
-            <a:r>
-              <a:rPr lang="de-DE" sz="1800" smtClean="0"/>
-              <a:t> </a:t>
-            </a:r>
-            <a:r>
-              <a:rPr lang="de-DE" sz="1800" err="1" smtClean="0"/>
-              <a:t>of</a:t>
-            </a:r>
-            <a:r>
-              <a:rPr lang="de-DE" sz="1800" smtClean="0"/>
-              <a:t> a </a:t>
-            </a:r>
-            <a:r>
-              <a:rPr lang="de-DE" sz="1800" err="1" smtClean="0"/>
-              <a:t>molten</a:t>
-            </a:r>
-            <a:r>
-              <a:rPr lang="de-DE" sz="1800" smtClean="0"/>
-              <a:t> </a:t>
-            </a:r>
-            <a:r>
-              <a:rPr lang="de-DE" sz="1800" err="1" smtClean="0"/>
-              <a:t>salt</a:t>
-            </a:r>
-            <a:r>
-              <a:rPr lang="de-DE" sz="1800" smtClean="0"/>
-              <a:t> fast </a:t>
-            </a:r>
-            <a:r>
-              <a:rPr lang="de-DE" sz="1800" err="1" smtClean="0"/>
-              <a:t>reactor</a:t>
-            </a:r>
-            <a:r>
-              <a:rPr lang="de-DE" sz="1800" smtClean="0"/>
-              <a:t> </a:t>
-            </a:r>
-            <a:r>
-              <a:rPr lang="de-DE" sz="1800" err="1" smtClean="0"/>
-              <a:t>to</a:t>
-            </a:r>
-            <a:r>
-              <a:rPr lang="de-DE" sz="1800" smtClean="0"/>
-              <a:t> </a:t>
-            </a:r>
-            <a:r>
-              <a:rPr lang="de-DE" sz="1800" err="1" smtClean="0"/>
-              <a:t>apply</a:t>
-            </a:r>
-            <a:r>
-              <a:rPr lang="de-DE" sz="1800" smtClean="0"/>
-              <a:t> an </a:t>
-            </a:r>
-            <a:r>
-              <a:rPr lang="de-DE" sz="1800" err="1" smtClean="0"/>
-              <a:t>idealized</a:t>
-            </a:r>
-            <a:r>
-              <a:rPr lang="de-DE" sz="1800" smtClean="0"/>
-              <a:t> </a:t>
-            </a:r>
-            <a:r>
-              <a:rPr lang="de-DE" sz="1800" err="1" smtClean="0"/>
-              <a:t>transmutation</a:t>
-            </a:r>
-            <a:r>
-              <a:rPr lang="de-DE" sz="1800" smtClean="0"/>
-              <a:t> </a:t>
-            </a:r>
-            <a:r>
-              <a:rPr lang="de-DE" sz="1800" err="1" smtClean="0"/>
-              <a:t>scenario</a:t>
-            </a:r>
-            <a:r>
-              <a:rPr lang="de-DE" sz="1800" smtClean="0"/>
-              <a:t> </a:t>
-            </a:r>
-            <a:r>
-              <a:rPr lang="de-DE" sz="1800" err="1" smtClean="0"/>
-              <a:t>for</a:t>
-            </a:r>
-            <a:r>
-              <a:rPr lang="de-DE" sz="1800" smtClean="0"/>
-              <a:t> </a:t>
-            </a:r>
-            <a:r>
-              <a:rPr lang="de-DE" sz="1800" err="1" smtClean="0"/>
-              <a:t>the</a:t>
-            </a:r>
-            <a:r>
-              <a:rPr lang="de-DE" sz="1800" smtClean="0"/>
-              <a:t> </a:t>
-            </a:r>
-            <a:r>
-              <a:rPr lang="de-DE" sz="1800" err="1" smtClean="0"/>
-              <a:t>nuclear</a:t>
-            </a:r>
-            <a:r>
-              <a:rPr lang="de-DE" sz="1800" smtClean="0"/>
-              <a:t> </a:t>
-            </a:r>
-            <a:r>
-              <a:rPr lang="de-DE" sz="1800" err="1" smtClean="0"/>
-              <a:t>phase</a:t>
-            </a:r>
-            <a:r>
-              <a:rPr lang="de-DE" sz="1800" smtClean="0"/>
-              <a:t> out." In: </a:t>
-            </a:r>
-            <a:r>
-              <a:rPr lang="de-DE" sz="1800" err="1" smtClean="0"/>
-              <a:t>PloS</a:t>
-            </a:r>
-            <a:r>
-              <a:rPr lang="de-DE" sz="1800" smtClean="0"/>
-              <a:t> </a:t>
-            </a:r>
-            <a:r>
-              <a:rPr lang="de-DE" sz="1800" err="1" smtClean="0"/>
-              <a:t>one</a:t>
-            </a:r>
-            <a:r>
-              <a:rPr lang="de-DE" sz="1800" smtClean="0"/>
-              <a:t> 9.4 (2014): e92776.</a:t>
-            </a:r>
-          </a:p>
-          <a:p>
-            <a:pPr>
-              <a:buNone/>
-            </a:pPr>
-            <a:r>
-              <a:rPr lang="de-DE" sz="1800" smtClean="0"/>
-              <a:t>[6] </a:t>
-            </a:r>
-            <a:r>
-              <a:rPr lang="de-DE" sz="1800" smtClean="0">
-                <a:hlinkClick r:id="rId2"/>
-              </a:rPr>
-              <a:t>https://www.welt.de/img/wissenschaft/mobile101678711/1752509087-ci102l-w1024/fp-atom-teaser2-DW-Kultur-Juelich-jpg.jpg</a:t>
-            </a:r>
-            <a:endParaRPr lang="de-DE" sz="1800" smtClean="0"/>
-          </a:p>
-          <a:p>
-            <a:pPr>
-              <a:buNone/>
-            </a:pPr>
-            <a:r>
-              <a:rPr lang="de-DE" sz="1800" smtClean="0"/>
-              <a:t>[7] </a:t>
-            </a:r>
-            <a:r>
-              <a:rPr lang="de-DE" sz="1800" err="1" smtClean="0"/>
-              <a:t>Malmbeck</a:t>
-            </a:r>
-            <a:r>
-              <a:rPr lang="de-DE" sz="1800" smtClean="0"/>
-              <a:t>, R., et al. "</a:t>
-            </a:r>
-            <a:r>
-              <a:rPr lang="de-DE" sz="1800" err="1" smtClean="0"/>
-              <a:t>Advanced</a:t>
-            </a:r>
-            <a:r>
-              <a:rPr lang="de-DE" sz="1800" smtClean="0"/>
-              <a:t> </a:t>
-            </a:r>
-            <a:r>
-              <a:rPr lang="de-DE" sz="1800" err="1" smtClean="0"/>
-              <a:t>fuel</a:t>
-            </a:r>
-            <a:r>
-              <a:rPr lang="de-DE" sz="1800" smtClean="0"/>
-              <a:t> </a:t>
-            </a:r>
-            <a:r>
-              <a:rPr lang="de-DE" sz="1800" err="1" smtClean="0"/>
-              <a:t>cycle</a:t>
-            </a:r>
-            <a:r>
-              <a:rPr lang="de-DE" sz="1800" smtClean="0"/>
-              <a:t> </a:t>
-            </a:r>
-            <a:r>
-              <a:rPr lang="de-DE" sz="1800" err="1" smtClean="0"/>
-              <a:t>options</a:t>
-            </a:r>
-            <a:r>
-              <a:rPr lang="de-DE" sz="1800" smtClean="0"/>
-              <a:t>." </a:t>
-            </a:r>
-            <a:r>
-              <a:rPr lang="de-DE" sz="1800" err="1" smtClean="0"/>
-              <a:t>Energy</a:t>
-            </a:r>
-            <a:r>
-              <a:rPr lang="de-DE" sz="1800" smtClean="0"/>
-              <a:t> </a:t>
-            </a:r>
-            <a:r>
-              <a:rPr lang="de-DE" sz="1800" err="1" smtClean="0"/>
-              <a:t>Procedia</a:t>
-            </a:r>
-            <a:r>
-              <a:rPr lang="de-DE" sz="1800" smtClean="0"/>
-              <a:t> 7 (2011): 93-102.</a:t>
-            </a:r>
-          </a:p>
-          <a:p>
-            <a:pPr>
-              <a:buNone/>
-            </a:pPr>
-            <a:r>
-              <a:rPr lang="de-DE" sz="1800" smtClean="0"/>
-              <a:t>[8] </a:t>
-            </a:r>
-            <a:r>
-              <a:rPr lang="de-DE" sz="1800" smtClean="0">
-                <a:hlinkClick r:id="rId3"/>
-              </a:rPr>
-              <a:t>http://francis.naukas.com/2010/08/11/el-ascenso-y-la-caida-del-rubbiatron-en-zaragoza-laesa-y-el-acelerador-de-energia-propuesto-por-carlo-rubbia/</a:t>
-            </a:r>
-            <a:endParaRPr lang="de-DE" sz="1800" smtClean="0"/>
-          </a:p>
-        </p:txBody>
-      </p:sp>
-      <p:sp>
-        <p:nvSpPr>
           <p:cNvPr id="3" name="Datumsplatzhalter 2"/>
           <p:cNvSpPr>
             <a:spLocks noGrp="1"/>
@@ -10148,81 +10957,654 @@
       </p:sp>
       <p:sp>
         <p:nvSpPr>
-          <p:cNvPr id="7" name="Titel 1"/>
-          <p:cNvSpPr txBox="1">
-            <a:spLocks/>
-          </p:cNvSpPr>
+          <p:cNvPr id="7" name="Rechteck 6"/>
+          <p:cNvSpPr/>
           <p:nvPr/>
         </p:nvSpPr>
         <p:spPr>
           <a:xfrm>
-            <a:off x="467544" y="620688"/>
-            <a:ext cx="8229600" cy="1143000"/>
+            <a:off x="6588224" y="72008"/>
+            <a:ext cx="2483768" cy="260648"/>
           </a:xfrm>
           <a:prstGeom prst="rect">
             <a:avLst/>
           </a:prstGeom>
-        </p:spPr>
-        <p:txBody>
-          <a:bodyPr/>
+          <a:solidFill>
+            <a:srgbClr val="92D050"/>
+          </a:solidFill>
+          <a:ln>
+            <a:noFill/>
+          </a:ln>
+          <a:effectLst>
+            <a:outerShdw blurRad="44450" dist="27940" dir="5400000" algn="ctr">
+              <a:srgbClr val="000000">
+                <a:alpha val="32000"/>
+              </a:srgbClr>
+            </a:outerShdw>
+          </a:effectLst>
+          <a:scene3d>
+            <a:camera prst="orthographicFront">
+              <a:rot lat="0" lon="0" rev="0"/>
+            </a:camera>
+            <a:lightRig rig="balanced" dir="t">
+              <a:rot lat="0" lon="0" rev="8700000"/>
+            </a:lightRig>
+          </a:scene3d>
+          <a:sp3d>
+            <a:bevelT w="190500" h="38100"/>
+          </a:sp3d>
+        </p:spPr>
+        <p:style>
+          <a:lnRef idx="2">
+            <a:schemeClr val="accent1">
+              <a:shade val="50000"/>
+            </a:schemeClr>
+          </a:lnRef>
+          <a:fillRef idx="1">
+            <a:schemeClr val="accent1"/>
+          </a:fillRef>
+          <a:effectRef idx="0">
+            <a:schemeClr val="accent1"/>
+          </a:effectRef>
+          <a:fontRef idx="minor">
+            <a:schemeClr val="lt1"/>
+          </a:fontRef>
+        </p:style>
+        <p:txBody>
+          <a:bodyPr rtlCol="0" anchor="ctr"/>
           <a:lstStyle/>
           <a:p>
-            <a:pPr marL="0" marR="0" lvl="0" indent="0" algn="ctr" defTabSz="914400" rtl="0" eaLnBrk="1" fontAlgn="auto" latinLnBrk="0" hangingPunct="1">
-              <a:lnSpc>
-                <a:spcPct val="100000"/>
-              </a:lnSpc>
-              <a:spcBef>
-                <a:spcPct val="0"/>
-              </a:spcBef>
-              <a:spcAft>
-                <a:spcPts val="0"/>
-              </a:spcAft>
-              <a:buClrTx/>
-              <a:buSzTx/>
-              <a:buFontTx/>
-              <a:buNone/>
-              <a:tabLst/>
-              <a:defRPr/>
-            </a:pPr>
-            <a:r>
-              <a:rPr kumimoji="0" lang="de-DE" sz="4400" b="0" i="0" u="none" strike="noStrike" kern="1200" cap="none" spc="0" normalizeH="0" baseline="0" noProof="0" smtClean="0">
-                <a:ln>
-                  <a:noFill/>
-                </a:ln>
-                <a:solidFill>
-                  <a:schemeClr val="tx1"/>
-                </a:solidFill>
-                <a:effectLst/>
-                <a:uLnTx/>
-                <a:uFillTx/>
+            <a:pPr algn="ctr"/>
+            <a:endParaRPr lang="de-DE"/>
+          </a:p>
+        </p:txBody>
+      </p:sp>
+      <p:sp>
+        <p:nvSpPr>
+          <p:cNvPr id="8" name="Textfeld 7"/>
+          <p:cNvSpPr txBox="1"/>
+          <p:nvPr/>
+        </p:nvSpPr>
+        <p:spPr>
+          <a:xfrm>
+            <a:off x="6586695" y="35913"/>
+            <a:ext cx="2521809" cy="584775"/>
+          </a:xfrm>
+          <a:prstGeom prst="rect">
+            <a:avLst/>
+          </a:prstGeom>
+          <a:noFill/>
+        </p:spPr>
+        <p:txBody>
+          <a:bodyPr wrap="square" rtlCol="0">
+            <a:spAutoFit/>
+          </a:bodyPr>
+          <a:lstStyle/>
+          <a:p>
+            <a:pPr algn="ctr"/>
+            <a:r>
+              <a:rPr lang="de-DE" sz="1600" smtClean="0">
+                <a:solidFill>
+                  <a:schemeClr val="accent5">
+                    <a:lumMod val="50000"/>
+                  </a:schemeClr>
+                </a:solidFill>
                 <a:latin typeface="Adobe Arabic" pitchFamily="18" charset="-78"/>
-                <a:ea typeface="+mj-ea"/>
                 <a:cs typeface="Adobe Arabic" pitchFamily="18" charset="-78"/>
               </a:rPr>
-              <a:t>Quellen</a:t>
-            </a:r>
-            <a:endParaRPr kumimoji="0" lang="de-DE" sz="4400" b="0" i="0" u="none" strike="noStrike" kern="1200" cap="none" spc="0" normalizeH="0" baseline="0" noProof="0">
-              <a:ln>
-                <a:noFill/>
-              </a:ln>
+              <a:t>2. </a:t>
+            </a:r>
+            <a:r>
+              <a:rPr lang="de-DE" sz="1600" smtClean="0">
+                <a:latin typeface="Adobe Arabic" pitchFamily="18" charset="-78"/>
+                <a:cs typeface="Adobe Arabic" pitchFamily="18" charset="-78"/>
+              </a:rPr>
+              <a:t>DG-Verfahren</a:t>
+            </a:r>
+          </a:p>
+          <a:p>
+            <a:pPr algn="ctr"/>
+            <a:endParaRPr lang="de-DE" sz="1600">
               <a:solidFill>
-                <a:schemeClr val="tx1"/>
+                <a:schemeClr val="accent5">
+                  <a:lumMod val="50000"/>
+                </a:schemeClr>
               </a:solidFill>
-              <a:effectLst/>
-              <a:uLnTx/>
-              <a:uFillTx/>
               <a:latin typeface="Adobe Arabic" pitchFamily="18" charset="-78"/>
-              <a:ea typeface="+mj-ea"/>
               <a:cs typeface="Adobe Arabic" pitchFamily="18" charset="-78"/>
             </a:endParaRPr>
           </a:p>
         </p:txBody>
       </p:sp>
+      <p:sp>
+        <p:nvSpPr>
+          <p:cNvPr id="17" name="Inhaltsplatzhalter 1"/>
+          <p:cNvSpPr>
+            <a:spLocks noGrp="1"/>
+          </p:cNvSpPr>
+          <p:nvPr>
+            <p:ph idx="1"/>
+          </p:nvPr>
+        </p:nvSpPr>
+        <p:spPr>
+          <a:xfrm>
+            <a:off x="457200" y="980728"/>
+            <a:ext cx="8229600" cy="5544616"/>
+          </a:xfrm>
+        </p:spPr>
+        <p:txBody>
+          <a:bodyPr>
+            <a:normAutofit/>
+          </a:bodyPr>
+          <a:lstStyle/>
+          <a:p>
+            <a:pPr marL="0" indent="0">
+              <a:buNone/>
+            </a:pPr>
+            <a:r>
+              <a:rPr lang="de-DE" sz="3200" b="1" smtClean="0"/>
+              <a:t>Sobolev-Raum</a:t>
+            </a:r>
+          </a:p>
+          <a:p>
+            <a:pPr marL="0" indent="0">
+              <a:buNone/>
+            </a:pPr>
+            <a:r>
+              <a:rPr lang="de-DE" smtClean="0"/>
+              <a:t>Starke Form			         Schwache Form</a:t>
+            </a:r>
+          </a:p>
+          <a:p>
+            <a:pPr marL="0" indent="0">
+              <a:buNone/>
+            </a:pPr>
+            <a:endParaRPr lang="de-DE"/>
+          </a:p>
+          <a:p>
+            <a:pPr marL="0" indent="0">
+              <a:buNone/>
+            </a:pPr>
+            <a:endParaRPr lang="de-DE" smtClean="0"/>
+          </a:p>
+          <a:p>
+            <a:pPr marL="0" indent="0">
+              <a:buNone/>
+            </a:pPr>
+            <a:r>
+              <a:rPr lang="de-DE" smtClean="0"/>
+              <a:t>Links: mehr Regularität verlangt</a:t>
+            </a:r>
+          </a:p>
+          <a:p>
+            <a:pPr marL="0" indent="0">
+              <a:buNone/>
+            </a:pPr>
+            <a:r>
+              <a:rPr lang="de-DE"/>
+              <a:t>	</a:t>
+            </a:r>
+            <a:r>
+              <a:rPr lang="de-DE" smtClean="0"/>
+              <a:t>Schwache Lösungen sind in Sobolev-Räumen definiert</a:t>
+            </a:r>
+          </a:p>
+          <a:p>
+            <a:pPr marL="0" indent="0">
+              <a:buNone/>
+            </a:pPr>
+            <a:endParaRPr lang="de-DE"/>
+          </a:p>
+          <a:p>
+            <a:pPr marL="0" indent="0">
+              <a:buNone/>
+            </a:pPr>
+            <a:endParaRPr lang="de-DE"/>
+          </a:p>
+          <a:p>
+            <a:pPr marL="0" indent="0">
+              <a:buNone/>
+            </a:pPr>
+            <a:endParaRPr lang="de-DE" smtClean="0"/>
+          </a:p>
+          <a:p>
+            <a:pPr marL="0" indent="0">
+              <a:buNone/>
+            </a:pPr>
+            <a:r>
+              <a:rPr lang="de-DE" smtClean="0"/>
+              <a:t>2. Sobolev‘scher Einbettungssatz	</a:t>
+            </a:r>
+            <a:endParaRPr lang="de-DE"/>
+          </a:p>
+        </p:txBody>
+      </p:sp>
+      <p:pic>
+        <p:nvPicPr>
+          <p:cNvPr id="4098" name="Picture 2"/>
+          <p:cNvPicPr>
+            <a:picLocks noChangeAspect="1" noChangeArrowheads="1"/>
+          </p:cNvPicPr>
+          <p:nvPr/>
+        </p:nvPicPr>
+        <p:blipFill>
+          <a:blip r:embed="rId3" cstate="print">
+            <a:extLst>
+              <a:ext uri="{28A0092B-C50C-407E-A947-70E740481C1C}">
+                <a14:useLocalDpi xmlns:a14="http://schemas.microsoft.com/office/drawing/2010/main" val="0"/>
+              </a:ext>
+            </a:extLst>
+          </a:blip>
+          <a:srcRect/>
+          <a:stretch>
+            <a:fillRect/>
+          </a:stretch>
+        </p:blipFill>
+        <p:spPr bwMode="auto">
+          <a:xfrm>
+            <a:off x="539552" y="2246115"/>
+            <a:ext cx="3456384" cy="252068"/>
+          </a:xfrm>
+          <a:prstGeom prst="rect">
+            <a:avLst/>
+          </a:prstGeom>
+          <a:noFill/>
+          <a:ln>
+            <a:noFill/>
+          </a:ln>
+          <a:extLst>
+            <a:ext uri="{909E8E84-426E-40DD-AFC4-6F175D3DCCD1}">
+              <a14:hiddenFill xmlns:a14="http://schemas.microsoft.com/office/drawing/2010/main">
+                <a:solidFill>
+                  <a:schemeClr val="accent1"/>
+                </a:solidFill>
+              </a14:hiddenFill>
+            </a:ext>
+            <a:ext uri="{91240B29-F687-4F45-9708-019B960494DF}">
+              <a14:hiddenLine xmlns:a14="http://schemas.microsoft.com/office/drawing/2010/main" w="9525">
+                <a:solidFill>
+                  <a:schemeClr val="tx1"/>
+                </a:solidFill>
+                <a:miter lim="800000"/>
+                <a:headEnd/>
+                <a:tailEnd/>
+              </a14:hiddenLine>
+            </a:ext>
+          </a:extLst>
+        </p:spPr>
+      </p:pic>
+      <p:pic>
+        <p:nvPicPr>
+          <p:cNvPr id="4099" name="Picture 3"/>
+          <p:cNvPicPr>
+            <a:picLocks noChangeAspect="1" noChangeArrowheads="1"/>
+          </p:cNvPicPr>
+          <p:nvPr/>
+        </p:nvPicPr>
+        <p:blipFill>
+          <a:blip r:embed="rId4" cstate="print">
+            <a:extLst>
+              <a:ext uri="{28A0092B-C50C-407E-A947-70E740481C1C}">
+                <a14:useLocalDpi xmlns:a14="http://schemas.microsoft.com/office/drawing/2010/main" val="0"/>
+              </a:ext>
+            </a:extLst>
+          </a:blip>
+          <a:srcRect/>
+          <a:stretch>
+            <a:fillRect/>
+          </a:stretch>
+        </p:blipFill>
+        <p:spPr bwMode="auto">
+          <a:xfrm>
+            <a:off x="4791082" y="2143344"/>
+            <a:ext cx="4029390" cy="457610"/>
+          </a:xfrm>
+          <a:prstGeom prst="rect">
+            <a:avLst/>
+          </a:prstGeom>
+          <a:noFill/>
+          <a:ln>
+            <a:noFill/>
+          </a:ln>
+          <a:extLst>
+            <a:ext uri="{909E8E84-426E-40DD-AFC4-6F175D3DCCD1}">
+              <a14:hiddenFill xmlns:a14="http://schemas.microsoft.com/office/drawing/2010/main">
+                <a:solidFill>
+                  <a:schemeClr val="accent1"/>
+                </a:solidFill>
+              </a14:hiddenFill>
+            </a:ext>
+            <a:ext uri="{91240B29-F687-4F45-9708-019B960494DF}">
+              <a14:hiddenLine xmlns:a14="http://schemas.microsoft.com/office/drawing/2010/main" w="9525">
+                <a:solidFill>
+                  <a:schemeClr val="tx1"/>
+                </a:solidFill>
+                <a:miter lim="800000"/>
+                <a:headEnd/>
+                <a:tailEnd/>
+              </a14:hiddenLine>
+            </a:ext>
+          </a:extLst>
+        </p:spPr>
+      </p:pic>
+      <p:sp>
+        <p:nvSpPr>
+          <p:cNvPr id="12" name="Bogen 11"/>
+          <p:cNvSpPr/>
+          <p:nvPr/>
+        </p:nvSpPr>
+        <p:spPr>
+          <a:xfrm>
+            <a:off x="3059832" y="2420888"/>
+            <a:ext cx="2592288" cy="540014"/>
+          </a:xfrm>
+          <a:prstGeom prst="arc">
+            <a:avLst>
+              <a:gd name="adj1" fmla="val 21505837"/>
+              <a:gd name="adj2" fmla="val 10782672"/>
+            </a:avLst>
+          </a:prstGeom>
+          <a:ln>
+            <a:solidFill>
+              <a:srgbClr val="52C000"/>
+            </a:solidFill>
+            <a:headEnd type="triangle" w="med" len="med"/>
+            <a:tailEnd type="none" w="med" len="med"/>
+          </a:ln>
+        </p:spPr>
+        <p:style>
+          <a:lnRef idx="1">
+            <a:schemeClr val="accent1"/>
+          </a:lnRef>
+          <a:fillRef idx="0">
+            <a:schemeClr val="accent1"/>
+          </a:fillRef>
+          <a:effectRef idx="0">
+            <a:schemeClr val="accent1"/>
+          </a:effectRef>
+          <a:fontRef idx="minor">
+            <a:schemeClr val="tx1"/>
+          </a:fontRef>
+        </p:style>
+        <p:txBody>
+          <a:bodyPr rtlCol="0" anchor="ctr"/>
+          <a:lstStyle/>
+          <a:p>
+            <a:pPr algn="ctr"/>
+            <a:endParaRPr lang="de-DE"/>
+          </a:p>
+        </p:txBody>
+      </p:sp>
+      <p:sp>
+        <p:nvSpPr>
+          <p:cNvPr id="14" name="Textfeld 13"/>
+          <p:cNvSpPr txBox="1"/>
+          <p:nvPr/>
+        </p:nvSpPr>
+        <p:spPr>
+          <a:xfrm>
+            <a:off x="4572000" y="2937288"/>
+            <a:ext cx="2160240" cy="400110"/>
+          </a:xfrm>
+          <a:prstGeom prst="rect">
+            <a:avLst/>
+          </a:prstGeom>
+          <a:noFill/>
+        </p:spPr>
+        <p:txBody>
+          <a:bodyPr wrap="square" rtlCol="0">
+            <a:spAutoFit/>
+          </a:bodyPr>
+          <a:lstStyle/>
+          <a:p>
+            <a:r>
+              <a:rPr lang="de-DE" sz="2000" smtClean="0">
+                <a:latin typeface="Adobe Arabic" pitchFamily="18" charset="-78"/>
+                <a:cs typeface="Adobe Arabic" pitchFamily="18" charset="-78"/>
+              </a:rPr>
+              <a:t>Satz von Gauß</a:t>
+            </a:r>
+            <a:endParaRPr lang="de-DE" sz="2000">
+              <a:latin typeface="Adobe Arabic" pitchFamily="18" charset="-78"/>
+              <a:cs typeface="Adobe Arabic" pitchFamily="18" charset="-78"/>
+            </a:endParaRPr>
+          </a:p>
+        </p:txBody>
+      </p:sp>
+      <p:pic>
+        <p:nvPicPr>
+          <p:cNvPr id="4101" name="Picture 5"/>
+          <p:cNvPicPr>
+            <a:picLocks noChangeAspect="1" noChangeArrowheads="1"/>
+          </p:cNvPicPr>
+          <p:nvPr/>
+        </p:nvPicPr>
+        <p:blipFill>
+          <a:blip r:embed="rId5" cstate="print">
+            <a:extLst>
+              <a:ext uri="{28A0092B-C50C-407E-A947-70E740481C1C}">
+                <a14:useLocalDpi xmlns:a14="http://schemas.microsoft.com/office/drawing/2010/main" val="0"/>
+              </a:ext>
+            </a:extLst>
+          </a:blip>
+          <a:srcRect/>
+          <a:stretch>
+            <a:fillRect/>
+          </a:stretch>
+        </p:blipFill>
+        <p:spPr bwMode="auto">
+          <a:xfrm>
+            <a:off x="1926123" y="4149080"/>
+            <a:ext cx="4660572" cy="288032"/>
+          </a:xfrm>
+          <a:prstGeom prst="rect">
+            <a:avLst/>
+          </a:prstGeom>
+          <a:noFill/>
+          <a:ln>
+            <a:noFill/>
+          </a:ln>
+          <a:extLst>
+            <a:ext uri="{909E8E84-426E-40DD-AFC4-6F175D3DCCD1}">
+              <a14:hiddenFill xmlns:a14="http://schemas.microsoft.com/office/drawing/2010/main">
+                <a:solidFill>
+                  <a:schemeClr val="accent1"/>
+                </a:solidFill>
+              </a14:hiddenFill>
+            </a:ext>
+            <a:ext uri="{91240B29-F687-4F45-9708-019B960494DF}">
+              <a14:hiddenLine xmlns:a14="http://schemas.microsoft.com/office/drawing/2010/main" w="9525">
+                <a:solidFill>
+                  <a:schemeClr val="tx1"/>
+                </a:solidFill>
+                <a:miter lim="800000"/>
+                <a:headEnd/>
+                <a:tailEnd/>
+              </a14:hiddenLine>
+            </a:ext>
+          </a:extLst>
+        </p:spPr>
+      </p:pic>
+      <p:cxnSp>
+        <p:nvCxnSpPr>
+          <p:cNvPr id="19" name="Gerade Verbindung mit Pfeil 18"/>
+          <p:cNvCxnSpPr/>
+          <p:nvPr/>
+        </p:nvCxnSpPr>
+        <p:spPr>
+          <a:xfrm>
+            <a:off x="539552" y="3861048"/>
+            <a:ext cx="720080" cy="0"/>
+          </a:xfrm>
+          <a:prstGeom prst="straightConnector1">
+            <a:avLst/>
+          </a:prstGeom>
+          <a:ln>
+            <a:solidFill>
+              <a:schemeClr val="tx1"/>
+            </a:solidFill>
+            <a:tailEnd type="arrow"/>
+          </a:ln>
+        </p:spPr>
+        <p:style>
+          <a:lnRef idx="1">
+            <a:schemeClr val="accent1"/>
+          </a:lnRef>
+          <a:fillRef idx="0">
+            <a:schemeClr val="accent1"/>
+          </a:fillRef>
+          <a:effectRef idx="0">
+            <a:schemeClr val="accent1"/>
+          </a:effectRef>
+          <a:fontRef idx="minor">
+            <a:schemeClr val="tx1"/>
+          </a:fontRef>
+        </p:style>
+      </p:cxnSp>
+      <p:cxnSp>
+        <p:nvCxnSpPr>
+          <p:cNvPr id="21" name="Gerade Verbindung mit Pfeil 20"/>
+          <p:cNvCxnSpPr/>
+          <p:nvPr/>
+        </p:nvCxnSpPr>
+        <p:spPr>
+          <a:xfrm flipV="1">
+            <a:off x="5256076" y="4437112"/>
+            <a:ext cx="108012" cy="432048"/>
+          </a:xfrm>
+          <a:prstGeom prst="straightConnector1">
+            <a:avLst/>
+          </a:prstGeom>
+          <a:ln>
+            <a:solidFill>
+              <a:schemeClr val="tx1"/>
+            </a:solidFill>
+            <a:tailEnd type="arrow"/>
+          </a:ln>
+        </p:spPr>
+        <p:style>
+          <a:lnRef idx="1">
+            <a:schemeClr val="accent1"/>
+          </a:lnRef>
+          <a:fillRef idx="0">
+            <a:schemeClr val="accent1"/>
+          </a:fillRef>
+          <a:effectRef idx="0">
+            <a:schemeClr val="accent1"/>
+          </a:effectRef>
+          <a:fontRef idx="minor">
+            <a:schemeClr val="tx1"/>
+          </a:fontRef>
+        </p:style>
+      </p:cxnSp>
+      <p:sp>
+        <p:nvSpPr>
+          <p:cNvPr id="22" name="Textfeld 21"/>
+          <p:cNvSpPr txBox="1"/>
+          <p:nvPr/>
+        </p:nvSpPr>
+        <p:spPr>
+          <a:xfrm>
+            <a:off x="4355976" y="4869160"/>
+            <a:ext cx="2304256" cy="400110"/>
+          </a:xfrm>
+          <a:prstGeom prst="rect">
+            <a:avLst/>
+          </a:prstGeom>
+          <a:noFill/>
+        </p:spPr>
+        <p:txBody>
+          <a:bodyPr wrap="square" rtlCol="0">
+            <a:spAutoFit/>
+          </a:bodyPr>
+          <a:lstStyle/>
+          <a:p>
+            <a:r>
+              <a:rPr lang="de-DE" sz="2000" smtClean="0">
+                <a:latin typeface="Adobe Arabic" pitchFamily="18" charset="-78"/>
+                <a:cs typeface="Adobe Arabic" pitchFamily="18" charset="-78"/>
+              </a:rPr>
+              <a:t>„Schwache Ableitung“</a:t>
+            </a:r>
+            <a:endParaRPr lang="de-DE" sz="2000">
+              <a:latin typeface="Adobe Arabic" pitchFamily="18" charset="-78"/>
+              <a:cs typeface="Adobe Arabic" pitchFamily="18" charset="-78"/>
+            </a:endParaRPr>
+          </a:p>
+        </p:txBody>
+      </p:sp>
+      <p:pic>
+        <p:nvPicPr>
+          <p:cNvPr id="4102" name="Picture 6"/>
+          <p:cNvPicPr>
+            <a:picLocks noChangeAspect="1" noChangeArrowheads="1"/>
+          </p:cNvPicPr>
+          <p:nvPr/>
+        </p:nvPicPr>
+        <p:blipFill>
+          <a:blip r:embed="rId6" cstate="print">
+            <a:extLst>
+              <a:ext uri="{28A0092B-C50C-407E-A947-70E740481C1C}">
+                <a14:useLocalDpi xmlns:a14="http://schemas.microsoft.com/office/drawing/2010/main" val="0"/>
+              </a:ext>
+            </a:extLst>
+          </a:blip>
+          <a:srcRect/>
+          <a:stretch>
+            <a:fillRect/>
+          </a:stretch>
+        </p:blipFill>
+        <p:spPr bwMode="auto">
+          <a:xfrm>
+            <a:off x="4471540" y="5661248"/>
+            <a:ext cx="3988892" cy="512802"/>
+          </a:xfrm>
+          <a:prstGeom prst="rect">
+            <a:avLst/>
+          </a:prstGeom>
+          <a:noFill/>
+          <a:ln>
+            <a:noFill/>
+          </a:ln>
+          <a:extLst>
+            <a:ext uri="{909E8E84-426E-40DD-AFC4-6F175D3DCCD1}">
+              <a14:hiddenFill xmlns:a14="http://schemas.microsoft.com/office/drawing/2010/main">
+                <a:solidFill>
+                  <a:schemeClr val="accent1"/>
+                </a:solidFill>
+              </a14:hiddenFill>
+            </a:ext>
+            <a:ext uri="{91240B29-F687-4F45-9708-019B960494DF}">
+              <a14:hiddenLine xmlns:a14="http://schemas.microsoft.com/office/drawing/2010/main" w="9525">
+                <a:solidFill>
+                  <a:schemeClr val="tx1"/>
+                </a:solidFill>
+                <a:miter lim="800000"/>
+                <a:headEnd/>
+                <a:tailEnd/>
+              </a14:hiddenLine>
+            </a:ext>
+          </a:extLst>
+        </p:spPr>
+      </p:pic>
     </p:spTree>
+    <p:extLst>
+      <p:ext uri="{BB962C8B-B14F-4D97-AF65-F5344CB8AC3E}">
+        <p14:creationId xmlns:p14="http://schemas.microsoft.com/office/powerpoint/2010/main" val="3671896962"/>
+      </p:ext>
+    </p:extLst>
   </p:cSld>
   <p:clrMapOvr>
     <a:masterClrMapping/>
   </p:clrMapOvr>
+  <mc:AlternateContent xmlns:mc="http://schemas.openxmlformats.org/markup-compatibility/2006" xmlns:p14="http://schemas.microsoft.com/office/powerpoint/2010/main">
+    <mc:Choice Requires="p14">
+      <p:transition spd="slow" p14:dur="2000"/>
+    </mc:Choice>
+    <mc:Fallback xmlns="">
+      <p:transition spd="slow"/>
+    </mc:Fallback>
+  </mc:AlternateContent>
   <p:timing>
     <p:tnLst>
       <p:par>
@@ -10252,230 +11634,6 @@
       </p:grpSpPr>
       <p:sp>
         <p:nvSpPr>
-          <p:cNvPr id="2" name="Inhaltsplatzhalter 1"/>
-          <p:cNvSpPr>
-            <a:spLocks noGrp="1"/>
-          </p:cNvSpPr>
-          <p:nvPr>
-            <p:ph idx="1"/>
-          </p:nvPr>
-        </p:nvSpPr>
-        <p:spPr>
-          <a:xfrm>
-            <a:off x="251520" y="1379909"/>
-            <a:ext cx="8445624" cy="5145435"/>
-          </a:xfrm>
-        </p:spPr>
-        <p:txBody>
-          <a:bodyPr>
-            <a:normAutofit/>
-          </a:bodyPr>
-          <a:lstStyle/>
-          <a:p>
-            <a:pPr>
-              <a:buNone/>
-            </a:pPr>
-            <a:r>
-              <a:rPr lang="de-DE" sz="1800" smtClean="0"/>
-              <a:t>[9]   </a:t>
-            </a:r>
-            <a:r>
-              <a:rPr lang="de-DE" sz="1800" smtClean="0">
-                <a:hlinkClick r:id="rId2"/>
-              </a:rPr>
-              <a:t>http://myrrha.sckcen.be/en/</a:t>
-            </a:r>
-            <a:endParaRPr lang="de-DE" sz="1800" smtClean="0"/>
-          </a:p>
-          <a:p>
-            <a:pPr>
-              <a:buNone/>
-            </a:pPr>
-            <a:r>
-              <a:rPr lang="de-DE" sz="1800" smtClean="0"/>
-              <a:t>[10] Smidt, Dieter. Reaktor-Sicherheitstechnik: Sicherheitssysteme und Störfallanalyse für Leichtwasserreaktoren und schnelle Brüter. Springer-Verlag, 2013.</a:t>
-            </a:r>
-          </a:p>
-          <a:p>
-            <a:pPr>
-              <a:buNone/>
-            </a:pPr>
-            <a:r>
-              <a:rPr lang="de-DE" sz="1800" smtClean="0"/>
-              <a:t>[11] </a:t>
-            </a:r>
-            <a:r>
-              <a:rPr lang="de-DE" sz="1800" smtClean="0">
-                <a:hlinkClick r:id="rId3"/>
-              </a:rPr>
-              <a:t>https://www.j-parc.jp/Transmutation/en/index.html</a:t>
-            </a:r>
-            <a:endParaRPr lang="de-DE" sz="1800" smtClean="0"/>
-          </a:p>
-          <a:p>
-            <a:pPr>
-              <a:buNone/>
-            </a:pPr>
-            <a:r>
-              <a:rPr lang="de-DE" sz="1800" smtClean="0"/>
-              <a:t>[12] </a:t>
-            </a:r>
-            <a:r>
-              <a:rPr lang="de-DE" sz="1800" smtClean="0">
-                <a:hlinkClick r:id="rId4"/>
-              </a:rPr>
-              <a:t>https://www.gen-4.org/gif/jcms/c_59461/generation-iv-systems</a:t>
-            </a:r>
-            <a:endParaRPr lang="de-DE" sz="1800" smtClean="0"/>
-          </a:p>
-          <a:p>
-            <a:pPr>
-              <a:buNone/>
-            </a:pPr>
-            <a:r>
-              <a:rPr lang="de-DE" sz="1800" smtClean="0"/>
-              <a:t>[13] </a:t>
-            </a:r>
-            <a:r>
-              <a:rPr lang="de-DE" sz="1800" smtClean="0">
-                <a:hlinkClick r:id="rId5"/>
-              </a:rPr>
-              <a:t>http://www.nndc.bnl.gov/nudat2/</a:t>
-            </a:r>
-            <a:endParaRPr lang="de-DE" sz="1800" smtClean="0"/>
-          </a:p>
-          <a:p>
-            <a:pPr>
-              <a:buNone/>
-            </a:pPr>
-            <a:r>
-              <a:rPr lang="de-DE" sz="1800" smtClean="0"/>
-              <a:t>[14] </a:t>
-            </a:r>
-            <a:r>
-              <a:rPr lang="de-DE" sz="1800" err="1" smtClean="0"/>
-              <a:t>Bowman</a:t>
-            </a:r>
-            <a:r>
-              <a:rPr lang="de-DE" sz="1800" smtClean="0"/>
-              <a:t>, Charles D. "</a:t>
-            </a:r>
-            <a:r>
-              <a:rPr lang="de-DE" sz="1800" err="1" smtClean="0"/>
-              <a:t>Accelerator-driven</a:t>
-            </a:r>
-            <a:r>
-              <a:rPr lang="de-DE" sz="1800" smtClean="0"/>
-              <a:t> </a:t>
-            </a:r>
-            <a:r>
-              <a:rPr lang="de-DE" sz="1800" err="1" smtClean="0"/>
-              <a:t>systems</a:t>
-            </a:r>
-            <a:r>
-              <a:rPr lang="de-DE" sz="1800" smtClean="0"/>
-              <a:t> </a:t>
-            </a:r>
-            <a:r>
-              <a:rPr lang="de-DE" sz="1800" err="1" smtClean="0"/>
-              <a:t>for</a:t>
-            </a:r>
-            <a:r>
-              <a:rPr lang="de-DE" sz="1800" smtClean="0"/>
-              <a:t> </a:t>
-            </a:r>
-            <a:r>
-              <a:rPr lang="de-DE" sz="1800" err="1" smtClean="0"/>
-              <a:t>nuclear</a:t>
-            </a:r>
-            <a:r>
-              <a:rPr lang="de-DE" sz="1800" smtClean="0"/>
-              <a:t> </a:t>
-            </a:r>
-            <a:r>
-              <a:rPr lang="de-DE" sz="1800" err="1" smtClean="0"/>
-              <a:t>waste</a:t>
-            </a:r>
-            <a:r>
-              <a:rPr lang="de-DE" sz="1800" smtClean="0"/>
-              <a:t> </a:t>
-            </a:r>
-            <a:r>
-              <a:rPr lang="de-DE" sz="1800" err="1" smtClean="0"/>
-              <a:t>transmutation</a:t>
-            </a:r>
-            <a:r>
-              <a:rPr lang="de-DE" sz="1800" smtClean="0"/>
-              <a:t>." Annual Review </a:t>
-            </a:r>
-            <a:r>
-              <a:rPr lang="de-DE" sz="1800" err="1" smtClean="0"/>
-              <a:t>of</a:t>
-            </a:r>
-            <a:r>
-              <a:rPr lang="de-DE" sz="1800" smtClean="0"/>
-              <a:t> </a:t>
-            </a:r>
-            <a:r>
-              <a:rPr lang="de-DE" sz="1800" err="1" smtClean="0"/>
-              <a:t>Nuclear</a:t>
-            </a:r>
-            <a:r>
-              <a:rPr lang="de-DE" sz="1800" smtClean="0"/>
-              <a:t> </a:t>
-            </a:r>
-            <a:r>
-              <a:rPr lang="de-DE" sz="1800" err="1" smtClean="0"/>
-              <a:t>and</a:t>
-            </a:r>
-            <a:r>
-              <a:rPr lang="de-DE" sz="1800" smtClean="0"/>
-              <a:t> </a:t>
-            </a:r>
-            <a:r>
-              <a:rPr lang="de-DE" sz="1800" err="1" smtClean="0"/>
-              <a:t>Particle</a:t>
-            </a:r>
-            <a:r>
-              <a:rPr lang="de-DE" sz="1800" smtClean="0"/>
-              <a:t> Science 48.1 (1998): 505-556.</a:t>
-            </a:r>
-          </a:p>
-          <a:p>
-            <a:pPr>
-              <a:buNone/>
-            </a:pPr>
-            <a:r>
-              <a:rPr lang="de-DE" sz="1800" smtClean="0"/>
-              <a:t>[15] </a:t>
-            </a:r>
-            <a:r>
-              <a:rPr lang="de-DE" sz="1800" err="1" smtClean="0"/>
-              <a:t>Nünighoff</a:t>
-            </a:r>
-            <a:r>
-              <a:rPr lang="de-DE" sz="1800" smtClean="0"/>
-              <a:t>, Kay. Sicherheitstechnik im Wandel nuklearer Systeme: Strahlenschutz bei </a:t>
-            </a:r>
-            <a:r>
-              <a:rPr lang="de-DE" sz="1800" err="1" smtClean="0"/>
-              <a:t>Spallationsneutronenquellen</a:t>
-            </a:r>
-            <a:r>
-              <a:rPr lang="de-DE" sz="1800" smtClean="0"/>
-              <a:t> und Transmutationsanlagen. Vol. 40. Forschungszentrum Jülich, 2009.</a:t>
-            </a:r>
-          </a:p>
-          <a:p>
-            <a:pPr>
-              <a:buNone/>
-            </a:pPr>
-            <a:endParaRPr lang="de-DE" sz="1800"/>
-          </a:p>
-        </p:txBody>
-      </p:sp>
-      <p:sp>
-        <p:nvSpPr>
           <p:cNvPr id="3" name="Datumsplatzhalter 2"/>
           <p:cNvSpPr>
             <a:spLocks noGrp="1"/>
@@ -10546,100 +11704,2378 @@
       </p:sp>
       <p:sp>
         <p:nvSpPr>
-          <p:cNvPr id="6" name="Textplatzhalter 5"/>
+          <p:cNvPr id="7" name="Rechteck 6"/>
+          <p:cNvSpPr/>
+          <p:nvPr/>
+        </p:nvSpPr>
+        <p:spPr>
+          <a:xfrm>
+            <a:off x="6588224" y="72008"/>
+            <a:ext cx="2483768" cy="260648"/>
+          </a:xfrm>
+          <a:prstGeom prst="rect">
+            <a:avLst/>
+          </a:prstGeom>
+          <a:solidFill>
+            <a:srgbClr val="92D050"/>
+          </a:solidFill>
+          <a:ln>
+            <a:noFill/>
+          </a:ln>
+          <a:effectLst>
+            <a:outerShdw blurRad="44450" dist="27940" dir="5400000" algn="ctr">
+              <a:srgbClr val="000000">
+                <a:alpha val="32000"/>
+              </a:srgbClr>
+            </a:outerShdw>
+          </a:effectLst>
+          <a:scene3d>
+            <a:camera prst="orthographicFront">
+              <a:rot lat="0" lon="0" rev="0"/>
+            </a:camera>
+            <a:lightRig rig="balanced" dir="t">
+              <a:rot lat="0" lon="0" rev="8700000"/>
+            </a:lightRig>
+          </a:scene3d>
+          <a:sp3d>
+            <a:bevelT w="190500" h="38100"/>
+          </a:sp3d>
+        </p:spPr>
+        <p:style>
+          <a:lnRef idx="2">
+            <a:schemeClr val="accent1">
+              <a:shade val="50000"/>
+            </a:schemeClr>
+          </a:lnRef>
+          <a:fillRef idx="1">
+            <a:schemeClr val="accent1"/>
+          </a:fillRef>
+          <a:effectRef idx="0">
+            <a:schemeClr val="accent1"/>
+          </a:effectRef>
+          <a:fontRef idx="minor">
+            <a:schemeClr val="lt1"/>
+          </a:fontRef>
+        </p:style>
+        <p:txBody>
+          <a:bodyPr rtlCol="0" anchor="ctr"/>
+          <a:lstStyle/>
+          <a:p>
+            <a:pPr algn="ctr"/>
+            <a:endParaRPr lang="de-DE"/>
+          </a:p>
+        </p:txBody>
+      </p:sp>
+      <p:sp>
+        <p:nvSpPr>
+          <p:cNvPr id="8" name="Textfeld 7"/>
+          <p:cNvSpPr txBox="1"/>
+          <p:nvPr/>
+        </p:nvSpPr>
+        <p:spPr>
+          <a:xfrm>
+            <a:off x="6586695" y="35913"/>
+            <a:ext cx="2521809" cy="584775"/>
+          </a:xfrm>
+          <a:prstGeom prst="rect">
+            <a:avLst/>
+          </a:prstGeom>
+          <a:noFill/>
+        </p:spPr>
+        <p:txBody>
+          <a:bodyPr wrap="square" rtlCol="0">
+            <a:spAutoFit/>
+          </a:bodyPr>
+          <a:lstStyle/>
+          <a:p>
+            <a:pPr algn="ctr"/>
+            <a:r>
+              <a:rPr lang="de-DE" sz="1600" smtClean="0">
+                <a:solidFill>
+                  <a:schemeClr val="accent5">
+                    <a:lumMod val="50000"/>
+                  </a:schemeClr>
+                </a:solidFill>
+                <a:latin typeface="Adobe Arabic" pitchFamily="18" charset="-78"/>
+                <a:cs typeface="Adobe Arabic" pitchFamily="18" charset="-78"/>
+              </a:rPr>
+              <a:t>2. </a:t>
+            </a:r>
+            <a:r>
+              <a:rPr lang="de-DE" sz="1600" smtClean="0">
+                <a:latin typeface="Adobe Arabic" pitchFamily="18" charset="-78"/>
+                <a:cs typeface="Adobe Arabic" pitchFamily="18" charset="-78"/>
+              </a:rPr>
+              <a:t>DG-Verfahren</a:t>
+            </a:r>
+          </a:p>
+          <a:p>
+            <a:pPr algn="ctr"/>
+            <a:endParaRPr lang="de-DE" sz="1600">
+              <a:solidFill>
+                <a:schemeClr val="accent5">
+                  <a:lumMod val="50000"/>
+                </a:schemeClr>
+              </a:solidFill>
+              <a:latin typeface="Adobe Arabic" pitchFamily="18" charset="-78"/>
+              <a:cs typeface="Adobe Arabic" pitchFamily="18" charset="-78"/>
+            </a:endParaRPr>
+          </a:p>
+        </p:txBody>
+      </p:sp>
+      <p:sp>
+        <p:nvSpPr>
+          <p:cNvPr id="17" name="Inhaltsplatzhalter 1"/>
           <p:cNvSpPr>
             <a:spLocks noGrp="1"/>
           </p:cNvSpPr>
           <p:nvPr>
-            <p:ph type="body" sz="quarter" idx="13"/>
+            <p:ph idx="1"/>
           </p:nvPr>
-        </p:nvSpPr>
-        <p:spPr/>
-        <p:txBody>
-          <a:bodyPr/>
-          <a:lstStyle/>
-          <a:p>
-            <a:endParaRPr lang="de-DE"/>
-          </a:p>
-        </p:txBody>
-      </p:sp>
-      <p:sp>
-        <p:nvSpPr>
-          <p:cNvPr id="8" name="Titel 1"/>
-          <p:cNvSpPr txBox="1">
-            <a:spLocks/>
-          </p:cNvSpPr>
-          <p:nvPr/>
         </p:nvSpPr>
         <p:spPr>
           <a:xfrm>
-            <a:off x="467544" y="620688"/>
-            <a:ext cx="8229600" cy="1143000"/>
+            <a:off x="457200" y="980728"/>
+            <a:ext cx="8229600" cy="5145435"/>
+          </a:xfrm>
+        </p:spPr>
+        <p:txBody>
+          <a:bodyPr>
+            <a:normAutofit/>
+          </a:bodyPr>
+          <a:lstStyle/>
+          <a:p>
+            <a:pPr marL="0" indent="0">
+              <a:buNone/>
+            </a:pPr>
+            <a:r>
+              <a:rPr lang="de-DE" sz="3200" b="1" smtClean="0"/>
+              <a:t>Ritz-Approximation</a:t>
+            </a:r>
+          </a:p>
+          <a:p>
+            <a:pPr marL="0" indent="0">
+              <a:buNone/>
+            </a:pPr>
+            <a:r>
+              <a:rPr lang="de-DE" smtClean="0"/>
+              <a:t>Achtung:       ist unendlich dimensionaler Hilbertraum!</a:t>
+            </a:r>
+          </a:p>
+          <a:p>
+            <a:pPr marL="0" indent="0">
+              <a:buNone/>
+            </a:pPr>
+            <a:r>
+              <a:rPr lang="de-DE" smtClean="0"/>
+              <a:t>Wähle nun endlichdim. Teilraum </a:t>
+            </a:r>
+          </a:p>
+          <a:p>
+            <a:pPr marL="0" indent="0">
+              <a:buNone/>
+            </a:pPr>
+            <a:endParaRPr lang="de-DE"/>
+          </a:p>
+          <a:p>
+            <a:pPr marL="0" indent="0">
+              <a:buNone/>
+            </a:pPr>
+            <a:r>
+              <a:rPr lang="de-DE"/>
+              <a:t>Finde           </a:t>
+            </a:r>
+            <a:r>
+              <a:rPr lang="de-DE"/>
+              <a:t>,  </a:t>
+            </a:r>
+            <a:r>
+              <a:rPr lang="de-DE" smtClean="0"/>
+              <a:t>,     , sodass</a:t>
+            </a:r>
+          </a:p>
+          <a:p>
+            <a:pPr marL="0" indent="0">
+              <a:buNone/>
+            </a:pPr>
+            <a:endParaRPr lang="de-DE"/>
+          </a:p>
+          <a:p>
+            <a:pPr marL="0" indent="0">
+              <a:buNone/>
+            </a:pPr>
+            <a:r>
+              <a:rPr lang="de-DE" smtClean="0"/>
+              <a:t>Galerkin-Orthogonalität:</a:t>
+            </a:r>
+            <a:endParaRPr lang="de-DE" smtClean="0"/>
+          </a:p>
+        </p:txBody>
+      </p:sp>
+      <p:pic>
+        <p:nvPicPr>
+          <p:cNvPr id="2050" name="Picture 2"/>
+          <p:cNvPicPr>
+            <a:picLocks noChangeAspect="1" noChangeArrowheads="1"/>
+          </p:cNvPicPr>
+          <p:nvPr/>
+        </p:nvPicPr>
+        <p:blipFill>
+          <a:blip r:embed="rId3">
+            <a:extLst>
+              <a:ext uri="{28A0092B-C50C-407E-A947-70E740481C1C}">
+                <a14:useLocalDpi xmlns:a14="http://schemas.microsoft.com/office/drawing/2010/main" val="0"/>
+              </a:ext>
+            </a:extLst>
+          </a:blip>
+          <a:srcRect/>
+          <a:stretch>
+            <a:fillRect/>
+          </a:stretch>
+        </p:blipFill>
+        <p:spPr bwMode="auto">
+          <a:xfrm>
+            <a:off x="1703496" y="1662344"/>
+            <a:ext cx="276225" cy="261938"/>
           </a:xfrm>
           <a:prstGeom prst="rect">
             <a:avLst/>
           </a:prstGeom>
-        </p:spPr>
-        <p:txBody>
-          <a:bodyPr/>
+          <a:noFill/>
+          <a:ln>
+            <a:noFill/>
+          </a:ln>
+          <a:extLst>
+            <a:ext uri="{909E8E84-426E-40DD-AFC4-6F175D3DCCD1}">
+              <a14:hiddenFill xmlns:a14="http://schemas.microsoft.com/office/drawing/2010/main">
+                <a:solidFill>
+                  <a:schemeClr val="accent1"/>
+                </a:solidFill>
+              </a14:hiddenFill>
+            </a:ext>
+            <a:ext uri="{91240B29-F687-4F45-9708-019B960494DF}">
+              <a14:hiddenLine xmlns:a14="http://schemas.microsoft.com/office/drawing/2010/main" w="9525">
+                <a:solidFill>
+                  <a:schemeClr val="tx1"/>
+                </a:solidFill>
+                <a:miter lim="800000"/>
+                <a:headEnd/>
+                <a:tailEnd/>
+              </a14:hiddenLine>
+            </a:ext>
+          </a:extLst>
+        </p:spPr>
+      </p:pic>
+      <p:pic>
+        <p:nvPicPr>
+          <p:cNvPr id="2051" name="Picture 3"/>
+          <p:cNvPicPr>
+            <a:picLocks noChangeAspect="1" noChangeArrowheads="1"/>
+          </p:cNvPicPr>
+          <p:nvPr/>
+        </p:nvPicPr>
+        <p:blipFill>
+          <a:blip r:embed="rId4">
+            <a:extLst>
+              <a:ext uri="{28A0092B-C50C-407E-A947-70E740481C1C}">
+                <a14:useLocalDpi xmlns:a14="http://schemas.microsoft.com/office/drawing/2010/main" val="0"/>
+              </a:ext>
+            </a:extLst>
+          </a:blip>
+          <a:srcRect/>
+          <a:stretch>
+            <a:fillRect/>
+          </a:stretch>
+        </p:blipFill>
+        <p:spPr bwMode="auto">
+          <a:xfrm>
+            <a:off x="4225771" y="2159442"/>
+            <a:ext cx="1226318" cy="317935"/>
+          </a:xfrm>
+          <a:prstGeom prst="rect">
+            <a:avLst/>
+          </a:prstGeom>
+          <a:noFill/>
+          <a:ln>
+            <a:noFill/>
+          </a:ln>
+          <a:extLst>
+            <a:ext uri="{909E8E84-426E-40DD-AFC4-6F175D3DCCD1}">
+              <a14:hiddenFill xmlns:a14="http://schemas.microsoft.com/office/drawing/2010/main">
+                <a:solidFill>
+                  <a:schemeClr val="accent1"/>
+                </a:solidFill>
+              </a14:hiddenFill>
+            </a:ext>
+            <a:ext uri="{91240B29-F687-4F45-9708-019B960494DF}">
+              <a14:hiddenLine xmlns:a14="http://schemas.microsoft.com/office/drawing/2010/main" w="9525">
+                <a:solidFill>
+                  <a:schemeClr val="tx1"/>
+                </a:solidFill>
+                <a:miter lim="800000"/>
+                <a:headEnd/>
+                <a:tailEnd/>
+              </a14:hiddenLine>
+            </a:ext>
+          </a:extLst>
+        </p:spPr>
+      </p:pic>
+      <p:sp>
+        <p:nvSpPr>
+          <p:cNvPr id="12" name="Abgerundetes Rechteck 11"/>
+          <p:cNvSpPr/>
+          <p:nvPr/>
+        </p:nvSpPr>
+        <p:spPr>
+          <a:xfrm>
+            <a:off x="4788024" y="2159442"/>
+            <a:ext cx="360040" cy="317935"/>
+          </a:xfrm>
+          <a:prstGeom prst="roundRect">
+            <a:avLst/>
+          </a:prstGeom>
+          <a:noFill/>
+          <a:ln>
+            <a:solidFill>
+              <a:srgbClr val="FF0000"/>
+            </a:solidFill>
+          </a:ln>
+        </p:spPr>
+        <p:style>
+          <a:lnRef idx="2">
+            <a:schemeClr val="accent1">
+              <a:shade val="50000"/>
+            </a:schemeClr>
+          </a:lnRef>
+          <a:fillRef idx="1">
+            <a:schemeClr val="accent1"/>
+          </a:fillRef>
+          <a:effectRef idx="0">
+            <a:schemeClr val="accent1"/>
+          </a:effectRef>
+          <a:fontRef idx="minor">
+            <a:schemeClr val="lt1"/>
+          </a:fontRef>
+        </p:style>
+        <p:txBody>
+          <a:bodyPr rtlCol="0" anchor="ctr"/>
           <a:lstStyle/>
           <a:p>
-            <a:pPr marL="0" marR="0" lvl="0" indent="0" algn="ctr" defTabSz="914400" rtl="0" eaLnBrk="1" fontAlgn="auto" latinLnBrk="0" hangingPunct="1">
-              <a:lnSpc>
-                <a:spcPct val="100000"/>
-              </a:lnSpc>
-              <a:spcBef>
-                <a:spcPct val="0"/>
-              </a:spcBef>
-              <a:spcAft>
-                <a:spcPts val="0"/>
-              </a:spcAft>
-              <a:buClrTx/>
-              <a:buSzTx/>
-              <a:buFontTx/>
-              <a:buNone/>
-              <a:tabLst/>
-              <a:defRPr/>
-            </a:pPr>
-            <a:r>
-              <a:rPr kumimoji="0" lang="de-DE" sz="4400" b="0" i="0" u="none" strike="noStrike" kern="1200" cap="none" spc="0" normalizeH="0" baseline="0" noProof="0" smtClean="0">
-                <a:ln>
-                  <a:noFill/>
-                </a:ln>
+            <a:pPr algn="ctr"/>
+            <a:endParaRPr lang="de-DE"/>
+          </a:p>
+        </p:txBody>
+      </p:sp>
+      <p:pic>
+        <p:nvPicPr>
+          <p:cNvPr id="2054" name="Picture 6"/>
+          <p:cNvPicPr>
+            <a:picLocks noChangeAspect="1" noChangeArrowheads="1"/>
+          </p:cNvPicPr>
+          <p:nvPr/>
+        </p:nvPicPr>
+        <p:blipFill>
+          <a:blip r:embed="rId5">
+            <a:extLst>
+              <a:ext uri="{28A0092B-C50C-407E-A947-70E740481C1C}">
+                <a14:useLocalDpi xmlns:a14="http://schemas.microsoft.com/office/drawing/2010/main" val="0"/>
+              </a:ext>
+            </a:extLst>
+          </a:blip>
+          <a:srcRect/>
+          <a:stretch>
+            <a:fillRect/>
+          </a:stretch>
+        </p:blipFill>
+        <p:spPr bwMode="auto">
+          <a:xfrm>
+            <a:off x="504063" y="4725144"/>
+            <a:ext cx="4571993" cy="441368"/>
+          </a:xfrm>
+          <a:prstGeom prst="rect">
+            <a:avLst/>
+          </a:prstGeom>
+          <a:noFill/>
+          <a:ln>
+            <a:noFill/>
+          </a:ln>
+          <a:extLst>
+            <a:ext uri="{909E8E84-426E-40DD-AFC4-6F175D3DCCD1}">
+              <a14:hiddenFill xmlns:a14="http://schemas.microsoft.com/office/drawing/2010/main">
+                <a:solidFill>
+                  <a:schemeClr val="accent1"/>
+                </a:solidFill>
+              </a14:hiddenFill>
+            </a:ext>
+            <a:ext uri="{91240B29-F687-4F45-9708-019B960494DF}">
+              <a14:hiddenLine xmlns:a14="http://schemas.microsoft.com/office/drawing/2010/main" w="9525">
                 <a:solidFill>
                   <a:schemeClr val="tx1"/>
                 </a:solidFill>
-                <a:effectLst/>
-                <a:uLnTx/>
-                <a:uFillTx/>
-                <a:latin typeface="Adobe Arabic" pitchFamily="18" charset="-78"/>
-                <a:ea typeface="+mj-ea"/>
-                <a:cs typeface="Adobe Arabic" pitchFamily="18" charset="-78"/>
-              </a:rPr>
-              <a:t>Quellen</a:t>
-            </a:r>
-            <a:endParaRPr kumimoji="0" lang="de-DE" sz="4400" b="0" i="0" u="none" strike="noStrike" kern="1200" cap="none" spc="0" normalizeH="0" baseline="0" noProof="0">
-              <a:ln>
-                <a:noFill/>
-              </a:ln>
-              <a:solidFill>
-                <a:schemeClr val="tx1"/>
-              </a:solidFill>
-              <a:effectLst/>
-              <a:uLnTx/>
-              <a:uFillTx/>
-              <a:latin typeface="Adobe Arabic" pitchFamily="18" charset="-78"/>
-              <a:ea typeface="+mj-ea"/>
-              <a:cs typeface="Adobe Arabic" pitchFamily="18" charset="-78"/>
-            </a:endParaRPr>
-          </a:p>
-        </p:txBody>
-      </p:sp>
+                <a:miter lim="800000"/>
+                <a:headEnd/>
+                <a:tailEnd/>
+              </a14:hiddenLine>
+            </a:ext>
+          </a:extLst>
+        </p:spPr>
+      </p:pic>
+      <p:pic>
+        <p:nvPicPr>
+          <p:cNvPr id="2055" name="Picture 7"/>
+          <p:cNvPicPr>
+            <a:picLocks noChangeAspect="1" noChangeArrowheads="1"/>
+          </p:cNvPicPr>
+          <p:nvPr/>
+        </p:nvPicPr>
+        <p:blipFill>
+          <a:blip r:embed="rId6" cstate="print">
+            <a:extLst>
+              <a:ext uri="{28A0092B-C50C-407E-A947-70E740481C1C}">
+                <a14:useLocalDpi xmlns:a14="http://schemas.microsoft.com/office/drawing/2010/main" val="0"/>
+              </a:ext>
+            </a:extLst>
+          </a:blip>
+          <a:srcRect/>
+          <a:stretch>
+            <a:fillRect/>
+          </a:stretch>
+        </p:blipFill>
+        <p:spPr bwMode="auto">
+          <a:xfrm>
+            <a:off x="1327718" y="3232926"/>
+            <a:ext cx="1027779" cy="236414"/>
+          </a:xfrm>
+          <a:prstGeom prst="rect">
+            <a:avLst/>
+          </a:prstGeom>
+          <a:noFill/>
+          <a:ln>
+            <a:noFill/>
+          </a:ln>
+          <a:extLst>
+            <a:ext uri="{909E8E84-426E-40DD-AFC4-6F175D3DCCD1}">
+              <a14:hiddenFill xmlns:a14="http://schemas.microsoft.com/office/drawing/2010/main">
+                <a:solidFill>
+                  <a:schemeClr val="accent1"/>
+                </a:solidFill>
+              </a14:hiddenFill>
+            </a:ext>
+            <a:ext uri="{91240B29-F687-4F45-9708-019B960494DF}">
+              <a14:hiddenLine xmlns:a14="http://schemas.microsoft.com/office/drawing/2010/main" w="9525">
+                <a:solidFill>
+                  <a:schemeClr val="tx1"/>
+                </a:solidFill>
+                <a:miter lim="800000"/>
+                <a:headEnd/>
+                <a:tailEnd/>
+              </a14:hiddenLine>
+            </a:ext>
+          </a:extLst>
+        </p:spPr>
+      </p:pic>
+      <p:pic>
+        <p:nvPicPr>
+          <p:cNvPr id="2056" name="Picture 8"/>
+          <p:cNvPicPr>
+            <a:picLocks noChangeAspect="1" noChangeArrowheads="1"/>
+          </p:cNvPicPr>
+          <p:nvPr/>
+        </p:nvPicPr>
+        <p:blipFill>
+          <a:blip r:embed="rId7">
+            <a:extLst>
+              <a:ext uri="{28A0092B-C50C-407E-A947-70E740481C1C}">
+                <a14:useLocalDpi xmlns:a14="http://schemas.microsoft.com/office/drawing/2010/main" val="0"/>
+              </a:ext>
+            </a:extLst>
+          </a:blip>
+          <a:srcRect/>
+          <a:stretch>
+            <a:fillRect/>
+          </a:stretch>
+        </p:blipFill>
+        <p:spPr bwMode="auto">
+          <a:xfrm>
+            <a:off x="3762158" y="3173002"/>
+            <a:ext cx="4716016" cy="356261"/>
+          </a:xfrm>
+          <a:prstGeom prst="rect">
+            <a:avLst/>
+          </a:prstGeom>
+          <a:noFill/>
+          <a:ln>
+            <a:noFill/>
+          </a:ln>
+          <a:extLst>
+            <a:ext uri="{909E8E84-426E-40DD-AFC4-6F175D3DCCD1}">
+              <a14:hiddenFill xmlns:a14="http://schemas.microsoft.com/office/drawing/2010/main">
+                <a:solidFill>
+                  <a:schemeClr val="accent1"/>
+                </a:solidFill>
+              </a14:hiddenFill>
+            </a:ext>
+            <a:ext uri="{91240B29-F687-4F45-9708-019B960494DF}">
+              <a14:hiddenLine xmlns:a14="http://schemas.microsoft.com/office/drawing/2010/main" w="9525">
+                <a:solidFill>
+                  <a:schemeClr val="tx1"/>
+                </a:solidFill>
+                <a:miter lim="800000"/>
+                <a:headEnd/>
+                <a:tailEnd/>
+              </a14:hiddenLine>
+            </a:ext>
+          </a:extLst>
+        </p:spPr>
+      </p:pic>
+      <p:pic>
+        <p:nvPicPr>
+          <p:cNvPr id="2057" name="Picture 9"/>
+          <p:cNvPicPr>
+            <a:picLocks noChangeAspect="1" noChangeArrowheads="1"/>
+          </p:cNvPicPr>
+          <p:nvPr/>
+        </p:nvPicPr>
+        <p:blipFill>
+          <a:blip r:embed="rId8">
+            <a:extLst>
+              <a:ext uri="{28A0092B-C50C-407E-A947-70E740481C1C}">
+                <a14:useLocalDpi xmlns:a14="http://schemas.microsoft.com/office/drawing/2010/main" val="0"/>
+              </a:ext>
+            </a:extLst>
+          </a:blip>
+          <a:srcRect/>
+          <a:stretch>
+            <a:fillRect/>
+          </a:stretch>
+        </p:blipFill>
+        <p:spPr bwMode="auto">
+          <a:xfrm>
+            <a:off x="550448" y="4762807"/>
+            <a:ext cx="4525608" cy="366042"/>
+          </a:xfrm>
+          <a:prstGeom prst="rect">
+            <a:avLst/>
+          </a:prstGeom>
+          <a:noFill/>
+          <a:ln>
+            <a:noFill/>
+          </a:ln>
+          <a:extLst>
+            <a:ext uri="{909E8E84-426E-40DD-AFC4-6F175D3DCCD1}">
+              <a14:hiddenFill xmlns:a14="http://schemas.microsoft.com/office/drawing/2010/main">
+                <a:solidFill>
+                  <a:schemeClr val="accent1"/>
+                </a:solidFill>
+              </a14:hiddenFill>
+            </a:ext>
+            <a:ext uri="{91240B29-F687-4F45-9708-019B960494DF}">
+              <a14:hiddenLine xmlns:a14="http://schemas.microsoft.com/office/drawing/2010/main" w="9525">
+                <a:solidFill>
+                  <a:schemeClr val="tx1"/>
+                </a:solidFill>
+                <a:miter lim="800000"/>
+                <a:headEnd/>
+                <a:tailEnd/>
+              </a14:hiddenLine>
+            </a:ext>
+          </a:extLst>
+        </p:spPr>
+      </p:pic>
     </p:spTree>
+    <p:extLst>
+      <p:ext uri="{BB962C8B-B14F-4D97-AF65-F5344CB8AC3E}">
+        <p14:creationId xmlns:p14="http://schemas.microsoft.com/office/powerpoint/2010/main" val="390011000"/>
+      </p:ext>
+    </p:extLst>
   </p:cSld>
   <p:clrMapOvr>
     <a:masterClrMapping/>
   </p:clrMapOvr>
+  <mc:AlternateContent xmlns:mc="http://schemas.openxmlformats.org/markup-compatibility/2006" xmlns:p14="http://schemas.microsoft.com/office/powerpoint/2010/main">
+    <mc:Choice Requires="p14">
+      <p:transition spd="slow" p14:dur="2000"/>
+    </mc:Choice>
+    <mc:Fallback xmlns="">
+      <p:transition spd="slow"/>
+    </mc:Fallback>
+  </mc:AlternateContent>
+  <p:timing>
+    <p:tnLst>
+      <p:par>
+        <p:cTn id="1" dur="indefinite" restart="never" nodeType="tmRoot">
+          <p:childTnLst>
+            <p:seq concurrent="1" nextAc="seek">
+              <p:cTn id="2" dur="indefinite" nodeType="mainSeq">
+                <p:childTnLst>
+                  <p:par>
+                    <p:cTn id="3" fill="hold">
+                      <p:stCondLst>
+                        <p:cond delay="indefinite"/>
+                      </p:stCondLst>
+                      <p:childTnLst>
+                        <p:par>
+                          <p:cTn id="4" fill="hold">
+                            <p:stCondLst>
+                              <p:cond delay="0"/>
+                            </p:stCondLst>
+                            <p:childTnLst>
+                              <p:par>
+                                <p:cTn id="5" presetID="1" presetClass="entr" presetSubtype="0" fill="hold" grpId="0" nodeType="clickEffect">
+                                  <p:stCondLst>
+                                    <p:cond delay="0"/>
+                                  </p:stCondLst>
+                                  <p:childTnLst>
+                                    <p:set>
+                                      <p:cBhvr>
+                                        <p:cTn id="6" dur="1" fill="hold">
+                                          <p:stCondLst>
+                                            <p:cond delay="0"/>
+                                          </p:stCondLst>
+                                        </p:cTn>
+                                        <p:tgtEl>
+                                          <p:spTgt spid="12"/>
+                                        </p:tgtEl>
+                                        <p:attrNameLst>
+                                          <p:attrName>style.visibility</p:attrName>
+                                        </p:attrNameLst>
+                                      </p:cBhvr>
+                                      <p:to>
+                                        <p:strVal val="visible"/>
+                                      </p:to>
+                                    </p:set>
+                                  </p:childTnLst>
+                                </p:cTn>
+                              </p:par>
+                            </p:childTnLst>
+                          </p:cTn>
+                        </p:par>
+                      </p:childTnLst>
+                    </p:cTn>
+                  </p:par>
+                </p:childTnLst>
+              </p:cTn>
+              <p:prevCondLst>
+                <p:cond evt="onPrev" delay="0">
+                  <p:tgtEl>
+                    <p:sldTgt/>
+                  </p:tgtEl>
+                </p:cond>
+              </p:prevCondLst>
+              <p:nextCondLst>
+                <p:cond evt="onNext" delay="0">
+                  <p:tgtEl>
+                    <p:sldTgt/>
+                  </p:tgtEl>
+                </p:cond>
+              </p:nextCondLst>
+            </p:seq>
+          </p:childTnLst>
+        </p:cTn>
+      </p:par>
+    </p:tnLst>
+    <p:bldLst>
+      <p:bldP spid="12" grpId="0" animBg="1"/>
+    </p:bldLst>
+  </p:timing>
+</p:sld>
+</file>
+
+<file path=ppt/slides/slide17.xml><?xml version="1.0" encoding="utf-8"?>
+<p:sld xmlns:a="http://schemas.openxmlformats.org/drawingml/2006/main" xmlns:r="http://schemas.openxmlformats.org/officeDocument/2006/relationships" xmlns:p="http://schemas.openxmlformats.org/presentationml/2006/main">
+  <p:cSld>
+    <p:spTree>
+      <p:nvGrpSpPr>
+        <p:cNvPr id="1" name=""/>
+        <p:cNvGrpSpPr/>
+        <p:nvPr/>
+      </p:nvGrpSpPr>
+      <p:grpSpPr>
+        <a:xfrm>
+          <a:off x="0" y="0"/>
+          <a:ext cx="0" cy="0"/>
+          <a:chOff x="0" y="0"/>
+          <a:chExt cx="0" cy="0"/>
+        </a:xfrm>
+      </p:grpSpPr>
+      <p:sp>
+        <p:nvSpPr>
+          <p:cNvPr id="3" name="Datumsplatzhalter 2"/>
+          <p:cNvSpPr>
+            <a:spLocks noGrp="1"/>
+          </p:cNvSpPr>
+          <p:nvPr>
+            <p:ph type="dt" sz="half" idx="10"/>
+          </p:nvPr>
+        </p:nvSpPr>
+        <p:spPr/>
+        <p:txBody>
+          <a:bodyPr/>
+          <a:lstStyle/>
+          <a:p>
+            <a:r>
+              <a:rPr lang="de-DE" smtClean="0"/>
+              <a:t>27.01.2017</a:t>
+            </a:r>
+            <a:endParaRPr lang="de-DE"/>
+          </a:p>
+        </p:txBody>
+      </p:sp>
+      <p:sp>
+        <p:nvSpPr>
+          <p:cNvPr id="4" name="Fußzeilenplatzhalter 3"/>
+          <p:cNvSpPr>
+            <a:spLocks noGrp="1"/>
+          </p:cNvSpPr>
+          <p:nvPr>
+            <p:ph type="ftr" sz="quarter" idx="11"/>
+          </p:nvPr>
+        </p:nvSpPr>
+        <p:spPr/>
+        <p:txBody>
+          <a:bodyPr/>
+          <a:lstStyle/>
+          <a:p>
+            <a:r>
+              <a:rPr lang="de-DE" smtClean="0"/>
+              <a:t>Transmutation – Matthias Jaeger</a:t>
+            </a:r>
+            <a:endParaRPr lang="de-DE"/>
+          </a:p>
+        </p:txBody>
+      </p:sp>
+      <p:sp>
+        <p:nvSpPr>
+          <p:cNvPr id="5" name="Foliennummernplatzhalter 4"/>
+          <p:cNvSpPr>
+            <a:spLocks noGrp="1"/>
+          </p:cNvSpPr>
+          <p:nvPr>
+            <p:ph type="sldNum" sz="quarter" idx="12"/>
+          </p:nvPr>
+        </p:nvSpPr>
+        <p:spPr/>
+        <p:txBody>
+          <a:bodyPr/>
+          <a:lstStyle/>
+          <a:p>
+            <a:fld id="{1A73E011-4CD9-4D05-A24A-32BCD9CDCEE7}" type="slidenum">
+              <a:rPr lang="de-DE" smtClean="0"/>
+              <a:pPr/>
+              <a:t>17</a:t>
+            </a:fld>
+            <a:endParaRPr lang="de-DE"/>
+          </a:p>
+        </p:txBody>
+      </p:sp>
+      <p:sp>
+        <p:nvSpPr>
+          <p:cNvPr id="7" name="Rechteck 6"/>
+          <p:cNvSpPr/>
+          <p:nvPr/>
+        </p:nvSpPr>
+        <p:spPr>
+          <a:xfrm>
+            <a:off x="6588224" y="72008"/>
+            <a:ext cx="2483768" cy="260648"/>
+          </a:xfrm>
+          <a:prstGeom prst="rect">
+            <a:avLst/>
+          </a:prstGeom>
+          <a:solidFill>
+            <a:srgbClr val="92D050"/>
+          </a:solidFill>
+          <a:ln>
+            <a:noFill/>
+          </a:ln>
+          <a:effectLst>
+            <a:outerShdw blurRad="44450" dist="27940" dir="5400000" algn="ctr">
+              <a:srgbClr val="000000">
+                <a:alpha val="32000"/>
+              </a:srgbClr>
+            </a:outerShdw>
+          </a:effectLst>
+          <a:scene3d>
+            <a:camera prst="orthographicFront">
+              <a:rot lat="0" lon="0" rev="0"/>
+            </a:camera>
+            <a:lightRig rig="balanced" dir="t">
+              <a:rot lat="0" lon="0" rev="8700000"/>
+            </a:lightRig>
+          </a:scene3d>
+          <a:sp3d>
+            <a:bevelT w="190500" h="38100"/>
+          </a:sp3d>
+        </p:spPr>
+        <p:style>
+          <a:lnRef idx="2">
+            <a:schemeClr val="accent1">
+              <a:shade val="50000"/>
+            </a:schemeClr>
+          </a:lnRef>
+          <a:fillRef idx="1">
+            <a:schemeClr val="accent1"/>
+          </a:fillRef>
+          <a:effectRef idx="0">
+            <a:schemeClr val="accent1"/>
+          </a:effectRef>
+          <a:fontRef idx="minor">
+            <a:schemeClr val="lt1"/>
+          </a:fontRef>
+        </p:style>
+        <p:txBody>
+          <a:bodyPr rtlCol="0" anchor="ctr"/>
+          <a:lstStyle/>
+          <a:p>
+            <a:pPr algn="ctr"/>
+            <a:endParaRPr lang="de-DE"/>
+          </a:p>
+        </p:txBody>
+      </p:sp>
+      <p:sp>
+        <p:nvSpPr>
+          <p:cNvPr id="8" name="Textfeld 7"/>
+          <p:cNvSpPr txBox="1"/>
+          <p:nvPr/>
+        </p:nvSpPr>
+        <p:spPr>
+          <a:xfrm>
+            <a:off x="6586695" y="35913"/>
+            <a:ext cx="2521809" cy="584775"/>
+          </a:xfrm>
+          <a:prstGeom prst="rect">
+            <a:avLst/>
+          </a:prstGeom>
+          <a:noFill/>
+        </p:spPr>
+        <p:txBody>
+          <a:bodyPr wrap="square" rtlCol="0">
+            <a:spAutoFit/>
+          </a:bodyPr>
+          <a:lstStyle/>
+          <a:p>
+            <a:pPr algn="ctr"/>
+            <a:r>
+              <a:rPr lang="de-DE" sz="1600" smtClean="0">
+                <a:solidFill>
+                  <a:schemeClr val="accent5">
+                    <a:lumMod val="50000"/>
+                  </a:schemeClr>
+                </a:solidFill>
+                <a:latin typeface="Adobe Arabic" pitchFamily="18" charset="-78"/>
+                <a:cs typeface="Adobe Arabic" pitchFamily="18" charset="-78"/>
+              </a:rPr>
+              <a:t>2. </a:t>
+            </a:r>
+            <a:r>
+              <a:rPr lang="de-DE" sz="1600" smtClean="0">
+                <a:latin typeface="Adobe Arabic" pitchFamily="18" charset="-78"/>
+                <a:cs typeface="Adobe Arabic" pitchFamily="18" charset="-78"/>
+              </a:rPr>
+              <a:t>DG-Verfahren</a:t>
+            </a:r>
+          </a:p>
+          <a:p>
+            <a:pPr algn="ctr"/>
+            <a:endParaRPr lang="de-DE" sz="1600">
+              <a:solidFill>
+                <a:schemeClr val="accent5">
+                  <a:lumMod val="50000"/>
+                </a:schemeClr>
+              </a:solidFill>
+              <a:latin typeface="Adobe Arabic" pitchFamily="18" charset="-78"/>
+              <a:cs typeface="Adobe Arabic" pitchFamily="18" charset="-78"/>
+            </a:endParaRPr>
+          </a:p>
+        </p:txBody>
+      </p:sp>
+      <p:sp>
+        <p:nvSpPr>
+          <p:cNvPr id="17" name="Inhaltsplatzhalter 1"/>
+          <p:cNvSpPr>
+            <a:spLocks noGrp="1"/>
+          </p:cNvSpPr>
+          <p:nvPr>
+            <p:ph idx="1"/>
+          </p:nvPr>
+        </p:nvSpPr>
+        <p:spPr>
+          <a:xfrm>
+            <a:off x="457200" y="1163885"/>
+            <a:ext cx="8229600" cy="5145435"/>
+          </a:xfrm>
+        </p:spPr>
+        <p:txBody>
+          <a:bodyPr>
+            <a:normAutofit/>
+          </a:bodyPr>
+          <a:lstStyle/>
+          <a:p>
+            <a:pPr marL="0" indent="0">
+              <a:buNone/>
+            </a:pPr>
+            <a:endParaRPr lang="de-DE" sz="3200" smtClean="0"/>
+          </a:p>
+          <a:p>
+            <a:pPr marL="0" indent="0">
+              <a:buNone/>
+            </a:pPr>
+            <a:r>
+              <a:rPr lang="de-DE" smtClean="0"/>
+              <a:t>Nenne     koerziv, iff</a:t>
+            </a:r>
+          </a:p>
+          <a:p>
+            <a:pPr marL="0" indent="0">
+              <a:buNone/>
+            </a:pPr>
+            <a:endParaRPr lang="de-DE" sz="1200"/>
+          </a:p>
+          <a:p>
+            <a:pPr marL="0" indent="0">
+              <a:buNone/>
+            </a:pPr>
+            <a:r>
+              <a:rPr lang="de-DE" smtClean="0"/>
+              <a:t>Nenne     stetig, iff</a:t>
+            </a:r>
+          </a:p>
+          <a:p>
+            <a:pPr marL="0" indent="0">
+              <a:buNone/>
+            </a:pPr>
+            <a:endParaRPr lang="de-DE" sz="1400" smtClean="0"/>
+          </a:p>
+          <a:p>
+            <a:pPr marL="0" indent="0">
+              <a:buNone/>
+            </a:pPr>
+            <a:r>
+              <a:rPr lang="de-DE" sz="3200" smtClean="0"/>
+              <a:t>Cea‘s Lemma</a:t>
+            </a:r>
+          </a:p>
+          <a:p>
+            <a:pPr marL="0" indent="0">
+              <a:buNone/>
+            </a:pPr>
+            <a:endParaRPr lang="de-DE" sz="3200"/>
+          </a:p>
+          <a:p>
+            <a:pPr marL="0" indent="0">
+              <a:buNone/>
+            </a:pPr>
+            <a:endParaRPr lang="de-DE" sz="3200" smtClean="0"/>
+          </a:p>
+          <a:p>
+            <a:pPr marL="0" indent="0">
+              <a:buNone/>
+            </a:pPr>
+            <a:r>
+              <a:rPr lang="de-DE" sz="3200" smtClean="0"/>
+              <a:t>Lax-Milgram</a:t>
+            </a:r>
+          </a:p>
+          <a:p>
+            <a:pPr marL="0" indent="0">
+              <a:buNone/>
+            </a:pPr>
+            <a:r>
+              <a:rPr lang="de-DE" sz="3200"/>
+              <a:t>	</a:t>
+            </a:r>
+            <a:r>
+              <a:rPr lang="de-DE" sz="3200" smtClean="0"/>
+              <a:t>		       </a:t>
+            </a:r>
+            <a:r>
+              <a:rPr lang="de-DE" smtClean="0"/>
+              <a:t>hat mit                eindeutige Lösung            .</a:t>
+            </a:r>
+            <a:endParaRPr lang="de-DE" sz="3200"/>
+          </a:p>
+        </p:txBody>
+      </p:sp>
+      <p:pic>
+        <p:nvPicPr>
+          <p:cNvPr id="3074" name="Picture 2"/>
+          <p:cNvPicPr>
+            <a:picLocks noChangeAspect="1" noChangeArrowheads="1"/>
+          </p:cNvPicPr>
+          <p:nvPr/>
+        </p:nvPicPr>
+        <p:blipFill>
+          <a:blip r:embed="rId3">
+            <a:extLst>
+              <a:ext uri="{28A0092B-C50C-407E-A947-70E740481C1C}">
+                <a14:useLocalDpi xmlns:a14="http://schemas.microsoft.com/office/drawing/2010/main" val="0"/>
+              </a:ext>
+            </a:extLst>
+          </a:blip>
+          <a:srcRect/>
+          <a:stretch>
+            <a:fillRect/>
+          </a:stretch>
+        </p:blipFill>
+        <p:spPr bwMode="auto">
+          <a:xfrm>
+            <a:off x="3419872" y="1811212"/>
+            <a:ext cx="3566529" cy="383956"/>
+          </a:xfrm>
+          <a:prstGeom prst="rect">
+            <a:avLst/>
+          </a:prstGeom>
+          <a:noFill/>
+          <a:ln>
+            <a:noFill/>
+          </a:ln>
+          <a:extLst>
+            <a:ext uri="{909E8E84-426E-40DD-AFC4-6F175D3DCCD1}">
+              <a14:hiddenFill xmlns:a14="http://schemas.microsoft.com/office/drawing/2010/main">
+                <a:solidFill>
+                  <a:schemeClr val="accent1"/>
+                </a:solidFill>
+              </a14:hiddenFill>
+            </a:ext>
+            <a:ext uri="{91240B29-F687-4F45-9708-019B960494DF}">
+              <a14:hiddenLine xmlns:a14="http://schemas.microsoft.com/office/drawing/2010/main" w="9525">
+                <a:solidFill>
+                  <a:schemeClr val="tx1"/>
+                </a:solidFill>
+                <a:miter lim="800000"/>
+                <a:headEnd/>
+                <a:tailEnd/>
+              </a14:hiddenLine>
+            </a:ext>
+          </a:extLst>
+        </p:spPr>
+      </p:pic>
+      <p:pic>
+        <p:nvPicPr>
+          <p:cNvPr id="3076" name="Picture 4"/>
+          <p:cNvPicPr>
+            <a:picLocks noChangeAspect="1" noChangeArrowheads="1"/>
+          </p:cNvPicPr>
+          <p:nvPr/>
+        </p:nvPicPr>
+        <p:blipFill>
+          <a:blip r:embed="rId4">
+            <a:extLst>
+              <a:ext uri="{28A0092B-C50C-407E-A947-70E740481C1C}">
+                <a14:useLocalDpi xmlns:a14="http://schemas.microsoft.com/office/drawing/2010/main" val="0"/>
+              </a:ext>
+            </a:extLst>
+          </a:blip>
+          <a:srcRect/>
+          <a:stretch>
+            <a:fillRect/>
+          </a:stretch>
+        </p:blipFill>
+        <p:spPr bwMode="auto">
+          <a:xfrm>
+            <a:off x="3419872" y="2532037"/>
+            <a:ext cx="4752528" cy="375424"/>
+          </a:xfrm>
+          <a:prstGeom prst="rect">
+            <a:avLst/>
+          </a:prstGeom>
+          <a:noFill/>
+          <a:ln>
+            <a:noFill/>
+          </a:ln>
+          <a:extLst>
+            <a:ext uri="{909E8E84-426E-40DD-AFC4-6F175D3DCCD1}">
+              <a14:hiddenFill xmlns:a14="http://schemas.microsoft.com/office/drawing/2010/main">
+                <a:solidFill>
+                  <a:schemeClr val="accent1"/>
+                </a:solidFill>
+              </a14:hiddenFill>
+            </a:ext>
+            <a:ext uri="{91240B29-F687-4F45-9708-019B960494DF}">
+              <a14:hiddenLine xmlns:a14="http://schemas.microsoft.com/office/drawing/2010/main" w="9525">
+                <a:solidFill>
+                  <a:schemeClr val="tx1"/>
+                </a:solidFill>
+                <a:miter lim="800000"/>
+                <a:headEnd/>
+                <a:tailEnd/>
+              </a14:hiddenLine>
+            </a:ext>
+          </a:extLst>
+        </p:spPr>
+      </p:pic>
+      <p:pic>
+        <p:nvPicPr>
+          <p:cNvPr id="3077" name="Picture 5"/>
+          <p:cNvPicPr>
+            <a:picLocks noChangeAspect="1" noChangeArrowheads="1"/>
+          </p:cNvPicPr>
+          <p:nvPr/>
+        </p:nvPicPr>
+        <p:blipFill>
+          <a:blip r:embed="rId5">
+            <a:extLst>
+              <a:ext uri="{28A0092B-C50C-407E-A947-70E740481C1C}">
+                <a14:useLocalDpi xmlns:a14="http://schemas.microsoft.com/office/drawing/2010/main" val="0"/>
+              </a:ext>
+            </a:extLst>
+          </a:blip>
+          <a:srcRect/>
+          <a:stretch>
+            <a:fillRect/>
+          </a:stretch>
+        </p:blipFill>
+        <p:spPr bwMode="auto">
+          <a:xfrm>
+            <a:off x="1338633" y="1854377"/>
+            <a:ext cx="223838" cy="257175"/>
+          </a:xfrm>
+          <a:prstGeom prst="rect">
+            <a:avLst/>
+          </a:prstGeom>
+          <a:noFill/>
+          <a:ln>
+            <a:noFill/>
+          </a:ln>
+          <a:extLst>
+            <a:ext uri="{909E8E84-426E-40DD-AFC4-6F175D3DCCD1}">
+              <a14:hiddenFill xmlns:a14="http://schemas.microsoft.com/office/drawing/2010/main">
+                <a:solidFill>
+                  <a:schemeClr val="accent1"/>
+                </a:solidFill>
+              </a14:hiddenFill>
+            </a:ext>
+            <a:ext uri="{91240B29-F687-4F45-9708-019B960494DF}">
+              <a14:hiddenLine xmlns:a14="http://schemas.microsoft.com/office/drawing/2010/main" w="9525">
+                <a:solidFill>
+                  <a:schemeClr val="tx1"/>
+                </a:solidFill>
+                <a:miter lim="800000"/>
+                <a:headEnd/>
+                <a:tailEnd/>
+              </a14:hiddenLine>
+            </a:ext>
+          </a:extLst>
+        </p:spPr>
+      </p:pic>
+      <p:pic>
+        <p:nvPicPr>
+          <p:cNvPr id="18" name="Picture 5"/>
+          <p:cNvPicPr>
+            <a:picLocks noChangeAspect="1" noChangeArrowheads="1"/>
+          </p:cNvPicPr>
+          <p:nvPr/>
+        </p:nvPicPr>
+        <p:blipFill>
+          <a:blip r:embed="rId5">
+            <a:extLst>
+              <a:ext uri="{28A0092B-C50C-407E-A947-70E740481C1C}">
+                <a14:useLocalDpi xmlns:a14="http://schemas.microsoft.com/office/drawing/2010/main" val="0"/>
+              </a:ext>
+            </a:extLst>
+          </a:blip>
+          <a:srcRect/>
+          <a:stretch>
+            <a:fillRect/>
+          </a:stretch>
+        </p:blipFill>
+        <p:spPr bwMode="auto">
+          <a:xfrm>
+            <a:off x="1342125" y="2591161"/>
+            <a:ext cx="223838" cy="257175"/>
+          </a:xfrm>
+          <a:prstGeom prst="rect">
+            <a:avLst/>
+          </a:prstGeom>
+          <a:noFill/>
+          <a:ln>
+            <a:noFill/>
+          </a:ln>
+          <a:extLst>
+            <a:ext uri="{909E8E84-426E-40DD-AFC4-6F175D3DCCD1}">
+              <a14:hiddenFill xmlns:a14="http://schemas.microsoft.com/office/drawing/2010/main">
+                <a:solidFill>
+                  <a:schemeClr val="accent1"/>
+                </a:solidFill>
+              </a14:hiddenFill>
+            </a:ext>
+            <a:ext uri="{91240B29-F687-4F45-9708-019B960494DF}">
+              <a14:hiddenLine xmlns:a14="http://schemas.microsoft.com/office/drawing/2010/main" w="9525">
+                <a:solidFill>
+                  <a:schemeClr val="tx1"/>
+                </a:solidFill>
+                <a:miter lim="800000"/>
+                <a:headEnd/>
+                <a:tailEnd/>
+              </a14:hiddenLine>
+            </a:ext>
+          </a:extLst>
+        </p:spPr>
+      </p:pic>
+      <p:sp>
+        <p:nvSpPr>
+          <p:cNvPr id="2" name="Rechteck 1"/>
+          <p:cNvSpPr/>
+          <p:nvPr/>
+        </p:nvSpPr>
+        <p:spPr>
+          <a:xfrm>
+            <a:off x="467544" y="972017"/>
+            <a:ext cx="2901756" cy="584775"/>
+          </a:xfrm>
+          <a:prstGeom prst="rect">
+            <a:avLst/>
+          </a:prstGeom>
+        </p:spPr>
+        <p:txBody>
+          <a:bodyPr wrap="none">
+            <a:spAutoFit/>
+          </a:bodyPr>
+          <a:lstStyle/>
+          <a:p>
+            <a:r>
+              <a:rPr lang="de-DE" sz="3200" b="1">
+                <a:latin typeface="Adobe Arabic" pitchFamily="18" charset="-78"/>
+                <a:cs typeface="Adobe Arabic" pitchFamily="18" charset="-78"/>
+              </a:rPr>
+              <a:t>Die wichtigsten Sätze</a:t>
+            </a:r>
+          </a:p>
+        </p:txBody>
+      </p:sp>
+      <p:pic>
+        <p:nvPicPr>
+          <p:cNvPr id="3078" name="Picture 6"/>
+          <p:cNvPicPr>
+            <a:picLocks noChangeAspect="1" noChangeArrowheads="1"/>
+          </p:cNvPicPr>
+          <p:nvPr/>
+        </p:nvPicPr>
+        <p:blipFill>
+          <a:blip r:embed="rId6">
+            <a:extLst>
+              <a:ext uri="{28A0092B-C50C-407E-A947-70E740481C1C}">
+                <a14:useLocalDpi xmlns:a14="http://schemas.microsoft.com/office/drawing/2010/main" val="0"/>
+              </a:ext>
+            </a:extLst>
+          </a:blip>
+          <a:srcRect/>
+          <a:stretch>
+            <a:fillRect/>
+          </a:stretch>
+        </p:blipFill>
+        <p:spPr bwMode="auto">
+          <a:xfrm>
+            <a:off x="3238747" y="3400274"/>
+            <a:ext cx="5364088" cy="777531"/>
+          </a:xfrm>
+          <a:prstGeom prst="rect">
+            <a:avLst/>
+          </a:prstGeom>
+          <a:noFill/>
+          <a:ln>
+            <a:noFill/>
+          </a:ln>
+          <a:extLst>
+            <a:ext uri="{909E8E84-426E-40DD-AFC4-6F175D3DCCD1}">
+              <a14:hiddenFill xmlns:a14="http://schemas.microsoft.com/office/drawing/2010/main">
+                <a:solidFill>
+                  <a:schemeClr val="accent1"/>
+                </a:solidFill>
+              </a14:hiddenFill>
+            </a:ext>
+            <a:ext uri="{91240B29-F687-4F45-9708-019B960494DF}">
+              <a14:hiddenLine xmlns:a14="http://schemas.microsoft.com/office/drawing/2010/main" w="9525">
+                <a:solidFill>
+                  <a:schemeClr val="tx1"/>
+                </a:solidFill>
+                <a:miter lim="800000"/>
+                <a:headEnd/>
+                <a:tailEnd/>
+              </a14:hiddenLine>
+            </a:ext>
+          </a:extLst>
+        </p:spPr>
+      </p:pic>
+      <p:pic>
+        <p:nvPicPr>
+          <p:cNvPr id="3079" name="Picture 7"/>
+          <p:cNvPicPr>
+            <a:picLocks noChangeAspect="1" noChangeArrowheads="1"/>
+          </p:cNvPicPr>
+          <p:nvPr/>
+        </p:nvPicPr>
+        <p:blipFill>
+          <a:blip r:embed="rId7">
+            <a:extLst>
+              <a:ext uri="{28A0092B-C50C-407E-A947-70E740481C1C}">
+                <a14:useLocalDpi xmlns:a14="http://schemas.microsoft.com/office/drawing/2010/main" val="0"/>
+              </a:ext>
+            </a:extLst>
+          </a:blip>
+          <a:srcRect/>
+          <a:stretch>
+            <a:fillRect/>
+          </a:stretch>
+        </p:blipFill>
+        <p:spPr bwMode="auto">
+          <a:xfrm>
+            <a:off x="539552" y="4241068"/>
+            <a:ext cx="4390256" cy="651006"/>
+          </a:xfrm>
+          <a:prstGeom prst="rect">
+            <a:avLst/>
+          </a:prstGeom>
+          <a:noFill/>
+          <a:ln>
+            <a:noFill/>
+          </a:ln>
+          <a:extLst>
+            <a:ext uri="{909E8E84-426E-40DD-AFC4-6F175D3DCCD1}">
+              <a14:hiddenFill xmlns:a14="http://schemas.microsoft.com/office/drawing/2010/main">
+                <a:solidFill>
+                  <a:schemeClr val="accent1"/>
+                </a:solidFill>
+              </a14:hiddenFill>
+            </a:ext>
+            <a:ext uri="{91240B29-F687-4F45-9708-019B960494DF}">
+              <a14:hiddenLine xmlns:a14="http://schemas.microsoft.com/office/drawing/2010/main" w="9525">
+                <a:solidFill>
+                  <a:schemeClr val="tx1"/>
+                </a:solidFill>
+                <a:miter lim="800000"/>
+                <a:headEnd/>
+                <a:tailEnd/>
+              </a14:hiddenLine>
+            </a:ext>
+          </a:extLst>
+        </p:spPr>
+      </p:pic>
+      <p:cxnSp>
+        <p:nvCxnSpPr>
+          <p:cNvPr id="9" name="Gerade Verbindung 8"/>
+          <p:cNvCxnSpPr/>
+          <p:nvPr/>
+        </p:nvCxnSpPr>
+        <p:spPr>
+          <a:xfrm>
+            <a:off x="467544" y="3212976"/>
+            <a:ext cx="8064896" cy="0"/>
+          </a:xfrm>
+          <a:prstGeom prst="line">
+            <a:avLst/>
+          </a:prstGeom>
+          <a:ln>
+            <a:solidFill>
+              <a:schemeClr val="tx1"/>
+            </a:solidFill>
+          </a:ln>
+        </p:spPr>
+        <p:style>
+          <a:lnRef idx="1">
+            <a:schemeClr val="accent1"/>
+          </a:lnRef>
+          <a:fillRef idx="0">
+            <a:schemeClr val="accent1"/>
+          </a:fillRef>
+          <a:effectRef idx="0">
+            <a:schemeClr val="accent1"/>
+          </a:effectRef>
+          <a:fontRef idx="minor">
+            <a:schemeClr val="tx1"/>
+          </a:fontRef>
+        </p:style>
+      </p:cxnSp>
+      <p:sp>
+        <p:nvSpPr>
+          <p:cNvPr id="10" name="Geschweifte Klammer links 9"/>
+          <p:cNvSpPr/>
+          <p:nvPr/>
+        </p:nvSpPr>
+        <p:spPr>
+          <a:xfrm>
+            <a:off x="323528" y="1854377"/>
+            <a:ext cx="144016" cy="1053084"/>
+          </a:xfrm>
+          <a:prstGeom prst="leftBrace">
+            <a:avLst/>
+          </a:prstGeom>
+          <a:ln>
+            <a:solidFill>
+              <a:schemeClr val="tx1"/>
+            </a:solidFill>
+          </a:ln>
+        </p:spPr>
+        <p:style>
+          <a:lnRef idx="1">
+            <a:schemeClr val="accent1"/>
+          </a:lnRef>
+          <a:fillRef idx="0">
+            <a:schemeClr val="accent1"/>
+          </a:fillRef>
+          <a:effectRef idx="0">
+            <a:schemeClr val="accent1"/>
+          </a:effectRef>
+          <a:fontRef idx="minor">
+            <a:schemeClr val="tx1"/>
+          </a:fontRef>
+        </p:style>
+        <p:txBody>
+          <a:bodyPr rtlCol="0" anchor="ctr"/>
+          <a:lstStyle/>
+          <a:p>
+            <a:pPr algn="ctr"/>
+            <a:endParaRPr lang="de-DE"/>
+          </a:p>
+        </p:txBody>
+      </p:sp>
+      <p:cxnSp>
+        <p:nvCxnSpPr>
+          <p:cNvPr id="13" name="Gewinkelte Verbindung 12"/>
+          <p:cNvCxnSpPr>
+            <a:stCxn id="10" idx="1"/>
+          </p:cNvCxnSpPr>
+          <p:nvPr/>
+        </p:nvCxnSpPr>
+        <p:spPr>
+          <a:xfrm rot="10800000" flipH="1" flipV="1">
+            <a:off x="323528" y="2380918"/>
+            <a:ext cx="144016" cy="1192097"/>
+          </a:xfrm>
+          <a:prstGeom prst="bentConnector4">
+            <a:avLst>
+              <a:gd name="adj1" fmla="val -85979"/>
+              <a:gd name="adj2" fmla="val 100583"/>
+            </a:avLst>
+          </a:prstGeom>
+          <a:ln>
+            <a:solidFill>
+              <a:schemeClr val="tx1"/>
+            </a:solidFill>
+          </a:ln>
+        </p:spPr>
+        <p:style>
+          <a:lnRef idx="1">
+            <a:schemeClr val="accent1"/>
+          </a:lnRef>
+          <a:fillRef idx="0">
+            <a:schemeClr val="accent1"/>
+          </a:fillRef>
+          <a:effectRef idx="0">
+            <a:schemeClr val="accent1"/>
+          </a:effectRef>
+          <a:fontRef idx="minor">
+            <a:schemeClr val="tx1"/>
+          </a:fontRef>
+        </p:style>
+      </p:cxnSp>
+      <p:cxnSp>
+        <p:nvCxnSpPr>
+          <p:cNvPr id="24" name="Gewinkelte Verbindung 23"/>
+          <p:cNvCxnSpPr/>
+          <p:nvPr/>
+        </p:nvCxnSpPr>
+        <p:spPr>
+          <a:xfrm rot="16200000" flipH="1">
+            <a:off x="-527706" y="4305956"/>
+            <a:ext cx="1722983" cy="267520"/>
+          </a:xfrm>
+          <a:prstGeom prst="bentConnector3">
+            <a:avLst>
+              <a:gd name="adj1" fmla="val 99975"/>
+            </a:avLst>
+          </a:prstGeom>
+          <a:ln>
+            <a:solidFill>
+              <a:schemeClr val="tx1"/>
+            </a:solidFill>
+          </a:ln>
+        </p:spPr>
+        <p:style>
+          <a:lnRef idx="1">
+            <a:schemeClr val="accent1"/>
+          </a:lnRef>
+          <a:fillRef idx="0">
+            <a:schemeClr val="accent1"/>
+          </a:fillRef>
+          <a:effectRef idx="0">
+            <a:schemeClr val="accent1"/>
+          </a:effectRef>
+          <a:fontRef idx="minor">
+            <a:schemeClr val="tx1"/>
+          </a:fontRef>
+        </p:style>
+      </p:cxnSp>
+      <p:grpSp>
+        <p:nvGrpSpPr>
+          <p:cNvPr id="40" name="Gruppieren 39"/>
+          <p:cNvGrpSpPr/>
+          <p:nvPr/>
+        </p:nvGrpSpPr>
+        <p:grpSpPr>
+          <a:xfrm>
+            <a:off x="504041" y="5644012"/>
+            <a:ext cx="3045105" cy="431528"/>
+            <a:chOff x="5697386" y="5735667"/>
+            <a:chExt cx="3045105" cy="431528"/>
+          </a:xfrm>
+        </p:grpSpPr>
+        <p:pic>
+          <p:nvPicPr>
+            <p:cNvPr id="41" name="Picture 8"/>
+            <p:cNvPicPr>
+              <a:picLocks noChangeAspect="1" noChangeArrowheads="1"/>
+            </p:cNvPicPr>
+            <p:nvPr/>
+          </p:nvPicPr>
+          <p:blipFill>
+            <a:blip r:embed="rId8">
+              <a:extLst>
+                <a:ext uri="{28A0092B-C50C-407E-A947-70E740481C1C}">
+                  <a14:useLocalDpi xmlns:a14="http://schemas.microsoft.com/office/drawing/2010/main" val="0"/>
+                </a:ext>
+              </a:extLst>
+            </a:blip>
+            <a:srcRect/>
+            <a:stretch>
+              <a:fillRect/>
+            </a:stretch>
+          </p:blipFill>
+          <p:spPr bwMode="auto">
+            <a:xfrm>
+              <a:off x="5697386" y="5735667"/>
+              <a:ext cx="1925692" cy="431528"/>
+            </a:xfrm>
+            <a:prstGeom prst="rect">
+              <a:avLst/>
+            </a:prstGeom>
+            <a:noFill/>
+            <a:ln w="9525">
+              <a:noFill/>
+              <a:miter lim="800000"/>
+              <a:headEnd/>
+              <a:tailEnd/>
+            </a:ln>
+            <a:extLst>
+              <a:ext uri="{909E8E84-426E-40DD-AFC4-6F175D3DCCD1}">
+                <a14:hiddenFill xmlns:a14="http://schemas.microsoft.com/office/drawing/2010/main">
+                  <a:solidFill>
+                    <a:schemeClr val="accent1"/>
+                  </a:solidFill>
+                </a14:hiddenFill>
+              </a:ext>
+            </a:extLst>
+          </p:spPr>
+        </p:pic>
+        <p:pic>
+          <p:nvPicPr>
+            <p:cNvPr id="42" name="Picture 10"/>
+            <p:cNvPicPr>
+              <a:picLocks noChangeAspect="1" noChangeArrowheads="1"/>
+            </p:cNvPicPr>
+            <p:nvPr/>
+          </p:nvPicPr>
+          <p:blipFill>
+            <a:blip r:embed="rId9" cstate="print">
+              <a:extLst>
+                <a:ext uri="{28A0092B-C50C-407E-A947-70E740481C1C}">
+                  <a14:useLocalDpi xmlns:a14="http://schemas.microsoft.com/office/drawing/2010/main" val="0"/>
+                </a:ext>
+              </a:extLst>
+            </a:blip>
+            <a:srcRect/>
+            <a:stretch>
+              <a:fillRect/>
+            </a:stretch>
+          </p:blipFill>
+          <p:spPr bwMode="auto">
+            <a:xfrm>
+              <a:off x="7722646" y="5803238"/>
+              <a:ext cx="1019845" cy="296385"/>
+            </a:xfrm>
+            <a:prstGeom prst="rect">
+              <a:avLst/>
+            </a:prstGeom>
+            <a:noFill/>
+            <a:ln>
+              <a:noFill/>
+            </a:ln>
+            <a:extLst>
+              <a:ext uri="{909E8E84-426E-40DD-AFC4-6F175D3DCCD1}">
+                <a14:hiddenFill xmlns:a14="http://schemas.microsoft.com/office/drawing/2010/main">
+                  <a:solidFill>
+                    <a:schemeClr val="accent1"/>
+                  </a:solidFill>
+                </a14:hiddenFill>
+              </a:ext>
+              <a:ext uri="{91240B29-F687-4F45-9708-019B960494DF}">
+                <a14:hiddenLine xmlns:a14="http://schemas.microsoft.com/office/drawing/2010/main" w="9525">
+                  <a:solidFill>
+                    <a:schemeClr val="tx1"/>
+                  </a:solidFill>
+                  <a:miter lim="800000"/>
+                  <a:headEnd/>
+                  <a:tailEnd/>
+                </a14:hiddenLine>
+              </a:ext>
+            </a:extLst>
+          </p:spPr>
+        </p:pic>
+      </p:grpSp>
+      <p:pic>
+        <p:nvPicPr>
+          <p:cNvPr id="3080" name="Picture 8"/>
+          <p:cNvPicPr>
+            <a:picLocks noChangeAspect="1" noChangeArrowheads="1"/>
+          </p:cNvPicPr>
+          <p:nvPr/>
+        </p:nvPicPr>
+        <p:blipFill>
+          <a:blip r:embed="rId10">
+            <a:extLst>
+              <a:ext uri="{28A0092B-C50C-407E-A947-70E740481C1C}">
+                <a14:useLocalDpi xmlns:a14="http://schemas.microsoft.com/office/drawing/2010/main" val="0"/>
+              </a:ext>
+            </a:extLst>
+          </a:blip>
+          <a:srcRect/>
+          <a:stretch>
+            <a:fillRect/>
+          </a:stretch>
+        </p:blipFill>
+        <p:spPr bwMode="auto">
+          <a:xfrm>
+            <a:off x="4716016" y="5712296"/>
+            <a:ext cx="891662" cy="308992"/>
+          </a:xfrm>
+          <a:prstGeom prst="rect">
+            <a:avLst/>
+          </a:prstGeom>
+          <a:noFill/>
+          <a:ln>
+            <a:noFill/>
+          </a:ln>
+          <a:extLst>
+            <a:ext uri="{909E8E84-426E-40DD-AFC4-6F175D3DCCD1}">
+              <a14:hiddenFill xmlns:a14="http://schemas.microsoft.com/office/drawing/2010/main">
+                <a:solidFill>
+                  <a:schemeClr val="accent1"/>
+                </a:solidFill>
+              </a14:hiddenFill>
+            </a:ext>
+            <a:ext uri="{91240B29-F687-4F45-9708-019B960494DF}">
+              <a14:hiddenLine xmlns:a14="http://schemas.microsoft.com/office/drawing/2010/main" w="9525">
+                <a:solidFill>
+                  <a:schemeClr val="tx1"/>
+                </a:solidFill>
+                <a:miter lim="800000"/>
+                <a:headEnd/>
+                <a:tailEnd/>
+              </a14:hiddenLine>
+            </a:ext>
+          </a:extLst>
+        </p:spPr>
+      </p:pic>
+      <p:pic>
+        <p:nvPicPr>
+          <p:cNvPr id="3081" name="Picture 9"/>
+          <p:cNvPicPr>
+            <a:picLocks noChangeAspect="1" noChangeArrowheads="1"/>
+          </p:cNvPicPr>
+          <p:nvPr/>
+        </p:nvPicPr>
+        <p:blipFill>
+          <a:blip r:embed="rId11" cstate="print">
+            <a:extLst>
+              <a:ext uri="{28A0092B-C50C-407E-A947-70E740481C1C}">
+                <a14:useLocalDpi xmlns:a14="http://schemas.microsoft.com/office/drawing/2010/main" val="0"/>
+              </a:ext>
+            </a:extLst>
+          </a:blip>
+          <a:srcRect/>
+          <a:stretch>
+            <a:fillRect/>
+          </a:stretch>
+        </p:blipFill>
+        <p:spPr bwMode="auto">
+          <a:xfrm>
+            <a:off x="7740352" y="5733256"/>
+            <a:ext cx="722990" cy="264642"/>
+          </a:xfrm>
+          <a:prstGeom prst="rect">
+            <a:avLst/>
+          </a:prstGeom>
+          <a:noFill/>
+          <a:ln>
+            <a:noFill/>
+          </a:ln>
+          <a:extLst>
+            <a:ext uri="{909E8E84-426E-40DD-AFC4-6F175D3DCCD1}">
+              <a14:hiddenFill xmlns:a14="http://schemas.microsoft.com/office/drawing/2010/main">
+                <a:solidFill>
+                  <a:schemeClr val="accent1"/>
+                </a:solidFill>
+              </a14:hiddenFill>
+            </a:ext>
+            <a:ext uri="{91240B29-F687-4F45-9708-019B960494DF}">
+              <a14:hiddenLine xmlns:a14="http://schemas.microsoft.com/office/drawing/2010/main" w="9525">
+                <a:solidFill>
+                  <a:schemeClr val="tx1"/>
+                </a:solidFill>
+                <a:miter lim="800000"/>
+                <a:headEnd/>
+                <a:tailEnd/>
+              </a14:hiddenLine>
+            </a:ext>
+          </a:extLst>
+        </p:spPr>
+      </p:pic>
+    </p:spTree>
+    <p:extLst>
+      <p:ext uri="{BB962C8B-B14F-4D97-AF65-F5344CB8AC3E}">
+        <p14:creationId xmlns:p14="http://schemas.microsoft.com/office/powerpoint/2010/main" val="1798221942"/>
+      </p:ext>
+    </p:extLst>
+  </p:cSld>
+  <p:clrMapOvr>
+    <a:masterClrMapping/>
+  </p:clrMapOvr>
+  <mc:AlternateContent xmlns:mc="http://schemas.openxmlformats.org/markup-compatibility/2006" xmlns:p14="http://schemas.microsoft.com/office/powerpoint/2010/main">
+    <mc:Choice Requires="p14">
+      <p:transition spd="slow" p14:dur="2000"/>
+    </mc:Choice>
+    <mc:Fallback xmlns="">
+      <p:transition spd="slow"/>
+    </mc:Fallback>
+  </mc:AlternateContent>
+  <p:timing>
+    <p:tnLst>
+      <p:par>
+        <p:cTn id="1" dur="indefinite" restart="never" nodeType="tmRoot"/>
+      </p:par>
+    </p:tnLst>
+  </p:timing>
+</p:sld>
+</file>
+
+<file path=ppt/slides/slide18.xml><?xml version="1.0" encoding="utf-8"?>
+<p:sld xmlns:a="http://schemas.openxmlformats.org/drawingml/2006/main" xmlns:r="http://schemas.openxmlformats.org/officeDocument/2006/relationships" xmlns:p="http://schemas.openxmlformats.org/presentationml/2006/main">
+  <p:cSld>
+    <p:spTree>
+      <p:nvGrpSpPr>
+        <p:cNvPr id="1" name=""/>
+        <p:cNvGrpSpPr/>
+        <p:nvPr/>
+      </p:nvGrpSpPr>
+      <p:grpSpPr>
+        <a:xfrm>
+          <a:off x="0" y="0"/>
+          <a:ext cx="0" cy="0"/>
+          <a:chOff x="0" y="0"/>
+          <a:chExt cx="0" cy="0"/>
+        </a:xfrm>
+      </p:grpSpPr>
+      <p:sp>
+        <p:nvSpPr>
+          <p:cNvPr id="3" name="Datumsplatzhalter 2"/>
+          <p:cNvSpPr>
+            <a:spLocks noGrp="1"/>
+          </p:cNvSpPr>
+          <p:nvPr>
+            <p:ph type="dt" sz="half" idx="10"/>
+          </p:nvPr>
+        </p:nvSpPr>
+        <p:spPr/>
+        <p:txBody>
+          <a:bodyPr/>
+          <a:lstStyle/>
+          <a:p>
+            <a:r>
+              <a:rPr lang="de-DE" smtClean="0"/>
+              <a:t>27.01.2017</a:t>
+            </a:r>
+            <a:endParaRPr lang="de-DE"/>
+          </a:p>
+        </p:txBody>
+      </p:sp>
+      <p:sp>
+        <p:nvSpPr>
+          <p:cNvPr id="4" name="Fußzeilenplatzhalter 3"/>
+          <p:cNvSpPr>
+            <a:spLocks noGrp="1"/>
+          </p:cNvSpPr>
+          <p:nvPr>
+            <p:ph type="ftr" sz="quarter" idx="11"/>
+          </p:nvPr>
+        </p:nvSpPr>
+        <p:spPr/>
+        <p:txBody>
+          <a:bodyPr/>
+          <a:lstStyle/>
+          <a:p>
+            <a:r>
+              <a:rPr lang="de-DE" smtClean="0"/>
+              <a:t>Transmutation – Matthias Jaeger</a:t>
+            </a:r>
+            <a:endParaRPr lang="de-DE"/>
+          </a:p>
+        </p:txBody>
+      </p:sp>
+      <p:sp>
+        <p:nvSpPr>
+          <p:cNvPr id="5" name="Foliennummernplatzhalter 4"/>
+          <p:cNvSpPr>
+            <a:spLocks noGrp="1"/>
+          </p:cNvSpPr>
+          <p:nvPr>
+            <p:ph type="sldNum" sz="quarter" idx="12"/>
+          </p:nvPr>
+        </p:nvSpPr>
+        <p:spPr/>
+        <p:txBody>
+          <a:bodyPr/>
+          <a:lstStyle/>
+          <a:p>
+            <a:fld id="{1A73E011-4CD9-4D05-A24A-32BCD9CDCEE7}" type="slidenum">
+              <a:rPr lang="de-DE" smtClean="0"/>
+              <a:pPr/>
+              <a:t>18</a:t>
+            </a:fld>
+            <a:endParaRPr lang="de-DE"/>
+          </a:p>
+        </p:txBody>
+      </p:sp>
+      <p:sp>
+        <p:nvSpPr>
+          <p:cNvPr id="7" name="Rechteck 6"/>
+          <p:cNvSpPr/>
+          <p:nvPr/>
+        </p:nvSpPr>
+        <p:spPr>
+          <a:xfrm>
+            <a:off x="6588224" y="72008"/>
+            <a:ext cx="2483768" cy="260648"/>
+          </a:xfrm>
+          <a:prstGeom prst="rect">
+            <a:avLst/>
+          </a:prstGeom>
+          <a:solidFill>
+            <a:srgbClr val="92D050"/>
+          </a:solidFill>
+          <a:ln>
+            <a:noFill/>
+          </a:ln>
+          <a:effectLst>
+            <a:outerShdw blurRad="44450" dist="27940" dir="5400000" algn="ctr">
+              <a:srgbClr val="000000">
+                <a:alpha val="32000"/>
+              </a:srgbClr>
+            </a:outerShdw>
+          </a:effectLst>
+          <a:scene3d>
+            <a:camera prst="orthographicFront">
+              <a:rot lat="0" lon="0" rev="0"/>
+            </a:camera>
+            <a:lightRig rig="balanced" dir="t">
+              <a:rot lat="0" lon="0" rev="8700000"/>
+            </a:lightRig>
+          </a:scene3d>
+          <a:sp3d>
+            <a:bevelT w="190500" h="38100"/>
+          </a:sp3d>
+        </p:spPr>
+        <p:style>
+          <a:lnRef idx="2">
+            <a:schemeClr val="accent1">
+              <a:shade val="50000"/>
+            </a:schemeClr>
+          </a:lnRef>
+          <a:fillRef idx="1">
+            <a:schemeClr val="accent1"/>
+          </a:fillRef>
+          <a:effectRef idx="0">
+            <a:schemeClr val="accent1"/>
+          </a:effectRef>
+          <a:fontRef idx="minor">
+            <a:schemeClr val="lt1"/>
+          </a:fontRef>
+        </p:style>
+        <p:txBody>
+          <a:bodyPr rtlCol="0" anchor="ctr"/>
+          <a:lstStyle/>
+          <a:p>
+            <a:pPr algn="ctr"/>
+            <a:endParaRPr lang="de-DE"/>
+          </a:p>
+        </p:txBody>
+      </p:sp>
+      <p:sp>
+        <p:nvSpPr>
+          <p:cNvPr id="8" name="Textfeld 7"/>
+          <p:cNvSpPr txBox="1"/>
+          <p:nvPr/>
+        </p:nvSpPr>
+        <p:spPr>
+          <a:xfrm>
+            <a:off x="6586695" y="35913"/>
+            <a:ext cx="2521809" cy="584775"/>
+          </a:xfrm>
+          <a:prstGeom prst="rect">
+            <a:avLst/>
+          </a:prstGeom>
+          <a:noFill/>
+        </p:spPr>
+        <p:txBody>
+          <a:bodyPr wrap="square" rtlCol="0">
+            <a:spAutoFit/>
+          </a:bodyPr>
+          <a:lstStyle/>
+          <a:p>
+            <a:pPr algn="ctr"/>
+            <a:r>
+              <a:rPr lang="de-DE" sz="1600" smtClean="0">
+                <a:solidFill>
+                  <a:schemeClr val="accent5">
+                    <a:lumMod val="50000"/>
+                  </a:schemeClr>
+                </a:solidFill>
+                <a:latin typeface="Adobe Arabic" pitchFamily="18" charset="-78"/>
+                <a:cs typeface="Adobe Arabic" pitchFamily="18" charset="-78"/>
+              </a:rPr>
+              <a:t>2. </a:t>
+            </a:r>
+            <a:r>
+              <a:rPr lang="de-DE" sz="1600" smtClean="0">
+                <a:latin typeface="Adobe Arabic" pitchFamily="18" charset="-78"/>
+                <a:cs typeface="Adobe Arabic" pitchFamily="18" charset="-78"/>
+              </a:rPr>
+              <a:t>DG-Verfahren</a:t>
+            </a:r>
+          </a:p>
+          <a:p>
+            <a:pPr algn="ctr"/>
+            <a:endParaRPr lang="de-DE" sz="1600">
+              <a:solidFill>
+                <a:schemeClr val="accent5">
+                  <a:lumMod val="50000"/>
+                </a:schemeClr>
+              </a:solidFill>
+              <a:latin typeface="Adobe Arabic" pitchFamily="18" charset="-78"/>
+              <a:cs typeface="Adobe Arabic" pitchFamily="18" charset="-78"/>
+            </a:endParaRPr>
+          </a:p>
+        </p:txBody>
+      </p:sp>
+      <p:sp>
+        <p:nvSpPr>
+          <p:cNvPr id="17" name="Inhaltsplatzhalter 1"/>
+          <p:cNvSpPr>
+            <a:spLocks noGrp="1"/>
+          </p:cNvSpPr>
+          <p:nvPr>
+            <p:ph idx="1"/>
+          </p:nvPr>
+        </p:nvSpPr>
+        <p:spPr>
+          <a:xfrm>
+            <a:off x="457200" y="1163885"/>
+            <a:ext cx="8229600" cy="5145435"/>
+          </a:xfrm>
+        </p:spPr>
+        <p:txBody>
+          <a:bodyPr>
+            <a:normAutofit/>
+          </a:bodyPr>
+          <a:lstStyle/>
+          <a:p>
+            <a:pPr marL="0" indent="0">
+              <a:buNone/>
+            </a:pPr>
+            <a:endParaRPr lang="de-DE" sz="3200" smtClean="0"/>
+          </a:p>
+          <a:p>
+            <a:pPr marL="0" indent="0">
+              <a:buNone/>
+            </a:pPr>
+            <a:endParaRPr lang="de-DE" sz="3200"/>
+          </a:p>
+        </p:txBody>
+      </p:sp>
+      <p:sp>
+        <p:nvSpPr>
+          <p:cNvPr id="2" name="Rechteck 1"/>
+          <p:cNvSpPr/>
+          <p:nvPr/>
+        </p:nvSpPr>
+        <p:spPr>
+          <a:xfrm>
+            <a:off x="467544" y="972017"/>
+            <a:ext cx="3081293" cy="584775"/>
+          </a:xfrm>
+          <a:prstGeom prst="rect">
+            <a:avLst/>
+          </a:prstGeom>
+        </p:spPr>
+        <p:txBody>
+          <a:bodyPr wrap="none">
+            <a:spAutoFit/>
+          </a:bodyPr>
+          <a:lstStyle/>
+          <a:p>
+            <a:r>
+              <a:rPr lang="de-DE" sz="3200" b="1" smtClean="0">
+                <a:latin typeface="Adobe Arabic" pitchFamily="18" charset="-78"/>
+                <a:cs typeface="Adobe Arabic" pitchFamily="18" charset="-78"/>
+              </a:rPr>
+              <a:t>Finite-Elemente-Raum</a:t>
+            </a:r>
+            <a:endParaRPr lang="de-DE" sz="3200" b="1">
+              <a:latin typeface="Adobe Arabic" pitchFamily="18" charset="-78"/>
+              <a:cs typeface="Adobe Arabic" pitchFamily="18" charset="-78"/>
+            </a:endParaRPr>
+          </a:p>
+        </p:txBody>
+      </p:sp>
+      <p:pic>
+        <p:nvPicPr>
+          <p:cNvPr id="5122" name="Picture 2"/>
+          <p:cNvPicPr>
+            <a:picLocks noChangeAspect="1" noChangeArrowheads="1"/>
+          </p:cNvPicPr>
+          <p:nvPr/>
+        </p:nvPicPr>
+        <p:blipFill>
+          <a:blip r:embed="rId3">
+            <a:extLst>
+              <a:ext uri="{28A0092B-C50C-407E-A947-70E740481C1C}">
+                <a14:useLocalDpi xmlns:a14="http://schemas.microsoft.com/office/drawing/2010/main" val="0"/>
+              </a:ext>
+            </a:extLst>
+          </a:blip>
+          <a:srcRect/>
+          <a:stretch>
+            <a:fillRect/>
+          </a:stretch>
+        </p:blipFill>
+        <p:spPr bwMode="auto">
+          <a:xfrm>
+            <a:off x="1043608" y="4221088"/>
+            <a:ext cx="6444208" cy="343625"/>
+          </a:xfrm>
+          <a:prstGeom prst="rect">
+            <a:avLst/>
+          </a:prstGeom>
+          <a:noFill/>
+          <a:ln>
+            <a:noFill/>
+          </a:ln>
+          <a:extLst>
+            <a:ext uri="{909E8E84-426E-40DD-AFC4-6F175D3DCCD1}">
+              <a14:hiddenFill xmlns:a14="http://schemas.microsoft.com/office/drawing/2010/main">
+                <a:solidFill>
+                  <a:schemeClr val="accent1"/>
+                </a:solidFill>
+              </a14:hiddenFill>
+            </a:ext>
+            <a:ext uri="{91240B29-F687-4F45-9708-019B960494DF}">
+              <a14:hiddenLine xmlns:a14="http://schemas.microsoft.com/office/drawing/2010/main" w="9525">
+                <a:solidFill>
+                  <a:schemeClr val="tx1"/>
+                </a:solidFill>
+                <a:miter lim="800000"/>
+                <a:headEnd/>
+                <a:tailEnd/>
+              </a14:hiddenLine>
+            </a:ext>
+          </a:extLst>
+        </p:spPr>
+      </p:pic>
+    </p:spTree>
+    <p:extLst>
+      <p:ext uri="{BB962C8B-B14F-4D97-AF65-F5344CB8AC3E}">
+        <p14:creationId xmlns:p14="http://schemas.microsoft.com/office/powerpoint/2010/main" val="2695192595"/>
+      </p:ext>
+    </p:extLst>
+  </p:cSld>
+  <p:clrMapOvr>
+    <a:masterClrMapping/>
+  </p:clrMapOvr>
+  <mc:AlternateContent xmlns:mc="http://schemas.openxmlformats.org/markup-compatibility/2006" xmlns:p14="http://schemas.microsoft.com/office/powerpoint/2010/main">
+    <mc:Choice Requires="p14">
+      <p:transition spd="slow" p14:dur="2000"/>
+    </mc:Choice>
+    <mc:Fallback xmlns="">
+      <p:transition spd="slow"/>
+    </mc:Fallback>
+  </mc:AlternateContent>
+  <p:timing>
+    <p:tnLst>
+      <p:par>
+        <p:cTn id="1" dur="indefinite" restart="never" nodeType="tmRoot"/>
+      </p:par>
+    </p:tnLst>
+  </p:timing>
+</p:sld>
+</file>
+
+<file path=ppt/slides/slide19.xml><?xml version="1.0" encoding="utf-8"?>
+<p:sld xmlns:a="http://schemas.openxmlformats.org/drawingml/2006/main" xmlns:r="http://schemas.openxmlformats.org/officeDocument/2006/relationships" xmlns:p="http://schemas.openxmlformats.org/presentationml/2006/main">
+  <p:cSld>
+    <p:spTree>
+      <p:nvGrpSpPr>
+        <p:cNvPr id="1" name=""/>
+        <p:cNvGrpSpPr/>
+        <p:nvPr/>
+      </p:nvGrpSpPr>
+      <p:grpSpPr>
+        <a:xfrm>
+          <a:off x="0" y="0"/>
+          <a:ext cx="0" cy="0"/>
+          <a:chOff x="0" y="0"/>
+          <a:chExt cx="0" cy="0"/>
+        </a:xfrm>
+      </p:grpSpPr>
+      <p:sp>
+        <p:nvSpPr>
+          <p:cNvPr id="3" name="Datumsplatzhalter 2"/>
+          <p:cNvSpPr>
+            <a:spLocks noGrp="1"/>
+          </p:cNvSpPr>
+          <p:nvPr>
+            <p:ph type="dt" sz="half" idx="10"/>
+          </p:nvPr>
+        </p:nvSpPr>
+        <p:spPr/>
+        <p:txBody>
+          <a:bodyPr/>
+          <a:lstStyle/>
+          <a:p>
+            <a:r>
+              <a:rPr lang="de-DE" smtClean="0"/>
+              <a:t>27.01.2017</a:t>
+            </a:r>
+            <a:endParaRPr lang="de-DE"/>
+          </a:p>
+        </p:txBody>
+      </p:sp>
+      <p:sp>
+        <p:nvSpPr>
+          <p:cNvPr id="4" name="Fußzeilenplatzhalter 3"/>
+          <p:cNvSpPr>
+            <a:spLocks noGrp="1"/>
+          </p:cNvSpPr>
+          <p:nvPr>
+            <p:ph type="ftr" sz="quarter" idx="11"/>
+          </p:nvPr>
+        </p:nvSpPr>
+        <p:spPr/>
+        <p:txBody>
+          <a:bodyPr/>
+          <a:lstStyle/>
+          <a:p>
+            <a:r>
+              <a:rPr lang="de-DE" smtClean="0"/>
+              <a:t>Transmutation – Matthias Jaeger</a:t>
+            </a:r>
+            <a:endParaRPr lang="de-DE"/>
+          </a:p>
+        </p:txBody>
+      </p:sp>
+      <p:sp>
+        <p:nvSpPr>
+          <p:cNvPr id="5" name="Foliennummernplatzhalter 4"/>
+          <p:cNvSpPr>
+            <a:spLocks noGrp="1"/>
+          </p:cNvSpPr>
+          <p:nvPr>
+            <p:ph type="sldNum" sz="quarter" idx="12"/>
+          </p:nvPr>
+        </p:nvSpPr>
+        <p:spPr/>
+        <p:txBody>
+          <a:bodyPr/>
+          <a:lstStyle/>
+          <a:p>
+            <a:fld id="{1A73E011-4CD9-4D05-A24A-32BCD9CDCEE7}" type="slidenum">
+              <a:rPr lang="de-DE" smtClean="0"/>
+              <a:pPr/>
+              <a:t>19</a:t>
+            </a:fld>
+            <a:endParaRPr lang="de-DE"/>
+          </a:p>
+        </p:txBody>
+      </p:sp>
+      <p:sp>
+        <p:nvSpPr>
+          <p:cNvPr id="7" name="Rechteck 6"/>
+          <p:cNvSpPr/>
+          <p:nvPr/>
+        </p:nvSpPr>
+        <p:spPr>
+          <a:xfrm>
+            <a:off x="6588224" y="72008"/>
+            <a:ext cx="2483768" cy="260648"/>
+          </a:xfrm>
+          <a:prstGeom prst="rect">
+            <a:avLst/>
+          </a:prstGeom>
+          <a:solidFill>
+            <a:srgbClr val="92D050"/>
+          </a:solidFill>
+          <a:ln>
+            <a:noFill/>
+          </a:ln>
+          <a:effectLst>
+            <a:outerShdw blurRad="44450" dist="27940" dir="5400000" algn="ctr">
+              <a:srgbClr val="000000">
+                <a:alpha val="32000"/>
+              </a:srgbClr>
+            </a:outerShdw>
+          </a:effectLst>
+          <a:scene3d>
+            <a:camera prst="orthographicFront">
+              <a:rot lat="0" lon="0" rev="0"/>
+            </a:camera>
+            <a:lightRig rig="balanced" dir="t">
+              <a:rot lat="0" lon="0" rev="8700000"/>
+            </a:lightRig>
+          </a:scene3d>
+          <a:sp3d>
+            <a:bevelT w="190500" h="38100"/>
+          </a:sp3d>
+        </p:spPr>
+        <p:style>
+          <a:lnRef idx="2">
+            <a:schemeClr val="accent1">
+              <a:shade val="50000"/>
+            </a:schemeClr>
+          </a:lnRef>
+          <a:fillRef idx="1">
+            <a:schemeClr val="accent1"/>
+          </a:fillRef>
+          <a:effectRef idx="0">
+            <a:schemeClr val="accent1"/>
+          </a:effectRef>
+          <a:fontRef idx="minor">
+            <a:schemeClr val="lt1"/>
+          </a:fontRef>
+        </p:style>
+        <p:txBody>
+          <a:bodyPr rtlCol="0" anchor="ctr"/>
+          <a:lstStyle/>
+          <a:p>
+            <a:pPr algn="ctr"/>
+            <a:endParaRPr lang="de-DE"/>
+          </a:p>
+        </p:txBody>
+      </p:sp>
+      <p:sp>
+        <p:nvSpPr>
+          <p:cNvPr id="8" name="Textfeld 7"/>
+          <p:cNvSpPr txBox="1"/>
+          <p:nvPr/>
+        </p:nvSpPr>
+        <p:spPr>
+          <a:xfrm>
+            <a:off x="6586695" y="35913"/>
+            <a:ext cx="2521809" cy="584775"/>
+          </a:xfrm>
+          <a:prstGeom prst="rect">
+            <a:avLst/>
+          </a:prstGeom>
+          <a:noFill/>
+        </p:spPr>
+        <p:txBody>
+          <a:bodyPr wrap="square" rtlCol="0">
+            <a:spAutoFit/>
+          </a:bodyPr>
+          <a:lstStyle/>
+          <a:p>
+            <a:pPr algn="ctr"/>
+            <a:r>
+              <a:rPr lang="de-DE" sz="1600" smtClean="0">
+                <a:solidFill>
+                  <a:schemeClr val="accent5">
+                    <a:lumMod val="50000"/>
+                  </a:schemeClr>
+                </a:solidFill>
+                <a:latin typeface="Adobe Arabic" pitchFamily="18" charset="-78"/>
+                <a:cs typeface="Adobe Arabic" pitchFamily="18" charset="-78"/>
+              </a:rPr>
+              <a:t>2. </a:t>
+            </a:r>
+            <a:r>
+              <a:rPr lang="de-DE" sz="1600" smtClean="0">
+                <a:latin typeface="Adobe Arabic" pitchFamily="18" charset="-78"/>
+                <a:cs typeface="Adobe Arabic" pitchFamily="18" charset="-78"/>
+              </a:rPr>
+              <a:t>DG-Verfahren</a:t>
+            </a:r>
+          </a:p>
+          <a:p>
+            <a:pPr algn="ctr"/>
+            <a:endParaRPr lang="de-DE" sz="1600">
+              <a:solidFill>
+                <a:schemeClr val="accent5">
+                  <a:lumMod val="50000"/>
+                </a:schemeClr>
+              </a:solidFill>
+              <a:latin typeface="Adobe Arabic" pitchFamily="18" charset="-78"/>
+              <a:cs typeface="Adobe Arabic" pitchFamily="18" charset="-78"/>
+            </a:endParaRPr>
+          </a:p>
+        </p:txBody>
+      </p:sp>
+      <p:sp>
+        <p:nvSpPr>
+          <p:cNvPr id="17" name="Inhaltsplatzhalter 1"/>
+          <p:cNvSpPr>
+            <a:spLocks noGrp="1"/>
+          </p:cNvSpPr>
+          <p:nvPr>
+            <p:ph idx="1"/>
+          </p:nvPr>
+        </p:nvSpPr>
+        <p:spPr>
+          <a:xfrm>
+            <a:off x="457200" y="980728"/>
+            <a:ext cx="8229600" cy="5145435"/>
+          </a:xfrm>
+        </p:spPr>
+        <p:txBody>
+          <a:bodyPr>
+            <a:normAutofit/>
+          </a:bodyPr>
+          <a:lstStyle/>
+          <a:p>
+            <a:pPr marL="0" indent="0">
+              <a:buNone/>
+            </a:pPr>
+            <a:r>
+              <a:rPr lang="de-DE" sz="3200" smtClean="0"/>
+              <a:t>Nicht-konforme Methode: Der FES ist nicht mehr in dem Raum, in dem das zugrundeliegende Variationsproblem formuliert ist, enthalten. Mehr Flexibilität für Diskretisierung. Bei DG ist die diskrete Lösung komplett unstetig und verletzt idR auch eventuelle Dirichlet-Randbedingungen. Lösbarkeit wird erreicht durch geschickte Stabilisierungsterme, die zudem so gewählt werden, dass keine Konsistenzfehler auftreten.</a:t>
+            </a:r>
+          </a:p>
+        </p:txBody>
+      </p:sp>
+    </p:spTree>
+    <p:extLst>
+      <p:ext uri="{BB962C8B-B14F-4D97-AF65-F5344CB8AC3E}">
+        <p14:creationId xmlns:p14="http://schemas.microsoft.com/office/powerpoint/2010/main" val="2267934893"/>
+      </p:ext>
+    </p:extLst>
+  </p:cSld>
+  <p:clrMapOvr>
+    <a:masterClrMapping/>
+  </p:clrMapOvr>
+  <mc:AlternateContent xmlns:mc="http://schemas.openxmlformats.org/markup-compatibility/2006" xmlns:p14="http://schemas.microsoft.com/office/powerpoint/2010/main">
+    <mc:Choice Requires="p14">
+      <p:transition spd="slow" p14:dur="2000"/>
+    </mc:Choice>
+    <mc:Fallback xmlns="">
+      <p:transition spd="slow"/>
+    </mc:Fallback>
+  </mc:AlternateContent>
   <p:timing>
     <p:tnLst>
       <p:par>
@@ -10816,6 +14252,1058 @@
               <a:t>2</a:t>
             </a:fld>
             <a:endParaRPr lang="de-DE"/>
+          </a:p>
+        </p:txBody>
+      </p:sp>
+    </p:spTree>
+  </p:cSld>
+  <p:clrMapOvr>
+    <a:masterClrMapping/>
+  </p:clrMapOvr>
+  <p:timing>
+    <p:tnLst>
+      <p:par>
+        <p:cTn id="1" dur="indefinite" restart="never" nodeType="tmRoot"/>
+      </p:par>
+    </p:tnLst>
+  </p:timing>
+</p:sld>
+</file>
+
+<file path=ppt/slides/slide20.xml><?xml version="1.0" encoding="utf-8"?>
+<p:sld xmlns:a="http://schemas.openxmlformats.org/drawingml/2006/main" xmlns:r="http://schemas.openxmlformats.org/officeDocument/2006/relationships" xmlns:p="http://schemas.openxmlformats.org/presentationml/2006/main">
+  <p:cSld>
+    <p:spTree>
+      <p:nvGrpSpPr>
+        <p:cNvPr id="1" name=""/>
+        <p:cNvGrpSpPr/>
+        <p:nvPr/>
+      </p:nvGrpSpPr>
+      <p:grpSpPr>
+        <a:xfrm>
+          <a:off x="0" y="0"/>
+          <a:ext cx="0" cy="0"/>
+          <a:chOff x="0" y="0"/>
+          <a:chExt cx="0" cy="0"/>
+        </a:xfrm>
+      </p:grpSpPr>
+      <p:sp>
+        <p:nvSpPr>
+          <p:cNvPr id="2" name="Inhaltsplatzhalter 1"/>
+          <p:cNvSpPr>
+            <a:spLocks noGrp="1"/>
+          </p:cNvSpPr>
+          <p:nvPr>
+            <p:ph idx="1"/>
+          </p:nvPr>
+        </p:nvSpPr>
+        <p:spPr>
+          <a:xfrm>
+            <a:off x="251520" y="1379909"/>
+            <a:ext cx="8496944" cy="5145435"/>
+          </a:xfrm>
+        </p:spPr>
+        <p:txBody>
+          <a:bodyPr>
+            <a:noAutofit/>
+          </a:bodyPr>
+          <a:lstStyle/>
+          <a:p>
+            <a:pPr>
+              <a:buNone/>
+            </a:pPr>
+            <a:r>
+              <a:rPr lang="de-DE" sz="1800" smtClean="0"/>
+              <a:t>[1] Renn, Ortwin, </a:t>
+            </a:r>
+            <a:r>
+              <a:rPr lang="de-DE" sz="1800" err="1" smtClean="0"/>
+              <a:t>ed</a:t>
+            </a:r>
+            <a:r>
+              <a:rPr lang="de-DE" sz="1800" smtClean="0"/>
+              <a:t>. Partitionierung und Transmutation: Forschung–Entwicklung–Gesellschaftliche Implikationen. Herbert Utz Verlag, 2014.</a:t>
+            </a:r>
+          </a:p>
+          <a:p>
+            <a:pPr>
+              <a:buNone/>
+            </a:pPr>
+            <a:r>
+              <a:rPr lang="de-DE" sz="1800" smtClean="0"/>
+              <a:t>[2] Huber, Josef, Werner Mester, und Wolfgang Thomas. "Sicherheitsaspekte der Wiederaufbereitung von Kernbrennstoffen." GRS, 1987.</a:t>
+            </a:r>
+          </a:p>
+          <a:p>
+            <a:pPr>
+              <a:buNone/>
+            </a:pPr>
+            <a:r>
+              <a:rPr lang="de-DE" sz="1800" smtClean="0"/>
+              <a:t>[3] Mueller, Alex C. </a:t>
+            </a:r>
+            <a:r>
+              <a:rPr lang="de-DE" sz="1800" err="1" smtClean="0"/>
+              <a:t>and</a:t>
+            </a:r>
+            <a:r>
+              <a:rPr lang="de-DE" sz="1800" smtClean="0"/>
+              <a:t> Hamid </a:t>
+            </a:r>
+            <a:r>
+              <a:rPr lang="de-DE" sz="1800" err="1" smtClean="0"/>
+              <a:t>Ait</a:t>
+            </a:r>
+            <a:r>
+              <a:rPr lang="de-DE" sz="1800" smtClean="0"/>
+              <a:t> Abderrahim. "Transmutation von radioaktivem Abfall." In: Physik Journal 11 (2010), Seiten 33-38.</a:t>
+            </a:r>
+          </a:p>
+          <a:p>
+            <a:pPr>
+              <a:buNone/>
+            </a:pPr>
+            <a:r>
+              <a:rPr lang="de-DE" sz="1800" smtClean="0"/>
+              <a:t>[4] </a:t>
+            </a:r>
+            <a:r>
+              <a:rPr lang="de-DE" sz="1800" err="1" smtClean="0"/>
+              <a:t>Varaine</a:t>
+            </a:r>
+            <a:r>
+              <a:rPr lang="de-DE" sz="1800" smtClean="0"/>
+              <a:t>, F., et al. "</a:t>
+            </a:r>
+            <a:r>
+              <a:rPr lang="de-DE" sz="1800" err="1" smtClean="0"/>
+              <a:t>Overview</a:t>
+            </a:r>
+            <a:r>
+              <a:rPr lang="de-DE" sz="1800" smtClean="0"/>
+              <a:t> on </a:t>
+            </a:r>
+            <a:r>
+              <a:rPr lang="de-DE" sz="1800" err="1" smtClean="0"/>
+              <a:t>homogeneous</a:t>
+            </a:r>
+            <a:r>
+              <a:rPr lang="de-DE" sz="1800" smtClean="0"/>
+              <a:t> </a:t>
+            </a:r>
+            <a:r>
+              <a:rPr lang="de-DE" sz="1800" err="1" smtClean="0"/>
+              <a:t>and</a:t>
+            </a:r>
+            <a:r>
+              <a:rPr lang="de-DE" sz="1800" smtClean="0"/>
+              <a:t> </a:t>
+            </a:r>
+            <a:r>
+              <a:rPr lang="de-DE" sz="1800" err="1" smtClean="0"/>
+              <a:t>heterogeneous</a:t>
+            </a:r>
+            <a:r>
+              <a:rPr lang="de-DE" sz="1800" smtClean="0"/>
+              <a:t> </a:t>
+            </a:r>
+            <a:r>
+              <a:rPr lang="de-DE" sz="1800" err="1" smtClean="0"/>
+              <a:t>transmutation</a:t>
+            </a:r>
+            <a:r>
+              <a:rPr lang="de-DE" sz="1800" smtClean="0"/>
+              <a:t> in a </a:t>
+            </a:r>
+            <a:r>
+              <a:rPr lang="de-DE" sz="1800" err="1" smtClean="0"/>
+              <a:t>new</a:t>
+            </a:r>
+            <a:r>
+              <a:rPr lang="de-DE" sz="1800" smtClean="0"/>
+              <a:t> French SFR: </a:t>
+            </a:r>
+            <a:r>
+              <a:rPr lang="de-DE" sz="1800" err="1" smtClean="0"/>
+              <a:t>Reactor</a:t>
+            </a:r>
+            <a:r>
+              <a:rPr lang="de-DE" sz="1800" smtClean="0"/>
+              <a:t> </a:t>
+            </a:r>
+            <a:r>
+              <a:rPr lang="de-DE" sz="1800" err="1" smtClean="0"/>
+              <a:t>and</a:t>
+            </a:r>
+            <a:r>
+              <a:rPr lang="de-DE" sz="1800" smtClean="0"/>
+              <a:t> </a:t>
+            </a:r>
+            <a:r>
+              <a:rPr lang="de-DE" sz="1800" err="1" smtClean="0"/>
+              <a:t>fuel</a:t>
+            </a:r>
+            <a:r>
+              <a:rPr lang="de-DE" sz="1800" smtClean="0"/>
+              <a:t> </a:t>
+            </a:r>
+            <a:r>
+              <a:rPr lang="de-DE" sz="1800" err="1" smtClean="0"/>
+              <a:t>cycle</a:t>
+            </a:r>
+            <a:r>
+              <a:rPr lang="de-DE" sz="1800" smtClean="0"/>
+              <a:t> </a:t>
+            </a:r>
+            <a:r>
+              <a:rPr lang="de-DE" sz="1800" err="1" smtClean="0"/>
+              <a:t>impact</a:t>
+            </a:r>
+            <a:r>
+              <a:rPr lang="de-DE" sz="1800" smtClean="0"/>
+              <a:t>." In: </a:t>
+            </a:r>
+            <a:r>
+              <a:rPr lang="de-DE" sz="1800" err="1" smtClean="0"/>
+              <a:t>Actinide</a:t>
+            </a:r>
+            <a:r>
+              <a:rPr lang="de-DE" sz="1800" smtClean="0"/>
+              <a:t> </a:t>
+            </a:r>
+            <a:r>
+              <a:rPr lang="de-DE" sz="1800" err="1" smtClean="0"/>
+              <a:t>and</a:t>
+            </a:r>
+            <a:r>
+              <a:rPr lang="de-DE" sz="1800" smtClean="0"/>
+              <a:t> Fission </a:t>
+            </a:r>
+            <a:r>
+              <a:rPr lang="de-DE" sz="1800" err="1" smtClean="0"/>
+              <a:t>Product</a:t>
+            </a:r>
+            <a:r>
+              <a:rPr lang="de-DE" sz="1800" smtClean="0"/>
+              <a:t> </a:t>
+            </a:r>
+            <a:r>
+              <a:rPr lang="de-DE" sz="1800" err="1" smtClean="0"/>
+              <a:t>Partitioning</a:t>
+            </a:r>
+            <a:r>
+              <a:rPr lang="de-DE" sz="1800" smtClean="0"/>
+              <a:t> </a:t>
+            </a:r>
+            <a:r>
+              <a:rPr lang="de-DE" sz="1800" err="1" smtClean="0"/>
+              <a:t>and</a:t>
+            </a:r>
+            <a:r>
+              <a:rPr lang="de-DE" sz="1800" smtClean="0"/>
+              <a:t> Transmutation (2010), Seiten 113-122.</a:t>
+            </a:r>
+          </a:p>
+          <a:p>
+            <a:pPr>
+              <a:buNone/>
+            </a:pPr>
+            <a:r>
+              <a:rPr lang="de-DE" sz="1800" smtClean="0"/>
+              <a:t>[5] Merk, Bruno, et al. "On </a:t>
+            </a:r>
+            <a:r>
+              <a:rPr lang="de-DE" sz="1800" err="1" smtClean="0"/>
+              <a:t>the</a:t>
+            </a:r>
+            <a:r>
+              <a:rPr lang="de-DE" sz="1800" smtClean="0"/>
+              <a:t> </a:t>
+            </a:r>
+            <a:r>
+              <a:rPr lang="de-DE" sz="1800" err="1" smtClean="0"/>
+              <a:t>use</a:t>
+            </a:r>
+            <a:r>
+              <a:rPr lang="de-DE" sz="1800" smtClean="0"/>
+              <a:t> </a:t>
+            </a:r>
+            <a:r>
+              <a:rPr lang="de-DE" sz="1800" err="1" smtClean="0"/>
+              <a:t>of</a:t>
+            </a:r>
+            <a:r>
+              <a:rPr lang="de-DE" sz="1800" smtClean="0"/>
+              <a:t> a </a:t>
+            </a:r>
+            <a:r>
+              <a:rPr lang="de-DE" sz="1800" err="1" smtClean="0"/>
+              <a:t>molten</a:t>
+            </a:r>
+            <a:r>
+              <a:rPr lang="de-DE" sz="1800" smtClean="0"/>
+              <a:t> </a:t>
+            </a:r>
+            <a:r>
+              <a:rPr lang="de-DE" sz="1800" err="1" smtClean="0"/>
+              <a:t>salt</a:t>
+            </a:r>
+            <a:r>
+              <a:rPr lang="de-DE" sz="1800" smtClean="0"/>
+              <a:t> fast </a:t>
+            </a:r>
+            <a:r>
+              <a:rPr lang="de-DE" sz="1800" err="1" smtClean="0"/>
+              <a:t>reactor</a:t>
+            </a:r>
+            <a:r>
+              <a:rPr lang="de-DE" sz="1800" smtClean="0"/>
+              <a:t> </a:t>
+            </a:r>
+            <a:r>
+              <a:rPr lang="de-DE" sz="1800" err="1" smtClean="0"/>
+              <a:t>to</a:t>
+            </a:r>
+            <a:r>
+              <a:rPr lang="de-DE" sz="1800" smtClean="0"/>
+              <a:t> </a:t>
+            </a:r>
+            <a:r>
+              <a:rPr lang="de-DE" sz="1800" err="1" smtClean="0"/>
+              <a:t>apply</a:t>
+            </a:r>
+            <a:r>
+              <a:rPr lang="de-DE" sz="1800" smtClean="0"/>
+              <a:t> an </a:t>
+            </a:r>
+            <a:r>
+              <a:rPr lang="de-DE" sz="1800" err="1" smtClean="0"/>
+              <a:t>idealized</a:t>
+            </a:r>
+            <a:r>
+              <a:rPr lang="de-DE" sz="1800" smtClean="0"/>
+              <a:t> </a:t>
+            </a:r>
+            <a:r>
+              <a:rPr lang="de-DE" sz="1800" err="1" smtClean="0"/>
+              <a:t>transmutation</a:t>
+            </a:r>
+            <a:r>
+              <a:rPr lang="de-DE" sz="1800" smtClean="0"/>
+              <a:t> </a:t>
+            </a:r>
+            <a:r>
+              <a:rPr lang="de-DE" sz="1800" err="1" smtClean="0"/>
+              <a:t>scenario</a:t>
+            </a:r>
+            <a:r>
+              <a:rPr lang="de-DE" sz="1800" smtClean="0"/>
+              <a:t> </a:t>
+            </a:r>
+            <a:r>
+              <a:rPr lang="de-DE" sz="1800" err="1" smtClean="0"/>
+              <a:t>for</a:t>
+            </a:r>
+            <a:r>
+              <a:rPr lang="de-DE" sz="1800" smtClean="0"/>
+              <a:t> </a:t>
+            </a:r>
+            <a:r>
+              <a:rPr lang="de-DE" sz="1800" err="1" smtClean="0"/>
+              <a:t>the</a:t>
+            </a:r>
+            <a:r>
+              <a:rPr lang="de-DE" sz="1800" smtClean="0"/>
+              <a:t> </a:t>
+            </a:r>
+            <a:r>
+              <a:rPr lang="de-DE" sz="1800" err="1" smtClean="0"/>
+              <a:t>nuclear</a:t>
+            </a:r>
+            <a:r>
+              <a:rPr lang="de-DE" sz="1800" smtClean="0"/>
+              <a:t> </a:t>
+            </a:r>
+            <a:r>
+              <a:rPr lang="de-DE" sz="1800" err="1" smtClean="0"/>
+              <a:t>phase</a:t>
+            </a:r>
+            <a:r>
+              <a:rPr lang="de-DE" sz="1800" smtClean="0"/>
+              <a:t> out." In: </a:t>
+            </a:r>
+            <a:r>
+              <a:rPr lang="de-DE" sz="1800" err="1" smtClean="0"/>
+              <a:t>PloS</a:t>
+            </a:r>
+            <a:r>
+              <a:rPr lang="de-DE" sz="1800" smtClean="0"/>
+              <a:t> </a:t>
+            </a:r>
+            <a:r>
+              <a:rPr lang="de-DE" sz="1800" err="1" smtClean="0"/>
+              <a:t>one</a:t>
+            </a:r>
+            <a:r>
+              <a:rPr lang="de-DE" sz="1800" smtClean="0"/>
+              <a:t> 9.4 (2014): e92776.</a:t>
+            </a:r>
+          </a:p>
+          <a:p>
+            <a:pPr>
+              <a:buNone/>
+            </a:pPr>
+            <a:r>
+              <a:rPr lang="de-DE" sz="1800" smtClean="0"/>
+              <a:t>[6] </a:t>
+            </a:r>
+            <a:r>
+              <a:rPr lang="de-DE" sz="1800" smtClean="0">
+                <a:hlinkClick r:id="rId2"/>
+              </a:rPr>
+              <a:t>https://www.welt.de/img/wissenschaft/mobile101678711/1752509087-ci102l-w1024/fp-atom-teaser2-DW-Kultur-Juelich-jpg.jpg</a:t>
+            </a:r>
+            <a:endParaRPr lang="de-DE" sz="1800" smtClean="0"/>
+          </a:p>
+          <a:p>
+            <a:pPr>
+              <a:buNone/>
+            </a:pPr>
+            <a:r>
+              <a:rPr lang="de-DE" sz="1800" smtClean="0"/>
+              <a:t>[7] </a:t>
+            </a:r>
+            <a:r>
+              <a:rPr lang="de-DE" sz="1800" err="1" smtClean="0"/>
+              <a:t>Malmbeck</a:t>
+            </a:r>
+            <a:r>
+              <a:rPr lang="de-DE" sz="1800" smtClean="0"/>
+              <a:t>, R., et al. "</a:t>
+            </a:r>
+            <a:r>
+              <a:rPr lang="de-DE" sz="1800" err="1" smtClean="0"/>
+              <a:t>Advanced</a:t>
+            </a:r>
+            <a:r>
+              <a:rPr lang="de-DE" sz="1800" smtClean="0"/>
+              <a:t> </a:t>
+            </a:r>
+            <a:r>
+              <a:rPr lang="de-DE" sz="1800" err="1" smtClean="0"/>
+              <a:t>fuel</a:t>
+            </a:r>
+            <a:r>
+              <a:rPr lang="de-DE" sz="1800" smtClean="0"/>
+              <a:t> </a:t>
+            </a:r>
+            <a:r>
+              <a:rPr lang="de-DE" sz="1800" err="1" smtClean="0"/>
+              <a:t>cycle</a:t>
+            </a:r>
+            <a:r>
+              <a:rPr lang="de-DE" sz="1800" smtClean="0"/>
+              <a:t> </a:t>
+            </a:r>
+            <a:r>
+              <a:rPr lang="de-DE" sz="1800" err="1" smtClean="0"/>
+              <a:t>options</a:t>
+            </a:r>
+            <a:r>
+              <a:rPr lang="de-DE" sz="1800" smtClean="0"/>
+              <a:t>." </a:t>
+            </a:r>
+            <a:r>
+              <a:rPr lang="de-DE" sz="1800" err="1" smtClean="0"/>
+              <a:t>Energy</a:t>
+            </a:r>
+            <a:r>
+              <a:rPr lang="de-DE" sz="1800" smtClean="0"/>
+              <a:t> </a:t>
+            </a:r>
+            <a:r>
+              <a:rPr lang="de-DE" sz="1800" err="1" smtClean="0"/>
+              <a:t>Procedia</a:t>
+            </a:r>
+            <a:r>
+              <a:rPr lang="de-DE" sz="1800" smtClean="0"/>
+              <a:t> 7 (2011): 93-102.</a:t>
+            </a:r>
+          </a:p>
+          <a:p>
+            <a:pPr>
+              <a:buNone/>
+            </a:pPr>
+            <a:r>
+              <a:rPr lang="de-DE" sz="1800" smtClean="0"/>
+              <a:t>[8] </a:t>
+            </a:r>
+            <a:r>
+              <a:rPr lang="de-DE" sz="1800" smtClean="0">
+                <a:hlinkClick r:id="rId3"/>
+              </a:rPr>
+              <a:t>http://francis.naukas.com/2010/08/11/el-ascenso-y-la-caida-del-rubbiatron-en-zaragoza-laesa-y-el-acelerador-de-energia-propuesto-por-carlo-rubbia/</a:t>
+            </a:r>
+            <a:endParaRPr lang="de-DE" sz="1800" smtClean="0"/>
+          </a:p>
+        </p:txBody>
+      </p:sp>
+      <p:sp>
+        <p:nvSpPr>
+          <p:cNvPr id="3" name="Datumsplatzhalter 2"/>
+          <p:cNvSpPr>
+            <a:spLocks noGrp="1"/>
+          </p:cNvSpPr>
+          <p:nvPr>
+            <p:ph type="dt" sz="half" idx="10"/>
+          </p:nvPr>
+        </p:nvSpPr>
+        <p:spPr/>
+        <p:txBody>
+          <a:bodyPr/>
+          <a:lstStyle/>
+          <a:p>
+            <a:r>
+              <a:rPr lang="de-DE" smtClean="0"/>
+              <a:t>27.01.2017</a:t>
+            </a:r>
+            <a:endParaRPr lang="de-DE"/>
+          </a:p>
+        </p:txBody>
+      </p:sp>
+      <p:sp>
+        <p:nvSpPr>
+          <p:cNvPr id="4" name="Fußzeilenplatzhalter 3"/>
+          <p:cNvSpPr>
+            <a:spLocks noGrp="1"/>
+          </p:cNvSpPr>
+          <p:nvPr>
+            <p:ph type="ftr" sz="quarter" idx="11"/>
+          </p:nvPr>
+        </p:nvSpPr>
+        <p:spPr/>
+        <p:txBody>
+          <a:bodyPr/>
+          <a:lstStyle/>
+          <a:p>
+            <a:r>
+              <a:rPr lang="de-DE" smtClean="0"/>
+              <a:t>Transmutation – Matthias Jaeger</a:t>
+            </a:r>
+            <a:endParaRPr lang="de-DE"/>
+          </a:p>
+        </p:txBody>
+      </p:sp>
+      <p:sp>
+        <p:nvSpPr>
+          <p:cNvPr id="5" name="Foliennummernplatzhalter 4"/>
+          <p:cNvSpPr>
+            <a:spLocks noGrp="1"/>
+          </p:cNvSpPr>
+          <p:nvPr>
+            <p:ph type="sldNum" sz="quarter" idx="12"/>
+          </p:nvPr>
+        </p:nvSpPr>
+        <p:spPr/>
+        <p:txBody>
+          <a:bodyPr/>
+          <a:lstStyle/>
+          <a:p>
+            <a:fld id="{1A73E011-4CD9-4D05-A24A-32BCD9CDCEE7}" type="slidenum">
+              <a:rPr lang="de-DE" smtClean="0"/>
+              <a:pPr/>
+              <a:t>20</a:t>
+            </a:fld>
+            <a:endParaRPr lang="de-DE"/>
+          </a:p>
+        </p:txBody>
+      </p:sp>
+      <p:sp>
+        <p:nvSpPr>
+          <p:cNvPr id="7" name="Titel 1"/>
+          <p:cNvSpPr txBox="1">
+            <a:spLocks/>
+          </p:cNvSpPr>
+          <p:nvPr/>
+        </p:nvSpPr>
+        <p:spPr>
+          <a:xfrm>
+            <a:off x="467544" y="620688"/>
+            <a:ext cx="8229600" cy="1143000"/>
+          </a:xfrm>
+          <a:prstGeom prst="rect">
+            <a:avLst/>
+          </a:prstGeom>
+        </p:spPr>
+        <p:txBody>
+          <a:bodyPr/>
+          <a:lstStyle/>
+          <a:p>
+            <a:pPr marL="0" marR="0" lvl="0" indent="0" algn="ctr" defTabSz="914400" rtl="0" eaLnBrk="1" fontAlgn="auto" latinLnBrk="0" hangingPunct="1">
+              <a:lnSpc>
+                <a:spcPct val="100000"/>
+              </a:lnSpc>
+              <a:spcBef>
+                <a:spcPct val="0"/>
+              </a:spcBef>
+              <a:spcAft>
+                <a:spcPts val="0"/>
+              </a:spcAft>
+              <a:buClrTx/>
+              <a:buSzTx/>
+              <a:buFontTx/>
+              <a:buNone/>
+              <a:tabLst/>
+              <a:defRPr/>
+            </a:pPr>
+            <a:r>
+              <a:rPr kumimoji="0" lang="de-DE" sz="4400" b="0" i="0" u="none" strike="noStrike" kern="1200" cap="none" spc="0" normalizeH="0" baseline="0" noProof="0" smtClean="0">
+                <a:ln>
+                  <a:noFill/>
+                </a:ln>
+                <a:solidFill>
+                  <a:schemeClr val="tx1"/>
+                </a:solidFill>
+                <a:effectLst/>
+                <a:uLnTx/>
+                <a:uFillTx/>
+                <a:latin typeface="Adobe Arabic" pitchFamily="18" charset="-78"/>
+                <a:ea typeface="+mj-ea"/>
+                <a:cs typeface="Adobe Arabic" pitchFamily="18" charset="-78"/>
+              </a:rPr>
+              <a:t>Quellen</a:t>
+            </a:r>
+            <a:endParaRPr kumimoji="0" lang="de-DE" sz="4400" b="0" i="0" u="none" strike="noStrike" kern="1200" cap="none" spc="0" normalizeH="0" baseline="0" noProof="0">
+              <a:ln>
+                <a:noFill/>
+              </a:ln>
+              <a:solidFill>
+                <a:schemeClr val="tx1"/>
+              </a:solidFill>
+              <a:effectLst/>
+              <a:uLnTx/>
+              <a:uFillTx/>
+              <a:latin typeface="Adobe Arabic" pitchFamily="18" charset="-78"/>
+              <a:ea typeface="+mj-ea"/>
+              <a:cs typeface="Adobe Arabic" pitchFamily="18" charset="-78"/>
+            </a:endParaRPr>
+          </a:p>
+        </p:txBody>
+      </p:sp>
+    </p:spTree>
+  </p:cSld>
+  <p:clrMapOvr>
+    <a:masterClrMapping/>
+  </p:clrMapOvr>
+  <p:timing>
+    <p:tnLst>
+      <p:par>
+        <p:cTn id="1" dur="indefinite" restart="never" nodeType="tmRoot"/>
+      </p:par>
+    </p:tnLst>
+  </p:timing>
+</p:sld>
+</file>
+
+<file path=ppt/slides/slide21.xml><?xml version="1.0" encoding="utf-8"?>
+<p:sld xmlns:a="http://schemas.openxmlformats.org/drawingml/2006/main" xmlns:r="http://schemas.openxmlformats.org/officeDocument/2006/relationships" xmlns:p="http://schemas.openxmlformats.org/presentationml/2006/main">
+  <p:cSld>
+    <p:spTree>
+      <p:nvGrpSpPr>
+        <p:cNvPr id="1" name=""/>
+        <p:cNvGrpSpPr/>
+        <p:nvPr/>
+      </p:nvGrpSpPr>
+      <p:grpSpPr>
+        <a:xfrm>
+          <a:off x="0" y="0"/>
+          <a:ext cx="0" cy="0"/>
+          <a:chOff x="0" y="0"/>
+          <a:chExt cx="0" cy="0"/>
+        </a:xfrm>
+      </p:grpSpPr>
+      <p:sp>
+        <p:nvSpPr>
+          <p:cNvPr id="2" name="Inhaltsplatzhalter 1"/>
+          <p:cNvSpPr>
+            <a:spLocks noGrp="1"/>
+          </p:cNvSpPr>
+          <p:nvPr>
+            <p:ph idx="1"/>
+          </p:nvPr>
+        </p:nvSpPr>
+        <p:spPr>
+          <a:xfrm>
+            <a:off x="251520" y="1379909"/>
+            <a:ext cx="8445624" cy="5145435"/>
+          </a:xfrm>
+        </p:spPr>
+        <p:txBody>
+          <a:bodyPr>
+            <a:normAutofit/>
+          </a:bodyPr>
+          <a:lstStyle/>
+          <a:p>
+            <a:pPr>
+              <a:buNone/>
+            </a:pPr>
+            <a:r>
+              <a:rPr lang="de-DE" sz="1800" smtClean="0"/>
+              <a:t>[9]   </a:t>
+            </a:r>
+            <a:r>
+              <a:rPr lang="de-DE" sz="1800" smtClean="0">
+                <a:hlinkClick r:id="rId2"/>
+              </a:rPr>
+              <a:t>http://myrrha.sckcen.be/en/</a:t>
+            </a:r>
+            <a:endParaRPr lang="de-DE" sz="1800" smtClean="0"/>
+          </a:p>
+          <a:p>
+            <a:pPr>
+              <a:buNone/>
+            </a:pPr>
+            <a:r>
+              <a:rPr lang="de-DE" sz="1800" smtClean="0"/>
+              <a:t>[10] Smidt, Dieter. Reaktor-Sicherheitstechnik: Sicherheitssysteme und Störfallanalyse für Leichtwasserreaktoren und schnelle Brüter. Springer-Verlag, 2013.</a:t>
+            </a:r>
+          </a:p>
+          <a:p>
+            <a:pPr>
+              <a:buNone/>
+            </a:pPr>
+            <a:r>
+              <a:rPr lang="de-DE" sz="1800" smtClean="0"/>
+              <a:t>[11] </a:t>
+            </a:r>
+            <a:r>
+              <a:rPr lang="de-DE" sz="1800" smtClean="0">
+                <a:hlinkClick r:id="rId3"/>
+              </a:rPr>
+              <a:t>https://www.j-parc.jp/Transmutation/en/index.html</a:t>
+            </a:r>
+            <a:endParaRPr lang="de-DE" sz="1800" smtClean="0"/>
+          </a:p>
+          <a:p>
+            <a:pPr>
+              <a:buNone/>
+            </a:pPr>
+            <a:r>
+              <a:rPr lang="de-DE" sz="1800" smtClean="0"/>
+              <a:t>[12] </a:t>
+            </a:r>
+            <a:r>
+              <a:rPr lang="de-DE" sz="1800" smtClean="0">
+                <a:hlinkClick r:id="rId4"/>
+              </a:rPr>
+              <a:t>https://www.gen-4.org/gif/jcms/c_59461/generation-iv-systems</a:t>
+            </a:r>
+            <a:endParaRPr lang="de-DE" sz="1800" smtClean="0"/>
+          </a:p>
+          <a:p>
+            <a:pPr>
+              <a:buNone/>
+            </a:pPr>
+            <a:r>
+              <a:rPr lang="de-DE" sz="1800" smtClean="0"/>
+              <a:t>[13] </a:t>
+            </a:r>
+            <a:r>
+              <a:rPr lang="de-DE" sz="1800" smtClean="0">
+                <a:hlinkClick r:id="rId5"/>
+              </a:rPr>
+              <a:t>http://www.nndc.bnl.gov/nudat2/</a:t>
+            </a:r>
+            <a:endParaRPr lang="de-DE" sz="1800" smtClean="0"/>
+          </a:p>
+          <a:p>
+            <a:pPr>
+              <a:buNone/>
+            </a:pPr>
+            <a:r>
+              <a:rPr lang="de-DE" sz="1800" smtClean="0"/>
+              <a:t>[14] </a:t>
+            </a:r>
+            <a:r>
+              <a:rPr lang="de-DE" sz="1800" err="1" smtClean="0"/>
+              <a:t>Bowman</a:t>
+            </a:r>
+            <a:r>
+              <a:rPr lang="de-DE" sz="1800" smtClean="0"/>
+              <a:t>, Charles D. "</a:t>
+            </a:r>
+            <a:r>
+              <a:rPr lang="de-DE" sz="1800" err="1" smtClean="0"/>
+              <a:t>Accelerator-driven</a:t>
+            </a:r>
+            <a:r>
+              <a:rPr lang="de-DE" sz="1800" smtClean="0"/>
+              <a:t> </a:t>
+            </a:r>
+            <a:r>
+              <a:rPr lang="de-DE" sz="1800" err="1" smtClean="0"/>
+              <a:t>systems</a:t>
+            </a:r>
+            <a:r>
+              <a:rPr lang="de-DE" sz="1800" smtClean="0"/>
+              <a:t> </a:t>
+            </a:r>
+            <a:r>
+              <a:rPr lang="de-DE" sz="1800" err="1" smtClean="0"/>
+              <a:t>for</a:t>
+            </a:r>
+            <a:r>
+              <a:rPr lang="de-DE" sz="1800" smtClean="0"/>
+              <a:t> </a:t>
+            </a:r>
+            <a:r>
+              <a:rPr lang="de-DE" sz="1800" err="1" smtClean="0"/>
+              <a:t>nuclear</a:t>
+            </a:r>
+            <a:r>
+              <a:rPr lang="de-DE" sz="1800" smtClean="0"/>
+              <a:t> </a:t>
+            </a:r>
+            <a:r>
+              <a:rPr lang="de-DE" sz="1800" err="1" smtClean="0"/>
+              <a:t>waste</a:t>
+            </a:r>
+            <a:r>
+              <a:rPr lang="de-DE" sz="1800" smtClean="0"/>
+              <a:t> </a:t>
+            </a:r>
+            <a:r>
+              <a:rPr lang="de-DE" sz="1800" err="1" smtClean="0"/>
+              <a:t>transmutation</a:t>
+            </a:r>
+            <a:r>
+              <a:rPr lang="de-DE" sz="1800" smtClean="0"/>
+              <a:t>." Annual Review </a:t>
+            </a:r>
+            <a:r>
+              <a:rPr lang="de-DE" sz="1800" err="1" smtClean="0"/>
+              <a:t>of</a:t>
+            </a:r>
+            <a:r>
+              <a:rPr lang="de-DE" sz="1800" smtClean="0"/>
+              <a:t> </a:t>
+            </a:r>
+            <a:r>
+              <a:rPr lang="de-DE" sz="1800" err="1" smtClean="0"/>
+              <a:t>Nuclear</a:t>
+            </a:r>
+            <a:r>
+              <a:rPr lang="de-DE" sz="1800" smtClean="0"/>
+              <a:t> </a:t>
+            </a:r>
+            <a:r>
+              <a:rPr lang="de-DE" sz="1800" err="1" smtClean="0"/>
+              <a:t>and</a:t>
+            </a:r>
+            <a:r>
+              <a:rPr lang="de-DE" sz="1800" smtClean="0"/>
+              <a:t> </a:t>
+            </a:r>
+            <a:r>
+              <a:rPr lang="de-DE" sz="1800" err="1" smtClean="0"/>
+              <a:t>Particle</a:t>
+            </a:r>
+            <a:r>
+              <a:rPr lang="de-DE" sz="1800" smtClean="0"/>
+              <a:t> Science 48.1 (1998): 505-556.</a:t>
+            </a:r>
+          </a:p>
+          <a:p>
+            <a:pPr>
+              <a:buNone/>
+            </a:pPr>
+            <a:r>
+              <a:rPr lang="de-DE" sz="1800" smtClean="0"/>
+              <a:t>[15] </a:t>
+            </a:r>
+            <a:r>
+              <a:rPr lang="de-DE" sz="1800" err="1" smtClean="0"/>
+              <a:t>Nünighoff</a:t>
+            </a:r>
+            <a:r>
+              <a:rPr lang="de-DE" sz="1800" smtClean="0"/>
+              <a:t>, Kay. Sicherheitstechnik im Wandel nuklearer Systeme: Strahlenschutz bei </a:t>
+            </a:r>
+            <a:r>
+              <a:rPr lang="de-DE" sz="1800" err="1" smtClean="0"/>
+              <a:t>Spallationsneutronenquellen</a:t>
+            </a:r>
+            <a:r>
+              <a:rPr lang="de-DE" sz="1800" smtClean="0"/>
+              <a:t> und Transmutationsanlagen. Vol. 40. Forschungszentrum Jülich, 2009.</a:t>
+            </a:r>
+          </a:p>
+          <a:p>
+            <a:pPr>
+              <a:buNone/>
+            </a:pPr>
+            <a:endParaRPr lang="de-DE" sz="1800"/>
+          </a:p>
+        </p:txBody>
+      </p:sp>
+      <p:sp>
+        <p:nvSpPr>
+          <p:cNvPr id="3" name="Datumsplatzhalter 2"/>
+          <p:cNvSpPr>
+            <a:spLocks noGrp="1"/>
+          </p:cNvSpPr>
+          <p:nvPr>
+            <p:ph type="dt" sz="half" idx="10"/>
+          </p:nvPr>
+        </p:nvSpPr>
+        <p:spPr/>
+        <p:txBody>
+          <a:bodyPr/>
+          <a:lstStyle/>
+          <a:p>
+            <a:r>
+              <a:rPr lang="de-DE" smtClean="0"/>
+              <a:t>27.01.2017</a:t>
+            </a:r>
+            <a:endParaRPr lang="de-DE"/>
+          </a:p>
+        </p:txBody>
+      </p:sp>
+      <p:sp>
+        <p:nvSpPr>
+          <p:cNvPr id="4" name="Fußzeilenplatzhalter 3"/>
+          <p:cNvSpPr>
+            <a:spLocks noGrp="1"/>
+          </p:cNvSpPr>
+          <p:nvPr>
+            <p:ph type="ftr" sz="quarter" idx="11"/>
+          </p:nvPr>
+        </p:nvSpPr>
+        <p:spPr/>
+        <p:txBody>
+          <a:bodyPr/>
+          <a:lstStyle/>
+          <a:p>
+            <a:r>
+              <a:rPr lang="de-DE" smtClean="0"/>
+              <a:t>Transmutation – Matthias Jaeger</a:t>
+            </a:r>
+            <a:endParaRPr lang="de-DE"/>
+          </a:p>
+        </p:txBody>
+      </p:sp>
+      <p:sp>
+        <p:nvSpPr>
+          <p:cNvPr id="5" name="Foliennummernplatzhalter 4"/>
+          <p:cNvSpPr>
+            <a:spLocks noGrp="1"/>
+          </p:cNvSpPr>
+          <p:nvPr>
+            <p:ph type="sldNum" sz="quarter" idx="12"/>
+          </p:nvPr>
+        </p:nvSpPr>
+        <p:spPr/>
+        <p:txBody>
+          <a:bodyPr/>
+          <a:lstStyle/>
+          <a:p>
+            <a:fld id="{1A73E011-4CD9-4D05-A24A-32BCD9CDCEE7}" type="slidenum">
+              <a:rPr lang="de-DE" smtClean="0"/>
+              <a:pPr/>
+              <a:t>21</a:t>
+            </a:fld>
+            <a:endParaRPr lang="de-DE"/>
+          </a:p>
+        </p:txBody>
+      </p:sp>
+      <p:sp>
+        <p:nvSpPr>
+          <p:cNvPr id="6" name="Textplatzhalter 5"/>
+          <p:cNvSpPr>
+            <a:spLocks noGrp="1"/>
+          </p:cNvSpPr>
+          <p:nvPr>
+            <p:ph type="body" sz="quarter" idx="13"/>
+          </p:nvPr>
+        </p:nvSpPr>
+        <p:spPr/>
+        <p:txBody>
+          <a:bodyPr/>
+          <a:lstStyle/>
+          <a:p>
+            <a:endParaRPr lang="de-DE"/>
+          </a:p>
+        </p:txBody>
+      </p:sp>
+      <p:sp>
+        <p:nvSpPr>
+          <p:cNvPr id="8" name="Titel 1"/>
+          <p:cNvSpPr txBox="1">
+            <a:spLocks/>
+          </p:cNvSpPr>
+          <p:nvPr/>
+        </p:nvSpPr>
+        <p:spPr>
+          <a:xfrm>
+            <a:off x="467544" y="620688"/>
+            <a:ext cx="8229600" cy="1143000"/>
+          </a:xfrm>
+          <a:prstGeom prst="rect">
+            <a:avLst/>
+          </a:prstGeom>
+        </p:spPr>
+        <p:txBody>
+          <a:bodyPr/>
+          <a:lstStyle/>
+          <a:p>
+            <a:pPr marL="0" marR="0" lvl="0" indent="0" algn="ctr" defTabSz="914400" rtl="0" eaLnBrk="1" fontAlgn="auto" latinLnBrk="0" hangingPunct="1">
+              <a:lnSpc>
+                <a:spcPct val="100000"/>
+              </a:lnSpc>
+              <a:spcBef>
+                <a:spcPct val="0"/>
+              </a:spcBef>
+              <a:spcAft>
+                <a:spcPts val="0"/>
+              </a:spcAft>
+              <a:buClrTx/>
+              <a:buSzTx/>
+              <a:buFontTx/>
+              <a:buNone/>
+              <a:tabLst/>
+              <a:defRPr/>
+            </a:pPr>
+            <a:r>
+              <a:rPr kumimoji="0" lang="de-DE" sz="4400" b="0" i="0" u="none" strike="noStrike" kern="1200" cap="none" spc="0" normalizeH="0" baseline="0" noProof="0" smtClean="0">
+                <a:ln>
+                  <a:noFill/>
+                </a:ln>
+                <a:solidFill>
+                  <a:schemeClr val="tx1"/>
+                </a:solidFill>
+                <a:effectLst/>
+                <a:uLnTx/>
+                <a:uFillTx/>
+                <a:latin typeface="Adobe Arabic" pitchFamily="18" charset="-78"/>
+                <a:ea typeface="+mj-ea"/>
+                <a:cs typeface="Adobe Arabic" pitchFamily="18" charset="-78"/>
+              </a:rPr>
+              <a:t>Quellen</a:t>
+            </a:r>
+            <a:endParaRPr kumimoji="0" lang="de-DE" sz="4400" b="0" i="0" u="none" strike="noStrike" kern="1200" cap="none" spc="0" normalizeH="0" baseline="0" noProof="0">
+              <a:ln>
+                <a:noFill/>
+              </a:ln>
+              <a:solidFill>
+                <a:schemeClr val="tx1"/>
+              </a:solidFill>
+              <a:effectLst/>
+              <a:uLnTx/>
+              <a:uFillTx/>
+              <a:latin typeface="Adobe Arabic" pitchFamily="18" charset="-78"/>
+              <a:ea typeface="+mj-ea"/>
+              <a:cs typeface="Adobe Arabic" pitchFamily="18" charset="-78"/>
+            </a:endParaRPr>
           </a:p>
         </p:txBody>
       </p:sp>
@@ -10872,7 +15360,7 @@
               <a:buNone/>
             </a:pPr>
             <a:r>
-              <a:rPr lang="de-DE" sz="3200" smtClean="0"/>
+              <a:rPr lang="de-DE" sz="3200" b="1" smtClean="0"/>
               <a:t>Übergang geschlossene        offene Systeme</a:t>
             </a:r>
           </a:p>
@@ -11077,7 +15565,7 @@
         </p:nvCxnSpPr>
         <p:spPr>
           <a:xfrm>
-            <a:off x="3495303" y="1283926"/>
+            <a:off x="3635896" y="1283926"/>
             <a:ext cx="360040" cy="0"/>
           </a:xfrm>
           <a:prstGeom prst="straightConnector1">
@@ -12384,7 +16872,7 @@
               <a:buNone/>
             </a:pPr>
             <a:r>
-              <a:rPr lang="de-DE" sz="3200" smtClean="0"/>
+              <a:rPr lang="de-DE" sz="3200" b="1" smtClean="0"/>
               <a:t>Übergang geschlossene        offene Systeme</a:t>
             </a:r>
           </a:p>
@@ -13532,7 +18020,7 @@
         </p:nvCxnSpPr>
         <p:spPr>
           <a:xfrm>
-            <a:off x="3495303" y="1283926"/>
+            <a:off x="3635896" y="1283926"/>
             <a:ext cx="360040" cy="0"/>
           </a:xfrm>
           <a:prstGeom prst="straightConnector1">
@@ -15609,11 +20097,11 @@
               <a:buNone/>
             </a:pPr>
             <a:r>
-              <a:rPr lang="de-DE" sz="3200"/>
+              <a:rPr lang="de-DE" sz="3200" b="1"/>
               <a:t>Elektronendichte und </a:t>
             </a:r>
             <a:r>
-              <a:rPr lang="de-DE" sz="3200" smtClean="0"/>
+              <a:rPr lang="de-DE" sz="3200" b="1" smtClean="0"/>
               <a:t>Strom</a:t>
             </a:r>
           </a:p>
@@ -15984,10 +20472,10 @@
               <a:buNone/>
             </a:pPr>
             <a:r>
-              <a:rPr lang="de-DE" sz="3200" smtClean="0"/>
+              <a:rPr lang="de-DE" sz="3200" b="1" smtClean="0"/>
               <a:t>Randbedingungen</a:t>
             </a:r>
-            <a:endParaRPr lang="de-DE" sz="2400" smtClean="0"/>
+            <a:endParaRPr lang="de-DE" sz="2400" b="1" smtClean="0"/>
           </a:p>
         </p:txBody>
       </p:sp>
@@ -18019,7 +22507,7 @@
               <a:buNone/>
             </a:pPr>
             <a:r>
-              <a:rPr lang="de-DE" sz="3200" smtClean="0"/>
+              <a:rPr lang="de-DE" sz="3200" b="1" smtClean="0"/>
               <a:t>Randbedingungen</a:t>
             </a:r>
           </a:p>

--- a/Zwischenvortrag/Präsentation.pptx
+++ b/Zwischenvortrag/Präsentation.pptx
@@ -213,7 +213,7 @@
             <a:fld id="{4171A3E4-08F7-470B-B28A-F7F44AD1D267}" type="datetimeFigureOut">
               <a:rPr lang="de-DE" smtClean="0"/>
               <a:pPr/>
-              <a:t>08.03.2019</a:t>
+              <a:t>11.03.2019</a:t>
             </a:fld>
             <a:endParaRPr lang="de-DE"/>
           </a:p>
@@ -384,7 +384,7 @@
     </p:spTree>
     <p:extLst>
       <p:ext uri="{BB962C8B-B14F-4D97-AF65-F5344CB8AC3E}">
-        <p14:creationId xmlns:p14="http://schemas.microsoft.com/office/powerpoint/2010/main" val="2533517118"/>
+        <p14:creationId xmlns:p14="http://schemas.microsoft.com/office/powerpoint/2010/main" xmlns="" val="2533517118"/>
       </p:ext>
     </p:extLst>
   </p:cSld>
@@ -6356,7 +6356,7 @@
           <a:blip r:embed="rId3" cstate="print">
             <a:extLst>
               <a:ext uri="{28A0092B-C50C-407E-A947-70E740481C1C}">
-                <a14:useLocalDpi xmlns:a14="http://schemas.microsoft.com/office/drawing/2010/main" val="0"/>
+                <a14:useLocalDpi xmlns:a14="http://schemas.microsoft.com/office/drawing/2010/main" xmlns="" val="0"/>
               </a:ext>
             </a:extLst>
           </a:blip>
@@ -6379,14 +6379,14 @@
           </a:ln>
           <a:extLst>
             <a:ext uri="{909E8E84-426E-40DD-AFC4-6F175D3DCCD1}">
-              <a14:hiddenFill xmlns:a14="http://schemas.microsoft.com/office/drawing/2010/main">
+              <a14:hiddenFill xmlns:a14="http://schemas.microsoft.com/office/drawing/2010/main" xmlns="">
                 <a:solidFill>
                   <a:schemeClr val="accent1"/>
                 </a:solidFill>
               </a14:hiddenFill>
             </a:ext>
             <a:ext uri="{91240B29-F687-4F45-9708-019B960494DF}">
-              <a14:hiddenLine xmlns:a14="http://schemas.microsoft.com/office/drawing/2010/main" w="9525">
+              <a14:hiddenLine xmlns:a14="http://schemas.microsoft.com/office/drawing/2010/main" xmlns="" w="9525">
                 <a:solidFill>
                   <a:schemeClr val="tx1"/>
                 </a:solidFill>
@@ -6440,7 +6440,7 @@
           <a:blip r:embed="rId4" cstate="print">
             <a:extLst>
               <a:ext uri="{28A0092B-C50C-407E-A947-70E740481C1C}">
-                <a14:useLocalDpi xmlns:a14="http://schemas.microsoft.com/office/drawing/2010/main" val="0"/>
+                <a14:useLocalDpi xmlns:a14="http://schemas.microsoft.com/office/drawing/2010/main" xmlns="" val="0"/>
               </a:ext>
             </a:extLst>
           </a:blip>
@@ -6463,14 +6463,14 @@
           </a:ln>
           <a:extLst>
             <a:ext uri="{909E8E84-426E-40DD-AFC4-6F175D3DCCD1}">
-              <a14:hiddenFill xmlns:a14="http://schemas.microsoft.com/office/drawing/2010/main">
+              <a14:hiddenFill xmlns:a14="http://schemas.microsoft.com/office/drawing/2010/main" xmlns="">
                 <a:solidFill>
                   <a:schemeClr val="accent1"/>
                 </a:solidFill>
               </a14:hiddenFill>
             </a:ext>
             <a:ext uri="{91240B29-F687-4F45-9708-019B960494DF}">
-              <a14:hiddenLine xmlns:a14="http://schemas.microsoft.com/office/drawing/2010/main" w="9525">
+              <a14:hiddenLine xmlns:a14="http://schemas.microsoft.com/office/drawing/2010/main" xmlns="" w="9525">
                 <a:solidFill>
                   <a:schemeClr val="tx1"/>
                 </a:solidFill>
@@ -6494,7 +6494,7 @@
           <a:blip r:embed="rId5" cstate="print">
             <a:extLst>
               <a:ext uri="{28A0092B-C50C-407E-A947-70E740481C1C}">
-                <a14:useLocalDpi xmlns:a14="http://schemas.microsoft.com/office/drawing/2010/main" val="0"/>
+                <a14:useLocalDpi xmlns:a14="http://schemas.microsoft.com/office/drawing/2010/main" xmlns="" val="0"/>
               </a:ext>
             </a:extLst>
           </a:blip>
@@ -6517,14 +6517,14 @@
           </a:ln>
           <a:extLst>
             <a:ext uri="{909E8E84-426E-40DD-AFC4-6F175D3DCCD1}">
-              <a14:hiddenFill xmlns:a14="http://schemas.microsoft.com/office/drawing/2010/main">
+              <a14:hiddenFill xmlns:a14="http://schemas.microsoft.com/office/drawing/2010/main" xmlns="">
                 <a:solidFill>
                   <a:schemeClr val="accent1"/>
                 </a:solidFill>
               </a14:hiddenFill>
             </a:ext>
             <a:ext uri="{91240B29-F687-4F45-9708-019B960494DF}">
-              <a14:hiddenLine xmlns:a14="http://schemas.microsoft.com/office/drawing/2010/main" w="9525">
+              <a14:hiddenLine xmlns:a14="http://schemas.microsoft.com/office/drawing/2010/main" xmlns="" w="9525">
                 <a:solidFill>
                   <a:schemeClr val="tx1"/>
                 </a:solidFill>
@@ -6583,7 +6583,7 @@
           <a:blip r:embed="rId6" cstate="print">
             <a:extLst>
               <a:ext uri="{28A0092B-C50C-407E-A947-70E740481C1C}">
-                <a14:useLocalDpi xmlns:a14="http://schemas.microsoft.com/office/drawing/2010/main" val="0"/>
+                <a14:useLocalDpi xmlns:a14="http://schemas.microsoft.com/office/drawing/2010/main" xmlns="" val="0"/>
               </a:ext>
             </a:extLst>
           </a:blip>
@@ -6606,14 +6606,14 @@
           </a:ln>
           <a:extLst>
             <a:ext uri="{909E8E84-426E-40DD-AFC4-6F175D3DCCD1}">
-              <a14:hiddenFill xmlns:a14="http://schemas.microsoft.com/office/drawing/2010/main">
+              <a14:hiddenFill xmlns:a14="http://schemas.microsoft.com/office/drawing/2010/main" xmlns="">
                 <a:solidFill>
                   <a:schemeClr val="accent1"/>
                 </a:solidFill>
               </a14:hiddenFill>
             </a:ext>
             <a:ext uri="{91240B29-F687-4F45-9708-019B960494DF}">
-              <a14:hiddenLine xmlns:a14="http://schemas.microsoft.com/office/drawing/2010/main" w="9525">
+              <a14:hiddenLine xmlns:a14="http://schemas.microsoft.com/office/drawing/2010/main" xmlns="" w="9525">
                 <a:solidFill>
                   <a:schemeClr val="tx1"/>
                 </a:solidFill>
@@ -6637,7 +6637,7 @@
           <a:blip r:embed="rId7" cstate="print">
             <a:extLst>
               <a:ext uri="{28A0092B-C50C-407E-A947-70E740481C1C}">
-                <a14:useLocalDpi xmlns:a14="http://schemas.microsoft.com/office/drawing/2010/main" val="0"/>
+                <a14:useLocalDpi xmlns:a14="http://schemas.microsoft.com/office/drawing/2010/main" xmlns="" val="0"/>
               </a:ext>
             </a:extLst>
           </a:blip>
@@ -6660,14 +6660,14 @@
           </a:ln>
           <a:extLst>
             <a:ext uri="{909E8E84-426E-40DD-AFC4-6F175D3DCCD1}">
-              <a14:hiddenFill xmlns:a14="http://schemas.microsoft.com/office/drawing/2010/main">
+              <a14:hiddenFill xmlns:a14="http://schemas.microsoft.com/office/drawing/2010/main" xmlns="">
                 <a:solidFill>
                   <a:schemeClr val="accent1"/>
                 </a:solidFill>
               </a14:hiddenFill>
             </a:ext>
             <a:ext uri="{91240B29-F687-4F45-9708-019B960494DF}">
-              <a14:hiddenLine xmlns:a14="http://schemas.microsoft.com/office/drawing/2010/main" w="9525">
+              <a14:hiddenLine xmlns:a14="http://schemas.microsoft.com/office/drawing/2010/main" xmlns="" w="9525">
                 <a:solidFill>
                   <a:schemeClr val="tx1"/>
                 </a:solidFill>
@@ -6725,7 +6725,7 @@
           <a:blip r:embed="rId8" cstate="print">
             <a:extLst>
               <a:ext uri="{28A0092B-C50C-407E-A947-70E740481C1C}">
-                <a14:useLocalDpi xmlns:a14="http://schemas.microsoft.com/office/drawing/2010/main" val="0"/>
+                <a14:useLocalDpi xmlns:a14="http://schemas.microsoft.com/office/drawing/2010/main" xmlns="" val="0"/>
               </a:ext>
             </a:extLst>
           </a:blip>
@@ -6748,14 +6748,14 @@
           </a:ln>
           <a:extLst>
             <a:ext uri="{909E8E84-426E-40DD-AFC4-6F175D3DCCD1}">
-              <a14:hiddenFill xmlns:a14="http://schemas.microsoft.com/office/drawing/2010/main">
+              <a14:hiddenFill xmlns:a14="http://schemas.microsoft.com/office/drawing/2010/main" xmlns="">
                 <a:solidFill>
                   <a:schemeClr val="accent1"/>
                 </a:solidFill>
               </a14:hiddenFill>
             </a:ext>
             <a:ext uri="{91240B29-F687-4F45-9708-019B960494DF}">
-              <a14:hiddenLine xmlns:a14="http://schemas.microsoft.com/office/drawing/2010/main" w="9525">
+              <a14:hiddenLine xmlns:a14="http://schemas.microsoft.com/office/drawing/2010/main" xmlns="" w="9525">
                 <a:solidFill>
                   <a:schemeClr val="tx1"/>
                 </a:solidFill>
@@ -6779,7 +6779,7 @@
           <a:blip r:embed="rId9" cstate="print">
             <a:extLst>
               <a:ext uri="{28A0092B-C50C-407E-A947-70E740481C1C}">
-                <a14:useLocalDpi xmlns:a14="http://schemas.microsoft.com/office/drawing/2010/main" val="0"/>
+                <a14:useLocalDpi xmlns:a14="http://schemas.microsoft.com/office/drawing/2010/main" xmlns="" val="0"/>
               </a:ext>
             </a:extLst>
           </a:blip>
@@ -6802,14 +6802,14 @@
           </a:ln>
           <a:extLst>
             <a:ext uri="{909E8E84-426E-40DD-AFC4-6F175D3DCCD1}">
-              <a14:hiddenFill xmlns:a14="http://schemas.microsoft.com/office/drawing/2010/main">
+              <a14:hiddenFill xmlns:a14="http://schemas.microsoft.com/office/drawing/2010/main" xmlns="">
                 <a:solidFill>
                   <a:schemeClr val="accent1"/>
                 </a:solidFill>
               </a14:hiddenFill>
             </a:ext>
             <a:ext uri="{91240B29-F687-4F45-9708-019B960494DF}">
-              <a14:hiddenLine xmlns:a14="http://schemas.microsoft.com/office/drawing/2010/main" w="9525">
+              <a14:hiddenLine xmlns:a14="http://schemas.microsoft.com/office/drawing/2010/main" xmlns="" w="9525">
                 <a:solidFill>
                   <a:schemeClr val="tx1"/>
                 </a:solidFill>
@@ -6824,7 +6824,7 @@
     </p:spTree>
     <p:extLst>
       <p:ext uri="{BB962C8B-B14F-4D97-AF65-F5344CB8AC3E}">
-        <p14:creationId xmlns:p14="http://schemas.microsoft.com/office/powerpoint/2010/main" val="729488776"/>
+        <p14:creationId xmlns:p14="http://schemas.microsoft.com/office/powerpoint/2010/main" xmlns="" val="729488776"/>
       </p:ext>
     </p:extLst>
   </p:cSld>
@@ -7061,7 +7061,7 @@
           <a:blip r:embed="rId3" cstate="print">
             <a:extLst>
               <a:ext uri="{28A0092B-C50C-407E-A947-70E740481C1C}">
-                <a14:useLocalDpi xmlns:a14="http://schemas.microsoft.com/office/drawing/2010/main" val="0"/>
+                <a14:useLocalDpi xmlns:a14="http://schemas.microsoft.com/office/drawing/2010/main" xmlns="" val="0"/>
               </a:ext>
             </a:extLst>
           </a:blip>
@@ -7084,14 +7084,14 @@
           </a:ln>
           <a:extLst>
             <a:ext uri="{909E8E84-426E-40DD-AFC4-6F175D3DCCD1}">
-              <a14:hiddenFill xmlns:a14="http://schemas.microsoft.com/office/drawing/2010/main">
+              <a14:hiddenFill xmlns:a14="http://schemas.microsoft.com/office/drawing/2010/main" xmlns="">
                 <a:solidFill>
                   <a:schemeClr val="accent1"/>
                 </a:solidFill>
               </a14:hiddenFill>
             </a:ext>
             <a:ext uri="{91240B29-F687-4F45-9708-019B960494DF}">
-              <a14:hiddenLine xmlns:a14="http://schemas.microsoft.com/office/drawing/2010/main" w="9525">
+              <a14:hiddenLine xmlns:a14="http://schemas.microsoft.com/office/drawing/2010/main" xmlns="" w="9525">
                 <a:solidFill>
                   <a:schemeClr val="tx1"/>
                 </a:solidFill>
@@ -7115,7 +7115,7 @@
           <a:blip r:embed="rId4" cstate="print">
             <a:extLst>
               <a:ext uri="{28A0092B-C50C-407E-A947-70E740481C1C}">
-                <a14:useLocalDpi xmlns:a14="http://schemas.microsoft.com/office/drawing/2010/main" val="0"/>
+                <a14:useLocalDpi xmlns:a14="http://schemas.microsoft.com/office/drawing/2010/main" xmlns="" val="0"/>
               </a:ext>
             </a:extLst>
           </a:blip>
@@ -7138,14 +7138,14 @@
           </a:ln>
           <a:extLst>
             <a:ext uri="{909E8E84-426E-40DD-AFC4-6F175D3DCCD1}">
-              <a14:hiddenFill xmlns:a14="http://schemas.microsoft.com/office/drawing/2010/main">
+              <a14:hiddenFill xmlns:a14="http://schemas.microsoft.com/office/drawing/2010/main" xmlns="">
                 <a:solidFill>
                   <a:schemeClr val="accent1"/>
                 </a:solidFill>
               </a14:hiddenFill>
             </a:ext>
             <a:ext uri="{91240B29-F687-4F45-9708-019B960494DF}">
-              <a14:hiddenLine xmlns:a14="http://schemas.microsoft.com/office/drawing/2010/main" w="9525">
+              <a14:hiddenLine xmlns:a14="http://schemas.microsoft.com/office/drawing/2010/main" xmlns="" w="9525">
                 <a:solidFill>
                   <a:schemeClr val="tx1"/>
                 </a:solidFill>
@@ -7169,7 +7169,7 @@
           <a:blip r:embed="rId5" cstate="print">
             <a:extLst>
               <a:ext uri="{28A0092B-C50C-407E-A947-70E740481C1C}">
-                <a14:useLocalDpi xmlns:a14="http://schemas.microsoft.com/office/drawing/2010/main" val="0"/>
+                <a14:useLocalDpi xmlns:a14="http://schemas.microsoft.com/office/drawing/2010/main" xmlns="" val="0"/>
               </a:ext>
             </a:extLst>
           </a:blip>
@@ -7192,14 +7192,14 @@
           </a:ln>
           <a:extLst>
             <a:ext uri="{909E8E84-426E-40DD-AFC4-6F175D3DCCD1}">
-              <a14:hiddenFill xmlns:a14="http://schemas.microsoft.com/office/drawing/2010/main">
+              <a14:hiddenFill xmlns:a14="http://schemas.microsoft.com/office/drawing/2010/main" xmlns="">
                 <a:solidFill>
                   <a:schemeClr val="accent1"/>
                 </a:solidFill>
               </a14:hiddenFill>
             </a:ext>
             <a:ext uri="{91240B29-F687-4F45-9708-019B960494DF}">
-              <a14:hiddenLine xmlns:a14="http://schemas.microsoft.com/office/drawing/2010/main" w="9525">
+              <a14:hiddenLine xmlns:a14="http://schemas.microsoft.com/office/drawing/2010/main" xmlns="" w="9525">
                 <a:solidFill>
                   <a:schemeClr val="tx1"/>
                 </a:solidFill>
@@ -7909,10 +7909,10 @@
           <p:nvPr/>
         </p:nvPicPr>
         <p:blipFill>
-          <a:blip r:embed="rId6">
+          <a:blip r:embed="rId6" cstate="print">
             <a:extLst>
               <a:ext uri="{28A0092B-C50C-407E-A947-70E740481C1C}">
-                <a14:useLocalDpi xmlns:a14="http://schemas.microsoft.com/office/drawing/2010/main" val="0"/>
+                <a14:useLocalDpi xmlns:a14="http://schemas.microsoft.com/office/drawing/2010/main" xmlns="" val="0"/>
               </a:ext>
             </a:extLst>
           </a:blip>
@@ -7935,14 +7935,14 @@
           </a:ln>
           <a:extLst>
             <a:ext uri="{909E8E84-426E-40DD-AFC4-6F175D3DCCD1}">
-              <a14:hiddenFill xmlns:a14="http://schemas.microsoft.com/office/drawing/2010/main">
+              <a14:hiddenFill xmlns:a14="http://schemas.microsoft.com/office/drawing/2010/main" xmlns="">
                 <a:solidFill>
                   <a:schemeClr val="accent1"/>
                 </a:solidFill>
               </a14:hiddenFill>
             </a:ext>
             <a:ext uri="{91240B29-F687-4F45-9708-019B960494DF}">
-              <a14:hiddenLine xmlns:a14="http://schemas.microsoft.com/office/drawing/2010/main" w="9525">
+              <a14:hiddenLine xmlns:a14="http://schemas.microsoft.com/office/drawing/2010/main" xmlns="" w="9525">
                 <a:solidFill>
                   <a:schemeClr val="tx1"/>
                 </a:solidFill>
@@ -7957,18 +7957,18 @@
     </p:spTree>
     <p:extLst>
       <p:ext uri="{BB962C8B-B14F-4D97-AF65-F5344CB8AC3E}">
-        <p14:creationId xmlns:p14="http://schemas.microsoft.com/office/powerpoint/2010/main" val="2915125699"/>
+        <p14:creationId xmlns:p14="http://schemas.microsoft.com/office/powerpoint/2010/main" xmlns="" val="2915125699"/>
       </p:ext>
     </p:extLst>
   </p:cSld>
   <p:clrMapOvr>
     <a:masterClrMapping/>
   </p:clrMapOvr>
-  <mc:AlternateContent xmlns:mc="http://schemas.openxmlformats.org/markup-compatibility/2006" xmlns:p14="http://schemas.microsoft.com/office/powerpoint/2010/main">
-    <mc:Choice Requires="p14">
+  <mc:AlternateContent xmlns:mc="http://schemas.openxmlformats.org/markup-compatibility/2006">
+    <mc:Choice xmlns:p14="http://schemas.microsoft.com/office/powerpoint/2010/main" xmlns="" Requires="p14">
       <p:transition spd="slow" p14:dur="2000"/>
     </mc:Choice>
-    <mc:Fallback xmlns="">
+    <mc:Fallback>
       <p:transition spd="slow"/>
     </mc:Fallback>
   </mc:AlternateContent>
@@ -8421,10 +8421,10 @@
           <p:nvPr/>
         </p:nvPicPr>
         <p:blipFill>
-          <a:blip r:embed="rId3">
+          <a:blip r:embed="rId3" cstate="print">
             <a:extLst>
               <a:ext uri="{28A0092B-C50C-407E-A947-70E740481C1C}">
-                <a14:useLocalDpi xmlns:a14="http://schemas.microsoft.com/office/drawing/2010/main" val="0"/>
+                <a14:useLocalDpi xmlns:a14="http://schemas.microsoft.com/office/drawing/2010/main" xmlns="" val="0"/>
               </a:ext>
             </a:extLst>
           </a:blip>
@@ -8447,14 +8447,14 @@
           </a:ln>
           <a:extLst>
             <a:ext uri="{909E8E84-426E-40DD-AFC4-6F175D3DCCD1}">
-              <a14:hiddenFill xmlns:a14="http://schemas.microsoft.com/office/drawing/2010/main">
+              <a14:hiddenFill xmlns:a14="http://schemas.microsoft.com/office/drawing/2010/main" xmlns="">
                 <a:solidFill>
                   <a:schemeClr val="accent1"/>
                 </a:solidFill>
               </a14:hiddenFill>
             </a:ext>
             <a:ext uri="{91240B29-F687-4F45-9708-019B960494DF}">
-              <a14:hiddenLine xmlns:a14="http://schemas.microsoft.com/office/drawing/2010/main" w="9525">
+              <a14:hiddenLine xmlns:a14="http://schemas.microsoft.com/office/drawing/2010/main" xmlns="" w="9525">
                 <a:solidFill>
                   <a:schemeClr val="tx1"/>
                 </a:solidFill>
@@ -8478,7 +8478,7 @@
           <a:blip r:embed="rId4" cstate="print">
             <a:extLst>
               <a:ext uri="{28A0092B-C50C-407E-A947-70E740481C1C}">
-                <a14:useLocalDpi xmlns:a14="http://schemas.microsoft.com/office/drawing/2010/main" val="0"/>
+                <a14:useLocalDpi xmlns:a14="http://schemas.microsoft.com/office/drawing/2010/main" xmlns="" val="0"/>
               </a:ext>
             </a:extLst>
           </a:blip>
@@ -8501,14 +8501,14 @@
           </a:ln>
           <a:extLst>
             <a:ext uri="{909E8E84-426E-40DD-AFC4-6F175D3DCCD1}">
-              <a14:hiddenFill xmlns:a14="http://schemas.microsoft.com/office/drawing/2010/main">
+              <a14:hiddenFill xmlns:a14="http://schemas.microsoft.com/office/drawing/2010/main" xmlns="">
                 <a:solidFill>
                   <a:schemeClr val="accent1"/>
                 </a:solidFill>
               </a14:hiddenFill>
             </a:ext>
             <a:ext uri="{91240B29-F687-4F45-9708-019B960494DF}">
-              <a14:hiddenLine xmlns:a14="http://schemas.microsoft.com/office/drawing/2010/main" w="9525">
+              <a14:hiddenLine xmlns:a14="http://schemas.microsoft.com/office/drawing/2010/main" xmlns="" w="9525">
                 <a:solidFill>
                   <a:schemeClr val="tx1"/>
                 </a:solidFill>
@@ -8607,10 +8607,10 @@
           <p:nvPr/>
         </p:nvPicPr>
         <p:blipFill>
-          <a:blip r:embed="rId5">
+          <a:blip r:embed="rId5" cstate="print">
             <a:extLst>
               <a:ext uri="{28A0092B-C50C-407E-A947-70E740481C1C}">
-                <a14:useLocalDpi xmlns:a14="http://schemas.microsoft.com/office/drawing/2010/main" val="0"/>
+                <a14:useLocalDpi xmlns:a14="http://schemas.microsoft.com/office/drawing/2010/main" xmlns="" val="0"/>
               </a:ext>
             </a:extLst>
           </a:blip>
@@ -8633,14 +8633,14 @@
           </a:ln>
           <a:extLst>
             <a:ext uri="{909E8E84-426E-40DD-AFC4-6F175D3DCCD1}">
-              <a14:hiddenFill xmlns:a14="http://schemas.microsoft.com/office/drawing/2010/main">
+              <a14:hiddenFill xmlns:a14="http://schemas.microsoft.com/office/drawing/2010/main" xmlns="">
                 <a:solidFill>
                   <a:schemeClr val="accent1"/>
                 </a:solidFill>
               </a14:hiddenFill>
             </a:ext>
             <a:ext uri="{91240B29-F687-4F45-9708-019B960494DF}">
-              <a14:hiddenLine xmlns:a14="http://schemas.microsoft.com/office/drawing/2010/main" w="9525">
+              <a14:hiddenLine xmlns:a14="http://schemas.microsoft.com/office/drawing/2010/main" xmlns="" w="9525">
                 <a:solidFill>
                   <a:schemeClr val="tx1"/>
                 </a:solidFill>
@@ -8664,7 +8664,7 @@
           <a:blip r:embed="rId6" cstate="print">
             <a:extLst>
               <a:ext uri="{28A0092B-C50C-407E-A947-70E740481C1C}">
-                <a14:useLocalDpi xmlns:a14="http://schemas.microsoft.com/office/drawing/2010/main" val="0"/>
+                <a14:useLocalDpi xmlns:a14="http://schemas.microsoft.com/office/drawing/2010/main" xmlns="" val="0"/>
               </a:ext>
             </a:extLst>
           </a:blip>
@@ -8687,14 +8687,14 @@
           </a:ln>
           <a:extLst>
             <a:ext uri="{909E8E84-426E-40DD-AFC4-6F175D3DCCD1}">
-              <a14:hiddenFill xmlns:a14="http://schemas.microsoft.com/office/drawing/2010/main">
+              <a14:hiddenFill xmlns:a14="http://schemas.microsoft.com/office/drawing/2010/main" xmlns="">
                 <a:solidFill>
                   <a:schemeClr val="accent1"/>
                 </a:solidFill>
               </a14:hiddenFill>
             </a:ext>
             <a:ext uri="{91240B29-F687-4F45-9708-019B960494DF}">
-              <a14:hiddenLine xmlns:a14="http://schemas.microsoft.com/office/drawing/2010/main" w="9525">
+              <a14:hiddenLine xmlns:a14="http://schemas.microsoft.com/office/drawing/2010/main" xmlns="" w="9525">
                 <a:solidFill>
                   <a:schemeClr val="tx1"/>
                 </a:solidFill>
@@ -8886,7 +8886,7 @@
           <a:blip r:embed="rId7" cstate="print">
             <a:extLst>
               <a:ext uri="{28A0092B-C50C-407E-A947-70E740481C1C}">
-                <a14:useLocalDpi xmlns:a14="http://schemas.microsoft.com/office/drawing/2010/main" val="0"/>
+                <a14:useLocalDpi xmlns:a14="http://schemas.microsoft.com/office/drawing/2010/main" xmlns="" val="0"/>
               </a:ext>
             </a:extLst>
           </a:blip>
@@ -8909,14 +8909,14 @@
           </a:ln>
           <a:extLst>
             <a:ext uri="{909E8E84-426E-40DD-AFC4-6F175D3DCCD1}">
-              <a14:hiddenFill xmlns:a14="http://schemas.microsoft.com/office/drawing/2010/main">
+              <a14:hiddenFill xmlns:a14="http://schemas.microsoft.com/office/drawing/2010/main" xmlns="">
                 <a:solidFill>
                   <a:schemeClr val="accent1"/>
                 </a:solidFill>
               </a14:hiddenFill>
             </a:ext>
             <a:ext uri="{91240B29-F687-4F45-9708-019B960494DF}">
-              <a14:hiddenLine xmlns:a14="http://schemas.microsoft.com/office/drawing/2010/main" w="9525">
+              <a14:hiddenLine xmlns:a14="http://schemas.microsoft.com/office/drawing/2010/main" xmlns="" w="9525">
                 <a:solidFill>
                   <a:schemeClr val="tx1"/>
                 </a:solidFill>
@@ -8940,7 +8940,7 @@
           <a:blip r:embed="rId8" cstate="print">
             <a:extLst>
               <a:ext uri="{28A0092B-C50C-407E-A947-70E740481C1C}">
-                <a14:useLocalDpi xmlns:a14="http://schemas.microsoft.com/office/drawing/2010/main" val="0"/>
+                <a14:useLocalDpi xmlns:a14="http://schemas.microsoft.com/office/drawing/2010/main" xmlns="" val="0"/>
               </a:ext>
             </a:extLst>
           </a:blip>
@@ -8964,14 +8964,14 @@
           <a:effectLst/>
           <a:extLst>
             <a:ext uri="{909E8E84-426E-40DD-AFC4-6F175D3DCCD1}">
-              <a14:hiddenFill xmlns:a14="http://schemas.microsoft.com/office/drawing/2010/main">
+              <a14:hiddenFill xmlns:a14="http://schemas.microsoft.com/office/drawing/2010/main" xmlns="">
                 <a:solidFill>
                   <a:schemeClr val="accent1"/>
                 </a:solidFill>
               </a14:hiddenFill>
             </a:ext>
             <a:ext uri="{91240B29-F687-4F45-9708-019B960494DF}">
-              <a14:hiddenLine xmlns:a14="http://schemas.microsoft.com/office/drawing/2010/main" w="9525">
+              <a14:hiddenLine xmlns:a14="http://schemas.microsoft.com/office/drawing/2010/main" xmlns="" w="9525">
                 <a:solidFill>
                   <a:schemeClr val="tx1"/>
                 </a:solidFill>
@@ -8981,7 +8981,7 @@
               </a14:hiddenLine>
             </a:ext>
             <a:ext uri="{AF507438-7753-43E0-B8FC-AC1667EBCBE1}">
-              <a14:hiddenEffects xmlns:a14="http://schemas.microsoft.com/office/drawing/2010/main">
+              <a14:hiddenEffects xmlns:a14="http://schemas.microsoft.com/office/drawing/2010/main" xmlns="">
                 <a:effectLst>
                   <a:outerShdw dist="35921" dir="2700000" algn="ctr" rotWithShape="0">
                     <a:schemeClr val="bg2"/>
@@ -8995,18 +8995,18 @@
     </p:spTree>
     <p:extLst>
       <p:ext uri="{BB962C8B-B14F-4D97-AF65-F5344CB8AC3E}">
-        <p14:creationId xmlns:p14="http://schemas.microsoft.com/office/powerpoint/2010/main" val="1082728236"/>
+        <p14:creationId xmlns:p14="http://schemas.microsoft.com/office/powerpoint/2010/main" xmlns="" val="1082728236"/>
       </p:ext>
     </p:extLst>
   </p:cSld>
   <p:clrMapOvr>
     <a:masterClrMapping/>
   </p:clrMapOvr>
-  <mc:AlternateContent xmlns:mc="http://schemas.openxmlformats.org/markup-compatibility/2006" xmlns:p14="http://schemas.microsoft.com/office/powerpoint/2010/main">
-    <mc:Choice Requires="p14">
+  <mc:AlternateContent xmlns:mc="http://schemas.openxmlformats.org/markup-compatibility/2006">
+    <mc:Choice xmlns:p14="http://schemas.microsoft.com/office/powerpoint/2010/main" xmlns="" Requires="p14">
       <p:transition spd="slow" p14:dur="2000"/>
     </mc:Choice>
-    <mc:Fallback xmlns="">
+    <mc:Fallback>
       <p:transition spd="slow"/>
     </mc:Fallback>
   </mc:AlternateContent>
@@ -9595,11 +9595,7 @@
             </a:pPr>
             <a:r>
               <a:rPr lang="de-DE" sz="3200" smtClean="0"/>
-              <a:t>Approximiere </a:t>
-            </a:r>
-            <a:r>
-              <a:rPr lang="de-DE" sz="3200" smtClean="0"/>
-              <a:t>Lösung               einer pDGL durch       auf endlichdimensionalem Funktionenraum</a:t>
+              <a:t>Approximiere Lösung               einer pDGL durch       auf endlichdimensionalem Funktionenraum</a:t>
             </a:r>
           </a:p>
         </p:txBody>
@@ -9613,10 +9609,10 @@
           <p:nvPr/>
         </p:nvPicPr>
         <p:blipFill>
-          <a:blip r:embed="rId3">
+          <a:blip r:embed="rId3" cstate="print">
             <a:extLst>
               <a:ext uri="{28A0092B-C50C-407E-A947-70E740481C1C}">
-                <a14:useLocalDpi xmlns:a14="http://schemas.microsoft.com/office/drawing/2010/main" val="0"/>
+                <a14:useLocalDpi xmlns:a14="http://schemas.microsoft.com/office/drawing/2010/main" xmlns="" val="0"/>
               </a:ext>
             </a:extLst>
           </a:blip>
@@ -9639,14 +9635,14 @@
           </a:ln>
           <a:extLst>
             <a:ext uri="{909E8E84-426E-40DD-AFC4-6F175D3DCCD1}">
-              <a14:hiddenFill xmlns:a14="http://schemas.microsoft.com/office/drawing/2010/main">
+              <a14:hiddenFill xmlns:a14="http://schemas.microsoft.com/office/drawing/2010/main" xmlns="">
                 <a:solidFill>
                   <a:schemeClr val="accent1"/>
                 </a:solidFill>
               </a14:hiddenFill>
             </a:ext>
             <a:ext uri="{91240B29-F687-4F45-9708-019B960494DF}">
-              <a14:hiddenLine xmlns:a14="http://schemas.microsoft.com/office/drawing/2010/main" w="9525">
+              <a14:hiddenLine xmlns:a14="http://schemas.microsoft.com/office/drawing/2010/main" xmlns="" w="9525">
                 <a:solidFill>
                   <a:schemeClr val="tx1"/>
                 </a:solidFill>
@@ -9667,10 +9663,10 @@
           <p:nvPr/>
         </p:nvPicPr>
         <p:blipFill>
-          <a:blip r:embed="rId4">
+          <a:blip r:embed="rId4" cstate="print">
             <a:extLst>
               <a:ext uri="{28A0092B-C50C-407E-A947-70E740481C1C}">
-                <a14:useLocalDpi xmlns:a14="http://schemas.microsoft.com/office/drawing/2010/main" val="0"/>
+                <a14:useLocalDpi xmlns:a14="http://schemas.microsoft.com/office/drawing/2010/main" xmlns="" val="0"/>
               </a:ext>
             </a:extLst>
           </a:blip>
@@ -9693,14 +9689,14 @@
           </a:ln>
           <a:extLst>
             <a:ext uri="{909E8E84-426E-40DD-AFC4-6F175D3DCCD1}">
-              <a14:hiddenFill xmlns:a14="http://schemas.microsoft.com/office/drawing/2010/main">
+              <a14:hiddenFill xmlns:a14="http://schemas.microsoft.com/office/drawing/2010/main" xmlns="">
                 <a:solidFill>
                   <a:schemeClr val="accent1"/>
                 </a:solidFill>
               </a14:hiddenFill>
             </a:ext>
             <a:ext uri="{91240B29-F687-4F45-9708-019B960494DF}">
-              <a14:hiddenLine xmlns:a14="http://schemas.microsoft.com/office/drawing/2010/main" w="9525">
+              <a14:hiddenLine xmlns:a14="http://schemas.microsoft.com/office/drawing/2010/main" xmlns="" w="9525">
                 <a:solidFill>
                   <a:schemeClr val="tx1"/>
                 </a:solidFill>
@@ -9724,7 +9720,7 @@
           <a:blip r:embed="rId5" cstate="print">
             <a:extLst>
               <a:ext uri="{28A0092B-C50C-407E-A947-70E740481C1C}">
-                <a14:useLocalDpi xmlns:a14="http://schemas.microsoft.com/office/drawing/2010/main" val="0"/>
+                <a14:useLocalDpi xmlns:a14="http://schemas.microsoft.com/office/drawing/2010/main" xmlns="" val="0"/>
               </a:ext>
             </a:extLst>
           </a:blip>
@@ -9747,14 +9743,14 @@
           </a:ln>
           <a:extLst>
             <a:ext uri="{909E8E84-426E-40DD-AFC4-6F175D3DCCD1}">
-              <a14:hiddenFill xmlns:a14="http://schemas.microsoft.com/office/drawing/2010/main">
+              <a14:hiddenFill xmlns:a14="http://schemas.microsoft.com/office/drawing/2010/main" xmlns="">
                 <a:solidFill>
                   <a:schemeClr val="accent1"/>
                 </a:solidFill>
               </a14:hiddenFill>
             </a:ext>
             <a:ext uri="{91240B29-F687-4F45-9708-019B960494DF}">
-              <a14:hiddenLine xmlns:a14="http://schemas.microsoft.com/office/drawing/2010/main" w="9525">
+              <a14:hiddenLine xmlns:a14="http://schemas.microsoft.com/office/drawing/2010/main" xmlns="" w="9525">
                 <a:solidFill>
                   <a:schemeClr val="tx1"/>
                 </a:solidFill>
@@ -9769,18 +9765,18 @@
     </p:spTree>
     <p:extLst>
       <p:ext uri="{BB962C8B-B14F-4D97-AF65-F5344CB8AC3E}">
-        <p14:creationId xmlns:p14="http://schemas.microsoft.com/office/powerpoint/2010/main" val="2710702658"/>
+        <p14:creationId xmlns:p14="http://schemas.microsoft.com/office/powerpoint/2010/main" xmlns="" val="2710702658"/>
       </p:ext>
     </p:extLst>
   </p:cSld>
   <p:clrMapOvr>
     <a:masterClrMapping/>
   </p:clrMapOvr>
-  <mc:AlternateContent xmlns:mc="http://schemas.openxmlformats.org/markup-compatibility/2006" xmlns:p14="http://schemas.microsoft.com/office/powerpoint/2010/main">
-    <mc:Choice Requires="p14">
+  <mc:AlternateContent xmlns:mc="http://schemas.openxmlformats.org/markup-compatibility/2006">
+    <mc:Choice xmlns:p14="http://schemas.microsoft.com/office/powerpoint/2010/main" xmlns="" Requires="p14">
       <p:transition spd="slow" p14:dur="2000"/>
     </mc:Choice>
-    <mc:Fallback xmlns="">
+    <mc:Fallback>
       <p:transition spd="slow"/>
     </mc:Fallback>
   </mc:AlternateContent>
@@ -10085,7 +10081,6 @@
               <a:rPr lang="de-DE" smtClean="0"/>
               <a:t>Schwache Formulierung: Finde           ,  , sodass</a:t>
             </a:r>
-            <a:endParaRPr lang="de-DE" smtClean="0"/>
           </a:p>
         </p:txBody>
       </p:sp>
@@ -10219,10 +10214,10 @@
           <p:nvPr/>
         </p:nvPicPr>
         <p:blipFill>
-          <a:blip r:embed="rId3">
+          <a:blip r:embed="rId3" cstate="print">
             <a:extLst>
               <a:ext uri="{28A0092B-C50C-407E-A947-70E740481C1C}">
-                <a14:useLocalDpi xmlns:a14="http://schemas.microsoft.com/office/drawing/2010/main" val="0"/>
+                <a14:useLocalDpi xmlns:a14="http://schemas.microsoft.com/office/drawing/2010/main" xmlns="" val="0"/>
               </a:ext>
             </a:extLst>
           </a:blip>
@@ -10245,14 +10240,14 @@
           </a:ln>
           <a:extLst>
             <a:ext uri="{909E8E84-426E-40DD-AFC4-6F175D3DCCD1}">
-              <a14:hiddenFill xmlns:a14="http://schemas.microsoft.com/office/drawing/2010/main">
+              <a14:hiddenFill xmlns:a14="http://schemas.microsoft.com/office/drawing/2010/main" xmlns="">
                 <a:solidFill>
                   <a:schemeClr val="accent1"/>
                 </a:solidFill>
               </a14:hiddenFill>
             </a:ext>
             <a:ext uri="{91240B29-F687-4F45-9708-019B960494DF}">
-              <a14:hiddenLine xmlns:a14="http://schemas.microsoft.com/office/drawing/2010/main" w="9525">
+              <a14:hiddenLine xmlns:a14="http://schemas.microsoft.com/office/drawing/2010/main" xmlns="" w="9525">
                 <a:solidFill>
                   <a:schemeClr val="tx1"/>
                 </a:solidFill>
@@ -10273,10 +10268,10 @@
           <p:nvPr/>
         </p:nvPicPr>
         <p:blipFill>
-          <a:blip r:embed="rId4">
+          <a:blip r:embed="rId4" cstate="print">
             <a:extLst>
               <a:ext uri="{28A0092B-C50C-407E-A947-70E740481C1C}">
-                <a14:useLocalDpi xmlns:a14="http://schemas.microsoft.com/office/drawing/2010/main" val="0"/>
+                <a14:useLocalDpi xmlns:a14="http://schemas.microsoft.com/office/drawing/2010/main" xmlns="" val="0"/>
               </a:ext>
             </a:extLst>
           </a:blip>
@@ -10299,14 +10294,14 @@
           </a:ln>
           <a:extLst>
             <a:ext uri="{909E8E84-426E-40DD-AFC4-6F175D3DCCD1}">
-              <a14:hiddenFill xmlns:a14="http://schemas.microsoft.com/office/drawing/2010/main">
+              <a14:hiddenFill xmlns:a14="http://schemas.microsoft.com/office/drawing/2010/main" xmlns="">
                 <a:solidFill>
                   <a:schemeClr val="accent1"/>
                 </a:solidFill>
               </a14:hiddenFill>
             </a:ext>
             <a:ext uri="{91240B29-F687-4F45-9708-019B960494DF}">
-              <a14:hiddenLine xmlns:a14="http://schemas.microsoft.com/office/drawing/2010/main" w="9525">
+              <a14:hiddenLine xmlns:a14="http://schemas.microsoft.com/office/drawing/2010/main" xmlns="" w="9525">
                 <a:solidFill>
                   <a:schemeClr val="tx1"/>
                 </a:solidFill>
@@ -10327,10 +10322,10 @@
           <p:nvPr/>
         </p:nvPicPr>
         <p:blipFill>
-          <a:blip r:embed="rId5">
+          <a:blip r:embed="rId5" cstate="print">
             <a:extLst>
               <a:ext uri="{28A0092B-C50C-407E-A947-70E740481C1C}">
-                <a14:useLocalDpi xmlns:a14="http://schemas.microsoft.com/office/drawing/2010/main" val="0"/>
+                <a14:useLocalDpi xmlns:a14="http://schemas.microsoft.com/office/drawing/2010/main" xmlns="" val="0"/>
               </a:ext>
             </a:extLst>
           </a:blip>
@@ -10353,14 +10348,14 @@
           </a:ln>
           <a:extLst>
             <a:ext uri="{909E8E84-426E-40DD-AFC4-6F175D3DCCD1}">
-              <a14:hiddenFill xmlns:a14="http://schemas.microsoft.com/office/drawing/2010/main">
+              <a14:hiddenFill xmlns:a14="http://schemas.microsoft.com/office/drawing/2010/main" xmlns="">
                 <a:solidFill>
                   <a:schemeClr val="accent1"/>
                 </a:solidFill>
               </a14:hiddenFill>
             </a:ext>
             <a:ext uri="{91240B29-F687-4F45-9708-019B960494DF}">
-              <a14:hiddenLine xmlns:a14="http://schemas.microsoft.com/office/drawing/2010/main" w="9525">
+              <a14:hiddenLine xmlns:a14="http://schemas.microsoft.com/office/drawing/2010/main" xmlns="" w="9525">
                 <a:solidFill>
                   <a:schemeClr val="tx1"/>
                 </a:solidFill>
@@ -10384,7 +10379,7 @@
           <a:blip r:embed="rId6" cstate="print">
             <a:extLst>
               <a:ext uri="{28A0092B-C50C-407E-A947-70E740481C1C}">
-                <a14:useLocalDpi xmlns:a14="http://schemas.microsoft.com/office/drawing/2010/main" val="0"/>
+                <a14:useLocalDpi xmlns:a14="http://schemas.microsoft.com/office/drawing/2010/main" xmlns="" val="0"/>
               </a:ext>
             </a:extLst>
           </a:blip>
@@ -10407,14 +10402,14 @@
           </a:ln>
           <a:extLst>
             <a:ext uri="{909E8E84-426E-40DD-AFC4-6F175D3DCCD1}">
-              <a14:hiddenFill xmlns:a14="http://schemas.microsoft.com/office/drawing/2010/main">
+              <a14:hiddenFill xmlns:a14="http://schemas.microsoft.com/office/drawing/2010/main" xmlns="">
                 <a:solidFill>
                   <a:schemeClr val="accent1"/>
                 </a:solidFill>
               </a14:hiddenFill>
             </a:ext>
             <a:ext uri="{91240B29-F687-4F45-9708-019B960494DF}">
-              <a14:hiddenLine xmlns:a14="http://schemas.microsoft.com/office/drawing/2010/main" w="9525">
+              <a14:hiddenLine xmlns:a14="http://schemas.microsoft.com/office/drawing/2010/main" xmlns="" w="9525">
                 <a:solidFill>
                   <a:schemeClr val="tx1"/>
                 </a:solidFill>
@@ -10438,7 +10433,7 @@
           <a:blip r:embed="rId7" cstate="print">
             <a:extLst>
               <a:ext uri="{28A0092B-C50C-407E-A947-70E740481C1C}">
-                <a14:useLocalDpi xmlns:a14="http://schemas.microsoft.com/office/drawing/2010/main" val="0"/>
+                <a14:useLocalDpi xmlns:a14="http://schemas.microsoft.com/office/drawing/2010/main" xmlns="" val="0"/>
               </a:ext>
             </a:extLst>
           </a:blip>
@@ -10461,14 +10456,14 @@
           </a:ln>
           <a:extLst>
             <a:ext uri="{909E8E84-426E-40DD-AFC4-6F175D3DCCD1}">
-              <a14:hiddenFill xmlns:a14="http://schemas.microsoft.com/office/drawing/2010/main">
+              <a14:hiddenFill xmlns:a14="http://schemas.microsoft.com/office/drawing/2010/main" xmlns="">
                 <a:solidFill>
                   <a:schemeClr val="accent1"/>
                 </a:solidFill>
               </a14:hiddenFill>
             </a:ext>
             <a:ext uri="{91240B29-F687-4F45-9708-019B960494DF}">
-              <a14:hiddenLine xmlns:a14="http://schemas.microsoft.com/office/drawing/2010/main" w="9525">
+              <a14:hiddenLine xmlns:a14="http://schemas.microsoft.com/office/drawing/2010/main" xmlns="" w="9525">
                 <a:solidFill>
                   <a:schemeClr val="tx1"/>
                 </a:solidFill>
@@ -10525,10 +10520,10 @@
           <p:nvPr/>
         </p:nvPicPr>
         <p:blipFill>
-          <a:blip r:embed="rId8">
+          <a:blip r:embed="rId8" cstate="print">
             <a:extLst>
               <a:ext uri="{28A0092B-C50C-407E-A947-70E740481C1C}">
-                <a14:useLocalDpi xmlns:a14="http://schemas.microsoft.com/office/drawing/2010/main" val="0"/>
+                <a14:useLocalDpi xmlns:a14="http://schemas.microsoft.com/office/drawing/2010/main" xmlns="" val="0"/>
               </a:ext>
             </a:extLst>
           </a:blip>
@@ -10551,14 +10546,14 @@
           </a:ln>
           <a:extLst>
             <a:ext uri="{909E8E84-426E-40DD-AFC4-6F175D3DCCD1}">
-              <a14:hiddenFill xmlns:a14="http://schemas.microsoft.com/office/drawing/2010/main">
+              <a14:hiddenFill xmlns:a14="http://schemas.microsoft.com/office/drawing/2010/main" xmlns="">
                 <a:solidFill>
                   <a:schemeClr val="accent1"/>
                 </a:solidFill>
               </a14:hiddenFill>
             </a:ext>
             <a:ext uri="{91240B29-F687-4F45-9708-019B960494DF}">
-              <a14:hiddenLine xmlns:a14="http://schemas.microsoft.com/office/drawing/2010/main" w="9525">
+              <a14:hiddenLine xmlns:a14="http://schemas.microsoft.com/office/drawing/2010/main" xmlns="" w="9525">
                 <a:solidFill>
                   <a:schemeClr val="tx1"/>
                 </a:solidFill>
@@ -10582,7 +10577,7 @@
           <a:blip r:embed="rId9" cstate="print">
             <a:extLst>
               <a:ext uri="{28A0092B-C50C-407E-A947-70E740481C1C}">
-                <a14:useLocalDpi xmlns:a14="http://schemas.microsoft.com/office/drawing/2010/main" val="0"/>
+                <a14:useLocalDpi xmlns:a14="http://schemas.microsoft.com/office/drawing/2010/main" xmlns="" val="0"/>
               </a:ext>
             </a:extLst>
           </a:blip>
@@ -10605,14 +10600,14 @@
           </a:ln>
           <a:extLst>
             <a:ext uri="{909E8E84-426E-40DD-AFC4-6F175D3DCCD1}">
-              <a14:hiddenFill xmlns:a14="http://schemas.microsoft.com/office/drawing/2010/main">
+              <a14:hiddenFill xmlns:a14="http://schemas.microsoft.com/office/drawing/2010/main" xmlns="">
                 <a:solidFill>
                   <a:schemeClr val="accent1"/>
                 </a:solidFill>
               </a14:hiddenFill>
             </a:ext>
             <a:ext uri="{91240B29-F687-4F45-9708-019B960494DF}">
-              <a14:hiddenLine xmlns:a14="http://schemas.microsoft.com/office/drawing/2010/main" w="9525">
+              <a14:hiddenLine xmlns:a14="http://schemas.microsoft.com/office/drawing/2010/main" xmlns="" w="9525">
                 <a:solidFill>
                   <a:schemeClr val="tx1"/>
                 </a:solidFill>
@@ -10647,10 +10642,10 @@
             <p:nvPr/>
           </p:nvPicPr>
           <p:blipFill>
-            <a:blip r:embed="rId10">
+            <a:blip r:embed="rId10" cstate="print">
               <a:extLst>
                 <a:ext uri="{28A0092B-C50C-407E-A947-70E740481C1C}">
-                  <a14:useLocalDpi xmlns:a14="http://schemas.microsoft.com/office/drawing/2010/main" val="0"/>
+                  <a14:useLocalDpi xmlns:a14="http://schemas.microsoft.com/office/drawing/2010/main" xmlns="" val="0"/>
                 </a:ext>
               </a:extLst>
             </a:blip>
@@ -10676,7 +10671,7 @@
             </a:ln>
             <a:extLst>
               <a:ext uri="{909E8E84-426E-40DD-AFC4-6F175D3DCCD1}">
-                <a14:hiddenFill xmlns:a14="http://schemas.microsoft.com/office/drawing/2010/main">
+                <a14:hiddenFill xmlns:a14="http://schemas.microsoft.com/office/drawing/2010/main" xmlns="">
                   <a:solidFill>
                     <a:schemeClr val="accent1"/>
                   </a:solidFill>
@@ -10697,7 +10692,7 @@
             <a:blip r:embed="rId11" cstate="print">
               <a:extLst>
                 <a:ext uri="{28A0092B-C50C-407E-A947-70E740481C1C}">
-                  <a14:useLocalDpi xmlns:a14="http://schemas.microsoft.com/office/drawing/2010/main" val="0"/>
+                  <a14:useLocalDpi xmlns:a14="http://schemas.microsoft.com/office/drawing/2010/main" xmlns="" val="0"/>
                 </a:ext>
               </a:extLst>
             </a:blip>
@@ -10720,14 +10715,14 @@
             </a:ln>
             <a:extLst>
               <a:ext uri="{909E8E84-426E-40DD-AFC4-6F175D3DCCD1}">
-                <a14:hiddenFill xmlns:a14="http://schemas.microsoft.com/office/drawing/2010/main">
+                <a14:hiddenFill xmlns:a14="http://schemas.microsoft.com/office/drawing/2010/main" xmlns="">
                   <a:solidFill>
                     <a:schemeClr val="accent1"/>
                   </a:solidFill>
                 </a14:hiddenFill>
               </a:ext>
               <a:ext uri="{91240B29-F687-4F45-9708-019B960494DF}">
-                <a14:hiddenLine xmlns:a14="http://schemas.microsoft.com/office/drawing/2010/main" w="9525">
+                <a14:hiddenLine xmlns:a14="http://schemas.microsoft.com/office/drawing/2010/main" xmlns="" w="9525">
                   <a:solidFill>
                     <a:schemeClr val="tx1"/>
                   </a:solidFill>
@@ -10795,10 +10790,10 @@
           <p:nvPr/>
         </p:nvPicPr>
         <p:blipFill>
-          <a:blip r:embed="rId12">
+          <a:blip r:embed="rId12" cstate="print">
             <a:extLst>
               <a:ext uri="{28A0092B-C50C-407E-A947-70E740481C1C}">
-                <a14:useLocalDpi xmlns:a14="http://schemas.microsoft.com/office/drawing/2010/main" val="0"/>
+                <a14:useLocalDpi xmlns:a14="http://schemas.microsoft.com/office/drawing/2010/main" xmlns="" val="0"/>
               </a:ext>
             </a:extLst>
           </a:blip>
@@ -10821,14 +10816,14 @@
           </a:ln>
           <a:extLst>
             <a:ext uri="{909E8E84-426E-40DD-AFC4-6F175D3DCCD1}">
-              <a14:hiddenFill xmlns:a14="http://schemas.microsoft.com/office/drawing/2010/main">
+              <a14:hiddenFill xmlns:a14="http://schemas.microsoft.com/office/drawing/2010/main" xmlns="">
                 <a:solidFill>
                   <a:schemeClr val="accent1"/>
                 </a:solidFill>
               </a14:hiddenFill>
             </a:ext>
             <a:ext uri="{91240B29-F687-4F45-9708-019B960494DF}">
-              <a14:hiddenLine xmlns:a14="http://schemas.microsoft.com/office/drawing/2010/main" w="9525">
+              <a14:hiddenLine xmlns:a14="http://schemas.microsoft.com/office/drawing/2010/main" xmlns="" w="9525">
                 <a:solidFill>
                   <a:schemeClr val="tx1"/>
                 </a:solidFill>
@@ -10843,18 +10838,18 @@
     </p:spTree>
     <p:extLst>
       <p:ext uri="{BB962C8B-B14F-4D97-AF65-F5344CB8AC3E}">
-        <p14:creationId xmlns:p14="http://schemas.microsoft.com/office/powerpoint/2010/main" val="3899836803"/>
+        <p14:creationId xmlns:p14="http://schemas.microsoft.com/office/powerpoint/2010/main" xmlns="" val="3899836803"/>
       </p:ext>
     </p:extLst>
   </p:cSld>
   <p:clrMapOvr>
     <a:masterClrMapping/>
   </p:clrMapOvr>
-  <mc:AlternateContent xmlns:mc="http://schemas.openxmlformats.org/markup-compatibility/2006" xmlns:p14="http://schemas.microsoft.com/office/powerpoint/2010/main">
-    <mc:Choice Requires="p14">
+  <mc:AlternateContent xmlns:mc="http://schemas.openxmlformats.org/markup-compatibility/2006">
+    <mc:Choice xmlns:p14="http://schemas.microsoft.com/office/powerpoint/2010/main" xmlns="" Requires="p14">
       <p:transition spd="slow" p14:dur="2000"/>
     </mc:Choice>
-    <mc:Fallback xmlns="">
+    <mc:Fallback>
       <p:transition spd="slow"/>
     </mc:Fallback>
   </mc:AlternateContent>
@@ -11191,7 +11186,7 @@
           <a:blip r:embed="rId3" cstate="print">
             <a:extLst>
               <a:ext uri="{28A0092B-C50C-407E-A947-70E740481C1C}">
-                <a14:useLocalDpi xmlns:a14="http://schemas.microsoft.com/office/drawing/2010/main" val="0"/>
+                <a14:useLocalDpi xmlns:a14="http://schemas.microsoft.com/office/drawing/2010/main" xmlns="" val="0"/>
               </a:ext>
             </a:extLst>
           </a:blip>
@@ -11214,14 +11209,14 @@
           </a:ln>
           <a:extLst>
             <a:ext uri="{909E8E84-426E-40DD-AFC4-6F175D3DCCD1}">
-              <a14:hiddenFill xmlns:a14="http://schemas.microsoft.com/office/drawing/2010/main">
+              <a14:hiddenFill xmlns:a14="http://schemas.microsoft.com/office/drawing/2010/main" xmlns="">
                 <a:solidFill>
                   <a:schemeClr val="accent1"/>
                 </a:solidFill>
               </a14:hiddenFill>
             </a:ext>
             <a:ext uri="{91240B29-F687-4F45-9708-019B960494DF}">
-              <a14:hiddenLine xmlns:a14="http://schemas.microsoft.com/office/drawing/2010/main" w="9525">
+              <a14:hiddenLine xmlns:a14="http://schemas.microsoft.com/office/drawing/2010/main" xmlns="" w="9525">
                 <a:solidFill>
                   <a:schemeClr val="tx1"/>
                 </a:solidFill>
@@ -11245,7 +11240,7 @@
           <a:blip r:embed="rId4" cstate="print">
             <a:extLst>
               <a:ext uri="{28A0092B-C50C-407E-A947-70E740481C1C}">
-                <a14:useLocalDpi xmlns:a14="http://schemas.microsoft.com/office/drawing/2010/main" val="0"/>
+                <a14:useLocalDpi xmlns:a14="http://schemas.microsoft.com/office/drawing/2010/main" xmlns="" val="0"/>
               </a:ext>
             </a:extLst>
           </a:blip>
@@ -11268,14 +11263,14 @@
           </a:ln>
           <a:extLst>
             <a:ext uri="{909E8E84-426E-40DD-AFC4-6F175D3DCCD1}">
-              <a14:hiddenFill xmlns:a14="http://schemas.microsoft.com/office/drawing/2010/main">
+              <a14:hiddenFill xmlns:a14="http://schemas.microsoft.com/office/drawing/2010/main" xmlns="">
                 <a:solidFill>
                   <a:schemeClr val="accent1"/>
                 </a:solidFill>
               </a14:hiddenFill>
             </a:ext>
             <a:ext uri="{91240B29-F687-4F45-9708-019B960494DF}">
-              <a14:hiddenLine xmlns:a14="http://schemas.microsoft.com/office/drawing/2010/main" w="9525">
+              <a14:hiddenLine xmlns:a14="http://schemas.microsoft.com/office/drawing/2010/main" xmlns="" w="9525">
                 <a:solidFill>
                   <a:schemeClr val="tx1"/>
                 </a:solidFill>
@@ -11383,7 +11378,7 @@
           <a:blip r:embed="rId5" cstate="print">
             <a:extLst>
               <a:ext uri="{28A0092B-C50C-407E-A947-70E740481C1C}">
-                <a14:useLocalDpi xmlns:a14="http://schemas.microsoft.com/office/drawing/2010/main" val="0"/>
+                <a14:useLocalDpi xmlns:a14="http://schemas.microsoft.com/office/drawing/2010/main" xmlns="" val="0"/>
               </a:ext>
             </a:extLst>
           </a:blip>
@@ -11406,14 +11401,14 @@
           </a:ln>
           <a:extLst>
             <a:ext uri="{909E8E84-426E-40DD-AFC4-6F175D3DCCD1}">
-              <a14:hiddenFill xmlns:a14="http://schemas.microsoft.com/office/drawing/2010/main">
+              <a14:hiddenFill xmlns:a14="http://schemas.microsoft.com/office/drawing/2010/main" xmlns="">
                 <a:solidFill>
                   <a:schemeClr val="accent1"/>
                 </a:solidFill>
               </a14:hiddenFill>
             </a:ext>
             <a:ext uri="{91240B29-F687-4F45-9708-019B960494DF}">
-              <a14:hiddenLine xmlns:a14="http://schemas.microsoft.com/office/drawing/2010/main" w="9525">
+              <a14:hiddenLine xmlns:a14="http://schemas.microsoft.com/office/drawing/2010/main" xmlns="" w="9525">
                 <a:solidFill>
                   <a:schemeClr val="tx1"/>
                 </a:solidFill>
@@ -11545,7 +11540,7 @@
           <a:blip r:embed="rId6" cstate="print">
             <a:extLst>
               <a:ext uri="{28A0092B-C50C-407E-A947-70E740481C1C}">
-                <a14:useLocalDpi xmlns:a14="http://schemas.microsoft.com/office/drawing/2010/main" val="0"/>
+                <a14:useLocalDpi xmlns:a14="http://schemas.microsoft.com/office/drawing/2010/main" xmlns="" val="0"/>
               </a:ext>
             </a:extLst>
           </a:blip>
@@ -11568,14 +11563,14 @@
           </a:ln>
           <a:extLst>
             <a:ext uri="{909E8E84-426E-40DD-AFC4-6F175D3DCCD1}">
-              <a14:hiddenFill xmlns:a14="http://schemas.microsoft.com/office/drawing/2010/main">
+              <a14:hiddenFill xmlns:a14="http://schemas.microsoft.com/office/drawing/2010/main" xmlns="">
                 <a:solidFill>
                   <a:schemeClr val="accent1"/>
                 </a:solidFill>
               </a14:hiddenFill>
             </a:ext>
             <a:ext uri="{91240B29-F687-4F45-9708-019B960494DF}">
-              <a14:hiddenLine xmlns:a14="http://schemas.microsoft.com/office/drawing/2010/main" w="9525">
+              <a14:hiddenLine xmlns:a14="http://schemas.microsoft.com/office/drawing/2010/main" xmlns="" w="9525">
                 <a:solidFill>
                   <a:schemeClr val="tx1"/>
                 </a:solidFill>
@@ -11590,18 +11585,18 @@
     </p:spTree>
     <p:extLst>
       <p:ext uri="{BB962C8B-B14F-4D97-AF65-F5344CB8AC3E}">
-        <p14:creationId xmlns:p14="http://schemas.microsoft.com/office/powerpoint/2010/main" val="3671896962"/>
+        <p14:creationId xmlns:p14="http://schemas.microsoft.com/office/powerpoint/2010/main" xmlns="" val="3671896962"/>
       </p:ext>
     </p:extLst>
   </p:cSld>
   <p:clrMapOvr>
     <a:masterClrMapping/>
   </p:clrMapOvr>
-  <mc:AlternateContent xmlns:mc="http://schemas.openxmlformats.org/markup-compatibility/2006" xmlns:p14="http://schemas.microsoft.com/office/powerpoint/2010/main">
-    <mc:Choice Requires="p14">
+  <mc:AlternateContent xmlns:mc="http://schemas.openxmlformats.org/markup-compatibility/2006">
+    <mc:Choice xmlns:p14="http://schemas.microsoft.com/office/powerpoint/2010/main" xmlns="" Requires="p14">
       <p:transition spd="slow" p14:dur="2000"/>
     </mc:Choice>
-    <mc:Fallback xmlns="">
+    <mc:Fallback>
       <p:transition spd="slow"/>
     </mc:Fallback>
   </mc:AlternateContent>
@@ -11883,11 +11878,7 @@
             </a:pPr>
             <a:r>
               <a:rPr lang="de-DE"/>
-              <a:t>Finde           </a:t>
-            </a:r>
-            <a:r>
-              <a:rPr lang="de-DE"/>
-              <a:t>,  </a:t>
+              <a:t>Finde           ,  </a:t>
             </a:r>
             <a:r>
               <a:rPr lang="de-DE" smtClean="0"/>
@@ -11908,7 +11899,6 @@
               <a:rPr lang="de-DE" smtClean="0"/>
               <a:t>Galerkin-Orthogonalität:</a:t>
             </a:r>
-            <a:endParaRPr lang="de-DE" smtClean="0"/>
           </a:p>
         </p:txBody>
       </p:sp>
@@ -11921,10 +11911,10 @@
           <p:nvPr/>
         </p:nvPicPr>
         <p:blipFill>
-          <a:blip r:embed="rId3">
+          <a:blip r:embed="rId3" cstate="print">
             <a:extLst>
               <a:ext uri="{28A0092B-C50C-407E-A947-70E740481C1C}">
-                <a14:useLocalDpi xmlns:a14="http://schemas.microsoft.com/office/drawing/2010/main" val="0"/>
+                <a14:useLocalDpi xmlns:a14="http://schemas.microsoft.com/office/drawing/2010/main" xmlns="" val="0"/>
               </a:ext>
             </a:extLst>
           </a:blip>
@@ -11947,14 +11937,14 @@
           </a:ln>
           <a:extLst>
             <a:ext uri="{909E8E84-426E-40DD-AFC4-6F175D3DCCD1}">
-              <a14:hiddenFill xmlns:a14="http://schemas.microsoft.com/office/drawing/2010/main">
+              <a14:hiddenFill xmlns:a14="http://schemas.microsoft.com/office/drawing/2010/main" xmlns="">
                 <a:solidFill>
                   <a:schemeClr val="accent1"/>
                 </a:solidFill>
               </a14:hiddenFill>
             </a:ext>
             <a:ext uri="{91240B29-F687-4F45-9708-019B960494DF}">
-              <a14:hiddenLine xmlns:a14="http://schemas.microsoft.com/office/drawing/2010/main" w="9525">
+              <a14:hiddenLine xmlns:a14="http://schemas.microsoft.com/office/drawing/2010/main" xmlns="" w="9525">
                 <a:solidFill>
                   <a:schemeClr val="tx1"/>
                 </a:solidFill>
@@ -11975,10 +11965,10 @@
           <p:nvPr/>
         </p:nvPicPr>
         <p:blipFill>
-          <a:blip r:embed="rId4">
+          <a:blip r:embed="rId4" cstate="print">
             <a:extLst>
               <a:ext uri="{28A0092B-C50C-407E-A947-70E740481C1C}">
-                <a14:useLocalDpi xmlns:a14="http://schemas.microsoft.com/office/drawing/2010/main" val="0"/>
+                <a14:useLocalDpi xmlns:a14="http://schemas.microsoft.com/office/drawing/2010/main" xmlns="" val="0"/>
               </a:ext>
             </a:extLst>
           </a:blip>
@@ -12001,14 +11991,14 @@
           </a:ln>
           <a:extLst>
             <a:ext uri="{909E8E84-426E-40DD-AFC4-6F175D3DCCD1}">
-              <a14:hiddenFill xmlns:a14="http://schemas.microsoft.com/office/drawing/2010/main">
+              <a14:hiddenFill xmlns:a14="http://schemas.microsoft.com/office/drawing/2010/main" xmlns="">
                 <a:solidFill>
                   <a:schemeClr val="accent1"/>
                 </a:solidFill>
               </a14:hiddenFill>
             </a:ext>
             <a:ext uri="{91240B29-F687-4F45-9708-019B960494DF}">
-              <a14:hiddenLine xmlns:a14="http://schemas.microsoft.com/office/drawing/2010/main" w="9525">
+              <a14:hiddenLine xmlns:a14="http://schemas.microsoft.com/office/drawing/2010/main" xmlns="" w="9525">
                 <a:solidFill>
                   <a:schemeClr val="tx1"/>
                 </a:solidFill>
@@ -12075,10 +12065,10 @@
           <p:nvPr/>
         </p:nvPicPr>
         <p:blipFill>
-          <a:blip r:embed="rId5">
+          <a:blip r:embed="rId5" cstate="print">
             <a:extLst>
               <a:ext uri="{28A0092B-C50C-407E-A947-70E740481C1C}">
-                <a14:useLocalDpi xmlns:a14="http://schemas.microsoft.com/office/drawing/2010/main" val="0"/>
+                <a14:useLocalDpi xmlns:a14="http://schemas.microsoft.com/office/drawing/2010/main" xmlns="" val="0"/>
               </a:ext>
             </a:extLst>
           </a:blip>
@@ -12101,14 +12091,14 @@
           </a:ln>
           <a:extLst>
             <a:ext uri="{909E8E84-426E-40DD-AFC4-6F175D3DCCD1}">
-              <a14:hiddenFill xmlns:a14="http://schemas.microsoft.com/office/drawing/2010/main">
+              <a14:hiddenFill xmlns:a14="http://schemas.microsoft.com/office/drawing/2010/main" xmlns="">
                 <a:solidFill>
                   <a:schemeClr val="accent1"/>
                 </a:solidFill>
               </a14:hiddenFill>
             </a:ext>
             <a:ext uri="{91240B29-F687-4F45-9708-019B960494DF}">
-              <a14:hiddenLine xmlns:a14="http://schemas.microsoft.com/office/drawing/2010/main" w="9525">
+              <a14:hiddenLine xmlns:a14="http://schemas.microsoft.com/office/drawing/2010/main" xmlns="" w="9525">
                 <a:solidFill>
                   <a:schemeClr val="tx1"/>
                 </a:solidFill>
@@ -12132,7 +12122,7 @@
           <a:blip r:embed="rId6" cstate="print">
             <a:extLst>
               <a:ext uri="{28A0092B-C50C-407E-A947-70E740481C1C}">
-                <a14:useLocalDpi xmlns:a14="http://schemas.microsoft.com/office/drawing/2010/main" val="0"/>
+                <a14:useLocalDpi xmlns:a14="http://schemas.microsoft.com/office/drawing/2010/main" xmlns="" val="0"/>
               </a:ext>
             </a:extLst>
           </a:blip>
@@ -12155,14 +12145,14 @@
           </a:ln>
           <a:extLst>
             <a:ext uri="{909E8E84-426E-40DD-AFC4-6F175D3DCCD1}">
-              <a14:hiddenFill xmlns:a14="http://schemas.microsoft.com/office/drawing/2010/main">
+              <a14:hiddenFill xmlns:a14="http://schemas.microsoft.com/office/drawing/2010/main" xmlns="">
                 <a:solidFill>
                   <a:schemeClr val="accent1"/>
                 </a:solidFill>
               </a14:hiddenFill>
             </a:ext>
             <a:ext uri="{91240B29-F687-4F45-9708-019B960494DF}">
-              <a14:hiddenLine xmlns:a14="http://schemas.microsoft.com/office/drawing/2010/main" w="9525">
+              <a14:hiddenLine xmlns:a14="http://schemas.microsoft.com/office/drawing/2010/main" xmlns="" w="9525">
                 <a:solidFill>
                   <a:schemeClr val="tx1"/>
                 </a:solidFill>
@@ -12183,10 +12173,10 @@
           <p:nvPr/>
         </p:nvPicPr>
         <p:blipFill>
-          <a:blip r:embed="rId7">
+          <a:blip r:embed="rId7" cstate="print">
             <a:extLst>
               <a:ext uri="{28A0092B-C50C-407E-A947-70E740481C1C}">
-                <a14:useLocalDpi xmlns:a14="http://schemas.microsoft.com/office/drawing/2010/main" val="0"/>
+                <a14:useLocalDpi xmlns:a14="http://schemas.microsoft.com/office/drawing/2010/main" xmlns="" val="0"/>
               </a:ext>
             </a:extLst>
           </a:blip>
@@ -12209,14 +12199,14 @@
           </a:ln>
           <a:extLst>
             <a:ext uri="{909E8E84-426E-40DD-AFC4-6F175D3DCCD1}">
-              <a14:hiddenFill xmlns:a14="http://schemas.microsoft.com/office/drawing/2010/main">
+              <a14:hiddenFill xmlns:a14="http://schemas.microsoft.com/office/drawing/2010/main" xmlns="">
                 <a:solidFill>
                   <a:schemeClr val="accent1"/>
                 </a:solidFill>
               </a14:hiddenFill>
             </a:ext>
             <a:ext uri="{91240B29-F687-4F45-9708-019B960494DF}">
-              <a14:hiddenLine xmlns:a14="http://schemas.microsoft.com/office/drawing/2010/main" w="9525">
+              <a14:hiddenLine xmlns:a14="http://schemas.microsoft.com/office/drawing/2010/main" xmlns="" w="9525">
                 <a:solidFill>
                   <a:schemeClr val="tx1"/>
                 </a:solidFill>
@@ -12237,10 +12227,10 @@
           <p:nvPr/>
         </p:nvPicPr>
         <p:blipFill>
-          <a:blip r:embed="rId8">
+          <a:blip r:embed="rId8" cstate="print">
             <a:extLst>
               <a:ext uri="{28A0092B-C50C-407E-A947-70E740481C1C}">
-                <a14:useLocalDpi xmlns:a14="http://schemas.microsoft.com/office/drawing/2010/main" val="0"/>
+                <a14:useLocalDpi xmlns:a14="http://schemas.microsoft.com/office/drawing/2010/main" xmlns="" val="0"/>
               </a:ext>
             </a:extLst>
           </a:blip>
@@ -12263,14 +12253,14 @@
           </a:ln>
           <a:extLst>
             <a:ext uri="{909E8E84-426E-40DD-AFC4-6F175D3DCCD1}">
-              <a14:hiddenFill xmlns:a14="http://schemas.microsoft.com/office/drawing/2010/main">
+              <a14:hiddenFill xmlns:a14="http://schemas.microsoft.com/office/drawing/2010/main" xmlns="">
                 <a:solidFill>
                   <a:schemeClr val="accent1"/>
                 </a:solidFill>
               </a14:hiddenFill>
             </a:ext>
             <a:ext uri="{91240B29-F687-4F45-9708-019B960494DF}">
-              <a14:hiddenLine xmlns:a14="http://schemas.microsoft.com/office/drawing/2010/main" w="9525">
+              <a14:hiddenLine xmlns:a14="http://schemas.microsoft.com/office/drawing/2010/main" xmlns="" w="9525">
                 <a:solidFill>
                   <a:schemeClr val="tx1"/>
                 </a:solidFill>
@@ -12285,18 +12275,18 @@
     </p:spTree>
     <p:extLst>
       <p:ext uri="{BB962C8B-B14F-4D97-AF65-F5344CB8AC3E}">
-        <p14:creationId xmlns:p14="http://schemas.microsoft.com/office/powerpoint/2010/main" val="390011000"/>
+        <p14:creationId xmlns:p14="http://schemas.microsoft.com/office/powerpoint/2010/main" xmlns="" val="390011000"/>
       </p:ext>
     </p:extLst>
   </p:cSld>
   <p:clrMapOvr>
     <a:masterClrMapping/>
   </p:clrMapOvr>
-  <mc:AlternateContent xmlns:mc="http://schemas.openxmlformats.org/markup-compatibility/2006" xmlns:p14="http://schemas.microsoft.com/office/powerpoint/2010/main">
-    <mc:Choice Requires="p14">
+  <mc:AlternateContent xmlns:mc="http://schemas.openxmlformats.org/markup-compatibility/2006">
+    <mc:Choice xmlns:p14="http://schemas.microsoft.com/office/powerpoint/2010/main" xmlns="" Requires="p14">
       <p:transition spd="slow" p14:dur="2000"/>
     </mc:Choice>
-    <mc:Fallback xmlns="">
+    <mc:Fallback>
       <p:transition spd="slow"/>
     </mc:Fallback>
   </mc:AlternateContent>
@@ -12705,10 +12695,10 @@
           <p:nvPr/>
         </p:nvPicPr>
         <p:blipFill>
-          <a:blip r:embed="rId3">
+          <a:blip r:embed="rId3" cstate="print">
             <a:extLst>
               <a:ext uri="{28A0092B-C50C-407E-A947-70E740481C1C}">
-                <a14:useLocalDpi xmlns:a14="http://schemas.microsoft.com/office/drawing/2010/main" val="0"/>
+                <a14:useLocalDpi xmlns:a14="http://schemas.microsoft.com/office/drawing/2010/main" xmlns="" val="0"/>
               </a:ext>
             </a:extLst>
           </a:blip>
@@ -12731,14 +12721,14 @@
           </a:ln>
           <a:extLst>
             <a:ext uri="{909E8E84-426E-40DD-AFC4-6F175D3DCCD1}">
-              <a14:hiddenFill xmlns:a14="http://schemas.microsoft.com/office/drawing/2010/main">
+              <a14:hiddenFill xmlns:a14="http://schemas.microsoft.com/office/drawing/2010/main" xmlns="">
                 <a:solidFill>
                   <a:schemeClr val="accent1"/>
                 </a:solidFill>
               </a14:hiddenFill>
             </a:ext>
             <a:ext uri="{91240B29-F687-4F45-9708-019B960494DF}">
-              <a14:hiddenLine xmlns:a14="http://schemas.microsoft.com/office/drawing/2010/main" w="9525">
+              <a14:hiddenLine xmlns:a14="http://schemas.microsoft.com/office/drawing/2010/main" xmlns="" w="9525">
                 <a:solidFill>
                   <a:schemeClr val="tx1"/>
                 </a:solidFill>
@@ -12759,10 +12749,10 @@
           <p:nvPr/>
         </p:nvPicPr>
         <p:blipFill>
-          <a:blip r:embed="rId4">
+          <a:blip r:embed="rId4" cstate="print">
             <a:extLst>
               <a:ext uri="{28A0092B-C50C-407E-A947-70E740481C1C}">
-                <a14:useLocalDpi xmlns:a14="http://schemas.microsoft.com/office/drawing/2010/main" val="0"/>
+                <a14:useLocalDpi xmlns:a14="http://schemas.microsoft.com/office/drawing/2010/main" xmlns="" val="0"/>
               </a:ext>
             </a:extLst>
           </a:blip>
@@ -12785,14 +12775,14 @@
           </a:ln>
           <a:extLst>
             <a:ext uri="{909E8E84-426E-40DD-AFC4-6F175D3DCCD1}">
-              <a14:hiddenFill xmlns:a14="http://schemas.microsoft.com/office/drawing/2010/main">
+              <a14:hiddenFill xmlns:a14="http://schemas.microsoft.com/office/drawing/2010/main" xmlns="">
                 <a:solidFill>
                   <a:schemeClr val="accent1"/>
                 </a:solidFill>
               </a14:hiddenFill>
             </a:ext>
             <a:ext uri="{91240B29-F687-4F45-9708-019B960494DF}">
-              <a14:hiddenLine xmlns:a14="http://schemas.microsoft.com/office/drawing/2010/main" w="9525">
+              <a14:hiddenLine xmlns:a14="http://schemas.microsoft.com/office/drawing/2010/main" xmlns="" w="9525">
                 <a:solidFill>
                   <a:schemeClr val="tx1"/>
                 </a:solidFill>
@@ -12813,10 +12803,10 @@
           <p:nvPr/>
         </p:nvPicPr>
         <p:blipFill>
-          <a:blip r:embed="rId5">
+          <a:blip r:embed="rId5" cstate="print">
             <a:extLst>
               <a:ext uri="{28A0092B-C50C-407E-A947-70E740481C1C}">
-                <a14:useLocalDpi xmlns:a14="http://schemas.microsoft.com/office/drawing/2010/main" val="0"/>
+                <a14:useLocalDpi xmlns:a14="http://schemas.microsoft.com/office/drawing/2010/main" xmlns="" val="0"/>
               </a:ext>
             </a:extLst>
           </a:blip>
@@ -12839,14 +12829,14 @@
           </a:ln>
           <a:extLst>
             <a:ext uri="{909E8E84-426E-40DD-AFC4-6F175D3DCCD1}">
-              <a14:hiddenFill xmlns:a14="http://schemas.microsoft.com/office/drawing/2010/main">
+              <a14:hiddenFill xmlns:a14="http://schemas.microsoft.com/office/drawing/2010/main" xmlns="">
                 <a:solidFill>
                   <a:schemeClr val="accent1"/>
                 </a:solidFill>
               </a14:hiddenFill>
             </a:ext>
             <a:ext uri="{91240B29-F687-4F45-9708-019B960494DF}">
-              <a14:hiddenLine xmlns:a14="http://schemas.microsoft.com/office/drawing/2010/main" w="9525">
+              <a14:hiddenLine xmlns:a14="http://schemas.microsoft.com/office/drawing/2010/main" xmlns="" w="9525">
                 <a:solidFill>
                   <a:schemeClr val="tx1"/>
                 </a:solidFill>
@@ -12867,10 +12857,10 @@
           <p:nvPr/>
         </p:nvPicPr>
         <p:blipFill>
-          <a:blip r:embed="rId5">
+          <a:blip r:embed="rId5" cstate="print">
             <a:extLst>
               <a:ext uri="{28A0092B-C50C-407E-A947-70E740481C1C}">
-                <a14:useLocalDpi xmlns:a14="http://schemas.microsoft.com/office/drawing/2010/main" val="0"/>
+                <a14:useLocalDpi xmlns:a14="http://schemas.microsoft.com/office/drawing/2010/main" xmlns="" val="0"/>
               </a:ext>
             </a:extLst>
           </a:blip>
@@ -12893,14 +12883,14 @@
           </a:ln>
           <a:extLst>
             <a:ext uri="{909E8E84-426E-40DD-AFC4-6F175D3DCCD1}">
-              <a14:hiddenFill xmlns:a14="http://schemas.microsoft.com/office/drawing/2010/main">
+              <a14:hiddenFill xmlns:a14="http://schemas.microsoft.com/office/drawing/2010/main" xmlns="">
                 <a:solidFill>
                   <a:schemeClr val="accent1"/>
                 </a:solidFill>
               </a14:hiddenFill>
             </a:ext>
             <a:ext uri="{91240B29-F687-4F45-9708-019B960494DF}">
-              <a14:hiddenLine xmlns:a14="http://schemas.microsoft.com/office/drawing/2010/main" w="9525">
+              <a14:hiddenLine xmlns:a14="http://schemas.microsoft.com/office/drawing/2010/main" xmlns="" w="9525">
                 <a:solidFill>
                   <a:schemeClr val="tx1"/>
                 </a:solidFill>
@@ -12952,10 +12942,10 @@
           <p:nvPr/>
         </p:nvPicPr>
         <p:blipFill>
-          <a:blip r:embed="rId6">
+          <a:blip r:embed="rId6" cstate="print">
             <a:extLst>
               <a:ext uri="{28A0092B-C50C-407E-A947-70E740481C1C}">
-                <a14:useLocalDpi xmlns:a14="http://schemas.microsoft.com/office/drawing/2010/main" val="0"/>
+                <a14:useLocalDpi xmlns:a14="http://schemas.microsoft.com/office/drawing/2010/main" xmlns="" val="0"/>
               </a:ext>
             </a:extLst>
           </a:blip>
@@ -12978,14 +12968,14 @@
           </a:ln>
           <a:extLst>
             <a:ext uri="{909E8E84-426E-40DD-AFC4-6F175D3DCCD1}">
-              <a14:hiddenFill xmlns:a14="http://schemas.microsoft.com/office/drawing/2010/main">
+              <a14:hiddenFill xmlns:a14="http://schemas.microsoft.com/office/drawing/2010/main" xmlns="">
                 <a:solidFill>
                   <a:schemeClr val="accent1"/>
                 </a:solidFill>
               </a14:hiddenFill>
             </a:ext>
             <a:ext uri="{91240B29-F687-4F45-9708-019B960494DF}">
-              <a14:hiddenLine xmlns:a14="http://schemas.microsoft.com/office/drawing/2010/main" w="9525">
+              <a14:hiddenLine xmlns:a14="http://schemas.microsoft.com/office/drawing/2010/main" xmlns="" w="9525">
                 <a:solidFill>
                   <a:schemeClr val="tx1"/>
                 </a:solidFill>
@@ -13006,10 +12996,10 @@
           <p:nvPr/>
         </p:nvPicPr>
         <p:blipFill>
-          <a:blip r:embed="rId7">
+          <a:blip r:embed="rId7" cstate="print">
             <a:extLst>
               <a:ext uri="{28A0092B-C50C-407E-A947-70E740481C1C}">
-                <a14:useLocalDpi xmlns:a14="http://schemas.microsoft.com/office/drawing/2010/main" val="0"/>
+                <a14:useLocalDpi xmlns:a14="http://schemas.microsoft.com/office/drawing/2010/main" xmlns="" val="0"/>
               </a:ext>
             </a:extLst>
           </a:blip>
@@ -13032,14 +13022,14 @@
           </a:ln>
           <a:extLst>
             <a:ext uri="{909E8E84-426E-40DD-AFC4-6F175D3DCCD1}">
-              <a14:hiddenFill xmlns:a14="http://schemas.microsoft.com/office/drawing/2010/main">
+              <a14:hiddenFill xmlns:a14="http://schemas.microsoft.com/office/drawing/2010/main" xmlns="">
                 <a:solidFill>
                   <a:schemeClr val="accent1"/>
                 </a:solidFill>
               </a14:hiddenFill>
             </a:ext>
             <a:ext uri="{91240B29-F687-4F45-9708-019B960494DF}">
-              <a14:hiddenLine xmlns:a14="http://schemas.microsoft.com/office/drawing/2010/main" w="9525">
+              <a14:hiddenLine xmlns:a14="http://schemas.microsoft.com/office/drawing/2010/main" xmlns="" w="9525">
                 <a:solidFill>
                   <a:schemeClr val="tx1"/>
                 </a:solidFill>
@@ -13229,10 +13219,10 @@
             <p:nvPr/>
           </p:nvPicPr>
           <p:blipFill>
-            <a:blip r:embed="rId8">
+            <a:blip r:embed="rId8" cstate="print">
               <a:extLst>
                 <a:ext uri="{28A0092B-C50C-407E-A947-70E740481C1C}">
-                  <a14:useLocalDpi xmlns:a14="http://schemas.microsoft.com/office/drawing/2010/main" val="0"/>
+                  <a14:useLocalDpi xmlns:a14="http://schemas.microsoft.com/office/drawing/2010/main" xmlns="" val="0"/>
                 </a:ext>
               </a:extLst>
             </a:blip>
@@ -13258,7 +13248,7 @@
             </a:ln>
             <a:extLst>
               <a:ext uri="{909E8E84-426E-40DD-AFC4-6F175D3DCCD1}">
-                <a14:hiddenFill xmlns:a14="http://schemas.microsoft.com/office/drawing/2010/main">
+                <a14:hiddenFill xmlns:a14="http://schemas.microsoft.com/office/drawing/2010/main" xmlns="">
                   <a:solidFill>
                     <a:schemeClr val="accent1"/>
                   </a:solidFill>
@@ -13279,7 +13269,7 @@
             <a:blip r:embed="rId9" cstate="print">
               <a:extLst>
                 <a:ext uri="{28A0092B-C50C-407E-A947-70E740481C1C}">
-                  <a14:useLocalDpi xmlns:a14="http://schemas.microsoft.com/office/drawing/2010/main" val="0"/>
+                  <a14:useLocalDpi xmlns:a14="http://schemas.microsoft.com/office/drawing/2010/main" xmlns="" val="0"/>
                 </a:ext>
               </a:extLst>
             </a:blip>
@@ -13302,14 +13292,14 @@
             </a:ln>
             <a:extLst>
               <a:ext uri="{909E8E84-426E-40DD-AFC4-6F175D3DCCD1}">
-                <a14:hiddenFill xmlns:a14="http://schemas.microsoft.com/office/drawing/2010/main">
+                <a14:hiddenFill xmlns:a14="http://schemas.microsoft.com/office/drawing/2010/main" xmlns="">
                   <a:solidFill>
                     <a:schemeClr val="accent1"/>
                   </a:solidFill>
                 </a14:hiddenFill>
               </a:ext>
               <a:ext uri="{91240B29-F687-4F45-9708-019B960494DF}">
-                <a14:hiddenLine xmlns:a14="http://schemas.microsoft.com/office/drawing/2010/main" w="9525">
+                <a14:hiddenLine xmlns:a14="http://schemas.microsoft.com/office/drawing/2010/main" xmlns="" w="9525">
                   <a:solidFill>
                     <a:schemeClr val="tx1"/>
                   </a:solidFill>
@@ -13331,10 +13321,10 @@
           <p:nvPr/>
         </p:nvPicPr>
         <p:blipFill>
-          <a:blip r:embed="rId10">
+          <a:blip r:embed="rId10" cstate="print">
             <a:extLst>
               <a:ext uri="{28A0092B-C50C-407E-A947-70E740481C1C}">
-                <a14:useLocalDpi xmlns:a14="http://schemas.microsoft.com/office/drawing/2010/main" val="0"/>
+                <a14:useLocalDpi xmlns:a14="http://schemas.microsoft.com/office/drawing/2010/main" xmlns="" val="0"/>
               </a:ext>
             </a:extLst>
           </a:blip>
@@ -13357,14 +13347,14 @@
           </a:ln>
           <a:extLst>
             <a:ext uri="{909E8E84-426E-40DD-AFC4-6F175D3DCCD1}">
-              <a14:hiddenFill xmlns:a14="http://schemas.microsoft.com/office/drawing/2010/main">
+              <a14:hiddenFill xmlns:a14="http://schemas.microsoft.com/office/drawing/2010/main" xmlns="">
                 <a:solidFill>
                   <a:schemeClr val="accent1"/>
                 </a:solidFill>
               </a14:hiddenFill>
             </a:ext>
             <a:ext uri="{91240B29-F687-4F45-9708-019B960494DF}">
-              <a14:hiddenLine xmlns:a14="http://schemas.microsoft.com/office/drawing/2010/main" w="9525">
+              <a14:hiddenLine xmlns:a14="http://schemas.microsoft.com/office/drawing/2010/main" xmlns="" w="9525">
                 <a:solidFill>
                   <a:schemeClr val="tx1"/>
                 </a:solidFill>
@@ -13388,7 +13378,7 @@
           <a:blip r:embed="rId11" cstate="print">
             <a:extLst>
               <a:ext uri="{28A0092B-C50C-407E-A947-70E740481C1C}">
-                <a14:useLocalDpi xmlns:a14="http://schemas.microsoft.com/office/drawing/2010/main" val="0"/>
+                <a14:useLocalDpi xmlns:a14="http://schemas.microsoft.com/office/drawing/2010/main" xmlns="" val="0"/>
               </a:ext>
             </a:extLst>
           </a:blip>
@@ -13411,14 +13401,14 @@
           </a:ln>
           <a:extLst>
             <a:ext uri="{909E8E84-426E-40DD-AFC4-6F175D3DCCD1}">
-              <a14:hiddenFill xmlns:a14="http://schemas.microsoft.com/office/drawing/2010/main">
+              <a14:hiddenFill xmlns:a14="http://schemas.microsoft.com/office/drawing/2010/main" xmlns="">
                 <a:solidFill>
                   <a:schemeClr val="accent1"/>
                 </a:solidFill>
               </a14:hiddenFill>
             </a:ext>
             <a:ext uri="{91240B29-F687-4F45-9708-019B960494DF}">
-              <a14:hiddenLine xmlns:a14="http://schemas.microsoft.com/office/drawing/2010/main" w="9525">
+              <a14:hiddenLine xmlns:a14="http://schemas.microsoft.com/office/drawing/2010/main" xmlns="" w="9525">
                 <a:solidFill>
                   <a:schemeClr val="tx1"/>
                 </a:solidFill>
@@ -13433,18 +13423,18 @@
     </p:spTree>
     <p:extLst>
       <p:ext uri="{BB962C8B-B14F-4D97-AF65-F5344CB8AC3E}">
-        <p14:creationId xmlns:p14="http://schemas.microsoft.com/office/powerpoint/2010/main" val="1798221942"/>
+        <p14:creationId xmlns:p14="http://schemas.microsoft.com/office/powerpoint/2010/main" xmlns="" val="1798221942"/>
       </p:ext>
     </p:extLst>
   </p:cSld>
   <p:clrMapOvr>
     <a:masterClrMapping/>
   </p:clrMapOvr>
-  <mc:AlternateContent xmlns:mc="http://schemas.openxmlformats.org/markup-compatibility/2006" xmlns:p14="http://schemas.microsoft.com/office/powerpoint/2010/main">
-    <mc:Choice Requires="p14">
+  <mc:AlternateContent xmlns:mc="http://schemas.openxmlformats.org/markup-compatibility/2006">
+    <mc:Choice xmlns:p14="http://schemas.microsoft.com/office/powerpoint/2010/main" xmlns="" Requires="p14">
       <p:transition spd="slow" p14:dur="2000"/>
     </mc:Choice>
-    <mc:Fallback xmlns="">
+    <mc:Fallback>
       <p:transition spd="slow"/>
     </mc:Fallback>
   </mc:AlternateContent>
@@ -13745,10 +13735,10 @@
           <p:nvPr/>
         </p:nvPicPr>
         <p:blipFill>
-          <a:blip r:embed="rId3">
+          <a:blip r:embed="rId3" cstate="print">
             <a:extLst>
               <a:ext uri="{28A0092B-C50C-407E-A947-70E740481C1C}">
-                <a14:useLocalDpi xmlns:a14="http://schemas.microsoft.com/office/drawing/2010/main" val="0"/>
+                <a14:useLocalDpi xmlns:a14="http://schemas.microsoft.com/office/drawing/2010/main" xmlns="" val="0"/>
               </a:ext>
             </a:extLst>
           </a:blip>
@@ -13771,14 +13761,14 @@
           </a:ln>
           <a:extLst>
             <a:ext uri="{909E8E84-426E-40DD-AFC4-6F175D3DCCD1}">
-              <a14:hiddenFill xmlns:a14="http://schemas.microsoft.com/office/drawing/2010/main">
+              <a14:hiddenFill xmlns:a14="http://schemas.microsoft.com/office/drawing/2010/main" xmlns="">
                 <a:solidFill>
                   <a:schemeClr val="accent1"/>
                 </a:solidFill>
               </a14:hiddenFill>
             </a:ext>
             <a:ext uri="{91240B29-F687-4F45-9708-019B960494DF}">
-              <a14:hiddenLine xmlns:a14="http://schemas.microsoft.com/office/drawing/2010/main" w="9525">
+              <a14:hiddenLine xmlns:a14="http://schemas.microsoft.com/office/drawing/2010/main" xmlns="" w="9525">
                 <a:solidFill>
                   <a:schemeClr val="tx1"/>
                 </a:solidFill>
@@ -13790,21 +13780,205 @@
           </a:extLst>
         </p:spPr>
       </p:pic>
+      <p:sp>
+        <p:nvSpPr>
+          <p:cNvPr id="10" name="Rechteck 9"/>
+          <p:cNvSpPr/>
+          <p:nvPr/>
+        </p:nvSpPr>
+        <p:spPr>
+          <a:xfrm>
+            <a:off x="827584" y="1772816"/>
+            <a:ext cx="1512168" cy="1368152"/>
+          </a:xfrm>
+          <a:prstGeom prst="rect">
+            <a:avLst/>
+          </a:prstGeom>
+          <a:noFill/>
+          <a:ln w="6350">
+            <a:solidFill>
+              <a:schemeClr val="bg1">
+                <a:lumMod val="65000"/>
+              </a:schemeClr>
+            </a:solidFill>
+          </a:ln>
+        </p:spPr>
+        <p:style>
+          <a:lnRef idx="2">
+            <a:schemeClr val="accent1">
+              <a:shade val="50000"/>
+            </a:schemeClr>
+          </a:lnRef>
+          <a:fillRef idx="1">
+            <a:schemeClr val="accent1"/>
+          </a:fillRef>
+          <a:effectRef idx="0">
+            <a:schemeClr val="accent1"/>
+          </a:effectRef>
+          <a:fontRef idx="minor">
+            <a:schemeClr val="lt1"/>
+          </a:fontRef>
+        </p:style>
+        <p:txBody>
+          <a:bodyPr rtlCol="0" anchor="ctr"/>
+          <a:lstStyle/>
+          <a:p>
+            <a:pPr algn="ctr"/>
+            <a:endParaRPr lang="de-DE"/>
+          </a:p>
+        </p:txBody>
+      </p:sp>
+      <p:pic>
+        <p:nvPicPr>
+          <p:cNvPr id="13" name="Grafik 12" descr="Gitter1.png"/>
+          <p:cNvPicPr>
+            <a:picLocks noChangeAspect="1"/>
+          </p:cNvPicPr>
+          <p:nvPr/>
+        </p:nvPicPr>
+        <p:blipFill>
+          <a:blip r:embed="rId4" cstate="print"/>
+          <a:stretch>
+            <a:fillRect/>
+          </a:stretch>
+        </p:blipFill>
+        <p:spPr>
+          <a:xfrm>
+            <a:off x="2915816" y="1772816"/>
+            <a:ext cx="1369207" cy="1371777"/>
+          </a:xfrm>
+          <a:prstGeom prst="rect">
+            <a:avLst/>
+          </a:prstGeom>
+        </p:spPr>
+      </p:pic>
+      <p:pic>
+        <p:nvPicPr>
+          <p:cNvPr id="14" name="Grafik 13" descr="Gitter2.png"/>
+          <p:cNvPicPr>
+            <a:picLocks noChangeAspect="1"/>
+          </p:cNvPicPr>
+          <p:nvPr/>
+        </p:nvPicPr>
+        <p:blipFill>
+          <a:blip r:embed="rId5" cstate="print"/>
+          <a:stretch>
+            <a:fillRect/>
+          </a:stretch>
+        </p:blipFill>
+        <p:spPr>
+          <a:xfrm>
+            <a:off x="4858977" y="1772816"/>
+            <a:ext cx="1369207" cy="1371777"/>
+          </a:xfrm>
+          <a:prstGeom prst="rect">
+            <a:avLst/>
+          </a:prstGeom>
+        </p:spPr>
+      </p:pic>
+      <p:pic>
+        <p:nvPicPr>
+          <p:cNvPr id="15" name="Grafik 14" descr="Gitter3.png"/>
+          <p:cNvPicPr>
+            <a:picLocks noChangeAspect="1"/>
+          </p:cNvPicPr>
+          <p:nvPr/>
+        </p:nvPicPr>
+        <p:blipFill>
+          <a:blip r:embed="rId6" cstate="print"/>
+          <a:stretch>
+            <a:fillRect/>
+          </a:stretch>
+        </p:blipFill>
+        <p:spPr>
+          <a:xfrm>
+            <a:off x="6804248" y="1772816"/>
+            <a:ext cx="1369207" cy="1371777"/>
+          </a:xfrm>
+          <a:prstGeom prst="rect">
+            <a:avLst/>
+          </a:prstGeom>
+        </p:spPr>
+      </p:pic>
+      <p:pic>
+        <p:nvPicPr>
+          <p:cNvPr id="1026" name="Picture 2"/>
+          <p:cNvPicPr>
+            <a:picLocks noChangeAspect="1" noChangeArrowheads="1"/>
+          </p:cNvPicPr>
+          <p:nvPr/>
+        </p:nvPicPr>
+        <p:blipFill>
+          <a:blip r:embed="rId7" cstate="print"/>
+          <a:srcRect/>
+          <a:stretch>
+            <a:fillRect/>
+          </a:stretch>
+        </p:blipFill>
+        <p:spPr bwMode="auto">
+          <a:xfrm>
+            <a:off x="1403648" y="2337756"/>
+            <a:ext cx="343453" cy="290399"/>
+          </a:xfrm>
+          <a:prstGeom prst="rect">
+            <a:avLst/>
+          </a:prstGeom>
+          <a:noFill/>
+          <a:ln w="9525">
+            <a:noFill/>
+            <a:miter lim="800000"/>
+            <a:headEnd/>
+            <a:tailEnd/>
+          </a:ln>
+        </p:spPr>
+      </p:pic>
+      <p:pic>
+        <p:nvPicPr>
+          <p:cNvPr id="1027" name="Picture 3"/>
+          <p:cNvPicPr>
+            <a:picLocks noChangeAspect="1" noChangeArrowheads="1"/>
+          </p:cNvPicPr>
+          <p:nvPr/>
+        </p:nvPicPr>
+        <p:blipFill>
+          <a:blip r:embed="rId8" cstate="print"/>
+          <a:srcRect/>
+          <a:stretch>
+            <a:fillRect/>
+          </a:stretch>
+        </p:blipFill>
+        <p:spPr bwMode="auto">
+          <a:xfrm>
+            <a:off x="683568" y="3212977"/>
+            <a:ext cx="371168" cy="216024"/>
+          </a:xfrm>
+          <a:prstGeom prst="rect">
+            <a:avLst/>
+          </a:prstGeom>
+          <a:noFill/>
+          <a:ln w="9525">
+            <a:noFill/>
+            <a:miter lim="800000"/>
+            <a:headEnd/>
+            <a:tailEnd/>
+          </a:ln>
+        </p:spPr>
+      </p:pic>
     </p:spTree>
     <p:extLst>
       <p:ext uri="{BB962C8B-B14F-4D97-AF65-F5344CB8AC3E}">
-        <p14:creationId xmlns:p14="http://schemas.microsoft.com/office/powerpoint/2010/main" val="2695192595"/>
+        <p14:creationId xmlns:p14="http://schemas.microsoft.com/office/powerpoint/2010/main" xmlns="" val="2695192595"/>
       </p:ext>
     </p:extLst>
   </p:cSld>
   <p:clrMapOvr>
     <a:masterClrMapping/>
   </p:clrMapOvr>
-  <mc:AlternateContent xmlns:mc="http://schemas.openxmlformats.org/markup-compatibility/2006" xmlns:p14="http://schemas.microsoft.com/office/powerpoint/2010/main">
-    <mc:Choice Requires="p14">
+  <mc:AlternateContent xmlns:mc="http://schemas.openxmlformats.org/markup-compatibility/2006">
+    <mc:Choice xmlns:p14="http://schemas.microsoft.com/office/powerpoint/2010/main" xmlns="" Requires="p14">
       <p:transition spd="slow" p14:dur="2000"/>
     </mc:Choice>
-    <mc:Fallback xmlns="">
+    <mc:Fallback>
       <p:transition spd="slow"/>
     </mc:Fallback>
   </mc:AlternateContent>
@@ -14061,18 +14235,18 @@
     </p:spTree>
     <p:extLst>
       <p:ext uri="{BB962C8B-B14F-4D97-AF65-F5344CB8AC3E}">
-        <p14:creationId xmlns:p14="http://schemas.microsoft.com/office/powerpoint/2010/main" val="2267934893"/>
+        <p14:creationId xmlns:p14="http://schemas.microsoft.com/office/powerpoint/2010/main" xmlns="" val="2267934893"/>
       </p:ext>
     </p:extLst>
   </p:cSld>
   <p:clrMapOvr>
     <a:masterClrMapping/>
   </p:clrMapOvr>
-  <mc:AlternateContent xmlns:mc="http://schemas.openxmlformats.org/markup-compatibility/2006" xmlns:p14="http://schemas.microsoft.com/office/powerpoint/2010/main">
-    <mc:Choice Requires="p14">
+  <mc:AlternateContent xmlns:mc="http://schemas.openxmlformats.org/markup-compatibility/2006">
+    <mc:Choice xmlns:p14="http://schemas.microsoft.com/office/powerpoint/2010/main" xmlns="" Requires="p14">
       <p:transition spd="slow" p14:dur="2000"/>
     </mc:Choice>
-    <mc:Fallback xmlns="">
+    <mc:Fallback>
       <p:transition spd="slow"/>
     </mc:Fallback>
   </mc:AlternateContent>
@@ -16553,11 +16727,11 @@
   <p:clrMapOvr>
     <a:masterClrMapping/>
   </p:clrMapOvr>
-  <mc:AlternateContent xmlns:mc="http://schemas.openxmlformats.org/markup-compatibility/2006" xmlns:p14="http://schemas.microsoft.com/office/powerpoint/2010/main">
-    <mc:Choice Requires="p14">
+  <mc:AlternateContent xmlns:mc="http://schemas.openxmlformats.org/markup-compatibility/2006">
+    <mc:Choice xmlns:p14="http://schemas.microsoft.com/office/powerpoint/2010/main" xmlns="" Requires="p14">
       <p:transition spd="slow" p14:dur="2000"/>
     </mc:Choice>
-    <mc:Fallback xmlns="">
+    <mc:Fallback>
       <p:transition spd="slow"/>
     </mc:Fallback>
   </mc:AlternateContent>
@@ -18051,7 +18225,7 @@
     </p:spTree>
     <p:extLst>
       <p:ext uri="{BB962C8B-B14F-4D97-AF65-F5344CB8AC3E}">
-        <p14:creationId xmlns:p14="http://schemas.microsoft.com/office/powerpoint/2010/main" val="2860399129"/>
+        <p14:creationId xmlns:p14="http://schemas.microsoft.com/office/powerpoint/2010/main" xmlns="" val="2860399129"/>
       </p:ext>
     </p:extLst>
   </p:cSld>
@@ -18723,10 +18897,10 @@
           <p:nvPr/>
         </p:nvPicPr>
         <p:blipFill>
-          <a:blip r:embed="rId3">
+          <a:blip r:embed="rId3" cstate="print">
             <a:extLst>
               <a:ext uri="{28A0092B-C50C-407E-A947-70E740481C1C}">
-                <a14:useLocalDpi xmlns:a14="http://schemas.microsoft.com/office/drawing/2010/main" val="0"/>
+                <a14:useLocalDpi xmlns:a14="http://schemas.microsoft.com/office/drawing/2010/main" xmlns="" val="0"/>
               </a:ext>
             </a:extLst>
           </a:blip>
@@ -18749,14 +18923,14 @@
           </a:ln>
           <a:extLst>
             <a:ext uri="{909E8E84-426E-40DD-AFC4-6F175D3DCCD1}">
-              <a14:hiddenFill xmlns:a14="http://schemas.microsoft.com/office/drawing/2010/main">
+              <a14:hiddenFill xmlns:a14="http://schemas.microsoft.com/office/drawing/2010/main" xmlns="">
                 <a:solidFill>
                   <a:schemeClr val="accent1"/>
                 </a:solidFill>
               </a14:hiddenFill>
             </a:ext>
             <a:ext uri="{91240B29-F687-4F45-9708-019B960494DF}">
-              <a14:hiddenLine xmlns:a14="http://schemas.microsoft.com/office/drawing/2010/main" w="9525">
+              <a14:hiddenLine xmlns:a14="http://schemas.microsoft.com/office/drawing/2010/main" xmlns="" w="9525">
                 <a:solidFill>
                   <a:schemeClr val="tx1"/>
                 </a:solidFill>
@@ -18777,10 +18951,10 @@
           <p:nvPr/>
         </p:nvPicPr>
         <p:blipFill>
-          <a:blip r:embed="rId4">
+          <a:blip r:embed="rId4" cstate="print">
             <a:extLst>
               <a:ext uri="{28A0092B-C50C-407E-A947-70E740481C1C}">
-                <a14:useLocalDpi xmlns:a14="http://schemas.microsoft.com/office/drawing/2010/main" val="0"/>
+                <a14:useLocalDpi xmlns:a14="http://schemas.microsoft.com/office/drawing/2010/main" xmlns="" val="0"/>
               </a:ext>
             </a:extLst>
           </a:blip>
@@ -18803,14 +18977,14 @@
           </a:ln>
           <a:extLst>
             <a:ext uri="{909E8E84-426E-40DD-AFC4-6F175D3DCCD1}">
-              <a14:hiddenFill xmlns:a14="http://schemas.microsoft.com/office/drawing/2010/main">
+              <a14:hiddenFill xmlns:a14="http://schemas.microsoft.com/office/drawing/2010/main" xmlns="">
                 <a:solidFill>
                   <a:schemeClr val="accent1"/>
                 </a:solidFill>
               </a14:hiddenFill>
             </a:ext>
             <a:ext uri="{91240B29-F687-4F45-9708-019B960494DF}">
-              <a14:hiddenLine xmlns:a14="http://schemas.microsoft.com/office/drawing/2010/main" w="9525">
+              <a14:hiddenLine xmlns:a14="http://schemas.microsoft.com/office/drawing/2010/main" xmlns="" w="9525">
                 <a:solidFill>
                   <a:schemeClr val="tx1"/>
                 </a:solidFill>
@@ -18825,7 +18999,7 @@
     </p:spTree>
     <p:extLst>
       <p:ext uri="{BB962C8B-B14F-4D97-AF65-F5344CB8AC3E}">
-        <p14:creationId xmlns:p14="http://schemas.microsoft.com/office/powerpoint/2010/main" val="2635250499"/>
+        <p14:creationId xmlns:p14="http://schemas.microsoft.com/office/powerpoint/2010/main" xmlns="" val="2635250499"/>
       </p:ext>
     </p:extLst>
   </p:cSld>
@@ -18868,10 +19042,10 @@
           <p:nvPr/>
         </p:nvPicPr>
         <p:blipFill>
-          <a:blip r:embed="rId3">
+          <a:blip r:embed="rId3" cstate="print">
             <a:extLst>
               <a:ext uri="{28A0092B-C50C-407E-A947-70E740481C1C}">
-                <a14:useLocalDpi xmlns:a14="http://schemas.microsoft.com/office/drawing/2010/main" val="0"/>
+                <a14:useLocalDpi xmlns:a14="http://schemas.microsoft.com/office/drawing/2010/main" xmlns="" val="0"/>
               </a:ext>
             </a:extLst>
           </a:blip>
@@ -18894,14 +19068,14 @@
           </a:ln>
           <a:extLst>
             <a:ext uri="{909E8E84-426E-40DD-AFC4-6F175D3DCCD1}">
-              <a14:hiddenFill xmlns:a14="http://schemas.microsoft.com/office/drawing/2010/main">
+              <a14:hiddenFill xmlns:a14="http://schemas.microsoft.com/office/drawing/2010/main" xmlns="">
                 <a:solidFill>
                   <a:schemeClr val="accent1"/>
                 </a:solidFill>
               </a14:hiddenFill>
             </a:ext>
             <a:ext uri="{91240B29-F687-4F45-9708-019B960494DF}">
-              <a14:hiddenLine xmlns:a14="http://schemas.microsoft.com/office/drawing/2010/main" w="9525">
+              <a14:hiddenLine xmlns:a14="http://schemas.microsoft.com/office/drawing/2010/main" xmlns="" w="9525">
                 <a:solidFill>
                   <a:schemeClr val="tx1"/>
                 </a:solidFill>
@@ -19158,7 +19332,7 @@
           <a:blip r:embed="rId4" cstate="print">
             <a:extLst>
               <a:ext uri="{28A0092B-C50C-407E-A947-70E740481C1C}">
-                <a14:useLocalDpi xmlns:a14="http://schemas.microsoft.com/office/drawing/2010/main" val="0"/>
+                <a14:useLocalDpi xmlns:a14="http://schemas.microsoft.com/office/drawing/2010/main" xmlns="" val="0"/>
               </a:ext>
             </a:extLst>
           </a:blip>
@@ -19182,14 +19356,14 @@
           <a:effectLst/>
           <a:extLst>
             <a:ext uri="{909E8E84-426E-40DD-AFC4-6F175D3DCCD1}">
-              <a14:hiddenFill xmlns:a14="http://schemas.microsoft.com/office/drawing/2010/main">
+              <a14:hiddenFill xmlns:a14="http://schemas.microsoft.com/office/drawing/2010/main" xmlns="">
                 <a:solidFill>
                   <a:schemeClr val="accent1"/>
                 </a:solidFill>
               </a14:hiddenFill>
             </a:ext>
             <a:ext uri="{91240B29-F687-4F45-9708-019B960494DF}">
-              <a14:hiddenLine xmlns:a14="http://schemas.microsoft.com/office/drawing/2010/main" w="9525">
+              <a14:hiddenLine xmlns:a14="http://schemas.microsoft.com/office/drawing/2010/main" xmlns="" w="9525">
                 <a:solidFill>
                   <a:schemeClr val="tx1"/>
                 </a:solidFill>
@@ -19199,7 +19373,7 @@
               </a14:hiddenLine>
             </a:ext>
             <a:ext uri="{AF507438-7753-43E0-B8FC-AC1667EBCBE1}">
-              <a14:hiddenEffects xmlns:a14="http://schemas.microsoft.com/office/drawing/2010/main">
+              <a14:hiddenEffects xmlns:a14="http://schemas.microsoft.com/office/drawing/2010/main" xmlns="">
                 <a:effectLst>
                   <a:outerShdw dist="35921" dir="2700000" algn="ctr" rotWithShape="0">
                     <a:schemeClr val="bg2"/>
@@ -19222,7 +19396,7 @@
           <a:blip r:embed="rId5" cstate="print">
             <a:extLst>
               <a:ext uri="{28A0092B-C50C-407E-A947-70E740481C1C}">
-                <a14:useLocalDpi xmlns:a14="http://schemas.microsoft.com/office/drawing/2010/main" val="0"/>
+                <a14:useLocalDpi xmlns:a14="http://schemas.microsoft.com/office/drawing/2010/main" xmlns="" val="0"/>
               </a:ext>
             </a:extLst>
           </a:blip>
@@ -19245,14 +19419,14 @@
           </a:ln>
           <a:extLst>
             <a:ext uri="{909E8E84-426E-40DD-AFC4-6F175D3DCCD1}">
-              <a14:hiddenFill xmlns:a14="http://schemas.microsoft.com/office/drawing/2010/main">
+              <a14:hiddenFill xmlns:a14="http://schemas.microsoft.com/office/drawing/2010/main" xmlns="">
                 <a:solidFill>
                   <a:schemeClr val="accent1"/>
                 </a:solidFill>
               </a14:hiddenFill>
             </a:ext>
             <a:ext uri="{91240B29-F687-4F45-9708-019B960494DF}">
-              <a14:hiddenLine xmlns:a14="http://schemas.microsoft.com/office/drawing/2010/main" w="9525">
+              <a14:hiddenLine xmlns:a14="http://schemas.microsoft.com/office/drawing/2010/main" xmlns="" w="9525">
                 <a:solidFill>
                   <a:schemeClr val="tx1"/>
                 </a:solidFill>
@@ -19273,10 +19447,10 @@
           <p:nvPr/>
         </p:nvPicPr>
         <p:blipFill>
-          <a:blip r:embed="rId6">
+          <a:blip r:embed="rId6" cstate="print">
             <a:extLst>
               <a:ext uri="{28A0092B-C50C-407E-A947-70E740481C1C}">
-                <a14:useLocalDpi xmlns:a14="http://schemas.microsoft.com/office/drawing/2010/main" val="0"/>
+                <a14:useLocalDpi xmlns:a14="http://schemas.microsoft.com/office/drawing/2010/main" xmlns="" val="0"/>
               </a:ext>
             </a:extLst>
           </a:blip>
@@ -19299,14 +19473,14 @@
           </a:ln>
           <a:extLst>
             <a:ext uri="{909E8E84-426E-40DD-AFC4-6F175D3DCCD1}">
-              <a14:hiddenFill xmlns:a14="http://schemas.microsoft.com/office/drawing/2010/main">
+              <a14:hiddenFill xmlns:a14="http://schemas.microsoft.com/office/drawing/2010/main" xmlns="">
                 <a:solidFill>
                   <a:schemeClr val="accent1"/>
                 </a:solidFill>
               </a14:hiddenFill>
             </a:ext>
             <a:ext uri="{91240B29-F687-4F45-9708-019B960494DF}">
-              <a14:hiddenLine xmlns:a14="http://schemas.microsoft.com/office/drawing/2010/main" w="9525">
+              <a14:hiddenLine xmlns:a14="http://schemas.microsoft.com/office/drawing/2010/main" xmlns="" w="9525">
                 <a:solidFill>
                   <a:schemeClr val="tx1"/>
                 </a:solidFill>
@@ -19327,10 +19501,10 @@
           <p:nvPr/>
         </p:nvPicPr>
         <p:blipFill>
-          <a:blip r:embed="rId7">
+          <a:blip r:embed="rId7" cstate="print">
             <a:extLst>
               <a:ext uri="{28A0092B-C50C-407E-A947-70E740481C1C}">
-                <a14:useLocalDpi xmlns:a14="http://schemas.microsoft.com/office/drawing/2010/main" val="0"/>
+                <a14:useLocalDpi xmlns:a14="http://schemas.microsoft.com/office/drawing/2010/main" xmlns="" val="0"/>
               </a:ext>
             </a:extLst>
           </a:blip>
@@ -19353,14 +19527,14 @@
           </a:ln>
           <a:extLst>
             <a:ext uri="{909E8E84-426E-40DD-AFC4-6F175D3DCCD1}">
-              <a14:hiddenFill xmlns:a14="http://schemas.microsoft.com/office/drawing/2010/main">
+              <a14:hiddenFill xmlns:a14="http://schemas.microsoft.com/office/drawing/2010/main" xmlns="">
                 <a:solidFill>
                   <a:schemeClr val="accent1"/>
                 </a:solidFill>
               </a14:hiddenFill>
             </a:ext>
             <a:ext uri="{91240B29-F687-4F45-9708-019B960494DF}">
-              <a14:hiddenLine xmlns:a14="http://schemas.microsoft.com/office/drawing/2010/main" w="9525">
+              <a14:hiddenLine xmlns:a14="http://schemas.microsoft.com/office/drawing/2010/main" xmlns="" w="9525">
                 <a:solidFill>
                   <a:schemeClr val="tx1"/>
                 </a:solidFill>
@@ -19861,18 +20035,18 @@
     </p:spTree>
     <p:extLst>
       <p:ext uri="{BB962C8B-B14F-4D97-AF65-F5344CB8AC3E}">
-        <p14:creationId xmlns:p14="http://schemas.microsoft.com/office/powerpoint/2010/main" val="69969289"/>
+        <p14:creationId xmlns:p14="http://schemas.microsoft.com/office/powerpoint/2010/main" xmlns="" val="69969289"/>
       </p:ext>
     </p:extLst>
   </p:cSld>
   <p:clrMapOvr>
     <a:masterClrMapping/>
   </p:clrMapOvr>
-  <mc:AlternateContent xmlns:mc="http://schemas.openxmlformats.org/markup-compatibility/2006" xmlns:p14="http://schemas.microsoft.com/office/powerpoint/2010/main">
-    <mc:Choice Requires="p14">
+  <mc:AlternateContent xmlns:mc="http://schemas.openxmlformats.org/markup-compatibility/2006">
+    <mc:Choice xmlns:p14="http://schemas.microsoft.com/office/powerpoint/2010/main" xmlns="" Requires="p14">
       <p:transition spd="slow" p14:dur="2000"/>
     </mc:Choice>
-    <mc:Fallback xmlns="">
+    <mc:Fallback>
       <p:transition spd="slow"/>
     </mc:Fallback>
   </mc:AlternateContent>
@@ -20307,10 +20481,10 @@
           <p:nvPr/>
         </p:nvPicPr>
         <p:blipFill>
-          <a:blip r:embed="rId3">
+          <a:blip r:embed="rId3" cstate="print">
             <a:extLst>
               <a:ext uri="{28A0092B-C50C-407E-A947-70E740481C1C}">
-                <a14:useLocalDpi xmlns:a14="http://schemas.microsoft.com/office/drawing/2010/main" val="0"/>
+                <a14:useLocalDpi xmlns:a14="http://schemas.microsoft.com/office/drawing/2010/main" xmlns="" val="0"/>
               </a:ext>
             </a:extLst>
           </a:blip>
@@ -20333,14 +20507,14 @@
           </a:ln>
           <a:extLst>
             <a:ext uri="{909E8E84-426E-40DD-AFC4-6F175D3DCCD1}">
-              <a14:hiddenFill xmlns:a14="http://schemas.microsoft.com/office/drawing/2010/main">
+              <a14:hiddenFill xmlns:a14="http://schemas.microsoft.com/office/drawing/2010/main" xmlns="">
                 <a:solidFill>
                   <a:schemeClr val="accent1"/>
                 </a:solidFill>
               </a14:hiddenFill>
             </a:ext>
             <a:ext uri="{91240B29-F687-4F45-9708-019B960494DF}">
-              <a14:hiddenLine xmlns:a14="http://schemas.microsoft.com/office/drawing/2010/main" w="9525">
+              <a14:hiddenLine xmlns:a14="http://schemas.microsoft.com/office/drawing/2010/main" xmlns="" w="9525">
                 <a:solidFill>
                   <a:schemeClr val="tx1"/>
                 </a:solidFill>
@@ -20361,10 +20535,10 @@
           <p:nvPr/>
         </p:nvPicPr>
         <p:blipFill>
-          <a:blip r:embed="rId4">
+          <a:blip r:embed="rId4" cstate="print">
             <a:extLst>
               <a:ext uri="{28A0092B-C50C-407E-A947-70E740481C1C}">
-                <a14:useLocalDpi xmlns:a14="http://schemas.microsoft.com/office/drawing/2010/main" val="0"/>
+                <a14:useLocalDpi xmlns:a14="http://schemas.microsoft.com/office/drawing/2010/main" xmlns="" val="0"/>
               </a:ext>
             </a:extLst>
           </a:blip>
@@ -20387,14 +20561,14 @@
           </a:ln>
           <a:extLst>
             <a:ext uri="{909E8E84-426E-40DD-AFC4-6F175D3DCCD1}">
-              <a14:hiddenFill xmlns:a14="http://schemas.microsoft.com/office/drawing/2010/main">
+              <a14:hiddenFill xmlns:a14="http://schemas.microsoft.com/office/drawing/2010/main" xmlns="">
                 <a:solidFill>
                   <a:schemeClr val="accent1"/>
                 </a:solidFill>
               </a14:hiddenFill>
             </a:ext>
             <a:ext uri="{91240B29-F687-4F45-9708-019B960494DF}">
-              <a14:hiddenLine xmlns:a14="http://schemas.microsoft.com/office/drawing/2010/main" w="9525">
+              <a14:hiddenLine xmlns:a14="http://schemas.microsoft.com/office/drawing/2010/main" xmlns="" w="9525">
                 <a:solidFill>
                   <a:schemeClr val="tx1"/>
                 </a:solidFill>
@@ -20409,18 +20583,18 @@
     </p:spTree>
     <p:extLst>
       <p:ext uri="{BB962C8B-B14F-4D97-AF65-F5344CB8AC3E}">
-        <p14:creationId xmlns:p14="http://schemas.microsoft.com/office/powerpoint/2010/main" val="1985332883"/>
+        <p14:creationId xmlns:p14="http://schemas.microsoft.com/office/powerpoint/2010/main" xmlns="" val="1985332883"/>
       </p:ext>
     </p:extLst>
   </p:cSld>
   <p:clrMapOvr>
     <a:masterClrMapping/>
   </p:clrMapOvr>
-  <mc:AlternateContent xmlns:mc="http://schemas.openxmlformats.org/markup-compatibility/2006" xmlns:p14="http://schemas.microsoft.com/office/powerpoint/2010/main">
-    <mc:Choice Requires="p14">
+  <mc:AlternateContent xmlns:mc="http://schemas.openxmlformats.org/markup-compatibility/2006">
+    <mc:Choice xmlns:p14="http://schemas.microsoft.com/office/powerpoint/2010/main" xmlns="" Requires="p14">
       <p:transition spd="slow" p14:dur="2000"/>
     </mc:Choice>
-    <mc:Fallback xmlns="">
+    <mc:Fallback>
       <p:transition spd="slow"/>
     </mc:Fallback>
   </mc:AlternateContent>
@@ -20682,7 +20856,7 @@
           <a:blip r:embed="rId3" cstate="print">
             <a:extLst>
               <a:ext uri="{28A0092B-C50C-407E-A947-70E740481C1C}">
-                <a14:useLocalDpi xmlns:a14="http://schemas.microsoft.com/office/drawing/2010/main" val="0"/>
+                <a14:useLocalDpi xmlns:a14="http://schemas.microsoft.com/office/drawing/2010/main" xmlns="" val="0"/>
               </a:ext>
             </a:extLst>
           </a:blip>
@@ -20705,14 +20879,14 @@
           </a:ln>
           <a:extLst>
             <a:ext uri="{909E8E84-426E-40DD-AFC4-6F175D3DCCD1}">
-              <a14:hiddenFill xmlns:a14="http://schemas.microsoft.com/office/drawing/2010/main">
+              <a14:hiddenFill xmlns:a14="http://schemas.microsoft.com/office/drawing/2010/main" xmlns="">
                 <a:solidFill>
                   <a:schemeClr val="accent1"/>
                 </a:solidFill>
               </a14:hiddenFill>
             </a:ext>
             <a:ext uri="{91240B29-F687-4F45-9708-019B960494DF}">
-              <a14:hiddenLine xmlns:a14="http://schemas.microsoft.com/office/drawing/2010/main" w="9525">
+              <a14:hiddenLine xmlns:a14="http://schemas.microsoft.com/office/drawing/2010/main" xmlns="" w="9525">
                 <a:solidFill>
                   <a:schemeClr val="tx1"/>
                 </a:solidFill>
@@ -20981,7 +21155,7 @@
           <a:blip r:embed="rId4" cstate="print">
             <a:extLst>
               <a:ext uri="{28A0092B-C50C-407E-A947-70E740481C1C}">
-                <a14:useLocalDpi xmlns:a14="http://schemas.microsoft.com/office/drawing/2010/main" val="0"/>
+                <a14:useLocalDpi xmlns:a14="http://schemas.microsoft.com/office/drawing/2010/main" xmlns="" val="0"/>
               </a:ext>
             </a:extLst>
           </a:blip>
@@ -21004,14 +21178,14 @@
           </a:ln>
           <a:extLst>
             <a:ext uri="{909E8E84-426E-40DD-AFC4-6F175D3DCCD1}">
-              <a14:hiddenFill xmlns:a14="http://schemas.microsoft.com/office/drawing/2010/main">
+              <a14:hiddenFill xmlns:a14="http://schemas.microsoft.com/office/drawing/2010/main" xmlns="">
                 <a:solidFill>
                   <a:schemeClr val="accent1"/>
                 </a:solidFill>
               </a14:hiddenFill>
             </a:ext>
             <a:ext uri="{91240B29-F687-4F45-9708-019B960494DF}">
-              <a14:hiddenLine xmlns:a14="http://schemas.microsoft.com/office/drawing/2010/main" w="9525">
+              <a14:hiddenLine xmlns:a14="http://schemas.microsoft.com/office/drawing/2010/main" xmlns="" w="9525">
                 <a:solidFill>
                   <a:schemeClr val="tx1"/>
                 </a:solidFill>
@@ -21404,7 +21578,7 @@
           <a:blip r:embed="rId4" cstate="print">
             <a:extLst>
               <a:ext uri="{28A0092B-C50C-407E-A947-70E740481C1C}">
-                <a14:useLocalDpi xmlns:a14="http://schemas.microsoft.com/office/drawing/2010/main" val="0"/>
+                <a14:useLocalDpi xmlns:a14="http://schemas.microsoft.com/office/drawing/2010/main" xmlns="" val="0"/>
               </a:ext>
             </a:extLst>
           </a:blip>
@@ -21427,14 +21601,14 @@
           </a:ln>
           <a:extLst>
             <a:ext uri="{909E8E84-426E-40DD-AFC4-6F175D3DCCD1}">
-              <a14:hiddenFill xmlns:a14="http://schemas.microsoft.com/office/drawing/2010/main">
+              <a14:hiddenFill xmlns:a14="http://schemas.microsoft.com/office/drawing/2010/main" xmlns="">
                 <a:solidFill>
                   <a:schemeClr val="accent1"/>
                 </a:solidFill>
               </a14:hiddenFill>
             </a:ext>
             <a:ext uri="{91240B29-F687-4F45-9708-019B960494DF}">
-              <a14:hiddenLine xmlns:a14="http://schemas.microsoft.com/office/drawing/2010/main" w="9525">
+              <a14:hiddenLine xmlns:a14="http://schemas.microsoft.com/office/drawing/2010/main" xmlns="" w="9525">
                 <a:solidFill>
                   <a:schemeClr val="tx1"/>
                 </a:solidFill>
@@ -22217,18 +22391,18 @@
     </p:spTree>
     <p:extLst>
       <p:ext uri="{BB962C8B-B14F-4D97-AF65-F5344CB8AC3E}">
-        <p14:creationId xmlns:p14="http://schemas.microsoft.com/office/powerpoint/2010/main" val="2499104543"/>
+        <p14:creationId xmlns:p14="http://schemas.microsoft.com/office/powerpoint/2010/main" xmlns="" val="2499104543"/>
       </p:ext>
     </p:extLst>
   </p:cSld>
   <p:clrMapOvr>
     <a:masterClrMapping/>
   </p:clrMapOvr>
-  <mc:AlternateContent xmlns:mc="http://schemas.openxmlformats.org/markup-compatibility/2006" xmlns:p14="http://schemas.microsoft.com/office/powerpoint/2010/main">
-    <mc:Choice Requires="p14">
+  <mc:AlternateContent xmlns:mc="http://schemas.openxmlformats.org/markup-compatibility/2006">
+    <mc:Choice xmlns:p14="http://schemas.microsoft.com/office/powerpoint/2010/main" xmlns="" Requires="p14">
       <p:transition spd="slow" p14:dur="2000"/>
     </mc:Choice>
-    <mc:Fallback xmlns="">
+    <mc:Fallback>
       <p:transition spd="slow"/>
     </mc:Fallback>
   </mc:AlternateContent>
@@ -26351,7 +26525,7 @@
     </p:spTree>
     <p:extLst>
       <p:ext uri="{BB962C8B-B14F-4D97-AF65-F5344CB8AC3E}">
-        <p14:creationId xmlns:p14="http://schemas.microsoft.com/office/powerpoint/2010/main" val="4134709709"/>
+        <p14:creationId xmlns:p14="http://schemas.microsoft.com/office/powerpoint/2010/main" xmlns="" val="4134709709"/>
       </p:ext>
     </p:extLst>
   </p:cSld>

--- a/Zwischenvortrag/Präsentation.pptx
+++ b/Zwischenvortrag/Präsentation.pptx
@@ -5,7 +5,7 @@
     <p:sldMasterId id="2147483648" r:id="rId1"/>
   </p:sldMasterIdLst>
   <p:notesMasterIdLst>
-    <p:notesMasterId r:id="rId23"/>
+    <p:notesMasterId r:id="rId27"/>
   </p:notesMasterIdLst>
   <p:sldIdLst>
     <p:sldId id="256" r:id="rId2"/>
@@ -26,9 +26,13 @@
     <p:sldId id="312" r:id="rId17"/>
     <p:sldId id="313" r:id="rId18"/>
     <p:sldId id="314" r:id="rId19"/>
-    <p:sldId id="310" r:id="rId20"/>
-    <p:sldId id="287" r:id="rId21"/>
-    <p:sldId id="299" r:id="rId22"/>
+    <p:sldId id="319" r:id="rId20"/>
+    <p:sldId id="316" r:id="rId21"/>
+    <p:sldId id="320" r:id="rId22"/>
+    <p:sldId id="317" r:id="rId23"/>
+    <p:sldId id="318" r:id="rId24"/>
+    <p:sldId id="287" r:id="rId25"/>
+    <p:sldId id="299" r:id="rId26"/>
   </p:sldIdLst>
   <p:sldSz cx="9144000" cy="6858000" type="screen4x3"/>
   <p:notesSz cx="6858000" cy="9144000"/>
@@ -384,7 +388,7 @@
     </p:spTree>
     <p:extLst>
       <p:ext uri="{BB962C8B-B14F-4D97-AF65-F5344CB8AC3E}">
-        <p14:creationId xmlns:p14="http://schemas.microsoft.com/office/powerpoint/2010/main" xmlns="" val="2533517118"/>
+        <p14:creationId xmlns:p14="http://schemas.microsoft.com/office/powerpoint/2010/main" val="2533517118"/>
       </p:ext>
     </p:extLst>
   </p:cSld>
@@ -1439,20 +1443,6 @@
           </a:bodyPr>
           <a:lstStyle/>
           <a:p>
-            <a:r>
-              <a:rPr lang="de-DE" smtClean="0"/>
-              <a:t>Akzeptoren und Löcher werden aufgrund der Dotierung N_D &gt;&gt; N_A vernachlässigt.</a:t>
-            </a:r>
-          </a:p>
-          <a:p>
-            <a:r>
-              <a:rPr lang="de-DE" smtClean="0"/>
-              <a:t>Randbedingung für Poisson Gleichung aus Forderung nach Ladungsneutralität</a:t>
-            </a:r>
-            <a:r>
-              <a:rPr lang="de-DE" baseline="0" smtClean="0"/>
-              <a:t> in ausreichend großer Entfernung</a:t>
-            </a:r>
             <a:endParaRPr lang="de-DE"/>
           </a:p>
         </p:txBody>
@@ -1558,6 +1548,350 @@
               <a:rPr lang="de-DE" smtClean="0"/>
               <a:pPr/>
               <a:t>2</a:t>
+            </a:fld>
+            <a:endParaRPr lang="de-DE"/>
+          </a:p>
+        </p:txBody>
+      </p:sp>
+    </p:spTree>
+  </p:cSld>
+  <p:clrMapOvr>
+    <a:masterClrMapping/>
+  </p:clrMapOvr>
+</p:notes>
+</file>
+
+<file path=ppt/notesSlides/notesSlide20.xml><?xml version="1.0" encoding="utf-8"?>
+<p:notes xmlns:a="http://schemas.openxmlformats.org/drawingml/2006/main" xmlns:r="http://schemas.openxmlformats.org/officeDocument/2006/relationships" xmlns:p="http://schemas.openxmlformats.org/presentationml/2006/main">
+  <p:cSld>
+    <p:spTree>
+      <p:nvGrpSpPr>
+        <p:cNvPr id="1" name=""/>
+        <p:cNvGrpSpPr/>
+        <p:nvPr/>
+      </p:nvGrpSpPr>
+      <p:grpSpPr>
+        <a:xfrm>
+          <a:off x="0" y="0"/>
+          <a:ext cx="0" cy="0"/>
+          <a:chOff x="0" y="0"/>
+          <a:chExt cx="0" cy="0"/>
+        </a:xfrm>
+      </p:grpSpPr>
+      <p:sp>
+        <p:nvSpPr>
+          <p:cNvPr id="2" name="Folienbildplatzhalter 1"/>
+          <p:cNvSpPr>
+            <a:spLocks noGrp="1" noRot="1" noChangeAspect="1"/>
+          </p:cNvSpPr>
+          <p:nvPr>
+            <p:ph type="sldImg"/>
+          </p:nvPr>
+        </p:nvSpPr>
+        <p:spPr/>
+      </p:sp>
+      <p:sp>
+        <p:nvSpPr>
+          <p:cNvPr id="3" name="Notizenplatzhalter 2"/>
+          <p:cNvSpPr>
+            <a:spLocks noGrp="1"/>
+          </p:cNvSpPr>
+          <p:nvPr>
+            <p:ph type="body" idx="1"/>
+          </p:nvPr>
+        </p:nvSpPr>
+        <p:spPr/>
+        <p:txBody>
+          <a:bodyPr>
+            <a:normAutofit/>
+          </a:bodyPr>
+          <a:lstStyle/>
+          <a:p>
+            <a:r>
+              <a:rPr lang="de-DE" smtClean="0"/>
+              <a:t>Konsistenzfehler entstehen durch die</a:t>
+            </a:r>
+            <a:r>
+              <a:rPr lang="de-DE" baseline="0" smtClean="0"/>
+              <a:t> Diskretisierung der Bilinearform</a:t>
+            </a:r>
+            <a:endParaRPr lang="de-DE"/>
+          </a:p>
+        </p:txBody>
+      </p:sp>
+      <p:sp>
+        <p:nvSpPr>
+          <p:cNvPr id="4" name="Foliennummernplatzhalter 3"/>
+          <p:cNvSpPr>
+            <a:spLocks noGrp="1"/>
+          </p:cNvSpPr>
+          <p:nvPr>
+            <p:ph type="sldNum" sz="quarter" idx="10"/>
+          </p:nvPr>
+        </p:nvSpPr>
+        <p:spPr/>
+        <p:txBody>
+          <a:bodyPr/>
+          <a:lstStyle/>
+          <a:p>
+            <a:fld id="{31DC6EB7-B8C5-4A13-A184-8A045D6E94E6}" type="slidenum">
+              <a:rPr lang="de-DE" smtClean="0"/>
+              <a:pPr/>
+              <a:t>20</a:t>
+            </a:fld>
+            <a:endParaRPr lang="de-DE"/>
+          </a:p>
+        </p:txBody>
+      </p:sp>
+    </p:spTree>
+  </p:cSld>
+  <p:clrMapOvr>
+    <a:masterClrMapping/>
+  </p:clrMapOvr>
+</p:notes>
+</file>
+
+<file path=ppt/notesSlides/notesSlide21.xml><?xml version="1.0" encoding="utf-8"?>
+<p:notes xmlns:a="http://schemas.openxmlformats.org/drawingml/2006/main" xmlns:r="http://schemas.openxmlformats.org/officeDocument/2006/relationships" xmlns:p="http://schemas.openxmlformats.org/presentationml/2006/main">
+  <p:cSld>
+    <p:spTree>
+      <p:nvGrpSpPr>
+        <p:cNvPr id="1" name=""/>
+        <p:cNvGrpSpPr/>
+        <p:nvPr/>
+      </p:nvGrpSpPr>
+      <p:grpSpPr>
+        <a:xfrm>
+          <a:off x="0" y="0"/>
+          <a:ext cx="0" cy="0"/>
+          <a:chOff x="0" y="0"/>
+          <a:chExt cx="0" cy="0"/>
+        </a:xfrm>
+      </p:grpSpPr>
+      <p:sp>
+        <p:nvSpPr>
+          <p:cNvPr id="2" name="Folienbildplatzhalter 1"/>
+          <p:cNvSpPr>
+            <a:spLocks noGrp="1" noRot="1" noChangeAspect="1"/>
+          </p:cNvSpPr>
+          <p:nvPr>
+            <p:ph type="sldImg"/>
+          </p:nvPr>
+        </p:nvSpPr>
+        <p:spPr/>
+      </p:sp>
+      <p:sp>
+        <p:nvSpPr>
+          <p:cNvPr id="3" name="Notizenplatzhalter 2"/>
+          <p:cNvSpPr>
+            <a:spLocks noGrp="1"/>
+          </p:cNvSpPr>
+          <p:nvPr>
+            <p:ph type="body" idx="1"/>
+          </p:nvPr>
+        </p:nvSpPr>
+        <p:spPr/>
+        <p:txBody>
+          <a:bodyPr>
+            <a:normAutofit/>
+          </a:bodyPr>
+          <a:lstStyle/>
+          <a:p>
+            <a:r>
+              <a:rPr lang="de-DE" smtClean="0"/>
+              <a:t>Konsistenzfehler entstehen durch die</a:t>
+            </a:r>
+            <a:r>
+              <a:rPr lang="de-DE" baseline="0" smtClean="0"/>
+              <a:t> Diskretisierung der Bilinearform</a:t>
+            </a:r>
+            <a:endParaRPr lang="de-DE"/>
+          </a:p>
+        </p:txBody>
+      </p:sp>
+      <p:sp>
+        <p:nvSpPr>
+          <p:cNvPr id="4" name="Foliennummernplatzhalter 3"/>
+          <p:cNvSpPr>
+            <a:spLocks noGrp="1"/>
+          </p:cNvSpPr>
+          <p:nvPr>
+            <p:ph type="sldNum" sz="quarter" idx="10"/>
+          </p:nvPr>
+        </p:nvSpPr>
+        <p:spPr/>
+        <p:txBody>
+          <a:bodyPr/>
+          <a:lstStyle/>
+          <a:p>
+            <a:fld id="{31DC6EB7-B8C5-4A13-A184-8A045D6E94E6}" type="slidenum">
+              <a:rPr lang="de-DE" smtClean="0"/>
+              <a:pPr/>
+              <a:t>21</a:t>
+            </a:fld>
+            <a:endParaRPr lang="de-DE"/>
+          </a:p>
+        </p:txBody>
+      </p:sp>
+    </p:spTree>
+  </p:cSld>
+  <p:clrMapOvr>
+    <a:masterClrMapping/>
+  </p:clrMapOvr>
+</p:notes>
+</file>
+
+<file path=ppt/notesSlides/notesSlide22.xml><?xml version="1.0" encoding="utf-8"?>
+<p:notes xmlns:a="http://schemas.openxmlformats.org/drawingml/2006/main" xmlns:r="http://schemas.openxmlformats.org/officeDocument/2006/relationships" xmlns:p="http://schemas.openxmlformats.org/presentationml/2006/main">
+  <p:cSld>
+    <p:spTree>
+      <p:nvGrpSpPr>
+        <p:cNvPr id="1" name=""/>
+        <p:cNvGrpSpPr/>
+        <p:nvPr/>
+      </p:nvGrpSpPr>
+      <p:grpSpPr>
+        <a:xfrm>
+          <a:off x="0" y="0"/>
+          <a:ext cx="0" cy="0"/>
+          <a:chOff x="0" y="0"/>
+          <a:chExt cx="0" cy="0"/>
+        </a:xfrm>
+      </p:grpSpPr>
+      <p:sp>
+        <p:nvSpPr>
+          <p:cNvPr id="2" name="Folienbildplatzhalter 1"/>
+          <p:cNvSpPr>
+            <a:spLocks noGrp="1" noRot="1" noChangeAspect="1"/>
+          </p:cNvSpPr>
+          <p:nvPr>
+            <p:ph type="sldImg"/>
+          </p:nvPr>
+        </p:nvSpPr>
+        <p:spPr/>
+      </p:sp>
+      <p:sp>
+        <p:nvSpPr>
+          <p:cNvPr id="3" name="Notizenplatzhalter 2"/>
+          <p:cNvSpPr>
+            <a:spLocks noGrp="1"/>
+          </p:cNvSpPr>
+          <p:nvPr>
+            <p:ph type="body" idx="1"/>
+          </p:nvPr>
+        </p:nvSpPr>
+        <p:spPr/>
+        <p:txBody>
+          <a:bodyPr>
+            <a:normAutofit/>
+          </a:bodyPr>
+          <a:lstStyle/>
+          <a:p>
+            <a:endParaRPr lang="de-DE"/>
+          </a:p>
+        </p:txBody>
+      </p:sp>
+      <p:sp>
+        <p:nvSpPr>
+          <p:cNvPr id="4" name="Foliennummernplatzhalter 3"/>
+          <p:cNvSpPr>
+            <a:spLocks noGrp="1"/>
+          </p:cNvSpPr>
+          <p:nvPr>
+            <p:ph type="sldNum" sz="quarter" idx="10"/>
+          </p:nvPr>
+        </p:nvSpPr>
+        <p:spPr/>
+        <p:txBody>
+          <a:bodyPr/>
+          <a:lstStyle/>
+          <a:p>
+            <a:fld id="{31DC6EB7-B8C5-4A13-A184-8A045D6E94E6}" type="slidenum">
+              <a:rPr lang="de-DE" smtClean="0"/>
+              <a:pPr/>
+              <a:t>22</a:t>
+            </a:fld>
+            <a:endParaRPr lang="de-DE"/>
+          </a:p>
+        </p:txBody>
+      </p:sp>
+    </p:spTree>
+  </p:cSld>
+  <p:clrMapOvr>
+    <a:masterClrMapping/>
+  </p:clrMapOvr>
+</p:notes>
+</file>
+
+<file path=ppt/notesSlides/notesSlide23.xml><?xml version="1.0" encoding="utf-8"?>
+<p:notes xmlns:a="http://schemas.openxmlformats.org/drawingml/2006/main" xmlns:r="http://schemas.openxmlformats.org/officeDocument/2006/relationships" xmlns:p="http://schemas.openxmlformats.org/presentationml/2006/main">
+  <p:cSld>
+    <p:spTree>
+      <p:nvGrpSpPr>
+        <p:cNvPr id="1" name=""/>
+        <p:cNvGrpSpPr/>
+        <p:nvPr/>
+      </p:nvGrpSpPr>
+      <p:grpSpPr>
+        <a:xfrm>
+          <a:off x="0" y="0"/>
+          <a:ext cx="0" cy="0"/>
+          <a:chOff x="0" y="0"/>
+          <a:chExt cx="0" cy="0"/>
+        </a:xfrm>
+      </p:grpSpPr>
+      <p:sp>
+        <p:nvSpPr>
+          <p:cNvPr id="2" name="Folienbildplatzhalter 1"/>
+          <p:cNvSpPr>
+            <a:spLocks noGrp="1" noRot="1" noChangeAspect="1"/>
+          </p:cNvSpPr>
+          <p:nvPr>
+            <p:ph type="sldImg"/>
+          </p:nvPr>
+        </p:nvSpPr>
+        <p:spPr/>
+      </p:sp>
+      <p:sp>
+        <p:nvSpPr>
+          <p:cNvPr id="3" name="Notizenplatzhalter 2"/>
+          <p:cNvSpPr>
+            <a:spLocks noGrp="1"/>
+          </p:cNvSpPr>
+          <p:nvPr>
+            <p:ph type="body" idx="1"/>
+          </p:nvPr>
+        </p:nvSpPr>
+        <p:spPr/>
+        <p:txBody>
+          <a:bodyPr>
+            <a:normAutofit/>
+          </a:bodyPr>
+          <a:lstStyle/>
+          <a:p>
+            <a:endParaRPr lang="de-DE"/>
+          </a:p>
+        </p:txBody>
+      </p:sp>
+      <p:sp>
+        <p:nvSpPr>
+          <p:cNvPr id="4" name="Foliennummernplatzhalter 3"/>
+          <p:cNvSpPr>
+            <a:spLocks noGrp="1"/>
+          </p:cNvSpPr>
+          <p:nvPr>
+            <p:ph type="sldNum" sz="quarter" idx="10"/>
+          </p:nvPr>
+        </p:nvSpPr>
+        <p:spPr/>
+        <p:txBody>
+          <a:bodyPr/>
+          <a:lstStyle/>
+          <a:p>
+            <a:fld id="{31DC6EB7-B8C5-4A13-A184-8A045D6E94E6}" type="slidenum">
+              <a:rPr lang="de-DE" smtClean="0"/>
+              <a:pPr/>
+              <a:t>23</a:t>
             </a:fld>
             <a:endParaRPr lang="de-DE"/>
           </a:p>
@@ -6356,7 +6690,7 @@
           <a:blip r:embed="rId3" cstate="print">
             <a:extLst>
               <a:ext uri="{28A0092B-C50C-407E-A947-70E740481C1C}">
-                <a14:useLocalDpi xmlns:a14="http://schemas.microsoft.com/office/drawing/2010/main" xmlns="" val="0"/>
+                <a14:useLocalDpi xmlns:a14="http://schemas.microsoft.com/office/drawing/2010/main" val="0"/>
               </a:ext>
             </a:extLst>
           </a:blip>
@@ -6379,14 +6713,14 @@
           </a:ln>
           <a:extLst>
             <a:ext uri="{909E8E84-426E-40DD-AFC4-6F175D3DCCD1}">
-              <a14:hiddenFill xmlns:a14="http://schemas.microsoft.com/office/drawing/2010/main" xmlns="">
+              <a14:hiddenFill xmlns:a14="http://schemas.microsoft.com/office/drawing/2010/main">
                 <a:solidFill>
                   <a:schemeClr val="accent1"/>
                 </a:solidFill>
               </a14:hiddenFill>
             </a:ext>
             <a:ext uri="{91240B29-F687-4F45-9708-019B960494DF}">
-              <a14:hiddenLine xmlns:a14="http://schemas.microsoft.com/office/drawing/2010/main" xmlns="" w="9525">
+              <a14:hiddenLine xmlns:a14="http://schemas.microsoft.com/office/drawing/2010/main" w="9525">
                 <a:solidFill>
                   <a:schemeClr val="tx1"/>
                 </a:solidFill>
@@ -6440,7 +6774,7 @@
           <a:blip r:embed="rId4" cstate="print">
             <a:extLst>
               <a:ext uri="{28A0092B-C50C-407E-A947-70E740481C1C}">
-                <a14:useLocalDpi xmlns:a14="http://schemas.microsoft.com/office/drawing/2010/main" xmlns="" val="0"/>
+                <a14:useLocalDpi xmlns:a14="http://schemas.microsoft.com/office/drawing/2010/main" val="0"/>
               </a:ext>
             </a:extLst>
           </a:blip>
@@ -6463,14 +6797,14 @@
           </a:ln>
           <a:extLst>
             <a:ext uri="{909E8E84-426E-40DD-AFC4-6F175D3DCCD1}">
-              <a14:hiddenFill xmlns:a14="http://schemas.microsoft.com/office/drawing/2010/main" xmlns="">
+              <a14:hiddenFill xmlns:a14="http://schemas.microsoft.com/office/drawing/2010/main">
                 <a:solidFill>
                   <a:schemeClr val="accent1"/>
                 </a:solidFill>
               </a14:hiddenFill>
             </a:ext>
             <a:ext uri="{91240B29-F687-4F45-9708-019B960494DF}">
-              <a14:hiddenLine xmlns:a14="http://schemas.microsoft.com/office/drawing/2010/main" xmlns="" w="9525">
+              <a14:hiddenLine xmlns:a14="http://schemas.microsoft.com/office/drawing/2010/main" w="9525">
                 <a:solidFill>
                   <a:schemeClr val="tx1"/>
                 </a:solidFill>
@@ -6494,7 +6828,7 @@
           <a:blip r:embed="rId5" cstate="print">
             <a:extLst>
               <a:ext uri="{28A0092B-C50C-407E-A947-70E740481C1C}">
-                <a14:useLocalDpi xmlns:a14="http://schemas.microsoft.com/office/drawing/2010/main" xmlns="" val="0"/>
+                <a14:useLocalDpi xmlns:a14="http://schemas.microsoft.com/office/drawing/2010/main" val="0"/>
               </a:ext>
             </a:extLst>
           </a:blip>
@@ -6517,14 +6851,14 @@
           </a:ln>
           <a:extLst>
             <a:ext uri="{909E8E84-426E-40DD-AFC4-6F175D3DCCD1}">
-              <a14:hiddenFill xmlns:a14="http://schemas.microsoft.com/office/drawing/2010/main" xmlns="">
+              <a14:hiddenFill xmlns:a14="http://schemas.microsoft.com/office/drawing/2010/main">
                 <a:solidFill>
                   <a:schemeClr val="accent1"/>
                 </a:solidFill>
               </a14:hiddenFill>
             </a:ext>
             <a:ext uri="{91240B29-F687-4F45-9708-019B960494DF}">
-              <a14:hiddenLine xmlns:a14="http://schemas.microsoft.com/office/drawing/2010/main" xmlns="" w="9525">
+              <a14:hiddenLine xmlns:a14="http://schemas.microsoft.com/office/drawing/2010/main" w="9525">
                 <a:solidFill>
                   <a:schemeClr val="tx1"/>
                 </a:solidFill>
@@ -6583,7 +6917,7 @@
           <a:blip r:embed="rId6" cstate="print">
             <a:extLst>
               <a:ext uri="{28A0092B-C50C-407E-A947-70E740481C1C}">
-                <a14:useLocalDpi xmlns:a14="http://schemas.microsoft.com/office/drawing/2010/main" xmlns="" val="0"/>
+                <a14:useLocalDpi xmlns:a14="http://schemas.microsoft.com/office/drawing/2010/main" val="0"/>
               </a:ext>
             </a:extLst>
           </a:blip>
@@ -6606,14 +6940,14 @@
           </a:ln>
           <a:extLst>
             <a:ext uri="{909E8E84-426E-40DD-AFC4-6F175D3DCCD1}">
-              <a14:hiddenFill xmlns:a14="http://schemas.microsoft.com/office/drawing/2010/main" xmlns="">
+              <a14:hiddenFill xmlns:a14="http://schemas.microsoft.com/office/drawing/2010/main">
                 <a:solidFill>
                   <a:schemeClr val="accent1"/>
                 </a:solidFill>
               </a14:hiddenFill>
             </a:ext>
             <a:ext uri="{91240B29-F687-4F45-9708-019B960494DF}">
-              <a14:hiddenLine xmlns:a14="http://schemas.microsoft.com/office/drawing/2010/main" xmlns="" w="9525">
+              <a14:hiddenLine xmlns:a14="http://schemas.microsoft.com/office/drawing/2010/main" w="9525">
                 <a:solidFill>
                   <a:schemeClr val="tx1"/>
                 </a:solidFill>
@@ -6637,7 +6971,7 @@
           <a:blip r:embed="rId7" cstate="print">
             <a:extLst>
               <a:ext uri="{28A0092B-C50C-407E-A947-70E740481C1C}">
-                <a14:useLocalDpi xmlns:a14="http://schemas.microsoft.com/office/drawing/2010/main" xmlns="" val="0"/>
+                <a14:useLocalDpi xmlns:a14="http://schemas.microsoft.com/office/drawing/2010/main" val="0"/>
               </a:ext>
             </a:extLst>
           </a:blip>
@@ -6660,14 +6994,14 @@
           </a:ln>
           <a:extLst>
             <a:ext uri="{909E8E84-426E-40DD-AFC4-6F175D3DCCD1}">
-              <a14:hiddenFill xmlns:a14="http://schemas.microsoft.com/office/drawing/2010/main" xmlns="">
+              <a14:hiddenFill xmlns:a14="http://schemas.microsoft.com/office/drawing/2010/main">
                 <a:solidFill>
                   <a:schemeClr val="accent1"/>
                 </a:solidFill>
               </a14:hiddenFill>
             </a:ext>
             <a:ext uri="{91240B29-F687-4F45-9708-019B960494DF}">
-              <a14:hiddenLine xmlns:a14="http://schemas.microsoft.com/office/drawing/2010/main" xmlns="" w="9525">
+              <a14:hiddenLine xmlns:a14="http://schemas.microsoft.com/office/drawing/2010/main" w="9525">
                 <a:solidFill>
                   <a:schemeClr val="tx1"/>
                 </a:solidFill>
@@ -6725,7 +7059,7 @@
           <a:blip r:embed="rId8" cstate="print">
             <a:extLst>
               <a:ext uri="{28A0092B-C50C-407E-A947-70E740481C1C}">
-                <a14:useLocalDpi xmlns:a14="http://schemas.microsoft.com/office/drawing/2010/main" xmlns="" val="0"/>
+                <a14:useLocalDpi xmlns:a14="http://schemas.microsoft.com/office/drawing/2010/main" val="0"/>
               </a:ext>
             </a:extLst>
           </a:blip>
@@ -6748,14 +7082,14 @@
           </a:ln>
           <a:extLst>
             <a:ext uri="{909E8E84-426E-40DD-AFC4-6F175D3DCCD1}">
-              <a14:hiddenFill xmlns:a14="http://schemas.microsoft.com/office/drawing/2010/main" xmlns="">
+              <a14:hiddenFill xmlns:a14="http://schemas.microsoft.com/office/drawing/2010/main">
                 <a:solidFill>
                   <a:schemeClr val="accent1"/>
                 </a:solidFill>
               </a14:hiddenFill>
             </a:ext>
             <a:ext uri="{91240B29-F687-4F45-9708-019B960494DF}">
-              <a14:hiddenLine xmlns:a14="http://schemas.microsoft.com/office/drawing/2010/main" xmlns="" w="9525">
+              <a14:hiddenLine xmlns:a14="http://schemas.microsoft.com/office/drawing/2010/main" w="9525">
                 <a:solidFill>
                   <a:schemeClr val="tx1"/>
                 </a:solidFill>
@@ -6779,7 +7113,7 @@
           <a:blip r:embed="rId9" cstate="print">
             <a:extLst>
               <a:ext uri="{28A0092B-C50C-407E-A947-70E740481C1C}">
-                <a14:useLocalDpi xmlns:a14="http://schemas.microsoft.com/office/drawing/2010/main" xmlns="" val="0"/>
+                <a14:useLocalDpi xmlns:a14="http://schemas.microsoft.com/office/drawing/2010/main" val="0"/>
               </a:ext>
             </a:extLst>
           </a:blip>
@@ -6802,14 +7136,14 @@
           </a:ln>
           <a:extLst>
             <a:ext uri="{909E8E84-426E-40DD-AFC4-6F175D3DCCD1}">
-              <a14:hiddenFill xmlns:a14="http://schemas.microsoft.com/office/drawing/2010/main" xmlns="">
+              <a14:hiddenFill xmlns:a14="http://schemas.microsoft.com/office/drawing/2010/main">
                 <a:solidFill>
                   <a:schemeClr val="accent1"/>
                 </a:solidFill>
               </a14:hiddenFill>
             </a:ext>
             <a:ext uri="{91240B29-F687-4F45-9708-019B960494DF}">
-              <a14:hiddenLine xmlns:a14="http://schemas.microsoft.com/office/drawing/2010/main" xmlns="" w="9525">
+              <a14:hiddenLine xmlns:a14="http://schemas.microsoft.com/office/drawing/2010/main" w="9525">
                 <a:solidFill>
                   <a:schemeClr val="tx1"/>
                 </a:solidFill>
@@ -6824,7 +7158,7 @@
     </p:spTree>
     <p:extLst>
       <p:ext uri="{BB962C8B-B14F-4D97-AF65-F5344CB8AC3E}">
-        <p14:creationId xmlns:p14="http://schemas.microsoft.com/office/powerpoint/2010/main" xmlns="" val="729488776"/>
+        <p14:creationId xmlns:p14="http://schemas.microsoft.com/office/powerpoint/2010/main" val="729488776"/>
       </p:ext>
     </p:extLst>
   </p:cSld>
@@ -7061,7 +7395,7 @@
           <a:blip r:embed="rId3" cstate="print">
             <a:extLst>
               <a:ext uri="{28A0092B-C50C-407E-A947-70E740481C1C}">
-                <a14:useLocalDpi xmlns:a14="http://schemas.microsoft.com/office/drawing/2010/main" xmlns="" val="0"/>
+                <a14:useLocalDpi xmlns:a14="http://schemas.microsoft.com/office/drawing/2010/main" val="0"/>
               </a:ext>
             </a:extLst>
           </a:blip>
@@ -7084,14 +7418,14 @@
           </a:ln>
           <a:extLst>
             <a:ext uri="{909E8E84-426E-40DD-AFC4-6F175D3DCCD1}">
-              <a14:hiddenFill xmlns:a14="http://schemas.microsoft.com/office/drawing/2010/main" xmlns="">
+              <a14:hiddenFill xmlns:a14="http://schemas.microsoft.com/office/drawing/2010/main">
                 <a:solidFill>
                   <a:schemeClr val="accent1"/>
                 </a:solidFill>
               </a14:hiddenFill>
             </a:ext>
             <a:ext uri="{91240B29-F687-4F45-9708-019B960494DF}">
-              <a14:hiddenLine xmlns:a14="http://schemas.microsoft.com/office/drawing/2010/main" xmlns="" w="9525">
+              <a14:hiddenLine xmlns:a14="http://schemas.microsoft.com/office/drawing/2010/main" w="9525">
                 <a:solidFill>
                   <a:schemeClr val="tx1"/>
                 </a:solidFill>
@@ -7115,7 +7449,7 @@
           <a:blip r:embed="rId4" cstate="print">
             <a:extLst>
               <a:ext uri="{28A0092B-C50C-407E-A947-70E740481C1C}">
-                <a14:useLocalDpi xmlns:a14="http://schemas.microsoft.com/office/drawing/2010/main" xmlns="" val="0"/>
+                <a14:useLocalDpi xmlns:a14="http://schemas.microsoft.com/office/drawing/2010/main" val="0"/>
               </a:ext>
             </a:extLst>
           </a:blip>
@@ -7138,14 +7472,14 @@
           </a:ln>
           <a:extLst>
             <a:ext uri="{909E8E84-426E-40DD-AFC4-6F175D3DCCD1}">
-              <a14:hiddenFill xmlns:a14="http://schemas.microsoft.com/office/drawing/2010/main" xmlns="">
+              <a14:hiddenFill xmlns:a14="http://schemas.microsoft.com/office/drawing/2010/main">
                 <a:solidFill>
                   <a:schemeClr val="accent1"/>
                 </a:solidFill>
               </a14:hiddenFill>
             </a:ext>
             <a:ext uri="{91240B29-F687-4F45-9708-019B960494DF}">
-              <a14:hiddenLine xmlns:a14="http://schemas.microsoft.com/office/drawing/2010/main" xmlns="" w="9525">
+              <a14:hiddenLine xmlns:a14="http://schemas.microsoft.com/office/drawing/2010/main" w="9525">
                 <a:solidFill>
                   <a:schemeClr val="tx1"/>
                 </a:solidFill>
@@ -7169,7 +7503,7 @@
           <a:blip r:embed="rId5" cstate="print">
             <a:extLst>
               <a:ext uri="{28A0092B-C50C-407E-A947-70E740481C1C}">
-                <a14:useLocalDpi xmlns:a14="http://schemas.microsoft.com/office/drawing/2010/main" xmlns="" val="0"/>
+                <a14:useLocalDpi xmlns:a14="http://schemas.microsoft.com/office/drawing/2010/main" val="0"/>
               </a:ext>
             </a:extLst>
           </a:blip>
@@ -7192,14 +7526,14 @@
           </a:ln>
           <a:extLst>
             <a:ext uri="{909E8E84-426E-40DD-AFC4-6F175D3DCCD1}">
-              <a14:hiddenFill xmlns:a14="http://schemas.microsoft.com/office/drawing/2010/main" xmlns="">
+              <a14:hiddenFill xmlns:a14="http://schemas.microsoft.com/office/drawing/2010/main">
                 <a:solidFill>
                   <a:schemeClr val="accent1"/>
                 </a:solidFill>
               </a14:hiddenFill>
             </a:ext>
             <a:ext uri="{91240B29-F687-4F45-9708-019B960494DF}">
-              <a14:hiddenLine xmlns:a14="http://schemas.microsoft.com/office/drawing/2010/main" xmlns="" w="9525">
+              <a14:hiddenLine xmlns:a14="http://schemas.microsoft.com/office/drawing/2010/main" w="9525">
                 <a:solidFill>
                   <a:schemeClr val="tx1"/>
                 </a:solidFill>
@@ -7912,7 +8246,7 @@
           <a:blip r:embed="rId6" cstate="print">
             <a:extLst>
               <a:ext uri="{28A0092B-C50C-407E-A947-70E740481C1C}">
-                <a14:useLocalDpi xmlns:a14="http://schemas.microsoft.com/office/drawing/2010/main" xmlns="" val="0"/>
+                <a14:useLocalDpi xmlns:a14="http://schemas.microsoft.com/office/drawing/2010/main" val="0"/>
               </a:ext>
             </a:extLst>
           </a:blip>
@@ -7935,14 +8269,14 @@
           </a:ln>
           <a:extLst>
             <a:ext uri="{909E8E84-426E-40DD-AFC4-6F175D3DCCD1}">
-              <a14:hiddenFill xmlns:a14="http://schemas.microsoft.com/office/drawing/2010/main" xmlns="">
+              <a14:hiddenFill xmlns:a14="http://schemas.microsoft.com/office/drawing/2010/main">
                 <a:solidFill>
                   <a:schemeClr val="accent1"/>
                 </a:solidFill>
               </a14:hiddenFill>
             </a:ext>
             <a:ext uri="{91240B29-F687-4F45-9708-019B960494DF}">
-              <a14:hiddenLine xmlns:a14="http://schemas.microsoft.com/office/drawing/2010/main" xmlns="" w="9525">
+              <a14:hiddenLine xmlns:a14="http://schemas.microsoft.com/office/drawing/2010/main" w="9525">
                 <a:solidFill>
                   <a:schemeClr val="tx1"/>
                 </a:solidFill>
@@ -7957,18 +8291,18 @@
     </p:spTree>
     <p:extLst>
       <p:ext uri="{BB962C8B-B14F-4D97-AF65-F5344CB8AC3E}">
-        <p14:creationId xmlns:p14="http://schemas.microsoft.com/office/powerpoint/2010/main" xmlns="" val="2915125699"/>
+        <p14:creationId xmlns:p14="http://schemas.microsoft.com/office/powerpoint/2010/main" val="2915125699"/>
       </p:ext>
     </p:extLst>
   </p:cSld>
   <p:clrMapOvr>
     <a:masterClrMapping/>
   </p:clrMapOvr>
-  <mc:AlternateContent xmlns:mc="http://schemas.openxmlformats.org/markup-compatibility/2006">
-    <mc:Choice xmlns:p14="http://schemas.microsoft.com/office/powerpoint/2010/main" xmlns="" Requires="p14">
+  <mc:AlternateContent xmlns:mc="http://schemas.openxmlformats.org/markup-compatibility/2006" xmlns:p14="http://schemas.microsoft.com/office/powerpoint/2010/main">
+    <mc:Choice Requires="p14">
       <p:transition spd="slow" p14:dur="2000"/>
     </mc:Choice>
-    <mc:Fallback>
+    <mc:Fallback xmlns="">
       <p:transition spd="slow"/>
     </mc:Fallback>
   </mc:AlternateContent>
@@ -8424,7 +8758,7 @@
           <a:blip r:embed="rId3" cstate="print">
             <a:extLst>
               <a:ext uri="{28A0092B-C50C-407E-A947-70E740481C1C}">
-                <a14:useLocalDpi xmlns:a14="http://schemas.microsoft.com/office/drawing/2010/main" xmlns="" val="0"/>
+                <a14:useLocalDpi xmlns:a14="http://schemas.microsoft.com/office/drawing/2010/main" val="0"/>
               </a:ext>
             </a:extLst>
           </a:blip>
@@ -8447,14 +8781,14 @@
           </a:ln>
           <a:extLst>
             <a:ext uri="{909E8E84-426E-40DD-AFC4-6F175D3DCCD1}">
-              <a14:hiddenFill xmlns:a14="http://schemas.microsoft.com/office/drawing/2010/main" xmlns="">
+              <a14:hiddenFill xmlns:a14="http://schemas.microsoft.com/office/drawing/2010/main">
                 <a:solidFill>
                   <a:schemeClr val="accent1"/>
                 </a:solidFill>
               </a14:hiddenFill>
             </a:ext>
             <a:ext uri="{91240B29-F687-4F45-9708-019B960494DF}">
-              <a14:hiddenLine xmlns:a14="http://schemas.microsoft.com/office/drawing/2010/main" xmlns="" w="9525">
+              <a14:hiddenLine xmlns:a14="http://schemas.microsoft.com/office/drawing/2010/main" w="9525">
                 <a:solidFill>
                   <a:schemeClr val="tx1"/>
                 </a:solidFill>
@@ -8478,7 +8812,7 @@
           <a:blip r:embed="rId4" cstate="print">
             <a:extLst>
               <a:ext uri="{28A0092B-C50C-407E-A947-70E740481C1C}">
-                <a14:useLocalDpi xmlns:a14="http://schemas.microsoft.com/office/drawing/2010/main" xmlns="" val="0"/>
+                <a14:useLocalDpi xmlns:a14="http://schemas.microsoft.com/office/drawing/2010/main" val="0"/>
               </a:ext>
             </a:extLst>
           </a:blip>
@@ -8501,14 +8835,14 @@
           </a:ln>
           <a:extLst>
             <a:ext uri="{909E8E84-426E-40DD-AFC4-6F175D3DCCD1}">
-              <a14:hiddenFill xmlns:a14="http://schemas.microsoft.com/office/drawing/2010/main" xmlns="">
+              <a14:hiddenFill xmlns:a14="http://schemas.microsoft.com/office/drawing/2010/main">
                 <a:solidFill>
                   <a:schemeClr val="accent1"/>
                 </a:solidFill>
               </a14:hiddenFill>
             </a:ext>
             <a:ext uri="{91240B29-F687-4F45-9708-019B960494DF}">
-              <a14:hiddenLine xmlns:a14="http://schemas.microsoft.com/office/drawing/2010/main" xmlns="" w="9525">
+              <a14:hiddenLine xmlns:a14="http://schemas.microsoft.com/office/drawing/2010/main" w="9525">
                 <a:solidFill>
                   <a:schemeClr val="tx1"/>
                 </a:solidFill>
@@ -8610,7 +8944,7 @@
           <a:blip r:embed="rId5" cstate="print">
             <a:extLst>
               <a:ext uri="{28A0092B-C50C-407E-A947-70E740481C1C}">
-                <a14:useLocalDpi xmlns:a14="http://schemas.microsoft.com/office/drawing/2010/main" xmlns="" val="0"/>
+                <a14:useLocalDpi xmlns:a14="http://schemas.microsoft.com/office/drawing/2010/main" val="0"/>
               </a:ext>
             </a:extLst>
           </a:blip>
@@ -8633,14 +8967,14 @@
           </a:ln>
           <a:extLst>
             <a:ext uri="{909E8E84-426E-40DD-AFC4-6F175D3DCCD1}">
-              <a14:hiddenFill xmlns:a14="http://schemas.microsoft.com/office/drawing/2010/main" xmlns="">
+              <a14:hiddenFill xmlns:a14="http://schemas.microsoft.com/office/drawing/2010/main">
                 <a:solidFill>
                   <a:schemeClr val="accent1"/>
                 </a:solidFill>
               </a14:hiddenFill>
             </a:ext>
             <a:ext uri="{91240B29-F687-4F45-9708-019B960494DF}">
-              <a14:hiddenLine xmlns:a14="http://schemas.microsoft.com/office/drawing/2010/main" xmlns="" w="9525">
+              <a14:hiddenLine xmlns:a14="http://schemas.microsoft.com/office/drawing/2010/main" w="9525">
                 <a:solidFill>
                   <a:schemeClr val="tx1"/>
                 </a:solidFill>
@@ -8664,7 +8998,7 @@
           <a:blip r:embed="rId6" cstate="print">
             <a:extLst>
               <a:ext uri="{28A0092B-C50C-407E-A947-70E740481C1C}">
-                <a14:useLocalDpi xmlns:a14="http://schemas.microsoft.com/office/drawing/2010/main" xmlns="" val="0"/>
+                <a14:useLocalDpi xmlns:a14="http://schemas.microsoft.com/office/drawing/2010/main" val="0"/>
               </a:ext>
             </a:extLst>
           </a:blip>
@@ -8687,14 +9021,14 @@
           </a:ln>
           <a:extLst>
             <a:ext uri="{909E8E84-426E-40DD-AFC4-6F175D3DCCD1}">
-              <a14:hiddenFill xmlns:a14="http://schemas.microsoft.com/office/drawing/2010/main" xmlns="">
+              <a14:hiddenFill xmlns:a14="http://schemas.microsoft.com/office/drawing/2010/main">
                 <a:solidFill>
                   <a:schemeClr val="accent1"/>
                 </a:solidFill>
               </a14:hiddenFill>
             </a:ext>
             <a:ext uri="{91240B29-F687-4F45-9708-019B960494DF}">
-              <a14:hiddenLine xmlns:a14="http://schemas.microsoft.com/office/drawing/2010/main" xmlns="" w="9525">
+              <a14:hiddenLine xmlns:a14="http://schemas.microsoft.com/office/drawing/2010/main" w="9525">
                 <a:solidFill>
                   <a:schemeClr val="tx1"/>
                 </a:solidFill>
@@ -8886,7 +9220,7 @@
           <a:blip r:embed="rId7" cstate="print">
             <a:extLst>
               <a:ext uri="{28A0092B-C50C-407E-A947-70E740481C1C}">
-                <a14:useLocalDpi xmlns:a14="http://schemas.microsoft.com/office/drawing/2010/main" xmlns="" val="0"/>
+                <a14:useLocalDpi xmlns:a14="http://schemas.microsoft.com/office/drawing/2010/main" val="0"/>
               </a:ext>
             </a:extLst>
           </a:blip>
@@ -8909,14 +9243,14 @@
           </a:ln>
           <a:extLst>
             <a:ext uri="{909E8E84-426E-40DD-AFC4-6F175D3DCCD1}">
-              <a14:hiddenFill xmlns:a14="http://schemas.microsoft.com/office/drawing/2010/main" xmlns="">
+              <a14:hiddenFill xmlns:a14="http://schemas.microsoft.com/office/drawing/2010/main">
                 <a:solidFill>
                   <a:schemeClr val="accent1"/>
                 </a:solidFill>
               </a14:hiddenFill>
             </a:ext>
             <a:ext uri="{91240B29-F687-4F45-9708-019B960494DF}">
-              <a14:hiddenLine xmlns:a14="http://schemas.microsoft.com/office/drawing/2010/main" xmlns="" w="9525">
+              <a14:hiddenLine xmlns:a14="http://schemas.microsoft.com/office/drawing/2010/main" w="9525">
                 <a:solidFill>
                   <a:schemeClr val="tx1"/>
                 </a:solidFill>
@@ -8940,7 +9274,7 @@
           <a:blip r:embed="rId8" cstate="print">
             <a:extLst>
               <a:ext uri="{28A0092B-C50C-407E-A947-70E740481C1C}">
-                <a14:useLocalDpi xmlns:a14="http://schemas.microsoft.com/office/drawing/2010/main" xmlns="" val="0"/>
+                <a14:useLocalDpi xmlns:a14="http://schemas.microsoft.com/office/drawing/2010/main" val="0"/>
               </a:ext>
             </a:extLst>
           </a:blip>
@@ -8964,14 +9298,14 @@
           <a:effectLst/>
           <a:extLst>
             <a:ext uri="{909E8E84-426E-40DD-AFC4-6F175D3DCCD1}">
-              <a14:hiddenFill xmlns:a14="http://schemas.microsoft.com/office/drawing/2010/main" xmlns="">
+              <a14:hiddenFill xmlns:a14="http://schemas.microsoft.com/office/drawing/2010/main">
                 <a:solidFill>
                   <a:schemeClr val="accent1"/>
                 </a:solidFill>
               </a14:hiddenFill>
             </a:ext>
             <a:ext uri="{91240B29-F687-4F45-9708-019B960494DF}">
-              <a14:hiddenLine xmlns:a14="http://schemas.microsoft.com/office/drawing/2010/main" xmlns="" w="9525">
+              <a14:hiddenLine xmlns:a14="http://schemas.microsoft.com/office/drawing/2010/main" w="9525">
                 <a:solidFill>
                   <a:schemeClr val="tx1"/>
                 </a:solidFill>
@@ -8981,7 +9315,7 @@
               </a14:hiddenLine>
             </a:ext>
             <a:ext uri="{AF507438-7753-43E0-B8FC-AC1667EBCBE1}">
-              <a14:hiddenEffects xmlns:a14="http://schemas.microsoft.com/office/drawing/2010/main" xmlns="">
+              <a14:hiddenEffects xmlns:a14="http://schemas.microsoft.com/office/drawing/2010/main">
                 <a:effectLst>
                   <a:outerShdw dist="35921" dir="2700000" algn="ctr" rotWithShape="0">
                     <a:schemeClr val="bg2"/>
@@ -8995,18 +9329,18 @@
     </p:spTree>
     <p:extLst>
       <p:ext uri="{BB962C8B-B14F-4D97-AF65-F5344CB8AC3E}">
-        <p14:creationId xmlns:p14="http://schemas.microsoft.com/office/powerpoint/2010/main" xmlns="" val="1082728236"/>
+        <p14:creationId xmlns:p14="http://schemas.microsoft.com/office/powerpoint/2010/main" val="1082728236"/>
       </p:ext>
     </p:extLst>
   </p:cSld>
   <p:clrMapOvr>
     <a:masterClrMapping/>
   </p:clrMapOvr>
-  <mc:AlternateContent xmlns:mc="http://schemas.openxmlformats.org/markup-compatibility/2006">
-    <mc:Choice xmlns:p14="http://schemas.microsoft.com/office/powerpoint/2010/main" xmlns="" Requires="p14">
+  <mc:AlternateContent xmlns:mc="http://schemas.openxmlformats.org/markup-compatibility/2006" xmlns:p14="http://schemas.microsoft.com/office/powerpoint/2010/main">
+    <mc:Choice Requires="p14">
       <p:transition spd="slow" p14:dur="2000"/>
     </mc:Choice>
-    <mc:Fallback>
+    <mc:Fallback xmlns="">
       <p:transition spd="slow"/>
     </mc:Fallback>
   </mc:AlternateContent>
@@ -9580,22 +9914,36 @@
           </a:p>
           <a:p>
             <a:pPr marL="514350" indent="-514350">
+              <a:buClr>
+                <a:srgbClr val="52C000"/>
+              </a:buClr>
               <a:buFont typeface="+mj-lt"/>
               <a:buAutoNum type="arabicPeriod"/>
             </a:pPr>
             <a:r>
               <a:rPr lang="de-DE" sz="3200" smtClean="0"/>
-              <a:t>Ritz-Galerkin-Ansatz: Formuliere das Problem als Variations-problem zur Minimierung einer Kostenfunktion</a:t>
+              <a:t>Ritz-Galerkin-Ansatz: Formuliere das Problem als Variations-problem zur Minimierung einer </a:t>
+            </a:r>
+            <a:r>
+              <a:rPr lang="de-DE" sz="3200" smtClean="0"/>
+              <a:t>Kostenfunktion</a:t>
             </a:r>
           </a:p>
           <a:p>
             <a:pPr marL="514350" indent="-514350">
+              <a:buClr>
+                <a:srgbClr val="52C000"/>
+              </a:buClr>
               <a:buFont typeface="+mj-lt"/>
               <a:buAutoNum type="arabicPeriod"/>
             </a:pPr>
             <a:r>
               <a:rPr lang="de-DE" sz="3200" smtClean="0"/>
-              <a:t>Approximiere Lösung               einer pDGL durch       auf endlichdimensionalem Funktionenraum</a:t>
+              <a:t>Approximiere </a:t>
+            </a:r>
+            <a:r>
+              <a:rPr lang="de-DE" sz="3200" smtClean="0"/>
+              <a:t>Lösung               einer pDGL durch       auf endlichdimensionalem Funktionenraum</a:t>
             </a:r>
           </a:p>
         </p:txBody>
@@ -9612,7 +9960,7 @@
           <a:blip r:embed="rId3" cstate="print">
             <a:extLst>
               <a:ext uri="{28A0092B-C50C-407E-A947-70E740481C1C}">
-                <a14:useLocalDpi xmlns:a14="http://schemas.microsoft.com/office/drawing/2010/main" xmlns="" val="0"/>
+                <a14:useLocalDpi xmlns:a14="http://schemas.microsoft.com/office/drawing/2010/main" val="0"/>
               </a:ext>
             </a:extLst>
           </a:blip>
@@ -9635,14 +9983,14 @@
           </a:ln>
           <a:extLst>
             <a:ext uri="{909E8E84-426E-40DD-AFC4-6F175D3DCCD1}">
-              <a14:hiddenFill xmlns:a14="http://schemas.microsoft.com/office/drawing/2010/main" xmlns="">
+              <a14:hiddenFill xmlns:a14="http://schemas.microsoft.com/office/drawing/2010/main">
                 <a:solidFill>
                   <a:schemeClr val="accent1"/>
                 </a:solidFill>
               </a14:hiddenFill>
             </a:ext>
             <a:ext uri="{91240B29-F687-4F45-9708-019B960494DF}">
-              <a14:hiddenLine xmlns:a14="http://schemas.microsoft.com/office/drawing/2010/main" xmlns="" w="9525">
+              <a14:hiddenLine xmlns:a14="http://schemas.microsoft.com/office/drawing/2010/main" w="9525">
                 <a:solidFill>
                   <a:schemeClr val="tx1"/>
                 </a:solidFill>
@@ -9666,7 +10014,7 @@
           <a:blip r:embed="rId4" cstate="print">
             <a:extLst>
               <a:ext uri="{28A0092B-C50C-407E-A947-70E740481C1C}">
-                <a14:useLocalDpi xmlns:a14="http://schemas.microsoft.com/office/drawing/2010/main" xmlns="" val="0"/>
+                <a14:useLocalDpi xmlns:a14="http://schemas.microsoft.com/office/drawing/2010/main" val="0"/>
               </a:ext>
             </a:extLst>
           </a:blip>
@@ -9689,14 +10037,14 @@
           </a:ln>
           <a:extLst>
             <a:ext uri="{909E8E84-426E-40DD-AFC4-6F175D3DCCD1}">
-              <a14:hiddenFill xmlns:a14="http://schemas.microsoft.com/office/drawing/2010/main" xmlns="">
+              <a14:hiddenFill xmlns:a14="http://schemas.microsoft.com/office/drawing/2010/main">
                 <a:solidFill>
                   <a:schemeClr val="accent1"/>
                 </a:solidFill>
               </a14:hiddenFill>
             </a:ext>
             <a:ext uri="{91240B29-F687-4F45-9708-019B960494DF}">
-              <a14:hiddenLine xmlns:a14="http://schemas.microsoft.com/office/drawing/2010/main" xmlns="" w="9525">
+              <a14:hiddenLine xmlns:a14="http://schemas.microsoft.com/office/drawing/2010/main" w="9525">
                 <a:solidFill>
                   <a:schemeClr val="tx1"/>
                 </a:solidFill>
@@ -9720,7 +10068,7 @@
           <a:blip r:embed="rId5" cstate="print">
             <a:extLst>
               <a:ext uri="{28A0092B-C50C-407E-A947-70E740481C1C}">
-                <a14:useLocalDpi xmlns:a14="http://schemas.microsoft.com/office/drawing/2010/main" xmlns="" val="0"/>
+                <a14:useLocalDpi xmlns:a14="http://schemas.microsoft.com/office/drawing/2010/main" val="0"/>
               </a:ext>
             </a:extLst>
           </a:blip>
@@ -9743,14 +10091,14 @@
           </a:ln>
           <a:extLst>
             <a:ext uri="{909E8E84-426E-40DD-AFC4-6F175D3DCCD1}">
-              <a14:hiddenFill xmlns:a14="http://schemas.microsoft.com/office/drawing/2010/main" xmlns="">
+              <a14:hiddenFill xmlns:a14="http://schemas.microsoft.com/office/drawing/2010/main">
                 <a:solidFill>
                   <a:schemeClr val="accent1"/>
                 </a:solidFill>
               </a14:hiddenFill>
             </a:ext>
             <a:ext uri="{91240B29-F687-4F45-9708-019B960494DF}">
-              <a14:hiddenLine xmlns:a14="http://schemas.microsoft.com/office/drawing/2010/main" xmlns="" w="9525">
+              <a14:hiddenLine xmlns:a14="http://schemas.microsoft.com/office/drawing/2010/main" w="9525">
                 <a:solidFill>
                   <a:schemeClr val="tx1"/>
                 </a:solidFill>
@@ -9765,18 +10113,18 @@
     </p:spTree>
     <p:extLst>
       <p:ext uri="{BB962C8B-B14F-4D97-AF65-F5344CB8AC3E}">
-        <p14:creationId xmlns:p14="http://schemas.microsoft.com/office/powerpoint/2010/main" xmlns="" val="2710702658"/>
+        <p14:creationId xmlns:p14="http://schemas.microsoft.com/office/powerpoint/2010/main" val="2710702658"/>
       </p:ext>
     </p:extLst>
   </p:cSld>
   <p:clrMapOvr>
     <a:masterClrMapping/>
   </p:clrMapOvr>
-  <mc:AlternateContent xmlns:mc="http://schemas.openxmlformats.org/markup-compatibility/2006">
-    <mc:Choice xmlns:p14="http://schemas.microsoft.com/office/powerpoint/2010/main" xmlns="" Requires="p14">
+  <mc:AlternateContent xmlns:mc="http://schemas.openxmlformats.org/markup-compatibility/2006" xmlns:p14="http://schemas.microsoft.com/office/powerpoint/2010/main">
+    <mc:Choice Requires="p14">
       <p:transition spd="slow" p14:dur="2000"/>
     </mc:Choice>
-    <mc:Fallback>
+    <mc:Fallback xmlns="">
       <p:transition spd="slow"/>
     </mc:Fallback>
   </mc:AlternateContent>
@@ -10020,8 +10368,12 @@
           </a:bodyPr>
           <a:lstStyle/>
           <a:p>
-            <a:pPr marL="0" indent="0">
-              <a:buNone/>
+            <a:pPr marL="514350" indent="-514350">
+              <a:buClr>
+                <a:srgbClr val="52C000"/>
+              </a:buClr>
+              <a:buFont typeface="+mj-lt"/>
+              <a:buAutoNum type="arabicPeriod"/>
             </a:pPr>
             <a:r>
               <a:rPr lang="de-DE" sz="3200" b="1" smtClean="0"/>
@@ -10217,7 +10569,7 @@
           <a:blip r:embed="rId3" cstate="print">
             <a:extLst>
               <a:ext uri="{28A0092B-C50C-407E-A947-70E740481C1C}">
-                <a14:useLocalDpi xmlns:a14="http://schemas.microsoft.com/office/drawing/2010/main" xmlns="" val="0"/>
+                <a14:useLocalDpi xmlns:a14="http://schemas.microsoft.com/office/drawing/2010/main" val="0"/>
               </a:ext>
             </a:extLst>
           </a:blip>
@@ -10240,14 +10592,14 @@
           </a:ln>
           <a:extLst>
             <a:ext uri="{909E8E84-426E-40DD-AFC4-6F175D3DCCD1}">
-              <a14:hiddenFill xmlns:a14="http://schemas.microsoft.com/office/drawing/2010/main" xmlns="">
+              <a14:hiddenFill xmlns:a14="http://schemas.microsoft.com/office/drawing/2010/main">
                 <a:solidFill>
                   <a:schemeClr val="accent1"/>
                 </a:solidFill>
               </a14:hiddenFill>
             </a:ext>
             <a:ext uri="{91240B29-F687-4F45-9708-019B960494DF}">
-              <a14:hiddenLine xmlns:a14="http://schemas.microsoft.com/office/drawing/2010/main" xmlns="" w="9525">
+              <a14:hiddenLine xmlns:a14="http://schemas.microsoft.com/office/drawing/2010/main" w="9525">
                 <a:solidFill>
                   <a:schemeClr val="tx1"/>
                 </a:solidFill>
@@ -10271,7 +10623,7 @@
           <a:blip r:embed="rId4" cstate="print">
             <a:extLst>
               <a:ext uri="{28A0092B-C50C-407E-A947-70E740481C1C}">
-                <a14:useLocalDpi xmlns:a14="http://schemas.microsoft.com/office/drawing/2010/main" xmlns="" val="0"/>
+                <a14:useLocalDpi xmlns:a14="http://schemas.microsoft.com/office/drawing/2010/main" val="0"/>
               </a:ext>
             </a:extLst>
           </a:blip>
@@ -10294,14 +10646,14 @@
           </a:ln>
           <a:extLst>
             <a:ext uri="{909E8E84-426E-40DD-AFC4-6F175D3DCCD1}">
-              <a14:hiddenFill xmlns:a14="http://schemas.microsoft.com/office/drawing/2010/main" xmlns="">
+              <a14:hiddenFill xmlns:a14="http://schemas.microsoft.com/office/drawing/2010/main">
                 <a:solidFill>
                   <a:schemeClr val="accent1"/>
                 </a:solidFill>
               </a14:hiddenFill>
             </a:ext>
             <a:ext uri="{91240B29-F687-4F45-9708-019B960494DF}">
-              <a14:hiddenLine xmlns:a14="http://schemas.microsoft.com/office/drawing/2010/main" xmlns="" w="9525">
+              <a14:hiddenLine xmlns:a14="http://schemas.microsoft.com/office/drawing/2010/main" w="9525">
                 <a:solidFill>
                   <a:schemeClr val="tx1"/>
                 </a:solidFill>
@@ -10325,7 +10677,7 @@
           <a:blip r:embed="rId5" cstate="print">
             <a:extLst>
               <a:ext uri="{28A0092B-C50C-407E-A947-70E740481C1C}">
-                <a14:useLocalDpi xmlns:a14="http://schemas.microsoft.com/office/drawing/2010/main" xmlns="" val="0"/>
+                <a14:useLocalDpi xmlns:a14="http://schemas.microsoft.com/office/drawing/2010/main" val="0"/>
               </a:ext>
             </a:extLst>
           </a:blip>
@@ -10348,14 +10700,14 @@
           </a:ln>
           <a:extLst>
             <a:ext uri="{909E8E84-426E-40DD-AFC4-6F175D3DCCD1}">
-              <a14:hiddenFill xmlns:a14="http://schemas.microsoft.com/office/drawing/2010/main" xmlns="">
+              <a14:hiddenFill xmlns:a14="http://schemas.microsoft.com/office/drawing/2010/main">
                 <a:solidFill>
                   <a:schemeClr val="accent1"/>
                 </a:solidFill>
               </a14:hiddenFill>
             </a:ext>
             <a:ext uri="{91240B29-F687-4F45-9708-019B960494DF}">
-              <a14:hiddenLine xmlns:a14="http://schemas.microsoft.com/office/drawing/2010/main" xmlns="" w="9525">
+              <a14:hiddenLine xmlns:a14="http://schemas.microsoft.com/office/drawing/2010/main" w="9525">
                 <a:solidFill>
                   <a:schemeClr val="tx1"/>
                 </a:solidFill>
@@ -10379,7 +10731,7 @@
           <a:blip r:embed="rId6" cstate="print">
             <a:extLst>
               <a:ext uri="{28A0092B-C50C-407E-A947-70E740481C1C}">
-                <a14:useLocalDpi xmlns:a14="http://schemas.microsoft.com/office/drawing/2010/main" xmlns="" val="0"/>
+                <a14:useLocalDpi xmlns:a14="http://schemas.microsoft.com/office/drawing/2010/main" val="0"/>
               </a:ext>
             </a:extLst>
           </a:blip>
@@ -10402,14 +10754,14 @@
           </a:ln>
           <a:extLst>
             <a:ext uri="{909E8E84-426E-40DD-AFC4-6F175D3DCCD1}">
-              <a14:hiddenFill xmlns:a14="http://schemas.microsoft.com/office/drawing/2010/main" xmlns="">
+              <a14:hiddenFill xmlns:a14="http://schemas.microsoft.com/office/drawing/2010/main">
                 <a:solidFill>
                   <a:schemeClr val="accent1"/>
                 </a:solidFill>
               </a14:hiddenFill>
             </a:ext>
             <a:ext uri="{91240B29-F687-4F45-9708-019B960494DF}">
-              <a14:hiddenLine xmlns:a14="http://schemas.microsoft.com/office/drawing/2010/main" xmlns="" w="9525">
+              <a14:hiddenLine xmlns:a14="http://schemas.microsoft.com/office/drawing/2010/main" w="9525">
                 <a:solidFill>
                   <a:schemeClr val="tx1"/>
                 </a:solidFill>
@@ -10433,7 +10785,7 @@
           <a:blip r:embed="rId7" cstate="print">
             <a:extLst>
               <a:ext uri="{28A0092B-C50C-407E-A947-70E740481C1C}">
-                <a14:useLocalDpi xmlns:a14="http://schemas.microsoft.com/office/drawing/2010/main" xmlns="" val="0"/>
+                <a14:useLocalDpi xmlns:a14="http://schemas.microsoft.com/office/drawing/2010/main" val="0"/>
               </a:ext>
             </a:extLst>
           </a:blip>
@@ -10456,14 +10808,14 @@
           </a:ln>
           <a:extLst>
             <a:ext uri="{909E8E84-426E-40DD-AFC4-6F175D3DCCD1}">
-              <a14:hiddenFill xmlns:a14="http://schemas.microsoft.com/office/drawing/2010/main" xmlns="">
+              <a14:hiddenFill xmlns:a14="http://schemas.microsoft.com/office/drawing/2010/main">
                 <a:solidFill>
                   <a:schemeClr val="accent1"/>
                 </a:solidFill>
               </a14:hiddenFill>
             </a:ext>
             <a:ext uri="{91240B29-F687-4F45-9708-019B960494DF}">
-              <a14:hiddenLine xmlns:a14="http://schemas.microsoft.com/office/drawing/2010/main" xmlns="" w="9525">
+              <a14:hiddenLine xmlns:a14="http://schemas.microsoft.com/office/drawing/2010/main" w="9525">
                 <a:solidFill>
                   <a:schemeClr val="tx1"/>
                 </a:solidFill>
@@ -10523,7 +10875,7 @@
           <a:blip r:embed="rId8" cstate="print">
             <a:extLst>
               <a:ext uri="{28A0092B-C50C-407E-A947-70E740481C1C}">
-                <a14:useLocalDpi xmlns:a14="http://schemas.microsoft.com/office/drawing/2010/main" xmlns="" val="0"/>
+                <a14:useLocalDpi xmlns:a14="http://schemas.microsoft.com/office/drawing/2010/main" val="0"/>
               </a:ext>
             </a:extLst>
           </a:blip>
@@ -10546,14 +10898,14 @@
           </a:ln>
           <a:extLst>
             <a:ext uri="{909E8E84-426E-40DD-AFC4-6F175D3DCCD1}">
-              <a14:hiddenFill xmlns:a14="http://schemas.microsoft.com/office/drawing/2010/main" xmlns="">
+              <a14:hiddenFill xmlns:a14="http://schemas.microsoft.com/office/drawing/2010/main">
                 <a:solidFill>
                   <a:schemeClr val="accent1"/>
                 </a:solidFill>
               </a14:hiddenFill>
             </a:ext>
             <a:ext uri="{91240B29-F687-4F45-9708-019B960494DF}">
-              <a14:hiddenLine xmlns:a14="http://schemas.microsoft.com/office/drawing/2010/main" xmlns="" w="9525">
+              <a14:hiddenLine xmlns:a14="http://schemas.microsoft.com/office/drawing/2010/main" w="9525">
                 <a:solidFill>
                   <a:schemeClr val="tx1"/>
                 </a:solidFill>
@@ -10577,7 +10929,7 @@
           <a:blip r:embed="rId9" cstate="print">
             <a:extLst>
               <a:ext uri="{28A0092B-C50C-407E-A947-70E740481C1C}">
-                <a14:useLocalDpi xmlns:a14="http://schemas.microsoft.com/office/drawing/2010/main" xmlns="" val="0"/>
+                <a14:useLocalDpi xmlns:a14="http://schemas.microsoft.com/office/drawing/2010/main" val="0"/>
               </a:ext>
             </a:extLst>
           </a:blip>
@@ -10600,14 +10952,14 @@
           </a:ln>
           <a:extLst>
             <a:ext uri="{909E8E84-426E-40DD-AFC4-6F175D3DCCD1}">
-              <a14:hiddenFill xmlns:a14="http://schemas.microsoft.com/office/drawing/2010/main" xmlns="">
+              <a14:hiddenFill xmlns:a14="http://schemas.microsoft.com/office/drawing/2010/main">
                 <a:solidFill>
                   <a:schemeClr val="accent1"/>
                 </a:solidFill>
               </a14:hiddenFill>
             </a:ext>
             <a:ext uri="{91240B29-F687-4F45-9708-019B960494DF}">
-              <a14:hiddenLine xmlns:a14="http://schemas.microsoft.com/office/drawing/2010/main" xmlns="" w="9525">
+              <a14:hiddenLine xmlns:a14="http://schemas.microsoft.com/office/drawing/2010/main" w="9525">
                 <a:solidFill>
                   <a:schemeClr val="tx1"/>
                 </a:solidFill>
@@ -10645,7 +10997,7 @@
             <a:blip r:embed="rId10" cstate="print">
               <a:extLst>
                 <a:ext uri="{28A0092B-C50C-407E-A947-70E740481C1C}">
-                  <a14:useLocalDpi xmlns:a14="http://schemas.microsoft.com/office/drawing/2010/main" xmlns="" val="0"/>
+                  <a14:useLocalDpi xmlns:a14="http://schemas.microsoft.com/office/drawing/2010/main" val="0"/>
                 </a:ext>
               </a:extLst>
             </a:blip>
@@ -10671,7 +11023,7 @@
             </a:ln>
             <a:extLst>
               <a:ext uri="{909E8E84-426E-40DD-AFC4-6F175D3DCCD1}">
-                <a14:hiddenFill xmlns:a14="http://schemas.microsoft.com/office/drawing/2010/main" xmlns="">
+                <a14:hiddenFill xmlns:a14="http://schemas.microsoft.com/office/drawing/2010/main">
                   <a:solidFill>
                     <a:schemeClr val="accent1"/>
                   </a:solidFill>
@@ -10692,7 +11044,7 @@
             <a:blip r:embed="rId11" cstate="print">
               <a:extLst>
                 <a:ext uri="{28A0092B-C50C-407E-A947-70E740481C1C}">
-                  <a14:useLocalDpi xmlns:a14="http://schemas.microsoft.com/office/drawing/2010/main" xmlns="" val="0"/>
+                  <a14:useLocalDpi xmlns:a14="http://schemas.microsoft.com/office/drawing/2010/main" val="0"/>
                 </a:ext>
               </a:extLst>
             </a:blip>
@@ -10715,14 +11067,14 @@
             </a:ln>
             <a:extLst>
               <a:ext uri="{909E8E84-426E-40DD-AFC4-6F175D3DCCD1}">
-                <a14:hiddenFill xmlns:a14="http://schemas.microsoft.com/office/drawing/2010/main" xmlns="">
+                <a14:hiddenFill xmlns:a14="http://schemas.microsoft.com/office/drawing/2010/main">
                   <a:solidFill>
                     <a:schemeClr val="accent1"/>
                   </a:solidFill>
                 </a14:hiddenFill>
               </a:ext>
               <a:ext uri="{91240B29-F687-4F45-9708-019B960494DF}">
-                <a14:hiddenLine xmlns:a14="http://schemas.microsoft.com/office/drawing/2010/main" xmlns="" w="9525">
+                <a14:hiddenLine xmlns:a14="http://schemas.microsoft.com/office/drawing/2010/main" w="9525">
                   <a:solidFill>
                     <a:schemeClr val="tx1"/>
                   </a:solidFill>
@@ -10793,7 +11145,7 @@
           <a:blip r:embed="rId12" cstate="print">
             <a:extLst>
               <a:ext uri="{28A0092B-C50C-407E-A947-70E740481C1C}">
-                <a14:useLocalDpi xmlns:a14="http://schemas.microsoft.com/office/drawing/2010/main" xmlns="" val="0"/>
+                <a14:useLocalDpi xmlns:a14="http://schemas.microsoft.com/office/drawing/2010/main" val="0"/>
               </a:ext>
             </a:extLst>
           </a:blip>
@@ -10816,14 +11168,14 @@
           </a:ln>
           <a:extLst>
             <a:ext uri="{909E8E84-426E-40DD-AFC4-6F175D3DCCD1}">
-              <a14:hiddenFill xmlns:a14="http://schemas.microsoft.com/office/drawing/2010/main" xmlns="">
+              <a14:hiddenFill xmlns:a14="http://schemas.microsoft.com/office/drawing/2010/main">
                 <a:solidFill>
                   <a:schemeClr val="accent1"/>
                 </a:solidFill>
               </a14:hiddenFill>
             </a:ext>
             <a:ext uri="{91240B29-F687-4F45-9708-019B960494DF}">
-              <a14:hiddenLine xmlns:a14="http://schemas.microsoft.com/office/drawing/2010/main" xmlns="" w="9525">
+              <a14:hiddenLine xmlns:a14="http://schemas.microsoft.com/office/drawing/2010/main" w="9525">
                 <a:solidFill>
                   <a:schemeClr val="tx1"/>
                 </a:solidFill>
@@ -10838,18 +11190,18 @@
     </p:spTree>
     <p:extLst>
       <p:ext uri="{BB962C8B-B14F-4D97-AF65-F5344CB8AC3E}">
-        <p14:creationId xmlns:p14="http://schemas.microsoft.com/office/powerpoint/2010/main" xmlns="" val="3899836803"/>
+        <p14:creationId xmlns:p14="http://schemas.microsoft.com/office/powerpoint/2010/main" val="3899836803"/>
       </p:ext>
     </p:extLst>
   </p:cSld>
   <p:clrMapOvr>
     <a:masterClrMapping/>
   </p:clrMapOvr>
-  <mc:AlternateContent xmlns:mc="http://schemas.openxmlformats.org/markup-compatibility/2006">
-    <mc:Choice xmlns:p14="http://schemas.microsoft.com/office/powerpoint/2010/main" xmlns="" Requires="p14">
+  <mc:AlternateContent xmlns:mc="http://schemas.openxmlformats.org/markup-compatibility/2006" xmlns:p14="http://schemas.microsoft.com/office/powerpoint/2010/main">
+    <mc:Choice Requires="p14">
       <p:transition spd="slow" p14:dur="2000"/>
     </mc:Choice>
-    <mc:Fallback>
+    <mc:Fallback xmlns="">
       <p:transition spd="slow"/>
     </mc:Fallback>
   </mc:AlternateContent>
@@ -11186,7 +11538,7 @@
           <a:blip r:embed="rId3" cstate="print">
             <a:extLst>
               <a:ext uri="{28A0092B-C50C-407E-A947-70E740481C1C}">
-                <a14:useLocalDpi xmlns:a14="http://schemas.microsoft.com/office/drawing/2010/main" xmlns="" val="0"/>
+                <a14:useLocalDpi xmlns:a14="http://schemas.microsoft.com/office/drawing/2010/main" val="0"/>
               </a:ext>
             </a:extLst>
           </a:blip>
@@ -11209,14 +11561,14 @@
           </a:ln>
           <a:extLst>
             <a:ext uri="{909E8E84-426E-40DD-AFC4-6F175D3DCCD1}">
-              <a14:hiddenFill xmlns:a14="http://schemas.microsoft.com/office/drawing/2010/main" xmlns="">
+              <a14:hiddenFill xmlns:a14="http://schemas.microsoft.com/office/drawing/2010/main">
                 <a:solidFill>
                   <a:schemeClr val="accent1"/>
                 </a:solidFill>
               </a14:hiddenFill>
             </a:ext>
             <a:ext uri="{91240B29-F687-4F45-9708-019B960494DF}">
-              <a14:hiddenLine xmlns:a14="http://schemas.microsoft.com/office/drawing/2010/main" xmlns="" w="9525">
+              <a14:hiddenLine xmlns:a14="http://schemas.microsoft.com/office/drawing/2010/main" w="9525">
                 <a:solidFill>
                   <a:schemeClr val="tx1"/>
                 </a:solidFill>
@@ -11240,7 +11592,7 @@
           <a:blip r:embed="rId4" cstate="print">
             <a:extLst>
               <a:ext uri="{28A0092B-C50C-407E-A947-70E740481C1C}">
-                <a14:useLocalDpi xmlns:a14="http://schemas.microsoft.com/office/drawing/2010/main" xmlns="" val="0"/>
+                <a14:useLocalDpi xmlns:a14="http://schemas.microsoft.com/office/drawing/2010/main" val="0"/>
               </a:ext>
             </a:extLst>
           </a:blip>
@@ -11263,14 +11615,14 @@
           </a:ln>
           <a:extLst>
             <a:ext uri="{909E8E84-426E-40DD-AFC4-6F175D3DCCD1}">
-              <a14:hiddenFill xmlns:a14="http://schemas.microsoft.com/office/drawing/2010/main" xmlns="">
+              <a14:hiddenFill xmlns:a14="http://schemas.microsoft.com/office/drawing/2010/main">
                 <a:solidFill>
                   <a:schemeClr val="accent1"/>
                 </a:solidFill>
               </a14:hiddenFill>
             </a:ext>
             <a:ext uri="{91240B29-F687-4F45-9708-019B960494DF}">
-              <a14:hiddenLine xmlns:a14="http://schemas.microsoft.com/office/drawing/2010/main" xmlns="" w="9525">
+              <a14:hiddenLine xmlns:a14="http://schemas.microsoft.com/office/drawing/2010/main" w="9525">
                 <a:solidFill>
                   <a:schemeClr val="tx1"/>
                 </a:solidFill>
@@ -11378,7 +11730,7 @@
           <a:blip r:embed="rId5" cstate="print">
             <a:extLst>
               <a:ext uri="{28A0092B-C50C-407E-A947-70E740481C1C}">
-                <a14:useLocalDpi xmlns:a14="http://schemas.microsoft.com/office/drawing/2010/main" xmlns="" val="0"/>
+                <a14:useLocalDpi xmlns:a14="http://schemas.microsoft.com/office/drawing/2010/main" val="0"/>
               </a:ext>
             </a:extLst>
           </a:blip>
@@ -11401,14 +11753,14 @@
           </a:ln>
           <a:extLst>
             <a:ext uri="{909E8E84-426E-40DD-AFC4-6F175D3DCCD1}">
-              <a14:hiddenFill xmlns:a14="http://schemas.microsoft.com/office/drawing/2010/main" xmlns="">
+              <a14:hiddenFill xmlns:a14="http://schemas.microsoft.com/office/drawing/2010/main">
                 <a:solidFill>
                   <a:schemeClr val="accent1"/>
                 </a:solidFill>
               </a14:hiddenFill>
             </a:ext>
             <a:ext uri="{91240B29-F687-4F45-9708-019B960494DF}">
-              <a14:hiddenLine xmlns:a14="http://schemas.microsoft.com/office/drawing/2010/main" xmlns="" w="9525">
+              <a14:hiddenLine xmlns:a14="http://schemas.microsoft.com/office/drawing/2010/main" w="9525">
                 <a:solidFill>
                   <a:schemeClr val="tx1"/>
                 </a:solidFill>
@@ -11540,7 +11892,7 @@
           <a:blip r:embed="rId6" cstate="print">
             <a:extLst>
               <a:ext uri="{28A0092B-C50C-407E-A947-70E740481C1C}">
-                <a14:useLocalDpi xmlns:a14="http://schemas.microsoft.com/office/drawing/2010/main" xmlns="" val="0"/>
+                <a14:useLocalDpi xmlns:a14="http://schemas.microsoft.com/office/drawing/2010/main" val="0"/>
               </a:ext>
             </a:extLst>
           </a:blip>
@@ -11563,14 +11915,14 @@
           </a:ln>
           <a:extLst>
             <a:ext uri="{909E8E84-426E-40DD-AFC4-6F175D3DCCD1}">
-              <a14:hiddenFill xmlns:a14="http://schemas.microsoft.com/office/drawing/2010/main" xmlns="">
+              <a14:hiddenFill xmlns:a14="http://schemas.microsoft.com/office/drawing/2010/main">
                 <a:solidFill>
                   <a:schemeClr val="accent1"/>
                 </a:solidFill>
               </a14:hiddenFill>
             </a:ext>
             <a:ext uri="{91240B29-F687-4F45-9708-019B960494DF}">
-              <a14:hiddenLine xmlns:a14="http://schemas.microsoft.com/office/drawing/2010/main" xmlns="" w="9525">
+              <a14:hiddenLine xmlns:a14="http://schemas.microsoft.com/office/drawing/2010/main" w="9525">
                 <a:solidFill>
                   <a:schemeClr val="tx1"/>
                 </a:solidFill>
@@ -11585,18 +11937,18 @@
     </p:spTree>
     <p:extLst>
       <p:ext uri="{BB962C8B-B14F-4D97-AF65-F5344CB8AC3E}">
-        <p14:creationId xmlns:p14="http://schemas.microsoft.com/office/powerpoint/2010/main" xmlns="" val="3671896962"/>
+        <p14:creationId xmlns:p14="http://schemas.microsoft.com/office/powerpoint/2010/main" val="3671896962"/>
       </p:ext>
     </p:extLst>
   </p:cSld>
   <p:clrMapOvr>
     <a:masterClrMapping/>
   </p:clrMapOvr>
-  <mc:AlternateContent xmlns:mc="http://schemas.openxmlformats.org/markup-compatibility/2006">
-    <mc:Choice xmlns:p14="http://schemas.microsoft.com/office/powerpoint/2010/main" xmlns="" Requires="p14">
+  <mc:AlternateContent xmlns:mc="http://schemas.openxmlformats.org/markup-compatibility/2006" xmlns:p14="http://schemas.microsoft.com/office/powerpoint/2010/main">
+    <mc:Choice Requires="p14">
       <p:transition spd="slow" p14:dur="2000"/>
     </mc:Choice>
-    <mc:Fallback>
+    <mc:Fallback xmlns="">
       <p:transition spd="slow"/>
     </mc:Fallback>
   </mc:AlternateContent>
@@ -11840,8 +12192,12 @@
           </a:bodyPr>
           <a:lstStyle/>
           <a:p>
-            <a:pPr marL="0" indent="0">
-              <a:buNone/>
+            <a:pPr marL="514350" indent="-514350">
+              <a:buClr>
+                <a:srgbClr val="52C000"/>
+              </a:buClr>
+              <a:buFont typeface="+mj-lt"/>
+              <a:buAutoNum type="arabicPeriod" startAt="2"/>
             </a:pPr>
             <a:r>
               <a:rPr lang="de-DE" sz="3200" b="1" smtClean="0"/>
@@ -11914,7 +12270,7 @@
           <a:blip r:embed="rId3" cstate="print">
             <a:extLst>
               <a:ext uri="{28A0092B-C50C-407E-A947-70E740481C1C}">
-                <a14:useLocalDpi xmlns:a14="http://schemas.microsoft.com/office/drawing/2010/main" xmlns="" val="0"/>
+                <a14:useLocalDpi xmlns:a14="http://schemas.microsoft.com/office/drawing/2010/main" val="0"/>
               </a:ext>
             </a:extLst>
           </a:blip>
@@ -11937,14 +12293,14 @@
           </a:ln>
           <a:extLst>
             <a:ext uri="{909E8E84-426E-40DD-AFC4-6F175D3DCCD1}">
-              <a14:hiddenFill xmlns:a14="http://schemas.microsoft.com/office/drawing/2010/main" xmlns="">
+              <a14:hiddenFill xmlns:a14="http://schemas.microsoft.com/office/drawing/2010/main">
                 <a:solidFill>
                   <a:schemeClr val="accent1"/>
                 </a:solidFill>
               </a14:hiddenFill>
             </a:ext>
             <a:ext uri="{91240B29-F687-4F45-9708-019B960494DF}">
-              <a14:hiddenLine xmlns:a14="http://schemas.microsoft.com/office/drawing/2010/main" xmlns="" w="9525">
+              <a14:hiddenLine xmlns:a14="http://schemas.microsoft.com/office/drawing/2010/main" w="9525">
                 <a:solidFill>
                   <a:schemeClr val="tx1"/>
                 </a:solidFill>
@@ -11968,7 +12324,7 @@
           <a:blip r:embed="rId4" cstate="print">
             <a:extLst>
               <a:ext uri="{28A0092B-C50C-407E-A947-70E740481C1C}">
-                <a14:useLocalDpi xmlns:a14="http://schemas.microsoft.com/office/drawing/2010/main" xmlns="" val="0"/>
+                <a14:useLocalDpi xmlns:a14="http://schemas.microsoft.com/office/drawing/2010/main" val="0"/>
               </a:ext>
             </a:extLst>
           </a:blip>
@@ -11991,14 +12347,14 @@
           </a:ln>
           <a:extLst>
             <a:ext uri="{909E8E84-426E-40DD-AFC4-6F175D3DCCD1}">
-              <a14:hiddenFill xmlns:a14="http://schemas.microsoft.com/office/drawing/2010/main" xmlns="">
+              <a14:hiddenFill xmlns:a14="http://schemas.microsoft.com/office/drawing/2010/main">
                 <a:solidFill>
                   <a:schemeClr val="accent1"/>
                 </a:solidFill>
               </a14:hiddenFill>
             </a:ext>
             <a:ext uri="{91240B29-F687-4F45-9708-019B960494DF}">
-              <a14:hiddenLine xmlns:a14="http://schemas.microsoft.com/office/drawing/2010/main" xmlns="" w="9525">
+              <a14:hiddenLine xmlns:a14="http://schemas.microsoft.com/office/drawing/2010/main" w="9525">
                 <a:solidFill>
                   <a:schemeClr val="tx1"/>
                 </a:solidFill>
@@ -12068,7 +12424,7 @@
           <a:blip r:embed="rId5" cstate="print">
             <a:extLst>
               <a:ext uri="{28A0092B-C50C-407E-A947-70E740481C1C}">
-                <a14:useLocalDpi xmlns:a14="http://schemas.microsoft.com/office/drawing/2010/main" xmlns="" val="0"/>
+                <a14:useLocalDpi xmlns:a14="http://schemas.microsoft.com/office/drawing/2010/main" val="0"/>
               </a:ext>
             </a:extLst>
           </a:blip>
@@ -12091,14 +12447,14 @@
           </a:ln>
           <a:extLst>
             <a:ext uri="{909E8E84-426E-40DD-AFC4-6F175D3DCCD1}">
-              <a14:hiddenFill xmlns:a14="http://schemas.microsoft.com/office/drawing/2010/main" xmlns="">
+              <a14:hiddenFill xmlns:a14="http://schemas.microsoft.com/office/drawing/2010/main">
                 <a:solidFill>
                   <a:schemeClr val="accent1"/>
                 </a:solidFill>
               </a14:hiddenFill>
             </a:ext>
             <a:ext uri="{91240B29-F687-4F45-9708-019B960494DF}">
-              <a14:hiddenLine xmlns:a14="http://schemas.microsoft.com/office/drawing/2010/main" xmlns="" w="9525">
+              <a14:hiddenLine xmlns:a14="http://schemas.microsoft.com/office/drawing/2010/main" w="9525">
                 <a:solidFill>
                   <a:schemeClr val="tx1"/>
                 </a:solidFill>
@@ -12122,7 +12478,7 @@
           <a:blip r:embed="rId6" cstate="print">
             <a:extLst>
               <a:ext uri="{28A0092B-C50C-407E-A947-70E740481C1C}">
-                <a14:useLocalDpi xmlns:a14="http://schemas.microsoft.com/office/drawing/2010/main" xmlns="" val="0"/>
+                <a14:useLocalDpi xmlns:a14="http://schemas.microsoft.com/office/drawing/2010/main" val="0"/>
               </a:ext>
             </a:extLst>
           </a:blip>
@@ -12145,14 +12501,14 @@
           </a:ln>
           <a:extLst>
             <a:ext uri="{909E8E84-426E-40DD-AFC4-6F175D3DCCD1}">
-              <a14:hiddenFill xmlns:a14="http://schemas.microsoft.com/office/drawing/2010/main" xmlns="">
+              <a14:hiddenFill xmlns:a14="http://schemas.microsoft.com/office/drawing/2010/main">
                 <a:solidFill>
                   <a:schemeClr val="accent1"/>
                 </a:solidFill>
               </a14:hiddenFill>
             </a:ext>
             <a:ext uri="{91240B29-F687-4F45-9708-019B960494DF}">
-              <a14:hiddenLine xmlns:a14="http://schemas.microsoft.com/office/drawing/2010/main" xmlns="" w="9525">
+              <a14:hiddenLine xmlns:a14="http://schemas.microsoft.com/office/drawing/2010/main" w="9525">
                 <a:solidFill>
                   <a:schemeClr val="tx1"/>
                 </a:solidFill>
@@ -12176,7 +12532,7 @@
           <a:blip r:embed="rId7" cstate="print">
             <a:extLst>
               <a:ext uri="{28A0092B-C50C-407E-A947-70E740481C1C}">
-                <a14:useLocalDpi xmlns:a14="http://schemas.microsoft.com/office/drawing/2010/main" xmlns="" val="0"/>
+                <a14:useLocalDpi xmlns:a14="http://schemas.microsoft.com/office/drawing/2010/main" val="0"/>
               </a:ext>
             </a:extLst>
           </a:blip>
@@ -12199,14 +12555,14 @@
           </a:ln>
           <a:extLst>
             <a:ext uri="{909E8E84-426E-40DD-AFC4-6F175D3DCCD1}">
-              <a14:hiddenFill xmlns:a14="http://schemas.microsoft.com/office/drawing/2010/main" xmlns="">
+              <a14:hiddenFill xmlns:a14="http://schemas.microsoft.com/office/drawing/2010/main">
                 <a:solidFill>
                   <a:schemeClr val="accent1"/>
                 </a:solidFill>
               </a14:hiddenFill>
             </a:ext>
             <a:ext uri="{91240B29-F687-4F45-9708-019B960494DF}">
-              <a14:hiddenLine xmlns:a14="http://schemas.microsoft.com/office/drawing/2010/main" xmlns="" w="9525">
+              <a14:hiddenLine xmlns:a14="http://schemas.microsoft.com/office/drawing/2010/main" w="9525">
                 <a:solidFill>
                   <a:schemeClr val="tx1"/>
                 </a:solidFill>
@@ -12230,7 +12586,7 @@
           <a:blip r:embed="rId8" cstate="print">
             <a:extLst>
               <a:ext uri="{28A0092B-C50C-407E-A947-70E740481C1C}">
-                <a14:useLocalDpi xmlns:a14="http://schemas.microsoft.com/office/drawing/2010/main" xmlns="" val="0"/>
+                <a14:useLocalDpi xmlns:a14="http://schemas.microsoft.com/office/drawing/2010/main" val="0"/>
               </a:ext>
             </a:extLst>
           </a:blip>
@@ -12253,14 +12609,14 @@
           </a:ln>
           <a:extLst>
             <a:ext uri="{909E8E84-426E-40DD-AFC4-6F175D3DCCD1}">
-              <a14:hiddenFill xmlns:a14="http://schemas.microsoft.com/office/drawing/2010/main" xmlns="">
+              <a14:hiddenFill xmlns:a14="http://schemas.microsoft.com/office/drawing/2010/main">
                 <a:solidFill>
                   <a:schemeClr val="accent1"/>
                 </a:solidFill>
               </a14:hiddenFill>
             </a:ext>
             <a:ext uri="{91240B29-F687-4F45-9708-019B960494DF}">
-              <a14:hiddenLine xmlns:a14="http://schemas.microsoft.com/office/drawing/2010/main" xmlns="" w="9525">
+              <a14:hiddenLine xmlns:a14="http://schemas.microsoft.com/office/drawing/2010/main" w="9525">
                 <a:solidFill>
                   <a:schemeClr val="tx1"/>
                 </a:solidFill>
@@ -12275,18 +12631,18 @@
     </p:spTree>
     <p:extLst>
       <p:ext uri="{BB962C8B-B14F-4D97-AF65-F5344CB8AC3E}">
-        <p14:creationId xmlns:p14="http://schemas.microsoft.com/office/powerpoint/2010/main" xmlns="" val="390011000"/>
+        <p14:creationId xmlns:p14="http://schemas.microsoft.com/office/powerpoint/2010/main" val="390011000"/>
       </p:ext>
     </p:extLst>
   </p:cSld>
   <p:clrMapOvr>
     <a:masterClrMapping/>
   </p:clrMapOvr>
-  <mc:AlternateContent xmlns:mc="http://schemas.openxmlformats.org/markup-compatibility/2006">
-    <mc:Choice xmlns:p14="http://schemas.microsoft.com/office/powerpoint/2010/main" xmlns="" Requires="p14">
+  <mc:AlternateContent xmlns:mc="http://schemas.openxmlformats.org/markup-compatibility/2006" xmlns:p14="http://schemas.microsoft.com/office/powerpoint/2010/main">
+    <mc:Choice Requires="p14">
       <p:transition spd="slow" p14:dur="2000"/>
     </mc:Choice>
-    <mc:Fallback>
+    <mc:Fallback xmlns="">
       <p:transition spd="slow"/>
     </mc:Fallback>
   </mc:AlternateContent>
@@ -12698,7 +13054,7 @@
           <a:blip r:embed="rId3" cstate="print">
             <a:extLst>
               <a:ext uri="{28A0092B-C50C-407E-A947-70E740481C1C}">
-                <a14:useLocalDpi xmlns:a14="http://schemas.microsoft.com/office/drawing/2010/main" xmlns="" val="0"/>
+                <a14:useLocalDpi xmlns:a14="http://schemas.microsoft.com/office/drawing/2010/main" val="0"/>
               </a:ext>
             </a:extLst>
           </a:blip>
@@ -12721,14 +13077,14 @@
           </a:ln>
           <a:extLst>
             <a:ext uri="{909E8E84-426E-40DD-AFC4-6F175D3DCCD1}">
-              <a14:hiddenFill xmlns:a14="http://schemas.microsoft.com/office/drawing/2010/main" xmlns="">
+              <a14:hiddenFill xmlns:a14="http://schemas.microsoft.com/office/drawing/2010/main">
                 <a:solidFill>
                   <a:schemeClr val="accent1"/>
                 </a:solidFill>
               </a14:hiddenFill>
             </a:ext>
             <a:ext uri="{91240B29-F687-4F45-9708-019B960494DF}">
-              <a14:hiddenLine xmlns:a14="http://schemas.microsoft.com/office/drawing/2010/main" xmlns="" w="9525">
+              <a14:hiddenLine xmlns:a14="http://schemas.microsoft.com/office/drawing/2010/main" w="9525">
                 <a:solidFill>
                   <a:schemeClr val="tx1"/>
                 </a:solidFill>
@@ -12752,7 +13108,7 @@
           <a:blip r:embed="rId4" cstate="print">
             <a:extLst>
               <a:ext uri="{28A0092B-C50C-407E-A947-70E740481C1C}">
-                <a14:useLocalDpi xmlns:a14="http://schemas.microsoft.com/office/drawing/2010/main" xmlns="" val="0"/>
+                <a14:useLocalDpi xmlns:a14="http://schemas.microsoft.com/office/drawing/2010/main" val="0"/>
               </a:ext>
             </a:extLst>
           </a:blip>
@@ -12775,14 +13131,14 @@
           </a:ln>
           <a:extLst>
             <a:ext uri="{909E8E84-426E-40DD-AFC4-6F175D3DCCD1}">
-              <a14:hiddenFill xmlns:a14="http://schemas.microsoft.com/office/drawing/2010/main" xmlns="">
+              <a14:hiddenFill xmlns:a14="http://schemas.microsoft.com/office/drawing/2010/main">
                 <a:solidFill>
                   <a:schemeClr val="accent1"/>
                 </a:solidFill>
               </a14:hiddenFill>
             </a:ext>
             <a:ext uri="{91240B29-F687-4F45-9708-019B960494DF}">
-              <a14:hiddenLine xmlns:a14="http://schemas.microsoft.com/office/drawing/2010/main" xmlns="" w="9525">
+              <a14:hiddenLine xmlns:a14="http://schemas.microsoft.com/office/drawing/2010/main" w="9525">
                 <a:solidFill>
                   <a:schemeClr val="tx1"/>
                 </a:solidFill>
@@ -12806,7 +13162,7 @@
           <a:blip r:embed="rId5" cstate="print">
             <a:extLst>
               <a:ext uri="{28A0092B-C50C-407E-A947-70E740481C1C}">
-                <a14:useLocalDpi xmlns:a14="http://schemas.microsoft.com/office/drawing/2010/main" xmlns="" val="0"/>
+                <a14:useLocalDpi xmlns:a14="http://schemas.microsoft.com/office/drawing/2010/main" val="0"/>
               </a:ext>
             </a:extLst>
           </a:blip>
@@ -12829,14 +13185,14 @@
           </a:ln>
           <a:extLst>
             <a:ext uri="{909E8E84-426E-40DD-AFC4-6F175D3DCCD1}">
-              <a14:hiddenFill xmlns:a14="http://schemas.microsoft.com/office/drawing/2010/main" xmlns="">
+              <a14:hiddenFill xmlns:a14="http://schemas.microsoft.com/office/drawing/2010/main">
                 <a:solidFill>
                   <a:schemeClr val="accent1"/>
                 </a:solidFill>
               </a14:hiddenFill>
             </a:ext>
             <a:ext uri="{91240B29-F687-4F45-9708-019B960494DF}">
-              <a14:hiddenLine xmlns:a14="http://schemas.microsoft.com/office/drawing/2010/main" xmlns="" w="9525">
+              <a14:hiddenLine xmlns:a14="http://schemas.microsoft.com/office/drawing/2010/main" w="9525">
                 <a:solidFill>
                   <a:schemeClr val="tx1"/>
                 </a:solidFill>
@@ -12860,7 +13216,7 @@
           <a:blip r:embed="rId5" cstate="print">
             <a:extLst>
               <a:ext uri="{28A0092B-C50C-407E-A947-70E740481C1C}">
-                <a14:useLocalDpi xmlns:a14="http://schemas.microsoft.com/office/drawing/2010/main" xmlns="" val="0"/>
+                <a14:useLocalDpi xmlns:a14="http://schemas.microsoft.com/office/drawing/2010/main" val="0"/>
               </a:ext>
             </a:extLst>
           </a:blip>
@@ -12883,14 +13239,14 @@
           </a:ln>
           <a:extLst>
             <a:ext uri="{909E8E84-426E-40DD-AFC4-6F175D3DCCD1}">
-              <a14:hiddenFill xmlns:a14="http://schemas.microsoft.com/office/drawing/2010/main" xmlns="">
+              <a14:hiddenFill xmlns:a14="http://schemas.microsoft.com/office/drawing/2010/main">
                 <a:solidFill>
                   <a:schemeClr val="accent1"/>
                 </a:solidFill>
               </a14:hiddenFill>
             </a:ext>
             <a:ext uri="{91240B29-F687-4F45-9708-019B960494DF}">
-              <a14:hiddenLine xmlns:a14="http://schemas.microsoft.com/office/drawing/2010/main" xmlns="" w="9525">
+              <a14:hiddenLine xmlns:a14="http://schemas.microsoft.com/office/drawing/2010/main" w="9525">
                 <a:solidFill>
                   <a:schemeClr val="tx1"/>
                 </a:solidFill>
@@ -12945,7 +13301,7 @@
           <a:blip r:embed="rId6" cstate="print">
             <a:extLst>
               <a:ext uri="{28A0092B-C50C-407E-A947-70E740481C1C}">
-                <a14:useLocalDpi xmlns:a14="http://schemas.microsoft.com/office/drawing/2010/main" xmlns="" val="0"/>
+                <a14:useLocalDpi xmlns:a14="http://schemas.microsoft.com/office/drawing/2010/main" val="0"/>
               </a:ext>
             </a:extLst>
           </a:blip>
@@ -12968,14 +13324,14 @@
           </a:ln>
           <a:extLst>
             <a:ext uri="{909E8E84-426E-40DD-AFC4-6F175D3DCCD1}">
-              <a14:hiddenFill xmlns:a14="http://schemas.microsoft.com/office/drawing/2010/main" xmlns="">
+              <a14:hiddenFill xmlns:a14="http://schemas.microsoft.com/office/drawing/2010/main">
                 <a:solidFill>
                   <a:schemeClr val="accent1"/>
                 </a:solidFill>
               </a14:hiddenFill>
             </a:ext>
             <a:ext uri="{91240B29-F687-4F45-9708-019B960494DF}">
-              <a14:hiddenLine xmlns:a14="http://schemas.microsoft.com/office/drawing/2010/main" xmlns="" w="9525">
+              <a14:hiddenLine xmlns:a14="http://schemas.microsoft.com/office/drawing/2010/main" w="9525">
                 <a:solidFill>
                   <a:schemeClr val="tx1"/>
                 </a:solidFill>
@@ -12999,7 +13355,7 @@
           <a:blip r:embed="rId7" cstate="print">
             <a:extLst>
               <a:ext uri="{28A0092B-C50C-407E-A947-70E740481C1C}">
-                <a14:useLocalDpi xmlns:a14="http://schemas.microsoft.com/office/drawing/2010/main" xmlns="" val="0"/>
+                <a14:useLocalDpi xmlns:a14="http://schemas.microsoft.com/office/drawing/2010/main" val="0"/>
               </a:ext>
             </a:extLst>
           </a:blip>
@@ -13022,14 +13378,14 @@
           </a:ln>
           <a:extLst>
             <a:ext uri="{909E8E84-426E-40DD-AFC4-6F175D3DCCD1}">
-              <a14:hiddenFill xmlns:a14="http://schemas.microsoft.com/office/drawing/2010/main" xmlns="">
+              <a14:hiddenFill xmlns:a14="http://schemas.microsoft.com/office/drawing/2010/main">
                 <a:solidFill>
                   <a:schemeClr val="accent1"/>
                 </a:solidFill>
               </a14:hiddenFill>
             </a:ext>
             <a:ext uri="{91240B29-F687-4F45-9708-019B960494DF}">
-              <a14:hiddenLine xmlns:a14="http://schemas.microsoft.com/office/drawing/2010/main" xmlns="" w="9525">
+              <a14:hiddenLine xmlns:a14="http://schemas.microsoft.com/office/drawing/2010/main" w="9525">
                 <a:solidFill>
                   <a:schemeClr val="tx1"/>
                 </a:solidFill>
@@ -13222,7 +13578,7 @@
             <a:blip r:embed="rId8" cstate="print">
               <a:extLst>
                 <a:ext uri="{28A0092B-C50C-407E-A947-70E740481C1C}">
-                  <a14:useLocalDpi xmlns:a14="http://schemas.microsoft.com/office/drawing/2010/main" xmlns="" val="0"/>
+                  <a14:useLocalDpi xmlns:a14="http://schemas.microsoft.com/office/drawing/2010/main" val="0"/>
                 </a:ext>
               </a:extLst>
             </a:blip>
@@ -13248,7 +13604,7 @@
             </a:ln>
             <a:extLst>
               <a:ext uri="{909E8E84-426E-40DD-AFC4-6F175D3DCCD1}">
-                <a14:hiddenFill xmlns:a14="http://schemas.microsoft.com/office/drawing/2010/main" xmlns="">
+                <a14:hiddenFill xmlns:a14="http://schemas.microsoft.com/office/drawing/2010/main">
                   <a:solidFill>
                     <a:schemeClr val="accent1"/>
                   </a:solidFill>
@@ -13269,7 +13625,7 @@
             <a:blip r:embed="rId9" cstate="print">
               <a:extLst>
                 <a:ext uri="{28A0092B-C50C-407E-A947-70E740481C1C}">
-                  <a14:useLocalDpi xmlns:a14="http://schemas.microsoft.com/office/drawing/2010/main" xmlns="" val="0"/>
+                  <a14:useLocalDpi xmlns:a14="http://schemas.microsoft.com/office/drawing/2010/main" val="0"/>
                 </a:ext>
               </a:extLst>
             </a:blip>
@@ -13292,14 +13648,14 @@
             </a:ln>
             <a:extLst>
               <a:ext uri="{909E8E84-426E-40DD-AFC4-6F175D3DCCD1}">
-                <a14:hiddenFill xmlns:a14="http://schemas.microsoft.com/office/drawing/2010/main" xmlns="">
+                <a14:hiddenFill xmlns:a14="http://schemas.microsoft.com/office/drawing/2010/main">
                   <a:solidFill>
                     <a:schemeClr val="accent1"/>
                   </a:solidFill>
                 </a14:hiddenFill>
               </a:ext>
               <a:ext uri="{91240B29-F687-4F45-9708-019B960494DF}">
-                <a14:hiddenLine xmlns:a14="http://schemas.microsoft.com/office/drawing/2010/main" xmlns="" w="9525">
+                <a14:hiddenLine xmlns:a14="http://schemas.microsoft.com/office/drawing/2010/main" w="9525">
                   <a:solidFill>
                     <a:schemeClr val="tx1"/>
                   </a:solidFill>
@@ -13324,7 +13680,7 @@
           <a:blip r:embed="rId10" cstate="print">
             <a:extLst>
               <a:ext uri="{28A0092B-C50C-407E-A947-70E740481C1C}">
-                <a14:useLocalDpi xmlns:a14="http://schemas.microsoft.com/office/drawing/2010/main" xmlns="" val="0"/>
+                <a14:useLocalDpi xmlns:a14="http://schemas.microsoft.com/office/drawing/2010/main" val="0"/>
               </a:ext>
             </a:extLst>
           </a:blip>
@@ -13347,14 +13703,14 @@
           </a:ln>
           <a:extLst>
             <a:ext uri="{909E8E84-426E-40DD-AFC4-6F175D3DCCD1}">
-              <a14:hiddenFill xmlns:a14="http://schemas.microsoft.com/office/drawing/2010/main" xmlns="">
+              <a14:hiddenFill xmlns:a14="http://schemas.microsoft.com/office/drawing/2010/main">
                 <a:solidFill>
                   <a:schemeClr val="accent1"/>
                 </a:solidFill>
               </a14:hiddenFill>
             </a:ext>
             <a:ext uri="{91240B29-F687-4F45-9708-019B960494DF}">
-              <a14:hiddenLine xmlns:a14="http://schemas.microsoft.com/office/drawing/2010/main" xmlns="" w="9525">
+              <a14:hiddenLine xmlns:a14="http://schemas.microsoft.com/office/drawing/2010/main" w="9525">
                 <a:solidFill>
                   <a:schemeClr val="tx1"/>
                 </a:solidFill>
@@ -13378,7 +13734,7 @@
           <a:blip r:embed="rId11" cstate="print">
             <a:extLst>
               <a:ext uri="{28A0092B-C50C-407E-A947-70E740481C1C}">
-                <a14:useLocalDpi xmlns:a14="http://schemas.microsoft.com/office/drawing/2010/main" xmlns="" val="0"/>
+                <a14:useLocalDpi xmlns:a14="http://schemas.microsoft.com/office/drawing/2010/main" val="0"/>
               </a:ext>
             </a:extLst>
           </a:blip>
@@ -13401,14 +13757,14 @@
           </a:ln>
           <a:extLst>
             <a:ext uri="{909E8E84-426E-40DD-AFC4-6F175D3DCCD1}">
-              <a14:hiddenFill xmlns:a14="http://schemas.microsoft.com/office/drawing/2010/main" xmlns="">
+              <a14:hiddenFill xmlns:a14="http://schemas.microsoft.com/office/drawing/2010/main">
                 <a:solidFill>
                   <a:schemeClr val="accent1"/>
                 </a:solidFill>
               </a14:hiddenFill>
             </a:ext>
             <a:ext uri="{91240B29-F687-4F45-9708-019B960494DF}">
-              <a14:hiddenLine xmlns:a14="http://schemas.microsoft.com/office/drawing/2010/main" xmlns="" w="9525">
+              <a14:hiddenLine xmlns:a14="http://schemas.microsoft.com/office/drawing/2010/main" w="9525">
                 <a:solidFill>
                   <a:schemeClr val="tx1"/>
                 </a:solidFill>
@@ -13423,18 +13779,18 @@
     </p:spTree>
     <p:extLst>
       <p:ext uri="{BB962C8B-B14F-4D97-AF65-F5344CB8AC3E}">
-        <p14:creationId xmlns:p14="http://schemas.microsoft.com/office/powerpoint/2010/main" xmlns="" val="1798221942"/>
+        <p14:creationId xmlns:p14="http://schemas.microsoft.com/office/powerpoint/2010/main" val="1798221942"/>
       </p:ext>
     </p:extLst>
   </p:cSld>
   <p:clrMapOvr>
     <a:masterClrMapping/>
   </p:clrMapOvr>
-  <mc:AlternateContent xmlns:mc="http://schemas.openxmlformats.org/markup-compatibility/2006">
-    <mc:Choice xmlns:p14="http://schemas.microsoft.com/office/powerpoint/2010/main" xmlns="" Requires="p14">
+  <mc:AlternateContent xmlns:mc="http://schemas.openxmlformats.org/markup-compatibility/2006" xmlns:p14="http://schemas.microsoft.com/office/powerpoint/2010/main">
+    <mc:Choice Requires="p14">
       <p:transition spd="slow" p14:dur="2000"/>
     </mc:Choice>
-    <mc:Fallback>
+    <mc:Fallback xmlns="">
       <p:transition spd="slow"/>
     </mc:Fallback>
   </mc:AlternateContent>
@@ -13687,6 +14043,45 @@
             <a:pPr marL="0" indent="0">
               <a:buNone/>
             </a:pPr>
+            <a:endParaRPr lang="de-DE" sz="3200" smtClean="0"/>
+          </a:p>
+          <a:p>
+            <a:pPr marL="0" indent="0">
+              <a:buNone/>
+            </a:pPr>
+            <a:endParaRPr lang="de-DE" sz="3200"/>
+          </a:p>
+          <a:p>
+            <a:pPr marL="0" indent="0">
+              <a:buNone/>
+            </a:pPr>
+            <a:endParaRPr lang="de-DE" sz="3200" smtClean="0"/>
+          </a:p>
+          <a:p>
+            <a:pPr marL="0" indent="0">
+              <a:buNone/>
+            </a:pPr>
+            <a:endParaRPr lang="de-DE" sz="3200"/>
+          </a:p>
+          <a:p>
+            <a:pPr marL="0" indent="0">
+              <a:buNone/>
+            </a:pPr>
+            <a:endParaRPr lang="de-DE" sz="3200" smtClean="0"/>
+          </a:p>
+          <a:p>
+            <a:pPr marL="0" indent="0">
+              <a:buNone/>
+            </a:pPr>
+            <a:r>
+              <a:rPr lang="de-DE" sz="3200" smtClean="0"/>
+              <a:t>Lemma</a:t>
+            </a:r>
+          </a:p>
+          <a:p>
+            <a:pPr marL="0" indent="0">
+              <a:buNone/>
+            </a:pPr>
             <a:endParaRPr lang="de-DE" sz="3200"/>
           </a:p>
         </p:txBody>
@@ -13700,7 +14095,7 @@
         <p:spPr>
           <a:xfrm>
             <a:off x="467544" y="972017"/>
-            <a:ext cx="3081293" cy="584775"/>
+            <a:ext cx="4996881" cy="584775"/>
           </a:xfrm>
           <a:prstGeom prst="rect">
             <a:avLst/>
@@ -13713,11 +14108,11 @@
           <a:lstStyle/>
           <a:p>
             <a:r>
-              <a:rPr lang="de-DE" sz="3200" b="1" smtClean="0">
+              <a:rPr lang="de-DE" sz="3200" b="1">
                 <a:latin typeface="Adobe Arabic" pitchFamily="18" charset="-78"/>
                 <a:cs typeface="Adobe Arabic" pitchFamily="18" charset="-78"/>
               </a:rPr>
-              <a:t>Finite-Elemente-Raum</a:t>
+              <a:t>Triangulation, Finite-Elemente-Raum</a:t>
             </a:r>
             <a:endParaRPr lang="de-DE" sz="3200" b="1">
               <a:latin typeface="Adobe Arabic" pitchFamily="18" charset="-78"/>
@@ -13738,7 +14133,7 @@
           <a:blip r:embed="rId3" cstate="print">
             <a:extLst>
               <a:ext uri="{28A0092B-C50C-407E-A947-70E740481C1C}">
-                <a14:useLocalDpi xmlns:a14="http://schemas.microsoft.com/office/drawing/2010/main" xmlns="" val="0"/>
+                <a14:useLocalDpi xmlns:a14="http://schemas.microsoft.com/office/drawing/2010/main" val="0"/>
               </a:ext>
             </a:extLst>
           </a:blip>
@@ -13749,7 +14144,7 @@
         </p:blipFill>
         <p:spPr bwMode="auto">
           <a:xfrm>
-            <a:off x="1043608" y="4221088"/>
+            <a:off x="1547664" y="4224882"/>
             <a:ext cx="6444208" cy="343625"/>
           </a:xfrm>
           <a:prstGeom prst="rect">
@@ -13761,14 +14156,14 @@
           </a:ln>
           <a:extLst>
             <a:ext uri="{909E8E84-426E-40DD-AFC4-6F175D3DCCD1}">
-              <a14:hiddenFill xmlns:a14="http://schemas.microsoft.com/office/drawing/2010/main" xmlns="">
+              <a14:hiddenFill xmlns:a14="http://schemas.microsoft.com/office/drawing/2010/main">
                 <a:solidFill>
                   <a:schemeClr val="accent1"/>
                 </a:solidFill>
               </a14:hiddenFill>
             </a:ext>
             <a:ext uri="{91240B29-F687-4F45-9708-019B960494DF}">
-              <a14:hiddenLine xmlns:a14="http://schemas.microsoft.com/office/drawing/2010/main" xmlns="" w="9525">
+              <a14:hiddenLine xmlns:a14="http://schemas.microsoft.com/office/drawing/2010/main" w="9525">
                 <a:solidFill>
                   <a:schemeClr val="tx1"/>
                 </a:solidFill>
@@ -13788,7 +14183,7 @@
         </p:nvSpPr>
         <p:spPr>
           <a:xfrm>
-            <a:off x="827584" y="1772816"/>
+            <a:off x="683568" y="1772816"/>
             <a:ext cx="1512168" cy="1368152"/>
           </a:xfrm>
           <a:prstGeom prst="rect">
@@ -13798,7 +14193,7 @@
           <a:ln w="6350">
             <a:solidFill>
               <a:schemeClr val="bg1">
-                <a:lumMod val="65000"/>
+                <a:lumMod val="75000"/>
               </a:schemeClr>
             </a:solidFill>
           </a:ln>
@@ -13844,7 +14239,7 @@
         </p:blipFill>
         <p:spPr>
           <a:xfrm>
-            <a:off x="2915816" y="1772816"/>
+            <a:off x="2771800" y="1772816"/>
             <a:ext cx="1369207" cy="1371777"/>
           </a:xfrm>
           <a:prstGeom prst="rect">
@@ -13868,7 +14263,7 @@
         </p:blipFill>
         <p:spPr>
           <a:xfrm>
-            <a:off x="4858977" y="1772816"/>
+            <a:off x="4714961" y="1772816"/>
             <a:ext cx="1369207" cy="1371777"/>
           </a:xfrm>
           <a:prstGeom prst="rect">
@@ -13892,7 +14287,7 @@
         </p:blipFill>
         <p:spPr>
           <a:xfrm>
-            <a:off x="6804248" y="1772816"/>
+            <a:off x="6660192" y="1772816"/>
             <a:ext cx="1369207" cy="1371777"/>
           </a:xfrm>
           <a:prstGeom prst="rect">
@@ -13917,7 +14312,7 @@
         </p:blipFill>
         <p:spPr bwMode="auto">
           <a:xfrm>
-            <a:off x="1403648" y="2337756"/>
+            <a:off x="1259632" y="2337756"/>
             <a:ext cx="343453" cy="290399"/>
           </a:xfrm>
           <a:prstGeom prst="rect">
@@ -13949,7 +14344,7 @@
         </p:blipFill>
         <p:spPr bwMode="auto">
           <a:xfrm>
-            <a:off x="683568" y="3212977"/>
+            <a:off x="539552" y="3212977"/>
             <a:ext cx="371168" cy="216024"/>
           </a:xfrm>
           <a:prstGeom prst="rect">
@@ -13964,28 +14359,319 @@
           </a:ln>
         </p:spPr>
       </p:pic>
+      <p:pic>
+        <p:nvPicPr>
+          <p:cNvPr id="6" name="Picture 2"/>
+          <p:cNvPicPr>
+            <a:picLocks noChangeAspect="1" noChangeArrowheads="1"/>
+          </p:cNvPicPr>
+          <p:nvPr/>
+        </p:nvPicPr>
+        <p:blipFill>
+          <a:blip r:embed="rId9" cstate="print">
+            <a:extLst>
+              <a:ext uri="{28A0092B-C50C-407E-A947-70E740481C1C}">
+                <a14:useLocalDpi xmlns:a14="http://schemas.microsoft.com/office/drawing/2010/main" val="0"/>
+              </a:ext>
+            </a:extLst>
+          </a:blip>
+          <a:srcRect/>
+          <a:stretch>
+            <a:fillRect/>
+          </a:stretch>
+        </p:blipFill>
+        <p:spPr bwMode="auto">
+          <a:xfrm>
+            <a:off x="2005905" y="3429001"/>
+            <a:ext cx="1898651" cy="555208"/>
+          </a:xfrm>
+          <a:prstGeom prst="rect">
+            <a:avLst/>
+          </a:prstGeom>
+          <a:noFill/>
+          <a:ln>
+            <a:noFill/>
+          </a:ln>
+          <a:extLst>
+            <a:ext uri="{909E8E84-426E-40DD-AFC4-6F175D3DCCD1}">
+              <a14:hiddenFill xmlns:a14="http://schemas.microsoft.com/office/drawing/2010/main">
+                <a:solidFill>
+                  <a:schemeClr val="accent1"/>
+                </a:solidFill>
+              </a14:hiddenFill>
+            </a:ext>
+            <a:ext uri="{91240B29-F687-4F45-9708-019B960494DF}">
+              <a14:hiddenLine xmlns:a14="http://schemas.microsoft.com/office/drawing/2010/main" w="9525">
+                <a:solidFill>
+                  <a:schemeClr val="tx1"/>
+                </a:solidFill>
+                <a:miter lim="800000"/>
+                <a:headEnd/>
+                <a:tailEnd/>
+              </a14:hiddenLine>
+            </a:ext>
+          </a:extLst>
+        </p:spPr>
+      </p:pic>
+      <p:pic>
+        <p:nvPicPr>
+          <p:cNvPr id="1029" name="Picture 5"/>
+          <p:cNvPicPr>
+            <a:picLocks noChangeAspect="1" noChangeArrowheads="1"/>
+          </p:cNvPicPr>
+          <p:nvPr/>
+        </p:nvPicPr>
+        <p:blipFill>
+          <a:blip r:embed="rId10">
+            <a:extLst>
+              <a:ext uri="{28A0092B-C50C-407E-A947-70E740481C1C}">
+                <a14:useLocalDpi xmlns:a14="http://schemas.microsoft.com/office/drawing/2010/main" val="0"/>
+              </a:ext>
+            </a:extLst>
+          </a:blip>
+          <a:srcRect/>
+          <a:stretch>
+            <a:fillRect/>
+          </a:stretch>
+        </p:blipFill>
+        <p:spPr bwMode="auto">
+          <a:xfrm>
+            <a:off x="467544" y="5301208"/>
+            <a:ext cx="7482855" cy="491088"/>
+          </a:xfrm>
+          <a:prstGeom prst="rect">
+            <a:avLst/>
+          </a:prstGeom>
+          <a:noFill/>
+          <a:ln>
+            <a:noFill/>
+          </a:ln>
+          <a:extLst>
+            <a:ext uri="{909E8E84-426E-40DD-AFC4-6F175D3DCCD1}">
+              <a14:hiddenFill xmlns:a14="http://schemas.microsoft.com/office/drawing/2010/main">
+                <a:solidFill>
+                  <a:schemeClr val="accent1"/>
+                </a:solidFill>
+              </a14:hiddenFill>
+            </a:ext>
+            <a:ext uri="{91240B29-F687-4F45-9708-019B960494DF}">
+              <a14:hiddenLine xmlns:a14="http://schemas.microsoft.com/office/drawing/2010/main" w="9525">
+                <a:solidFill>
+                  <a:schemeClr val="tx1"/>
+                </a:solidFill>
+                <a:miter lim="800000"/>
+                <a:headEnd/>
+                <a:tailEnd/>
+              </a14:hiddenLine>
+            </a:ext>
+          </a:extLst>
+        </p:spPr>
+      </p:pic>
+      <p:sp>
+        <p:nvSpPr>
+          <p:cNvPr id="18" name="Textfeld 17"/>
+          <p:cNvSpPr txBox="1"/>
+          <p:nvPr/>
+        </p:nvSpPr>
+        <p:spPr>
+          <a:xfrm>
+            <a:off x="8302724" y="2875796"/>
+            <a:ext cx="648072" cy="369332"/>
+          </a:xfrm>
+          <a:prstGeom prst="rect">
+            <a:avLst/>
+          </a:prstGeom>
+          <a:noFill/>
+        </p:spPr>
+        <p:txBody>
+          <a:bodyPr wrap="square" rtlCol="0">
+            <a:spAutoFit/>
+          </a:bodyPr>
+          <a:lstStyle/>
+          <a:p>
+            <a:r>
+              <a:rPr lang="de-DE" smtClean="0"/>
+              <a:t>…</a:t>
+            </a:r>
+            <a:endParaRPr lang="de-DE"/>
+          </a:p>
+        </p:txBody>
+      </p:sp>
+      <p:pic>
+        <p:nvPicPr>
+          <p:cNvPr id="1030" name="Picture 6"/>
+          <p:cNvPicPr>
+            <a:picLocks noChangeAspect="1" noChangeArrowheads="1"/>
+          </p:cNvPicPr>
+          <p:nvPr/>
+        </p:nvPicPr>
+        <p:blipFill>
+          <a:blip r:embed="rId11" cstate="print">
+            <a:extLst>
+              <a:ext uri="{28A0092B-C50C-407E-A947-70E740481C1C}">
+                <a14:useLocalDpi xmlns:a14="http://schemas.microsoft.com/office/drawing/2010/main" val="0"/>
+              </a:ext>
+            </a:extLst>
+          </a:blip>
+          <a:srcRect/>
+          <a:stretch>
+            <a:fillRect/>
+          </a:stretch>
+        </p:blipFill>
+        <p:spPr bwMode="auto">
+          <a:xfrm>
+            <a:off x="539552" y="4233933"/>
+            <a:ext cx="890252" cy="325522"/>
+          </a:xfrm>
+          <a:prstGeom prst="rect">
+            <a:avLst/>
+          </a:prstGeom>
+          <a:noFill/>
+          <a:ln>
+            <a:noFill/>
+          </a:ln>
+          <a:extLst>
+            <a:ext uri="{909E8E84-426E-40DD-AFC4-6F175D3DCCD1}">
+              <a14:hiddenFill xmlns:a14="http://schemas.microsoft.com/office/drawing/2010/main">
+                <a:solidFill>
+                  <a:schemeClr val="accent1"/>
+                </a:solidFill>
+              </a14:hiddenFill>
+            </a:ext>
+            <a:ext uri="{91240B29-F687-4F45-9708-019B960494DF}">
+              <a14:hiddenLine xmlns:a14="http://schemas.microsoft.com/office/drawing/2010/main" w="9525">
+                <a:solidFill>
+                  <a:schemeClr val="tx1"/>
+                </a:solidFill>
+                <a:miter lim="800000"/>
+                <a:headEnd/>
+                <a:tailEnd/>
+              </a14:hiddenLine>
+            </a:ext>
+          </a:extLst>
+        </p:spPr>
+      </p:pic>
     </p:spTree>
     <p:extLst>
       <p:ext uri="{BB962C8B-B14F-4D97-AF65-F5344CB8AC3E}">
-        <p14:creationId xmlns:p14="http://schemas.microsoft.com/office/powerpoint/2010/main" xmlns="" val="2695192595"/>
+        <p14:creationId xmlns:p14="http://schemas.microsoft.com/office/powerpoint/2010/main" val="2695192595"/>
       </p:ext>
     </p:extLst>
   </p:cSld>
   <p:clrMapOvr>
     <a:masterClrMapping/>
   </p:clrMapOvr>
-  <mc:AlternateContent xmlns:mc="http://schemas.openxmlformats.org/markup-compatibility/2006">
-    <mc:Choice xmlns:p14="http://schemas.microsoft.com/office/powerpoint/2010/main" xmlns="" Requires="p14">
+  <mc:AlternateContent xmlns:mc="http://schemas.openxmlformats.org/markup-compatibility/2006" xmlns:p14="http://schemas.microsoft.com/office/powerpoint/2010/main">
+    <mc:Choice Requires="p14">
       <p:transition spd="slow" p14:dur="2000"/>
     </mc:Choice>
-    <mc:Fallback>
+    <mc:Fallback xmlns="">
       <p:transition spd="slow"/>
     </mc:Fallback>
   </mc:AlternateContent>
   <p:timing>
     <p:tnLst>
       <p:par>
-        <p:cTn id="1" dur="indefinite" restart="never" nodeType="tmRoot"/>
+        <p:cTn id="1" dur="indefinite" restart="never" nodeType="tmRoot">
+          <p:childTnLst>
+            <p:seq concurrent="1" nextAc="seek">
+              <p:cTn id="2" dur="indefinite" nodeType="mainSeq">
+                <p:childTnLst>
+                  <p:par>
+                    <p:cTn id="3" fill="hold">
+                      <p:stCondLst>
+                        <p:cond delay="indefinite"/>
+                      </p:stCondLst>
+                      <p:childTnLst>
+                        <p:par>
+                          <p:cTn id="4" fill="hold">
+                            <p:stCondLst>
+                              <p:cond delay="0"/>
+                            </p:stCondLst>
+                            <p:childTnLst>
+                              <p:par>
+                                <p:cTn id="5" presetID="1" presetClass="entr" presetSubtype="0" fill="hold" nodeType="clickEffect">
+                                  <p:stCondLst>
+                                    <p:cond delay="0"/>
+                                  </p:stCondLst>
+                                  <p:childTnLst>
+                                    <p:set>
+                                      <p:cBhvr>
+                                        <p:cTn id="6" dur="1" fill="hold">
+                                          <p:stCondLst>
+                                            <p:cond delay="0"/>
+                                          </p:stCondLst>
+                                        </p:cTn>
+                                        <p:tgtEl>
+                                          <p:spTgt spid="17">
+                                            <p:txEl>
+                                              <p:pRg st="6" end="6"/>
+                                            </p:txEl>
+                                          </p:spTgt>
+                                        </p:tgtEl>
+                                        <p:attrNameLst>
+                                          <p:attrName>style.visibility</p:attrName>
+                                        </p:attrNameLst>
+                                      </p:cBhvr>
+                                      <p:to>
+                                        <p:strVal val="visible"/>
+                                      </p:to>
+                                    </p:set>
+                                  </p:childTnLst>
+                                </p:cTn>
+                              </p:par>
+                              <p:par>
+                                <p:cTn id="7" presetID="1" presetClass="entr" presetSubtype="0" fill="hold" nodeType="withEffect">
+                                  <p:stCondLst>
+                                    <p:cond delay="0"/>
+                                  </p:stCondLst>
+                                  <p:childTnLst>
+                                    <p:set>
+                                      <p:cBhvr>
+                                        <p:cTn id="8" dur="1" fill="hold">
+                                          <p:stCondLst>
+                                            <p:cond delay="0"/>
+                                          </p:stCondLst>
+                                        </p:cTn>
+                                        <p:tgtEl>
+                                          <p:spTgt spid="1029"/>
+                                        </p:tgtEl>
+                                        <p:attrNameLst>
+                                          <p:attrName>style.visibility</p:attrName>
+                                        </p:attrNameLst>
+                                      </p:cBhvr>
+                                      <p:to>
+                                        <p:strVal val="visible"/>
+                                      </p:to>
+                                    </p:set>
+                                  </p:childTnLst>
+                                </p:cTn>
+                              </p:par>
+                            </p:childTnLst>
+                          </p:cTn>
+                        </p:par>
+                      </p:childTnLst>
+                    </p:cTn>
+                  </p:par>
+                </p:childTnLst>
+              </p:cTn>
+              <p:prevCondLst>
+                <p:cond evt="onPrev" delay="0">
+                  <p:tgtEl>
+                    <p:sldTgt/>
+                  </p:tgtEl>
+                </p:cond>
+              </p:prevCondLst>
+              <p:nextCondLst>
+                <p:cond evt="onNext" delay="0">
+                  <p:tgtEl>
+                    <p:sldTgt/>
+                  </p:tgtEl>
+                </p:cond>
+              </p:nextCondLst>
+            </p:seq>
+          </p:childTnLst>
+        </p:cTn>
       </p:par>
     </p:tnLst>
   </p:timing>
@@ -14212,7 +14898,7 @@
         </p:nvSpPr>
         <p:spPr>
           <a:xfrm>
-            <a:off x="457200" y="980728"/>
+            <a:off x="457200" y="1163885"/>
             <a:ext cx="8229600" cy="5145435"/>
           </a:xfrm>
         </p:spPr>
@@ -14225,37 +14911,389 @@
             <a:pPr marL="0" indent="0">
               <a:buNone/>
             </a:pPr>
-            <a:r>
-              <a:rPr lang="de-DE" sz="3200" smtClean="0"/>
-              <a:t>Nicht-konforme Methode: Der FES ist nicht mehr in dem Raum, in dem das zugrundeliegende Variationsproblem formuliert ist, enthalten. Mehr Flexibilität für Diskretisierung. Bei DG ist die diskrete Lösung komplett unstetig und verletzt idR auch eventuelle Dirichlet-Randbedingungen. Lösbarkeit wird erreicht durch geschickte Stabilisierungsterme, die zudem so gewählt werden, dass keine Konsistenzfehler auftreten.</a:t>
-            </a:r>
-          </a:p>
-        </p:txBody>
-      </p:sp>
+            <a:endParaRPr lang="de-DE" sz="3200" smtClean="0"/>
+          </a:p>
+          <a:p>
+            <a:pPr marL="0" indent="0">
+              <a:buNone/>
+            </a:pPr>
+            <a:endParaRPr lang="de-DE" sz="3200" smtClean="0"/>
+          </a:p>
+          <a:p>
+            <a:pPr marL="0" indent="0">
+              <a:buNone/>
+            </a:pPr>
+            <a:endParaRPr lang="de-DE" sz="3200"/>
+          </a:p>
+          <a:p>
+            <a:pPr marL="0" indent="0">
+              <a:buNone/>
+            </a:pPr>
+            <a:endParaRPr lang="de-DE" sz="3200" smtClean="0"/>
+          </a:p>
+          <a:p>
+            <a:pPr marL="0" indent="0">
+              <a:buNone/>
+            </a:pPr>
+            <a:endParaRPr lang="de-DE" sz="3200"/>
+          </a:p>
+          <a:p>
+            <a:pPr marL="0" indent="0">
+              <a:buNone/>
+            </a:pPr>
+            <a:endParaRPr lang="de-DE" sz="3200" smtClean="0"/>
+          </a:p>
+          <a:p>
+            <a:pPr marL="0" indent="0">
+              <a:buNone/>
+            </a:pPr>
+            <a:endParaRPr lang="de-DE" sz="3200"/>
+          </a:p>
+        </p:txBody>
+      </p:sp>
+      <p:sp>
+        <p:nvSpPr>
+          <p:cNvPr id="2" name="Rechteck 1"/>
+          <p:cNvSpPr/>
+          <p:nvPr/>
+        </p:nvSpPr>
+        <p:spPr>
+          <a:xfrm>
+            <a:off x="467544" y="972017"/>
+            <a:ext cx="1122423" cy="584775"/>
+          </a:xfrm>
+          <a:prstGeom prst="rect">
+            <a:avLst/>
+          </a:prstGeom>
+        </p:spPr>
+        <p:txBody>
+          <a:bodyPr wrap="none">
+            <a:spAutoFit/>
+          </a:bodyPr>
+          <a:lstStyle/>
+          <a:p>
+            <a:r>
+              <a:rPr lang="de-DE" sz="3200" b="1" smtClean="0">
+                <a:latin typeface="Adobe Arabic" pitchFamily="18" charset="-78"/>
+                <a:cs typeface="Adobe Arabic" pitchFamily="18" charset="-78"/>
+              </a:rPr>
+              <a:t>Bsp. 1d</a:t>
+            </a:r>
+            <a:endParaRPr lang="de-DE" sz="3200" b="1">
+              <a:latin typeface="Adobe Arabic" pitchFamily="18" charset="-78"/>
+              <a:cs typeface="Adobe Arabic" pitchFamily="18" charset="-78"/>
+            </a:endParaRPr>
+          </a:p>
+        </p:txBody>
+      </p:sp>
+      <p:pic>
+        <p:nvPicPr>
+          <p:cNvPr id="1029" name="Picture 5"/>
+          <p:cNvPicPr>
+            <a:picLocks noChangeAspect="1" noChangeArrowheads="1"/>
+          </p:cNvPicPr>
+          <p:nvPr/>
+        </p:nvPicPr>
+        <p:blipFill>
+          <a:blip r:embed="rId3">
+            <a:extLst>
+              <a:ext uri="{28A0092B-C50C-407E-A947-70E740481C1C}">
+                <a14:useLocalDpi xmlns:a14="http://schemas.microsoft.com/office/drawing/2010/main" val="0"/>
+              </a:ext>
+            </a:extLst>
+          </a:blip>
+          <a:srcRect/>
+          <a:stretch>
+            <a:fillRect/>
+          </a:stretch>
+        </p:blipFill>
+        <p:spPr bwMode="auto">
+          <a:xfrm>
+            <a:off x="467544" y="5301208"/>
+            <a:ext cx="7482855" cy="491088"/>
+          </a:xfrm>
+          <a:prstGeom prst="rect">
+            <a:avLst/>
+          </a:prstGeom>
+          <a:noFill/>
+          <a:ln>
+            <a:noFill/>
+          </a:ln>
+          <a:extLst>
+            <a:ext uri="{909E8E84-426E-40DD-AFC4-6F175D3DCCD1}">
+              <a14:hiddenFill xmlns:a14="http://schemas.microsoft.com/office/drawing/2010/main">
+                <a:solidFill>
+                  <a:schemeClr val="accent1"/>
+                </a:solidFill>
+              </a14:hiddenFill>
+            </a:ext>
+            <a:ext uri="{91240B29-F687-4F45-9708-019B960494DF}">
+              <a14:hiddenLine xmlns:a14="http://schemas.microsoft.com/office/drawing/2010/main" w="9525">
+                <a:solidFill>
+                  <a:schemeClr val="tx1"/>
+                </a:solidFill>
+                <a:miter lim="800000"/>
+                <a:headEnd/>
+                <a:tailEnd/>
+              </a14:hiddenLine>
+            </a:ext>
+          </a:extLst>
+        </p:spPr>
+      </p:pic>
+      <p:cxnSp>
+        <p:nvCxnSpPr>
+          <p:cNvPr id="12" name="Gerade Verbindung mit Pfeil 11"/>
+          <p:cNvCxnSpPr/>
+          <p:nvPr/>
+        </p:nvCxnSpPr>
+        <p:spPr>
+          <a:xfrm flipV="1">
+            <a:off x="4644008" y="5661248"/>
+            <a:ext cx="504056" cy="432048"/>
+          </a:xfrm>
+          <a:prstGeom prst="straightConnector1">
+            <a:avLst/>
+          </a:prstGeom>
+          <a:ln>
+            <a:solidFill>
+              <a:srgbClr val="FF0000"/>
+            </a:solidFill>
+            <a:tailEnd type="arrow"/>
+          </a:ln>
+        </p:spPr>
+        <p:style>
+          <a:lnRef idx="1">
+            <a:schemeClr val="accent1"/>
+          </a:lnRef>
+          <a:fillRef idx="0">
+            <a:schemeClr val="accent1"/>
+          </a:fillRef>
+          <a:effectRef idx="0">
+            <a:schemeClr val="accent1"/>
+          </a:effectRef>
+          <a:fontRef idx="minor">
+            <a:schemeClr val="tx1"/>
+          </a:fontRef>
+        </p:style>
+      </p:cxnSp>
+      <p:sp>
+        <p:nvSpPr>
+          <p:cNvPr id="16" name="Textfeld 15"/>
+          <p:cNvSpPr txBox="1"/>
+          <p:nvPr/>
+        </p:nvSpPr>
+        <p:spPr>
+          <a:xfrm>
+            <a:off x="3491880" y="6093296"/>
+            <a:ext cx="3456384" cy="369332"/>
+          </a:xfrm>
+          <a:prstGeom prst="rect">
+            <a:avLst/>
+          </a:prstGeom>
+          <a:noFill/>
+        </p:spPr>
+        <p:txBody>
+          <a:bodyPr wrap="square" rtlCol="0">
+            <a:spAutoFit/>
+          </a:bodyPr>
+          <a:lstStyle/>
+          <a:p>
+            <a:r>
+              <a:rPr lang="de-DE" smtClean="0">
+                <a:solidFill>
+                  <a:srgbClr val="FF0000"/>
+                </a:solidFill>
+                <a:latin typeface="Adobe Arabic" pitchFamily="18" charset="-78"/>
+                <a:cs typeface="Adobe Arabic" pitchFamily="18" charset="-78"/>
+              </a:rPr>
+              <a:t>Stetige Testfunktion!</a:t>
+            </a:r>
+            <a:endParaRPr lang="de-DE">
+              <a:solidFill>
+                <a:srgbClr val="FF0000"/>
+              </a:solidFill>
+              <a:latin typeface="Adobe Arabic" pitchFamily="18" charset="-78"/>
+              <a:cs typeface="Adobe Arabic" pitchFamily="18" charset="-78"/>
+            </a:endParaRPr>
+          </a:p>
+        </p:txBody>
+      </p:sp>
+      <p:pic>
+        <p:nvPicPr>
+          <p:cNvPr id="4098" name="Picture 2"/>
+          <p:cNvPicPr>
+            <a:picLocks noChangeAspect="1" noChangeArrowheads="1"/>
+          </p:cNvPicPr>
+          <p:nvPr/>
+        </p:nvPicPr>
+        <p:blipFill>
+          <a:blip r:embed="rId4">
+            <a:extLst>
+              <a:ext uri="{28A0092B-C50C-407E-A947-70E740481C1C}">
+                <a14:useLocalDpi xmlns:a14="http://schemas.microsoft.com/office/drawing/2010/main" val="0"/>
+              </a:ext>
+            </a:extLst>
+          </a:blip>
+          <a:srcRect/>
+          <a:stretch>
+            <a:fillRect/>
+          </a:stretch>
+        </p:blipFill>
+        <p:spPr bwMode="auto">
+          <a:xfrm>
+            <a:off x="962220" y="2420888"/>
+            <a:ext cx="6917774" cy="1963291"/>
+          </a:xfrm>
+          <a:prstGeom prst="rect">
+            <a:avLst/>
+          </a:prstGeom>
+          <a:noFill/>
+          <a:ln>
+            <a:noFill/>
+          </a:ln>
+          <a:extLst>
+            <a:ext uri="{909E8E84-426E-40DD-AFC4-6F175D3DCCD1}">
+              <a14:hiddenFill xmlns:a14="http://schemas.microsoft.com/office/drawing/2010/main">
+                <a:solidFill>
+                  <a:schemeClr val="accent1"/>
+                </a:solidFill>
+              </a14:hiddenFill>
+            </a:ext>
+            <a:ext uri="{91240B29-F687-4F45-9708-019B960494DF}">
+              <a14:hiddenLine xmlns:a14="http://schemas.microsoft.com/office/drawing/2010/main" w="9525">
+                <a:solidFill>
+                  <a:schemeClr val="tx1"/>
+                </a:solidFill>
+                <a:miter lim="800000"/>
+                <a:headEnd/>
+                <a:tailEnd/>
+              </a14:hiddenLine>
+            </a:ext>
+          </a:extLst>
+        </p:spPr>
+      </p:pic>
     </p:spTree>
     <p:extLst>
       <p:ext uri="{BB962C8B-B14F-4D97-AF65-F5344CB8AC3E}">
-        <p14:creationId xmlns:p14="http://schemas.microsoft.com/office/powerpoint/2010/main" xmlns="" val="2267934893"/>
+        <p14:creationId xmlns:p14="http://schemas.microsoft.com/office/powerpoint/2010/main" val="2974051312"/>
       </p:ext>
     </p:extLst>
   </p:cSld>
   <p:clrMapOvr>
     <a:masterClrMapping/>
   </p:clrMapOvr>
-  <mc:AlternateContent xmlns:mc="http://schemas.openxmlformats.org/markup-compatibility/2006">
-    <mc:Choice xmlns:p14="http://schemas.microsoft.com/office/powerpoint/2010/main" xmlns="" Requires="p14">
+  <mc:AlternateContent xmlns:mc="http://schemas.openxmlformats.org/markup-compatibility/2006" xmlns:p14="http://schemas.microsoft.com/office/powerpoint/2010/main">
+    <mc:Choice Requires="p14">
       <p:transition spd="slow" p14:dur="2000"/>
     </mc:Choice>
-    <mc:Fallback>
+    <mc:Fallback xmlns="">
       <p:transition spd="slow"/>
     </mc:Fallback>
   </mc:AlternateContent>
   <p:timing>
     <p:tnLst>
       <p:par>
-        <p:cTn id="1" dur="indefinite" restart="never" nodeType="tmRoot"/>
+        <p:cTn id="1" dur="indefinite" restart="never" nodeType="tmRoot">
+          <p:childTnLst>
+            <p:seq concurrent="1" nextAc="seek">
+              <p:cTn id="2" dur="indefinite" nodeType="mainSeq">
+                <p:childTnLst>
+                  <p:par>
+                    <p:cTn id="3" fill="hold">
+                      <p:stCondLst>
+                        <p:cond delay="indefinite"/>
+                      </p:stCondLst>
+                      <p:childTnLst>
+                        <p:par>
+                          <p:cTn id="4" fill="hold">
+                            <p:stCondLst>
+                              <p:cond delay="0"/>
+                            </p:stCondLst>
+                            <p:childTnLst>
+                              <p:par>
+                                <p:cTn id="5" presetID="1" presetClass="entr" presetSubtype="0" fill="hold" grpId="0" nodeType="clickEffect">
+                                  <p:stCondLst>
+                                    <p:cond delay="0"/>
+                                  </p:stCondLst>
+                                  <p:childTnLst>
+                                    <p:set>
+                                      <p:cBhvr>
+                                        <p:cTn id="6" dur="1" fill="hold">
+                                          <p:stCondLst>
+                                            <p:cond delay="0"/>
+                                          </p:stCondLst>
+                                        </p:cTn>
+                                        <p:tgtEl>
+                                          <p:spTgt spid="16"/>
+                                        </p:tgtEl>
+                                        <p:attrNameLst>
+                                          <p:attrName>style.visibility</p:attrName>
+                                        </p:attrNameLst>
+                                      </p:cBhvr>
+                                      <p:to>
+                                        <p:strVal val="visible"/>
+                                      </p:to>
+                                    </p:set>
+                                  </p:childTnLst>
+                                </p:cTn>
+                              </p:par>
+                              <p:par>
+                                <p:cTn id="7" presetID="1" presetClass="entr" presetSubtype="0" fill="hold" nodeType="withEffect">
+                                  <p:stCondLst>
+                                    <p:cond delay="0"/>
+                                  </p:stCondLst>
+                                  <p:childTnLst>
+                                    <p:set>
+                                      <p:cBhvr>
+                                        <p:cTn id="8" dur="1" fill="hold">
+                                          <p:stCondLst>
+                                            <p:cond delay="0"/>
+                                          </p:stCondLst>
+                                        </p:cTn>
+                                        <p:tgtEl>
+                                          <p:spTgt spid="12"/>
+                                        </p:tgtEl>
+                                        <p:attrNameLst>
+                                          <p:attrName>style.visibility</p:attrName>
+                                        </p:attrNameLst>
+                                      </p:cBhvr>
+                                      <p:to>
+                                        <p:strVal val="visible"/>
+                                      </p:to>
+                                    </p:set>
+                                  </p:childTnLst>
+                                </p:cTn>
+                              </p:par>
+                            </p:childTnLst>
+                          </p:cTn>
+                        </p:par>
+                      </p:childTnLst>
+                    </p:cTn>
+                  </p:par>
+                </p:childTnLst>
+              </p:cTn>
+              <p:prevCondLst>
+                <p:cond evt="onPrev" delay="0">
+                  <p:tgtEl>
+                    <p:sldTgt/>
+                  </p:tgtEl>
+                </p:cond>
+              </p:prevCondLst>
+              <p:nextCondLst>
+                <p:cond evt="onNext" delay="0">
+                  <p:tgtEl>
+                    <p:sldTgt/>
+                  </p:tgtEl>
+                </p:cond>
+              </p:nextCondLst>
+            </p:seq>
+          </p:childTnLst>
+        </p:cTn>
       </p:par>
     </p:tnLst>
+    <p:bldLst>
+      <p:bldP spid="16" grpId="0"/>
+    </p:bldLst>
   </p:timing>
 </p:sld>
 </file>
@@ -14463,467 +15501,6 @@
       </p:grpSpPr>
       <p:sp>
         <p:nvSpPr>
-          <p:cNvPr id="2" name="Inhaltsplatzhalter 1"/>
-          <p:cNvSpPr>
-            <a:spLocks noGrp="1"/>
-          </p:cNvSpPr>
-          <p:nvPr>
-            <p:ph idx="1"/>
-          </p:nvPr>
-        </p:nvSpPr>
-        <p:spPr>
-          <a:xfrm>
-            <a:off x="251520" y="1379909"/>
-            <a:ext cx="8496944" cy="5145435"/>
-          </a:xfrm>
-        </p:spPr>
-        <p:txBody>
-          <a:bodyPr>
-            <a:noAutofit/>
-          </a:bodyPr>
-          <a:lstStyle/>
-          <a:p>
-            <a:pPr>
-              <a:buNone/>
-            </a:pPr>
-            <a:r>
-              <a:rPr lang="de-DE" sz="1800" smtClean="0"/>
-              <a:t>[1] Renn, Ortwin, </a:t>
-            </a:r>
-            <a:r>
-              <a:rPr lang="de-DE" sz="1800" err="1" smtClean="0"/>
-              <a:t>ed</a:t>
-            </a:r>
-            <a:r>
-              <a:rPr lang="de-DE" sz="1800" smtClean="0"/>
-              <a:t>. Partitionierung und Transmutation: Forschung–Entwicklung–Gesellschaftliche Implikationen. Herbert Utz Verlag, 2014.</a:t>
-            </a:r>
-          </a:p>
-          <a:p>
-            <a:pPr>
-              <a:buNone/>
-            </a:pPr>
-            <a:r>
-              <a:rPr lang="de-DE" sz="1800" smtClean="0"/>
-              <a:t>[2] Huber, Josef, Werner Mester, und Wolfgang Thomas. "Sicherheitsaspekte der Wiederaufbereitung von Kernbrennstoffen." GRS, 1987.</a:t>
-            </a:r>
-          </a:p>
-          <a:p>
-            <a:pPr>
-              <a:buNone/>
-            </a:pPr>
-            <a:r>
-              <a:rPr lang="de-DE" sz="1800" smtClean="0"/>
-              <a:t>[3] Mueller, Alex C. </a:t>
-            </a:r>
-            <a:r>
-              <a:rPr lang="de-DE" sz="1800" err="1" smtClean="0"/>
-              <a:t>and</a:t>
-            </a:r>
-            <a:r>
-              <a:rPr lang="de-DE" sz="1800" smtClean="0"/>
-              <a:t> Hamid </a:t>
-            </a:r>
-            <a:r>
-              <a:rPr lang="de-DE" sz="1800" err="1" smtClean="0"/>
-              <a:t>Ait</a:t>
-            </a:r>
-            <a:r>
-              <a:rPr lang="de-DE" sz="1800" smtClean="0"/>
-              <a:t> Abderrahim. "Transmutation von radioaktivem Abfall." In: Physik Journal 11 (2010), Seiten 33-38.</a:t>
-            </a:r>
-          </a:p>
-          <a:p>
-            <a:pPr>
-              <a:buNone/>
-            </a:pPr>
-            <a:r>
-              <a:rPr lang="de-DE" sz="1800" smtClean="0"/>
-              <a:t>[4] </a:t>
-            </a:r>
-            <a:r>
-              <a:rPr lang="de-DE" sz="1800" err="1" smtClean="0"/>
-              <a:t>Varaine</a:t>
-            </a:r>
-            <a:r>
-              <a:rPr lang="de-DE" sz="1800" smtClean="0"/>
-              <a:t>, F., et al. "</a:t>
-            </a:r>
-            <a:r>
-              <a:rPr lang="de-DE" sz="1800" err="1" smtClean="0"/>
-              <a:t>Overview</a:t>
-            </a:r>
-            <a:r>
-              <a:rPr lang="de-DE" sz="1800" smtClean="0"/>
-              <a:t> on </a:t>
-            </a:r>
-            <a:r>
-              <a:rPr lang="de-DE" sz="1800" err="1" smtClean="0"/>
-              <a:t>homogeneous</a:t>
-            </a:r>
-            <a:r>
-              <a:rPr lang="de-DE" sz="1800" smtClean="0"/>
-              <a:t> </a:t>
-            </a:r>
-            <a:r>
-              <a:rPr lang="de-DE" sz="1800" err="1" smtClean="0"/>
-              <a:t>and</a:t>
-            </a:r>
-            <a:r>
-              <a:rPr lang="de-DE" sz="1800" smtClean="0"/>
-              <a:t> </a:t>
-            </a:r>
-            <a:r>
-              <a:rPr lang="de-DE" sz="1800" err="1" smtClean="0"/>
-              <a:t>heterogeneous</a:t>
-            </a:r>
-            <a:r>
-              <a:rPr lang="de-DE" sz="1800" smtClean="0"/>
-              <a:t> </a:t>
-            </a:r>
-            <a:r>
-              <a:rPr lang="de-DE" sz="1800" err="1" smtClean="0"/>
-              <a:t>transmutation</a:t>
-            </a:r>
-            <a:r>
-              <a:rPr lang="de-DE" sz="1800" smtClean="0"/>
-              <a:t> in a </a:t>
-            </a:r>
-            <a:r>
-              <a:rPr lang="de-DE" sz="1800" err="1" smtClean="0"/>
-              <a:t>new</a:t>
-            </a:r>
-            <a:r>
-              <a:rPr lang="de-DE" sz="1800" smtClean="0"/>
-              <a:t> French SFR: </a:t>
-            </a:r>
-            <a:r>
-              <a:rPr lang="de-DE" sz="1800" err="1" smtClean="0"/>
-              <a:t>Reactor</a:t>
-            </a:r>
-            <a:r>
-              <a:rPr lang="de-DE" sz="1800" smtClean="0"/>
-              <a:t> </a:t>
-            </a:r>
-            <a:r>
-              <a:rPr lang="de-DE" sz="1800" err="1" smtClean="0"/>
-              <a:t>and</a:t>
-            </a:r>
-            <a:r>
-              <a:rPr lang="de-DE" sz="1800" smtClean="0"/>
-              <a:t> </a:t>
-            </a:r>
-            <a:r>
-              <a:rPr lang="de-DE" sz="1800" err="1" smtClean="0"/>
-              <a:t>fuel</a:t>
-            </a:r>
-            <a:r>
-              <a:rPr lang="de-DE" sz="1800" smtClean="0"/>
-              <a:t> </a:t>
-            </a:r>
-            <a:r>
-              <a:rPr lang="de-DE" sz="1800" err="1" smtClean="0"/>
-              <a:t>cycle</a:t>
-            </a:r>
-            <a:r>
-              <a:rPr lang="de-DE" sz="1800" smtClean="0"/>
-              <a:t> </a:t>
-            </a:r>
-            <a:r>
-              <a:rPr lang="de-DE" sz="1800" err="1" smtClean="0"/>
-              <a:t>impact</a:t>
-            </a:r>
-            <a:r>
-              <a:rPr lang="de-DE" sz="1800" smtClean="0"/>
-              <a:t>." In: </a:t>
-            </a:r>
-            <a:r>
-              <a:rPr lang="de-DE" sz="1800" err="1" smtClean="0"/>
-              <a:t>Actinide</a:t>
-            </a:r>
-            <a:r>
-              <a:rPr lang="de-DE" sz="1800" smtClean="0"/>
-              <a:t> </a:t>
-            </a:r>
-            <a:r>
-              <a:rPr lang="de-DE" sz="1800" err="1" smtClean="0"/>
-              <a:t>and</a:t>
-            </a:r>
-            <a:r>
-              <a:rPr lang="de-DE" sz="1800" smtClean="0"/>
-              <a:t> Fission </a:t>
-            </a:r>
-            <a:r>
-              <a:rPr lang="de-DE" sz="1800" err="1" smtClean="0"/>
-              <a:t>Product</a:t>
-            </a:r>
-            <a:r>
-              <a:rPr lang="de-DE" sz="1800" smtClean="0"/>
-              <a:t> </a:t>
-            </a:r>
-            <a:r>
-              <a:rPr lang="de-DE" sz="1800" err="1" smtClean="0"/>
-              <a:t>Partitioning</a:t>
-            </a:r>
-            <a:r>
-              <a:rPr lang="de-DE" sz="1800" smtClean="0"/>
-              <a:t> </a:t>
-            </a:r>
-            <a:r>
-              <a:rPr lang="de-DE" sz="1800" err="1" smtClean="0"/>
-              <a:t>and</a:t>
-            </a:r>
-            <a:r>
-              <a:rPr lang="de-DE" sz="1800" smtClean="0"/>
-              <a:t> Transmutation (2010), Seiten 113-122.</a:t>
-            </a:r>
-          </a:p>
-          <a:p>
-            <a:pPr>
-              <a:buNone/>
-            </a:pPr>
-            <a:r>
-              <a:rPr lang="de-DE" sz="1800" smtClean="0"/>
-              <a:t>[5] Merk, Bruno, et al. "On </a:t>
-            </a:r>
-            <a:r>
-              <a:rPr lang="de-DE" sz="1800" err="1" smtClean="0"/>
-              <a:t>the</a:t>
-            </a:r>
-            <a:r>
-              <a:rPr lang="de-DE" sz="1800" smtClean="0"/>
-              <a:t> </a:t>
-            </a:r>
-            <a:r>
-              <a:rPr lang="de-DE" sz="1800" err="1" smtClean="0"/>
-              <a:t>use</a:t>
-            </a:r>
-            <a:r>
-              <a:rPr lang="de-DE" sz="1800" smtClean="0"/>
-              <a:t> </a:t>
-            </a:r>
-            <a:r>
-              <a:rPr lang="de-DE" sz="1800" err="1" smtClean="0"/>
-              <a:t>of</a:t>
-            </a:r>
-            <a:r>
-              <a:rPr lang="de-DE" sz="1800" smtClean="0"/>
-              <a:t> a </a:t>
-            </a:r>
-            <a:r>
-              <a:rPr lang="de-DE" sz="1800" err="1" smtClean="0"/>
-              <a:t>molten</a:t>
-            </a:r>
-            <a:r>
-              <a:rPr lang="de-DE" sz="1800" smtClean="0"/>
-              <a:t> </a:t>
-            </a:r>
-            <a:r>
-              <a:rPr lang="de-DE" sz="1800" err="1" smtClean="0"/>
-              <a:t>salt</a:t>
-            </a:r>
-            <a:r>
-              <a:rPr lang="de-DE" sz="1800" smtClean="0"/>
-              <a:t> fast </a:t>
-            </a:r>
-            <a:r>
-              <a:rPr lang="de-DE" sz="1800" err="1" smtClean="0"/>
-              <a:t>reactor</a:t>
-            </a:r>
-            <a:r>
-              <a:rPr lang="de-DE" sz="1800" smtClean="0"/>
-              <a:t> </a:t>
-            </a:r>
-            <a:r>
-              <a:rPr lang="de-DE" sz="1800" err="1" smtClean="0"/>
-              <a:t>to</a:t>
-            </a:r>
-            <a:r>
-              <a:rPr lang="de-DE" sz="1800" smtClean="0"/>
-              <a:t> </a:t>
-            </a:r>
-            <a:r>
-              <a:rPr lang="de-DE" sz="1800" err="1" smtClean="0"/>
-              <a:t>apply</a:t>
-            </a:r>
-            <a:r>
-              <a:rPr lang="de-DE" sz="1800" smtClean="0"/>
-              <a:t> an </a:t>
-            </a:r>
-            <a:r>
-              <a:rPr lang="de-DE" sz="1800" err="1" smtClean="0"/>
-              <a:t>idealized</a:t>
-            </a:r>
-            <a:r>
-              <a:rPr lang="de-DE" sz="1800" smtClean="0"/>
-              <a:t> </a:t>
-            </a:r>
-            <a:r>
-              <a:rPr lang="de-DE" sz="1800" err="1" smtClean="0"/>
-              <a:t>transmutation</a:t>
-            </a:r>
-            <a:r>
-              <a:rPr lang="de-DE" sz="1800" smtClean="0"/>
-              <a:t> </a:t>
-            </a:r>
-            <a:r>
-              <a:rPr lang="de-DE" sz="1800" err="1" smtClean="0"/>
-              <a:t>scenario</a:t>
-            </a:r>
-            <a:r>
-              <a:rPr lang="de-DE" sz="1800" smtClean="0"/>
-              <a:t> </a:t>
-            </a:r>
-            <a:r>
-              <a:rPr lang="de-DE" sz="1800" err="1" smtClean="0"/>
-              <a:t>for</a:t>
-            </a:r>
-            <a:r>
-              <a:rPr lang="de-DE" sz="1800" smtClean="0"/>
-              <a:t> </a:t>
-            </a:r>
-            <a:r>
-              <a:rPr lang="de-DE" sz="1800" err="1" smtClean="0"/>
-              <a:t>the</a:t>
-            </a:r>
-            <a:r>
-              <a:rPr lang="de-DE" sz="1800" smtClean="0"/>
-              <a:t> </a:t>
-            </a:r>
-            <a:r>
-              <a:rPr lang="de-DE" sz="1800" err="1" smtClean="0"/>
-              <a:t>nuclear</a:t>
-            </a:r>
-            <a:r>
-              <a:rPr lang="de-DE" sz="1800" smtClean="0"/>
-              <a:t> </a:t>
-            </a:r>
-            <a:r>
-              <a:rPr lang="de-DE" sz="1800" err="1" smtClean="0"/>
-              <a:t>phase</a:t>
-            </a:r>
-            <a:r>
-              <a:rPr lang="de-DE" sz="1800" smtClean="0"/>
-              <a:t> out." In: </a:t>
-            </a:r>
-            <a:r>
-              <a:rPr lang="de-DE" sz="1800" err="1" smtClean="0"/>
-              <a:t>PloS</a:t>
-            </a:r>
-            <a:r>
-              <a:rPr lang="de-DE" sz="1800" smtClean="0"/>
-              <a:t> </a:t>
-            </a:r>
-            <a:r>
-              <a:rPr lang="de-DE" sz="1800" err="1" smtClean="0"/>
-              <a:t>one</a:t>
-            </a:r>
-            <a:r>
-              <a:rPr lang="de-DE" sz="1800" smtClean="0"/>
-              <a:t> 9.4 (2014): e92776.</a:t>
-            </a:r>
-          </a:p>
-          <a:p>
-            <a:pPr>
-              <a:buNone/>
-            </a:pPr>
-            <a:r>
-              <a:rPr lang="de-DE" sz="1800" smtClean="0"/>
-              <a:t>[6] </a:t>
-            </a:r>
-            <a:r>
-              <a:rPr lang="de-DE" sz="1800" smtClean="0">
-                <a:hlinkClick r:id="rId2"/>
-              </a:rPr>
-              <a:t>https://www.welt.de/img/wissenschaft/mobile101678711/1752509087-ci102l-w1024/fp-atom-teaser2-DW-Kultur-Juelich-jpg.jpg</a:t>
-            </a:r>
-            <a:endParaRPr lang="de-DE" sz="1800" smtClean="0"/>
-          </a:p>
-          <a:p>
-            <a:pPr>
-              <a:buNone/>
-            </a:pPr>
-            <a:r>
-              <a:rPr lang="de-DE" sz="1800" smtClean="0"/>
-              <a:t>[7] </a:t>
-            </a:r>
-            <a:r>
-              <a:rPr lang="de-DE" sz="1800" err="1" smtClean="0"/>
-              <a:t>Malmbeck</a:t>
-            </a:r>
-            <a:r>
-              <a:rPr lang="de-DE" sz="1800" smtClean="0"/>
-              <a:t>, R., et al. "</a:t>
-            </a:r>
-            <a:r>
-              <a:rPr lang="de-DE" sz="1800" err="1" smtClean="0"/>
-              <a:t>Advanced</a:t>
-            </a:r>
-            <a:r>
-              <a:rPr lang="de-DE" sz="1800" smtClean="0"/>
-              <a:t> </a:t>
-            </a:r>
-            <a:r>
-              <a:rPr lang="de-DE" sz="1800" err="1" smtClean="0"/>
-              <a:t>fuel</a:t>
-            </a:r>
-            <a:r>
-              <a:rPr lang="de-DE" sz="1800" smtClean="0"/>
-              <a:t> </a:t>
-            </a:r>
-            <a:r>
-              <a:rPr lang="de-DE" sz="1800" err="1" smtClean="0"/>
-              <a:t>cycle</a:t>
-            </a:r>
-            <a:r>
-              <a:rPr lang="de-DE" sz="1800" smtClean="0"/>
-              <a:t> </a:t>
-            </a:r>
-            <a:r>
-              <a:rPr lang="de-DE" sz="1800" err="1" smtClean="0"/>
-              <a:t>options</a:t>
-            </a:r>
-            <a:r>
-              <a:rPr lang="de-DE" sz="1800" smtClean="0"/>
-              <a:t>." </a:t>
-            </a:r>
-            <a:r>
-              <a:rPr lang="de-DE" sz="1800" err="1" smtClean="0"/>
-              <a:t>Energy</a:t>
-            </a:r>
-            <a:r>
-              <a:rPr lang="de-DE" sz="1800" smtClean="0"/>
-              <a:t> </a:t>
-            </a:r>
-            <a:r>
-              <a:rPr lang="de-DE" sz="1800" err="1" smtClean="0"/>
-              <a:t>Procedia</a:t>
-            </a:r>
-            <a:r>
-              <a:rPr lang="de-DE" sz="1800" smtClean="0"/>
-              <a:t> 7 (2011): 93-102.</a:t>
-            </a:r>
-          </a:p>
-          <a:p>
-            <a:pPr>
-              <a:buNone/>
-            </a:pPr>
-            <a:r>
-              <a:rPr lang="de-DE" sz="1800" smtClean="0"/>
-              <a:t>[8] </a:t>
-            </a:r>
-            <a:r>
-              <a:rPr lang="de-DE" sz="1800" smtClean="0">
-                <a:hlinkClick r:id="rId3"/>
-              </a:rPr>
-              <a:t>http://francis.naukas.com/2010/08/11/el-ascenso-y-la-caida-del-rubbiatron-en-zaragoza-laesa-y-el-acelerador-de-energia-propuesto-por-carlo-rubbia/</a:t>
-            </a:r>
-            <a:endParaRPr lang="de-DE" sz="1800" smtClean="0"/>
-          </a:p>
-        </p:txBody>
-      </p:sp>
-      <p:sp>
-        <p:nvSpPr>
           <p:cNvPr id="3" name="Datumsplatzhalter 2"/>
           <p:cNvSpPr>
             <a:spLocks noGrp="1"/>
@@ -14994,81 +15571,409 @@
       </p:sp>
       <p:sp>
         <p:nvSpPr>
-          <p:cNvPr id="7" name="Titel 1"/>
-          <p:cNvSpPr txBox="1">
-            <a:spLocks/>
-          </p:cNvSpPr>
+          <p:cNvPr id="7" name="Rechteck 6"/>
+          <p:cNvSpPr/>
           <p:nvPr/>
         </p:nvSpPr>
         <p:spPr>
           <a:xfrm>
-            <a:off x="467544" y="620688"/>
-            <a:ext cx="8229600" cy="1143000"/>
+            <a:off x="6588224" y="72008"/>
+            <a:ext cx="2483768" cy="260648"/>
           </a:xfrm>
           <a:prstGeom prst="rect">
             <a:avLst/>
           </a:prstGeom>
-        </p:spPr>
-        <p:txBody>
-          <a:bodyPr/>
-          <a:lstStyle/>
-          <a:p>
-            <a:pPr marL="0" marR="0" lvl="0" indent="0" algn="ctr" defTabSz="914400" rtl="0" eaLnBrk="1" fontAlgn="auto" latinLnBrk="0" hangingPunct="1">
-              <a:lnSpc>
-                <a:spcPct val="100000"/>
-              </a:lnSpc>
-              <a:spcBef>
-                <a:spcPct val="0"/>
-              </a:spcBef>
-              <a:spcAft>
-                <a:spcPts val="0"/>
-              </a:spcAft>
-              <a:buClrTx/>
-              <a:buSzTx/>
-              <a:buFontTx/>
-              <a:buNone/>
-              <a:tabLst/>
-              <a:defRPr/>
-            </a:pPr>
-            <a:r>
-              <a:rPr kumimoji="0" lang="de-DE" sz="4400" b="0" i="0" u="none" strike="noStrike" kern="1200" cap="none" spc="0" normalizeH="0" baseline="0" noProof="0" smtClean="0">
-                <a:ln>
-                  <a:noFill/>
-                </a:ln>
-                <a:solidFill>
-                  <a:schemeClr val="tx1"/>
-                </a:solidFill>
-                <a:effectLst/>
-                <a:uLnTx/>
-                <a:uFillTx/>
+          <a:solidFill>
+            <a:srgbClr val="92D050"/>
+          </a:solidFill>
+          <a:ln>
+            <a:noFill/>
+          </a:ln>
+          <a:effectLst>
+            <a:outerShdw blurRad="44450" dist="27940" dir="5400000" algn="ctr">
+              <a:srgbClr val="000000">
+                <a:alpha val="32000"/>
+              </a:srgbClr>
+            </a:outerShdw>
+          </a:effectLst>
+          <a:scene3d>
+            <a:camera prst="orthographicFront">
+              <a:rot lat="0" lon="0" rev="0"/>
+            </a:camera>
+            <a:lightRig rig="balanced" dir="t">
+              <a:rot lat="0" lon="0" rev="8700000"/>
+            </a:lightRig>
+          </a:scene3d>
+          <a:sp3d>
+            <a:bevelT w="190500" h="38100"/>
+          </a:sp3d>
+        </p:spPr>
+        <p:style>
+          <a:lnRef idx="2">
+            <a:schemeClr val="accent1">
+              <a:shade val="50000"/>
+            </a:schemeClr>
+          </a:lnRef>
+          <a:fillRef idx="1">
+            <a:schemeClr val="accent1"/>
+          </a:fillRef>
+          <a:effectRef idx="0">
+            <a:schemeClr val="accent1"/>
+          </a:effectRef>
+          <a:fontRef idx="minor">
+            <a:schemeClr val="lt1"/>
+          </a:fontRef>
+        </p:style>
+        <p:txBody>
+          <a:bodyPr rtlCol="0" anchor="ctr"/>
+          <a:lstStyle/>
+          <a:p>
+            <a:pPr algn="ctr"/>
+            <a:endParaRPr lang="de-DE"/>
+          </a:p>
+        </p:txBody>
+      </p:sp>
+      <p:sp>
+        <p:nvSpPr>
+          <p:cNvPr id="8" name="Textfeld 7"/>
+          <p:cNvSpPr txBox="1"/>
+          <p:nvPr/>
+        </p:nvSpPr>
+        <p:spPr>
+          <a:xfrm>
+            <a:off x="6586695" y="35913"/>
+            <a:ext cx="2521809" cy="584775"/>
+          </a:xfrm>
+          <a:prstGeom prst="rect">
+            <a:avLst/>
+          </a:prstGeom>
+          <a:noFill/>
+        </p:spPr>
+        <p:txBody>
+          <a:bodyPr wrap="square" rtlCol="0">
+            <a:spAutoFit/>
+          </a:bodyPr>
+          <a:lstStyle/>
+          <a:p>
+            <a:pPr algn="ctr"/>
+            <a:r>
+              <a:rPr lang="de-DE" sz="1600" smtClean="0">
+                <a:solidFill>
+                  <a:schemeClr val="accent5">
+                    <a:lumMod val="50000"/>
+                  </a:schemeClr>
+                </a:solidFill>
                 <a:latin typeface="Adobe Arabic" pitchFamily="18" charset="-78"/>
-                <a:ea typeface="+mj-ea"/>
                 <a:cs typeface="Adobe Arabic" pitchFamily="18" charset="-78"/>
               </a:rPr>
-              <a:t>Quellen</a:t>
-            </a:r>
-            <a:endParaRPr kumimoji="0" lang="de-DE" sz="4400" b="0" i="0" u="none" strike="noStrike" kern="1200" cap="none" spc="0" normalizeH="0" baseline="0" noProof="0">
-              <a:ln>
-                <a:noFill/>
-              </a:ln>
+              <a:t>2. </a:t>
+            </a:r>
+            <a:r>
+              <a:rPr lang="de-DE" sz="1600" smtClean="0">
+                <a:latin typeface="Adobe Arabic" pitchFamily="18" charset="-78"/>
+                <a:cs typeface="Adobe Arabic" pitchFamily="18" charset="-78"/>
+              </a:rPr>
+              <a:t>DG-Verfahren</a:t>
+            </a:r>
+          </a:p>
+          <a:p>
+            <a:pPr algn="ctr"/>
+            <a:endParaRPr lang="de-DE" sz="1600">
               <a:solidFill>
-                <a:schemeClr val="tx1"/>
+                <a:schemeClr val="accent5">
+                  <a:lumMod val="50000"/>
+                </a:schemeClr>
               </a:solidFill>
-              <a:effectLst/>
-              <a:uLnTx/>
-              <a:uFillTx/>
               <a:latin typeface="Adobe Arabic" pitchFamily="18" charset="-78"/>
-              <a:ea typeface="+mj-ea"/>
               <a:cs typeface="Adobe Arabic" pitchFamily="18" charset="-78"/>
             </a:endParaRPr>
           </a:p>
         </p:txBody>
       </p:sp>
+      <p:sp>
+        <p:nvSpPr>
+          <p:cNvPr id="17" name="Inhaltsplatzhalter 1"/>
+          <p:cNvSpPr>
+            <a:spLocks noGrp="1"/>
+          </p:cNvSpPr>
+          <p:nvPr>
+            <p:ph idx="1"/>
+          </p:nvPr>
+        </p:nvSpPr>
+        <p:spPr>
+          <a:xfrm>
+            <a:off x="457200" y="980728"/>
+            <a:ext cx="8229600" cy="5145435"/>
+          </a:xfrm>
+        </p:spPr>
+        <p:txBody>
+          <a:bodyPr>
+            <a:normAutofit/>
+          </a:bodyPr>
+          <a:lstStyle/>
+          <a:p>
+            <a:pPr marL="0" indent="0">
+              <a:buNone/>
+            </a:pPr>
+            <a:r>
+              <a:rPr lang="de-DE" sz="3200" smtClean="0"/>
+              <a:t>Discontinuous Galerkin Verfahren</a:t>
+            </a:r>
+          </a:p>
+          <a:p>
+            <a:pPr marL="0" indent="0">
+              <a:buNone/>
+            </a:pPr>
+            <a:r>
+              <a:rPr lang="de-DE" sz="3200"/>
+              <a:t>	</a:t>
+            </a:r>
+            <a:r>
+              <a:rPr lang="de-DE" sz="3200" smtClean="0"/>
+              <a:t>		= erweitertes FEM Verfahren</a:t>
+            </a:r>
+          </a:p>
+          <a:p>
+            <a:pPr marL="0" indent="0">
+              <a:buNone/>
+            </a:pPr>
+            <a:r>
+              <a:rPr lang="de-DE" smtClean="0"/>
+              <a:t>Idee </a:t>
+            </a:r>
+            <a:r>
+              <a:rPr lang="de-DE" smtClean="0"/>
+              <a:t>DG: </a:t>
+            </a:r>
+          </a:p>
+          <a:p>
+            <a:pPr marL="514350" indent="-514350">
+              <a:buClr>
+                <a:srgbClr val="52C000"/>
+              </a:buClr>
+              <a:buFont typeface="+mj-lt"/>
+              <a:buAutoNum type="arabicPeriod"/>
+            </a:pPr>
+            <a:r>
+              <a:rPr lang="de-DE"/>
+              <a:t>	</a:t>
+            </a:r>
+            <a:r>
+              <a:rPr lang="de-DE" smtClean="0"/>
+              <a:t>				(Nicht-Konformität)</a:t>
+            </a:r>
+            <a:br>
+              <a:rPr lang="de-DE" smtClean="0"/>
+            </a:br>
+            <a:r>
+              <a:rPr lang="de-DE" smtClean="0"/>
+              <a:t>Testfunktionen und schwache Lösung sind komplett unstetig. Lösung verletzt ggf. sogar Dirichlet-RB.</a:t>
+            </a:r>
+          </a:p>
+          <a:p>
+            <a:pPr marL="0" indent="0">
+              <a:buNone/>
+            </a:pPr>
+            <a:endParaRPr lang="de-DE" smtClean="0"/>
+          </a:p>
+          <a:p>
+            <a:pPr marL="514350" indent="-514350">
+              <a:buClr>
+                <a:srgbClr val="52C000"/>
+              </a:buClr>
+              <a:buFont typeface="+mj-lt"/>
+              <a:buAutoNum type="arabicPeriod" startAt="2"/>
+            </a:pPr>
+            <a:r>
+              <a:rPr lang="de-DE" smtClean="0"/>
+              <a:t>Lösbarkeit </a:t>
+            </a:r>
+            <a:r>
+              <a:rPr lang="de-DE"/>
+              <a:t>wird erreicht durch geschickte Stabilisierungsterme, </a:t>
+            </a:r>
+            <a:r>
+              <a:rPr lang="de-DE"/>
+              <a:t>die </a:t>
+            </a:r>
+            <a:r>
+              <a:rPr lang="de-DE" smtClean="0"/>
+              <a:t>zudem </a:t>
+            </a:r>
+            <a:r>
+              <a:rPr lang="de-DE"/>
+              <a:t>so gewählt werden, dass keine Konsistenzfehler </a:t>
+            </a:r>
+            <a:r>
+              <a:rPr lang="de-DE"/>
+              <a:t>auftreten</a:t>
+            </a:r>
+            <a:r>
+              <a:rPr lang="de-DE" smtClean="0"/>
+              <a:t>.</a:t>
+            </a:r>
+          </a:p>
+          <a:p>
+            <a:pPr marL="514350" indent="-514350">
+              <a:buClr>
+                <a:srgbClr val="52C000"/>
+              </a:buClr>
+              <a:buFont typeface="+mj-lt"/>
+              <a:buAutoNum type="arabicPeriod" startAt="2"/>
+            </a:pPr>
+            <a:r>
+              <a:rPr lang="de-DE" smtClean="0"/>
+              <a:t>DG als Kombination von FEM und FV </a:t>
+            </a:r>
+            <a:endParaRPr lang="de-DE"/>
+          </a:p>
+          <a:p>
+            <a:pPr marL="0" indent="0">
+              <a:buNone/>
+            </a:pPr>
+            <a:endParaRPr lang="de-DE" sz="3200" smtClean="0"/>
+          </a:p>
+        </p:txBody>
+      </p:sp>
+      <p:pic>
+        <p:nvPicPr>
+          <p:cNvPr id="2050" name="Picture 2"/>
+          <p:cNvPicPr>
+            <a:picLocks noChangeAspect="1" noChangeArrowheads="1"/>
+          </p:cNvPicPr>
+          <p:nvPr/>
+        </p:nvPicPr>
+        <p:blipFill>
+          <a:blip r:embed="rId3" cstate="print">
+            <a:extLst>
+              <a:ext uri="{28A0092B-C50C-407E-A947-70E740481C1C}">
+                <a14:useLocalDpi xmlns:a14="http://schemas.microsoft.com/office/drawing/2010/main" val="0"/>
+              </a:ext>
+            </a:extLst>
+          </a:blip>
+          <a:srcRect/>
+          <a:stretch>
+            <a:fillRect/>
+          </a:stretch>
+        </p:blipFill>
+        <p:spPr bwMode="auto">
+          <a:xfrm>
+            <a:off x="1115616" y="2708920"/>
+            <a:ext cx="3707904" cy="375205"/>
+          </a:xfrm>
+          <a:prstGeom prst="rect">
+            <a:avLst/>
+          </a:prstGeom>
+          <a:noFill/>
+          <a:ln>
+            <a:noFill/>
+          </a:ln>
+          <a:extLst>
+            <a:ext uri="{909E8E84-426E-40DD-AFC4-6F175D3DCCD1}">
+              <a14:hiddenFill xmlns:a14="http://schemas.microsoft.com/office/drawing/2010/main">
+                <a:solidFill>
+                  <a:schemeClr val="accent1"/>
+                </a:solidFill>
+              </a14:hiddenFill>
+            </a:ext>
+            <a:ext uri="{91240B29-F687-4F45-9708-019B960494DF}">
+              <a14:hiddenLine xmlns:a14="http://schemas.microsoft.com/office/drawing/2010/main" w="9525">
+                <a:solidFill>
+                  <a:schemeClr val="tx1"/>
+                </a:solidFill>
+                <a:miter lim="800000"/>
+                <a:headEnd/>
+                <a:tailEnd/>
+              </a14:hiddenLine>
+            </a:ext>
+          </a:extLst>
+        </p:spPr>
+      </p:pic>
+      <p:cxnSp>
+        <p:nvCxnSpPr>
+          <p:cNvPr id="6" name="Gerade Verbindung mit Pfeil 5"/>
+          <p:cNvCxnSpPr/>
+          <p:nvPr/>
+        </p:nvCxnSpPr>
+        <p:spPr>
+          <a:xfrm>
+            <a:off x="1619672" y="4221088"/>
+            <a:ext cx="1349896" cy="0"/>
+          </a:xfrm>
+          <a:prstGeom prst="straightConnector1">
+            <a:avLst/>
+          </a:prstGeom>
+          <a:ln>
+            <a:solidFill>
+              <a:schemeClr val="tx1"/>
+            </a:solidFill>
+            <a:tailEnd type="arrow"/>
+          </a:ln>
+        </p:spPr>
+        <p:style>
+          <a:lnRef idx="1">
+            <a:schemeClr val="accent1"/>
+          </a:lnRef>
+          <a:fillRef idx="0">
+            <a:schemeClr val="accent1"/>
+          </a:fillRef>
+          <a:effectRef idx="0">
+            <a:schemeClr val="accent1"/>
+          </a:effectRef>
+          <a:fontRef idx="minor">
+            <a:schemeClr val="tx1"/>
+          </a:fontRef>
+        </p:style>
+      </p:cxnSp>
+      <p:sp>
+        <p:nvSpPr>
+          <p:cNvPr id="9" name="Rechteck 8"/>
+          <p:cNvSpPr/>
+          <p:nvPr/>
+        </p:nvSpPr>
+        <p:spPr>
+          <a:xfrm>
+            <a:off x="3419872" y="3959478"/>
+            <a:ext cx="4092787" cy="523220"/>
+          </a:xfrm>
+          <a:prstGeom prst="rect">
+            <a:avLst/>
+          </a:prstGeom>
+        </p:spPr>
+        <p:txBody>
+          <a:bodyPr wrap="none">
+            <a:spAutoFit/>
+          </a:bodyPr>
+          <a:lstStyle/>
+          <a:p>
+            <a:r>
+              <a:rPr lang="de-DE" sz="2800">
+                <a:latin typeface="Adobe Arabic" pitchFamily="18" charset="-78"/>
+                <a:cs typeface="Adobe Arabic" pitchFamily="18" charset="-78"/>
+              </a:rPr>
+              <a:t>Mehr Flexibilität für Diskretisierung</a:t>
+            </a:r>
+          </a:p>
+        </p:txBody>
+      </p:sp>
     </p:spTree>
+    <p:extLst>
+      <p:ext uri="{BB962C8B-B14F-4D97-AF65-F5344CB8AC3E}">
+        <p14:creationId xmlns:p14="http://schemas.microsoft.com/office/powerpoint/2010/main" val="455730665"/>
+      </p:ext>
+    </p:extLst>
   </p:cSld>
   <p:clrMapOvr>
     <a:masterClrMapping/>
   </p:clrMapOvr>
+  <mc:AlternateContent xmlns:mc="http://schemas.openxmlformats.org/markup-compatibility/2006" xmlns:p14="http://schemas.microsoft.com/office/powerpoint/2010/main">
+    <mc:Choice Requires="p14">
+      <p:transition spd="slow" p14:dur="2000"/>
+    </mc:Choice>
+    <mc:Fallback xmlns="">
+      <p:transition spd="slow"/>
+    </mc:Fallback>
+  </mc:AlternateContent>
   <p:timing>
     <p:tnLst>
       <p:par>
@@ -15098,6 +16003,1658 @@
       </p:grpSpPr>
       <p:sp>
         <p:nvSpPr>
+          <p:cNvPr id="3" name="Datumsplatzhalter 2"/>
+          <p:cNvSpPr>
+            <a:spLocks noGrp="1"/>
+          </p:cNvSpPr>
+          <p:nvPr>
+            <p:ph type="dt" sz="half" idx="10"/>
+          </p:nvPr>
+        </p:nvSpPr>
+        <p:spPr/>
+        <p:txBody>
+          <a:bodyPr/>
+          <a:lstStyle/>
+          <a:p>
+            <a:r>
+              <a:rPr lang="de-DE" smtClean="0"/>
+              <a:t>27.01.2017</a:t>
+            </a:r>
+            <a:endParaRPr lang="de-DE"/>
+          </a:p>
+        </p:txBody>
+      </p:sp>
+      <p:sp>
+        <p:nvSpPr>
+          <p:cNvPr id="4" name="Fußzeilenplatzhalter 3"/>
+          <p:cNvSpPr>
+            <a:spLocks noGrp="1"/>
+          </p:cNvSpPr>
+          <p:nvPr>
+            <p:ph type="ftr" sz="quarter" idx="11"/>
+          </p:nvPr>
+        </p:nvSpPr>
+        <p:spPr/>
+        <p:txBody>
+          <a:bodyPr/>
+          <a:lstStyle/>
+          <a:p>
+            <a:r>
+              <a:rPr lang="de-DE" smtClean="0"/>
+              <a:t>Transmutation – Matthias Jaeger</a:t>
+            </a:r>
+            <a:endParaRPr lang="de-DE"/>
+          </a:p>
+        </p:txBody>
+      </p:sp>
+      <p:sp>
+        <p:nvSpPr>
+          <p:cNvPr id="5" name="Foliennummernplatzhalter 4"/>
+          <p:cNvSpPr>
+            <a:spLocks noGrp="1"/>
+          </p:cNvSpPr>
+          <p:nvPr>
+            <p:ph type="sldNum" sz="quarter" idx="12"/>
+          </p:nvPr>
+        </p:nvSpPr>
+        <p:spPr/>
+        <p:txBody>
+          <a:bodyPr/>
+          <a:lstStyle/>
+          <a:p>
+            <a:fld id="{1A73E011-4CD9-4D05-A24A-32BCD9CDCEE7}" type="slidenum">
+              <a:rPr lang="de-DE" smtClean="0"/>
+              <a:pPr/>
+              <a:t>21</a:t>
+            </a:fld>
+            <a:endParaRPr lang="de-DE"/>
+          </a:p>
+        </p:txBody>
+      </p:sp>
+      <p:sp>
+        <p:nvSpPr>
+          <p:cNvPr id="7" name="Rechteck 6"/>
+          <p:cNvSpPr/>
+          <p:nvPr/>
+        </p:nvSpPr>
+        <p:spPr>
+          <a:xfrm>
+            <a:off x="6588224" y="72008"/>
+            <a:ext cx="2483768" cy="260648"/>
+          </a:xfrm>
+          <a:prstGeom prst="rect">
+            <a:avLst/>
+          </a:prstGeom>
+          <a:solidFill>
+            <a:srgbClr val="92D050"/>
+          </a:solidFill>
+          <a:ln>
+            <a:noFill/>
+          </a:ln>
+          <a:effectLst>
+            <a:outerShdw blurRad="44450" dist="27940" dir="5400000" algn="ctr">
+              <a:srgbClr val="000000">
+                <a:alpha val="32000"/>
+              </a:srgbClr>
+            </a:outerShdw>
+          </a:effectLst>
+          <a:scene3d>
+            <a:camera prst="orthographicFront">
+              <a:rot lat="0" lon="0" rev="0"/>
+            </a:camera>
+            <a:lightRig rig="balanced" dir="t">
+              <a:rot lat="0" lon="0" rev="8700000"/>
+            </a:lightRig>
+          </a:scene3d>
+          <a:sp3d>
+            <a:bevelT w="190500" h="38100"/>
+          </a:sp3d>
+        </p:spPr>
+        <p:style>
+          <a:lnRef idx="2">
+            <a:schemeClr val="accent1">
+              <a:shade val="50000"/>
+            </a:schemeClr>
+          </a:lnRef>
+          <a:fillRef idx="1">
+            <a:schemeClr val="accent1"/>
+          </a:fillRef>
+          <a:effectRef idx="0">
+            <a:schemeClr val="accent1"/>
+          </a:effectRef>
+          <a:fontRef idx="minor">
+            <a:schemeClr val="lt1"/>
+          </a:fontRef>
+        </p:style>
+        <p:txBody>
+          <a:bodyPr rtlCol="0" anchor="ctr"/>
+          <a:lstStyle/>
+          <a:p>
+            <a:pPr algn="ctr"/>
+            <a:endParaRPr lang="de-DE"/>
+          </a:p>
+        </p:txBody>
+      </p:sp>
+      <p:sp>
+        <p:nvSpPr>
+          <p:cNvPr id="8" name="Textfeld 7"/>
+          <p:cNvSpPr txBox="1"/>
+          <p:nvPr/>
+        </p:nvSpPr>
+        <p:spPr>
+          <a:xfrm>
+            <a:off x="6586695" y="35913"/>
+            <a:ext cx="2521809" cy="584775"/>
+          </a:xfrm>
+          <a:prstGeom prst="rect">
+            <a:avLst/>
+          </a:prstGeom>
+          <a:noFill/>
+        </p:spPr>
+        <p:txBody>
+          <a:bodyPr wrap="square" rtlCol="0">
+            <a:spAutoFit/>
+          </a:bodyPr>
+          <a:lstStyle/>
+          <a:p>
+            <a:pPr algn="ctr"/>
+            <a:r>
+              <a:rPr lang="de-DE" sz="1600" smtClean="0">
+                <a:solidFill>
+                  <a:schemeClr val="accent5">
+                    <a:lumMod val="50000"/>
+                  </a:schemeClr>
+                </a:solidFill>
+                <a:latin typeface="Adobe Arabic" pitchFamily="18" charset="-78"/>
+                <a:cs typeface="Adobe Arabic" pitchFamily="18" charset="-78"/>
+              </a:rPr>
+              <a:t>2. </a:t>
+            </a:r>
+            <a:r>
+              <a:rPr lang="de-DE" sz="1600" smtClean="0">
+                <a:latin typeface="Adobe Arabic" pitchFamily="18" charset="-78"/>
+                <a:cs typeface="Adobe Arabic" pitchFamily="18" charset="-78"/>
+              </a:rPr>
+              <a:t>DG-Verfahren</a:t>
+            </a:r>
+          </a:p>
+          <a:p>
+            <a:pPr algn="ctr"/>
+            <a:endParaRPr lang="de-DE" sz="1600">
+              <a:solidFill>
+                <a:schemeClr val="accent5">
+                  <a:lumMod val="50000"/>
+                </a:schemeClr>
+              </a:solidFill>
+              <a:latin typeface="Adobe Arabic" pitchFamily="18" charset="-78"/>
+              <a:cs typeface="Adobe Arabic" pitchFamily="18" charset="-78"/>
+            </a:endParaRPr>
+          </a:p>
+        </p:txBody>
+      </p:sp>
+      <p:sp>
+        <p:nvSpPr>
+          <p:cNvPr id="17" name="Inhaltsplatzhalter 1"/>
+          <p:cNvSpPr>
+            <a:spLocks noGrp="1"/>
+          </p:cNvSpPr>
+          <p:nvPr>
+            <p:ph idx="1"/>
+          </p:nvPr>
+        </p:nvSpPr>
+        <p:spPr>
+          <a:xfrm>
+            <a:off x="457200" y="980728"/>
+            <a:ext cx="8229600" cy="5145435"/>
+          </a:xfrm>
+        </p:spPr>
+        <p:txBody>
+          <a:bodyPr>
+            <a:normAutofit/>
+          </a:bodyPr>
+          <a:lstStyle/>
+          <a:p>
+            <a:pPr marL="0" indent="0">
+              <a:buNone/>
+            </a:pPr>
+            <a:r>
+              <a:rPr lang="de-DE" sz="3200" smtClean="0"/>
+              <a:t>Sichtweise A: Der mysteriöse „numerische Fluss“</a:t>
+            </a:r>
+            <a:endParaRPr lang="de-DE"/>
+          </a:p>
+          <a:p>
+            <a:pPr marL="0" indent="0">
+              <a:buNone/>
+            </a:pPr>
+            <a:endParaRPr lang="de-DE" sz="3200" smtClean="0"/>
+          </a:p>
+        </p:txBody>
+      </p:sp>
+      <p:pic>
+        <p:nvPicPr>
+          <p:cNvPr id="5122" name="Picture 2"/>
+          <p:cNvPicPr>
+            <a:picLocks noChangeAspect="1" noChangeArrowheads="1"/>
+          </p:cNvPicPr>
+          <p:nvPr/>
+        </p:nvPicPr>
+        <p:blipFill>
+          <a:blip r:embed="rId3">
+            <a:extLst>
+              <a:ext uri="{28A0092B-C50C-407E-A947-70E740481C1C}">
+                <a14:useLocalDpi xmlns:a14="http://schemas.microsoft.com/office/drawing/2010/main" val="0"/>
+              </a:ext>
+            </a:extLst>
+          </a:blip>
+          <a:srcRect/>
+          <a:stretch>
+            <a:fillRect/>
+          </a:stretch>
+        </p:blipFill>
+        <p:spPr bwMode="auto">
+          <a:xfrm>
+            <a:off x="395536" y="1916832"/>
+            <a:ext cx="7830108" cy="1786424"/>
+          </a:xfrm>
+          <a:prstGeom prst="rect">
+            <a:avLst/>
+          </a:prstGeom>
+          <a:noFill/>
+          <a:ln>
+            <a:noFill/>
+          </a:ln>
+          <a:extLst>
+            <a:ext uri="{909E8E84-426E-40DD-AFC4-6F175D3DCCD1}">
+              <a14:hiddenFill xmlns:a14="http://schemas.microsoft.com/office/drawing/2010/main">
+                <a:solidFill>
+                  <a:schemeClr val="accent1"/>
+                </a:solidFill>
+              </a14:hiddenFill>
+            </a:ext>
+            <a:ext uri="{91240B29-F687-4F45-9708-019B960494DF}">
+              <a14:hiddenLine xmlns:a14="http://schemas.microsoft.com/office/drawing/2010/main" w="9525">
+                <a:solidFill>
+                  <a:schemeClr val="tx1"/>
+                </a:solidFill>
+                <a:miter lim="800000"/>
+                <a:headEnd/>
+                <a:tailEnd/>
+              </a14:hiddenLine>
+            </a:ext>
+          </a:extLst>
+        </p:spPr>
+      </p:pic>
+      <p:pic>
+        <p:nvPicPr>
+          <p:cNvPr id="5123" name="Picture 3"/>
+          <p:cNvPicPr>
+            <a:picLocks noChangeAspect="1" noChangeArrowheads="1"/>
+          </p:cNvPicPr>
+          <p:nvPr/>
+        </p:nvPicPr>
+        <p:blipFill>
+          <a:blip r:embed="rId4" cstate="print">
+            <a:extLst>
+              <a:ext uri="{28A0092B-C50C-407E-A947-70E740481C1C}">
+                <a14:useLocalDpi xmlns:a14="http://schemas.microsoft.com/office/drawing/2010/main" val="0"/>
+              </a:ext>
+            </a:extLst>
+          </a:blip>
+          <a:srcRect/>
+          <a:stretch>
+            <a:fillRect/>
+          </a:stretch>
+        </p:blipFill>
+        <p:spPr bwMode="auto">
+          <a:xfrm>
+            <a:off x="683568" y="4221088"/>
+            <a:ext cx="880120" cy="293373"/>
+          </a:xfrm>
+          <a:prstGeom prst="rect">
+            <a:avLst/>
+          </a:prstGeom>
+          <a:noFill/>
+          <a:ln>
+            <a:noFill/>
+          </a:ln>
+          <a:extLst>
+            <a:ext uri="{909E8E84-426E-40DD-AFC4-6F175D3DCCD1}">
+              <a14:hiddenFill xmlns:a14="http://schemas.microsoft.com/office/drawing/2010/main">
+                <a:solidFill>
+                  <a:schemeClr val="accent1"/>
+                </a:solidFill>
+              </a14:hiddenFill>
+            </a:ext>
+            <a:ext uri="{91240B29-F687-4F45-9708-019B960494DF}">
+              <a14:hiddenLine xmlns:a14="http://schemas.microsoft.com/office/drawing/2010/main" w="9525">
+                <a:solidFill>
+                  <a:schemeClr val="tx1"/>
+                </a:solidFill>
+                <a:miter lim="800000"/>
+                <a:headEnd/>
+                <a:tailEnd/>
+              </a14:hiddenLine>
+            </a:ext>
+          </a:extLst>
+        </p:spPr>
+      </p:pic>
+      <p:sp>
+        <p:nvSpPr>
+          <p:cNvPr id="2" name="Textfeld 1"/>
+          <p:cNvSpPr txBox="1"/>
+          <p:nvPr/>
+        </p:nvSpPr>
+        <p:spPr>
+          <a:xfrm>
+            <a:off x="683568" y="4106164"/>
+            <a:ext cx="7848872" cy="1384995"/>
+          </a:xfrm>
+          <a:prstGeom prst="rect">
+            <a:avLst/>
+          </a:prstGeom>
+          <a:noFill/>
+        </p:spPr>
+        <p:txBody>
+          <a:bodyPr wrap="square" rtlCol="0">
+            <a:spAutoFit/>
+          </a:bodyPr>
+          <a:lstStyle/>
+          <a:p>
+            <a:r>
+              <a:rPr lang="de-DE" smtClean="0"/>
+              <a:t>	</a:t>
+            </a:r>
+            <a:r>
+              <a:rPr lang="de-DE" sz="2800" smtClean="0">
+                <a:latin typeface="Adobe Arabic" pitchFamily="18" charset="-78"/>
+                <a:cs typeface="Adobe Arabic" pitchFamily="18" charset="-78"/>
+              </a:rPr>
+              <a:t>ist nicht eindeutig definiert. </a:t>
+            </a:r>
+            <a:br>
+              <a:rPr lang="de-DE" sz="2800" smtClean="0">
+                <a:latin typeface="Adobe Arabic" pitchFamily="18" charset="-78"/>
+                <a:cs typeface="Adobe Arabic" pitchFamily="18" charset="-78"/>
+              </a:rPr>
+            </a:br>
+            <a:r>
+              <a:rPr lang="de-DE" sz="2800" smtClean="0">
+                <a:latin typeface="Adobe Arabic" pitchFamily="18" charset="-78"/>
+                <a:cs typeface="Adobe Arabic" pitchFamily="18" charset="-78"/>
+              </a:rPr>
+              <a:t>	Neue Freiheitsgrade: 	Lösungsvektor im 1d Fall mit N=1  				doppelt so groß</a:t>
+            </a:r>
+            <a:endParaRPr lang="de-DE">
+              <a:latin typeface="Adobe Arabic" pitchFamily="18" charset="-78"/>
+              <a:cs typeface="Adobe Arabic" pitchFamily="18" charset="-78"/>
+            </a:endParaRPr>
+          </a:p>
+        </p:txBody>
+      </p:sp>
+      <p:cxnSp>
+        <p:nvCxnSpPr>
+          <p:cNvPr id="11" name="Gerade Verbindung mit Pfeil 10"/>
+          <p:cNvCxnSpPr>
+            <a:stCxn id="2" idx="1"/>
+          </p:cNvCxnSpPr>
+          <p:nvPr/>
+        </p:nvCxnSpPr>
+        <p:spPr>
+          <a:xfrm flipV="1">
+            <a:off x="683568" y="4798661"/>
+            <a:ext cx="792088" cy="1"/>
+          </a:xfrm>
+          <a:prstGeom prst="straightConnector1">
+            <a:avLst/>
+          </a:prstGeom>
+          <a:ln>
+            <a:solidFill>
+              <a:schemeClr val="tx1"/>
+            </a:solidFill>
+            <a:tailEnd type="arrow"/>
+          </a:ln>
+        </p:spPr>
+        <p:style>
+          <a:lnRef idx="1">
+            <a:schemeClr val="accent1"/>
+          </a:lnRef>
+          <a:fillRef idx="0">
+            <a:schemeClr val="accent1"/>
+          </a:fillRef>
+          <a:effectRef idx="0">
+            <a:schemeClr val="accent1"/>
+          </a:effectRef>
+          <a:fontRef idx="minor">
+            <a:schemeClr val="tx1"/>
+          </a:fontRef>
+        </p:style>
+      </p:cxnSp>
+    </p:spTree>
+    <p:extLst>
+      <p:ext uri="{BB962C8B-B14F-4D97-AF65-F5344CB8AC3E}">
+        <p14:creationId xmlns:p14="http://schemas.microsoft.com/office/powerpoint/2010/main" val="39708428"/>
+      </p:ext>
+    </p:extLst>
+  </p:cSld>
+  <p:clrMapOvr>
+    <a:masterClrMapping/>
+  </p:clrMapOvr>
+  <mc:AlternateContent xmlns:mc="http://schemas.openxmlformats.org/markup-compatibility/2006" xmlns:p14="http://schemas.microsoft.com/office/powerpoint/2010/main">
+    <mc:Choice Requires="p14">
+      <p:transition spd="slow" p14:dur="2000"/>
+    </mc:Choice>
+    <mc:Fallback xmlns="">
+      <p:transition spd="slow"/>
+    </mc:Fallback>
+  </mc:AlternateContent>
+  <p:timing>
+    <p:tnLst>
+      <p:par>
+        <p:cTn id="1" dur="indefinite" restart="never" nodeType="tmRoot"/>
+      </p:par>
+    </p:tnLst>
+  </p:timing>
+</p:sld>
+</file>
+
+<file path=ppt/slides/slide22.xml><?xml version="1.0" encoding="utf-8"?>
+<p:sld xmlns:a="http://schemas.openxmlformats.org/drawingml/2006/main" xmlns:r="http://schemas.openxmlformats.org/officeDocument/2006/relationships" xmlns:p="http://schemas.openxmlformats.org/presentationml/2006/main">
+  <p:cSld>
+    <p:spTree>
+      <p:nvGrpSpPr>
+        <p:cNvPr id="1" name=""/>
+        <p:cNvGrpSpPr/>
+        <p:nvPr/>
+      </p:nvGrpSpPr>
+      <p:grpSpPr>
+        <a:xfrm>
+          <a:off x="0" y="0"/>
+          <a:ext cx="0" cy="0"/>
+          <a:chOff x="0" y="0"/>
+          <a:chExt cx="0" cy="0"/>
+        </a:xfrm>
+      </p:grpSpPr>
+      <p:sp>
+        <p:nvSpPr>
+          <p:cNvPr id="3" name="Datumsplatzhalter 2"/>
+          <p:cNvSpPr>
+            <a:spLocks noGrp="1"/>
+          </p:cNvSpPr>
+          <p:nvPr>
+            <p:ph type="dt" sz="half" idx="10"/>
+          </p:nvPr>
+        </p:nvSpPr>
+        <p:spPr/>
+        <p:txBody>
+          <a:bodyPr/>
+          <a:lstStyle/>
+          <a:p>
+            <a:r>
+              <a:rPr lang="de-DE" smtClean="0"/>
+              <a:t>27.01.2017</a:t>
+            </a:r>
+            <a:endParaRPr lang="de-DE"/>
+          </a:p>
+        </p:txBody>
+      </p:sp>
+      <p:sp>
+        <p:nvSpPr>
+          <p:cNvPr id="4" name="Fußzeilenplatzhalter 3"/>
+          <p:cNvSpPr>
+            <a:spLocks noGrp="1"/>
+          </p:cNvSpPr>
+          <p:nvPr>
+            <p:ph type="ftr" sz="quarter" idx="11"/>
+          </p:nvPr>
+        </p:nvSpPr>
+        <p:spPr/>
+        <p:txBody>
+          <a:bodyPr/>
+          <a:lstStyle/>
+          <a:p>
+            <a:r>
+              <a:rPr lang="de-DE" smtClean="0"/>
+              <a:t>Transmutation – Matthias Jaeger</a:t>
+            </a:r>
+            <a:endParaRPr lang="de-DE"/>
+          </a:p>
+        </p:txBody>
+      </p:sp>
+      <p:sp>
+        <p:nvSpPr>
+          <p:cNvPr id="5" name="Foliennummernplatzhalter 4"/>
+          <p:cNvSpPr>
+            <a:spLocks noGrp="1"/>
+          </p:cNvSpPr>
+          <p:nvPr>
+            <p:ph type="sldNum" sz="quarter" idx="12"/>
+          </p:nvPr>
+        </p:nvSpPr>
+        <p:spPr/>
+        <p:txBody>
+          <a:bodyPr/>
+          <a:lstStyle/>
+          <a:p>
+            <a:fld id="{1A73E011-4CD9-4D05-A24A-32BCD9CDCEE7}" type="slidenum">
+              <a:rPr lang="de-DE" smtClean="0"/>
+              <a:pPr/>
+              <a:t>22</a:t>
+            </a:fld>
+            <a:endParaRPr lang="de-DE"/>
+          </a:p>
+        </p:txBody>
+      </p:sp>
+      <p:sp>
+        <p:nvSpPr>
+          <p:cNvPr id="7" name="Rechteck 6"/>
+          <p:cNvSpPr/>
+          <p:nvPr/>
+        </p:nvSpPr>
+        <p:spPr>
+          <a:xfrm>
+            <a:off x="6588224" y="72008"/>
+            <a:ext cx="2483768" cy="260648"/>
+          </a:xfrm>
+          <a:prstGeom prst="rect">
+            <a:avLst/>
+          </a:prstGeom>
+          <a:solidFill>
+            <a:srgbClr val="92D050"/>
+          </a:solidFill>
+          <a:ln>
+            <a:noFill/>
+          </a:ln>
+          <a:effectLst>
+            <a:outerShdw blurRad="44450" dist="27940" dir="5400000" algn="ctr">
+              <a:srgbClr val="000000">
+                <a:alpha val="32000"/>
+              </a:srgbClr>
+            </a:outerShdw>
+          </a:effectLst>
+          <a:scene3d>
+            <a:camera prst="orthographicFront">
+              <a:rot lat="0" lon="0" rev="0"/>
+            </a:camera>
+            <a:lightRig rig="balanced" dir="t">
+              <a:rot lat="0" lon="0" rev="8700000"/>
+            </a:lightRig>
+          </a:scene3d>
+          <a:sp3d>
+            <a:bevelT w="190500" h="38100"/>
+          </a:sp3d>
+        </p:spPr>
+        <p:style>
+          <a:lnRef idx="2">
+            <a:schemeClr val="accent1">
+              <a:shade val="50000"/>
+            </a:schemeClr>
+          </a:lnRef>
+          <a:fillRef idx="1">
+            <a:schemeClr val="accent1"/>
+          </a:fillRef>
+          <a:effectRef idx="0">
+            <a:schemeClr val="accent1"/>
+          </a:effectRef>
+          <a:fontRef idx="minor">
+            <a:schemeClr val="lt1"/>
+          </a:fontRef>
+        </p:style>
+        <p:txBody>
+          <a:bodyPr rtlCol="0" anchor="ctr"/>
+          <a:lstStyle/>
+          <a:p>
+            <a:pPr algn="ctr"/>
+            <a:endParaRPr lang="de-DE"/>
+          </a:p>
+        </p:txBody>
+      </p:sp>
+      <p:sp>
+        <p:nvSpPr>
+          <p:cNvPr id="8" name="Textfeld 7"/>
+          <p:cNvSpPr txBox="1"/>
+          <p:nvPr/>
+        </p:nvSpPr>
+        <p:spPr>
+          <a:xfrm>
+            <a:off x="6586695" y="35913"/>
+            <a:ext cx="2521809" cy="584775"/>
+          </a:xfrm>
+          <a:prstGeom prst="rect">
+            <a:avLst/>
+          </a:prstGeom>
+          <a:noFill/>
+        </p:spPr>
+        <p:txBody>
+          <a:bodyPr wrap="square" rtlCol="0">
+            <a:spAutoFit/>
+          </a:bodyPr>
+          <a:lstStyle/>
+          <a:p>
+            <a:pPr algn="ctr"/>
+            <a:r>
+              <a:rPr lang="de-DE" sz="1600" smtClean="0">
+                <a:solidFill>
+                  <a:schemeClr val="accent5">
+                    <a:lumMod val="50000"/>
+                  </a:schemeClr>
+                </a:solidFill>
+                <a:latin typeface="Adobe Arabic" pitchFamily="18" charset="-78"/>
+                <a:cs typeface="Adobe Arabic" pitchFamily="18" charset="-78"/>
+              </a:rPr>
+              <a:t>2. </a:t>
+            </a:r>
+            <a:r>
+              <a:rPr lang="de-DE" sz="1600" smtClean="0">
+                <a:latin typeface="Adobe Arabic" pitchFamily="18" charset="-78"/>
+                <a:cs typeface="Adobe Arabic" pitchFamily="18" charset="-78"/>
+              </a:rPr>
+              <a:t>DG-Verfahren</a:t>
+            </a:r>
+          </a:p>
+          <a:p>
+            <a:pPr algn="ctr"/>
+            <a:endParaRPr lang="de-DE" sz="1600">
+              <a:solidFill>
+                <a:schemeClr val="accent5">
+                  <a:lumMod val="50000"/>
+                </a:schemeClr>
+              </a:solidFill>
+              <a:latin typeface="Adobe Arabic" pitchFamily="18" charset="-78"/>
+              <a:cs typeface="Adobe Arabic" pitchFamily="18" charset="-78"/>
+            </a:endParaRPr>
+          </a:p>
+        </p:txBody>
+      </p:sp>
+      <p:sp>
+        <p:nvSpPr>
+          <p:cNvPr id="17" name="Inhaltsplatzhalter 1"/>
+          <p:cNvSpPr>
+            <a:spLocks noGrp="1"/>
+          </p:cNvSpPr>
+          <p:nvPr>
+            <p:ph idx="1"/>
+          </p:nvPr>
+        </p:nvSpPr>
+        <p:spPr>
+          <a:xfrm>
+            <a:off x="457200" y="980728"/>
+            <a:ext cx="8229600" cy="5145435"/>
+          </a:xfrm>
+        </p:spPr>
+        <p:txBody>
+          <a:bodyPr>
+            <a:normAutofit/>
+          </a:bodyPr>
+          <a:lstStyle/>
+          <a:p>
+            <a:pPr marL="0" indent="0">
+              <a:buClr>
+                <a:srgbClr val="52C000"/>
+              </a:buClr>
+              <a:buNone/>
+            </a:pPr>
+            <a:r>
+              <a:rPr lang="de-DE" sz="3200" smtClean="0"/>
+              <a:t>Sichtweise B: Freiheit in der Wahl der Bilinearform</a:t>
+            </a:r>
+          </a:p>
+          <a:p>
+            <a:pPr marL="514350" indent="-514350">
+              <a:buClr>
+                <a:srgbClr val="52C000"/>
+              </a:buClr>
+              <a:buFont typeface="+mj-lt"/>
+              <a:buAutoNum type="arabicPeriod"/>
+            </a:pPr>
+            <a:endParaRPr lang="de-DE" sz="3200"/>
+          </a:p>
+          <a:p>
+            <a:pPr marL="0" indent="0">
+              <a:buClr>
+                <a:srgbClr val="52C000"/>
+              </a:buClr>
+              <a:buNone/>
+            </a:pPr>
+            <a:endParaRPr lang="de-DE" sz="4000" smtClean="0"/>
+          </a:p>
+          <a:p>
+            <a:pPr marL="0" indent="0">
+              <a:buClr>
+                <a:srgbClr val="52C000"/>
+              </a:buClr>
+              <a:buNone/>
+            </a:pPr>
+            <a:r>
+              <a:rPr lang="de-DE" smtClean="0"/>
+              <a:t>Cea‘s Lemma wird zum 2. Strang Lemma:</a:t>
+            </a:r>
+          </a:p>
+          <a:p>
+            <a:pPr marL="0" indent="0">
+              <a:buClr>
+                <a:srgbClr val="52C000"/>
+              </a:buClr>
+              <a:buNone/>
+            </a:pPr>
+            <a:endParaRPr lang="de-DE"/>
+          </a:p>
+          <a:p>
+            <a:pPr marL="0" indent="0">
+              <a:buClr>
+                <a:srgbClr val="52C000"/>
+              </a:buClr>
+              <a:buNone/>
+            </a:pPr>
+            <a:endParaRPr lang="de-DE" smtClean="0"/>
+          </a:p>
+          <a:p>
+            <a:pPr marL="0" indent="0">
+              <a:buClr>
+                <a:srgbClr val="52C000"/>
+              </a:buClr>
+              <a:buNone/>
+            </a:pPr>
+            <a:endParaRPr lang="de-DE"/>
+          </a:p>
+          <a:p>
+            <a:pPr marL="0" indent="0">
+              <a:buClr>
+                <a:srgbClr val="52C000"/>
+              </a:buClr>
+              <a:buNone/>
+            </a:pPr>
+            <a:r>
+              <a:rPr lang="de-DE" smtClean="0"/>
+              <a:t>Diskrete Bilinearform können und werden wir aus der pDGL zusammenbasteln mit folgenden Wunscheigenschaften:</a:t>
+            </a:r>
+            <a:endParaRPr lang="de-DE" smtClean="0"/>
+          </a:p>
+        </p:txBody>
+      </p:sp>
+      <p:pic>
+        <p:nvPicPr>
+          <p:cNvPr id="3074" name="Picture 2"/>
+          <p:cNvPicPr>
+            <a:picLocks noChangeAspect="1" noChangeArrowheads="1"/>
+          </p:cNvPicPr>
+          <p:nvPr/>
+        </p:nvPicPr>
+        <p:blipFill>
+          <a:blip r:embed="rId3">
+            <a:extLst>
+              <a:ext uri="{28A0092B-C50C-407E-A947-70E740481C1C}">
+                <a14:useLocalDpi xmlns:a14="http://schemas.microsoft.com/office/drawing/2010/main" val="0"/>
+              </a:ext>
+            </a:extLst>
+          </a:blip>
+          <a:srcRect/>
+          <a:stretch>
+            <a:fillRect/>
+          </a:stretch>
+        </p:blipFill>
+        <p:spPr bwMode="auto">
+          <a:xfrm>
+            <a:off x="1259632" y="1916832"/>
+            <a:ext cx="3264222" cy="300257"/>
+          </a:xfrm>
+          <a:prstGeom prst="rect">
+            <a:avLst/>
+          </a:prstGeom>
+          <a:noFill/>
+          <a:ln>
+            <a:noFill/>
+          </a:ln>
+          <a:extLst>
+            <a:ext uri="{909E8E84-426E-40DD-AFC4-6F175D3DCCD1}">
+              <a14:hiddenFill xmlns:a14="http://schemas.microsoft.com/office/drawing/2010/main">
+                <a:solidFill>
+                  <a:schemeClr val="accent1"/>
+                </a:solidFill>
+              </a14:hiddenFill>
+            </a:ext>
+            <a:ext uri="{91240B29-F687-4F45-9708-019B960494DF}">
+              <a14:hiddenLine xmlns:a14="http://schemas.microsoft.com/office/drawing/2010/main" w="9525">
+                <a:solidFill>
+                  <a:schemeClr val="tx1"/>
+                </a:solidFill>
+                <a:miter lim="800000"/>
+                <a:headEnd/>
+                <a:tailEnd/>
+              </a14:hiddenLine>
+            </a:ext>
+          </a:extLst>
+        </p:spPr>
+      </p:pic>
+      <p:pic>
+        <p:nvPicPr>
+          <p:cNvPr id="3075" name="Picture 3"/>
+          <p:cNvPicPr>
+            <a:picLocks noChangeAspect="1" noChangeArrowheads="1"/>
+          </p:cNvPicPr>
+          <p:nvPr/>
+        </p:nvPicPr>
+        <p:blipFill>
+          <a:blip r:embed="rId4">
+            <a:extLst>
+              <a:ext uri="{28A0092B-C50C-407E-A947-70E740481C1C}">
+                <a14:useLocalDpi xmlns:a14="http://schemas.microsoft.com/office/drawing/2010/main" val="0"/>
+              </a:ext>
+            </a:extLst>
+          </a:blip>
+          <a:srcRect/>
+          <a:stretch>
+            <a:fillRect/>
+          </a:stretch>
+        </p:blipFill>
+        <p:spPr bwMode="auto">
+          <a:xfrm>
+            <a:off x="755576" y="3657566"/>
+            <a:ext cx="7001794" cy="629791"/>
+          </a:xfrm>
+          <a:prstGeom prst="rect">
+            <a:avLst/>
+          </a:prstGeom>
+          <a:noFill/>
+          <a:ln>
+            <a:noFill/>
+          </a:ln>
+          <a:extLst>
+            <a:ext uri="{909E8E84-426E-40DD-AFC4-6F175D3DCCD1}">
+              <a14:hiddenFill xmlns:a14="http://schemas.microsoft.com/office/drawing/2010/main">
+                <a:solidFill>
+                  <a:schemeClr val="accent1"/>
+                </a:solidFill>
+              </a14:hiddenFill>
+            </a:ext>
+            <a:ext uri="{91240B29-F687-4F45-9708-019B960494DF}">
+              <a14:hiddenLine xmlns:a14="http://schemas.microsoft.com/office/drawing/2010/main" w="9525">
+                <a:solidFill>
+                  <a:schemeClr val="tx1"/>
+                </a:solidFill>
+                <a:miter lim="800000"/>
+                <a:headEnd/>
+                <a:tailEnd/>
+              </a14:hiddenLine>
+            </a:ext>
+          </a:extLst>
+        </p:spPr>
+      </p:pic>
+      <p:sp>
+        <p:nvSpPr>
+          <p:cNvPr id="2" name="Geschweifte Klammer links 1"/>
+          <p:cNvSpPr/>
+          <p:nvPr/>
+        </p:nvSpPr>
+        <p:spPr>
+          <a:xfrm rot="16200000">
+            <a:off x="6246186" y="3045219"/>
+            <a:ext cx="180019" cy="2664296"/>
+          </a:xfrm>
+          <a:prstGeom prst="leftBrace">
+            <a:avLst>
+              <a:gd name="adj1" fmla="val 8333"/>
+              <a:gd name="adj2" fmla="val 49667"/>
+            </a:avLst>
+          </a:prstGeom>
+          <a:ln>
+            <a:solidFill>
+              <a:schemeClr val="tx1"/>
+            </a:solidFill>
+          </a:ln>
+        </p:spPr>
+        <p:style>
+          <a:lnRef idx="1">
+            <a:schemeClr val="accent1"/>
+          </a:lnRef>
+          <a:fillRef idx="0">
+            <a:schemeClr val="accent1"/>
+          </a:fillRef>
+          <a:effectRef idx="0">
+            <a:schemeClr val="accent1"/>
+          </a:effectRef>
+          <a:fontRef idx="minor">
+            <a:schemeClr val="tx1"/>
+          </a:fontRef>
+        </p:style>
+        <p:txBody>
+          <a:bodyPr rtlCol="0" anchor="ctr"/>
+          <a:lstStyle/>
+          <a:p>
+            <a:pPr algn="ctr"/>
+            <a:endParaRPr lang="de-DE"/>
+          </a:p>
+        </p:txBody>
+      </p:sp>
+      <p:sp>
+        <p:nvSpPr>
+          <p:cNvPr id="10" name="Textfeld 9"/>
+          <p:cNvSpPr txBox="1"/>
+          <p:nvPr/>
+        </p:nvSpPr>
+        <p:spPr>
+          <a:xfrm>
+            <a:off x="5508104" y="4437112"/>
+            <a:ext cx="3096344" cy="461665"/>
+          </a:xfrm>
+          <a:prstGeom prst="rect">
+            <a:avLst/>
+          </a:prstGeom>
+          <a:noFill/>
+        </p:spPr>
+        <p:txBody>
+          <a:bodyPr wrap="square" rtlCol="0">
+            <a:spAutoFit/>
+          </a:bodyPr>
+          <a:lstStyle/>
+          <a:p>
+            <a:r>
+              <a:rPr lang="de-DE" sz="2400" smtClean="0">
+                <a:latin typeface="Adobe Arabic" pitchFamily="18" charset="-78"/>
+                <a:cs typeface="Adobe Arabic" pitchFamily="18" charset="-78"/>
+              </a:rPr>
+              <a:t>Konsistenzfehler</a:t>
+            </a:r>
+            <a:endParaRPr lang="de-DE" sz="2400">
+              <a:latin typeface="Adobe Arabic" pitchFamily="18" charset="-78"/>
+              <a:cs typeface="Adobe Arabic" pitchFamily="18" charset="-78"/>
+            </a:endParaRPr>
+          </a:p>
+        </p:txBody>
+      </p:sp>
+      <p:pic>
+        <p:nvPicPr>
+          <p:cNvPr id="3076" name="Picture 4"/>
+          <p:cNvPicPr>
+            <a:picLocks noChangeAspect="1" noChangeArrowheads="1"/>
+          </p:cNvPicPr>
+          <p:nvPr/>
+        </p:nvPicPr>
+        <p:blipFill>
+          <a:blip r:embed="rId5" cstate="print">
+            <a:extLst>
+              <a:ext uri="{28A0092B-C50C-407E-A947-70E740481C1C}">
+                <a14:useLocalDpi xmlns:a14="http://schemas.microsoft.com/office/drawing/2010/main" val="0"/>
+              </a:ext>
+            </a:extLst>
+          </a:blip>
+          <a:srcRect/>
+          <a:stretch>
+            <a:fillRect/>
+          </a:stretch>
+        </p:blipFill>
+        <p:spPr bwMode="auto">
+          <a:xfrm>
+            <a:off x="5688124" y="2066960"/>
+            <a:ext cx="2736304" cy="553874"/>
+          </a:xfrm>
+          <a:prstGeom prst="rect">
+            <a:avLst/>
+          </a:prstGeom>
+          <a:noFill/>
+          <a:ln>
+            <a:noFill/>
+          </a:ln>
+          <a:extLst>
+            <a:ext uri="{909E8E84-426E-40DD-AFC4-6F175D3DCCD1}">
+              <a14:hiddenFill xmlns:a14="http://schemas.microsoft.com/office/drawing/2010/main">
+                <a:solidFill>
+                  <a:schemeClr val="accent1"/>
+                </a:solidFill>
+              </a14:hiddenFill>
+            </a:ext>
+            <a:ext uri="{91240B29-F687-4F45-9708-019B960494DF}">
+              <a14:hiddenLine xmlns:a14="http://schemas.microsoft.com/office/drawing/2010/main" w="9525">
+                <a:solidFill>
+                  <a:schemeClr val="tx1"/>
+                </a:solidFill>
+                <a:miter lim="800000"/>
+                <a:headEnd/>
+                <a:tailEnd/>
+              </a14:hiddenLine>
+            </a:ext>
+          </a:extLst>
+        </p:spPr>
+      </p:pic>
+      <p:sp>
+        <p:nvSpPr>
+          <p:cNvPr id="11" name="Wolke 10"/>
+          <p:cNvSpPr/>
+          <p:nvPr/>
+        </p:nvSpPr>
+        <p:spPr>
+          <a:xfrm>
+            <a:off x="5292080" y="1844824"/>
+            <a:ext cx="3528392" cy="1152128"/>
+          </a:xfrm>
+          <a:prstGeom prst="cloud">
+            <a:avLst/>
+          </a:prstGeom>
+          <a:noFill/>
+          <a:ln w="6350">
+            <a:solidFill>
+              <a:schemeClr val="bg1">
+                <a:lumMod val="65000"/>
+              </a:schemeClr>
+            </a:solidFill>
+          </a:ln>
+        </p:spPr>
+        <p:style>
+          <a:lnRef idx="2">
+            <a:schemeClr val="accent1">
+              <a:shade val="50000"/>
+            </a:schemeClr>
+          </a:lnRef>
+          <a:fillRef idx="1">
+            <a:schemeClr val="accent1"/>
+          </a:fillRef>
+          <a:effectRef idx="0">
+            <a:schemeClr val="accent1"/>
+          </a:effectRef>
+          <a:fontRef idx="minor">
+            <a:schemeClr val="lt1"/>
+          </a:fontRef>
+        </p:style>
+        <p:txBody>
+          <a:bodyPr rtlCol="0" anchor="ctr"/>
+          <a:lstStyle/>
+          <a:p>
+            <a:pPr algn="ctr"/>
+            <a:endParaRPr lang="de-DE"/>
+          </a:p>
+        </p:txBody>
+      </p:sp>
+      <p:sp>
+        <p:nvSpPr>
+          <p:cNvPr id="14" name="Ellipse 13"/>
+          <p:cNvSpPr/>
+          <p:nvPr/>
+        </p:nvSpPr>
+        <p:spPr>
+          <a:xfrm>
+            <a:off x="1763688" y="2708920"/>
+            <a:ext cx="216024" cy="144016"/>
+          </a:xfrm>
+          <a:prstGeom prst="ellipse">
+            <a:avLst/>
+          </a:prstGeom>
+          <a:noFill/>
+          <a:ln w="6350">
+            <a:solidFill>
+              <a:schemeClr val="bg1">
+                <a:lumMod val="65000"/>
+              </a:schemeClr>
+            </a:solidFill>
+          </a:ln>
+        </p:spPr>
+        <p:style>
+          <a:lnRef idx="2">
+            <a:schemeClr val="accent1">
+              <a:shade val="50000"/>
+            </a:schemeClr>
+          </a:lnRef>
+          <a:fillRef idx="1">
+            <a:schemeClr val="accent1"/>
+          </a:fillRef>
+          <a:effectRef idx="0">
+            <a:schemeClr val="accent1"/>
+          </a:effectRef>
+          <a:fontRef idx="minor">
+            <a:schemeClr val="lt1"/>
+          </a:fontRef>
+        </p:style>
+        <p:txBody>
+          <a:bodyPr rtlCol="0" anchor="ctr"/>
+          <a:lstStyle/>
+          <a:p>
+            <a:pPr algn="ctr"/>
+            <a:endParaRPr lang="de-DE"/>
+          </a:p>
+        </p:txBody>
+      </p:sp>
+      <p:sp>
+        <p:nvSpPr>
+          <p:cNvPr id="20" name="Ellipse 19"/>
+          <p:cNvSpPr/>
+          <p:nvPr/>
+        </p:nvSpPr>
+        <p:spPr>
+          <a:xfrm>
+            <a:off x="2411760" y="2648500"/>
+            <a:ext cx="216024" cy="132428"/>
+          </a:xfrm>
+          <a:prstGeom prst="ellipse">
+            <a:avLst/>
+          </a:prstGeom>
+          <a:noFill/>
+          <a:ln w="6350">
+            <a:solidFill>
+              <a:schemeClr val="bg1">
+                <a:lumMod val="65000"/>
+              </a:schemeClr>
+            </a:solidFill>
+          </a:ln>
+        </p:spPr>
+        <p:style>
+          <a:lnRef idx="2">
+            <a:schemeClr val="accent1">
+              <a:shade val="50000"/>
+            </a:schemeClr>
+          </a:lnRef>
+          <a:fillRef idx="1">
+            <a:schemeClr val="accent1"/>
+          </a:fillRef>
+          <a:effectRef idx="0">
+            <a:schemeClr val="accent1"/>
+          </a:effectRef>
+          <a:fontRef idx="minor">
+            <a:schemeClr val="lt1"/>
+          </a:fontRef>
+        </p:style>
+        <p:txBody>
+          <a:bodyPr rtlCol="0" anchor="ctr"/>
+          <a:lstStyle/>
+          <a:p>
+            <a:pPr algn="ctr"/>
+            <a:endParaRPr lang="de-DE"/>
+          </a:p>
+        </p:txBody>
+      </p:sp>
+      <p:sp>
+        <p:nvSpPr>
+          <p:cNvPr id="21" name="Ellipse 20"/>
+          <p:cNvSpPr/>
+          <p:nvPr/>
+        </p:nvSpPr>
+        <p:spPr>
+          <a:xfrm>
+            <a:off x="3131840" y="2564904"/>
+            <a:ext cx="216024" cy="135258"/>
+          </a:xfrm>
+          <a:prstGeom prst="ellipse">
+            <a:avLst/>
+          </a:prstGeom>
+          <a:noFill/>
+          <a:ln w="6350">
+            <a:solidFill>
+              <a:schemeClr val="bg1">
+                <a:lumMod val="65000"/>
+              </a:schemeClr>
+            </a:solidFill>
+          </a:ln>
+        </p:spPr>
+        <p:style>
+          <a:lnRef idx="2">
+            <a:schemeClr val="accent1">
+              <a:shade val="50000"/>
+            </a:schemeClr>
+          </a:lnRef>
+          <a:fillRef idx="1">
+            <a:schemeClr val="accent1"/>
+          </a:fillRef>
+          <a:effectRef idx="0">
+            <a:schemeClr val="accent1"/>
+          </a:effectRef>
+          <a:fontRef idx="minor">
+            <a:schemeClr val="lt1"/>
+          </a:fontRef>
+        </p:style>
+        <p:txBody>
+          <a:bodyPr rtlCol="0" anchor="ctr"/>
+          <a:lstStyle/>
+          <a:p>
+            <a:pPr algn="ctr"/>
+            <a:endParaRPr lang="de-DE"/>
+          </a:p>
+        </p:txBody>
+      </p:sp>
+      <p:sp>
+        <p:nvSpPr>
+          <p:cNvPr id="22" name="Ellipse 21"/>
+          <p:cNvSpPr/>
+          <p:nvPr/>
+        </p:nvSpPr>
+        <p:spPr>
+          <a:xfrm>
+            <a:off x="3995936" y="2492896"/>
+            <a:ext cx="216024" cy="149930"/>
+          </a:xfrm>
+          <a:prstGeom prst="ellipse">
+            <a:avLst/>
+          </a:prstGeom>
+          <a:noFill/>
+          <a:ln w="6350">
+            <a:solidFill>
+              <a:schemeClr val="bg1">
+                <a:lumMod val="65000"/>
+              </a:schemeClr>
+            </a:solidFill>
+          </a:ln>
+        </p:spPr>
+        <p:style>
+          <a:lnRef idx="2">
+            <a:schemeClr val="accent1">
+              <a:shade val="50000"/>
+            </a:schemeClr>
+          </a:lnRef>
+          <a:fillRef idx="1">
+            <a:schemeClr val="accent1"/>
+          </a:fillRef>
+          <a:effectRef idx="0">
+            <a:schemeClr val="accent1"/>
+          </a:effectRef>
+          <a:fontRef idx="minor">
+            <a:schemeClr val="lt1"/>
+          </a:fontRef>
+        </p:style>
+        <p:txBody>
+          <a:bodyPr rtlCol="0" anchor="ctr"/>
+          <a:lstStyle/>
+          <a:p>
+            <a:pPr algn="ctr"/>
+            <a:endParaRPr lang="de-DE"/>
+          </a:p>
+        </p:txBody>
+      </p:sp>
+      <p:sp>
+        <p:nvSpPr>
+          <p:cNvPr id="23" name="Ellipse 22"/>
+          <p:cNvSpPr/>
+          <p:nvPr/>
+        </p:nvSpPr>
+        <p:spPr>
+          <a:xfrm>
+            <a:off x="4779137" y="2420888"/>
+            <a:ext cx="224910" cy="211645"/>
+          </a:xfrm>
+          <a:prstGeom prst="ellipse">
+            <a:avLst/>
+          </a:prstGeom>
+          <a:noFill/>
+          <a:ln w="6350">
+            <a:solidFill>
+              <a:schemeClr val="bg1">
+                <a:lumMod val="65000"/>
+              </a:schemeClr>
+            </a:solidFill>
+          </a:ln>
+        </p:spPr>
+        <p:style>
+          <a:lnRef idx="2">
+            <a:schemeClr val="accent1">
+              <a:shade val="50000"/>
+            </a:schemeClr>
+          </a:lnRef>
+          <a:fillRef idx="1">
+            <a:schemeClr val="accent1"/>
+          </a:fillRef>
+          <a:effectRef idx="0">
+            <a:schemeClr val="accent1"/>
+          </a:effectRef>
+          <a:fontRef idx="minor">
+            <a:schemeClr val="lt1"/>
+          </a:fontRef>
+        </p:style>
+        <p:txBody>
+          <a:bodyPr rtlCol="0" anchor="ctr"/>
+          <a:lstStyle/>
+          <a:p>
+            <a:pPr algn="ctr"/>
+            <a:endParaRPr lang="de-DE"/>
+          </a:p>
+        </p:txBody>
+      </p:sp>
+    </p:spTree>
+    <p:extLst>
+      <p:ext uri="{BB962C8B-B14F-4D97-AF65-F5344CB8AC3E}">
+        <p14:creationId xmlns:p14="http://schemas.microsoft.com/office/powerpoint/2010/main" val="898637032"/>
+      </p:ext>
+    </p:extLst>
+  </p:cSld>
+  <p:clrMapOvr>
+    <a:masterClrMapping/>
+  </p:clrMapOvr>
+  <mc:AlternateContent xmlns:mc="http://schemas.openxmlformats.org/markup-compatibility/2006" xmlns:p14="http://schemas.microsoft.com/office/powerpoint/2010/main">
+    <mc:Choice Requires="p14">
+      <p:transition spd="slow" p14:dur="2000"/>
+    </mc:Choice>
+    <mc:Fallback xmlns="">
+      <p:transition spd="slow"/>
+    </mc:Fallback>
+  </mc:AlternateContent>
+  <p:timing>
+    <p:tnLst>
+      <p:par>
+        <p:cTn id="1" dur="indefinite" restart="never" nodeType="tmRoot"/>
+      </p:par>
+    </p:tnLst>
+  </p:timing>
+</p:sld>
+</file>
+
+<file path=ppt/slides/slide23.xml><?xml version="1.0" encoding="utf-8"?>
+<p:sld xmlns:a="http://schemas.openxmlformats.org/drawingml/2006/main" xmlns:r="http://schemas.openxmlformats.org/officeDocument/2006/relationships" xmlns:p="http://schemas.openxmlformats.org/presentationml/2006/main">
+  <p:cSld>
+    <p:spTree>
+      <p:nvGrpSpPr>
+        <p:cNvPr id="1" name=""/>
+        <p:cNvGrpSpPr/>
+        <p:nvPr/>
+      </p:nvGrpSpPr>
+      <p:grpSpPr>
+        <a:xfrm>
+          <a:off x="0" y="0"/>
+          <a:ext cx="0" cy="0"/>
+          <a:chOff x="0" y="0"/>
+          <a:chExt cx="0" cy="0"/>
+        </a:xfrm>
+      </p:grpSpPr>
+      <p:sp>
+        <p:nvSpPr>
+          <p:cNvPr id="3" name="Datumsplatzhalter 2"/>
+          <p:cNvSpPr>
+            <a:spLocks noGrp="1"/>
+          </p:cNvSpPr>
+          <p:nvPr>
+            <p:ph type="dt" sz="half" idx="10"/>
+          </p:nvPr>
+        </p:nvSpPr>
+        <p:spPr/>
+        <p:txBody>
+          <a:bodyPr/>
+          <a:lstStyle/>
+          <a:p>
+            <a:r>
+              <a:rPr lang="de-DE" smtClean="0"/>
+              <a:t>27.01.2017</a:t>
+            </a:r>
+            <a:endParaRPr lang="de-DE"/>
+          </a:p>
+        </p:txBody>
+      </p:sp>
+      <p:sp>
+        <p:nvSpPr>
+          <p:cNvPr id="4" name="Fußzeilenplatzhalter 3"/>
+          <p:cNvSpPr>
+            <a:spLocks noGrp="1"/>
+          </p:cNvSpPr>
+          <p:nvPr>
+            <p:ph type="ftr" sz="quarter" idx="11"/>
+          </p:nvPr>
+        </p:nvSpPr>
+        <p:spPr/>
+        <p:txBody>
+          <a:bodyPr/>
+          <a:lstStyle/>
+          <a:p>
+            <a:r>
+              <a:rPr lang="de-DE" smtClean="0"/>
+              <a:t>Transmutation – Matthias Jaeger</a:t>
+            </a:r>
+            <a:endParaRPr lang="de-DE"/>
+          </a:p>
+        </p:txBody>
+      </p:sp>
+      <p:sp>
+        <p:nvSpPr>
+          <p:cNvPr id="5" name="Foliennummernplatzhalter 4"/>
+          <p:cNvSpPr>
+            <a:spLocks noGrp="1"/>
+          </p:cNvSpPr>
+          <p:nvPr>
+            <p:ph type="sldNum" sz="quarter" idx="12"/>
+          </p:nvPr>
+        </p:nvSpPr>
+        <p:spPr/>
+        <p:txBody>
+          <a:bodyPr/>
+          <a:lstStyle/>
+          <a:p>
+            <a:fld id="{1A73E011-4CD9-4D05-A24A-32BCD9CDCEE7}" type="slidenum">
+              <a:rPr lang="de-DE" smtClean="0"/>
+              <a:pPr/>
+              <a:t>23</a:t>
+            </a:fld>
+            <a:endParaRPr lang="de-DE"/>
+          </a:p>
+        </p:txBody>
+      </p:sp>
+      <p:sp>
+        <p:nvSpPr>
+          <p:cNvPr id="7" name="Rechteck 6"/>
+          <p:cNvSpPr/>
+          <p:nvPr/>
+        </p:nvSpPr>
+        <p:spPr>
+          <a:xfrm>
+            <a:off x="6588224" y="72008"/>
+            <a:ext cx="2483768" cy="260648"/>
+          </a:xfrm>
+          <a:prstGeom prst="rect">
+            <a:avLst/>
+          </a:prstGeom>
+          <a:solidFill>
+            <a:srgbClr val="92D050"/>
+          </a:solidFill>
+          <a:ln>
+            <a:noFill/>
+          </a:ln>
+          <a:effectLst>
+            <a:outerShdw blurRad="44450" dist="27940" dir="5400000" algn="ctr">
+              <a:srgbClr val="000000">
+                <a:alpha val="32000"/>
+              </a:srgbClr>
+            </a:outerShdw>
+          </a:effectLst>
+          <a:scene3d>
+            <a:camera prst="orthographicFront">
+              <a:rot lat="0" lon="0" rev="0"/>
+            </a:camera>
+            <a:lightRig rig="balanced" dir="t">
+              <a:rot lat="0" lon="0" rev="8700000"/>
+            </a:lightRig>
+          </a:scene3d>
+          <a:sp3d>
+            <a:bevelT w="190500" h="38100"/>
+          </a:sp3d>
+        </p:spPr>
+        <p:style>
+          <a:lnRef idx="2">
+            <a:schemeClr val="accent1">
+              <a:shade val="50000"/>
+            </a:schemeClr>
+          </a:lnRef>
+          <a:fillRef idx="1">
+            <a:schemeClr val="accent1"/>
+          </a:fillRef>
+          <a:effectRef idx="0">
+            <a:schemeClr val="accent1"/>
+          </a:effectRef>
+          <a:fontRef idx="minor">
+            <a:schemeClr val="lt1"/>
+          </a:fontRef>
+        </p:style>
+        <p:txBody>
+          <a:bodyPr rtlCol="0" anchor="ctr"/>
+          <a:lstStyle/>
+          <a:p>
+            <a:pPr algn="ctr"/>
+            <a:endParaRPr lang="de-DE"/>
+          </a:p>
+        </p:txBody>
+      </p:sp>
+      <p:sp>
+        <p:nvSpPr>
+          <p:cNvPr id="8" name="Textfeld 7"/>
+          <p:cNvSpPr txBox="1"/>
+          <p:nvPr/>
+        </p:nvSpPr>
+        <p:spPr>
+          <a:xfrm>
+            <a:off x="6586695" y="35913"/>
+            <a:ext cx="2521809" cy="584775"/>
+          </a:xfrm>
+          <a:prstGeom prst="rect">
+            <a:avLst/>
+          </a:prstGeom>
+          <a:noFill/>
+        </p:spPr>
+        <p:txBody>
+          <a:bodyPr wrap="square" rtlCol="0">
+            <a:spAutoFit/>
+          </a:bodyPr>
+          <a:lstStyle/>
+          <a:p>
+            <a:pPr algn="ctr"/>
+            <a:r>
+              <a:rPr lang="de-DE" sz="1600" smtClean="0">
+                <a:solidFill>
+                  <a:schemeClr val="accent5">
+                    <a:lumMod val="50000"/>
+                  </a:schemeClr>
+                </a:solidFill>
+                <a:latin typeface="Adobe Arabic" pitchFamily="18" charset="-78"/>
+                <a:cs typeface="Adobe Arabic" pitchFamily="18" charset="-78"/>
+              </a:rPr>
+              <a:t>2. </a:t>
+            </a:r>
+            <a:r>
+              <a:rPr lang="de-DE" sz="1600" smtClean="0">
+                <a:latin typeface="Adobe Arabic" pitchFamily="18" charset="-78"/>
+                <a:cs typeface="Adobe Arabic" pitchFamily="18" charset="-78"/>
+              </a:rPr>
+              <a:t>DG-Verfahren</a:t>
+            </a:r>
+          </a:p>
+          <a:p>
+            <a:pPr algn="ctr"/>
+            <a:endParaRPr lang="de-DE" sz="1600">
+              <a:solidFill>
+                <a:schemeClr val="accent5">
+                  <a:lumMod val="50000"/>
+                </a:schemeClr>
+              </a:solidFill>
+              <a:latin typeface="Adobe Arabic" pitchFamily="18" charset="-78"/>
+              <a:cs typeface="Adobe Arabic" pitchFamily="18" charset="-78"/>
+            </a:endParaRPr>
+          </a:p>
+        </p:txBody>
+      </p:sp>
+      <p:sp>
+        <p:nvSpPr>
+          <p:cNvPr id="17" name="Inhaltsplatzhalter 1"/>
+          <p:cNvSpPr>
+            <a:spLocks noGrp="1"/>
+          </p:cNvSpPr>
+          <p:nvPr>
+            <p:ph idx="1"/>
+          </p:nvPr>
+        </p:nvSpPr>
+        <p:spPr>
+          <a:xfrm>
+            <a:off x="457200" y="980728"/>
+            <a:ext cx="8229600" cy="5145435"/>
+          </a:xfrm>
+        </p:spPr>
+        <p:txBody>
+          <a:bodyPr>
+            <a:normAutofit/>
+          </a:bodyPr>
+          <a:lstStyle/>
+          <a:p>
+            <a:pPr marL="0" indent="0">
+              <a:buNone/>
+            </a:pPr>
+            <a:r>
+              <a:rPr lang="de-DE" sz="3200" smtClean="0">
+                <a:solidFill>
+                  <a:srgbClr val="52C000"/>
+                </a:solidFill>
+              </a:rPr>
+              <a:t>1. &amp; 2.</a:t>
+            </a:r>
+            <a:r>
+              <a:rPr lang="de-DE" sz="3200" smtClean="0"/>
+              <a:t>	Wünsche an die Bilineaerform</a:t>
+            </a:r>
+          </a:p>
+          <a:p>
+            <a:endParaRPr lang="de-DE" smtClean="0"/>
+          </a:p>
+          <a:p>
+            <a:r>
+              <a:rPr lang="de-DE" i="1" smtClean="0"/>
+              <a:t>Konsistenz</a:t>
+            </a:r>
+          </a:p>
+          <a:p>
+            <a:r>
+              <a:rPr lang="de-DE" i="1" smtClean="0"/>
+              <a:t>Beschränktheit</a:t>
+            </a:r>
+          </a:p>
+          <a:p>
+            <a:r>
+              <a:rPr lang="de-DE" i="1" smtClean="0"/>
+              <a:t>Koerzivität</a:t>
+            </a:r>
+          </a:p>
+          <a:p>
+            <a:r>
+              <a:rPr lang="de-DE" i="1" smtClean="0"/>
+              <a:t>Symmetrie</a:t>
+            </a:r>
+            <a:endParaRPr lang="de-DE" i="1" smtClean="0"/>
+          </a:p>
+        </p:txBody>
+      </p:sp>
+    </p:spTree>
+    <p:extLst>
+      <p:ext uri="{BB962C8B-B14F-4D97-AF65-F5344CB8AC3E}">
+        <p14:creationId xmlns:p14="http://schemas.microsoft.com/office/powerpoint/2010/main" val="2375915081"/>
+      </p:ext>
+    </p:extLst>
+  </p:cSld>
+  <p:clrMapOvr>
+    <a:masterClrMapping/>
+  </p:clrMapOvr>
+  <mc:AlternateContent xmlns:mc="http://schemas.openxmlformats.org/markup-compatibility/2006" xmlns:p14="http://schemas.microsoft.com/office/powerpoint/2010/main">
+    <mc:Choice Requires="p14">
+      <p:transition spd="slow" p14:dur="2000"/>
+    </mc:Choice>
+    <mc:Fallback xmlns="">
+      <p:transition spd="slow"/>
+    </mc:Fallback>
+  </mc:AlternateContent>
+  <p:timing>
+    <p:tnLst>
+      <p:par>
+        <p:cTn id="1" dur="indefinite" restart="never" nodeType="tmRoot"/>
+      </p:par>
+    </p:tnLst>
+  </p:timing>
+</p:sld>
+</file>
+
+<file path=ppt/slides/slide24.xml><?xml version="1.0" encoding="utf-8"?>
+<p:sld xmlns:a="http://schemas.openxmlformats.org/drawingml/2006/main" xmlns:r="http://schemas.openxmlformats.org/officeDocument/2006/relationships" xmlns:p="http://schemas.openxmlformats.org/presentationml/2006/main">
+  <p:cSld>
+    <p:spTree>
+      <p:nvGrpSpPr>
+        <p:cNvPr id="1" name=""/>
+        <p:cNvGrpSpPr/>
+        <p:nvPr/>
+      </p:nvGrpSpPr>
+      <p:grpSpPr>
+        <a:xfrm>
+          <a:off x="0" y="0"/>
+          <a:ext cx="0" cy="0"/>
+          <a:chOff x="0" y="0"/>
+          <a:chExt cx="0" cy="0"/>
+        </a:xfrm>
+      </p:grpSpPr>
+      <p:sp>
+        <p:nvSpPr>
           <p:cNvPr id="2" name="Inhaltsplatzhalter 1"/>
           <p:cNvSpPr>
             <a:spLocks noGrp="1"/>
@@ -15109,12 +17666,12 @@
         <p:spPr>
           <a:xfrm>
             <a:off x="251520" y="1379909"/>
-            <a:ext cx="8445624" cy="5145435"/>
+            <a:ext cx="8496944" cy="5145435"/>
           </a:xfrm>
         </p:spPr>
         <p:txBody>
           <a:bodyPr>
-            <a:normAutofit/>
+            <a:noAutofit/>
           </a:bodyPr>
           <a:lstStyle/>
           <a:p>
@@ -15123,13 +17680,354 @@
             </a:pPr>
             <a:r>
               <a:rPr lang="de-DE" sz="1800" smtClean="0"/>
-              <a:t>[9]   </a:t>
+              <a:t>[1] Renn, Ortwin, </a:t>
+            </a:r>
+            <a:r>
+              <a:rPr lang="de-DE" sz="1800" err="1" smtClean="0"/>
+              <a:t>ed</a:t>
+            </a:r>
+            <a:r>
+              <a:rPr lang="de-DE" sz="1800" smtClean="0"/>
+              <a:t>. Partitionierung und Transmutation: Forschung–Entwicklung–Gesellschaftliche Implikationen. Herbert Utz Verlag, 2014.</a:t>
+            </a:r>
+          </a:p>
+          <a:p>
+            <a:pPr>
+              <a:buNone/>
+            </a:pPr>
+            <a:r>
+              <a:rPr lang="de-DE" sz="1800" smtClean="0"/>
+              <a:t>[2] Huber, Josef, Werner Mester, und Wolfgang Thomas. "Sicherheitsaspekte der Wiederaufbereitung von Kernbrennstoffen." GRS, 1987.</a:t>
+            </a:r>
+          </a:p>
+          <a:p>
+            <a:pPr>
+              <a:buNone/>
+            </a:pPr>
+            <a:r>
+              <a:rPr lang="de-DE" sz="1800" smtClean="0"/>
+              <a:t>[3] Mueller, Alex C. </a:t>
+            </a:r>
+            <a:r>
+              <a:rPr lang="de-DE" sz="1800" err="1" smtClean="0"/>
+              <a:t>and</a:t>
+            </a:r>
+            <a:r>
+              <a:rPr lang="de-DE" sz="1800" smtClean="0"/>
+              <a:t> Hamid </a:t>
+            </a:r>
+            <a:r>
+              <a:rPr lang="de-DE" sz="1800" err="1" smtClean="0"/>
+              <a:t>Ait</a:t>
+            </a:r>
+            <a:r>
+              <a:rPr lang="de-DE" sz="1800" smtClean="0"/>
+              <a:t> Abderrahim. "Transmutation von radioaktivem Abfall." In: Physik Journal 11 (2010), Seiten 33-38.</a:t>
+            </a:r>
+          </a:p>
+          <a:p>
+            <a:pPr>
+              <a:buNone/>
+            </a:pPr>
+            <a:r>
+              <a:rPr lang="de-DE" sz="1800" smtClean="0"/>
+              <a:t>[4] </a:t>
+            </a:r>
+            <a:r>
+              <a:rPr lang="de-DE" sz="1800" err="1" smtClean="0"/>
+              <a:t>Varaine</a:t>
+            </a:r>
+            <a:r>
+              <a:rPr lang="de-DE" sz="1800" smtClean="0"/>
+              <a:t>, F., et al. "</a:t>
+            </a:r>
+            <a:r>
+              <a:rPr lang="de-DE" sz="1800" err="1" smtClean="0"/>
+              <a:t>Overview</a:t>
+            </a:r>
+            <a:r>
+              <a:rPr lang="de-DE" sz="1800" smtClean="0"/>
+              <a:t> on </a:t>
+            </a:r>
+            <a:r>
+              <a:rPr lang="de-DE" sz="1800" err="1" smtClean="0"/>
+              <a:t>homogeneous</a:t>
+            </a:r>
+            <a:r>
+              <a:rPr lang="de-DE" sz="1800" smtClean="0"/>
+              <a:t> </a:t>
+            </a:r>
+            <a:r>
+              <a:rPr lang="de-DE" sz="1800" err="1" smtClean="0"/>
+              <a:t>and</a:t>
+            </a:r>
+            <a:r>
+              <a:rPr lang="de-DE" sz="1800" smtClean="0"/>
+              <a:t> </a:t>
+            </a:r>
+            <a:r>
+              <a:rPr lang="de-DE" sz="1800" err="1" smtClean="0"/>
+              <a:t>heterogeneous</a:t>
+            </a:r>
+            <a:r>
+              <a:rPr lang="de-DE" sz="1800" smtClean="0"/>
+              <a:t> </a:t>
+            </a:r>
+            <a:r>
+              <a:rPr lang="de-DE" sz="1800" err="1" smtClean="0"/>
+              <a:t>transmutation</a:t>
+            </a:r>
+            <a:r>
+              <a:rPr lang="de-DE" sz="1800" smtClean="0"/>
+              <a:t> in a </a:t>
+            </a:r>
+            <a:r>
+              <a:rPr lang="de-DE" sz="1800" err="1" smtClean="0"/>
+              <a:t>new</a:t>
+            </a:r>
+            <a:r>
+              <a:rPr lang="de-DE" sz="1800" smtClean="0"/>
+              <a:t> French SFR: </a:t>
+            </a:r>
+            <a:r>
+              <a:rPr lang="de-DE" sz="1800" err="1" smtClean="0"/>
+              <a:t>Reactor</a:t>
+            </a:r>
+            <a:r>
+              <a:rPr lang="de-DE" sz="1800" smtClean="0"/>
+              <a:t> </a:t>
+            </a:r>
+            <a:r>
+              <a:rPr lang="de-DE" sz="1800" err="1" smtClean="0"/>
+              <a:t>and</a:t>
+            </a:r>
+            <a:r>
+              <a:rPr lang="de-DE" sz="1800" smtClean="0"/>
+              <a:t> </a:t>
+            </a:r>
+            <a:r>
+              <a:rPr lang="de-DE" sz="1800" err="1" smtClean="0"/>
+              <a:t>fuel</a:t>
+            </a:r>
+            <a:r>
+              <a:rPr lang="de-DE" sz="1800" smtClean="0"/>
+              <a:t> </a:t>
+            </a:r>
+            <a:r>
+              <a:rPr lang="de-DE" sz="1800" err="1" smtClean="0"/>
+              <a:t>cycle</a:t>
+            </a:r>
+            <a:r>
+              <a:rPr lang="de-DE" sz="1800" smtClean="0"/>
+              <a:t> </a:t>
+            </a:r>
+            <a:r>
+              <a:rPr lang="de-DE" sz="1800" err="1" smtClean="0"/>
+              <a:t>impact</a:t>
+            </a:r>
+            <a:r>
+              <a:rPr lang="de-DE" sz="1800" smtClean="0"/>
+              <a:t>." In: </a:t>
+            </a:r>
+            <a:r>
+              <a:rPr lang="de-DE" sz="1800" err="1" smtClean="0"/>
+              <a:t>Actinide</a:t>
+            </a:r>
+            <a:r>
+              <a:rPr lang="de-DE" sz="1800" smtClean="0"/>
+              <a:t> </a:t>
+            </a:r>
+            <a:r>
+              <a:rPr lang="de-DE" sz="1800" err="1" smtClean="0"/>
+              <a:t>and</a:t>
+            </a:r>
+            <a:r>
+              <a:rPr lang="de-DE" sz="1800" smtClean="0"/>
+              <a:t> Fission </a:t>
+            </a:r>
+            <a:r>
+              <a:rPr lang="de-DE" sz="1800" err="1" smtClean="0"/>
+              <a:t>Product</a:t>
+            </a:r>
+            <a:r>
+              <a:rPr lang="de-DE" sz="1800" smtClean="0"/>
+              <a:t> </a:t>
+            </a:r>
+            <a:r>
+              <a:rPr lang="de-DE" sz="1800" err="1" smtClean="0"/>
+              <a:t>Partitioning</a:t>
+            </a:r>
+            <a:r>
+              <a:rPr lang="de-DE" sz="1800" smtClean="0"/>
+              <a:t> </a:t>
+            </a:r>
+            <a:r>
+              <a:rPr lang="de-DE" sz="1800" err="1" smtClean="0"/>
+              <a:t>and</a:t>
+            </a:r>
+            <a:r>
+              <a:rPr lang="de-DE" sz="1800" smtClean="0"/>
+              <a:t> Transmutation (2010), Seiten 113-122.</a:t>
+            </a:r>
+          </a:p>
+          <a:p>
+            <a:pPr>
+              <a:buNone/>
+            </a:pPr>
+            <a:r>
+              <a:rPr lang="de-DE" sz="1800" smtClean="0"/>
+              <a:t>[5] Merk, Bruno, et al. "On </a:t>
+            </a:r>
+            <a:r>
+              <a:rPr lang="de-DE" sz="1800" err="1" smtClean="0"/>
+              <a:t>the</a:t>
+            </a:r>
+            <a:r>
+              <a:rPr lang="de-DE" sz="1800" smtClean="0"/>
+              <a:t> </a:t>
+            </a:r>
+            <a:r>
+              <a:rPr lang="de-DE" sz="1800" err="1" smtClean="0"/>
+              <a:t>use</a:t>
+            </a:r>
+            <a:r>
+              <a:rPr lang="de-DE" sz="1800" smtClean="0"/>
+              <a:t> </a:t>
+            </a:r>
+            <a:r>
+              <a:rPr lang="de-DE" sz="1800" err="1" smtClean="0"/>
+              <a:t>of</a:t>
+            </a:r>
+            <a:r>
+              <a:rPr lang="de-DE" sz="1800" smtClean="0"/>
+              <a:t> a </a:t>
+            </a:r>
+            <a:r>
+              <a:rPr lang="de-DE" sz="1800" err="1" smtClean="0"/>
+              <a:t>molten</a:t>
+            </a:r>
+            <a:r>
+              <a:rPr lang="de-DE" sz="1800" smtClean="0"/>
+              <a:t> </a:t>
+            </a:r>
+            <a:r>
+              <a:rPr lang="de-DE" sz="1800" err="1" smtClean="0"/>
+              <a:t>salt</a:t>
+            </a:r>
+            <a:r>
+              <a:rPr lang="de-DE" sz="1800" smtClean="0"/>
+              <a:t> fast </a:t>
+            </a:r>
+            <a:r>
+              <a:rPr lang="de-DE" sz="1800" err="1" smtClean="0"/>
+              <a:t>reactor</a:t>
+            </a:r>
+            <a:r>
+              <a:rPr lang="de-DE" sz="1800" smtClean="0"/>
+              <a:t> </a:t>
+            </a:r>
+            <a:r>
+              <a:rPr lang="de-DE" sz="1800" err="1" smtClean="0"/>
+              <a:t>to</a:t>
+            </a:r>
+            <a:r>
+              <a:rPr lang="de-DE" sz="1800" smtClean="0"/>
+              <a:t> </a:t>
+            </a:r>
+            <a:r>
+              <a:rPr lang="de-DE" sz="1800" err="1" smtClean="0"/>
+              <a:t>apply</a:t>
+            </a:r>
+            <a:r>
+              <a:rPr lang="de-DE" sz="1800" smtClean="0"/>
+              <a:t> an </a:t>
+            </a:r>
+            <a:r>
+              <a:rPr lang="de-DE" sz="1800" err="1" smtClean="0"/>
+              <a:t>idealized</a:t>
+            </a:r>
+            <a:r>
+              <a:rPr lang="de-DE" sz="1800" smtClean="0"/>
+              <a:t> </a:t>
+            </a:r>
+            <a:r>
+              <a:rPr lang="de-DE" sz="1800" err="1" smtClean="0"/>
+              <a:t>transmutation</a:t>
+            </a:r>
+            <a:r>
+              <a:rPr lang="de-DE" sz="1800" smtClean="0"/>
+              <a:t> </a:t>
+            </a:r>
+            <a:r>
+              <a:rPr lang="de-DE" sz="1800" err="1" smtClean="0"/>
+              <a:t>scenario</a:t>
+            </a:r>
+            <a:r>
+              <a:rPr lang="de-DE" sz="1800" smtClean="0"/>
+              <a:t> </a:t>
+            </a:r>
+            <a:r>
+              <a:rPr lang="de-DE" sz="1800" err="1" smtClean="0"/>
+              <a:t>for</a:t>
+            </a:r>
+            <a:r>
+              <a:rPr lang="de-DE" sz="1800" smtClean="0"/>
+              <a:t> </a:t>
+            </a:r>
+            <a:r>
+              <a:rPr lang="de-DE" sz="1800" err="1" smtClean="0"/>
+              <a:t>the</a:t>
+            </a:r>
+            <a:r>
+              <a:rPr lang="de-DE" sz="1800" smtClean="0"/>
+              <a:t> </a:t>
+            </a:r>
+            <a:r>
+              <a:rPr lang="de-DE" sz="1800" err="1" smtClean="0"/>
+              <a:t>nuclear</a:t>
+            </a:r>
+            <a:r>
+              <a:rPr lang="de-DE" sz="1800" smtClean="0"/>
+              <a:t> </a:t>
+            </a:r>
+            <a:r>
+              <a:rPr lang="de-DE" sz="1800" err="1" smtClean="0"/>
+              <a:t>phase</a:t>
+            </a:r>
+            <a:r>
+              <a:rPr lang="de-DE" sz="1800" smtClean="0"/>
+              <a:t> out." In: </a:t>
+            </a:r>
+            <a:r>
+              <a:rPr lang="de-DE" sz="1800" err="1" smtClean="0"/>
+              <a:t>PloS</a:t>
+            </a:r>
+            <a:r>
+              <a:rPr lang="de-DE" sz="1800" smtClean="0"/>
+              <a:t> </a:t>
+            </a:r>
+            <a:r>
+              <a:rPr lang="de-DE" sz="1800" err="1" smtClean="0"/>
+              <a:t>one</a:t>
+            </a:r>
+            <a:r>
+              <a:rPr lang="de-DE" sz="1800" smtClean="0"/>
+              <a:t> 9.4 (2014): e92776.</a:t>
+            </a:r>
+          </a:p>
+          <a:p>
+            <a:pPr>
+              <a:buNone/>
+            </a:pPr>
+            <a:r>
+              <a:rPr lang="de-DE" sz="1800" smtClean="0"/>
+              <a:t>[6] </a:t>
             </a:r>
             <a:r>
               <a:rPr lang="de-DE" sz="1800" smtClean="0">
                 <a:hlinkClick r:id="rId2"/>
               </a:rPr>
-              <a:t>http://myrrha.sckcen.be/en/</a:t>
+              <a:t>https://www.welt.de/img/wissenschaft/mobile101678711/1752509087-ci102l-w1024/fp-atom-teaser2-DW-Kultur-Juelich-jpg.jpg</a:t>
             </a:r>
             <a:endParaRPr lang="de-DE" sz="1800" smtClean="0"/>
           </a:p>
@@ -15139,7 +18037,63 @@
             </a:pPr>
             <a:r>
               <a:rPr lang="de-DE" sz="1800" smtClean="0"/>
-              <a:t>[10] Smidt, Dieter. Reaktor-Sicherheitstechnik: Sicherheitssysteme und Störfallanalyse für Leichtwasserreaktoren und schnelle Brüter. Springer-Verlag, 2013.</a:t>
+              <a:t>[7] </a:t>
+            </a:r>
+            <a:r>
+              <a:rPr lang="de-DE" sz="1800" err="1" smtClean="0"/>
+              <a:t>Malmbeck</a:t>
+            </a:r>
+            <a:r>
+              <a:rPr lang="de-DE" sz="1800" smtClean="0"/>
+              <a:t>, R., et al. "</a:t>
+            </a:r>
+            <a:r>
+              <a:rPr lang="de-DE" sz="1800" err="1" smtClean="0"/>
+              <a:t>Advanced</a:t>
+            </a:r>
+            <a:r>
+              <a:rPr lang="de-DE" sz="1800" smtClean="0"/>
+              <a:t> </a:t>
+            </a:r>
+            <a:r>
+              <a:rPr lang="de-DE" sz="1800" err="1" smtClean="0"/>
+              <a:t>fuel</a:t>
+            </a:r>
+            <a:r>
+              <a:rPr lang="de-DE" sz="1800" smtClean="0"/>
+              <a:t> </a:t>
+            </a:r>
+            <a:r>
+              <a:rPr lang="de-DE" sz="1800" err="1" smtClean="0"/>
+              <a:t>cycle</a:t>
+            </a:r>
+            <a:r>
+              <a:rPr lang="de-DE" sz="1800" smtClean="0"/>
+              <a:t> </a:t>
+            </a:r>
+            <a:r>
+              <a:rPr lang="de-DE" sz="1800" err="1" smtClean="0"/>
+              <a:t>options</a:t>
+            </a:r>
+            <a:r>
+              <a:rPr lang="de-DE" sz="1800" smtClean="0"/>
+              <a:t>." </a:t>
+            </a:r>
+            <a:r>
+              <a:rPr lang="de-DE" sz="1800" err="1" smtClean="0"/>
+              <a:t>Energy</a:t>
+            </a:r>
+            <a:r>
+              <a:rPr lang="de-DE" sz="1800" smtClean="0"/>
+              <a:t> </a:t>
+            </a:r>
+            <a:r>
+              <a:rPr lang="de-DE" sz="1800" err="1" smtClean="0"/>
+              <a:t>Procedia</a:t>
+            </a:r>
+            <a:r>
+              <a:rPr lang="de-DE" sz="1800" smtClean="0"/>
+              <a:t> 7 (2011): 93-102.</a:t>
             </a:r>
           </a:p>
           <a:p>
@@ -15148,175 +18102,15 @@
             </a:pPr>
             <a:r>
               <a:rPr lang="de-DE" sz="1800" smtClean="0"/>
-              <a:t>[11] </a:t>
+              <a:t>[8] </a:t>
             </a:r>
             <a:r>
               <a:rPr lang="de-DE" sz="1800" smtClean="0">
                 <a:hlinkClick r:id="rId3"/>
               </a:rPr>
-              <a:t>https://www.j-parc.jp/Transmutation/en/index.html</a:t>
+              <a:t>http://francis.naukas.com/2010/08/11/el-ascenso-y-la-caida-del-rubbiatron-en-zaragoza-laesa-y-el-acelerador-de-energia-propuesto-por-carlo-rubbia/</a:t>
             </a:r>
             <a:endParaRPr lang="de-DE" sz="1800" smtClean="0"/>
-          </a:p>
-          <a:p>
-            <a:pPr>
-              <a:buNone/>
-            </a:pPr>
-            <a:r>
-              <a:rPr lang="de-DE" sz="1800" smtClean="0"/>
-              <a:t>[12] </a:t>
-            </a:r>
-            <a:r>
-              <a:rPr lang="de-DE" sz="1800" smtClean="0">
-                <a:hlinkClick r:id="rId4"/>
-              </a:rPr>
-              <a:t>https://www.gen-4.org/gif/jcms/c_59461/generation-iv-systems</a:t>
-            </a:r>
-            <a:endParaRPr lang="de-DE" sz="1800" smtClean="0"/>
-          </a:p>
-          <a:p>
-            <a:pPr>
-              <a:buNone/>
-            </a:pPr>
-            <a:r>
-              <a:rPr lang="de-DE" sz="1800" smtClean="0"/>
-              <a:t>[13] </a:t>
-            </a:r>
-            <a:r>
-              <a:rPr lang="de-DE" sz="1800" smtClean="0">
-                <a:hlinkClick r:id="rId5"/>
-              </a:rPr>
-              <a:t>http://www.nndc.bnl.gov/nudat2/</a:t>
-            </a:r>
-            <a:endParaRPr lang="de-DE" sz="1800" smtClean="0"/>
-          </a:p>
-          <a:p>
-            <a:pPr>
-              <a:buNone/>
-            </a:pPr>
-            <a:r>
-              <a:rPr lang="de-DE" sz="1800" smtClean="0"/>
-              <a:t>[14] </a:t>
-            </a:r>
-            <a:r>
-              <a:rPr lang="de-DE" sz="1800" err="1" smtClean="0"/>
-              <a:t>Bowman</a:t>
-            </a:r>
-            <a:r>
-              <a:rPr lang="de-DE" sz="1800" smtClean="0"/>
-              <a:t>, Charles D. "</a:t>
-            </a:r>
-            <a:r>
-              <a:rPr lang="de-DE" sz="1800" err="1" smtClean="0"/>
-              <a:t>Accelerator-driven</a:t>
-            </a:r>
-            <a:r>
-              <a:rPr lang="de-DE" sz="1800" smtClean="0"/>
-              <a:t> </a:t>
-            </a:r>
-            <a:r>
-              <a:rPr lang="de-DE" sz="1800" err="1" smtClean="0"/>
-              <a:t>systems</a:t>
-            </a:r>
-            <a:r>
-              <a:rPr lang="de-DE" sz="1800" smtClean="0"/>
-              <a:t> </a:t>
-            </a:r>
-            <a:r>
-              <a:rPr lang="de-DE" sz="1800" err="1" smtClean="0"/>
-              <a:t>for</a:t>
-            </a:r>
-            <a:r>
-              <a:rPr lang="de-DE" sz="1800" smtClean="0"/>
-              <a:t> </a:t>
-            </a:r>
-            <a:r>
-              <a:rPr lang="de-DE" sz="1800" err="1" smtClean="0"/>
-              <a:t>nuclear</a:t>
-            </a:r>
-            <a:r>
-              <a:rPr lang="de-DE" sz="1800" smtClean="0"/>
-              <a:t> </a:t>
-            </a:r>
-            <a:r>
-              <a:rPr lang="de-DE" sz="1800" err="1" smtClean="0"/>
-              <a:t>waste</a:t>
-            </a:r>
-            <a:r>
-              <a:rPr lang="de-DE" sz="1800" smtClean="0"/>
-              <a:t> </a:t>
-            </a:r>
-            <a:r>
-              <a:rPr lang="de-DE" sz="1800" err="1" smtClean="0"/>
-              <a:t>transmutation</a:t>
-            </a:r>
-            <a:r>
-              <a:rPr lang="de-DE" sz="1800" smtClean="0"/>
-              <a:t>." Annual Review </a:t>
-            </a:r>
-            <a:r>
-              <a:rPr lang="de-DE" sz="1800" err="1" smtClean="0"/>
-              <a:t>of</a:t>
-            </a:r>
-            <a:r>
-              <a:rPr lang="de-DE" sz="1800" smtClean="0"/>
-              <a:t> </a:t>
-            </a:r>
-            <a:r>
-              <a:rPr lang="de-DE" sz="1800" err="1" smtClean="0"/>
-              <a:t>Nuclear</a:t>
-            </a:r>
-            <a:r>
-              <a:rPr lang="de-DE" sz="1800" smtClean="0"/>
-              <a:t> </a:t>
-            </a:r>
-            <a:r>
-              <a:rPr lang="de-DE" sz="1800" err="1" smtClean="0"/>
-              <a:t>and</a:t>
-            </a:r>
-            <a:r>
-              <a:rPr lang="de-DE" sz="1800" smtClean="0"/>
-              <a:t> </a:t>
-            </a:r>
-            <a:r>
-              <a:rPr lang="de-DE" sz="1800" err="1" smtClean="0"/>
-              <a:t>Particle</a:t>
-            </a:r>
-            <a:r>
-              <a:rPr lang="de-DE" sz="1800" smtClean="0"/>
-              <a:t> Science 48.1 (1998): 505-556.</a:t>
-            </a:r>
-          </a:p>
-          <a:p>
-            <a:pPr>
-              <a:buNone/>
-            </a:pPr>
-            <a:r>
-              <a:rPr lang="de-DE" sz="1800" smtClean="0"/>
-              <a:t>[15] </a:t>
-            </a:r>
-            <a:r>
-              <a:rPr lang="de-DE" sz="1800" err="1" smtClean="0"/>
-              <a:t>Nünighoff</a:t>
-            </a:r>
-            <a:r>
-              <a:rPr lang="de-DE" sz="1800" smtClean="0"/>
-              <a:t>, Kay. Sicherheitstechnik im Wandel nuklearer Systeme: Strahlenschutz bei </a:t>
-            </a:r>
-            <a:r>
-              <a:rPr lang="de-DE" sz="1800" err="1" smtClean="0"/>
-              <a:t>Spallationsneutronenquellen</a:t>
-            </a:r>
-            <a:r>
-              <a:rPr lang="de-DE" sz="1800" smtClean="0"/>
-              <a:t> und Transmutationsanlagen. Vol. 40. Forschungszentrum Jülich, 2009.</a:t>
-            </a:r>
-          </a:p>
-          <a:p>
-            <a:pPr>
-              <a:buNone/>
-            </a:pPr>
-            <a:endParaRPr lang="de-DE" sz="1800"/>
           </a:p>
         </p:txBody>
       </p:sp>
@@ -15384,7 +18178,405 @@
             <a:fld id="{1A73E011-4CD9-4D05-A24A-32BCD9CDCEE7}" type="slidenum">
               <a:rPr lang="de-DE" smtClean="0"/>
               <a:pPr/>
-              <a:t>21</a:t>
+              <a:t>24</a:t>
+            </a:fld>
+            <a:endParaRPr lang="de-DE"/>
+          </a:p>
+        </p:txBody>
+      </p:sp>
+      <p:sp>
+        <p:nvSpPr>
+          <p:cNvPr id="7" name="Titel 1"/>
+          <p:cNvSpPr txBox="1">
+            <a:spLocks/>
+          </p:cNvSpPr>
+          <p:nvPr/>
+        </p:nvSpPr>
+        <p:spPr>
+          <a:xfrm>
+            <a:off x="467544" y="620688"/>
+            <a:ext cx="8229600" cy="1143000"/>
+          </a:xfrm>
+          <a:prstGeom prst="rect">
+            <a:avLst/>
+          </a:prstGeom>
+        </p:spPr>
+        <p:txBody>
+          <a:bodyPr/>
+          <a:lstStyle/>
+          <a:p>
+            <a:pPr marL="0" marR="0" lvl="0" indent="0" algn="ctr" defTabSz="914400" rtl="0" eaLnBrk="1" fontAlgn="auto" latinLnBrk="0" hangingPunct="1">
+              <a:lnSpc>
+                <a:spcPct val="100000"/>
+              </a:lnSpc>
+              <a:spcBef>
+                <a:spcPct val="0"/>
+              </a:spcBef>
+              <a:spcAft>
+                <a:spcPts val="0"/>
+              </a:spcAft>
+              <a:buClrTx/>
+              <a:buSzTx/>
+              <a:buFontTx/>
+              <a:buNone/>
+              <a:tabLst/>
+              <a:defRPr/>
+            </a:pPr>
+            <a:r>
+              <a:rPr kumimoji="0" lang="de-DE" sz="4400" b="0" i="0" u="none" strike="noStrike" kern="1200" cap="none" spc="0" normalizeH="0" baseline="0" noProof="0" smtClean="0">
+                <a:ln>
+                  <a:noFill/>
+                </a:ln>
+                <a:solidFill>
+                  <a:schemeClr val="tx1"/>
+                </a:solidFill>
+                <a:effectLst/>
+                <a:uLnTx/>
+                <a:uFillTx/>
+                <a:latin typeface="Adobe Arabic" pitchFamily="18" charset="-78"/>
+                <a:ea typeface="+mj-ea"/>
+                <a:cs typeface="Adobe Arabic" pitchFamily="18" charset="-78"/>
+              </a:rPr>
+              <a:t>Quellen</a:t>
+            </a:r>
+            <a:endParaRPr kumimoji="0" lang="de-DE" sz="4400" b="0" i="0" u="none" strike="noStrike" kern="1200" cap="none" spc="0" normalizeH="0" baseline="0" noProof="0">
+              <a:ln>
+                <a:noFill/>
+              </a:ln>
+              <a:solidFill>
+                <a:schemeClr val="tx1"/>
+              </a:solidFill>
+              <a:effectLst/>
+              <a:uLnTx/>
+              <a:uFillTx/>
+              <a:latin typeface="Adobe Arabic" pitchFamily="18" charset="-78"/>
+              <a:ea typeface="+mj-ea"/>
+              <a:cs typeface="Adobe Arabic" pitchFamily="18" charset="-78"/>
+            </a:endParaRPr>
+          </a:p>
+        </p:txBody>
+      </p:sp>
+    </p:spTree>
+  </p:cSld>
+  <p:clrMapOvr>
+    <a:masterClrMapping/>
+  </p:clrMapOvr>
+  <p:timing>
+    <p:tnLst>
+      <p:par>
+        <p:cTn id="1" dur="indefinite" restart="never" nodeType="tmRoot"/>
+      </p:par>
+    </p:tnLst>
+  </p:timing>
+</p:sld>
+</file>
+
+<file path=ppt/slides/slide25.xml><?xml version="1.0" encoding="utf-8"?>
+<p:sld xmlns:a="http://schemas.openxmlformats.org/drawingml/2006/main" xmlns:r="http://schemas.openxmlformats.org/officeDocument/2006/relationships" xmlns:p="http://schemas.openxmlformats.org/presentationml/2006/main">
+  <p:cSld>
+    <p:spTree>
+      <p:nvGrpSpPr>
+        <p:cNvPr id="1" name=""/>
+        <p:cNvGrpSpPr/>
+        <p:nvPr/>
+      </p:nvGrpSpPr>
+      <p:grpSpPr>
+        <a:xfrm>
+          <a:off x="0" y="0"/>
+          <a:ext cx="0" cy="0"/>
+          <a:chOff x="0" y="0"/>
+          <a:chExt cx="0" cy="0"/>
+        </a:xfrm>
+      </p:grpSpPr>
+      <p:sp>
+        <p:nvSpPr>
+          <p:cNvPr id="2" name="Inhaltsplatzhalter 1"/>
+          <p:cNvSpPr>
+            <a:spLocks noGrp="1"/>
+          </p:cNvSpPr>
+          <p:nvPr>
+            <p:ph idx="1"/>
+          </p:nvPr>
+        </p:nvSpPr>
+        <p:spPr>
+          <a:xfrm>
+            <a:off x="251520" y="1379909"/>
+            <a:ext cx="8445624" cy="5145435"/>
+          </a:xfrm>
+        </p:spPr>
+        <p:txBody>
+          <a:bodyPr>
+            <a:normAutofit/>
+          </a:bodyPr>
+          <a:lstStyle/>
+          <a:p>
+            <a:pPr>
+              <a:buNone/>
+            </a:pPr>
+            <a:r>
+              <a:rPr lang="de-DE" sz="1800" smtClean="0"/>
+              <a:t>[9]   </a:t>
+            </a:r>
+            <a:r>
+              <a:rPr lang="de-DE" sz="1800" smtClean="0">
+                <a:hlinkClick r:id="rId2"/>
+              </a:rPr>
+              <a:t>http://myrrha.sckcen.be/en/</a:t>
+            </a:r>
+            <a:endParaRPr lang="de-DE" sz="1800" smtClean="0"/>
+          </a:p>
+          <a:p>
+            <a:pPr>
+              <a:buNone/>
+            </a:pPr>
+            <a:r>
+              <a:rPr lang="de-DE" sz="1800" smtClean="0"/>
+              <a:t>[10] Smidt, Dieter. Reaktor-Sicherheitstechnik: Sicherheitssysteme und Störfallanalyse für Leichtwasserreaktoren und schnelle Brüter. Springer-Verlag, 2013.</a:t>
+            </a:r>
+          </a:p>
+          <a:p>
+            <a:pPr>
+              <a:buNone/>
+            </a:pPr>
+            <a:r>
+              <a:rPr lang="de-DE" sz="1800" smtClean="0"/>
+              <a:t>[11] </a:t>
+            </a:r>
+            <a:r>
+              <a:rPr lang="de-DE" sz="1800" smtClean="0">
+                <a:hlinkClick r:id="rId3"/>
+              </a:rPr>
+              <a:t>https://www.j-parc.jp/Transmutation/en/index.html</a:t>
+            </a:r>
+            <a:endParaRPr lang="de-DE" sz="1800" smtClean="0"/>
+          </a:p>
+          <a:p>
+            <a:pPr>
+              <a:buNone/>
+            </a:pPr>
+            <a:r>
+              <a:rPr lang="de-DE" sz="1800" smtClean="0"/>
+              <a:t>[12] </a:t>
+            </a:r>
+            <a:r>
+              <a:rPr lang="de-DE" sz="1800" smtClean="0">
+                <a:hlinkClick r:id="rId4"/>
+              </a:rPr>
+              <a:t>https://www.gen-4.org/gif/jcms/c_59461/generation-iv-systems</a:t>
+            </a:r>
+            <a:endParaRPr lang="de-DE" sz="1800" smtClean="0"/>
+          </a:p>
+          <a:p>
+            <a:pPr>
+              <a:buNone/>
+            </a:pPr>
+            <a:r>
+              <a:rPr lang="de-DE" sz="1800" smtClean="0"/>
+              <a:t>[13] </a:t>
+            </a:r>
+            <a:r>
+              <a:rPr lang="de-DE" sz="1800" smtClean="0">
+                <a:hlinkClick r:id="rId5"/>
+              </a:rPr>
+              <a:t>http://www.nndc.bnl.gov/nudat2/</a:t>
+            </a:r>
+            <a:endParaRPr lang="de-DE" sz="1800" smtClean="0"/>
+          </a:p>
+          <a:p>
+            <a:pPr>
+              <a:buNone/>
+            </a:pPr>
+            <a:r>
+              <a:rPr lang="de-DE" sz="1800" smtClean="0"/>
+              <a:t>[14] </a:t>
+            </a:r>
+            <a:r>
+              <a:rPr lang="de-DE" sz="1800" err="1" smtClean="0"/>
+              <a:t>Bowman</a:t>
+            </a:r>
+            <a:r>
+              <a:rPr lang="de-DE" sz="1800" smtClean="0"/>
+              <a:t>, Charles D. "</a:t>
+            </a:r>
+            <a:r>
+              <a:rPr lang="de-DE" sz="1800" err="1" smtClean="0"/>
+              <a:t>Accelerator-driven</a:t>
+            </a:r>
+            <a:r>
+              <a:rPr lang="de-DE" sz="1800" smtClean="0"/>
+              <a:t> </a:t>
+            </a:r>
+            <a:r>
+              <a:rPr lang="de-DE" sz="1800" err="1" smtClean="0"/>
+              <a:t>systems</a:t>
+            </a:r>
+            <a:r>
+              <a:rPr lang="de-DE" sz="1800" smtClean="0"/>
+              <a:t> </a:t>
+            </a:r>
+            <a:r>
+              <a:rPr lang="de-DE" sz="1800" err="1" smtClean="0"/>
+              <a:t>for</a:t>
+            </a:r>
+            <a:r>
+              <a:rPr lang="de-DE" sz="1800" smtClean="0"/>
+              <a:t> </a:t>
+            </a:r>
+            <a:r>
+              <a:rPr lang="de-DE" sz="1800" err="1" smtClean="0"/>
+              <a:t>nuclear</a:t>
+            </a:r>
+            <a:r>
+              <a:rPr lang="de-DE" sz="1800" smtClean="0"/>
+              <a:t> </a:t>
+            </a:r>
+            <a:r>
+              <a:rPr lang="de-DE" sz="1800" err="1" smtClean="0"/>
+              <a:t>waste</a:t>
+            </a:r>
+            <a:r>
+              <a:rPr lang="de-DE" sz="1800" smtClean="0"/>
+              <a:t> </a:t>
+            </a:r>
+            <a:r>
+              <a:rPr lang="de-DE" sz="1800" err="1" smtClean="0"/>
+              <a:t>transmutation</a:t>
+            </a:r>
+            <a:r>
+              <a:rPr lang="de-DE" sz="1800" smtClean="0"/>
+              <a:t>." Annual Review </a:t>
+            </a:r>
+            <a:r>
+              <a:rPr lang="de-DE" sz="1800" err="1" smtClean="0"/>
+              <a:t>of</a:t>
+            </a:r>
+            <a:r>
+              <a:rPr lang="de-DE" sz="1800" smtClean="0"/>
+              <a:t> </a:t>
+            </a:r>
+            <a:r>
+              <a:rPr lang="de-DE" sz="1800" err="1" smtClean="0"/>
+              <a:t>Nuclear</a:t>
+            </a:r>
+            <a:r>
+              <a:rPr lang="de-DE" sz="1800" smtClean="0"/>
+              <a:t> </a:t>
+            </a:r>
+            <a:r>
+              <a:rPr lang="de-DE" sz="1800" err="1" smtClean="0"/>
+              <a:t>and</a:t>
+            </a:r>
+            <a:r>
+              <a:rPr lang="de-DE" sz="1800" smtClean="0"/>
+              <a:t> </a:t>
+            </a:r>
+            <a:r>
+              <a:rPr lang="de-DE" sz="1800" err="1" smtClean="0"/>
+              <a:t>Particle</a:t>
+            </a:r>
+            <a:r>
+              <a:rPr lang="de-DE" sz="1800" smtClean="0"/>
+              <a:t> Science 48.1 (1998): 505-556.</a:t>
+            </a:r>
+          </a:p>
+          <a:p>
+            <a:pPr>
+              <a:buNone/>
+            </a:pPr>
+            <a:r>
+              <a:rPr lang="de-DE" sz="1800" smtClean="0"/>
+              <a:t>[15] </a:t>
+            </a:r>
+            <a:r>
+              <a:rPr lang="de-DE" sz="1800" err="1" smtClean="0"/>
+              <a:t>Nünighoff</a:t>
+            </a:r>
+            <a:r>
+              <a:rPr lang="de-DE" sz="1800" smtClean="0"/>
+              <a:t>, Kay. Sicherheitstechnik im Wandel nuklearer Systeme: Strahlenschutz bei </a:t>
+            </a:r>
+            <a:r>
+              <a:rPr lang="de-DE" sz="1800" err="1" smtClean="0"/>
+              <a:t>Spallationsneutronenquellen</a:t>
+            </a:r>
+            <a:r>
+              <a:rPr lang="de-DE" sz="1800" smtClean="0"/>
+              <a:t> und Transmutationsanlagen. Vol. 40. Forschungszentrum Jülich, 2009.</a:t>
+            </a:r>
+          </a:p>
+          <a:p>
+            <a:pPr>
+              <a:buNone/>
+            </a:pPr>
+            <a:endParaRPr lang="de-DE" sz="1800"/>
+          </a:p>
+        </p:txBody>
+      </p:sp>
+      <p:sp>
+        <p:nvSpPr>
+          <p:cNvPr id="3" name="Datumsplatzhalter 2"/>
+          <p:cNvSpPr>
+            <a:spLocks noGrp="1"/>
+          </p:cNvSpPr>
+          <p:nvPr>
+            <p:ph type="dt" sz="half" idx="10"/>
+          </p:nvPr>
+        </p:nvSpPr>
+        <p:spPr/>
+        <p:txBody>
+          <a:bodyPr/>
+          <a:lstStyle/>
+          <a:p>
+            <a:r>
+              <a:rPr lang="de-DE" smtClean="0"/>
+              <a:t>27.01.2017</a:t>
+            </a:r>
+            <a:endParaRPr lang="de-DE"/>
+          </a:p>
+        </p:txBody>
+      </p:sp>
+      <p:sp>
+        <p:nvSpPr>
+          <p:cNvPr id="4" name="Fußzeilenplatzhalter 3"/>
+          <p:cNvSpPr>
+            <a:spLocks noGrp="1"/>
+          </p:cNvSpPr>
+          <p:nvPr>
+            <p:ph type="ftr" sz="quarter" idx="11"/>
+          </p:nvPr>
+        </p:nvSpPr>
+        <p:spPr/>
+        <p:txBody>
+          <a:bodyPr/>
+          <a:lstStyle/>
+          <a:p>
+            <a:r>
+              <a:rPr lang="de-DE" smtClean="0"/>
+              <a:t>Transmutation – Matthias Jaeger</a:t>
+            </a:r>
+            <a:endParaRPr lang="de-DE"/>
+          </a:p>
+        </p:txBody>
+      </p:sp>
+      <p:sp>
+        <p:nvSpPr>
+          <p:cNvPr id="5" name="Foliennummernplatzhalter 4"/>
+          <p:cNvSpPr>
+            <a:spLocks noGrp="1"/>
+          </p:cNvSpPr>
+          <p:nvPr>
+            <p:ph type="sldNum" sz="quarter" idx="12"/>
+          </p:nvPr>
+        </p:nvSpPr>
+        <p:spPr/>
+        <p:txBody>
+          <a:bodyPr/>
+          <a:lstStyle/>
+          <a:p>
+            <a:fld id="{1A73E011-4CD9-4D05-A24A-32BCD9CDCEE7}" type="slidenum">
+              <a:rPr lang="de-DE" smtClean="0"/>
+              <a:pPr/>
+              <a:t>25</a:t>
             </a:fld>
             <a:endParaRPr lang="de-DE"/>
           </a:p>
@@ -16727,11 +19919,11 @@
   <p:clrMapOvr>
     <a:masterClrMapping/>
   </p:clrMapOvr>
-  <mc:AlternateContent xmlns:mc="http://schemas.openxmlformats.org/markup-compatibility/2006">
-    <mc:Choice xmlns:p14="http://schemas.microsoft.com/office/powerpoint/2010/main" xmlns="" Requires="p14">
+  <mc:AlternateContent xmlns:mc="http://schemas.openxmlformats.org/markup-compatibility/2006" xmlns:p14="http://schemas.microsoft.com/office/powerpoint/2010/main">
+    <mc:Choice Requires="p14">
       <p:transition spd="slow" p14:dur="2000"/>
     </mc:Choice>
-    <mc:Fallback>
+    <mc:Fallback xmlns="">
       <p:transition spd="slow"/>
     </mc:Fallback>
   </mc:AlternateContent>
@@ -18225,7 +21417,7 @@
     </p:spTree>
     <p:extLst>
       <p:ext uri="{BB962C8B-B14F-4D97-AF65-F5344CB8AC3E}">
-        <p14:creationId xmlns:p14="http://schemas.microsoft.com/office/powerpoint/2010/main" xmlns="" val="2860399129"/>
+        <p14:creationId xmlns:p14="http://schemas.microsoft.com/office/powerpoint/2010/main" val="2860399129"/>
       </p:ext>
     </p:extLst>
   </p:cSld>
@@ -18900,7 +22092,7 @@
           <a:blip r:embed="rId3" cstate="print">
             <a:extLst>
               <a:ext uri="{28A0092B-C50C-407E-A947-70E740481C1C}">
-                <a14:useLocalDpi xmlns:a14="http://schemas.microsoft.com/office/drawing/2010/main" xmlns="" val="0"/>
+                <a14:useLocalDpi xmlns:a14="http://schemas.microsoft.com/office/drawing/2010/main" val="0"/>
               </a:ext>
             </a:extLst>
           </a:blip>
@@ -18923,14 +22115,14 @@
           </a:ln>
           <a:extLst>
             <a:ext uri="{909E8E84-426E-40DD-AFC4-6F175D3DCCD1}">
-              <a14:hiddenFill xmlns:a14="http://schemas.microsoft.com/office/drawing/2010/main" xmlns="">
+              <a14:hiddenFill xmlns:a14="http://schemas.microsoft.com/office/drawing/2010/main">
                 <a:solidFill>
                   <a:schemeClr val="accent1"/>
                 </a:solidFill>
               </a14:hiddenFill>
             </a:ext>
             <a:ext uri="{91240B29-F687-4F45-9708-019B960494DF}">
-              <a14:hiddenLine xmlns:a14="http://schemas.microsoft.com/office/drawing/2010/main" xmlns="" w="9525">
+              <a14:hiddenLine xmlns:a14="http://schemas.microsoft.com/office/drawing/2010/main" w="9525">
                 <a:solidFill>
                   <a:schemeClr val="tx1"/>
                 </a:solidFill>
@@ -18954,7 +22146,7 @@
           <a:blip r:embed="rId4" cstate="print">
             <a:extLst>
               <a:ext uri="{28A0092B-C50C-407E-A947-70E740481C1C}">
-                <a14:useLocalDpi xmlns:a14="http://schemas.microsoft.com/office/drawing/2010/main" xmlns="" val="0"/>
+                <a14:useLocalDpi xmlns:a14="http://schemas.microsoft.com/office/drawing/2010/main" val="0"/>
               </a:ext>
             </a:extLst>
           </a:blip>
@@ -18977,14 +22169,14 @@
           </a:ln>
           <a:extLst>
             <a:ext uri="{909E8E84-426E-40DD-AFC4-6F175D3DCCD1}">
-              <a14:hiddenFill xmlns:a14="http://schemas.microsoft.com/office/drawing/2010/main" xmlns="">
+              <a14:hiddenFill xmlns:a14="http://schemas.microsoft.com/office/drawing/2010/main">
                 <a:solidFill>
                   <a:schemeClr val="accent1"/>
                 </a:solidFill>
               </a14:hiddenFill>
             </a:ext>
             <a:ext uri="{91240B29-F687-4F45-9708-019B960494DF}">
-              <a14:hiddenLine xmlns:a14="http://schemas.microsoft.com/office/drawing/2010/main" xmlns="" w="9525">
+              <a14:hiddenLine xmlns:a14="http://schemas.microsoft.com/office/drawing/2010/main" w="9525">
                 <a:solidFill>
                   <a:schemeClr val="tx1"/>
                 </a:solidFill>
@@ -18999,7 +22191,7 @@
     </p:spTree>
     <p:extLst>
       <p:ext uri="{BB962C8B-B14F-4D97-AF65-F5344CB8AC3E}">
-        <p14:creationId xmlns:p14="http://schemas.microsoft.com/office/powerpoint/2010/main" xmlns="" val="2635250499"/>
+        <p14:creationId xmlns:p14="http://schemas.microsoft.com/office/powerpoint/2010/main" val="2635250499"/>
       </p:ext>
     </p:extLst>
   </p:cSld>
@@ -19045,7 +22237,7 @@
           <a:blip r:embed="rId3" cstate="print">
             <a:extLst>
               <a:ext uri="{28A0092B-C50C-407E-A947-70E740481C1C}">
-                <a14:useLocalDpi xmlns:a14="http://schemas.microsoft.com/office/drawing/2010/main" xmlns="" val="0"/>
+                <a14:useLocalDpi xmlns:a14="http://schemas.microsoft.com/office/drawing/2010/main" val="0"/>
               </a:ext>
             </a:extLst>
           </a:blip>
@@ -19068,14 +22260,14 @@
           </a:ln>
           <a:extLst>
             <a:ext uri="{909E8E84-426E-40DD-AFC4-6F175D3DCCD1}">
-              <a14:hiddenFill xmlns:a14="http://schemas.microsoft.com/office/drawing/2010/main" xmlns="">
+              <a14:hiddenFill xmlns:a14="http://schemas.microsoft.com/office/drawing/2010/main">
                 <a:solidFill>
                   <a:schemeClr val="accent1"/>
                 </a:solidFill>
               </a14:hiddenFill>
             </a:ext>
             <a:ext uri="{91240B29-F687-4F45-9708-019B960494DF}">
-              <a14:hiddenLine xmlns:a14="http://schemas.microsoft.com/office/drawing/2010/main" xmlns="" w="9525">
+              <a14:hiddenLine xmlns:a14="http://schemas.microsoft.com/office/drawing/2010/main" w="9525">
                 <a:solidFill>
                   <a:schemeClr val="tx1"/>
                 </a:solidFill>
@@ -19332,7 +22524,7 @@
           <a:blip r:embed="rId4" cstate="print">
             <a:extLst>
               <a:ext uri="{28A0092B-C50C-407E-A947-70E740481C1C}">
-                <a14:useLocalDpi xmlns:a14="http://schemas.microsoft.com/office/drawing/2010/main" xmlns="" val="0"/>
+                <a14:useLocalDpi xmlns:a14="http://schemas.microsoft.com/office/drawing/2010/main" val="0"/>
               </a:ext>
             </a:extLst>
           </a:blip>
@@ -19356,14 +22548,14 @@
           <a:effectLst/>
           <a:extLst>
             <a:ext uri="{909E8E84-426E-40DD-AFC4-6F175D3DCCD1}">
-              <a14:hiddenFill xmlns:a14="http://schemas.microsoft.com/office/drawing/2010/main" xmlns="">
+              <a14:hiddenFill xmlns:a14="http://schemas.microsoft.com/office/drawing/2010/main">
                 <a:solidFill>
                   <a:schemeClr val="accent1"/>
                 </a:solidFill>
               </a14:hiddenFill>
             </a:ext>
             <a:ext uri="{91240B29-F687-4F45-9708-019B960494DF}">
-              <a14:hiddenLine xmlns:a14="http://schemas.microsoft.com/office/drawing/2010/main" xmlns="" w="9525">
+              <a14:hiddenLine xmlns:a14="http://schemas.microsoft.com/office/drawing/2010/main" w="9525">
                 <a:solidFill>
                   <a:schemeClr val="tx1"/>
                 </a:solidFill>
@@ -19373,7 +22565,7 @@
               </a14:hiddenLine>
             </a:ext>
             <a:ext uri="{AF507438-7753-43E0-B8FC-AC1667EBCBE1}">
-              <a14:hiddenEffects xmlns:a14="http://schemas.microsoft.com/office/drawing/2010/main" xmlns="">
+              <a14:hiddenEffects xmlns:a14="http://schemas.microsoft.com/office/drawing/2010/main">
                 <a:effectLst>
                   <a:outerShdw dist="35921" dir="2700000" algn="ctr" rotWithShape="0">
                     <a:schemeClr val="bg2"/>
@@ -19396,7 +22588,7 @@
           <a:blip r:embed="rId5" cstate="print">
             <a:extLst>
               <a:ext uri="{28A0092B-C50C-407E-A947-70E740481C1C}">
-                <a14:useLocalDpi xmlns:a14="http://schemas.microsoft.com/office/drawing/2010/main" xmlns="" val="0"/>
+                <a14:useLocalDpi xmlns:a14="http://schemas.microsoft.com/office/drawing/2010/main" val="0"/>
               </a:ext>
             </a:extLst>
           </a:blip>
@@ -19419,14 +22611,14 @@
           </a:ln>
           <a:extLst>
             <a:ext uri="{909E8E84-426E-40DD-AFC4-6F175D3DCCD1}">
-              <a14:hiddenFill xmlns:a14="http://schemas.microsoft.com/office/drawing/2010/main" xmlns="">
+              <a14:hiddenFill xmlns:a14="http://schemas.microsoft.com/office/drawing/2010/main">
                 <a:solidFill>
                   <a:schemeClr val="accent1"/>
                 </a:solidFill>
               </a14:hiddenFill>
             </a:ext>
             <a:ext uri="{91240B29-F687-4F45-9708-019B960494DF}">
-              <a14:hiddenLine xmlns:a14="http://schemas.microsoft.com/office/drawing/2010/main" xmlns="" w="9525">
+              <a14:hiddenLine xmlns:a14="http://schemas.microsoft.com/office/drawing/2010/main" w="9525">
                 <a:solidFill>
                   <a:schemeClr val="tx1"/>
                 </a:solidFill>
@@ -19450,7 +22642,7 @@
           <a:blip r:embed="rId6" cstate="print">
             <a:extLst>
               <a:ext uri="{28A0092B-C50C-407E-A947-70E740481C1C}">
-                <a14:useLocalDpi xmlns:a14="http://schemas.microsoft.com/office/drawing/2010/main" xmlns="" val="0"/>
+                <a14:useLocalDpi xmlns:a14="http://schemas.microsoft.com/office/drawing/2010/main" val="0"/>
               </a:ext>
             </a:extLst>
           </a:blip>
@@ -19473,14 +22665,14 @@
           </a:ln>
           <a:extLst>
             <a:ext uri="{909E8E84-426E-40DD-AFC4-6F175D3DCCD1}">
-              <a14:hiddenFill xmlns:a14="http://schemas.microsoft.com/office/drawing/2010/main" xmlns="">
+              <a14:hiddenFill xmlns:a14="http://schemas.microsoft.com/office/drawing/2010/main">
                 <a:solidFill>
                   <a:schemeClr val="accent1"/>
                 </a:solidFill>
               </a14:hiddenFill>
             </a:ext>
             <a:ext uri="{91240B29-F687-4F45-9708-019B960494DF}">
-              <a14:hiddenLine xmlns:a14="http://schemas.microsoft.com/office/drawing/2010/main" xmlns="" w="9525">
+              <a14:hiddenLine xmlns:a14="http://schemas.microsoft.com/office/drawing/2010/main" w="9525">
                 <a:solidFill>
                   <a:schemeClr val="tx1"/>
                 </a:solidFill>
@@ -19504,7 +22696,7 @@
           <a:blip r:embed="rId7" cstate="print">
             <a:extLst>
               <a:ext uri="{28A0092B-C50C-407E-A947-70E740481C1C}">
-                <a14:useLocalDpi xmlns:a14="http://schemas.microsoft.com/office/drawing/2010/main" xmlns="" val="0"/>
+                <a14:useLocalDpi xmlns:a14="http://schemas.microsoft.com/office/drawing/2010/main" val="0"/>
               </a:ext>
             </a:extLst>
           </a:blip>
@@ -19527,14 +22719,14 @@
           </a:ln>
           <a:extLst>
             <a:ext uri="{909E8E84-426E-40DD-AFC4-6F175D3DCCD1}">
-              <a14:hiddenFill xmlns:a14="http://schemas.microsoft.com/office/drawing/2010/main" xmlns="">
+              <a14:hiddenFill xmlns:a14="http://schemas.microsoft.com/office/drawing/2010/main">
                 <a:solidFill>
                   <a:schemeClr val="accent1"/>
                 </a:solidFill>
               </a14:hiddenFill>
             </a:ext>
             <a:ext uri="{91240B29-F687-4F45-9708-019B960494DF}">
-              <a14:hiddenLine xmlns:a14="http://schemas.microsoft.com/office/drawing/2010/main" xmlns="" w="9525">
+              <a14:hiddenLine xmlns:a14="http://schemas.microsoft.com/office/drawing/2010/main" w="9525">
                 <a:solidFill>
                   <a:schemeClr val="tx1"/>
                 </a:solidFill>
@@ -20035,18 +23227,18 @@
     </p:spTree>
     <p:extLst>
       <p:ext uri="{BB962C8B-B14F-4D97-AF65-F5344CB8AC3E}">
-        <p14:creationId xmlns:p14="http://schemas.microsoft.com/office/powerpoint/2010/main" xmlns="" val="69969289"/>
+        <p14:creationId xmlns:p14="http://schemas.microsoft.com/office/powerpoint/2010/main" val="69969289"/>
       </p:ext>
     </p:extLst>
   </p:cSld>
   <p:clrMapOvr>
     <a:masterClrMapping/>
   </p:clrMapOvr>
-  <mc:AlternateContent xmlns:mc="http://schemas.openxmlformats.org/markup-compatibility/2006">
-    <mc:Choice xmlns:p14="http://schemas.microsoft.com/office/powerpoint/2010/main" xmlns="" Requires="p14">
+  <mc:AlternateContent xmlns:mc="http://schemas.openxmlformats.org/markup-compatibility/2006" xmlns:p14="http://schemas.microsoft.com/office/powerpoint/2010/main">
+    <mc:Choice Requires="p14">
       <p:transition spd="slow" p14:dur="2000"/>
     </mc:Choice>
-    <mc:Fallback>
+    <mc:Fallback xmlns="">
       <p:transition spd="slow"/>
     </mc:Fallback>
   </mc:AlternateContent>
@@ -20484,7 +23676,7 @@
           <a:blip r:embed="rId3" cstate="print">
             <a:extLst>
               <a:ext uri="{28A0092B-C50C-407E-A947-70E740481C1C}">
-                <a14:useLocalDpi xmlns:a14="http://schemas.microsoft.com/office/drawing/2010/main" xmlns="" val="0"/>
+                <a14:useLocalDpi xmlns:a14="http://schemas.microsoft.com/office/drawing/2010/main" val="0"/>
               </a:ext>
             </a:extLst>
           </a:blip>
@@ -20507,14 +23699,14 @@
           </a:ln>
           <a:extLst>
             <a:ext uri="{909E8E84-426E-40DD-AFC4-6F175D3DCCD1}">
-              <a14:hiddenFill xmlns:a14="http://schemas.microsoft.com/office/drawing/2010/main" xmlns="">
+              <a14:hiddenFill xmlns:a14="http://schemas.microsoft.com/office/drawing/2010/main">
                 <a:solidFill>
                   <a:schemeClr val="accent1"/>
                 </a:solidFill>
               </a14:hiddenFill>
             </a:ext>
             <a:ext uri="{91240B29-F687-4F45-9708-019B960494DF}">
-              <a14:hiddenLine xmlns:a14="http://schemas.microsoft.com/office/drawing/2010/main" xmlns="" w="9525">
+              <a14:hiddenLine xmlns:a14="http://schemas.microsoft.com/office/drawing/2010/main" w="9525">
                 <a:solidFill>
                   <a:schemeClr val="tx1"/>
                 </a:solidFill>
@@ -20538,7 +23730,7 @@
           <a:blip r:embed="rId4" cstate="print">
             <a:extLst>
               <a:ext uri="{28A0092B-C50C-407E-A947-70E740481C1C}">
-                <a14:useLocalDpi xmlns:a14="http://schemas.microsoft.com/office/drawing/2010/main" xmlns="" val="0"/>
+                <a14:useLocalDpi xmlns:a14="http://schemas.microsoft.com/office/drawing/2010/main" val="0"/>
               </a:ext>
             </a:extLst>
           </a:blip>
@@ -20561,14 +23753,14 @@
           </a:ln>
           <a:extLst>
             <a:ext uri="{909E8E84-426E-40DD-AFC4-6F175D3DCCD1}">
-              <a14:hiddenFill xmlns:a14="http://schemas.microsoft.com/office/drawing/2010/main" xmlns="">
+              <a14:hiddenFill xmlns:a14="http://schemas.microsoft.com/office/drawing/2010/main">
                 <a:solidFill>
                   <a:schemeClr val="accent1"/>
                 </a:solidFill>
               </a14:hiddenFill>
             </a:ext>
             <a:ext uri="{91240B29-F687-4F45-9708-019B960494DF}">
-              <a14:hiddenLine xmlns:a14="http://schemas.microsoft.com/office/drawing/2010/main" xmlns="" w="9525">
+              <a14:hiddenLine xmlns:a14="http://schemas.microsoft.com/office/drawing/2010/main" w="9525">
                 <a:solidFill>
                   <a:schemeClr val="tx1"/>
                 </a:solidFill>
@@ -20583,18 +23775,18 @@
     </p:spTree>
     <p:extLst>
       <p:ext uri="{BB962C8B-B14F-4D97-AF65-F5344CB8AC3E}">
-        <p14:creationId xmlns:p14="http://schemas.microsoft.com/office/powerpoint/2010/main" xmlns="" val="1985332883"/>
+        <p14:creationId xmlns:p14="http://schemas.microsoft.com/office/powerpoint/2010/main" val="1985332883"/>
       </p:ext>
     </p:extLst>
   </p:cSld>
   <p:clrMapOvr>
     <a:masterClrMapping/>
   </p:clrMapOvr>
-  <mc:AlternateContent xmlns:mc="http://schemas.openxmlformats.org/markup-compatibility/2006">
-    <mc:Choice xmlns:p14="http://schemas.microsoft.com/office/powerpoint/2010/main" xmlns="" Requires="p14">
+  <mc:AlternateContent xmlns:mc="http://schemas.openxmlformats.org/markup-compatibility/2006" xmlns:p14="http://schemas.microsoft.com/office/powerpoint/2010/main">
+    <mc:Choice Requires="p14">
       <p:transition spd="slow" p14:dur="2000"/>
     </mc:Choice>
-    <mc:Fallback>
+    <mc:Fallback xmlns="">
       <p:transition spd="slow"/>
     </mc:Fallback>
   </mc:AlternateContent>
@@ -20856,7 +24048,7 @@
           <a:blip r:embed="rId3" cstate="print">
             <a:extLst>
               <a:ext uri="{28A0092B-C50C-407E-A947-70E740481C1C}">
-                <a14:useLocalDpi xmlns:a14="http://schemas.microsoft.com/office/drawing/2010/main" xmlns="" val="0"/>
+                <a14:useLocalDpi xmlns:a14="http://schemas.microsoft.com/office/drawing/2010/main" val="0"/>
               </a:ext>
             </a:extLst>
           </a:blip>
@@ -20879,14 +24071,14 @@
           </a:ln>
           <a:extLst>
             <a:ext uri="{909E8E84-426E-40DD-AFC4-6F175D3DCCD1}">
-              <a14:hiddenFill xmlns:a14="http://schemas.microsoft.com/office/drawing/2010/main" xmlns="">
+              <a14:hiddenFill xmlns:a14="http://schemas.microsoft.com/office/drawing/2010/main">
                 <a:solidFill>
                   <a:schemeClr val="accent1"/>
                 </a:solidFill>
               </a14:hiddenFill>
             </a:ext>
             <a:ext uri="{91240B29-F687-4F45-9708-019B960494DF}">
-              <a14:hiddenLine xmlns:a14="http://schemas.microsoft.com/office/drawing/2010/main" xmlns="" w="9525">
+              <a14:hiddenLine xmlns:a14="http://schemas.microsoft.com/office/drawing/2010/main" w="9525">
                 <a:solidFill>
                   <a:schemeClr val="tx1"/>
                 </a:solidFill>
@@ -21155,7 +24347,7 @@
           <a:blip r:embed="rId4" cstate="print">
             <a:extLst>
               <a:ext uri="{28A0092B-C50C-407E-A947-70E740481C1C}">
-                <a14:useLocalDpi xmlns:a14="http://schemas.microsoft.com/office/drawing/2010/main" xmlns="" val="0"/>
+                <a14:useLocalDpi xmlns:a14="http://schemas.microsoft.com/office/drawing/2010/main" val="0"/>
               </a:ext>
             </a:extLst>
           </a:blip>
@@ -21178,14 +24370,14 @@
           </a:ln>
           <a:extLst>
             <a:ext uri="{909E8E84-426E-40DD-AFC4-6F175D3DCCD1}">
-              <a14:hiddenFill xmlns:a14="http://schemas.microsoft.com/office/drawing/2010/main" xmlns="">
+              <a14:hiddenFill xmlns:a14="http://schemas.microsoft.com/office/drawing/2010/main">
                 <a:solidFill>
                   <a:schemeClr val="accent1"/>
                 </a:solidFill>
               </a14:hiddenFill>
             </a:ext>
             <a:ext uri="{91240B29-F687-4F45-9708-019B960494DF}">
-              <a14:hiddenLine xmlns:a14="http://schemas.microsoft.com/office/drawing/2010/main" xmlns="" w="9525">
+              <a14:hiddenLine xmlns:a14="http://schemas.microsoft.com/office/drawing/2010/main" w="9525">
                 <a:solidFill>
                   <a:schemeClr val="tx1"/>
                 </a:solidFill>
@@ -21578,7 +24770,7 @@
           <a:blip r:embed="rId4" cstate="print">
             <a:extLst>
               <a:ext uri="{28A0092B-C50C-407E-A947-70E740481C1C}">
-                <a14:useLocalDpi xmlns:a14="http://schemas.microsoft.com/office/drawing/2010/main" xmlns="" val="0"/>
+                <a14:useLocalDpi xmlns:a14="http://schemas.microsoft.com/office/drawing/2010/main" val="0"/>
               </a:ext>
             </a:extLst>
           </a:blip>
@@ -21601,14 +24793,14 @@
           </a:ln>
           <a:extLst>
             <a:ext uri="{909E8E84-426E-40DD-AFC4-6F175D3DCCD1}">
-              <a14:hiddenFill xmlns:a14="http://schemas.microsoft.com/office/drawing/2010/main" xmlns="">
+              <a14:hiddenFill xmlns:a14="http://schemas.microsoft.com/office/drawing/2010/main">
                 <a:solidFill>
                   <a:schemeClr val="accent1"/>
                 </a:solidFill>
               </a14:hiddenFill>
             </a:ext>
             <a:ext uri="{91240B29-F687-4F45-9708-019B960494DF}">
-              <a14:hiddenLine xmlns:a14="http://schemas.microsoft.com/office/drawing/2010/main" xmlns="" w="9525">
+              <a14:hiddenLine xmlns:a14="http://schemas.microsoft.com/office/drawing/2010/main" w="9525">
                 <a:solidFill>
                   <a:schemeClr val="tx1"/>
                 </a:solidFill>
@@ -22391,18 +25583,18 @@
     </p:spTree>
     <p:extLst>
       <p:ext uri="{BB962C8B-B14F-4D97-AF65-F5344CB8AC3E}">
-        <p14:creationId xmlns:p14="http://schemas.microsoft.com/office/powerpoint/2010/main" xmlns="" val="2499104543"/>
+        <p14:creationId xmlns:p14="http://schemas.microsoft.com/office/powerpoint/2010/main" val="2499104543"/>
       </p:ext>
     </p:extLst>
   </p:cSld>
   <p:clrMapOvr>
     <a:masterClrMapping/>
   </p:clrMapOvr>
-  <mc:AlternateContent xmlns:mc="http://schemas.openxmlformats.org/markup-compatibility/2006">
-    <mc:Choice xmlns:p14="http://schemas.microsoft.com/office/powerpoint/2010/main" xmlns="" Requires="p14">
+  <mc:AlternateContent xmlns:mc="http://schemas.openxmlformats.org/markup-compatibility/2006" xmlns:p14="http://schemas.microsoft.com/office/powerpoint/2010/main">
+    <mc:Choice Requires="p14">
       <p:transition spd="slow" p14:dur="2000"/>
     </mc:Choice>
-    <mc:Fallback>
+    <mc:Fallback xmlns="">
       <p:transition spd="slow"/>
     </mc:Fallback>
   </mc:AlternateContent>
@@ -26525,7 +29717,7 @@
     </p:spTree>
     <p:extLst>
       <p:ext uri="{BB962C8B-B14F-4D97-AF65-F5344CB8AC3E}">
-        <p14:creationId xmlns:p14="http://schemas.microsoft.com/office/powerpoint/2010/main" xmlns="" val="4134709709"/>
+        <p14:creationId xmlns:p14="http://schemas.microsoft.com/office/powerpoint/2010/main" val="4134709709"/>
       </p:ext>
     </p:extLst>
   </p:cSld>

--- a/Zwischenvortrag/Präsentation.pptx
+++ b/Zwischenvortrag/Präsentation.pptx
@@ -5,7 +5,7 @@
     <p:sldMasterId id="2147483648" r:id="rId1"/>
   </p:sldMasterIdLst>
   <p:notesMasterIdLst>
-    <p:notesMasterId r:id="rId33"/>
+    <p:notesMasterId r:id="rId38"/>
   </p:notesMasterIdLst>
   <p:sldIdLst>
     <p:sldId id="256" r:id="rId2"/>
@@ -37,8 +37,13 @@
     <p:sldId id="318" r:id="rId28"/>
     <p:sldId id="326" r:id="rId29"/>
     <p:sldId id="327" r:id="rId30"/>
-    <p:sldId id="287" r:id="rId31"/>
-    <p:sldId id="299" r:id="rId32"/>
+    <p:sldId id="328" r:id="rId31"/>
+    <p:sldId id="329" r:id="rId32"/>
+    <p:sldId id="330" r:id="rId33"/>
+    <p:sldId id="331" r:id="rId34"/>
+    <p:sldId id="332" r:id="rId35"/>
+    <p:sldId id="287" r:id="rId36"/>
+    <p:sldId id="299" r:id="rId37"/>
   </p:sldIdLst>
   <p:sldSz cx="9144000" cy="6858000" type="screen4x3"/>
   <p:notesSz cx="6858000" cy="9144000"/>
@@ -223,7 +228,7 @@
             <a:fld id="{4171A3E4-08F7-470B-B28A-F7F44AD1D267}" type="datetimeFigureOut">
               <a:rPr lang="de-DE" smtClean="0"/>
               <a:pPr/>
-              <a:t>12.03.2019</a:t>
+              <a:t>18.03.2019</a:t>
             </a:fld>
             <a:endParaRPr lang="de-DE"/>
           </a:p>
@@ -2499,6 +2504,450 @@
               <a:rPr lang="de-DE" smtClean="0"/>
               <a:pPr/>
               <a:t>3</a:t>
+            </a:fld>
+            <a:endParaRPr lang="de-DE"/>
+          </a:p>
+        </p:txBody>
+      </p:sp>
+    </p:spTree>
+  </p:cSld>
+  <p:clrMapOvr>
+    <a:masterClrMapping/>
+  </p:clrMapOvr>
+</p:notes>
+</file>
+
+<file path=ppt/notesSlides/notesSlide30.xml><?xml version="1.0" encoding="utf-8"?>
+<p:notes xmlns:a="http://schemas.openxmlformats.org/drawingml/2006/main" xmlns:r="http://schemas.openxmlformats.org/officeDocument/2006/relationships" xmlns:p="http://schemas.openxmlformats.org/presentationml/2006/main">
+  <p:cSld>
+    <p:spTree>
+      <p:nvGrpSpPr>
+        <p:cNvPr id="1" name=""/>
+        <p:cNvGrpSpPr/>
+        <p:nvPr/>
+      </p:nvGrpSpPr>
+      <p:grpSpPr>
+        <a:xfrm>
+          <a:off x="0" y="0"/>
+          <a:ext cx="0" cy="0"/>
+          <a:chOff x="0" y="0"/>
+          <a:chExt cx="0" cy="0"/>
+        </a:xfrm>
+      </p:grpSpPr>
+      <p:sp>
+        <p:nvSpPr>
+          <p:cNvPr id="2" name="Folienbildplatzhalter 1"/>
+          <p:cNvSpPr>
+            <a:spLocks noGrp="1" noRot="1" noChangeAspect="1"/>
+          </p:cNvSpPr>
+          <p:nvPr>
+            <p:ph type="sldImg"/>
+          </p:nvPr>
+        </p:nvSpPr>
+        <p:spPr/>
+      </p:sp>
+      <p:sp>
+        <p:nvSpPr>
+          <p:cNvPr id="3" name="Notizenplatzhalter 2"/>
+          <p:cNvSpPr>
+            <a:spLocks noGrp="1"/>
+          </p:cNvSpPr>
+          <p:nvPr>
+            <p:ph type="body" idx="1"/>
+          </p:nvPr>
+        </p:nvSpPr>
+        <p:spPr/>
+        <p:txBody>
+          <a:bodyPr>
+            <a:normAutofit/>
+          </a:bodyPr>
+          <a:lstStyle/>
+          <a:p>
+            <a:endParaRPr lang="de-DE"/>
+          </a:p>
+        </p:txBody>
+      </p:sp>
+      <p:sp>
+        <p:nvSpPr>
+          <p:cNvPr id="4" name="Foliennummernplatzhalter 3"/>
+          <p:cNvSpPr>
+            <a:spLocks noGrp="1"/>
+          </p:cNvSpPr>
+          <p:nvPr>
+            <p:ph type="sldNum" sz="quarter" idx="10"/>
+          </p:nvPr>
+        </p:nvSpPr>
+        <p:spPr/>
+        <p:txBody>
+          <a:bodyPr/>
+          <a:lstStyle/>
+          <a:p>
+            <a:fld id="{31DC6EB7-B8C5-4A13-A184-8A045D6E94E6}" type="slidenum">
+              <a:rPr lang="de-DE" smtClean="0"/>
+              <a:pPr/>
+              <a:t>30</a:t>
+            </a:fld>
+            <a:endParaRPr lang="de-DE"/>
+          </a:p>
+        </p:txBody>
+      </p:sp>
+    </p:spTree>
+  </p:cSld>
+  <p:clrMapOvr>
+    <a:masterClrMapping/>
+  </p:clrMapOvr>
+</p:notes>
+</file>
+
+<file path=ppt/notesSlides/notesSlide31.xml><?xml version="1.0" encoding="utf-8"?>
+<p:notes xmlns:a="http://schemas.openxmlformats.org/drawingml/2006/main" xmlns:r="http://schemas.openxmlformats.org/officeDocument/2006/relationships" xmlns:p="http://schemas.openxmlformats.org/presentationml/2006/main">
+  <p:cSld>
+    <p:spTree>
+      <p:nvGrpSpPr>
+        <p:cNvPr id="1" name=""/>
+        <p:cNvGrpSpPr/>
+        <p:nvPr/>
+      </p:nvGrpSpPr>
+      <p:grpSpPr>
+        <a:xfrm>
+          <a:off x="0" y="0"/>
+          <a:ext cx="0" cy="0"/>
+          <a:chOff x="0" y="0"/>
+          <a:chExt cx="0" cy="0"/>
+        </a:xfrm>
+      </p:grpSpPr>
+      <p:sp>
+        <p:nvSpPr>
+          <p:cNvPr id="2" name="Folienbildplatzhalter 1"/>
+          <p:cNvSpPr>
+            <a:spLocks noGrp="1" noRot="1" noChangeAspect="1"/>
+          </p:cNvSpPr>
+          <p:nvPr>
+            <p:ph type="sldImg"/>
+          </p:nvPr>
+        </p:nvSpPr>
+        <p:spPr/>
+      </p:sp>
+      <p:sp>
+        <p:nvSpPr>
+          <p:cNvPr id="3" name="Notizenplatzhalter 2"/>
+          <p:cNvSpPr>
+            <a:spLocks noGrp="1"/>
+          </p:cNvSpPr>
+          <p:nvPr>
+            <p:ph type="body" idx="1"/>
+          </p:nvPr>
+        </p:nvSpPr>
+        <p:spPr/>
+        <p:txBody>
+          <a:bodyPr>
+            <a:normAutofit/>
+          </a:bodyPr>
+          <a:lstStyle/>
+          <a:p>
+            <a:r>
+              <a:rPr lang="de-DE" smtClean="0"/>
+              <a:t>Multiplikation mit Testfunktion ell_i, Integration über Element K und partielle Integration für den divergenz Teil liefern:</a:t>
+            </a:r>
+          </a:p>
+          <a:p>
+            <a:r>
+              <a:rPr lang="de-DE" smtClean="0"/>
+              <a:t>Randbedingungen stecken jetzt im numerischen Fluss</a:t>
+            </a:r>
+          </a:p>
+          <a:p>
+            <a:r>
+              <a:rPr lang="de-DE" smtClean="0"/>
+              <a:t>„Weil das schon alles garnicht mehr auf die Folie passt, führen wir schnell geeignete Matrizen ein“</a:t>
+            </a:r>
+            <a:endParaRPr lang="de-DE"/>
+          </a:p>
+        </p:txBody>
+      </p:sp>
+      <p:sp>
+        <p:nvSpPr>
+          <p:cNvPr id="4" name="Foliennummernplatzhalter 3"/>
+          <p:cNvSpPr>
+            <a:spLocks noGrp="1"/>
+          </p:cNvSpPr>
+          <p:nvPr>
+            <p:ph type="sldNum" sz="quarter" idx="10"/>
+          </p:nvPr>
+        </p:nvSpPr>
+        <p:spPr/>
+        <p:txBody>
+          <a:bodyPr/>
+          <a:lstStyle/>
+          <a:p>
+            <a:fld id="{31DC6EB7-B8C5-4A13-A184-8A045D6E94E6}" type="slidenum">
+              <a:rPr lang="de-DE" smtClean="0"/>
+              <a:pPr/>
+              <a:t>31</a:t>
+            </a:fld>
+            <a:endParaRPr lang="de-DE"/>
+          </a:p>
+        </p:txBody>
+      </p:sp>
+    </p:spTree>
+  </p:cSld>
+  <p:clrMapOvr>
+    <a:masterClrMapping/>
+  </p:clrMapOvr>
+</p:notes>
+</file>
+
+<file path=ppt/notesSlides/notesSlide32.xml><?xml version="1.0" encoding="utf-8"?>
+<p:notes xmlns:a="http://schemas.openxmlformats.org/drawingml/2006/main" xmlns:r="http://schemas.openxmlformats.org/officeDocument/2006/relationships" xmlns:p="http://schemas.openxmlformats.org/presentationml/2006/main">
+  <p:cSld>
+    <p:spTree>
+      <p:nvGrpSpPr>
+        <p:cNvPr id="1" name=""/>
+        <p:cNvGrpSpPr/>
+        <p:nvPr/>
+      </p:nvGrpSpPr>
+      <p:grpSpPr>
+        <a:xfrm>
+          <a:off x="0" y="0"/>
+          <a:ext cx="0" cy="0"/>
+          <a:chOff x="0" y="0"/>
+          <a:chExt cx="0" cy="0"/>
+        </a:xfrm>
+      </p:grpSpPr>
+      <p:sp>
+        <p:nvSpPr>
+          <p:cNvPr id="2" name="Folienbildplatzhalter 1"/>
+          <p:cNvSpPr>
+            <a:spLocks noGrp="1" noRot="1" noChangeAspect="1"/>
+          </p:cNvSpPr>
+          <p:nvPr>
+            <p:ph type="sldImg"/>
+          </p:nvPr>
+        </p:nvSpPr>
+        <p:spPr/>
+      </p:sp>
+      <p:sp>
+        <p:nvSpPr>
+          <p:cNvPr id="3" name="Notizenplatzhalter 2"/>
+          <p:cNvSpPr>
+            <a:spLocks noGrp="1"/>
+          </p:cNvSpPr>
+          <p:nvPr>
+            <p:ph type="body" idx="1"/>
+          </p:nvPr>
+        </p:nvSpPr>
+        <p:spPr/>
+        <p:txBody>
+          <a:bodyPr>
+            <a:normAutofit/>
+          </a:bodyPr>
+          <a:lstStyle/>
+          <a:p>
+            <a:r>
+              <a:rPr lang="de-DE" smtClean="0"/>
+              <a:t>K hut ist das Referenzelement, denn wir berechnen</a:t>
+            </a:r>
+            <a:r>
+              <a:rPr lang="de-DE" baseline="0" smtClean="0"/>
+              <a:t> M einmalig und nutzen dann nur noch für jedes Element die Trafoformel</a:t>
+            </a:r>
+          </a:p>
+          <a:p>
+            <a:endParaRPr lang="de-DE"/>
+          </a:p>
+        </p:txBody>
+      </p:sp>
+      <p:sp>
+        <p:nvSpPr>
+          <p:cNvPr id="4" name="Foliennummernplatzhalter 3"/>
+          <p:cNvSpPr>
+            <a:spLocks noGrp="1"/>
+          </p:cNvSpPr>
+          <p:nvPr>
+            <p:ph type="sldNum" sz="quarter" idx="10"/>
+          </p:nvPr>
+        </p:nvSpPr>
+        <p:spPr/>
+        <p:txBody>
+          <a:bodyPr/>
+          <a:lstStyle/>
+          <a:p>
+            <a:fld id="{31DC6EB7-B8C5-4A13-A184-8A045D6E94E6}" type="slidenum">
+              <a:rPr lang="de-DE" smtClean="0"/>
+              <a:pPr/>
+              <a:t>32</a:t>
+            </a:fld>
+            <a:endParaRPr lang="de-DE"/>
+          </a:p>
+        </p:txBody>
+      </p:sp>
+    </p:spTree>
+  </p:cSld>
+  <p:clrMapOvr>
+    <a:masterClrMapping/>
+  </p:clrMapOvr>
+</p:notes>
+</file>
+
+<file path=ppt/notesSlides/notesSlide33.xml><?xml version="1.0" encoding="utf-8"?>
+<p:notes xmlns:a="http://schemas.openxmlformats.org/drawingml/2006/main" xmlns:r="http://schemas.openxmlformats.org/officeDocument/2006/relationships" xmlns:p="http://schemas.openxmlformats.org/presentationml/2006/main">
+  <p:cSld>
+    <p:spTree>
+      <p:nvGrpSpPr>
+        <p:cNvPr id="1" name=""/>
+        <p:cNvGrpSpPr/>
+        <p:nvPr/>
+      </p:nvGrpSpPr>
+      <p:grpSpPr>
+        <a:xfrm>
+          <a:off x="0" y="0"/>
+          <a:ext cx="0" cy="0"/>
+          <a:chOff x="0" y="0"/>
+          <a:chExt cx="0" cy="0"/>
+        </a:xfrm>
+      </p:grpSpPr>
+      <p:sp>
+        <p:nvSpPr>
+          <p:cNvPr id="2" name="Folienbildplatzhalter 1"/>
+          <p:cNvSpPr>
+            <a:spLocks noGrp="1" noRot="1" noChangeAspect="1"/>
+          </p:cNvSpPr>
+          <p:nvPr>
+            <p:ph type="sldImg"/>
+          </p:nvPr>
+        </p:nvSpPr>
+        <p:spPr/>
+      </p:sp>
+      <p:sp>
+        <p:nvSpPr>
+          <p:cNvPr id="3" name="Notizenplatzhalter 2"/>
+          <p:cNvSpPr>
+            <a:spLocks noGrp="1"/>
+          </p:cNvSpPr>
+          <p:nvPr>
+            <p:ph type="body" idx="1"/>
+          </p:nvPr>
+        </p:nvSpPr>
+        <p:spPr/>
+        <p:txBody>
+          <a:bodyPr>
+            <a:normAutofit/>
+          </a:bodyPr>
+          <a:lstStyle/>
+          <a:p>
+            <a:r>
+              <a:rPr lang="de-DE" smtClean="0"/>
+              <a:t>Im Wesentlichen zentraler Fluss, tau als Strafterm</a:t>
+            </a:r>
+            <a:r>
+              <a:rPr lang="de-DE" baseline="0" smtClean="0"/>
+              <a:t> (ohne geht nichts!)</a:t>
+            </a:r>
+            <a:endParaRPr lang="de-DE"/>
+          </a:p>
+        </p:txBody>
+      </p:sp>
+      <p:sp>
+        <p:nvSpPr>
+          <p:cNvPr id="4" name="Foliennummernplatzhalter 3"/>
+          <p:cNvSpPr>
+            <a:spLocks noGrp="1"/>
+          </p:cNvSpPr>
+          <p:nvPr>
+            <p:ph type="sldNum" sz="quarter" idx="10"/>
+          </p:nvPr>
+        </p:nvSpPr>
+        <p:spPr/>
+        <p:txBody>
+          <a:bodyPr/>
+          <a:lstStyle/>
+          <a:p>
+            <a:fld id="{31DC6EB7-B8C5-4A13-A184-8A045D6E94E6}" type="slidenum">
+              <a:rPr lang="de-DE" smtClean="0"/>
+              <a:pPr/>
+              <a:t>33</a:t>
+            </a:fld>
+            <a:endParaRPr lang="de-DE"/>
+          </a:p>
+        </p:txBody>
+      </p:sp>
+    </p:spTree>
+  </p:cSld>
+  <p:clrMapOvr>
+    <a:masterClrMapping/>
+  </p:clrMapOvr>
+</p:notes>
+</file>
+
+<file path=ppt/notesSlides/notesSlide34.xml><?xml version="1.0" encoding="utf-8"?>
+<p:notes xmlns:a="http://schemas.openxmlformats.org/drawingml/2006/main" xmlns:r="http://schemas.openxmlformats.org/officeDocument/2006/relationships" xmlns:p="http://schemas.openxmlformats.org/presentationml/2006/main">
+  <p:cSld>
+    <p:spTree>
+      <p:nvGrpSpPr>
+        <p:cNvPr id="1" name=""/>
+        <p:cNvGrpSpPr/>
+        <p:nvPr/>
+      </p:nvGrpSpPr>
+      <p:grpSpPr>
+        <a:xfrm>
+          <a:off x="0" y="0"/>
+          <a:ext cx="0" cy="0"/>
+          <a:chOff x="0" y="0"/>
+          <a:chExt cx="0" cy="0"/>
+        </a:xfrm>
+      </p:grpSpPr>
+      <p:sp>
+        <p:nvSpPr>
+          <p:cNvPr id="2" name="Folienbildplatzhalter 1"/>
+          <p:cNvSpPr>
+            <a:spLocks noGrp="1" noRot="1" noChangeAspect="1"/>
+          </p:cNvSpPr>
+          <p:nvPr>
+            <p:ph type="sldImg"/>
+          </p:nvPr>
+        </p:nvSpPr>
+        <p:spPr/>
+      </p:sp>
+      <p:sp>
+        <p:nvSpPr>
+          <p:cNvPr id="3" name="Notizenplatzhalter 2"/>
+          <p:cNvSpPr>
+            <a:spLocks noGrp="1"/>
+          </p:cNvSpPr>
+          <p:nvPr>
+            <p:ph type="body" idx="1"/>
+          </p:nvPr>
+        </p:nvSpPr>
+        <p:spPr/>
+        <p:txBody>
+          <a:bodyPr>
+            <a:normAutofit/>
+          </a:bodyPr>
+          <a:lstStyle/>
+          <a:p>
+            <a:endParaRPr lang="de-DE"/>
+          </a:p>
+        </p:txBody>
+      </p:sp>
+      <p:sp>
+        <p:nvSpPr>
+          <p:cNvPr id="4" name="Foliennummernplatzhalter 3"/>
+          <p:cNvSpPr>
+            <a:spLocks noGrp="1"/>
+          </p:cNvSpPr>
+          <p:nvPr>
+            <p:ph type="sldNum" sz="quarter" idx="10"/>
+          </p:nvPr>
+        </p:nvSpPr>
+        <p:spPr/>
+        <p:txBody>
+          <a:bodyPr/>
+          <a:lstStyle/>
+          <a:p>
+            <a:fld id="{31DC6EB7-B8C5-4A13-A184-8A045D6E94E6}" type="slidenum">
+              <a:rPr lang="de-DE" smtClean="0"/>
+              <a:pPr/>
+              <a:t>34</a:t>
             </a:fld>
             <a:endParaRPr lang="de-DE"/>
           </a:p>
@@ -10370,10 +10819,6 @@
               </a:rPr>
               <a:t>FEM</a:t>
             </a:r>
-            <a:endParaRPr lang="de-DE" sz="1600" smtClean="0">
-              <a:latin typeface="Adobe Arabic" pitchFamily="18" charset="-78"/>
-              <a:cs typeface="Adobe Arabic" pitchFamily="18" charset="-78"/>
-            </a:endParaRPr>
           </a:p>
           <a:p>
             <a:pPr algn="ctr"/>
@@ -11693,10 +12138,6 @@
               </a:rPr>
               <a:t>FEM</a:t>
             </a:r>
-            <a:endParaRPr lang="de-DE" sz="1600" smtClean="0">
-              <a:latin typeface="Adobe Arabic" pitchFamily="18" charset="-78"/>
-              <a:cs typeface="Adobe Arabic" pitchFamily="18" charset="-78"/>
-            </a:endParaRPr>
           </a:p>
           <a:p>
             <a:pPr algn="ctr"/>
@@ -12444,10 +12885,6 @@
               </a:rPr>
               <a:t>FEM</a:t>
             </a:r>
-            <a:endParaRPr lang="de-DE" sz="1600" smtClean="0">
-              <a:latin typeface="Adobe Arabic" pitchFamily="18" charset="-78"/>
-              <a:cs typeface="Adobe Arabic" pitchFamily="18" charset="-78"/>
-            </a:endParaRPr>
           </a:p>
           <a:p>
             <a:pPr algn="ctr"/>
@@ -13142,10 +13579,6 @@
               </a:rPr>
               <a:t>FEM</a:t>
             </a:r>
-            <a:endParaRPr lang="de-DE" sz="1600" smtClean="0">
-              <a:latin typeface="Adobe Arabic" pitchFamily="18" charset="-78"/>
-              <a:cs typeface="Adobe Arabic" pitchFamily="18" charset="-78"/>
-            </a:endParaRPr>
           </a:p>
           <a:p>
             <a:pPr algn="ctr"/>
@@ -14294,10 +14727,6 @@
               </a:rPr>
               <a:t>FEM</a:t>
             </a:r>
-            <a:endParaRPr lang="de-DE" sz="1600" smtClean="0">
-              <a:latin typeface="Adobe Arabic" pitchFamily="18" charset="-78"/>
-              <a:cs typeface="Adobe Arabic" pitchFamily="18" charset="-78"/>
-            </a:endParaRPr>
           </a:p>
           <a:p>
             <a:pPr algn="ctr"/>
@@ -15069,10 +15498,6 @@
               </a:rPr>
               <a:t>FEM</a:t>
             </a:r>
-            <a:endParaRPr lang="de-DE" sz="1600" smtClean="0">
-              <a:latin typeface="Adobe Arabic" pitchFamily="18" charset="-78"/>
-              <a:cs typeface="Adobe Arabic" pitchFamily="18" charset="-78"/>
-            </a:endParaRPr>
           </a:p>
           <a:p>
             <a:pPr algn="ctr"/>
@@ -15393,14 +15818,7 @@
                 <a:latin typeface="Adobe Arabic" pitchFamily="18" charset="-78"/>
                 <a:cs typeface="Adobe Arabic" pitchFamily="18" charset="-78"/>
               </a:rPr>
-              <a:t>Bsp. </a:t>
-            </a:r>
-            <a:r>
-              <a:rPr lang="de-DE" sz="3200" b="1" smtClean="0">
-                <a:latin typeface="Adobe Arabic" pitchFamily="18" charset="-78"/>
-                <a:cs typeface="Adobe Arabic" pitchFamily="18" charset="-78"/>
-              </a:rPr>
-              <a:t>1D</a:t>
+              <a:t>Bsp. 1D</a:t>
             </a:r>
             <a:endParaRPr lang="de-DE" sz="3200" b="1">
               <a:latin typeface="Adobe Arabic" pitchFamily="18" charset="-78"/>
@@ -15701,10 +16119,6 @@
               </a:rPr>
               <a:t>FEM</a:t>
             </a:r>
-            <a:endParaRPr lang="de-DE" sz="1600" smtClean="0">
-              <a:latin typeface="Adobe Arabic" pitchFamily="18" charset="-78"/>
-              <a:cs typeface="Adobe Arabic" pitchFamily="18" charset="-78"/>
-            </a:endParaRPr>
           </a:p>
           <a:p>
             <a:pPr algn="ctr"/>
@@ -15951,7 +16365,6 @@
               <a:rPr lang="de-DE" smtClean="0"/>
               <a:t>In Bilinearform-Schreibweise</a:t>
             </a:r>
-            <a:endParaRPr lang="de-DE" smtClean="0"/>
           </a:p>
           <a:p>
             <a:pPr marL="514350" indent="-514350">
@@ -16344,20 +16757,12 @@
               <a:rPr lang="de-DE" smtClean="0"/>
               <a:t>Testfunktionen und schwache Lösung sind komplett unstetig. </a:t>
             </a:r>
-            <a:r>
-              <a:rPr lang="de-DE" smtClean="0"/>
-              <a:t/>
-            </a:r>
             <a:br>
               <a:rPr lang="de-DE" smtClean="0"/>
             </a:br>
             <a:r>
               <a:rPr lang="de-DE" smtClean="0"/>
-              <a:t>Lösung </a:t>
-            </a:r>
-            <a:r>
-              <a:rPr lang="de-DE" smtClean="0"/>
-              <a:t>verletzt ggf. sogar Dirichlet-RB.</a:t>
+              <a:t>Lösung verletzt ggf. sogar Dirichlet-RB.</a:t>
             </a:r>
           </a:p>
           <a:p>
@@ -16997,10 +17402,6 @@
               </a:rPr>
               <a:t>DG-Verfahren - A</a:t>
             </a:r>
-            <a:endParaRPr lang="de-DE" sz="1600" smtClean="0">
-              <a:latin typeface="Adobe Arabic" pitchFamily="18" charset="-78"/>
-              <a:cs typeface="Adobe Arabic" pitchFamily="18" charset="-78"/>
-            </a:endParaRPr>
           </a:p>
           <a:p>
             <a:pPr algn="ctr"/>
@@ -17640,10 +18041,6 @@
               </a:rPr>
               <a:t>DG-Verfahren - A</a:t>
             </a:r>
-            <a:endParaRPr lang="de-DE" sz="1600" smtClean="0">
-              <a:latin typeface="Adobe Arabic" pitchFamily="18" charset="-78"/>
-              <a:cs typeface="Adobe Arabic" pitchFamily="18" charset="-78"/>
-            </a:endParaRPr>
           </a:p>
           <a:p>
             <a:pPr algn="ctr"/>
@@ -18484,10 +18881,6 @@
               </a:rPr>
               <a:t>DG-Verfahren - A</a:t>
             </a:r>
-            <a:endParaRPr lang="de-DE" sz="1600" smtClean="0">
-              <a:latin typeface="Adobe Arabic" pitchFamily="18" charset="-78"/>
-              <a:cs typeface="Adobe Arabic" pitchFamily="18" charset="-78"/>
-            </a:endParaRPr>
           </a:p>
           <a:p>
             <a:pPr algn="ctr"/>
@@ -19153,10 +19546,6 @@
               </a:rPr>
               <a:t>DG-Verfahren - A</a:t>
             </a:r>
-            <a:endParaRPr lang="de-DE" sz="1600" smtClean="0">
-              <a:latin typeface="Adobe Arabic" pitchFamily="18" charset="-78"/>
-              <a:cs typeface="Adobe Arabic" pitchFamily="18" charset="-78"/>
-            </a:endParaRPr>
           </a:p>
           <a:p>
             <a:pPr algn="ctr"/>
@@ -19461,10 +19850,6 @@
               </a:rPr>
               <a:t>Kann darüber hinaus weitere physikalische Erhaltungsgrößen garantieren</a:t>
             </a:r>
-            <a:endParaRPr lang="de-DE" sz="2800" smtClean="0">
-              <a:latin typeface="Adobe Arabic" pitchFamily="18" charset="-78"/>
-              <a:cs typeface="Adobe Arabic" pitchFamily="18" charset="-78"/>
-            </a:endParaRPr>
           </a:p>
         </p:txBody>
       </p:sp>
@@ -19820,10 +20205,6 @@
               </a:rPr>
               <a:t>DG-Verfahren - A</a:t>
             </a:r>
-            <a:endParaRPr lang="de-DE" sz="1600" smtClean="0">
-              <a:latin typeface="Adobe Arabic" pitchFamily="18" charset="-78"/>
-              <a:cs typeface="Adobe Arabic" pitchFamily="18" charset="-78"/>
-            </a:endParaRPr>
           </a:p>
           <a:p>
             <a:pPr algn="ctr"/>
@@ -20054,15 +20435,7 @@
             </a:pPr>
             <a:r>
               <a:rPr lang="de-DE" smtClean="0"/>
-              <a:t>Diskrete Bilinearform können </a:t>
-            </a:r>
-            <a:r>
-              <a:rPr lang="de-DE" smtClean="0"/>
-              <a:t>wir </a:t>
-            </a:r>
-            <a:r>
-              <a:rPr lang="de-DE" smtClean="0"/>
-              <a:t>aus der pDGL zusammenbasteln mit folgenden Wunscheigenschaften:</a:t>
+              <a:t>Diskrete Bilinearform können wir aus der pDGL zusammenbasteln mit folgenden Wunscheigenschaften:</a:t>
             </a:r>
           </a:p>
         </p:txBody>
@@ -20705,10 +21078,6 @@
               </a:rPr>
               <a:t>DG-Verfahren - B</a:t>
             </a:r>
-            <a:endParaRPr lang="de-DE" sz="1600" smtClean="0">
-              <a:latin typeface="Adobe Arabic" pitchFamily="18" charset="-78"/>
-              <a:cs typeface="Adobe Arabic" pitchFamily="18" charset="-78"/>
-            </a:endParaRPr>
           </a:p>
           <a:p>
             <a:pPr algn="ctr"/>
@@ -20720,6 +21089,47 @@
               </a:solidFill>
               <a:latin typeface="Adobe Arabic" pitchFamily="18" charset="-78"/>
               <a:cs typeface="Adobe Arabic" pitchFamily="18" charset="-78"/>
+            </a:endParaRPr>
+          </a:p>
+        </p:txBody>
+      </p:sp>
+      <p:sp>
+        <p:nvSpPr>
+          <p:cNvPr id="6" name="Rechteck 5"/>
+          <p:cNvSpPr/>
+          <p:nvPr/>
+        </p:nvSpPr>
+        <p:spPr>
+          <a:xfrm>
+            <a:off x="5242646" y="2974211"/>
+            <a:ext cx="530915" cy="369332"/>
+          </a:xfrm>
+          <a:prstGeom prst="rect">
+            <a:avLst/>
+          </a:prstGeom>
+        </p:spPr>
+        <p:txBody>
+          <a:bodyPr wrap="none">
+            <a:spAutoFit/>
+          </a:bodyPr>
+          <a:lstStyle/>
+          <a:p>
+            <a:r>
+              <a:rPr lang="de-DE" smtClean="0">
+                <a:solidFill>
+                  <a:srgbClr val="0070C0"/>
+                </a:solidFill>
+                <a:latin typeface="Arial" panose="020B0604020202020204" pitchFamily="34" charset="0"/>
+                <a:cs typeface="Arial" panose="020B0604020202020204" pitchFamily="34" charset="0"/>
+              </a:rPr>
+              <a:t>[Vf]</a:t>
+            </a:r>
+            <a:endParaRPr lang="de-DE">
+              <a:solidFill>
+                <a:srgbClr val="0070C0"/>
+              </a:solidFill>
+              <a:latin typeface="Arial" panose="020B0604020202020204" pitchFamily="34" charset="0"/>
+              <a:cs typeface="Arial" panose="020B0604020202020204" pitchFamily="34" charset="0"/>
             </a:endParaRPr>
           </a:p>
         </p:txBody>
@@ -20881,7 +21291,6 @@
               <a:rPr lang="de-DE" i="1" smtClean="0"/>
               <a:t>Stetigkeit</a:t>
             </a:r>
-            <a:endParaRPr lang="de-DE" i="1" smtClean="0"/>
           </a:p>
           <a:p>
             <a:r>
@@ -21144,10 +21553,6 @@
               </a:rPr>
               <a:t>DG-Verfahren - B</a:t>
             </a:r>
-            <a:endParaRPr lang="de-DE" sz="1600" smtClean="0">
-              <a:latin typeface="Adobe Arabic" pitchFamily="18" charset="-78"/>
-              <a:cs typeface="Adobe Arabic" pitchFamily="18" charset="-78"/>
-            </a:endParaRPr>
           </a:p>
           <a:p>
             <a:pPr algn="ctr"/>
@@ -21159,6 +21564,47 @@
               </a:solidFill>
               <a:latin typeface="Adobe Arabic" pitchFamily="18" charset="-78"/>
               <a:cs typeface="Adobe Arabic" pitchFamily="18" charset="-78"/>
+            </a:endParaRPr>
+          </a:p>
+        </p:txBody>
+      </p:sp>
+      <p:sp>
+        <p:nvSpPr>
+          <p:cNvPr id="2" name="Rechteck 1"/>
+          <p:cNvSpPr/>
+          <p:nvPr/>
+        </p:nvSpPr>
+        <p:spPr>
+          <a:xfrm>
+            <a:off x="6145549" y="1052736"/>
+            <a:ext cx="530915" cy="369332"/>
+          </a:xfrm>
+          <a:prstGeom prst="rect">
+            <a:avLst/>
+          </a:prstGeom>
+        </p:spPr>
+        <p:txBody>
+          <a:bodyPr wrap="none">
+            <a:spAutoFit/>
+          </a:bodyPr>
+          <a:lstStyle/>
+          <a:p>
+            <a:r>
+              <a:rPr lang="de-DE" smtClean="0">
+                <a:solidFill>
+                  <a:srgbClr val="0070C0"/>
+                </a:solidFill>
+                <a:latin typeface="Arial" panose="020B0604020202020204" pitchFamily="34" charset="0"/>
+                <a:cs typeface="Arial" panose="020B0604020202020204" pitchFamily="34" charset="0"/>
+              </a:rPr>
+              <a:t>[Vf]</a:t>
+            </a:r>
+            <a:endParaRPr lang="de-DE">
+              <a:solidFill>
+                <a:srgbClr val="0070C0"/>
+              </a:solidFill>
+              <a:latin typeface="Arial" panose="020B0604020202020204" pitchFamily="34" charset="0"/>
+              <a:cs typeface="Arial" panose="020B0604020202020204" pitchFamily="34" charset="0"/>
             </a:endParaRPr>
           </a:p>
         </p:txBody>
@@ -21406,7 +21852,6 @@
               <a:rPr lang="de-DE" sz="3200" smtClean="0"/>
               <a:t>Stellschrauben im DG-Verfahren</a:t>
             </a:r>
-            <a:endParaRPr lang="de-DE" sz="3200" smtClean="0"/>
           </a:p>
           <a:p>
             <a:endParaRPr lang="de-DE" smtClean="0"/>
@@ -21423,7 +21868,6 @@
               <a:rPr lang="de-DE" smtClean="0"/>
               <a:t>Hieraus resultieren weitere Parameter, z.B. der nominelle Wert für einen „Strafterm“</a:t>
             </a:r>
-            <a:endParaRPr lang="de-DE" smtClean="0"/>
           </a:p>
           <a:p>
             <a:r>
@@ -21449,7 +21893,6 @@
               <a:rPr lang="de-DE" smtClean="0"/>
               <a:t>Wahl einer Basis des Finite-Elemente-Raumes – wir benutzen Jacobi-Polynome</a:t>
             </a:r>
-            <a:endParaRPr lang="de-DE" smtClean="0"/>
           </a:p>
           <a:p>
             <a:endParaRPr lang="de-DE" i="1" smtClean="0"/>
@@ -21562,10 +22005,6 @@
               </a:rPr>
               <a:t>DG-Verfahren</a:t>
             </a:r>
-            <a:endParaRPr lang="de-DE" sz="1600" smtClean="0">
-              <a:latin typeface="Adobe Arabic" pitchFamily="18" charset="-78"/>
-              <a:cs typeface="Adobe Arabic" pitchFamily="18" charset="-78"/>
-            </a:endParaRPr>
           </a:p>
           <a:p>
             <a:pPr algn="ctr"/>
@@ -21844,11 +22283,38 @@
             </a:pPr>
             <a:r>
               <a:rPr lang="de-DE" sz="3200" smtClean="0"/>
-              <a:t>Stellschrauben im DG-Verfahren</a:t>
-            </a:r>
+              <a:t>Schema als gemischtes DG-Verfahren</a:t>
+            </a:r>
+          </a:p>
+          <a:p>
+            <a:pPr marL="0" indent="0">
+              <a:buNone/>
+            </a:pPr>
+            <a:endParaRPr lang="de-DE" sz="3200"/>
+          </a:p>
+          <a:p>
+            <a:pPr marL="0" indent="0">
+              <a:buNone/>
+            </a:pPr>
             <a:endParaRPr lang="de-DE" sz="3200" smtClean="0"/>
           </a:p>
           <a:p>
+            <a:pPr marL="0" indent="0">
+              <a:buNone/>
+            </a:pPr>
+            <a:endParaRPr lang="de-DE" sz="3200"/>
+          </a:p>
+          <a:p>
+            <a:pPr marL="0" indent="0">
+              <a:buNone/>
+            </a:pPr>
+            <a:r>
+              <a:rPr lang="de-DE" smtClean="0"/>
+              <a:t>Überführe pDGL in System erster Ordnung</a:t>
+            </a:r>
+            <a:endParaRPr lang="de-DE" sz="3200" smtClean="0"/>
+          </a:p>
+          <a:p>
             <a:endParaRPr lang="de-DE" smtClean="0"/>
           </a:p>
           <a:p>
@@ -21856,6 +22322,114 @@
           </a:p>
         </p:txBody>
       </p:sp>
+      <p:pic>
+        <p:nvPicPr>
+          <p:cNvPr id="1026" name="Picture 2"/>
+          <p:cNvPicPr>
+            <a:picLocks noChangeAspect="1" noChangeArrowheads="1"/>
+          </p:cNvPicPr>
+          <p:nvPr/>
+        </p:nvPicPr>
+        <p:blipFill>
+          <a:blip r:embed="rId3" cstate="print">
+            <a:extLst>
+              <a:ext uri="{28A0092B-C50C-407E-A947-70E740481C1C}">
+                <a14:useLocalDpi xmlns:a14="http://schemas.microsoft.com/office/drawing/2010/main" val="0"/>
+              </a:ext>
+            </a:extLst>
+          </a:blip>
+          <a:srcRect/>
+          <a:stretch>
+            <a:fillRect/>
+          </a:stretch>
+        </p:blipFill>
+        <p:spPr bwMode="auto">
+          <a:xfrm>
+            <a:off x="1259375" y="1700808"/>
+            <a:ext cx="6588224" cy="996853"/>
+          </a:xfrm>
+          <a:prstGeom prst="rect">
+            <a:avLst/>
+          </a:prstGeom>
+          <a:noFill/>
+          <a:ln>
+            <a:noFill/>
+          </a:ln>
+          <a:extLst>
+            <a:ext uri="{909E8E84-426E-40DD-AFC4-6F175D3DCCD1}">
+              <a14:hiddenFill xmlns:a14="http://schemas.microsoft.com/office/drawing/2010/main">
+                <a:solidFill>
+                  <a:schemeClr val="accent1"/>
+                </a:solidFill>
+              </a14:hiddenFill>
+            </a:ext>
+            <a:ext uri="{91240B29-F687-4F45-9708-019B960494DF}">
+              <a14:hiddenLine xmlns:a14="http://schemas.microsoft.com/office/drawing/2010/main" w="9525">
+                <a:solidFill>
+                  <a:schemeClr val="tx1"/>
+                </a:solidFill>
+                <a:miter lim="800000"/>
+                <a:headEnd/>
+                <a:tailEnd/>
+              </a14:hiddenLine>
+            </a:ext>
+          </a:extLst>
+        </p:spPr>
+      </p:pic>
+      <p:pic>
+        <p:nvPicPr>
+          <p:cNvPr id="1027" name="Picture 3"/>
+          <p:cNvPicPr>
+            <a:picLocks noChangeAspect="1" noChangeArrowheads="1"/>
+          </p:cNvPicPr>
+          <p:nvPr/>
+        </p:nvPicPr>
+        <p:blipFill>
+          <a:blip r:embed="rId4" cstate="print">
+            <a:extLst>
+              <a:ext uri="{28A0092B-C50C-407E-A947-70E740481C1C}">
+                <a14:useLocalDpi xmlns:a14="http://schemas.microsoft.com/office/drawing/2010/main" val="0"/>
+              </a:ext>
+            </a:extLst>
+          </a:blip>
+          <a:srcRect/>
+          <a:stretch>
+            <a:fillRect/>
+          </a:stretch>
+        </p:blipFill>
+        <p:spPr bwMode="auto">
+          <a:xfrm>
+            <a:off x="2483768" y="3933056"/>
+            <a:ext cx="3169030" cy="1768227"/>
+          </a:xfrm>
+          <a:prstGeom prst="rect">
+            <a:avLst/>
+          </a:prstGeom>
+          <a:noFill/>
+          <a:ln>
+            <a:noFill/>
+          </a:ln>
+          <a:extLst>
+            <a:ext uri="{909E8E84-426E-40DD-AFC4-6F175D3DCCD1}">
+              <a14:hiddenFill xmlns:a14="http://schemas.microsoft.com/office/drawing/2010/main">
+                <a:solidFill>
+                  <a:schemeClr val="accent1"/>
+                </a:solidFill>
+              </a14:hiddenFill>
+            </a:ext>
+            <a:ext uri="{91240B29-F687-4F45-9708-019B960494DF}">
+              <a14:hiddenLine xmlns:a14="http://schemas.microsoft.com/office/drawing/2010/main" w="9525">
+                <a:solidFill>
+                  <a:schemeClr val="tx1"/>
+                </a:solidFill>
+                <a:miter lim="800000"/>
+                <a:headEnd/>
+                <a:tailEnd/>
+              </a14:hiddenLine>
+            </a:ext>
+          </a:extLst>
+        </p:spPr>
+      </p:pic>
     </p:spTree>
     <p:extLst>
       <p:ext uri="{BB962C8B-B14F-4D97-AF65-F5344CB8AC3E}">
@@ -23413,467 +23987,60 @@
           <a:chExt cx="0" cy="0"/>
         </a:xfrm>
       </p:grpSpPr>
-      <p:sp>
-        <p:nvSpPr>
-          <p:cNvPr id="2" name="Inhaltsplatzhalter 1"/>
-          <p:cNvSpPr>
-            <a:spLocks noGrp="1"/>
-          </p:cNvSpPr>
-          <p:nvPr>
-            <p:ph idx="1"/>
-          </p:nvPr>
-        </p:nvSpPr>
-        <p:spPr>
+      <p:pic>
+        <p:nvPicPr>
+          <p:cNvPr id="2052" name="Picture 4"/>
+          <p:cNvPicPr>
+            <a:picLocks noChangeAspect="1" noChangeArrowheads="1"/>
+          </p:cNvPicPr>
+          <p:nvPr/>
+        </p:nvPicPr>
+        <p:blipFill>
+          <a:blip r:embed="rId3" cstate="print">
+            <a:extLst>
+              <a:ext uri="{28A0092B-C50C-407E-A947-70E740481C1C}">
+                <a14:useLocalDpi xmlns:a14="http://schemas.microsoft.com/office/drawing/2010/main" val="0"/>
+              </a:ext>
+            </a:extLst>
+          </a:blip>
+          <a:srcRect/>
+          <a:stretch>
+            <a:fillRect/>
+          </a:stretch>
+        </p:blipFill>
+        <p:spPr bwMode="auto">
           <a:xfrm>
-            <a:off x="251520" y="1379909"/>
-            <a:ext cx="8496944" cy="5145435"/>
-          </a:xfrm>
-        </p:spPr>
-        <p:txBody>
-          <a:bodyPr>
-            <a:noAutofit/>
-          </a:bodyPr>
-          <a:lstStyle/>
-          <a:p>
-            <a:pPr>
-              <a:buNone/>
-            </a:pPr>
-            <a:r>
-              <a:rPr lang="de-DE" sz="1800" smtClean="0"/>
-              <a:t>[1] Renn, Ortwin, </a:t>
-            </a:r>
-            <a:r>
-              <a:rPr lang="de-DE" sz="1800" err="1" smtClean="0"/>
-              <a:t>ed</a:t>
-            </a:r>
-            <a:r>
-              <a:rPr lang="de-DE" sz="1800" smtClean="0"/>
-              <a:t>. Partitionierung und Transmutation: Forschung–Entwicklung–Gesellschaftliche Implikationen. Herbert Utz Verlag, 2014.</a:t>
-            </a:r>
-          </a:p>
-          <a:p>
-            <a:pPr>
-              <a:buNone/>
-            </a:pPr>
-            <a:r>
-              <a:rPr lang="de-DE" sz="1800" smtClean="0"/>
-              <a:t>[2] Huber, Josef, Werner Mester, und Wolfgang Thomas. "Sicherheitsaspekte der Wiederaufbereitung von Kernbrennstoffen." GRS, 1987.</a:t>
-            </a:r>
-          </a:p>
-          <a:p>
-            <a:pPr>
-              <a:buNone/>
-            </a:pPr>
-            <a:r>
-              <a:rPr lang="de-DE" sz="1800" smtClean="0"/>
-              <a:t>[3] Mueller, Alex C. </a:t>
-            </a:r>
-            <a:r>
-              <a:rPr lang="de-DE" sz="1800" err="1" smtClean="0"/>
-              <a:t>and</a:t>
-            </a:r>
-            <a:r>
-              <a:rPr lang="de-DE" sz="1800" smtClean="0"/>
-              <a:t> Hamid </a:t>
-            </a:r>
-            <a:r>
-              <a:rPr lang="de-DE" sz="1800" err="1" smtClean="0"/>
-              <a:t>Ait</a:t>
-            </a:r>
-            <a:r>
-              <a:rPr lang="de-DE" sz="1800" smtClean="0"/>
-              <a:t> Abderrahim. "Transmutation von radioaktivem Abfall." In: Physik Journal 11 (2010), Seiten 33-38.</a:t>
-            </a:r>
-          </a:p>
-          <a:p>
-            <a:pPr>
-              <a:buNone/>
-            </a:pPr>
-            <a:r>
-              <a:rPr lang="de-DE" sz="1800" smtClean="0"/>
-              <a:t>[4] </a:t>
-            </a:r>
-            <a:r>
-              <a:rPr lang="de-DE" sz="1800" err="1" smtClean="0"/>
-              <a:t>Varaine</a:t>
-            </a:r>
-            <a:r>
-              <a:rPr lang="de-DE" sz="1800" smtClean="0"/>
-              <a:t>, F., et al. "</a:t>
-            </a:r>
-            <a:r>
-              <a:rPr lang="de-DE" sz="1800" err="1" smtClean="0"/>
-              <a:t>Overview</a:t>
-            </a:r>
-            <a:r>
-              <a:rPr lang="de-DE" sz="1800" smtClean="0"/>
-              <a:t> on </a:t>
-            </a:r>
-            <a:r>
-              <a:rPr lang="de-DE" sz="1800" err="1" smtClean="0"/>
-              <a:t>homogeneous</a:t>
-            </a:r>
-            <a:r>
-              <a:rPr lang="de-DE" sz="1800" smtClean="0"/>
-              <a:t> </a:t>
-            </a:r>
-            <a:r>
-              <a:rPr lang="de-DE" sz="1800" err="1" smtClean="0"/>
-              <a:t>and</a:t>
-            </a:r>
-            <a:r>
-              <a:rPr lang="de-DE" sz="1800" smtClean="0"/>
-              <a:t> </a:t>
-            </a:r>
-            <a:r>
-              <a:rPr lang="de-DE" sz="1800" err="1" smtClean="0"/>
-              <a:t>heterogeneous</a:t>
-            </a:r>
-            <a:r>
-              <a:rPr lang="de-DE" sz="1800" smtClean="0"/>
-              <a:t> </a:t>
-            </a:r>
-            <a:r>
-              <a:rPr lang="de-DE" sz="1800" err="1" smtClean="0"/>
-              <a:t>transmutation</a:t>
-            </a:r>
-            <a:r>
-              <a:rPr lang="de-DE" sz="1800" smtClean="0"/>
-              <a:t> in a </a:t>
-            </a:r>
-            <a:r>
-              <a:rPr lang="de-DE" sz="1800" err="1" smtClean="0"/>
-              <a:t>new</a:t>
-            </a:r>
-            <a:r>
-              <a:rPr lang="de-DE" sz="1800" smtClean="0"/>
-              <a:t> French SFR: </a:t>
-            </a:r>
-            <a:r>
-              <a:rPr lang="de-DE" sz="1800" err="1" smtClean="0"/>
-              <a:t>Reactor</a:t>
-            </a:r>
-            <a:r>
-              <a:rPr lang="de-DE" sz="1800" smtClean="0"/>
-              <a:t> </a:t>
-            </a:r>
-            <a:r>
-              <a:rPr lang="de-DE" sz="1800" err="1" smtClean="0"/>
-              <a:t>and</a:t>
-            </a:r>
-            <a:r>
-              <a:rPr lang="de-DE" sz="1800" smtClean="0"/>
-              <a:t> </a:t>
-            </a:r>
-            <a:r>
-              <a:rPr lang="de-DE" sz="1800" err="1" smtClean="0"/>
-              <a:t>fuel</a:t>
-            </a:r>
-            <a:r>
-              <a:rPr lang="de-DE" sz="1800" smtClean="0"/>
-              <a:t> </a:t>
-            </a:r>
-            <a:r>
-              <a:rPr lang="de-DE" sz="1800" err="1" smtClean="0"/>
-              <a:t>cycle</a:t>
-            </a:r>
-            <a:r>
-              <a:rPr lang="de-DE" sz="1800" smtClean="0"/>
-              <a:t> </a:t>
-            </a:r>
-            <a:r>
-              <a:rPr lang="de-DE" sz="1800" err="1" smtClean="0"/>
-              <a:t>impact</a:t>
-            </a:r>
-            <a:r>
-              <a:rPr lang="de-DE" sz="1800" smtClean="0"/>
-              <a:t>." In: </a:t>
-            </a:r>
-            <a:r>
-              <a:rPr lang="de-DE" sz="1800" err="1" smtClean="0"/>
-              <a:t>Actinide</a:t>
-            </a:r>
-            <a:r>
-              <a:rPr lang="de-DE" sz="1800" smtClean="0"/>
-              <a:t> </a:t>
-            </a:r>
-            <a:r>
-              <a:rPr lang="de-DE" sz="1800" err="1" smtClean="0"/>
-              <a:t>and</a:t>
-            </a:r>
-            <a:r>
-              <a:rPr lang="de-DE" sz="1800" smtClean="0"/>
-              <a:t> Fission </a:t>
-            </a:r>
-            <a:r>
-              <a:rPr lang="de-DE" sz="1800" err="1" smtClean="0"/>
-              <a:t>Product</a:t>
-            </a:r>
-            <a:r>
-              <a:rPr lang="de-DE" sz="1800" smtClean="0"/>
-              <a:t> </a:t>
-            </a:r>
-            <a:r>
-              <a:rPr lang="de-DE" sz="1800" err="1" smtClean="0"/>
-              <a:t>Partitioning</a:t>
-            </a:r>
-            <a:r>
-              <a:rPr lang="de-DE" sz="1800" smtClean="0"/>
-              <a:t> </a:t>
-            </a:r>
-            <a:r>
-              <a:rPr lang="de-DE" sz="1800" err="1" smtClean="0"/>
-              <a:t>and</a:t>
-            </a:r>
-            <a:r>
-              <a:rPr lang="de-DE" sz="1800" smtClean="0"/>
-              <a:t> Transmutation (2010), Seiten 113-122.</a:t>
-            </a:r>
-          </a:p>
-          <a:p>
-            <a:pPr>
-              <a:buNone/>
-            </a:pPr>
-            <a:r>
-              <a:rPr lang="de-DE" sz="1800" smtClean="0"/>
-              <a:t>[5] Merk, Bruno, et al. "On </a:t>
-            </a:r>
-            <a:r>
-              <a:rPr lang="de-DE" sz="1800" err="1" smtClean="0"/>
-              <a:t>the</a:t>
-            </a:r>
-            <a:r>
-              <a:rPr lang="de-DE" sz="1800" smtClean="0"/>
-              <a:t> </a:t>
-            </a:r>
-            <a:r>
-              <a:rPr lang="de-DE" sz="1800" err="1" smtClean="0"/>
-              <a:t>use</a:t>
-            </a:r>
-            <a:r>
-              <a:rPr lang="de-DE" sz="1800" smtClean="0"/>
-              <a:t> </a:t>
-            </a:r>
-            <a:r>
-              <a:rPr lang="de-DE" sz="1800" err="1" smtClean="0"/>
-              <a:t>of</a:t>
-            </a:r>
-            <a:r>
-              <a:rPr lang="de-DE" sz="1800" smtClean="0"/>
-              <a:t> a </a:t>
-            </a:r>
-            <a:r>
-              <a:rPr lang="de-DE" sz="1800" err="1" smtClean="0"/>
-              <a:t>molten</a:t>
-            </a:r>
-            <a:r>
-              <a:rPr lang="de-DE" sz="1800" smtClean="0"/>
-              <a:t> </a:t>
-            </a:r>
-            <a:r>
-              <a:rPr lang="de-DE" sz="1800" err="1" smtClean="0"/>
-              <a:t>salt</a:t>
-            </a:r>
-            <a:r>
-              <a:rPr lang="de-DE" sz="1800" smtClean="0"/>
-              <a:t> fast </a:t>
-            </a:r>
-            <a:r>
-              <a:rPr lang="de-DE" sz="1800" err="1" smtClean="0"/>
-              <a:t>reactor</a:t>
-            </a:r>
-            <a:r>
-              <a:rPr lang="de-DE" sz="1800" smtClean="0"/>
-              <a:t> </a:t>
-            </a:r>
-            <a:r>
-              <a:rPr lang="de-DE" sz="1800" err="1" smtClean="0"/>
-              <a:t>to</a:t>
-            </a:r>
-            <a:r>
-              <a:rPr lang="de-DE" sz="1800" smtClean="0"/>
-              <a:t> </a:t>
-            </a:r>
-            <a:r>
-              <a:rPr lang="de-DE" sz="1800" err="1" smtClean="0"/>
-              <a:t>apply</a:t>
-            </a:r>
-            <a:r>
-              <a:rPr lang="de-DE" sz="1800" smtClean="0"/>
-              <a:t> an </a:t>
-            </a:r>
-            <a:r>
-              <a:rPr lang="de-DE" sz="1800" err="1" smtClean="0"/>
-              <a:t>idealized</a:t>
-            </a:r>
-            <a:r>
-              <a:rPr lang="de-DE" sz="1800" smtClean="0"/>
-              <a:t> </a:t>
-            </a:r>
-            <a:r>
-              <a:rPr lang="de-DE" sz="1800" err="1" smtClean="0"/>
-              <a:t>transmutation</a:t>
-            </a:r>
-            <a:r>
-              <a:rPr lang="de-DE" sz="1800" smtClean="0"/>
-              <a:t> </a:t>
-            </a:r>
-            <a:r>
-              <a:rPr lang="de-DE" sz="1800" err="1" smtClean="0"/>
-              <a:t>scenario</a:t>
-            </a:r>
-            <a:r>
-              <a:rPr lang="de-DE" sz="1800" smtClean="0"/>
-              <a:t> </a:t>
-            </a:r>
-            <a:r>
-              <a:rPr lang="de-DE" sz="1800" err="1" smtClean="0"/>
-              <a:t>for</a:t>
-            </a:r>
-            <a:r>
-              <a:rPr lang="de-DE" sz="1800" smtClean="0"/>
-              <a:t> </a:t>
-            </a:r>
-            <a:r>
-              <a:rPr lang="de-DE" sz="1800" err="1" smtClean="0"/>
-              <a:t>the</a:t>
-            </a:r>
-            <a:r>
-              <a:rPr lang="de-DE" sz="1800" smtClean="0"/>
-              <a:t> </a:t>
-            </a:r>
-            <a:r>
-              <a:rPr lang="de-DE" sz="1800" err="1" smtClean="0"/>
-              <a:t>nuclear</a:t>
-            </a:r>
-            <a:r>
-              <a:rPr lang="de-DE" sz="1800" smtClean="0"/>
-              <a:t> </a:t>
-            </a:r>
-            <a:r>
-              <a:rPr lang="de-DE" sz="1800" err="1" smtClean="0"/>
-              <a:t>phase</a:t>
-            </a:r>
-            <a:r>
-              <a:rPr lang="de-DE" sz="1800" smtClean="0"/>
-              <a:t> out." In: </a:t>
-            </a:r>
-            <a:r>
-              <a:rPr lang="de-DE" sz="1800" err="1" smtClean="0"/>
-              <a:t>PloS</a:t>
-            </a:r>
-            <a:r>
-              <a:rPr lang="de-DE" sz="1800" smtClean="0"/>
-              <a:t> </a:t>
-            </a:r>
-            <a:r>
-              <a:rPr lang="de-DE" sz="1800" err="1" smtClean="0"/>
-              <a:t>one</a:t>
-            </a:r>
-            <a:r>
-              <a:rPr lang="de-DE" sz="1800" smtClean="0"/>
-              <a:t> 9.4 (2014): e92776.</a:t>
-            </a:r>
-          </a:p>
-          <a:p>
-            <a:pPr>
-              <a:buNone/>
-            </a:pPr>
-            <a:r>
-              <a:rPr lang="de-DE" sz="1800" smtClean="0"/>
-              <a:t>[6] </a:t>
-            </a:r>
-            <a:r>
-              <a:rPr lang="de-DE" sz="1800" smtClean="0">
-                <a:hlinkClick r:id="rId2"/>
-              </a:rPr>
-              <a:t>https://www.welt.de/img/wissenschaft/mobile101678711/1752509087-ci102l-w1024/fp-atom-teaser2-DW-Kultur-Juelich-jpg.jpg</a:t>
-            </a:r>
-            <a:endParaRPr lang="de-DE" sz="1800" smtClean="0"/>
-          </a:p>
-          <a:p>
-            <a:pPr>
-              <a:buNone/>
-            </a:pPr>
-            <a:r>
-              <a:rPr lang="de-DE" sz="1800" smtClean="0"/>
-              <a:t>[7] </a:t>
-            </a:r>
-            <a:r>
-              <a:rPr lang="de-DE" sz="1800" err="1" smtClean="0"/>
-              <a:t>Malmbeck</a:t>
-            </a:r>
-            <a:r>
-              <a:rPr lang="de-DE" sz="1800" smtClean="0"/>
-              <a:t>, R., et al. "</a:t>
-            </a:r>
-            <a:r>
-              <a:rPr lang="de-DE" sz="1800" err="1" smtClean="0"/>
-              <a:t>Advanced</a:t>
-            </a:r>
-            <a:r>
-              <a:rPr lang="de-DE" sz="1800" smtClean="0"/>
-              <a:t> </a:t>
-            </a:r>
-            <a:r>
-              <a:rPr lang="de-DE" sz="1800" err="1" smtClean="0"/>
-              <a:t>fuel</a:t>
-            </a:r>
-            <a:r>
-              <a:rPr lang="de-DE" sz="1800" smtClean="0"/>
-              <a:t> </a:t>
-            </a:r>
-            <a:r>
-              <a:rPr lang="de-DE" sz="1800" err="1" smtClean="0"/>
-              <a:t>cycle</a:t>
-            </a:r>
-            <a:r>
-              <a:rPr lang="de-DE" sz="1800" smtClean="0"/>
-              <a:t> </a:t>
-            </a:r>
-            <a:r>
-              <a:rPr lang="de-DE" sz="1800" err="1" smtClean="0"/>
-              <a:t>options</a:t>
-            </a:r>
-            <a:r>
-              <a:rPr lang="de-DE" sz="1800" smtClean="0"/>
-              <a:t>." </a:t>
-            </a:r>
-            <a:r>
-              <a:rPr lang="de-DE" sz="1800" err="1" smtClean="0"/>
-              <a:t>Energy</a:t>
-            </a:r>
-            <a:r>
-              <a:rPr lang="de-DE" sz="1800" smtClean="0"/>
-              <a:t> </a:t>
-            </a:r>
-            <a:r>
-              <a:rPr lang="de-DE" sz="1800" err="1" smtClean="0"/>
-              <a:t>Procedia</a:t>
-            </a:r>
-            <a:r>
-              <a:rPr lang="de-DE" sz="1800" smtClean="0"/>
-              <a:t> 7 (2011): 93-102.</a:t>
-            </a:r>
-          </a:p>
-          <a:p>
-            <a:pPr>
-              <a:buNone/>
-            </a:pPr>
-            <a:r>
-              <a:rPr lang="de-DE" sz="1800" smtClean="0"/>
-              <a:t>[8] </a:t>
-            </a:r>
-            <a:r>
-              <a:rPr lang="de-DE" sz="1800" smtClean="0">
-                <a:hlinkClick r:id="rId3"/>
-              </a:rPr>
-              <a:t>http://francis.naukas.com/2010/08/11/el-ascenso-y-la-caida-del-rubbiatron-en-zaragoza-laesa-y-el-acelerador-de-energia-propuesto-por-carlo-rubbia/</a:t>
-            </a:r>
-            <a:endParaRPr lang="de-DE" sz="1800" smtClean="0"/>
-          </a:p>
-        </p:txBody>
-      </p:sp>
+            <a:off x="1403648" y="2852936"/>
+            <a:ext cx="6192688" cy="820131"/>
+          </a:xfrm>
+          <a:prstGeom prst="rect">
+            <a:avLst/>
+          </a:prstGeom>
+          <a:noFill/>
+          <a:ln>
+            <a:noFill/>
+          </a:ln>
+          <a:extLst>
+            <a:ext uri="{909E8E84-426E-40DD-AFC4-6F175D3DCCD1}">
+              <a14:hiddenFill xmlns:a14="http://schemas.microsoft.com/office/drawing/2010/main">
+                <a:solidFill>
+                  <a:schemeClr val="accent1"/>
+                </a:solidFill>
+              </a14:hiddenFill>
+            </a:ext>
+            <a:ext uri="{91240B29-F687-4F45-9708-019B960494DF}">
+              <a14:hiddenLine xmlns:a14="http://schemas.microsoft.com/office/drawing/2010/main" w="9525">
+                <a:solidFill>
+                  <a:schemeClr val="tx1"/>
+                </a:solidFill>
+                <a:miter lim="800000"/>
+                <a:headEnd/>
+                <a:tailEnd/>
+              </a14:hiddenLine>
+            </a:ext>
+          </a:extLst>
+        </p:spPr>
+      </p:pic>
       <p:sp>
         <p:nvSpPr>
           <p:cNvPr id="3" name="Datumsplatzhalter 2"/>
@@ -23946,85 +24113,707 @@
       </p:sp>
       <p:sp>
         <p:nvSpPr>
-          <p:cNvPr id="7" name="Titel 1"/>
-          <p:cNvSpPr txBox="1">
-            <a:spLocks/>
-          </p:cNvSpPr>
+          <p:cNvPr id="7" name="Rechteck 6"/>
+          <p:cNvSpPr/>
           <p:nvPr/>
         </p:nvSpPr>
         <p:spPr>
           <a:xfrm>
-            <a:off x="467544" y="620688"/>
-            <a:ext cx="8229600" cy="1143000"/>
+            <a:off x="6588224" y="72008"/>
+            <a:ext cx="2483768" cy="260648"/>
           </a:xfrm>
           <a:prstGeom prst="rect">
             <a:avLst/>
           </a:prstGeom>
-        </p:spPr>
-        <p:txBody>
-          <a:bodyPr/>
-          <a:lstStyle/>
-          <a:p>
-            <a:pPr marL="0" marR="0" lvl="0" indent="0" algn="ctr" defTabSz="914400" rtl="0" eaLnBrk="1" fontAlgn="auto" latinLnBrk="0" hangingPunct="1">
-              <a:lnSpc>
-                <a:spcPct val="100000"/>
-              </a:lnSpc>
-              <a:spcBef>
-                <a:spcPct val="0"/>
-              </a:spcBef>
-              <a:spcAft>
-                <a:spcPts val="0"/>
-              </a:spcAft>
-              <a:buClrTx/>
-              <a:buSzTx/>
-              <a:buFontTx/>
-              <a:buNone/>
-              <a:tabLst/>
-              <a:defRPr/>
-            </a:pPr>
-            <a:r>
-              <a:rPr kumimoji="0" lang="de-DE" sz="4400" b="0" i="0" u="none" strike="noStrike" kern="1200" cap="none" spc="0" normalizeH="0" baseline="0" noProof="0" smtClean="0">
-                <a:ln>
-                  <a:noFill/>
-                </a:ln>
-                <a:solidFill>
-                  <a:schemeClr val="tx1"/>
-                </a:solidFill>
-                <a:effectLst/>
-                <a:uLnTx/>
-                <a:uFillTx/>
+          <a:solidFill>
+            <a:srgbClr val="92D050"/>
+          </a:solidFill>
+          <a:ln>
+            <a:noFill/>
+          </a:ln>
+          <a:effectLst>
+            <a:outerShdw blurRad="44450" dist="27940" dir="5400000" algn="ctr">
+              <a:srgbClr val="000000">
+                <a:alpha val="32000"/>
+              </a:srgbClr>
+            </a:outerShdw>
+          </a:effectLst>
+          <a:scene3d>
+            <a:camera prst="orthographicFront">
+              <a:rot lat="0" lon="0" rev="0"/>
+            </a:camera>
+            <a:lightRig rig="balanced" dir="t">
+              <a:rot lat="0" lon="0" rev="8700000"/>
+            </a:lightRig>
+          </a:scene3d>
+          <a:sp3d>
+            <a:bevelT w="190500" h="38100"/>
+          </a:sp3d>
+        </p:spPr>
+        <p:style>
+          <a:lnRef idx="2">
+            <a:schemeClr val="accent1">
+              <a:shade val="50000"/>
+            </a:schemeClr>
+          </a:lnRef>
+          <a:fillRef idx="1">
+            <a:schemeClr val="accent1"/>
+          </a:fillRef>
+          <a:effectRef idx="0">
+            <a:schemeClr val="accent1"/>
+          </a:effectRef>
+          <a:fontRef idx="minor">
+            <a:schemeClr val="lt1"/>
+          </a:fontRef>
+        </p:style>
+        <p:txBody>
+          <a:bodyPr rtlCol="0" anchor="ctr"/>
+          <a:lstStyle/>
+          <a:p>
+            <a:pPr algn="ctr"/>
+            <a:endParaRPr lang="de-DE"/>
+          </a:p>
+        </p:txBody>
+      </p:sp>
+      <p:sp>
+        <p:nvSpPr>
+          <p:cNvPr id="8" name="Textfeld 7"/>
+          <p:cNvSpPr txBox="1"/>
+          <p:nvPr/>
+        </p:nvSpPr>
+        <p:spPr>
+          <a:xfrm>
+            <a:off x="6586695" y="35913"/>
+            <a:ext cx="2521809" cy="584775"/>
+          </a:xfrm>
+          <a:prstGeom prst="rect">
+            <a:avLst/>
+          </a:prstGeom>
+          <a:noFill/>
+        </p:spPr>
+        <p:txBody>
+          <a:bodyPr wrap="square" rtlCol="0">
+            <a:spAutoFit/>
+          </a:bodyPr>
+          <a:lstStyle/>
+          <a:p>
+            <a:pPr algn="ctr"/>
+            <a:r>
+              <a:rPr lang="de-DE" sz="1600" smtClean="0">
+                <a:solidFill>
+                  <a:schemeClr val="accent5">
+                    <a:lumMod val="50000"/>
+                  </a:schemeClr>
+                </a:solidFill>
                 <a:latin typeface="Adobe Arabic" pitchFamily="18" charset="-78"/>
-                <a:ea typeface="+mj-ea"/>
                 <a:cs typeface="Adobe Arabic" pitchFamily="18" charset="-78"/>
               </a:rPr>
-              <a:t>Quellen</a:t>
-            </a:r>
-            <a:endParaRPr kumimoji="0" lang="de-DE" sz="4400" b="0" i="0" u="none" strike="noStrike" kern="1200" cap="none" spc="0" normalizeH="0" baseline="0" noProof="0">
-              <a:ln>
-                <a:noFill/>
-              </a:ln>
+              <a:t>2. </a:t>
+            </a:r>
+            <a:r>
+              <a:rPr lang="de-DE" sz="1600" smtClean="0">
+                <a:latin typeface="Adobe Arabic" pitchFamily="18" charset="-78"/>
+                <a:cs typeface="Adobe Arabic" pitchFamily="18" charset="-78"/>
+              </a:rPr>
+              <a:t>DG-Verfahren</a:t>
+            </a:r>
+          </a:p>
+          <a:p>
+            <a:pPr algn="ctr"/>
+            <a:endParaRPr lang="de-DE" sz="1600">
               <a:solidFill>
-                <a:schemeClr val="tx1"/>
+                <a:schemeClr val="accent5">
+                  <a:lumMod val="50000"/>
+                </a:schemeClr>
               </a:solidFill>
-              <a:effectLst/>
-              <a:uLnTx/>
-              <a:uFillTx/>
               <a:latin typeface="Adobe Arabic" pitchFamily="18" charset="-78"/>
-              <a:ea typeface="+mj-ea"/>
               <a:cs typeface="Adobe Arabic" pitchFamily="18" charset="-78"/>
             </a:endParaRPr>
           </a:p>
         </p:txBody>
       </p:sp>
+      <p:sp>
+        <p:nvSpPr>
+          <p:cNvPr id="17" name="Inhaltsplatzhalter 1"/>
+          <p:cNvSpPr>
+            <a:spLocks noGrp="1"/>
+          </p:cNvSpPr>
+          <p:nvPr>
+            <p:ph idx="1"/>
+          </p:nvPr>
+        </p:nvSpPr>
+        <p:spPr>
+          <a:xfrm>
+            <a:off x="457200" y="980728"/>
+            <a:ext cx="8229600" cy="5145435"/>
+          </a:xfrm>
+        </p:spPr>
+        <p:txBody>
+          <a:bodyPr>
+            <a:normAutofit/>
+          </a:bodyPr>
+          <a:lstStyle/>
+          <a:p>
+            <a:pPr marL="0" indent="0">
+              <a:buNone/>
+            </a:pPr>
+            <a:r>
+              <a:rPr lang="de-DE" sz="3200" smtClean="0"/>
+              <a:t>Entwicklung in Polynombasis</a:t>
+            </a:r>
+          </a:p>
+          <a:p>
+            <a:pPr marL="0" indent="0">
+              <a:buNone/>
+            </a:pPr>
+            <a:endParaRPr lang="de-DE" sz="3200"/>
+          </a:p>
+          <a:p>
+            <a:pPr marL="0" indent="0">
+              <a:buNone/>
+            </a:pPr>
+            <a:endParaRPr lang="de-DE" sz="3200" smtClean="0"/>
+          </a:p>
+          <a:p>
+            <a:pPr marL="0" indent="0">
+              <a:buNone/>
+            </a:pPr>
+            <a:endParaRPr lang="de-DE" sz="3200"/>
+          </a:p>
+          <a:p>
+            <a:pPr marL="0" indent="0">
+              <a:buNone/>
+            </a:pPr>
+            <a:endParaRPr lang="de-DE" sz="3200" smtClean="0"/>
+          </a:p>
+          <a:p>
+            <a:pPr marL="0" indent="0">
+              <a:buNone/>
+            </a:pPr>
+            <a:endParaRPr lang="de-DE" sz="3200"/>
+          </a:p>
+          <a:p>
+            <a:pPr marL="0" indent="0">
+              <a:buNone/>
+            </a:pPr>
+            <a:r>
+              <a:rPr lang="de-DE" smtClean="0"/>
+              <a:t>Kurzschreibweise</a:t>
+            </a:r>
+            <a:endParaRPr lang="de-DE" sz="3200" smtClean="0"/>
+          </a:p>
+          <a:p>
+            <a:pPr marL="0" indent="0">
+              <a:buNone/>
+            </a:pPr>
+            <a:endParaRPr lang="de-DE" sz="3200"/>
+          </a:p>
+          <a:p>
+            <a:pPr marL="0" indent="0">
+              <a:buNone/>
+            </a:pPr>
+            <a:endParaRPr lang="de-DE" sz="3200" smtClean="0"/>
+          </a:p>
+          <a:p>
+            <a:pPr marL="0" indent="0">
+              <a:buNone/>
+            </a:pPr>
+            <a:endParaRPr lang="de-DE" sz="3200"/>
+          </a:p>
+          <a:p>
+            <a:endParaRPr lang="de-DE" smtClean="0"/>
+          </a:p>
+          <a:p>
+            <a:endParaRPr lang="de-DE" i="1" smtClean="0"/>
+          </a:p>
+        </p:txBody>
+      </p:sp>
+      <p:pic>
+        <p:nvPicPr>
+          <p:cNvPr id="2051" name="Picture 3"/>
+          <p:cNvPicPr>
+            <a:picLocks noChangeAspect="1" noChangeArrowheads="1"/>
+          </p:cNvPicPr>
+          <p:nvPr/>
+        </p:nvPicPr>
+        <p:blipFill>
+          <a:blip r:embed="rId4" cstate="print">
+            <a:extLst>
+              <a:ext uri="{28A0092B-C50C-407E-A947-70E740481C1C}">
+                <a14:useLocalDpi xmlns:a14="http://schemas.microsoft.com/office/drawing/2010/main" val="0"/>
+              </a:ext>
+            </a:extLst>
+          </a:blip>
+          <a:srcRect/>
+          <a:stretch>
+            <a:fillRect/>
+          </a:stretch>
+        </p:blipFill>
+        <p:spPr bwMode="auto">
+          <a:xfrm>
+            <a:off x="1403648" y="1916832"/>
+            <a:ext cx="2367532" cy="576064"/>
+          </a:xfrm>
+          <a:prstGeom prst="rect">
+            <a:avLst/>
+          </a:prstGeom>
+          <a:noFill/>
+          <a:ln>
+            <a:noFill/>
+          </a:ln>
+          <a:extLst>
+            <a:ext uri="{909E8E84-426E-40DD-AFC4-6F175D3DCCD1}">
+              <a14:hiddenFill xmlns:a14="http://schemas.microsoft.com/office/drawing/2010/main">
+                <a:solidFill>
+                  <a:schemeClr val="accent1"/>
+                </a:solidFill>
+              </a14:hiddenFill>
+            </a:ext>
+            <a:ext uri="{91240B29-F687-4F45-9708-019B960494DF}">
+              <a14:hiddenLine xmlns:a14="http://schemas.microsoft.com/office/drawing/2010/main" w="9525">
+                <a:solidFill>
+                  <a:schemeClr val="tx1"/>
+                </a:solidFill>
+                <a:miter lim="800000"/>
+                <a:headEnd/>
+                <a:tailEnd/>
+              </a14:hiddenLine>
+            </a:ext>
+          </a:extLst>
+        </p:spPr>
+      </p:pic>
+      <p:pic>
+        <p:nvPicPr>
+          <p:cNvPr id="2053" name="Picture 5"/>
+          <p:cNvPicPr>
+            <a:picLocks noChangeAspect="1" noChangeArrowheads="1"/>
+          </p:cNvPicPr>
+          <p:nvPr/>
+        </p:nvPicPr>
+        <p:blipFill>
+          <a:blip r:embed="rId5" cstate="print">
+            <a:extLst>
+              <a:ext uri="{28A0092B-C50C-407E-A947-70E740481C1C}">
+                <a14:useLocalDpi xmlns:a14="http://schemas.microsoft.com/office/drawing/2010/main" val="0"/>
+              </a:ext>
+            </a:extLst>
+          </a:blip>
+          <a:srcRect/>
+          <a:stretch>
+            <a:fillRect/>
+          </a:stretch>
+        </p:blipFill>
+        <p:spPr bwMode="auto">
+          <a:xfrm>
+            <a:off x="1403648" y="5085184"/>
+            <a:ext cx="3851920" cy="695721"/>
+          </a:xfrm>
+          <a:prstGeom prst="rect">
+            <a:avLst/>
+          </a:prstGeom>
+          <a:noFill/>
+          <a:ln>
+            <a:noFill/>
+          </a:ln>
+          <a:extLst>
+            <a:ext uri="{909E8E84-426E-40DD-AFC4-6F175D3DCCD1}">
+              <a14:hiddenFill xmlns:a14="http://schemas.microsoft.com/office/drawing/2010/main">
+                <a:solidFill>
+                  <a:schemeClr val="accent1"/>
+                </a:solidFill>
+              </a14:hiddenFill>
+            </a:ext>
+            <a:ext uri="{91240B29-F687-4F45-9708-019B960494DF}">
+              <a14:hiddenLine xmlns:a14="http://schemas.microsoft.com/office/drawing/2010/main" w="9525">
+                <a:solidFill>
+                  <a:schemeClr val="tx1"/>
+                </a:solidFill>
+                <a:miter lim="800000"/>
+                <a:headEnd/>
+                <a:tailEnd/>
+              </a14:hiddenLine>
+            </a:ext>
+          </a:extLst>
+        </p:spPr>
+      </p:pic>
+      <p:sp>
+        <p:nvSpPr>
+          <p:cNvPr id="2" name="Rechteck 1"/>
+          <p:cNvSpPr/>
+          <p:nvPr/>
+        </p:nvSpPr>
+        <p:spPr>
+          <a:xfrm>
+            <a:off x="3268980" y="2852936"/>
+            <a:ext cx="1844040" cy="827524"/>
+          </a:xfrm>
+          <a:prstGeom prst="rect">
+            <a:avLst/>
+          </a:prstGeom>
+          <a:noFill/>
+          <a:ln>
+            <a:solidFill>
+              <a:srgbClr val="52C000"/>
+            </a:solidFill>
+          </a:ln>
+        </p:spPr>
+        <p:style>
+          <a:lnRef idx="2">
+            <a:schemeClr val="accent1">
+              <a:shade val="50000"/>
+            </a:schemeClr>
+          </a:lnRef>
+          <a:fillRef idx="1">
+            <a:schemeClr val="accent1"/>
+          </a:fillRef>
+          <a:effectRef idx="0">
+            <a:schemeClr val="accent1"/>
+          </a:effectRef>
+          <a:fontRef idx="minor">
+            <a:schemeClr val="lt1"/>
+          </a:fontRef>
+        </p:style>
+        <p:txBody>
+          <a:bodyPr rtlCol="0" anchor="ctr"/>
+          <a:lstStyle/>
+          <a:p>
+            <a:pPr algn="ctr"/>
+            <a:endParaRPr lang="de-DE"/>
+          </a:p>
+        </p:txBody>
+      </p:sp>
+      <p:sp>
+        <p:nvSpPr>
+          <p:cNvPr id="15" name="Rechteck 14"/>
+          <p:cNvSpPr/>
+          <p:nvPr/>
+        </p:nvSpPr>
+        <p:spPr>
+          <a:xfrm>
+            <a:off x="5356860" y="2845316"/>
+            <a:ext cx="2239476" cy="827524"/>
+          </a:xfrm>
+          <a:prstGeom prst="rect">
+            <a:avLst/>
+          </a:prstGeom>
+          <a:noFill/>
+          <a:ln>
+            <a:solidFill>
+              <a:srgbClr val="0000FF"/>
+            </a:solidFill>
+          </a:ln>
+        </p:spPr>
+        <p:style>
+          <a:lnRef idx="2">
+            <a:schemeClr val="accent1">
+              <a:shade val="50000"/>
+            </a:schemeClr>
+          </a:lnRef>
+          <a:fillRef idx="1">
+            <a:schemeClr val="accent1"/>
+          </a:fillRef>
+          <a:effectRef idx="0">
+            <a:schemeClr val="accent1"/>
+          </a:effectRef>
+          <a:fontRef idx="minor">
+            <a:schemeClr val="lt1"/>
+          </a:fontRef>
+        </p:style>
+        <p:txBody>
+          <a:bodyPr rtlCol="0" anchor="ctr"/>
+          <a:lstStyle/>
+          <a:p>
+            <a:pPr algn="ctr"/>
+            <a:endParaRPr lang="de-DE"/>
+          </a:p>
+        </p:txBody>
+      </p:sp>
+      <p:sp>
+        <p:nvSpPr>
+          <p:cNvPr id="6" name="Textfeld 5"/>
+          <p:cNvSpPr txBox="1"/>
+          <p:nvPr/>
+        </p:nvSpPr>
+        <p:spPr>
+          <a:xfrm>
+            <a:off x="5216458" y="3789040"/>
+            <a:ext cx="2520280" cy="830997"/>
+          </a:xfrm>
+          <a:prstGeom prst="rect">
+            <a:avLst/>
+          </a:prstGeom>
+          <a:noFill/>
+        </p:spPr>
+        <p:txBody>
+          <a:bodyPr wrap="square" rtlCol="0">
+            <a:spAutoFit/>
+          </a:bodyPr>
+          <a:lstStyle/>
+          <a:p>
+            <a:pPr algn="ctr"/>
+            <a:r>
+              <a:rPr lang="de-DE" sz="2400" smtClean="0">
+                <a:solidFill>
+                  <a:srgbClr val="0000FF"/>
+                </a:solidFill>
+                <a:latin typeface="Adobe Arabic" pitchFamily="18" charset="-78"/>
+                <a:cs typeface="Adobe Arabic" pitchFamily="18" charset="-78"/>
+              </a:rPr>
+              <a:t>Nodale Entwicklung</a:t>
+            </a:r>
+            <a:br>
+              <a:rPr lang="de-DE" sz="2400" smtClean="0">
+                <a:solidFill>
+                  <a:srgbClr val="0000FF"/>
+                </a:solidFill>
+                <a:latin typeface="Adobe Arabic" pitchFamily="18" charset="-78"/>
+                <a:cs typeface="Adobe Arabic" pitchFamily="18" charset="-78"/>
+              </a:rPr>
+            </a:br>
+            <a:r>
+              <a:rPr lang="de-DE" sz="2400" smtClean="0">
+                <a:solidFill>
+                  <a:srgbClr val="0000FF"/>
+                </a:solidFill>
+                <a:latin typeface="Adobe Arabic" pitchFamily="18" charset="-78"/>
+                <a:cs typeface="Adobe Arabic" pitchFamily="18" charset="-78"/>
+              </a:rPr>
+              <a:t>(Lagrange-Interpolation)</a:t>
+            </a:r>
+            <a:endParaRPr lang="de-DE">
+              <a:solidFill>
+                <a:srgbClr val="0000FF"/>
+              </a:solidFill>
+              <a:latin typeface="Adobe Arabic" pitchFamily="18" charset="-78"/>
+              <a:cs typeface="Adobe Arabic" pitchFamily="18" charset="-78"/>
+            </a:endParaRPr>
+          </a:p>
+        </p:txBody>
+      </p:sp>
+      <p:sp>
+        <p:nvSpPr>
+          <p:cNvPr id="18" name="Textfeld 17"/>
+          <p:cNvSpPr txBox="1"/>
+          <p:nvPr/>
+        </p:nvSpPr>
+        <p:spPr>
+          <a:xfrm>
+            <a:off x="2915620" y="3789040"/>
+            <a:ext cx="2520280" cy="830997"/>
+          </a:xfrm>
+          <a:prstGeom prst="rect">
+            <a:avLst/>
+          </a:prstGeom>
+          <a:noFill/>
+        </p:spPr>
+        <p:txBody>
+          <a:bodyPr wrap="square" rtlCol="0">
+            <a:spAutoFit/>
+          </a:bodyPr>
+          <a:lstStyle/>
+          <a:p>
+            <a:pPr algn="ctr"/>
+            <a:r>
+              <a:rPr lang="de-DE" sz="2400" smtClean="0">
+                <a:solidFill>
+                  <a:srgbClr val="52C000"/>
+                </a:solidFill>
+                <a:latin typeface="Adobe Arabic" pitchFamily="18" charset="-78"/>
+                <a:cs typeface="Adobe Arabic" pitchFamily="18" charset="-78"/>
+              </a:rPr>
+              <a:t>Modale Entwicklung</a:t>
+            </a:r>
+            <a:br>
+              <a:rPr lang="de-DE" sz="2400" smtClean="0">
+                <a:solidFill>
+                  <a:srgbClr val="52C000"/>
+                </a:solidFill>
+                <a:latin typeface="Adobe Arabic" pitchFamily="18" charset="-78"/>
+                <a:cs typeface="Adobe Arabic" pitchFamily="18" charset="-78"/>
+              </a:rPr>
+            </a:br>
+            <a:r>
+              <a:rPr lang="de-DE" sz="2400" smtClean="0">
+                <a:solidFill>
+                  <a:srgbClr val="52C000"/>
+                </a:solidFill>
+                <a:latin typeface="Adobe Arabic" pitchFamily="18" charset="-78"/>
+                <a:cs typeface="Adobe Arabic" pitchFamily="18" charset="-78"/>
+              </a:rPr>
+              <a:t>(Jacobi-Polynome)</a:t>
+            </a:r>
+            <a:endParaRPr lang="de-DE">
+              <a:solidFill>
+                <a:srgbClr val="52C000"/>
+              </a:solidFill>
+              <a:latin typeface="Adobe Arabic" pitchFamily="18" charset="-78"/>
+              <a:cs typeface="Adobe Arabic" pitchFamily="18" charset="-78"/>
+            </a:endParaRPr>
+          </a:p>
+        </p:txBody>
+      </p:sp>
+      <p:sp>
+        <p:nvSpPr>
+          <p:cNvPr id="9" name="Rechteck 8"/>
+          <p:cNvSpPr/>
+          <p:nvPr/>
+        </p:nvSpPr>
+        <p:spPr>
+          <a:xfrm>
+            <a:off x="4351427" y="1057722"/>
+            <a:ext cx="441146" cy="369332"/>
+          </a:xfrm>
+          <a:prstGeom prst="rect">
+            <a:avLst/>
+          </a:prstGeom>
+        </p:spPr>
+        <p:txBody>
+          <a:bodyPr wrap="none">
+            <a:spAutoFit/>
+          </a:bodyPr>
+          <a:lstStyle/>
+          <a:p>
+            <a:r>
+              <a:rPr lang="de-DE" smtClean="0">
+                <a:solidFill>
+                  <a:srgbClr val="0070C0"/>
+                </a:solidFill>
+                <a:latin typeface="Arial" panose="020B0604020202020204" pitchFamily="34" charset="0"/>
+                <a:cs typeface="Arial" panose="020B0604020202020204" pitchFamily="34" charset="0"/>
+              </a:rPr>
+              <a:t>[3]</a:t>
+            </a:r>
+            <a:endParaRPr lang="de-DE">
+              <a:solidFill>
+                <a:srgbClr val="0070C0"/>
+              </a:solidFill>
+              <a:latin typeface="Arial" panose="020B0604020202020204" pitchFamily="34" charset="0"/>
+              <a:cs typeface="Arial" panose="020B0604020202020204" pitchFamily="34" charset="0"/>
+            </a:endParaRPr>
+          </a:p>
+        </p:txBody>
+      </p:sp>
     </p:spTree>
+    <p:extLst>
+      <p:ext uri="{BB962C8B-B14F-4D97-AF65-F5344CB8AC3E}">
+        <p14:creationId xmlns:p14="http://schemas.microsoft.com/office/powerpoint/2010/main" val="1405301025"/>
+      </p:ext>
+    </p:extLst>
   </p:cSld>
   <p:clrMapOvr>
     <a:masterClrMapping/>
   </p:clrMapOvr>
+  <mc:AlternateContent xmlns:mc="http://schemas.openxmlformats.org/markup-compatibility/2006" xmlns:p14="http://schemas.microsoft.com/office/powerpoint/2010/main">
+    <mc:Choice Requires="p14">
+      <p:transition spd="slow" p14:dur="2000"/>
+    </mc:Choice>
+    <mc:Fallback xmlns="">
+      <p:transition spd="slow"/>
+    </mc:Fallback>
+  </mc:AlternateContent>
   <p:timing>
     <p:tnLst>
       <p:par>
-        <p:cTn id="1" dur="indefinite" restart="never" nodeType="tmRoot"/>
+        <p:cTn id="1" dur="indefinite" restart="never" nodeType="tmRoot">
+          <p:childTnLst>
+            <p:seq concurrent="1" nextAc="seek">
+              <p:cTn id="2" dur="indefinite" nodeType="mainSeq">
+                <p:childTnLst>
+                  <p:par>
+                    <p:cTn id="3" fill="hold">
+                      <p:stCondLst>
+                        <p:cond delay="indefinite"/>
+                      </p:stCondLst>
+                      <p:childTnLst>
+                        <p:par>
+                          <p:cTn id="4" fill="hold">
+                            <p:stCondLst>
+                              <p:cond delay="0"/>
+                            </p:stCondLst>
+                            <p:childTnLst>
+                              <p:par>
+                                <p:cTn id="5" presetID="1" presetClass="entr" presetSubtype="0" fill="hold" nodeType="clickEffect">
+                                  <p:stCondLst>
+                                    <p:cond delay="0"/>
+                                  </p:stCondLst>
+                                  <p:childTnLst>
+                                    <p:set>
+                                      <p:cBhvr>
+                                        <p:cTn id="6" dur="1" fill="hold">
+                                          <p:stCondLst>
+                                            <p:cond delay="0"/>
+                                          </p:stCondLst>
+                                        </p:cTn>
+                                        <p:tgtEl>
+                                          <p:spTgt spid="17">
+                                            <p:txEl>
+                                              <p:pRg st="6" end="6"/>
+                                            </p:txEl>
+                                          </p:spTgt>
+                                        </p:tgtEl>
+                                        <p:attrNameLst>
+                                          <p:attrName>style.visibility</p:attrName>
+                                        </p:attrNameLst>
+                                      </p:cBhvr>
+                                      <p:to>
+                                        <p:strVal val="visible"/>
+                                      </p:to>
+                                    </p:set>
+                                  </p:childTnLst>
+                                </p:cTn>
+                              </p:par>
+                              <p:par>
+                                <p:cTn id="7" presetID="1" presetClass="entr" presetSubtype="0" fill="hold" nodeType="withEffect">
+                                  <p:stCondLst>
+                                    <p:cond delay="0"/>
+                                  </p:stCondLst>
+                                  <p:childTnLst>
+                                    <p:set>
+                                      <p:cBhvr>
+                                        <p:cTn id="8" dur="1" fill="hold">
+                                          <p:stCondLst>
+                                            <p:cond delay="0"/>
+                                          </p:stCondLst>
+                                        </p:cTn>
+                                        <p:tgtEl>
+                                          <p:spTgt spid="2053"/>
+                                        </p:tgtEl>
+                                        <p:attrNameLst>
+                                          <p:attrName>style.visibility</p:attrName>
+                                        </p:attrNameLst>
+                                      </p:cBhvr>
+                                      <p:to>
+                                        <p:strVal val="visible"/>
+                                      </p:to>
+                                    </p:set>
+                                  </p:childTnLst>
+                                </p:cTn>
+                              </p:par>
+                            </p:childTnLst>
+                          </p:cTn>
+                        </p:par>
+                      </p:childTnLst>
+                    </p:cTn>
+                  </p:par>
+                </p:childTnLst>
+              </p:cTn>
+              <p:prevCondLst>
+                <p:cond evt="onPrev" delay="0">
+                  <p:tgtEl>
+                    <p:sldTgt/>
+                  </p:tgtEl>
+                </p:cond>
+              </p:prevCondLst>
+              <p:nextCondLst>
+                <p:cond evt="onNext" delay="0">
+                  <p:tgtEl>
+                    <p:sldTgt/>
+                  </p:tgtEl>
+                </p:cond>
+              </p:nextCondLst>
+            </p:seq>
+          </p:childTnLst>
+        </p:cTn>
       </p:par>
     </p:tnLst>
   </p:timing>
@@ -24050,6 +24839,2219 @@
       </p:grpSpPr>
       <p:sp>
         <p:nvSpPr>
+          <p:cNvPr id="3" name="Datumsplatzhalter 2"/>
+          <p:cNvSpPr>
+            <a:spLocks noGrp="1"/>
+          </p:cNvSpPr>
+          <p:nvPr>
+            <p:ph type="dt" sz="half" idx="10"/>
+          </p:nvPr>
+        </p:nvSpPr>
+        <p:spPr/>
+        <p:txBody>
+          <a:bodyPr/>
+          <a:lstStyle/>
+          <a:p>
+            <a:r>
+              <a:rPr lang="de-DE" smtClean="0"/>
+              <a:t>27.01.2017</a:t>
+            </a:r>
+            <a:endParaRPr lang="de-DE"/>
+          </a:p>
+        </p:txBody>
+      </p:sp>
+      <p:sp>
+        <p:nvSpPr>
+          <p:cNvPr id="4" name="Fußzeilenplatzhalter 3"/>
+          <p:cNvSpPr>
+            <a:spLocks noGrp="1"/>
+          </p:cNvSpPr>
+          <p:nvPr>
+            <p:ph type="ftr" sz="quarter" idx="11"/>
+          </p:nvPr>
+        </p:nvSpPr>
+        <p:spPr/>
+        <p:txBody>
+          <a:bodyPr/>
+          <a:lstStyle/>
+          <a:p>
+            <a:r>
+              <a:rPr lang="de-DE" smtClean="0"/>
+              <a:t>Transmutation – Matthias Jaeger</a:t>
+            </a:r>
+            <a:endParaRPr lang="de-DE"/>
+          </a:p>
+        </p:txBody>
+      </p:sp>
+      <p:sp>
+        <p:nvSpPr>
+          <p:cNvPr id="5" name="Foliennummernplatzhalter 4"/>
+          <p:cNvSpPr>
+            <a:spLocks noGrp="1"/>
+          </p:cNvSpPr>
+          <p:nvPr>
+            <p:ph type="sldNum" sz="quarter" idx="12"/>
+          </p:nvPr>
+        </p:nvSpPr>
+        <p:spPr/>
+        <p:txBody>
+          <a:bodyPr/>
+          <a:lstStyle/>
+          <a:p>
+            <a:fld id="{1A73E011-4CD9-4D05-A24A-32BCD9CDCEE7}" type="slidenum">
+              <a:rPr lang="de-DE" smtClean="0"/>
+              <a:pPr/>
+              <a:t>31</a:t>
+            </a:fld>
+            <a:endParaRPr lang="de-DE"/>
+          </a:p>
+        </p:txBody>
+      </p:sp>
+      <p:sp>
+        <p:nvSpPr>
+          <p:cNvPr id="7" name="Rechteck 6"/>
+          <p:cNvSpPr/>
+          <p:nvPr/>
+        </p:nvSpPr>
+        <p:spPr>
+          <a:xfrm>
+            <a:off x="6588224" y="72008"/>
+            <a:ext cx="2483768" cy="260648"/>
+          </a:xfrm>
+          <a:prstGeom prst="rect">
+            <a:avLst/>
+          </a:prstGeom>
+          <a:solidFill>
+            <a:srgbClr val="92D050"/>
+          </a:solidFill>
+          <a:ln>
+            <a:noFill/>
+          </a:ln>
+          <a:effectLst>
+            <a:outerShdw blurRad="44450" dist="27940" dir="5400000" algn="ctr">
+              <a:srgbClr val="000000">
+                <a:alpha val="32000"/>
+              </a:srgbClr>
+            </a:outerShdw>
+          </a:effectLst>
+          <a:scene3d>
+            <a:camera prst="orthographicFront">
+              <a:rot lat="0" lon="0" rev="0"/>
+            </a:camera>
+            <a:lightRig rig="balanced" dir="t">
+              <a:rot lat="0" lon="0" rev="8700000"/>
+            </a:lightRig>
+          </a:scene3d>
+          <a:sp3d>
+            <a:bevelT w="190500" h="38100"/>
+          </a:sp3d>
+        </p:spPr>
+        <p:style>
+          <a:lnRef idx="2">
+            <a:schemeClr val="accent1">
+              <a:shade val="50000"/>
+            </a:schemeClr>
+          </a:lnRef>
+          <a:fillRef idx="1">
+            <a:schemeClr val="accent1"/>
+          </a:fillRef>
+          <a:effectRef idx="0">
+            <a:schemeClr val="accent1"/>
+          </a:effectRef>
+          <a:fontRef idx="minor">
+            <a:schemeClr val="lt1"/>
+          </a:fontRef>
+        </p:style>
+        <p:txBody>
+          <a:bodyPr rtlCol="0" anchor="ctr"/>
+          <a:lstStyle/>
+          <a:p>
+            <a:pPr algn="ctr"/>
+            <a:endParaRPr lang="de-DE"/>
+          </a:p>
+        </p:txBody>
+      </p:sp>
+      <p:sp>
+        <p:nvSpPr>
+          <p:cNvPr id="8" name="Textfeld 7"/>
+          <p:cNvSpPr txBox="1"/>
+          <p:nvPr/>
+        </p:nvSpPr>
+        <p:spPr>
+          <a:xfrm>
+            <a:off x="6586695" y="35913"/>
+            <a:ext cx="2521809" cy="584775"/>
+          </a:xfrm>
+          <a:prstGeom prst="rect">
+            <a:avLst/>
+          </a:prstGeom>
+          <a:noFill/>
+        </p:spPr>
+        <p:txBody>
+          <a:bodyPr wrap="square" rtlCol="0">
+            <a:spAutoFit/>
+          </a:bodyPr>
+          <a:lstStyle/>
+          <a:p>
+            <a:pPr algn="ctr"/>
+            <a:r>
+              <a:rPr lang="de-DE" sz="1600" smtClean="0">
+                <a:solidFill>
+                  <a:schemeClr val="accent5">
+                    <a:lumMod val="50000"/>
+                  </a:schemeClr>
+                </a:solidFill>
+                <a:latin typeface="Adobe Arabic" pitchFamily="18" charset="-78"/>
+                <a:cs typeface="Adobe Arabic" pitchFamily="18" charset="-78"/>
+              </a:rPr>
+              <a:t>2. </a:t>
+            </a:r>
+            <a:r>
+              <a:rPr lang="de-DE" sz="1600" smtClean="0">
+                <a:latin typeface="Adobe Arabic" pitchFamily="18" charset="-78"/>
+                <a:cs typeface="Adobe Arabic" pitchFamily="18" charset="-78"/>
+              </a:rPr>
+              <a:t>DG-Verfahren</a:t>
+            </a:r>
+          </a:p>
+          <a:p>
+            <a:pPr algn="ctr"/>
+            <a:endParaRPr lang="de-DE" sz="1600">
+              <a:solidFill>
+                <a:schemeClr val="accent5">
+                  <a:lumMod val="50000"/>
+                </a:schemeClr>
+              </a:solidFill>
+              <a:latin typeface="Adobe Arabic" pitchFamily="18" charset="-78"/>
+              <a:cs typeface="Adobe Arabic" pitchFamily="18" charset="-78"/>
+            </a:endParaRPr>
+          </a:p>
+        </p:txBody>
+      </p:sp>
+      <p:sp>
+        <p:nvSpPr>
+          <p:cNvPr id="17" name="Inhaltsplatzhalter 1"/>
+          <p:cNvSpPr>
+            <a:spLocks noGrp="1"/>
+          </p:cNvSpPr>
+          <p:nvPr>
+            <p:ph idx="1"/>
+          </p:nvPr>
+        </p:nvSpPr>
+        <p:spPr>
+          <a:xfrm>
+            <a:off x="457200" y="980728"/>
+            <a:ext cx="8229600" cy="5145435"/>
+          </a:xfrm>
+        </p:spPr>
+        <p:txBody>
+          <a:bodyPr>
+            <a:normAutofit/>
+          </a:bodyPr>
+          <a:lstStyle/>
+          <a:p>
+            <a:pPr marL="0" indent="0">
+              <a:buNone/>
+            </a:pPr>
+            <a:r>
+              <a:rPr lang="de-DE" sz="3200" smtClean="0"/>
+              <a:t>Starke Formulierung</a:t>
+            </a:r>
+          </a:p>
+          <a:p>
+            <a:pPr marL="0" indent="0">
+              <a:buNone/>
+            </a:pPr>
+            <a:endParaRPr lang="de-DE" sz="3200"/>
+          </a:p>
+          <a:p>
+            <a:pPr marL="0" indent="0">
+              <a:buNone/>
+            </a:pPr>
+            <a:endParaRPr lang="de-DE" sz="3200"/>
+          </a:p>
+          <a:p>
+            <a:pPr marL="0" indent="0">
+              <a:buNone/>
+            </a:pPr>
+            <a:endParaRPr lang="de-DE" sz="3200" smtClean="0"/>
+          </a:p>
+          <a:p>
+            <a:pPr marL="0" indent="0">
+              <a:buNone/>
+            </a:pPr>
+            <a:endParaRPr lang="de-DE" sz="3200"/>
+          </a:p>
+          <a:p>
+            <a:endParaRPr lang="de-DE" smtClean="0"/>
+          </a:p>
+          <a:p>
+            <a:endParaRPr lang="de-DE" i="1" smtClean="0"/>
+          </a:p>
+        </p:txBody>
+      </p:sp>
+      <p:pic>
+        <p:nvPicPr>
+          <p:cNvPr id="3074" name="Picture 2"/>
+          <p:cNvPicPr>
+            <a:picLocks noChangeAspect="1" noChangeArrowheads="1"/>
+          </p:cNvPicPr>
+          <p:nvPr/>
+        </p:nvPicPr>
+        <p:blipFill>
+          <a:blip r:embed="rId3" cstate="print">
+            <a:extLst>
+              <a:ext uri="{28A0092B-C50C-407E-A947-70E740481C1C}">
+                <a14:useLocalDpi xmlns:a14="http://schemas.microsoft.com/office/drawing/2010/main" val="0"/>
+              </a:ext>
+            </a:extLst>
+          </a:blip>
+          <a:srcRect/>
+          <a:stretch>
+            <a:fillRect/>
+          </a:stretch>
+        </p:blipFill>
+        <p:spPr bwMode="auto">
+          <a:xfrm>
+            <a:off x="3047004" y="1772816"/>
+            <a:ext cx="5989492" cy="1559056"/>
+          </a:xfrm>
+          <a:prstGeom prst="rect">
+            <a:avLst/>
+          </a:prstGeom>
+          <a:noFill/>
+          <a:ln>
+            <a:noFill/>
+          </a:ln>
+          <a:extLst>
+            <a:ext uri="{909E8E84-426E-40DD-AFC4-6F175D3DCCD1}">
+              <a14:hiddenFill xmlns:a14="http://schemas.microsoft.com/office/drawing/2010/main">
+                <a:solidFill>
+                  <a:schemeClr val="accent1"/>
+                </a:solidFill>
+              </a14:hiddenFill>
+            </a:ext>
+            <a:ext uri="{91240B29-F687-4F45-9708-019B960494DF}">
+              <a14:hiddenLine xmlns:a14="http://schemas.microsoft.com/office/drawing/2010/main" w="9525">
+                <a:solidFill>
+                  <a:schemeClr val="tx1"/>
+                </a:solidFill>
+                <a:miter lim="800000"/>
+                <a:headEnd/>
+                <a:tailEnd/>
+              </a14:hiddenLine>
+            </a:ext>
+          </a:extLst>
+        </p:spPr>
+      </p:pic>
+      <p:pic>
+        <p:nvPicPr>
+          <p:cNvPr id="3076" name="Picture 4"/>
+          <p:cNvPicPr>
+            <a:picLocks noChangeAspect="1" noChangeArrowheads="1"/>
+          </p:cNvPicPr>
+          <p:nvPr/>
+        </p:nvPicPr>
+        <p:blipFill>
+          <a:blip r:embed="rId4" cstate="print">
+            <a:extLst>
+              <a:ext uri="{28A0092B-C50C-407E-A947-70E740481C1C}">
+                <a14:useLocalDpi xmlns:a14="http://schemas.microsoft.com/office/drawing/2010/main" val="0"/>
+              </a:ext>
+            </a:extLst>
+          </a:blip>
+          <a:srcRect/>
+          <a:stretch>
+            <a:fillRect/>
+          </a:stretch>
+        </p:blipFill>
+        <p:spPr bwMode="auto">
+          <a:xfrm>
+            <a:off x="3046756" y="5661248"/>
+            <a:ext cx="1126382" cy="253883"/>
+          </a:xfrm>
+          <a:prstGeom prst="rect">
+            <a:avLst/>
+          </a:prstGeom>
+          <a:noFill/>
+          <a:ln>
+            <a:noFill/>
+          </a:ln>
+          <a:extLst>
+            <a:ext uri="{909E8E84-426E-40DD-AFC4-6F175D3DCCD1}">
+              <a14:hiddenFill xmlns:a14="http://schemas.microsoft.com/office/drawing/2010/main">
+                <a:solidFill>
+                  <a:schemeClr val="accent1"/>
+                </a:solidFill>
+              </a14:hiddenFill>
+            </a:ext>
+            <a:ext uri="{91240B29-F687-4F45-9708-019B960494DF}">
+              <a14:hiddenLine xmlns:a14="http://schemas.microsoft.com/office/drawing/2010/main" w="9525">
+                <a:solidFill>
+                  <a:schemeClr val="tx1"/>
+                </a:solidFill>
+                <a:miter lim="800000"/>
+                <a:headEnd/>
+                <a:tailEnd/>
+              </a14:hiddenLine>
+            </a:ext>
+          </a:extLst>
+        </p:spPr>
+      </p:pic>
+      <p:pic>
+        <p:nvPicPr>
+          <p:cNvPr id="19" name="Picture 3"/>
+          <p:cNvPicPr>
+            <a:picLocks noChangeAspect="1" noChangeArrowheads="1"/>
+          </p:cNvPicPr>
+          <p:nvPr/>
+        </p:nvPicPr>
+        <p:blipFill>
+          <a:blip r:embed="rId5" cstate="print">
+            <a:extLst>
+              <a:ext uri="{28A0092B-C50C-407E-A947-70E740481C1C}">
+                <a14:useLocalDpi xmlns:a14="http://schemas.microsoft.com/office/drawing/2010/main" val="0"/>
+              </a:ext>
+            </a:extLst>
+          </a:blip>
+          <a:srcRect/>
+          <a:stretch>
+            <a:fillRect/>
+          </a:stretch>
+        </p:blipFill>
+        <p:spPr bwMode="auto">
+          <a:xfrm>
+            <a:off x="461256" y="3264967"/>
+            <a:ext cx="1878496" cy="1048146"/>
+          </a:xfrm>
+          <a:prstGeom prst="rect">
+            <a:avLst/>
+          </a:prstGeom>
+          <a:noFill/>
+          <a:ln>
+            <a:noFill/>
+          </a:ln>
+          <a:extLst>
+            <a:ext uri="{909E8E84-426E-40DD-AFC4-6F175D3DCCD1}">
+              <a14:hiddenFill xmlns:a14="http://schemas.microsoft.com/office/drawing/2010/main">
+                <a:solidFill>
+                  <a:schemeClr val="accent1"/>
+                </a:solidFill>
+              </a14:hiddenFill>
+            </a:ext>
+            <a:ext uri="{91240B29-F687-4F45-9708-019B960494DF}">
+              <a14:hiddenLine xmlns:a14="http://schemas.microsoft.com/office/drawing/2010/main" w="9525">
+                <a:solidFill>
+                  <a:schemeClr val="tx1"/>
+                </a:solidFill>
+                <a:miter lim="800000"/>
+                <a:headEnd/>
+                <a:tailEnd/>
+              </a14:hiddenLine>
+            </a:ext>
+          </a:extLst>
+        </p:spPr>
+      </p:pic>
+      <p:cxnSp>
+        <p:nvCxnSpPr>
+          <p:cNvPr id="10" name="Gerade Verbindung mit Pfeil 9"/>
+          <p:cNvCxnSpPr/>
+          <p:nvPr/>
+        </p:nvCxnSpPr>
+        <p:spPr>
+          <a:xfrm flipV="1">
+            <a:off x="2339752" y="2636912"/>
+            <a:ext cx="648072" cy="694960"/>
+          </a:xfrm>
+          <a:prstGeom prst="straightConnector1">
+            <a:avLst/>
+          </a:prstGeom>
+          <a:ln>
+            <a:solidFill>
+              <a:schemeClr val="tx1"/>
+            </a:solidFill>
+            <a:tailEnd type="arrow"/>
+          </a:ln>
+        </p:spPr>
+        <p:style>
+          <a:lnRef idx="1">
+            <a:schemeClr val="accent1"/>
+          </a:lnRef>
+          <a:fillRef idx="0">
+            <a:schemeClr val="accent1"/>
+          </a:fillRef>
+          <a:effectRef idx="0">
+            <a:schemeClr val="accent1"/>
+          </a:effectRef>
+          <a:fontRef idx="minor">
+            <a:schemeClr val="tx1"/>
+          </a:fontRef>
+        </p:style>
+      </p:cxnSp>
+      <p:cxnSp>
+        <p:nvCxnSpPr>
+          <p:cNvPr id="12" name="Gerade Verbindung mit Pfeil 11"/>
+          <p:cNvCxnSpPr/>
+          <p:nvPr/>
+        </p:nvCxnSpPr>
+        <p:spPr>
+          <a:xfrm>
+            <a:off x="2339752" y="4005064"/>
+            <a:ext cx="504056" cy="144016"/>
+          </a:xfrm>
+          <a:prstGeom prst="straightConnector1">
+            <a:avLst/>
+          </a:prstGeom>
+          <a:ln>
+            <a:solidFill>
+              <a:schemeClr val="tx1"/>
+            </a:solidFill>
+            <a:tailEnd type="arrow"/>
+          </a:ln>
+        </p:spPr>
+        <p:style>
+          <a:lnRef idx="1">
+            <a:schemeClr val="accent1"/>
+          </a:lnRef>
+          <a:fillRef idx="0">
+            <a:schemeClr val="accent1"/>
+          </a:fillRef>
+          <a:effectRef idx="0">
+            <a:schemeClr val="accent1"/>
+          </a:effectRef>
+          <a:fontRef idx="minor">
+            <a:schemeClr val="tx1"/>
+          </a:fontRef>
+        </p:style>
+      </p:cxnSp>
+      <p:pic>
+        <p:nvPicPr>
+          <p:cNvPr id="3078" name="Picture 6"/>
+          <p:cNvPicPr>
+            <a:picLocks noChangeAspect="1" noChangeArrowheads="1"/>
+          </p:cNvPicPr>
+          <p:nvPr/>
+        </p:nvPicPr>
+        <p:blipFill>
+          <a:blip r:embed="rId6" cstate="print">
+            <a:extLst>
+              <a:ext uri="{28A0092B-C50C-407E-A947-70E740481C1C}">
+                <a14:useLocalDpi xmlns:a14="http://schemas.microsoft.com/office/drawing/2010/main" val="0"/>
+              </a:ext>
+            </a:extLst>
+          </a:blip>
+          <a:srcRect/>
+          <a:stretch>
+            <a:fillRect/>
+          </a:stretch>
+        </p:blipFill>
+        <p:spPr bwMode="auto">
+          <a:xfrm>
+            <a:off x="3047004" y="3789040"/>
+            <a:ext cx="5886220" cy="1495623"/>
+          </a:xfrm>
+          <a:prstGeom prst="rect">
+            <a:avLst/>
+          </a:prstGeom>
+          <a:noFill/>
+          <a:ln>
+            <a:noFill/>
+          </a:ln>
+          <a:extLst>
+            <a:ext uri="{909E8E84-426E-40DD-AFC4-6F175D3DCCD1}">
+              <a14:hiddenFill xmlns:a14="http://schemas.microsoft.com/office/drawing/2010/main">
+                <a:solidFill>
+                  <a:schemeClr val="accent1"/>
+                </a:solidFill>
+              </a14:hiddenFill>
+            </a:ext>
+            <a:ext uri="{91240B29-F687-4F45-9708-019B960494DF}">
+              <a14:hiddenLine xmlns:a14="http://schemas.microsoft.com/office/drawing/2010/main" w="9525">
+                <a:solidFill>
+                  <a:schemeClr val="tx1"/>
+                </a:solidFill>
+                <a:miter lim="800000"/>
+                <a:headEnd/>
+                <a:tailEnd/>
+              </a14:hiddenLine>
+            </a:ext>
+          </a:extLst>
+        </p:spPr>
+      </p:pic>
+    </p:spTree>
+    <p:extLst>
+      <p:ext uri="{BB962C8B-B14F-4D97-AF65-F5344CB8AC3E}">
+        <p14:creationId xmlns:p14="http://schemas.microsoft.com/office/powerpoint/2010/main" val="2631561151"/>
+      </p:ext>
+    </p:extLst>
+  </p:cSld>
+  <p:clrMapOvr>
+    <a:masterClrMapping/>
+  </p:clrMapOvr>
+  <mc:AlternateContent xmlns:mc="http://schemas.openxmlformats.org/markup-compatibility/2006" xmlns:p14="http://schemas.microsoft.com/office/powerpoint/2010/main">
+    <mc:Choice Requires="p14">
+      <p:transition spd="slow" p14:dur="2000"/>
+    </mc:Choice>
+    <mc:Fallback xmlns="">
+      <p:transition spd="slow"/>
+    </mc:Fallback>
+  </mc:AlternateContent>
+  <p:timing>
+    <p:tnLst>
+      <p:par>
+        <p:cTn id="1" dur="indefinite" restart="never" nodeType="tmRoot"/>
+      </p:par>
+    </p:tnLst>
+  </p:timing>
+</p:sld>
+</file>
+
+<file path=ppt/slides/slide32.xml><?xml version="1.0" encoding="utf-8"?>
+<p:sld xmlns:a="http://schemas.openxmlformats.org/drawingml/2006/main" xmlns:r="http://schemas.openxmlformats.org/officeDocument/2006/relationships" xmlns:p="http://schemas.openxmlformats.org/presentationml/2006/main">
+  <p:cSld>
+    <p:spTree>
+      <p:nvGrpSpPr>
+        <p:cNvPr id="1" name=""/>
+        <p:cNvGrpSpPr/>
+        <p:nvPr/>
+      </p:nvGrpSpPr>
+      <p:grpSpPr>
+        <a:xfrm>
+          <a:off x="0" y="0"/>
+          <a:ext cx="0" cy="0"/>
+          <a:chOff x="0" y="0"/>
+          <a:chExt cx="0" cy="0"/>
+        </a:xfrm>
+      </p:grpSpPr>
+      <p:sp>
+        <p:nvSpPr>
+          <p:cNvPr id="3" name="Datumsplatzhalter 2"/>
+          <p:cNvSpPr>
+            <a:spLocks noGrp="1"/>
+          </p:cNvSpPr>
+          <p:nvPr>
+            <p:ph type="dt" sz="half" idx="10"/>
+          </p:nvPr>
+        </p:nvSpPr>
+        <p:spPr/>
+        <p:txBody>
+          <a:bodyPr/>
+          <a:lstStyle/>
+          <a:p>
+            <a:r>
+              <a:rPr lang="de-DE" smtClean="0"/>
+              <a:t>27.01.2017</a:t>
+            </a:r>
+            <a:endParaRPr lang="de-DE"/>
+          </a:p>
+        </p:txBody>
+      </p:sp>
+      <p:sp>
+        <p:nvSpPr>
+          <p:cNvPr id="4" name="Fußzeilenplatzhalter 3"/>
+          <p:cNvSpPr>
+            <a:spLocks noGrp="1"/>
+          </p:cNvSpPr>
+          <p:nvPr>
+            <p:ph type="ftr" sz="quarter" idx="11"/>
+          </p:nvPr>
+        </p:nvSpPr>
+        <p:spPr/>
+        <p:txBody>
+          <a:bodyPr/>
+          <a:lstStyle/>
+          <a:p>
+            <a:r>
+              <a:rPr lang="de-DE" smtClean="0"/>
+              <a:t>Transmutation – Matthias Jaeger</a:t>
+            </a:r>
+            <a:endParaRPr lang="de-DE"/>
+          </a:p>
+        </p:txBody>
+      </p:sp>
+      <p:sp>
+        <p:nvSpPr>
+          <p:cNvPr id="5" name="Foliennummernplatzhalter 4"/>
+          <p:cNvSpPr>
+            <a:spLocks noGrp="1"/>
+          </p:cNvSpPr>
+          <p:nvPr>
+            <p:ph type="sldNum" sz="quarter" idx="12"/>
+          </p:nvPr>
+        </p:nvSpPr>
+        <p:spPr/>
+        <p:txBody>
+          <a:bodyPr/>
+          <a:lstStyle/>
+          <a:p>
+            <a:fld id="{1A73E011-4CD9-4D05-A24A-32BCD9CDCEE7}" type="slidenum">
+              <a:rPr lang="de-DE" smtClean="0"/>
+              <a:pPr/>
+              <a:t>32</a:t>
+            </a:fld>
+            <a:endParaRPr lang="de-DE"/>
+          </a:p>
+        </p:txBody>
+      </p:sp>
+      <p:sp>
+        <p:nvSpPr>
+          <p:cNvPr id="7" name="Rechteck 6"/>
+          <p:cNvSpPr/>
+          <p:nvPr/>
+        </p:nvSpPr>
+        <p:spPr>
+          <a:xfrm>
+            <a:off x="6588224" y="72008"/>
+            <a:ext cx="2483768" cy="260648"/>
+          </a:xfrm>
+          <a:prstGeom prst="rect">
+            <a:avLst/>
+          </a:prstGeom>
+          <a:solidFill>
+            <a:srgbClr val="92D050"/>
+          </a:solidFill>
+          <a:ln>
+            <a:noFill/>
+          </a:ln>
+          <a:effectLst>
+            <a:outerShdw blurRad="44450" dist="27940" dir="5400000" algn="ctr">
+              <a:srgbClr val="000000">
+                <a:alpha val="32000"/>
+              </a:srgbClr>
+            </a:outerShdw>
+          </a:effectLst>
+          <a:scene3d>
+            <a:camera prst="orthographicFront">
+              <a:rot lat="0" lon="0" rev="0"/>
+            </a:camera>
+            <a:lightRig rig="balanced" dir="t">
+              <a:rot lat="0" lon="0" rev="8700000"/>
+            </a:lightRig>
+          </a:scene3d>
+          <a:sp3d>
+            <a:bevelT w="190500" h="38100"/>
+          </a:sp3d>
+        </p:spPr>
+        <p:style>
+          <a:lnRef idx="2">
+            <a:schemeClr val="accent1">
+              <a:shade val="50000"/>
+            </a:schemeClr>
+          </a:lnRef>
+          <a:fillRef idx="1">
+            <a:schemeClr val="accent1"/>
+          </a:fillRef>
+          <a:effectRef idx="0">
+            <a:schemeClr val="accent1"/>
+          </a:effectRef>
+          <a:fontRef idx="minor">
+            <a:schemeClr val="lt1"/>
+          </a:fontRef>
+        </p:style>
+        <p:txBody>
+          <a:bodyPr rtlCol="0" anchor="ctr"/>
+          <a:lstStyle/>
+          <a:p>
+            <a:pPr algn="ctr"/>
+            <a:endParaRPr lang="de-DE"/>
+          </a:p>
+        </p:txBody>
+      </p:sp>
+      <p:sp>
+        <p:nvSpPr>
+          <p:cNvPr id="8" name="Textfeld 7"/>
+          <p:cNvSpPr txBox="1"/>
+          <p:nvPr/>
+        </p:nvSpPr>
+        <p:spPr>
+          <a:xfrm>
+            <a:off x="6586695" y="35913"/>
+            <a:ext cx="2521809" cy="584775"/>
+          </a:xfrm>
+          <a:prstGeom prst="rect">
+            <a:avLst/>
+          </a:prstGeom>
+          <a:noFill/>
+        </p:spPr>
+        <p:txBody>
+          <a:bodyPr wrap="square" rtlCol="0">
+            <a:spAutoFit/>
+          </a:bodyPr>
+          <a:lstStyle/>
+          <a:p>
+            <a:pPr algn="ctr"/>
+            <a:r>
+              <a:rPr lang="de-DE" sz="1600" smtClean="0">
+                <a:solidFill>
+                  <a:schemeClr val="accent5">
+                    <a:lumMod val="50000"/>
+                  </a:schemeClr>
+                </a:solidFill>
+                <a:latin typeface="Adobe Arabic" pitchFamily="18" charset="-78"/>
+                <a:cs typeface="Adobe Arabic" pitchFamily="18" charset="-78"/>
+              </a:rPr>
+              <a:t>2. </a:t>
+            </a:r>
+            <a:r>
+              <a:rPr lang="de-DE" sz="1600" smtClean="0">
+                <a:latin typeface="Adobe Arabic" pitchFamily="18" charset="-78"/>
+                <a:cs typeface="Adobe Arabic" pitchFamily="18" charset="-78"/>
+              </a:rPr>
+              <a:t>DG-Verfahren</a:t>
+            </a:r>
+          </a:p>
+          <a:p>
+            <a:pPr algn="ctr"/>
+            <a:endParaRPr lang="de-DE" sz="1600">
+              <a:solidFill>
+                <a:schemeClr val="accent5">
+                  <a:lumMod val="50000"/>
+                </a:schemeClr>
+              </a:solidFill>
+              <a:latin typeface="Adobe Arabic" pitchFamily="18" charset="-78"/>
+              <a:cs typeface="Adobe Arabic" pitchFamily="18" charset="-78"/>
+            </a:endParaRPr>
+          </a:p>
+        </p:txBody>
+      </p:sp>
+      <p:sp>
+        <p:nvSpPr>
+          <p:cNvPr id="17" name="Inhaltsplatzhalter 1"/>
+          <p:cNvSpPr>
+            <a:spLocks noGrp="1"/>
+          </p:cNvSpPr>
+          <p:nvPr>
+            <p:ph idx="1"/>
+          </p:nvPr>
+        </p:nvSpPr>
+        <p:spPr>
+          <a:xfrm>
+            <a:off x="457200" y="980728"/>
+            <a:ext cx="8229600" cy="5145435"/>
+          </a:xfrm>
+        </p:spPr>
+        <p:txBody>
+          <a:bodyPr>
+            <a:normAutofit/>
+          </a:bodyPr>
+          <a:lstStyle/>
+          <a:p>
+            <a:pPr marL="0" indent="0">
+              <a:buNone/>
+            </a:pPr>
+            <a:r>
+              <a:rPr lang="de-DE" sz="3200" smtClean="0"/>
+              <a:t>Definition Massen- und Steifigkeitsmatrix</a:t>
+            </a:r>
+          </a:p>
+          <a:p>
+            <a:pPr marL="0" indent="0">
+              <a:buNone/>
+            </a:pPr>
+            <a:endParaRPr lang="de-DE" sz="3200"/>
+          </a:p>
+          <a:p>
+            <a:pPr marL="0" indent="0">
+              <a:buNone/>
+            </a:pPr>
+            <a:endParaRPr lang="de-DE" sz="3200"/>
+          </a:p>
+          <a:p>
+            <a:pPr marL="0" indent="0">
+              <a:buNone/>
+            </a:pPr>
+            <a:endParaRPr lang="de-DE" sz="3200" smtClean="0"/>
+          </a:p>
+          <a:p>
+            <a:pPr marL="0" indent="0">
+              <a:buNone/>
+            </a:pPr>
+            <a:endParaRPr lang="de-DE" sz="3200"/>
+          </a:p>
+          <a:p>
+            <a:endParaRPr lang="de-DE" smtClean="0"/>
+          </a:p>
+          <a:p>
+            <a:endParaRPr lang="de-DE" i="1" smtClean="0"/>
+          </a:p>
+        </p:txBody>
+      </p:sp>
+      <p:pic>
+        <p:nvPicPr>
+          <p:cNvPr id="4098" name="Picture 2"/>
+          <p:cNvPicPr>
+            <a:picLocks noChangeAspect="1" noChangeArrowheads="1"/>
+          </p:cNvPicPr>
+          <p:nvPr/>
+        </p:nvPicPr>
+        <p:blipFill>
+          <a:blip r:embed="rId3" cstate="print">
+            <a:extLst>
+              <a:ext uri="{28A0092B-C50C-407E-A947-70E740481C1C}">
+                <a14:useLocalDpi xmlns:a14="http://schemas.microsoft.com/office/drawing/2010/main" val="0"/>
+              </a:ext>
+            </a:extLst>
+          </a:blip>
+          <a:srcRect/>
+          <a:stretch>
+            <a:fillRect/>
+          </a:stretch>
+        </p:blipFill>
+        <p:spPr bwMode="auto">
+          <a:xfrm>
+            <a:off x="1043608" y="2130706"/>
+            <a:ext cx="5868144" cy="520139"/>
+          </a:xfrm>
+          <a:prstGeom prst="rect">
+            <a:avLst/>
+          </a:prstGeom>
+          <a:noFill/>
+          <a:ln>
+            <a:noFill/>
+          </a:ln>
+          <a:extLst>
+            <a:ext uri="{909E8E84-426E-40DD-AFC4-6F175D3DCCD1}">
+              <a14:hiddenFill xmlns:a14="http://schemas.microsoft.com/office/drawing/2010/main">
+                <a:solidFill>
+                  <a:schemeClr val="accent1"/>
+                </a:solidFill>
+              </a14:hiddenFill>
+            </a:ext>
+            <a:ext uri="{91240B29-F687-4F45-9708-019B960494DF}">
+              <a14:hiddenLine xmlns:a14="http://schemas.microsoft.com/office/drawing/2010/main" w="9525">
+                <a:solidFill>
+                  <a:schemeClr val="tx1"/>
+                </a:solidFill>
+                <a:miter lim="800000"/>
+                <a:headEnd/>
+                <a:tailEnd/>
+              </a14:hiddenLine>
+            </a:ext>
+          </a:extLst>
+        </p:spPr>
+      </p:pic>
+      <p:pic>
+        <p:nvPicPr>
+          <p:cNvPr id="4100" name="Picture 4"/>
+          <p:cNvPicPr>
+            <a:picLocks noChangeAspect="1" noChangeArrowheads="1"/>
+          </p:cNvPicPr>
+          <p:nvPr/>
+        </p:nvPicPr>
+        <p:blipFill>
+          <a:blip r:embed="rId4" cstate="print">
+            <a:extLst>
+              <a:ext uri="{28A0092B-C50C-407E-A947-70E740481C1C}">
+                <a14:useLocalDpi xmlns:a14="http://schemas.microsoft.com/office/drawing/2010/main" val="0"/>
+              </a:ext>
+            </a:extLst>
+          </a:blip>
+          <a:srcRect/>
+          <a:stretch>
+            <a:fillRect/>
+          </a:stretch>
+        </p:blipFill>
+        <p:spPr bwMode="auto">
+          <a:xfrm>
+            <a:off x="1043608" y="3356992"/>
+            <a:ext cx="4635869" cy="544575"/>
+          </a:xfrm>
+          <a:prstGeom prst="rect">
+            <a:avLst/>
+          </a:prstGeom>
+          <a:noFill/>
+          <a:ln>
+            <a:noFill/>
+          </a:ln>
+          <a:extLst>
+            <a:ext uri="{909E8E84-426E-40DD-AFC4-6F175D3DCCD1}">
+              <a14:hiddenFill xmlns:a14="http://schemas.microsoft.com/office/drawing/2010/main">
+                <a:solidFill>
+                  <a:schemeClr val="accent1"/>
+                </a:solidFill>
+              </a14:hiddenFill>
+            </a:ext>
+            <a:ext uri="{91240B29-F687-4F45-9708-019B960494DF}">
+              <a14:hiddenLine xmlns:a14="http://schemas.microsoft.com/office/drawing/2010/main" w="9525">
+                <a:solidFill>
+                  <a:schemeClr val="tx1"/>
+                </a:solidFill>
+                <a:miter lim="800000"/>
+                <a:headEnd/>
+                <a:tailEnd/>
+              </a14:hiddenLine>
+            </a:ext>
+          </a:extLst>
+        </p:spPr>
+      </p:pic>
+    </p:spTree>
+    <p:extLst>
+      <p:ext uri="{BB962C8B-B14F-4D97-AF65-F5344CB8AC3E}">
+        <p14:creationId xmlns:p14="http://schemas.microsoft.com/office/powerpoint/2010/main" val="2655658885"/>
+      </p:ext>
+    </p:extLst>
+  </p:cSld>
+  <p:clrMapOvr>
+    <a:masterClrMapping/>
+  </p:clrMapOvr>
+  <mc:AlternateContent xmlns:mc="http://schemas.openxmlformats.org/markup-compatibility/2006" xmlns:p14="http://schemas.microsoft.com/office/powerpoint/2010/main">
+    <mc:Choice Requires="p14">
+      <p:transition spd="slow" p14:dur="2000"/>
+    </mc:Choice>
+    <mc:Fallback xmlns="">
+      <p:transition spd="slow"/>
+    </mc:Fallback>
+  </mc:AlternateContent>
+  <p:timing>
+    <p:tnLst>
+      <p:par>
+        <p:cTn id="1" dur="indefinite" restart="never" nodeType="tmRoot"/>
+      </p:par>
+    </p:tnLst>
+  </p:timing>
+</p:sld>
+</file>
+
+<file path=ppt/slides/slide33.xml><?xml version="1.0" encoding="utf-8"?>
+<p:sld xmlns:a="http://schemas.openxmlformats.org/drawingml/2006/main" xmlns:r="http://schemas.openxmlformats.org/officeDocument/2006/relationships" xmlns:p="http://schemas.openxmlformats.org/presentationml/2006/main">
+  <p:cSld>
+    <p:spTree>
+      <p:nvGrpSpPr>
+        <p:cNvPr id="1" name=""/>
+        <p:cNvGrpSpPr/>
+        <p:nvPr/>
+      </p:nvGrpSpPr>
+      <p:grpSpPr>
+        <a:xfrm>
+          <a:off x="0" y="0"/>
+          <a:ext cx="0" cy="0"/>
+          <a:chOff x="0" y="0"/>
+          <a:chExt cx="0" cy="0"/>
+        </a:xfrm>
+      </p:grpSpPr>
+      <p:sp>
+        <p:nvSpPr>
+          <p:cNvPr id="3" name="Datumsplatzhalter 2"/>
+          <p:cNvSpPr>
+            <a:spLocks noGrp="1"/>
+          </p:cNvSpPr>
+          <p:nvPr>
+            <p:ph type="dt" sz="half" idx="10"/>
+          </p:nvPr>
+        </p:nvSpPr>
+        <p:spPr/>
+        <p:txBody>
+          <a:bodyPr/>
+          <a:lstStyle/>
+          <a:p>
+            <a:r>
+              <a:rPr lang="de-DE" smtClean="0"/>
+              <a:t>27.01.2017</a:t>
+            </a:r>
+            <a:endParaRPr lang="de-DE"/>
+          </a:p>
+        </p:txBody>
+      </p:sp>
+      <p:sp>
+        <p:nvSpPr>
+          <p:cNvPr id="4" name="Fußzeilenplatzhalter 3"/>
+          <p:cNvSpPr>
+            <a:spLocks noGrp="1"/>
+          </p:cNvSpPr>
+          <p:nvPr>
+            <p:ph type="ftr" sz="quarter" idx="11"/>
+          </p:nvPr>
+        </p:nvSpPr>
+        <p:spPr/>
+        <p:txBody>
+          <a:bodyPr/>
+          <a:lstStyle/>
+          <a:p>
+            <a:r>
+              <a:rPr lang="de-DE" smtClean="0"/>
+              <a:t>Transmutation – Matthias Jaeger</a:t>
+            </a:r>
+            <a:endParaRPr lang="de-DE"/>
+          </a:p>
+        </p:txBody>
+      </p:sp>
+      <p:sp>
+        <p:nvSpPr>
+          <p:cNvPr id="5" name="Foliennummernplatzhalter 4"/>
+          <p:cNvSpPr>
+            <a:spLocks noGrp="1"/>
+          </p:cNvSpPr>
+          <p:nvPr>
+            <p:ph type="sldNum" sz="quarter" idx="12"/>
+          </p:nvPr>
+        </p:nvSpPr>
+        <p:spPr/>
+        <p:txBody>
+          <a:bodyPr/>
+          <a:lstStyle/>
+          <a:p>
+            <a:fld id="{1A73E011-4CD9-4D05-A24A-32BCD9CDCEE7}" type="slidenum">
+              <a:rPr lang="de-DE" smtClean="0"/>
+              <a:pPr/>
+              <a:t>33</a:t>
+            </a:fld>
+            <a:endParaRPr lang="de-DE"/>
+          </a:p>
+        </p:txBody>
+      </p:sp>
+      <p:sp>
+        <p:nvSpPr>
+          <p:cNvPr id="7" name="Rechteck 6"/>
+          <p:cNvSpPr/>
+          <p:nvPr/>
+        </p:nvSpPr>
+        <p:spPr>
+          <a:xfrm>
+            <a:off x="6588224" y="72008"/>
+            <a:ext cx="2483768" cy="260648"/>
+          </a:xfrm>
+          <a:prstGeom prst="rect">
+            <a:avLst/>
+          </a:prstGeom>
+          <a:solidFill>
+            <a:srgbClr val="92D050"/>
+          </a:solidFill>
+          <a:ln>
+            <a:noFill/>
+          </a:ln>
+          <a:effectLst>
+            <a:outerShdw blurRad="44450" dist="27940" dir="5400000" algn="ctr">
+              <a:srgbClr val="000000">
+                <a:alpha val="32000"/>
+              </a:srgbClr>
+            </a:outerShdw>
+          </a:effectLst>
+          <a:scene3d>
+            <a:camera prst="orthographicFront">
+              <a:rot lat="0" lon="0" rev="0"/>
+            </a:camera>
+            <a:lightRig rig="balanced" dir="t">
+              <a:rot lat="0" lon="0" rev="8700000"/>
+            </a:lightRig>
+          </a:scene3d>
+          <a:sp3d>
+            <a:bevelT w="190500" h="38100"/>
+          </a:sp3d>
+        </p:spPr>
+        <p:style>
+          <a:lnRef idx="2">
+            <a:schemeClr val="accent1">
+              <a:shade val="50000"/>
+            </a:schemeClr>
+          </a:lnRef>
+          <a:fillRef idx="1">
+            <a:schemeClr val="accent1"/>
+          </a:fillRef>
+          <a:effectRef idx="0">
+            <a:schemeClr val="accent1"/>
+          </a:effectRef>
+          <a:fontRef idx="minor">
+            <a:schemeClr val="lt1"/>
+          </a:fontRef>
+        </p:style>
+        <p:txBody>
+          <a:bodyPr rtlCol="0" anchor="ctr"/>
+          <a:lstStyle/>
+          <a:p>
+            <a:pPr algn="ctr"/>
+            <a:endParaRPr lang="de-DE"/>
+          </a:p>
+        </p:txBody>
+      </p:sp>
+      <p:sp>
+        <p:nvSpPr>
+          <p:cNvPr id="8" name="Textfeld 7"/>
+          <p:cNvSpPr txBox="1"/>
+          <p:nvPr/>
+        </p:nvSpPr>
+        <p:spPr>
+          <a:xfrm>
+            <a:off x="6586695" y="35913"/>
+            <a:ext cx="2521809" cy="584775"/>
+          </a:xfrm>
+          <a:prstGeom prst="rect">
+            <a:avLst/>
+          </a:prstGeom>
+          <a:noFill/>
+        </p:spPr>
+        <p:txBody>
+          <a:bodyPr wrap="square" rtlCol="0">
+            <a:spAutoFit/>
+          </a:bodyPr>
+          <a:lstStyle/>
+          <a:p>
+            <a:pPr algn="ctr"/>
+            <a:r>
+              <a:rPr lang="de-DE" sz="1600" smtClean="0">
+                <a:solidFill>
+                  <a:schemeClr val="accent5">
+                    <a:lumMod val="50000"/>
+                  </a:schemeClr>
+                </a:solidFill>
+                <a:latin typeface="Adobe Arabic" pitchFamily="18" charset="-78"/>
+                <a:cs typeface="Adobe Arabic" pitchFamily="18" charset="-78"/>
+              </a:rPr>
+              <a:t>2. </a:t>
+            </a:r>
+            <a:r>
+              <a:rPr lang="de-DE" sz="1600" smtClean="0">
+                <a:latin typeface="Adobe Arabic" pitchFamily="18" charset="-78"/>
+                <a:cs typeface="Adobe Arabic" pitchFamily="18" charset="-78"/>
+              </a:rPr>
+              <a:t>DG-Verfahren</a:t>
+            </a:r>
+          </a:p>
+          <a:p>
+            <a:pPr algn="ctr"/>
+            <a:endParaRPr lang="de-DE" sz="1600">
+              <a:solidFill>
+                <a:schemeClr val="accent5">
+                  <a:lumMod val="50000"/>
+                </a:schemeClr>
+              </a:solidFill>
+              <a:latin typeface="Adobe Arabic" pitchFamily="18" charset="-78"/>
+              <a:cs typeface="Adobe Arabic" pitchFamily="18" charset="-78"/>
+            </a:endParaRPr>
+          </a:p>
+        </p:txBody>
+      </p:sp>
+      <p:sp>
+        <p:nvSpPr>
+          <p:cNvPr id="17" name="Inhaltsplatzhalter 1"/>
+          <p:cNvSpPr>
+            <a:spLocks noGrp="1"/>
+          </p:cNvSpPr>
+          <p:nvPr>
+            <p:ph idx="1"/>
+          </p:nvPr>
+        </p:nvSpPr>
+        <p:spPr>
+          <a:xfrm>
+            <a:off x="457200" y="980728"/>
+            <a:ext cx="8229600" cy="5145435"/>
+          </a:xfrm>
+        </p:spPr>
+        <p:txBody>
+          <a:bodyPr>
+            <a:normAutofit/>
+          </a:bodyPr>
+          <a:lstStyle/>
+          <a:p>
+            <a:pPr marL="0" indent="0">
+              <a:buNone/>
+            </a:pPr>
+            <a:r>
+              <a:rPr lang="de-DE" sz="3200" smtClean="0"/>
+              <a:t>Ein mögliches Schema</a:t>
+            </a:r>
+          </a:p>
+          <a:p>
+            <a:pPr marL="0" indent="0">
+              <a:buNone/>
+            </a:pPr>
+            <a:endParaRPr lang="de-DE" sz="3200"/>
+          </a:p>
+          <a:p>
+            <a:pPr marL="0" indent="0">
+              <a:buNone/>
+            </a:pPr>
+            <a:endParaRPr lang="de-DE" sz="3200" smtClean="0"/>
+          </a:p>
+          <a:p>
+            <a:pPr marL="0" indent="0">
+              <a:buNone/>
+            </a:pPr>
+            <a:endParaRPr lang="de-DE" sz="3200"/>
+          </a:p>
+          <a:p>
+            <a:pPr marL="0" indent="0">
+              <a:buNone/>
+            </a:pPr>
+            <a:endParaRPr lang="de-DE" sz="3200" smtClean="0"/>
+          </a:p>
+          <a:p>
+            <a:pPr marL="0" indent="0">
+              <a:buNone/>
+            </a:pPr>
+            <a:endParaRPr lang="de-DE" sz="3200"/>
+          </a:p>
+          <a:p>
+            <a:pPr marL="0" indent="0">
+              <a:buNone/>
+            </a:pPr>
+            <a:endParaRPr lang="de-DE" sz="3200" smtClean="0"/>
+          </a:p>
+          <a:p>
+            <a:pPr marL="0" indent="0">
+              <a:buNone/>
+            </a:pPr>
+            <a:r>
+              <a:rPr lang="de-DE" smtClean="0"/>
+              <a:t>Fluss</a:t>
+            </a:r>
+            <a:endParaRPr lang="de-DE" sz="3200" smtClean="0"/>
+          </a:p>
+          <a:p>
+            <a:pPr marL="0" indent="0">
+              <a:buNone/>
+            </a:pPr>
+            <a:endParaRPr lang="de-DE" sz="3200"/>
+          </a:p>
+          <a:p>
+            <a:pPr marL="0" indent="0">
+              <a:buNone/>
+            </a:pPr>
+            <a:endParaRPr lang="de-DE" sz="3200"/>
+          </a:p>
+          <a:p>
+            <a:pPr marL="0" indent="0">
+              <a:buNone/>
+            </a:pPr>
+            <a:endParaRPr lang="de-DE" sz="3200" smtClean="0"/>
+          </a:p>
+          <a:p>
+            <a:pPr marL="0" indent="0">
+              <a:buNone/>
+            </a:pPr>
+            <a:endParaRPr lang="de-DE" sz="3200"/>
+          </a:p>
+          <a:p>
+            <a:endParaRPr lang="de-DE" smtClean="0"/>
+          </a:p>
+          <a:p>
+            <a:endParaRPr lang="de-DE" i="1" smtClean="0"/>
+          </a:p>
+        </p:txBody>
+      </p:sp>
+      <p:pic>
+        <p:nvPicPr>
+          <p:cNvPr id="5122" name="Picture 2"/>
+          <p:cNvPicPr>
+            <a:picLocks noChangeAspect="1" noChangeArrowheads="1"/>
+          </p:cNvPicPr>
+          <p:nvPr/>
+        </p:nvPicPr>
+        <p:blipFill>
+          <a:blip r:embed="rId3">
+            <a:extLst>
+              <a:ext uri="{28A0092B-C50C-407E-A947-70E740481C1C}">
+                <a14:useLocalDpi xmlns:a14="http://schemas.microsoft.com/office/drawing/2010/main" val="0"/>
+              </a:ext>
+            </a:extLst>
+          </a:blip>
+          <a:srcRect/>
+          <a:stretch>
+            <a:fillRect/>
+          </a:stretch>
+        </p:blipFill>
+        <p:spPr bwMode="auto">
+          <a:xfrm>
+            <a:off x="411067" y="2126294"/>
+            <a:ext cx="8172400" cy="522653"/>
+          </a:xfrm>
+          <a:prstGeom prst="rect">
+            <a:avLst/>
+          </a:prstGeom>
+          <a:noFill/>
+          <a:ln>
+            <a:noFill/>
+          </a:ln>
+          <a:extLst>
+            <a:ext uri="{909E8E84-426E-40DD-AFC4-6F175D3DCCD1}">
+              <a14:hiddenFill xmlns:a14="http://schemas.microsoft.com/office/drawing/2010/main">
+                <a:solidFill>
+                  <a:schemeClr val="accent1"/>
+                </a:solidFill>
+              </a14:hiddenFill>
+            </a:ext>
+            <a:ext uri="{91240B29-F687-4F45-9708-019B960494DF}">
+              <a14:hiddenLine xmlns:a14="http://schemas.microsoft.com/office/drawing/2010/main" w="9525">
+                <a:solidFill>
+                  <a:schemeClr val="tx1"/>
+                </a:solidFill>
+                <a:miter lim="800000"/>
+                <a:headEnd/>
+                <a:tailEnd/>
+              </a14:hiddenLine>
+            </a:ext>
+          </a:extLst>
+        </p:spPr>
+      </p:pic>
+      <p:pic>
+        <p:nvPicPr>
+          <p:cNvPr id="5123" name="Picture 3"/>
+          <p:cNvPicPr>
+            <a:picLocks noChangeAspect="1" noChangeArrowheads="1"/>
+          </p:cNvPicPr>
+          <p:nvPr/>
+        </p:nvPicPr>
+        <p:blipFill>
+          <a:blip r:embed="rId4">
+            <a:extLst>
+              <a:ext uri="{28A0092B-C50C-407E-A947-70E740481C1C}">
+                <a14:useLocalDpi xmlns:a14="http://schemas.microsoft.com/office/drawing/2010/main" val="0"/>
+              </a:ext>
+            </a:extLst>
+          </a:blip>
+          <a:srcRect/>
+          <a:stretch>
+            <a:fillRect/>
+          </a:stretch>
+        </p:blipFill>
+        <p:spPr bwMode="auto">
+          <a:xfrm>
+            <a:off x="2123728" y="3144225"/>
+            <a:ext cx="4747078" cy="1580919"/>
+          </a:xfrm>
+          <a:prstGeom prst="rect">
+            <a:avLst/>
+          </a:prstGeom>
+          <a:noFill/>
+          <a:ln>
+            <a:noFill/>
+          </a:ln>
+          <a:extLst>
+            <a:ext uri="{909E8E84-426E-40DD-AFC4-6F175D3DCCD1}">
+              <a14:hiddenFill xmlns:a14="http://schemas.microsoft.com/office/drawing/2010/main">
+                <a:solidFill>
+                  <a:schemeClr val="accent1"/>
+                </a:solidFill>
+              </a14:hiddenFill>
+            </a:ext>
+            <a:ext uri="{91240B29-F687-4F45-9708-019B960494DF}">
+              <a14:hiddenLine xmlns:a14="http://schemas.microsoft.com/office/drawing/2010/main" w="9525">
+                <a:solidFill>
+                  <a:schemeClr val="tx1"/>
+                </a:solidFill>
+                <a:miter lim="800000"/>
+                <a:headEnd/>
+                <a:tailEnd/>
+              </a14:hiddenLine>
+            </a:ext>
+          </a:extLst>
+        </p:spPr>
+      </p:pic>
+      <p:pic>
+        <p:nvPicPr>
+          <p:cNvPr id="5124" name="Picture 4"/>
+          <p:cNvPicPr>
+            <a:picLocks noChangeAspect="1" noChangeArrowheads="1"/>
+          </p:cNvPicPr>
+          <p:nvPr/>
+        </p:nvPicPr>
+        <p:blipFill>
+          <a:blip r:embed="rId5" cstate="print">
+            <a:extLst>
+              <a:ext uri="{28A0092B-C50C-407E-A947-70E740481C1C}">
+                <a14:useLocalDpi xmlns:a14="http://schemas.microsoft.com/office/drawing/2010/main" val="0"/>
+              </a:ext>
+            </a:extLst>
+          </a:blip>
+          <a:srcRect/>
+          <a:stretch>
+            <a:fillRect/>
+          </a:stretch>
+        </p:blipFill>
+        <p:spPr bwMode="auto">
+          <a:xfrm>
+            <a:off x="1403648" y="5530942"/>
+            <a:ext cx="2363539" cy="326144"/>
+          </a:xfrm>
+          <a:prstGeom prst="rect">
+            <a:avLst/>
+          </a:prstGeom>
+          <a:noFill/>
+          <a:ln>
+            <a:noFill/>
+          </a:ln>
+          <a:extLst>
+            <a:ext uri="{909E8E84-426E-40DD-AFC4-6F175D3DCCD1}">
+              <a14:hiddenFill xmlns:a14="http://schemas.microsoft.com/office/drawing/2010/main">
+                <a:solidFill>
+                  <a:schemeClr val="accent1"/>
+                </a:solidFill>
+              </a14:hiddenFill>
+            </a:ext>
+            <a:ext uri="{91240B29-F687-4F45-9708-019B960494DF}">
+              <a14:hiddenLine xmlns:a14="http://schemas.microsoft.com/office/drawing/2010/main" w="9525">
+                <a:solidFill>
+                  <a:schemeClr val="tx1"/>
+                </a:solidFill>
+                <a:miter lim="800000"/>
+                <a:headEnd/>
+                <a:tailEnd/>
+              </a14:hiddenLine>
+            </a:ext>
+          </a:extLst>
+        </p:spPr>
+      </p:pic>
+      <p:pic>
+        <p:nvPicPr>
+          <p:cNvPr id="5125" name="Picture 5"/>
+          <p:cNvPicPr>
+            <a:picLocks noChangeAspect="1" noChangeArrowheads="1"/>
+          </p:cNvPicPr>
+          <p:nvPr/>
+        </p:nvPicPr>
+        <p:blipFill>
+          <a:blip r:embed="rId6" cstate="print">
+            <a:extLst>
+              <a:ext uri="{28A0092B-C50C-407E-A947-70E740481C1C}">
+                <a14:useLocalDpi xmlns:a14="http://schemas.microsoft.com/office/drawing/2010/main" val="0"/>
+              </a:ext>
+            </a:extLst>
+          </a:blip>
+          <a:srcRect/>
+          <a:stretch>
+            <a:fillRect/>
+          </a:stretch>
+        </p:blipFill>
+        <p:spPr bwMode="auto">
+          <a:xfrm>
+            <a:off x="5219754" y="5502757"/>
+            <a:ext cx="1401212" cy="354329"/>
+          </a:xfrm>
+          <a:prstGeom prst="rect">
+            <a:avLst/>
+          </a:prstGeom>
+          <a:noFill/>
+          <a:ln>
+            <a:noFill/>
+          </a:ln>
+          <a:extLst>
+            <a:ext uri="{909E8E84-426E-40DD-AFC4-6F175D3DCCD1}">
+              <a14:hiddenFill xmlns:a14="http://schemas.microsoft.com/office/drawing/2010/main">
+                <a:solidFill>
+                  <a:schemeClr val="accent1"/>
+                </a:solidFill>
+              </a14:hiddenFill>
+            </a:ext>
+            <a:ext uri="{91240B29-F687-4F45-9708-019B960494DF}">
+              <a14:hiddenLine xmlns:a14="http://schemas.microsoft.com/office/drawing/2010/main" w="9525">
+                <a:solidFill>
+                  <a:schemeClr val="tx1"/>
+                </a:solidFill>
+                <a:miter lim="800000"/>
+                <a:headEnd/>
+                <a:tailEnd/>
+              </a14:hiddenLine>
+            </a:ext>
+          </a:extLst>
+        </p:spPr>
+      </p:pic>
+      <p:cxnSp>
+        <p:nvCxnSpPr>
+          <p:cNvPr id="6" name="Gerade Verbindung 5"/>
+          <p:cNvCxnSpPr/>
+          <p:nvPr/>
+        </p:nvCxnSpPr>
+        <p:spPr>
+          <a:xfrm flipV="1">
+            <a:off x="539552" y="1988840"/>
+            <a:ext cx="864096" cy="864096"/>
+          </a:xfrm>
+          <a:prstGeom prst="line">
+            <a:avLst/>
+          </a:prstGeom>
+          <a:ln>
+            <a:solidFill>
+              <a:srgbClr val="FF0000"/>
+            </a:solidFill>
+          </a:ln>
+        </p:spPr>
+        <p:style>
+          <a:lnRef idx="1">
+            <a:schemeClr val="accent1"/>
+          </a:lnRef>
+          <a:fillRef idx="0">
+            <a:schemeClr val="accent1"/>
+          </a:fillRef>
+          <a:effectRef idx="0">
+            <a:schemeClr val="accent1"/>
+          </a:effectRef>
+          <a:fontRef idx="minor">
+            <a:schemeClr val="tx1"/>
+          </a:fontRef>
+        </p:style>
+      </p:cxnSp>
+      <p:sp>
+        <p:nvSpPr>
+          <p:cNvPr id="22" name="Freihandform 21"/>
+          <p:cNvSpPr/>
+          <p:nvPr/>
+        </p:nvSpPr>
+        <p:spPr>
+          <a:xfrm>
+            <a:off x="2638425" y="2638425"/>
+            <a:ext cx="3886200" cy="447675"/>
+          </a:xfrm>
+          <a:custGeom>
+            <a:avLst/>
+            <a:gdLst>
+              <a:gd name="connsiteX0" fmla="*/ 0 w 3886200"/>
+              <a:gd name="connsiteY0" fmla="*/ 0 h 447675"/>
+              <a:gd name="connsiteX1" fmla="*/ 714375 w 3886200"/>
+              <a:gd name="connsiteY1" fmla="*/ 323850 h 447675"/>
+              <a:gd name="connsiteX2" fmla="*/ 3448050 w 3886200"/>
+              <a:gd name="connsiteY2" fmla="*/ 190500 h 447675"/>
+              <a:gd name="connsiteX3" fmla="*/ 3886200 w 3886200"/>
+              <a:gd name="connsiteY3" fmla="*/ 447675 h 447675"/>
+            </a:gdLst>
+            <a:ahLst/>
+            <a:cxnLst>
+              <a:cxn ang="0">
+                <a:pos x="connsiteX0" y="connsiteY0"/>
+              </a:cxn>
+              <a:cxn ang="0">
+                <a:pos x="connsiteX1" y="connsiteY1"/>
+              </a:cxn>
+              <a:cxn ang="0">
+                <a:pos x="connsiteX2" y="connsiteY2"/>
+              </a:cxn>
+              <a:cxn ang="0">
+                <a:pos x="connsiteX3" y="connsiteY3"/>
+              </a:cxn>
+            </a:cxnLst>
+            <a:rect l="l" t="t" r="r" b="b"/>
+            <a:pathLst>
+              <a:path w="3886200" h="447675">
+                <a:moveTo>
+                  <a:pt x="0" y="0"/>
+                </a:moveTo>
+                <a:cubicBezTo>
+                  <a:pt x="69850" y="146050"/>
+                  <a:pt x="139700" y="292100"/>
+                  <a:pt x="714375" y="323850"/>
+                </a:cubicBezTo>
+                <a:cubicBezTo>
+                  <a:pt x="1289050" y="355600"/>
+                  <a:pt x="2919413" y="169863"/>
+                  <a:pt x="3448050" y="190500"/>
+                </a:cubicBezTo>
+                <a:cubicBezTo>
+                  <a:pt x="3976687" y="211137"/>
+                  <a:pt x="3840163" y="385763"/>
+                  <a:pt x="3886200" y="447675"/>
+                </a:cubicBezTo>
+              </a:path>
+            </a:pathLst>
+          </a:custGeom>
+          <a:noFill/>
+          <a:ln w="9525">
+            <a:solidFill>
+              <a:srgbClr val="C00000"/>
+            </a:solidFill>
+            <a:headEnd type="triangle" w="med" len="med"/>
+            <a:tailEnd type="none" w="med" len="med"/>
+          </a:ln>
+        </p:spPr>
+        <p:style>
+          <a:lnRef idx="2">
+            <a:schemeClr val="accent1">
+              <a:shade val="50000"/>
+            </a:schemeClr>
+          </a:lnRef>
+          <a:fillRef idx="1">
+            <a:schemeClr val="accent1"/>
+          </a:fillRef>
+          <a:effectRef idx="0">
+            <a:schemeClr val="accent1"/>
+          </a:effectRef>
+          <a:fontRef idx="minor">
+            <a:schemeClr val="lt1"/>
+          </a:fontRef>
+        </p:style>
+        <p:txBody>
+          <a:bodyPr rtlCol="0" anchor="ctr"/>
+          <a:lstStyle/>
+          <a:p>
+            <a:pPr algn="ctr"/>
+            <a:endParaRPr lang="de-DE"/>
+          </a:p>
+        </p:txBody>
+      </p:sp>
+      <p:sp>
+        <p:nvSpPr>
+          <p:cNvPr id="23" name="Freihandform 22"/>
+          <p:cNvSpPr/>
+          <p:nvPr/>
+        </p:nvSpPr>
+        <p:spPr>
+          <a:xfrm>
+            <a:off x="4304507" y="2638425"/>
+            <a:ext cx="2693359" cy="1514475"/>
+          </a:xfrm>
+          <a:custGeom>
+            <a:avLst/>
+            <a:gdLst>
+              <a:gd name="connsiteX0" fmla="*/ 29368 w 2693359"/>
+              <a:gd name="connsiteY0" fmla="*/ 0 h 1514475"/>
+              <a:gd name="connsiteX1" fmla="*/ 248443 w 2693359"/>
+              <a:gd name="connsiteY1" fmla="*/ 152400 h 1514475"/>
+              <a:gd name="connsiteX2" fmla="*/ 1848643 w 2693359"/>
+              <a:gd name="connsiteY2" fmla="*/ 76200 h 1514475"/>
+              <a:gd name="connsiteX3" fmla="*/ 2677318 w 2693359"/>
+              <a:gd name="connsiteY3" fmla="*/ 342900 h 1514475"/>
+              <a:gd name="connsiteX4" fmla="*/ 2420143 w 2693359"/>
+              <a:gd name="connsiteY4" fmla="*/ 1514475 h 1514475"/>
+            </a:gdLst>
+            <a:ahLst/>
+            <a:cxnLst>
+              <a:cxn ang="0">
+                <a:pos x="connsiteX0" y="connsiteY0"/>
+              </a:cxn>
+              <a:cxn ang="0">
+                <a:pos x="connsiteX1" y="connsiteY1"/>
+              </a:cxn>
+              <a:cxn ang="0">
+                <a:pos x="connsiteX2" y="connsiteY2"/>
+              </a:cxn>
+              <a:cxn ang="0">
+                <a:pos x="connsiteX3" y="connsiteY3"/>
+              </a:cxn>
+              <a:cxn ang="0">
+                <a:pos x="connsiteX4" y="connsiteY4"/>
+              </a:cxn>
+            </a:cxnLst>
+            <a:rect l="l" t="t" r="r" b="b"/>
+            <a:pathLst>
+              <a:path w="2693359" h="1514475">
+                <a:moveTo>
+                  <a:pt x="29368" y="0"/>
+                </a:moveTo>
+                <a:cubicBezTo>
+                  <a:pt x="-12701" y="69850"/>
+                  <a:pt x="-54769" y="139700"/>
+                  <a:pt x="248443" y="152400"/>
+                </a:cubicBezTo>
+                <a:cubicBezTo>
+                  <a:pt x="551655" y="165100"/>
+                  <a:pt x="1443831" y="44450"/>
+                  <a:pt x="1848643" y="76200"/>
+                </a:cubicBezTo>
+                <a:cubicBezTo>
+                  <a:pt x="2253455" y="107950"/>
+                  <a:pt x="2582068" y="103188"/>
+                  <a:pt x="2677318" y="342900"/>
+                </a:cubicBezTo>
+                <a:cubicBezTo>
+                  <a:pt x="2772568" y="582612"/>
+                  <a:pt x="2412206" y="1320800"/>
+                  <a:pt x="2420143" y="1514475"/>
+                </a:cubicBezTo>
+              </a:path>
+            </a:pathLst>
+          </a:custGeom>
+          <a:noFill/>
+          <a:ln w="9525">
+            <a:solidFill>
+              <a:srgbClr val="C00000"/>
+            </a:solidFill>
+            <a:headEnd type="triangle" w="med" len="med"/>
+            <a:tailEnd type="none" w="med" len="med"/>
+          </a:ln>
+        </p:spPr>
+        <p:style>
+          <a:lnRef idx="2">
+            <a:schemeClr val="accent1">
+              <a:shade val="50000"/>
+            </a:schemeClr>
+          </a:lnRef>
+          <a:fillRef idx="1">
+            <a:schemeClr val="accent1"/>
+          </a:fillRef>
+          <a:effectRef idx="0">
+            <a:schemeClr val="accent1"/>
+          </a:effectRef>
+          <a:fontRef idx="minor">
+            <a:schemeClr val="lt1"/>
+          </a:fontRef>
+        </p:style>
+        <p:txBody>
+          <a:bodyPr rtlCol="0" anchor="ctr"/>
+          <a:lstStyle/>
+          <a:p>
+            <a:pPr algn="ctr"/>
+            <a:endParaRPr lang="de-DE"/>
+          </a:p>
+        </p:txBody>
+      </p:sp>
+    </p:spTree>
+    <p:extLst>
+      <p:ext uri="{BB962C8B-B14F-4D97-AF65-F5344CB8AC3E}">
+        <p14:creationId xmlns:p14="http://schemas.microsoft.com/office/powerpoint/2010/main" val="2103742752"/>
+      </p:ext>
+    </p:extLst>
+  </p:cSld>
+  <p:clrMapOvr>
+    <a:masterClrMapping/>
+  </p:clrMapOvr>
+  <mc:AlternateContent xmlns:mc="http://schemas.openxmlformats.org/markup-compatibility/2006" xmlns:p14="http://schemas.microsoft.com/office/powerpoint/2010/main">
+    <mc:Choice Requires="p14">
+      <p:transition spd="slow" p14:dur="2000"/>
+    </mc:Choice>
+    <mc:Fallback xmlns="">
+      <p:transition spd="slow"/>
+    </mc:Fallback>
+  </mc:AlternateContent>
+  <p:timing>
+    <p:tnLst>
+      <p:par>
+        <p:cTn id="1" dur="indefinite" restart="never" nodeType="tmRoot">
+          <p:childTnLst>
+            <p:seq concurrent="1" nextAc="seek">
+              <p:cTn id="2" dur="indefinite" nodeType="mainSeq">
+                <p:childTnLst>
+                  <p:par>
+                    <p:cTn id="3" fill="hold">
+                      <p:stCondLst>
+                        <p:cond delay="indefinite"/>
+                      </p:stCondLst>
+                      <p:childTnLst>
+                        <p:par>
+                          <p:cTn id="4" fill="hold">
+                            <p:stCondLst>
+                              <p:cond delay="0"/>
+                            </p:stCondLst>
+                            <p:childTnLst>
+                              <p:par>
+                                <p:cTn id="5" presetID="1" presetClass="entr" presetSubtype="0" fill="hold" grpId="0" nodeType="clickEffect">
+                                  <p:stCondLst>
+                                    <p:cond delay="0"/>
+                                  </p:stCondLst>
+                                  <p:childTnLst>
+                                    <p:set>
+                                      <p:cBhvr>
+                                        <p:cTn id="6" dur="1" fill="hold">
+                                          <p:stCondLst>
+                                            <p:cond delay="0"/>
+                                          </p:stCondLst>
+                                        </p:cTn>
+                                        <p:tgtEl>
+                                          <p:spTgt spid="23"/>
+                                        </p:tgtEl>
+                                        <p:attrNameLst>
+                                          <p:attrName>style.visibility</p:attrName>
+                                        </p:attrNameLst>
+                                      </p:cBhvr>
+                                      <p:to>
+                                        <p:strVal val="visible"/>
+                                      </p:to>
+                                    </p:set>
+                                  </p:childTnLst>
+                                </p:cTn>
+                              </p:par>
+                              <p:par>
+                                <p:cTn id="7" presetID="1" presetClass="entr" presetSubtype="0" fill="hold" grpId="0" nodeType="withEffect">
+                                  <p:stCondLst>
+                                    <p:cond delay="0"/>
+                                  </p:stCondLst>
+                                  <p:childTnLst>
+                                    <p:set>
+                                      <p:cBhvr>
+                                        <p:cTn id="8" dur="1" fill="hold">
+                                          <p:stCondLst>
+                                            <p:cond delay="0"/>
+                                          </p:stCondLst>
+                                        </p:cTn>
+                                        <p:tgtEl>
+                                          <p:spTgt spid="22"/>
+                                        </p:tgtEl>
+                                        <p:attrNameLst>
+                                          <p:attrName>style.visibility</p:attrName>
+                                        </p:attrNameLst>
+                                      </p:cBhvr>
+                                      <p:to>
+                                        <p:strVal val="visible"/>
+                                      </p:to>
+                                    </p:set>
+                                  </p:childTnLst>
+                                </p:cTn>
+                              </p:par>
+                              <p:par>
+                                <p:cTn id="9" presetID="1" presetClass="entr" presetSubtype="0" fill="hold" nodeType="withEffect">
+                                  <p:stCondLst>
+                                    <p:cond delay="0"/>
+                                  </p:stCondLst>
+                                  <p:childTnLst>
+                                    <p:set>
+                                      <p:cBhvr>
+                                        <p:cTn id="10" dur="1" fill="hold">
+                                          <p:stCondLst>
+                                            <p:cond delay="0"/>
+                                          </p:stCondLst>
+                                        </p:cTn>
+                                        <p:tgtEl>
+                                          <p:spTgt spid="6"/>
+                                        </p:tgtEl>
+                                        <p:attrNameLst>
+                                          <p:attrName>style.visibility</p:attrName>
+                                        </p:attrNameLst>
+                                      </p:cBhvr>
+                                      <p:to>
+                                        <p:strVal val="visible"/>
+                                      </p:to>
+                                    </p:set>
+                                  </p:childTnLst>
+                                </p:cTn>
+                              </p:par>
+                            </p:childTnLst>
+                          </p:cTn>
+                        </p:par>
+                      </p:childTnLst>
+                    </p:cTn>
+                  </p:par>
+                </p:childTnLst>
+              </p:cTn>
+              <p:prevCondLst>
+                <p:cond evt="onPrev" delay="0">
+                  <p:tgtEl>
+                    <p:sldTgt/>
+                  </p:tgtEl>
+                </p:cond>
+              </p:prevCondLst>
+              <p:nextCondLst>
+                <p:cond evt="onNext" delay="0">
+                  <p:tgtEl>
+                    <p:sldTgt/>
+                  </p:tgtEl>
+                </p:cond>
+              </p:nextCondLst>
+            </p:seq>
+          </p:childTnLst>
+        </p:cTn>
+      </p:par>
+    </p:tnLst>
+    <p:bldLst>
+      <p:bldP spid="22" grpId="0" animBg="1"/>
+      <p:bldP spid="23" grpId="0" animBg="1"/>
+    </p:bldLst>
+  </p:timing>
+</p:sld>
+</file>
+
+<file path=ppt/slides/slide34.xml><?xml version="1.0" encoding="utf-8"?>
+<p:sld xmlns:a="http://schemas.openxmlformats.org/drawingml/2006/main" xmlns:r="http://schemas.openxmlformats.org/officeDocument/2006/relationships" xmlns:p="http://schemas.openxmlformats.org/presentationml/2006/main">
+  <p:cSld>
+    <p:spTree>
+      <p:nvGrpSpPr>
+        <p:cNvPr id="1" name=""/>
+        <p:cNvGrpSpPr/>
+        <p:nvPr/>
+      </p:nvGrpSpPr>
+      <p:grpSpPr>
+        <a:xfrm>
+          <a:off x="0" y="0"/>
+          <a:ext cx="0" cy="0"/>
+          <a:chOff x="0" y="0"/>
+          <a:chExt cx="0" cy="0"/>
+        </a:xfrm>
+      </p:grpSpPr>
+      <p:sp>
+        <p:nvSpPr>
+          <p:cNvPr id="3" name="Datumsplatzhalter 2"/>
+          <p:cNvSpPr>
+            <a:spLocks noGrp="1"/>
+          </p:cNvSpPr>
+          <p:nvPr>
+            <p:ph type="dt" sz="half" idx="10"/>
+          </p:nvPr>
+        </p:nvSpPr>
+        <p:spPr/>
+        <p:txBody>
+          <a:bodyPr/>
+          <a:lstStyle/>
+          <a:p>
+            <a:r>
+              <a:rPr lang="de-DE" smtClean="0"/>
+              <a:t>27.01.2017</a:t>
+            </a:r>
+            <a:endParaRPr lang="de-DE"/>
+          </a:p>
+        </p:txBody>
+      </p:sp>
+      <p:sp>
+        <p:nvSpPr>
+          <p:cNvPr id="4" name="Fußzeilenplatzhalter 3"/>
+          <p:cNvSpPr>
+            <a:spLocks noGrp="1"/>
+          </p:cNvSpPr>
+          <p:nvPr>
+            <p:ph type="ftr" sz="quarter" idx="11"/>
+          </p:nvPr>
+        </p:nvSpPr>
+        <p:spPr/>
+        <p:txBody>
+          <a:bodyPr/>
+          <a:lstStyle/>
+          <a:p>
+            <a:r>
+              <a:rPr lang="de-DE" smtClean="0"/>
+              <a:t>Transmutation – Matthias Jaeger</a:t>
+            </a:r>
+            <a:endParaRPr lang="de-DE"/>
+          </a:p>
+        </p:txBody>
+      </p:sp>
+      <p:sp>
+        <p:nvSpPr>
+          <p:cNvPr id="5" name="Foliennummernplatzhalter 4"/>
+          <p:cNvSpPr>
+            <a:spLocks noGrp="1"/>
+          </p:cNvSpPr>
+          <p:nvPr>
+            <p:ph type="sldNum" sz="quarter" idx="12"/>
+          </p:nvPr>
+        </p:nvSpPr>
+        <p:spPr/>
+        <p:txBody>
+          <a:bodyPr/>
+          <a:lstStyle/>
+          <a:p>
+            <a:fld id="{1A73E011-4CD9-4D05-A24A-32BCD9CDCEE7}" type="slidenum">
+              <a:rPr lang="de-DE" smtClean="0"/>
+              <a:pPr/>
+              <a:t>34</a:t>
+            </a:fld>
+            <a:endParaRPr lang="de-DE"/>
+          </a:p>
+        </p:txBody>
+      </p:sp>
+      <p:sp>
+        <p:nvSpPr>
+          <p:cNvPr id="7" name="Rechteck 6"/>
+          <p:cNvSpPr/>
+          <p:nvPr/>
+        </p:nvSpPr>
+        <p:spPr>
+          <a:xfrm>
+            <a:off x="6588224" y="72008"/>
+            <a:ext cx="2483768" cy="260648"/>
+          </a:xfrm>
+          <a:prstGeom prst="rect">
+            <a:avLst/>
+          </a:prstGeom>
+          <a:solidFill>
+            <a:srgbClr val="92D050"/>
+          </a:solidFill>
+          <a:ln>
+            <a:noFill/>
+          </a:ln>
+          <a:effectLst>
+            <a:outerShdw blurRad="44450" dist="27940" dir="5400000" algn="ctr">
+              <a:srgbClr val="000000">
+                <a:alpha val="32000"/>
+              </a:srgbClr>
+            </a:outerShdw>
+          </a:effectLst>
+          <a:scene3d>
+            <a:camera prst="orthographicFront">
+              <a:rot lat="0" lon="0" rev="0"/>
+            </a:camera>
+            <a:lightRig rig="balanced" dir="t">
+              <a:rot lat="0" lon="0" rev="8700000"/>
+            </a:lightRig>
+          </a:scene3d>
+          <a:sp3d>
+            <a:bevelT w="190500" h="38100"/>
+          </a:sp3d>
+        </p:spPr>
+        <p:style>
+          <a:lnRef idx="2">
+            <a:schemeClr val="accent1">
+              <a:shade val="50000"/>
+            </a:schemeClr>
+          </a:lnRef>
+          <a:fillRef idx="1">
+            <a:schemeClr val="accent1"/>
+          </a:fillRef>
+          <a:effectRef idx="0">
+            <a:schemeClr val="accent1"/>
+          </a:effectRef>
+          <a:fontRef idx="minor">
+            <a:schemeClr val="lt1"/>
+          </a:fontRef>
+        </p:style>
+        <p:txBody>
+          <a:bodyPr rtlCol="0" anchor="ctr"/>
+          <a:lstStyle/>
+          <a:p>
+            <a:pPr algn="ctr"/>
+            <a:endParaRPr lang="de-DE"/>
+          </a:p>
+        </p:txBody>
+      </p:sp>
+      <p:sp>
+        <p:nvSpPr>
+          <p:cNvPr id="8" name="Textfeld 7"/>
+          <p:cNvSpPr txBox="1"/>
+          <p:nvPr/>
+        </p:nvSpPr>
+        <p:spPr>
+          <a:xfrm>
+            <a:off x="6586695" y="35913"/>
+            <a:ext cx="2521809" cy="584775"/>
+          </a:xfrm>
+          <a:prstGeom prst="rect">
+            <a:avLst/>
+          </a:prstGeom>
+          <a:noFill/>
+        </p:spPr>
+        <p:txBody>
+          <a:bodyPr wrap="square" rtlCol="0">
+            <a:spAutoFit/>
+          </a:bodyPr>
+          <a:lstStyle/>
+          <a:p>
+            <a:pPr algn="ctr"/>
+            <a:r>
+              <a:rPr lang="de-DE" sz="1600" smtClean="0">
+                <a:solidFill>
+                  <a:schemeClr val="accent5">
+                    <a:lumMod val="50000"/>
+                  </a:schemeClr>
+                </a:solidFill>
+                <a:latin typeface="Adobe Arabic" pitchFamily="18" charset="-78"/>
+                <a:cs typeface="Adobe Arabic" pitchFamily="18" charset="-78"/>
+              </a:rPr>
+              <a:t>2. </a:t>
+            </a:r>
+            <a:r>
+              <a:rPr lang="de-DE" sz="1600" smtClean="0">
+                <a:latin typeface="Adobe Arabic" pitchFamily="18" charset="-78"/>
+                <a:cs typeface="Adobe Arabic" pitchFamily="18" charset="-78"/>
+              </a:rPr>
+              <a:t>DG-Verfahren</a:t>
+            </a:r>
+          </a:p>
+          <a:p>
+            <a:pPr algn="ctr"/>
+            <a:endParaRPr lang="de-DE" sz="1600">
+              <a:solidFill>
+                <a:schemeClr val="accent5">
+                  <a:lumMod val="50000"/>
+                </a:schemeClr>
+              </a:solidFill>
+              <a:latin typeface="Adobe Arabic" pitchFamily="18" charset="-78"/>
+              <a:cs typeface="Adobe Arabic" pitchFamily="18" charset="-78"/>
+            </a:endParaRPr>
+          </a:p>
+        </p:txBody>
+      </p:sp>
+      <p:sp>
+        <p:nvSpPr>
+          <p:cNvPr id="17" name="Inhaltsplatzhalter 1"/>
+          <p:cNvSpPr>
+            <a:spLocks noGrp="1"/>
+          </p:cNvSpPr>
+          <p:nvPr>
+            <p:ph idx="1"/>
+          </p:nvPr>
+        </p:nvSpPr>
+        <p:spPr>
+          <a:xfrm>
+            <a:off x="457200" y="980728"/>
+            <a:ext cx="8229600" cy="5145435"/>
+          </a:xfrm>
+        </p:spPr>
+        <p:txBody>
+          <a:bodyPr>
+            <a:normAutofit/>
+          </a:bodyPr>
+          <a:lstStyle/>
+          <a:p>
+            <a:pPr marL="0" indent="0">
+              <a:buNone/>
+            </a:pPr>
+            <a:r>
+              <a:rPr lang="de-DE" sz="3200" smtClean="0"/>
+              <a:t>Gleichgewichtslösung</a:t>
+            </a:r>
+          </a:p>
+          <a:p>
+            <a:pPr marL="0" indent="0">
+              <a:buNone/>
+            </a:pPr>
+            <a:endParaRPr lang="de-DE" sz="3200"/>
+          </a:p>
+          <a:p>
+            <a:pPr marL="0" indent="0">
+              <a:buNone/>
+            </a:pPr>
+            <a:endParaRPr lang="de-DE" sz="3200"/>
+          </a:p>
+          <a:p>
+            <a:pPr marL="0" indent="0">
+              <a:buNone/>
+            </a:pPr>
+            <a:endParaRPr lang="de-DE" sz="3200" smtClean="0"/>
+          </a:p>
+          <a:p>
+            <a:pPr marL="0" indent="0">
+              <a:buNone/>
+            </a:pPr>
+            <a:endParaRPr lang="de-DE" sz="3200"/>
+          </a:p>
+          <a:p>
+            <a:endParaRPr lang="de-DE" smtClean="0"/>
+          </a:p>
+          <a:p>
+            <a:endParaRPr lang="de-DE" i="1" smtClean="0"/>
+          </a:p>
+        </p:txBody>
+      </p:sp>
+    </p:spTree>
+    <p:extLst>
+      <p:ext uri="{BB962C8B-B14F-4D97-AF65-F5344CB8AC3E}">
+        <p14:creationId xmlns:p14="http://schemas.microsoft.com/office/powerpoint/2010/main" val="2551036270"/>
+      </p:ext>
+    </p:extLst>
+  </p:cSld>
+  <p:clrMapOvr>
+    <a:masterClrMapping/>
+  </p:clrMapOvr>
+  <mc:AlternateContent xmlns:mc="http://schemas.openxmlformats.org/markup-compatibility/2006" xmlns:p14="http://schemas.microsoft.com/office/powerpoint/2010/main">
+    <mc:Choice Requires="p14">
+      <p:transition spd="slow" p14:dur="2000"/>
+    </mc:Choice>
+    <mc:Fallback xmlns="">
+      <p:transition spd="slow"/>
+    </mc:Fallback>
+  </mc:AlternateContent>
+  <p:timing>
+    <p:tnLst>
+      <p:par>
+        <p:cTn id="1" dur="indefinite" restart="never" nodeType="tmRoot"/>
+      </p:par>
+    </p:tnLst>
+  </p:timing>
+</p:sld>
+</file>
+
+<file path=ppt/slides/slide35.xml><?xml version="1.0" encoding="utf-8"?>
+<p:sld xmlns:a="http://schemas.openxmlformats.org/drawingml/2006/main" xmlns:r="http://schemas.openxmlformats.org/officeDocument/2006/relationships" xmlns:p="http://schemas.openxmlformats.org/presentationml/2006/main">
+  <p:cSld>
+    <p:spTree>
+      <p:nvGrpSpPr>
+        <p:cNvPr id="1" name=""/>
+        <p:cNvGrpSpPr/>
+        <p:nvPr/>
+      </p:nvGrpSpPr>
+      <p:grpSpPr>
+        <a:xfrm>
+          <a:off x="0" y="0"/>
+          <a:ext cx="0" cy="0"/>
+          <a:chOff x="0" y="0"/>
+          <a:chExt cx="0" cy="0"/>
+        </a:xfrm>
+      </p:grpSpPr>
+      <p:sp>
+        <p:nvSpPr>
           <p:cNvPr id="2" name="Inhaltsplatzhalter 1"/>
           <p:cNvSpPr>
             <a:spLocks noGrp="1"/>
@@ -24061,12 +27063,12 @@
         <p:spPr>
           <a:xfrm>
             <a:off x="251520" y="1379909"/>
-            <a:ext cx="8445624" cy="5145435"/>
+            <a:ext cx="8496944" cy="5145435"/>
           </a:xfrm>
         </p:spPr>
         <p:txBody>
           <a:bodyPr>
-            <a:normAutofit/>
+            <a:noAutofit/>
           </a:bodyPr>
           <a:lstStyle/>
           <a:p>
@@ -24075,13 +27077,354 @@
             </a:pPr>
             <a:r>
               <a:rPr lang="de-DE" sz="1800" smtClean="0"/>
-              <a:t>[9]   </a:t>
+              <a:t>[1] Renn, Ortwin, </a:t>
+            </a:r>
+            <a:r>
+              <a:rPr lang="de-DE" sz="1800" err="1" smtClean="0"/>
+              <a:t>ed</a:t>
+            </a:r>
+            <a:r>
+              <a:rPr lang="de-DE" sz="1800" smtClean="0"/>
+              <a:t>. Partitionierung und Transmutation: Forschung–Entwicklung–Gesellschaftliche Implikationen. Herbert Utz Verlag, 2014.</a:t>
+            </a:r>
+          </a:p>
+          <a:p>
+            <a:pPr>
+              <a:buNone/>
+            </a:pPr>
+            <a:r>
+              <a:rPr lang="de-DE" sz="1800" smtClean="0"/>
+              <a:t>[2] Huber, Josef, Werner Mester, und Wolfgang Thomas. "Sicherheitsaspekte der Wiederaufbereitung von Kernbrennstoffen." GRS, 1987.</a:t>
+            </a:r>
+          </a:p>
+          <a:p>
+            <a:pPr>
+              <a:buNone/>
+            </a:pPr>
+            <a:r>
+              <a:rPr lang="de-DE" sz="1800" smtClean="0"/>
+              <a:t>[3] Mueller, Alex C. </a:t>
+            </a:r>
+            <a:r>
+              <a:rPr lang="de-DE" sz="1800" err="1" smtClean="0"/>
+              <a:t>and</a:t>
+            </a:r>
+            <a:r>
+              <a:rPr lang="de-DE" sz="1800" smtClean="0"/>
+              <a:t> Hamid </a:t>
+            </a:r>
+            <a:r>
+              <a:rPr lang="de-DE" sz="1800" err="1" smtClean="0"/>
+              <a:t>Ait</a:t>
+            </a:r>
+            <a:r>
+              <a:rPr lang="de-DE" sz="1800" smtClean="0"/>
+              <a:t> Abderrahim. "Transmutation von radioaktivem Abfall." In: Physik Journal 11 (2010), Seiten 33-38.</a:t>
+            </a:r>
+          </a:p>
+          <a:p>
+            <a:pPr>
+              <a:buNone/>
+            </a:pPr>
+            <a:r>
+              <a:rPr lang="de-DE" sz="1800" smtClean="0"/>
+              <a:t>[4] </a:t>
+            </a:r>
+            <a:r>
+              <a:rPr lang="de-DE" sz="1800" err="1" smtClean="0"/>
+              <a:t>Varaine</a:t>
+            </a:r>
+            <a:r>
+              <a:rPr lang="de-DE" sz="1800" smtClean="0"/>
+              <a:t>, F., et al. "</a:t>
+            </a:r>
+            <a:r>
+              <a:rPr lang="de-DE" sz="1800" err="1" smtClean="0"/>
+              <a:t>Overview</a:t>
+            </a:r>
+            <a:r>
+              <a:rPr lang="de-DE" sz="1800" smtClean="0"/>
+              <a:t> on </a:t>
+            </a:r>
+            <a:r>
+              <a:rPr lang="de-DE" sz="1800" err="1" smtClean="0"/>
+              <a:t>homogeneous</a:t>
+            </a:r>
+            <a:r>
+              <a:rPr lang="de-DE" sz="1800" smtClean="0"/>
+              <a:t> </a:t>
+            </a:r>
+            <a:r>
+              <a:rPr lang="de-DE" sz="1800" err="1" smtClean="0"/>
+              <a:t>and</a:t>
+            </a:r>
+            <a:r>
+              <a:rPr lang="de-DE" sz="1800" smtClean="0"/>
+              <a:t> </a:t>
+            </a:r>
+            <a:r>
+              <a:rPr lang="de-DE" sz="1800" err="1" smtClean="0"/>
+              <a:t>heterogeneous</a:t>
+            </a:r>
+            <a:r>
+              <a:rPr lang="de-DE" sz="1800" smtClean="0"/>
+              <a:t> </a:t>
+            </a:r>
+            <a:r>
+              <a:rPr lang="de-DE" sz="1800" err="1" smtClean="0"/>
+              <a:t>transmutation</a:t>
+            </a:r>
+            <a:r>
+              <a:rPr lang="de-DE" sz="1800" smtClean="0"/>
+              <a:t> in a </a:t>
+            </a:r>
+            <a:r>
+              <a:rPr lang="de-DE" sz="1800" err="1" smtClean="0"/>
+              <a:t>new</a:t>
+            </a:r>
+            <a:r>
+              <a:rPr lang="de-DE" sz="1800" smtClean="0"/>
+              <a:t> French SFR: </a:t>
+            </a:r>
+            <a:r>
+              <a:rPr lang="de-DE" sz="1800" err="1" smtClean="0"/>
+              <a:t>Reactor</a:t>
+            </a:r>
+            <a:r>
+              <a:rPr lang="de-DE" sz="1800" smtClean="0"/>
+              <a:t> </a:t>
+            </a:r>
+            <a:r>
+              <a:rPr lang="de-DE" sz="1800" err="1" smtClean="0"/>
+              <a:t>and</a:t>
+            </a:r>
+            <a:r>
+              <a:rPr lang="de-DE" sz="1800" smtClean="0"/>
+              <a:t> </a:t>
+            </a:r>
+            <a:r>
+              <a:rPr lang="de-DE" sz="1800" err="1" smtClean="0"/>
+              <a:t>fuel</a:t>
+            </a:r>
+            <a:r>
+              <a:rPr lang="de-DE" sz="1800" smtClean="0"/>
+              <a:t> </a:t>
+            </a:r>
+            <a:r>
+              <a:rPr lang="de-DE" sz="1800" err="1" smtClean="0"/>
+              <a:t>cycle</a:t>
+            </a:r>
+            <a:r>
+              <a:rPr lang="de-DE" sz="1800" smtClean="0"/>
+              <a:t> </a:t>
+            </a:r>
+            <a:r>
+              <a:rPr lang="de-DE" sz="1800" err="1" smtClean="0"/>
+              <a:t>impact</a:t>
+            </a:r>
+            <a:r>
+              <a:rPr lang="de-DE" sz="1800" smtClean="0"/>
+              <a:t>." In: </a:t>
+            </a:r>
+            <a:r>
+              <a:rPr lang="de-DE" sz="1800" err="1" smtClean="0"/>
+              <a:t>Actinide</a:t>
+            </a:r>
+            <a:r>
+              <a:rPr lang="de-DE" sz="1800" smtClean="0"/>
+              <a:t> </a:t>
+            </a:r>
+            <a:r>
+              <a:rPr lang="de-DE" sz="1800" err="1" smtClean="0"/>
+              <a:t>and</a:t>
+            </a:r>
+            <a:r>
+              <a:rPr lang="de-DE" sz="1800" smtClean="0"/>
+              <a:t> Fission </a:t>
+            </a:r>
+            <a:r>
+              <a:rPr lang="de-DE" sz="1800" err="1" smtClean="0"/>
+              <a:t>Product</a:t>
+            </a:r>
+            <a:r>
+              <a:rPr lang="de-DE" sz="1800" smtClean="0"/>
+              <a:t> </a:t>
+            </a:r>
+            <a:r>
+              <a:rPr lang="de-DE" sz="1800" err="1" smtClean="0"/>
+              <a:t>Partitioning</a:t>
+            </a:r>
+            <a:r>
+              <a:rPr lang="de-DE" sz="1800" smtClean="0"/>
+              <a:t> </a:t>
+            </a:r>
+            <a:r>
+              <a:rPr lang="de-DE" sz="1800" err="1" smtClean="0"/>
+              <a:t>and</a:t>
+            </a:r>
+            <a:r>
+              <a:rPr lang="de-DE" sz="1800" smtClean="0"/>
+              <a:t> Transmutation (2010), Seiten 113-122.</a:t>
+            </a:r>
+          </a:p>
+          <a:p>
+            <a:pPr>
+              <a:buNone/>
+            </a:pPr>
+            <a:r>
+              <a:rPr lang="de-DE" sz="1800" smtClean="0"/>
+              <a:t>[5] Merk, Bruno, et al. "On </a:t>
+            </a:r>
+            <a:r>
+              <a:rPr lang="de-DE" sz="1800" err="1" smtClean="0"/>
+              <a:t>the</a:t>
+            </a:r>
+            <a:r>
+              <a:rPr lang="de-DE" sz="1800" smtClean="0"/>
+              <a:t> </a:t>
+            </a:r>
+            <a:r>
+              <a:rPr lang="de-DE" sz="1800" err="1" smtClean="0"/>
+              <a:t>use</a:t>
+            </a:r>
+            <a:r>
+              <a:rPr lang="de-DE" sz="1800" smtClean="0"/>
+              <a:t> </a:t>
+            </a:r>
+            <a:r>
+              <a:rPr lang="de-DE" sz="1800" err="1" smtClean="0"/>
+              <a:t>of</a:t>
+            </a:r>
+            <a:r>
+              <a:rPr lang="de-DE" sz="1800" smtClean="0"/>
+              <a:t> a </a:t>
+            </a:r>
+            <a:r>
+              <a:rPr lang="de-DE" sz="1800" err="1" smtClean="0"/>
+              <a:t>molten</a:t>
+            </a:r>
+            <a:r>
+              <a:rPr lang="de-DE" sz="1800" smtClean="0"/>
+              <a:t> </a:t>
+            </a:r>
+            <a:r>
+              <a:rPr lang="de-DE" sz="1800" err="1" smtClean="0"/>
+              <a:t>salt</a:t>
+            </a:r>
+            <a:r>
+              <a:rPr lang="de-DE" sz="1800" smtClean="0"/>
+              <a:t> fast </a:t>
+            </a:r>
+            <a:r>
+              <a:rPr lang="de-DE" sz="1800" err="1" smtClean="0"/>
+              <a:t>reactor</a:t>
+            </a:r>
+            <a:r>
+              <a:rPr lang="de-DE" sz="1800" smtClean="0"/>
+              <a:t> </a:t>
+            </a:r>
+            <a:r>
+              <a:rPr lang="de-DE" sz="1800" err="1" smtClean="0"/>
+              <a:t>to</a:t>
+            </a:r>
+            <a:r>
+              <a:rPr lang="de-DE" sz="1800" smtClean="0"/>
+              <a:t> </a:t>
+            </a:r>
+            <a:r>
+              <a:rPr lang="de-DE" sz="1800" err="1" smtClean="0"/>
+              <a:t>apply</a:t>
+            </a:r>
+            <a:r>
+              <a:rPr lang="de-DE" sz="1800" smtClean="0"/>
+              <a:t> an </a:t>
+            </a:r>
+            <a:r>
+              <a:rPr lang="de-DE" sz="1800" err="1" smtClean="0"/>
+              <a:t>idealized</a:t>
+            </a:r>
+            <a:r>
+              <a:rPr lang="de-DE" sz="1800" smtClean="0"/>
+              <a:t> </a:t>
+            </a:r>
+            <a:r>
+              <a:rPr lang="de-DE" sz="1800" err="1" smtClean="0"/>
+              <a:t>transmutation</a:t>
+            </a:r>
+            <a:r>
+              <a:rPr lang="de-DE" sz="1800" smtClean="0"/>
+              <a:t> </a:t>
+            </a:r>
+            <a:r>
+              <a:rPr lang="de-DE" sz="1800" err="1" smtClean="0"/>
+              <a:t>scenario</a:t>
+            </a:r>
+            <a:r>
+              <a:rPr lang="de-DE" sz="1800" smtClean="0"/>
+              <a:t> </a:t>
+            </a:r>
+            <a:r>
+              <a:rPr lang="de-DE" sz="1800" err="1" smtClean="0"/>
+              <a:t>for</a:t>
+            </a:r>
+            <a:r>
+              <a:rPr lang="de-DE" sz="1800" smtClean="0"/>
+              <a:t> </a:t>
+            </a:r>
+            <a:r>
+              <a:rPr lang="de-DE" sz="1800" err="1" smtClean="0"/>
+              <a:t>the</a:t>
+            </a:r>
+            <a:r>
+              <a:rPr lang="de-DE" sz="1800" smtClean="0"/>
+              <a:t> </a:t>
+            </a:r>
+            <a:r>
+              <a:rPr lang="de-DE" sz="1800" err="1" smtClean="0"/>
+              <a:t>nuclear</a:t>
+            </a:r>
+            <a:r>
+              <a:rPr lang="de-DE" sz="1800" smtClean="0"/>
+              <a:t> </a:t>
+            </a:r>
+            <a:r>
+              <a:rPr lang="de-DE" sz="1800" err="1" smtClean="0"/>
+              <a:t>phase</a:t>
+            </a:r>
+            <a:r>
+              <a:rPr lang="de-DE" sz="1800" smtClean="0"/>
+              <a:t> out." In: </a:t>
+            </a:r>
+            <a:r>
+              <a:rPr lang="de-DE" sz="1800" err="1" smtClean="0"/>
+              <a:t>PloS</a:t>
+            </a:r>
+            <a:r>
+              <a:rPr lang="de-DE" sz="1800" smtClean="0"/>
+              <a:t> </a:t>
+            </a:r>
+            <a:r>
+              <a:rPr lang="de-DE" sz="1800" err="1" smtClean="0"/>
+              <a:t>one</a:t>
+            </a:r>
+            <a:r>
+              <a:rPr lang="de-DE" sz="1800" smtClean="0"/>
+              <a:t> 9.4 (2014): e92776.</a:t>
+            </a:r>
+          </a:p>
+          <a:p>
+            <a:pPr>
+              <a:buNone/>
+            </a:pPr>
+            <a:r>
+              <a:rPr lang="de-DE" sz="1800" smtClean="0"/>
+              <a:t>[6] </a:t>
             </a:r>
             <a:r>
               <a:rPr lang="de-DE" sz="1800" smtClean="0">
                 <a:hlinkClick r:id="rId2"/>
               </a:rPr>
-              <a:t>http://myrrha.sckcen.be/en/</a:t>
+              <a:t>https://www.welt.de/img/wissenschaft/mobile101678711/1752509087-ci102l-w1024/fp-atom-teaser2-DW-Kultur-Juelich-jpg.jpg</a:t>
             </a:r>
             <a:endParaRPr lang="de-DE" sz="1800" smtClean="0"/>
           </a:p>
@@ -24091,7 +27434,63 @@
             </a:pPr>
             <a:r>
               <a:rPr lang="de-DE" sz="1800" smtClean="0"/>
-              <a:t>[10] Smidt, Dieter. Reaktor-Sicherheitstechnik: Sicherheitssysteme und Störfallanalyse für Leichtwasserreaktoren und schnelle Brüter. Springer-Verlag, 2013.</a:t>
+              <a:t>[7] </a:t>
+            </a:r>
+            <a:r>
+              <a:rPr lang="de-DE" sz="1800" err="1" smtClean="0"/>
+              <a:t>Malmbeck</a:t>
+            </a:r>
+            <a:r>
+              <a:rPr lang="de-DE" sz="1800" smtClean="0"/>
+              <a:t>, R., et al. "</a:t>
+            </a:r>
+            <a:r>
+              <a:rPr lang="de-DE" sz="1800" err="1" smtClean="0"/>
+              <a:t>Advanced</a:t>
+            </a:r>
+            <a:r>
+              <a:rPr lang="de-DE" sz="1800" smtClean="0"/>
+              <a:t> </a:t>
+            </a:r>
+            <a:r>
+              <a:rPr lang="de-DE" sz="1800" err="1" smtClean="0"/>
+              <a:t>fuel</a:t>
+            </a:r>
+            <a:r>
+              <a:rPr lang="de-DE" sz="1800" smtClean="0"/>
+              <a:t> </a:t>
+            </a:r>
+            <a:r>
+              <a:rPr lang="de-DE" sz="1800" err="1" smtClean="0"/>
+              <a:t>cycle</a:t>
+            </a:r>
+            <a:r>
+              <a:rPr lang="de-DE" sz="1800" smtClean="0"/>
+              <a:t> </a:t>
+            </a:r>
+            <a:r>
+              <a:rPr lang="de-DE" sz="1800" err="1" smtClean="0"/>
+              <a:t>options</a:t>
+            </a:r>
+            <a:r>
+              <a:rPr lang="de-DE" sz="1800" smtClean="0"/>
+              <a:t>." </a:t>
+            </a:r>
+            <a:r>
+              <a:rPr lang="de-DE" sz="1800" err="1" smtClean="0"/>
+              <a:t>Energy</a:t>
+            </a:r>
+            <a:r>
+              <a:rPr lang="de-DE" sz="1800" smtClean="0"/>
+              <a:t> </a:t>
+            </a:r>
+            <a:r>
+              <a:rPr lang="de-DE" sz="1800" err="1" smtClean="0"/>
+              <a:t>Procedia</a:t>
+            </a:r>
+            <a:r>
+              <a:rPr lang="de-DE" sz="1800" smtClean="0"/>
+              <a:t> 7 (2011): 93-102.</a:t>
             </a:r>
           </a:p>
           <a:p>
@@ -24100,175 +27499,15 @@
             </a:pPr>
             <a:r>
               <a:rPr lang="de-DE" sz="1800" smtClean="0"/>
-              <a:t>[11] </a:t>
+              <a:t>[8] </a:t>
             </a:r>
             <a:r>
               <a:rPr lang="de-DE" sz="1800" smtClean="0">
                 <a:hlinkClick r:id="rId3"/>
               </a:rPr>
-              <a:t>https://www.j-parc.jp/Transmutation/en/index.html</a:t>
+              <a:t>http://francis.naukas.com/2010/08/11/el-ascenso-y-la-caida-del-rubbiatron-en-zaragoza-laesa-y-el-acelerador-de-energia-propuesto-por-carlo-rubbia/</a:t>
             </a:r>
             <a:endParaRPr lang="de-DE" sz="1800" smtClean="0"/>
-          </a:p>
-          <a:p>
-            <a:pPr>
-              <a:buNone/>
-            </a:pPr>
-            <a:r>
-              <a:rPr lang="de-DE" sz="1800" smtClean="0"/>
-              <a:t>[12] </a:t>
-            </a:r>
-            <a:r>
-              <a:rPr lang="de-DE" sz="1800" smtClean="0">
-                <a:hlinkClick r:id="rId4"/>
-              </a:rPr>
-              <a:t>https://www.gen-4.org/gif/jcms/c_59461/generation-iv-systems</a:t>
-            </a:r>
-            <a:endParaRPr lang="de-DE" sz="1800" smtClean="0"/>
-          </a:p>
-          <a:p>
-            <a:pPr>
-              <a:buNone/>
-            </a:pPr>
-            <a:r>
-              <a:rPr lang="de-DE" sz="1800" smtClean="0"/>
-              <a:t>[13] </a:t>
-            </a:r>
-            <a:r>
-              <a:rPr lang="de-DE" sz="1800" smtClean="0">
-                <a:hlinkClick r:id="rId5"/>
-              </a:rPr>
-              <a:t>http://www.nndc.bnl.gov/nudat2/</a:t>
-            </a:r>
-            <a:endParaRPr lang="de-DE" sz="1800" smtClean="0"/>
-          </a:p>
-          <a:p>
-            <a:pPr>
-              <a:buNone/>
-            </a:pPr>
-            <a:r>
-              <a:rPr lang="de-DE" sz="1800" smtClean="0"/>
-              <a:t>[14] </a:t>
-            </a:r>
-            <a:r>
-              <a:rPr lang="de-DE" sz="1800" err="1" smtClean="0"/>
-              <a:t>Bowman</a:t>
-            </a:r>
-            <a:r>
-              <a:rPr lang="de-DE" sz="1800" smtClean="0"/>
-              <a:t>, Charles D. "</a:t>
-            </a:r>
-            <a:r>
-              <a:rPr lang="de-DE" sz="1800" err="1" smtClean="0"/>
-              <a:t>Accelerator-driven</a:t>
-            </a:r>
-            <a:r>
-              <a:rPr lang="de-DE" sz="1800" smtClean="0"/>
-              <a:t> </a:t>
-            </a:r>
-            <a:r>
-              <a:rPr lang="de-DE" sz="1800" err="1" smtClean="0"/>
-              <a:t>systems</a:t>
-            </a:r>
-            <a:r>
-              <a:rPr lang="de-DE" sz="1800" smtClean="0"/>
-              <a:t> </a:t>
-            </a:r>
-            <a:r>
-              <a:rPr lang="de-DE" sz="1800" err="1" smtClean="0"/>
-              <a:t>for</a:t>
-            </a:r>
-            <a:r>
-              <a:rPr lang="de-DE" sz="1800" smtClean="0"/>
-              <a:t> </a:t>
-            </a:r>
-            <a:r>
-              <a:rPr lang="de-DE" sz="1800" err="1" smtClean="0"/>
-              <a:t>nuclear</a:t>
-            </a:r>
-            <a:r>
-              <a:rPr lang="de-DE" sz="1800" smtClean="0"/>
-              <a:t> </a:t>
-            </a:r>
-            <a:r>
-              <a:rPr lang="de-DE" sz="1800" err="1" smtClean="0"/>
-              <a:t>waste</a:t>
-            </a:r>
-            <a:r>
-              <a:rPr lang="de-DE" sz="1800" smtClean="0"/>
-              <a:t> </a:t>
-            </a:r>
-            <a:r>
-              <a:rPr lang="de-DE" sz="1800" err="1" smtClean="0"/>
-              <a:t>transmutation</a:t>
-            </a:r>
-            <a:r>
-              <a:rPr lang="de-DE" sz="1800" smtClean="0"/>
-              <a:t>." Annual Review </a:t>
-            </a:r>
-            <a:r>
-              <a:rPr lang="de-DE" sz="1800" err="1" smtClean="0"/>
-              <a:t>of</a:t>
-            </a:r>
-            <a:r>
-              <a:rPr lang="de-DE" sz="1800" smtClean="0"/>
-              <a:t> </a:t>
-            </a:r>
-            <a:r>
-              <a:rPr lang="de-DE" sz="1800" err="1" smtClean="0"/>
-              <a:t>Nuclear</a:t>
-            </a:r>
-            <a:r>
-              <a:rPr lang="de-DE" sz="1800" smtClean="0"/>
-              <a:t> </a:t>
-            </a:r>
-            <a:r>
-              <a:rPr lang="de-DE" sz="1800" err="1" smtClean="0"/>
-              <a:t>and</a:t>
-            </a:r>
-            <a:r>
-              <a:rPr lang="de-DE" sz="1800" smtClean="0"/>
-              <a:t> </a:t>
-            </a:r>
-            <a:r>
-              <a:rPr lang="de-DE" sz="1800" err="1" smtClean="0"/>
-              <a:t>Particle</a:t>
-            </a:r>
-            <a:r>
-              <a:rPr lang="de-DE" sz="1800" smtClean="0"/>
-              <a:t> Science 48.1 (1998): 505-556.</a:t>
-            </a:r>
-          </a:p>
-          <a:p>
-            <a:pPr>
-              <a:buNone/>
-            </a:pPr>
-            <a:r>
-              <a:rPr lang="de-DE" sz="1800" smtClean="0"/>
-              <a:t>[15] </a:t>
-            </a:r>
-            <a:r>
-              <a:rPr lang="de-DE" sz="1800" err="1" smtClean="0"/>
-              <a:t>Nünighoff</a:t>
-            </a:r>
-            <a:r>
-              <a:rPr lang="de-DE" sz="1800" smtClean="0"/>
-              <a:t>, Kay. Sicherheitstechnik im Wandel nuklearer Systeme: Strahlenschutz bei </a:t>
-            </a:r>
-            <a:r>
-              <a:rPr lang="de-DE" sz="1800" err="1" smtClean="0"/>
-              <a:t>Spallationsneutronenquellen</a:t>
-            </a:r>
-            <a:r>
-              <a:rPr lang="de-DE" sz="1800" smtClean="0"/>
-              <a:t> und Transmutationsanlagen. Vol. 40. Forschungszentrum Jülich, 2009.</a:t>
-            </a:r>
-          </a:p>
-          <a:p>
-            <a:pPr>
-              <a:buNone/>
-            </a:pPr>
-            <a:endParaRPr lang="de-DE" sz="1800"/>
           </a:p>
         </p:txBody>
       </p:sp>
@@ -24336,7 +27575,405 @@
             <a:fld id="{1A73E011-4CD9-4D05-A24A-32BCD9CDCEE7}" type="slidenum">
               <a:rPr lang="de-DE" smtClean="0"/>
               <a:pPr/>
-              <a:t>31</a:t>
+              <a:t>35</a:t>
+            </a:fld>
+            <a:endParaRPr lang="de-DE"/>
+          </a:p>
+        </p:txBody>
+      </p:sp>
+      <p:sp>
+        <p:nvSpPr>
+          <p:cNvPr id="7" name="Titel 1"/>
+          <p:cNvSpPr txBox="1">
+            <a:spLocks/>
+          </p:cNvSpPr>
+          <p:nvPr/>
+        </p:nvSpPr>
+        <p:spPr>
+          <a:xfrm>
+            <a:off x="467544" y="620688"/>
+            <a:ext cx="8229600" cy="1143000"/>
+          </a:xfrm>
+          <a:prstGeom prst="rect">
+            <a:avLst/>
+          </a:prstGeom>
+        </p:spPr>
+        <p:txBody>
+          <a:bodyPr/>
+          <a:lstStyle/>
+          <a:p>
+            <a:pPr marL="0" marR="0" lvl="0" indent="0" algn="ctr" defTabSz="914400" rtl="0" eaLnBrk="1" fontAlgn="auto" latinLnBrk="0" hangingPunct="1">
+              <a:lnSpc>
+                <a:spcPct val="100000"/>
+              </a:lnSpc>
+              <a:spcBef>
+                <a:spcPct val="0"/>
+              </a:spcBef>
+              <a:spcAft>
+                <a:spcPts val="0"/>
+              </a:spcAft>
+              <a:buClrTx/>
+              <a:buSzTx/>
+              <a:buFontTx/>
+              <a:buNone/>
+              <a:tabLst/>
+              <a:defRPr/>
+            </a:pPr>
+            <a:r>
+              <a:rPr kumimoji="0" lang="de-DE" sz="4400" b="0" i="0" u="none" strike="noStrike" kern="1200" cap="none" spc="0" normalizeH="0" baseline="0" noProof="0" smtClean="0">
+                <a:ln>
+                  <a:noFill/>
+                </a:ln>
+                <a:solidFill>
+                  <a:schemeClr val="tx1"/>
+                </a:solidFill>
+                <a:effectLst/>
+                <a:uLnTx/>
+                <a:uFillTx/>
+                <a:latin typeface="Adobe Arabic" pitchFamily="18" charset="-78"/>
+                <a:ea typeface="+mj-ea"/>
+                <a:cs typeface="Adobe Arabic" pitchFamily="18" charset="-78"/>
+              </a:rPr>
+              <a:t>Quellen</a:t>
+            </a:r>
+            <a:endParaRPr kumimoji="0" lang="de-DE" sz="4400" b="0" i="0" u="none" strike="noStrike" kern="1200" cap="none" spc="0" normalizeH="0" baseline="0" noProof="0">
+              <a:ln>
+                <a:noFill/>
+              </a:ln>
+              <a:solidFill>
+                <a:schemeClr val="tx1"/>
+              </a:solidFill>
+              <a:effectLst/>
+              <a:uLnTx/>
+              <a:uFillTx/>
+              <a:latin typeface="Adobe Arabic" pitchFamily="18" charset="-78"/>
+              <a:ea typeface="+mj-ea"/>
+              <a:cs typeface="Adobe Arabic" pitchFamily="18" charset="-78"/>
+            </a:endParaRPr>
+          </a:p>
+        </p:txBody>
+      </p:sp>
+    </p:spTree>
+  </p:cSld>
+  <p:clrMapOvr>
+    <a:masterClrMapping/>
+  </p:clrMapOvr>
+  <p:timing>
+    <p:tnLst>
+      <p:par>
+        <p:cTn id="1" dur="indefinite" restart="never" nodeType="tmRoot"/>
+      </p:par>
+    </p:tnLst>
+  </p:timing>
+</p:sld>
+</file>
+
+<file path=ppt/slides/slide36.xml><?xml version="1.0" encoding="utf-8"?>
+<p:sld xmlns:a="http://schemas.openxmlformats.org/drawingml/2006/main" xmlns:r="http://schemas.openxmlformats.org/officeDocument/2006/relationships" xmlns:p="http://schemas.openxmlformats.org/presentationml/2006/main">
+  <p:cSld>
+    <p:spTree>
+      <p:nvGrpSpPr>
+        <p:cNvPr id="1" name=""/>
+        <p:cNvGrpSpPr/>
+        <p:nvPr/>
+      </p:nvGrpSpPr>
+      <p:grpSpPr>
+        <a:xfrm>
+          <a:off x="0" y="0"/>
+          <a:ext cx="0" cy="0"/>
+          <a:chOff x="0" y="0"/>
+          <a:chExt cx="0" cy="0"/>
+        </a:xfrm>
+      </p:grpSpPr>
+      <p:sp>
+        <p:nvSpPr>
+          <p:cNvPr id="2" name="Inhaltsplatzhalter 1"/>
+          <p:cNvSpPr>
+            <a:spLocks noGrp="1"/>
+          </p:cNvSpPr>
+          <p:nvPr>
+            <p:ph idx="1"/>
+          </p:nvPr>
+        </p:nvSpPr>
+        <p:spPr>
+          <a:xfrm>
+            <a:off x="251520" y="1379909"/>
+            <a:ext cx="8445624" cy="5145435"/>
+          </a:xfrm>
+        </p:spPr>
+        <p:txBody>
+          <a:bodyPr>
+            <a:normAutofit/>
+          </a:bodyPr>
+          <a:lstStyle/>
+          <a:p>
+            <a:pPr>
+              <a:buNone/>
+            </a:pPr>
+            <a:r>
+              <a:rPr lang="de-DE" sz="1800" smtClean="0"/>
+              <a:t>[9]   </a:t>
+            </a:r>
+            <a:r>
+              <a:rPr lang="de-DE" sz="1800" smtClean="0">
+                <a:hlinkClick r:id="rId2"/>
+              </a:rPr>
+              <a:t>http://myrrha.sckcen.be/en/</a:t>
+            </a:r>
+            <a:endParaRPr lang="de-DE" sz="1800" smtClean="0"/>
+          </a:p>
+          <a:p>
+            <a:pPr>
+              <a:buNone/>
+            </a:pPr>
+            <a:r>
+              <a:rPr lang="de-DE" sz="1800" smtClean="0"/>
+              <a:t>[10] Smidt, Dieter. Reaktor-Sicherheitstechnik: Sicherheitssysteme und Störfallanalyse für Leichtwasserreaktoren und schnelle Brüter. Springer-Verlag, 2013.</a:t>
+            </a:r>
+          </a:p>
+          <a:p>
+            <a:pPr>
+              <a:buNone/>
+            </a:pPr>
+            <a:r>
+              <a:rPr lang="de-DE" sz="1800" smtClean="0"/>
+              <a:t>[11] </a:t>
+            </a:r>
+            <a:r>
+              <a:rPr lang="de-DE" sz="1800" smtClean="0">
+                <a:hlinkClick r:id="rId3"/>
+              </a:rPr>
+              <a:t>https://www.j-parc.jp/Transmutation/en/index.html</a:t>
+            </a:r>
+            <a:endParaRPr lang="de-DE" sz="1800" smtClean="0"/>
+          </a:p>
+          <a:p>
+            <a:pPr>
+              <a:buNone/>
+            </a:pPr>
+            <a:r>
+              <a:rPr lang="de-DE" sz="1800" smtClean="0"/>
+              <a:t>[12] </a:t>
+            </a:r>
+            <a:r>
+              <a:rPr lang="de-DE" sz="1800" smtClean="0">
+                <a:hlinkClick r:id="rId4"/>
+              </a:rPr>
+              <a:t>https://www.gen-4.org/gif/jcms/c_59461/generation-iv-systems</a:t>
+            </a:r>
+            <a:endParaRPr lang="de-DE" sz="1800" smtClean="0"/>
+          </a:p>
+          <a:p>
+            <a:pPr>
+              <a:buNone/>
+            </a:pPr>
+            <a:r>
+              <a:rPr lang="de-DE" sz="1800" smtClean="0"/>
+              <a:t>[13] </a:t>
+            </a:r>
+            <a:r>
+              <a:rPr lang="de-DE" sz="1800" smtClean="0">
+                <a:hlinkClick r:id="rId5"/>
+              </a:rPr>
+              <a:t>http://www.nndc.bnl.gov/nudat2/</a:t>
+            </a:r>
+            <a:endParaRPr lang="de-DE" sz="1800" smtClean="0"/>
+          </a:p>
+          <a:p>
+            <a:pPr>
+              <a:buNone/>
+            </a:pPr>
+            <a:r>
+              <a:rPr lang="de-DE" sz="1800" smtClean="0"/>
+              <a:t>[14] </a:t>
+            </a:r>
+            <a:r>
+              <a:rPr lang="de-DE" sz="1800" err="1" smtClean="0"/>
+              <a:t>Bowman</a:t>
+            </a:r>
+            <a:r>
+              <a:rPr lang="de-DE" sz="1800" smtClean="0"/>
+              <a:t>, Charles D. "</a:t>
+            </a:r>
+            <a:r>
+              <a:rPr lang="de-DE" sz="1800" err="1" smtClean="0"/>
+              <a:t>Accelerator-driven</a:t>
+            </a:r>
+            <a:r>
+              <a:rPr lang="de-DE" sz="1800" smtClean="0"/>
+              <a:t> </a:t>
+            </a:r>
+            <a:r>
+              <a:rPr lang="de-DE" sz="1800" err="1" smtClean="0"/>
+              <a:t>systems</a:t>
+            </a:r>
+            <a:r>
+              <a:rPr lang="de-DE" sz="1800" smtClean="0"/>
+              <a:t> </a:t>
+            </a:r>
+            <a:r>
+              <a:rPr lang="de-DE" sz="1800" err="1" smtClean="0"/>
+              <a:t>for</a:t>
+            </a:r>
+            <a:r>
+              <a:rPr lang="de-DE" sz="1800" smtClean="0"/>
+              <a:t> </a:t>
+            </a:r>
+            <a:r>
+              <a:rPr lang="de-DE" sz="1800" err="1" smtClean="0"/>
+              <a:t>nuclear</a:t>
+            </a:r>
+            <a:r>
+              <a:rPr lang="de-DE" sz="1800" smtClean="0"/>
+              <a:t> </a:t>
+            </a:r>
+            <a:r>
+              <a:rPr lang="de-DE" sz="1800" err="1" smtClean="0"/>
+              <a:t>waste</a:t>
+            </a:r>
+            <a:r>
+              <a:rPr lang="de-DE" sz="1800" smtClean="0"/>
+              <a:t> </a:t>
+            </a:r>
+            <a:r>
+              <a:rPr lang="de-DE" sz="1800" err="1" smtClean="0"/>
+              <a:t>transmutation</a:t>
+            </a:r>
+            <a:r>
+              <a:rPr lang="de-DE" sz="1800" smtClean="0"/>
+              <a:t>." Annual Review </a:t>
+            </a:r>
+            <a:r>
+              <a:rPr lang="de-DE" sz="1800" err="1" smtClean="0"/>
+              <a:t>of</a:t>
+            </a:r>
+            <a:r>
+              <a:rPr lang="de-DE" sz="1800" smtClean="0"/>
+              <a:t> </a:t>
+            </a:r>
+            <a:r>
+              <a:rPr lang="de-DE" sz="1800" err="1" smtClean="0"/>
+              <a:t>Nuclear</a:t>
+            </a:r>
+            <a:r>
+              <a:rPr lang="de-DE" sz="1800" smtClean="0"/>
+              <a:t> </a:t>
+            </a:r>
+            <a:r>
+              <a:rPr lang="de-DE" sz="1800" err="1" smtClean="0"/>
+              <a:t>and</a:t>
+            </a:r>
+            <a:r>
+              <a:rPr lang="de-DE" sz="1800" smtClean="0"/>
+              <a:t> </a:t>
+            </a:r>
+            <a:r>
+              <a:rPr lang="de-DE" sz="1800" err="1" smtClean="0"/>
+              <a:t>Particle</a:t>
+            </a:r>
+            <a:r>
+              <a:rPr lang="de-DE" sz="1800" smtClean="0"/>
+              <a:t> Science 48.1 (1998): 505-556.</a:t>
+            </a:r>
+          </a:p>
+          <a:p>
+            <a:pPr>
+              <a:buNone/>
+            </a:pPr>
+            <a:r>
+              <a:rPr lang="de-DE" sz="1800" smtClean="0"/>
+              <a:t>[15] </a:t>
+            </a:r>
+            <a:r>
+              <a:rPr lang="de-DE" sz="1800" err="1" smtClean="0"/>
+              <a:t>Nünighoff</a:t>
+            </a:r>
+            <a:r>
+              <a:rPr lang="de-DE" sz="1800" smtClean="0"/>
+              <a:t>, Kay. Sicherheitstechnik im Wandel nuklearer Systeme: Strahlenschutz bei </a:t>
+            </a:r>
+            <a:r>
+              <a:rPr lang="de-DE" sz="1800" err="1" smtClean="0"/>
+              <a:t>Spallationsneutronenquellen</a:t>
+            </a:r>
+            <a:r>
+              <a:rPr lang="de-DE" sz="1800" smtClean="0"/>
+              <a:t> und Transmutationsanlagen. Vol. 40. Forschungszentrum Jülich, 2009.</a:t>
+            </a:r>
+          </a:p>
+          <a:p>
+            <a:pPr>
+              <a:buNone/>
+            </a:pPr>
+            <a:endParaRPr lang="de-DE" sz="1800"/>
+          </a:p>
+        </p:txBody>
+      </p:sp>
+      <p:sp>
+        <p:nvSpPr>
+          <p:cNvPr id="3" name="Datumsplatzhalter 2"/>
+          <p:cNvSpPr>
+            <a:spLocks noGrp="1"/>
+          </p:cNvSpPr>
+          <p:nvPr>
+            <p:ph type="dt" sz="half" idx="10"/>
+          </p:nvPr>
+        </p:nvSpPr>
+        <p:spPr/>
+        <p:txBody>
+          <a:bodyPr/>
+          <a:lstStyle/>
+          <a:p>
+            <a:r>
+              <a:rPr lang="de-DE" smtClean="0"/>
+              <a:t>27.01.2017</a:t>
+            </a:r>
+            <a:endParaRPr lang="de-DE"/>
+          </a:p>
+        </p:txBody>
+      </p:sp>
+      <p:sp>
+        <p:nvSpPr>
+          <p:cNvPr id="4" name="Fußzeilenplatzhalter 3"/>
+          <p:cNvSpPr>
+            <a:spLocks noGrp="1"/>
+          </p:cNvSpPr>
+          <p:nvPr>
+            <p:ph type="ftr" sz="quarter" idx="11"/>
+          </p:nvPr>
+        </p:nvSpPr>
+        <p:spPr/>
+        <p:txBody>
+          <a:bodyPr/>
+          <a:lstStyle/>
+          <a:p>
+            <a:r>
+              <a:rPr lang="de-DE" smtClean="0"/>
+              <a:t>Transmutation – Matthias Jaeger</a:t>
+            </a:r>
+            <a:endParaRPr lang="de-DE"/>
+          </a:p>
+        </p:txBody>
+      </p:sp>
+      <p:sp>
+        <p:nvSpPr>
+          <p:cNvPr id="5" name="Foliennummernplatzhalter 4"/>
+          <p:cNvSpPr>
+            <a:spLocks noGrp="1"/>
+          </p:cNvSpPr>
+          <p:nvPr>
+            <p:ph type="sldNum" sz="quarter" idx="12"/>
+          </p:nvPr>
+        </p:nvSpPr>
+        <p:spPr/>
+        <p:txBody>
+          <a:bodyPr/>
+          <a:lstStyle/>
+          <a:p>
+            <a:fld id="{1A73E011-4CD9-4D05-A24A-32BCD9CDCEE7}" type="slidenum">
+              <a:rPr lang="de-DE" smtClean="0"/>
+              <a:pPr/>
+              <a:t>36</a:t>
             </a:fld>
             <a:endParaRPr lang="de-DE"/>
           </a:p>

--- a/Zwischenvortrag/Präsentation.pptx
+++ b/Zwischenvortrag/Präsentation.pptx
@@ -399,7 +399,7 @@
     </p:spTree>
     <p:extLst>
       <p:ext uri="{BB962C8B-B14F-4D97-AF65-F5344CB8AC3E}">
-        <p14:creationId xmlns:p14="http://schemas.microsoft.com/office/powerpoint/2010/main" val="2533517118"/>
+        <p14:creationId xmlns:p14="http://schemas.microsoft.com/office/powerpoint/2010/main" xmlns="" val="2533517118"/>
       </p:ext>
     </p:extLst>
   </p:cSld>
@@ -7664,7 +7664,7 @@
           <a:blip r:embed="rId3" cstate="print">
             <a:extLst>
               <a:ext uri="{28A0092B-C50C-407E-A947-70E740481C1C}">
-                <a14:useLocalDpi xmlns:a14="http://schemas.microsoft.com/office/drawing/2010/main" val="0"/>
+                <a14:useLocalDpi xmlns:a14="http://schemas.microsoft.com/office/drawing/2010/main" xmlns="" val="0"/>
               </a:ext>
             </a:extLst>
           </a:blip>
@@ -7687,14 +7687,14 @@
           </a:ln>
           <a:extLst>
             <a:ext uri="{909E8E84-426E-40DD-AFC4-6F175D3DCCD1}">
-              <a14:hiddenFill xmlns:a14="http://schemas.microsoft.com/office/drawing/2010/main">
+              <a14:hiddenFill xmlns:a14="http://schemas.microsoft.com/office/drawing/2010/main" xmlns="">
                 <a:solidFill>
                   <a:schemeClr val="accent1"/>
                 </a:solidFill>
               </a14:hiddenFill>
             </a:ext>
             <a:ext uri="{91240B29-F687-4F45-9708-019B960494DF}">
-              <a14:hiddenLine xmlns:a14="http://schemas.microsoft.com/office/drawing/2010/main" w="9525">
+              <a14:hiddenLine xmlns:a14="http://schemas.microsoft.com/office/drawing/2010/main" xmlns="" w="9525">
                 <a:solidFill>
                   <a:schemeClr val="tx1"/>
                 </a:solidFill>
@@ -7748,7 +7748,7 @@
           <a:blip r:embed="rId4" cstate="print">
             <a:extLst>
               <a:ext uri="{28A0092B-C50C-407E-A947-70E740481C1C}">
-                <a14:useLocalDpi xmlns:a14="http://schemas.microsoft.com/office/drawing/2010/main" val="0"/>
+                <a14:useLocalDpi xmlns:a14="http://schemas.microsoft.com/office/drawing/2010/main" xmlns="" val="0"/>
               </a:ext>
             </a:extLst>
           </a:blip>
@@ -7771,14 +7771,14 @@
           </a:ln>
           <a:extLst>
             <a:ext uri="{909E8E84-426E-40DD-AFC4-6F175D3DCCD1}">
-              <a14:hiddenFill xmlns:a14="http://schemas.microsoft.com/office/drawing/2010/main">
+              <a14:hiddenFill xmlns:a14="http://schemas.microsoft.com/office/drawing/2010/main" xmlns="">
                 <a:solidFill>
                   <a:schemeClr val="accent1"/>
                 </a:solidFill>
               </a14:hiddenFill>
             </a:ext>
             <a:ext uri="{91240B29-F687-4F45-9708-019B960494DF}">
-              <a14:hiddenLine xmlns:a14="http://schemas.microsoft.com/office/drawing/2010/main" w="9525">
+              <a14:hiddenLine xmlns:a14="http://schemas.microsoft.com/office/drawing/2010/main" xmlns="" w="9525">
                 <a:solidFill>
                   <a:schemeClr val="tx1"/>
                 </a:solidFill>
@@ -7802,7 +7802,7 @@
           <a:blip r:embed="rId5" cstate="print">
             <a:extLst>
               <a:ext uri="{28A0092B-C50C-407E-A947-70E740481C1C}">
-                <a14:useLocalDpi xmlns:a14="http://schemas.microsoft.com/office/drawing/2010/main" val="0"/>
+                <a14:useLocalDpi xmlns:a14="http://schemas.microsoft.com/office/drawing/2010/main" xmlns="" val="0"/>
               </a:ext>
             </a:extLst>
           </a:blip>
@@ -7825,14 +7825,14 @@
           </a:ln>
           <a:extLst>
             <a:ext uri="{909E8E84-426E-40DD-AFC4-6F175D3DCCD1}">
-              <a14:hiddenFill xmlns:a14="http://schemas.microsoft.com/office/drawing/2010/main">
+              <a14:hiddenFill xmlns:a14="http://schemas.microsoft.com/office/drawing/2010/main" xmlns="">
                 <a:solidFill>
                   <a:schemeClr val="accent1"/>
                 </a:solidFill>
               </a14:hiddenFill>
             </a:ext>
             <a:ext uri="{91240B29-F687-4F45-9708-019B960494DF}">
-              <a14:hiddenLine xmlns:a14="http://schemas.microsoft.com/office/drawing/2010/main" w="9525">
+              <a14:hiddenLine xmlns:a14="http://schemas.microsoft.com/office/drawing/2010/main" xmlns="" w="9525">
                 <a:solidFill>
                   <a:schemeClr val="tx1"/>
                 </a:solidFill>
@@ -7891,7 +7891,7 @@
           <a:blip r:embed="rId6" cstate="print">
             <a:extLst>
               <a:ext uri="{28A0092B-C50C-407E-A947-70E740481C1C}">
-                <a14:useLocalDpi xmlns:a14="http://schemas.microsoft.com/office/drawing/2010/main" val="0"/>
+                <a14:useLocalDpi xmlns:a14="http://schemas.microsoft.com/office/drawing/2010/main" xmlns="" val="0"/>
               </a:ext>
             </a:extLst>
           </a:blip>
@@ -7914,14 +7914,14 @@
           </a:ln>
           <a:extLst>
             <a:ext uri="{909E8E84-426E-40DD-AFC4-6F175D3DCCD1}">
-              <a14:hiddenFill xmlns:a14="http://schemas.microsoft.com/office/drawing/2010/main">
+              <a14:hiddenFill xmlns:a14="http://schemas.microsoft.com/office/drawing/2010/main" xmlns="">
                 <a:solidFill>
                   <a:schemeClr val="accent1"/>
                 </a:solidFill>
               </a14:hiddenFill>
             </a:ext>
             <a:ext uri="{91240B29-F687-4F45-9708-019B960494DF}">
-              <a14:hiddenLine xmlns:a14="http://schemas.microsoft.com/office/drawing/2010/main" w="9525">
+              <a14:hiddenLine xmlns:a14="http://schemas.microsoft.com/office/drawing/2010/main" xmlns="" w="9525">
                 <a:solidFill>
                   <a:schemeClr val="tx1"/>
                 </a:solidFill>
@@ -7945,7 +7945,7 @@
           <a:blip r:embed="rId7" cstate="print">
             <a:extLst>
               <a:ext uri="{28A0092B-C50C-407E-A947-70E740481C1C}">
-                <a14:useLocalDpi xmlns:a14="http://schemas.microsoft.com/office/drawing/2010/main" val="0"/>
+                <a14:useLocalDpi xmlns:a14="http://schemas.microsoft.com/office/drawing/2010/main" xmlns="" val="0"/>
               </a:ext>
             </a:extLst>
           </a:blip>
@@ -7968,14 +7968,14 @@
           </a:ln>
           <a:extLst>
             <a:ext uri="{909E8E84-426E-40DD-AFC4-6F175D3DCCD1}">
-              <a14:hiddenFill xmlns:a14="http://schemas.microsoft.com/office/drawing/2010/main">
+              <a14:hiddenFill xmlns:a14="http://schemas.microsoft.com/office/drawing/2010/main" xmlns="">
                 <a:solidFill>
                   <a:schemeClr val="accent1"/>
                 </a:solidFill>
               </a14:hiddenFill>
             </a:ext>
             <a:ext uri="{91240B29-F687-4F45-9708-019B960494DF}">
-              <a14:hiddenLine xmlns:a14="http://schemas.microsoft.com/office/drawing/2010/main" w="9525">
+              <a14:hiddenLine xmlns:a14="http://schemas.microsoft.com/office/drawing/2010/main" xmlns="" w="9525">
                 <a:solidFill>
                   <a:schemeClr val="tx1"/>
                 </a:solidFill>
@@ -8033,7 +8033,7 @@
           <a:blip r:embed="rId8" cstate="print">
             <a:extLst>
               <a:ext uri="{28A0092B-C50C-407E-A947-70E740481C1C}">
-                <a14:useLocalDpi xmlns:a14="http://schemas.microsoft.com/office/drawing/2010/main" val="0"/>
+                <a14:useLocalDpi xmlns:a14="http://schemas.microsoft.com/office/drawing/2010/main" xmlns="" val="0"/>
               </a:ext>
             </a:extLst>
           </a:blip>
@@ -8056,14 +8056,14 @@
           </a:ln>
           <a:extLst>
             <a:ext uri="{909E8E84-426E-40DD-AFC4-6F175D3DCCD1}">
-              <a14:hiddenFill xmlns:a14="http://schemas.microsoft.com/office/drawing/2010/main">
+              <a14:hiddenFill xmlns:a14="http://schemas.microsoft.com/office/drawing/2010/main" xmlns="">
                 <a:solidFill>
                   <a:schemeClr val="accent1"/>
                 </a:solidFill>
               </a14:hiddenFill>
             </a:ext>
             <a:ext uri="{91240B29-F687-4F45-9708-019B960494DF}">
-              <a14:hiddenLine xmlns:a14="http://schemas.microsoft.com/office/drawing/2010/main" w="9525">
+              <a14:hiddenLine xmlns:a14="http://schemas.microsoft.com/office/drawing/2010/main" xmlns="" w="9525">
                 <a:solidFill>
                   <a:schemeClr val="tx1"/>
                 </a:solidFill>
@@ -8087,7 +8087,7 @@
           <a:blip r:embed="rId9" cstate="print">
             <a:extLst>
               <a:ext uri="{28A0092B-C50C-407E-A947-70E740481C1C}">
-                <a14:useLocalDpi xmlns:a14="http://schemas.microsoft.com/office/drawing/2010/main" val="0"/>
+                <a14:useLocalDpi xmlns:a14="http://schemas.microsoft.com/office/drawing/2010/main" xmlns="" val="0"/>
               </a:ext>
             </a:extLst>
           </a:blip>
@@ -8110,14 +8110,14 @@
           </a:ln>
           <a:extLst>
             <a:ext uri="{909E8E84-426E-40DD-AFC4-6F175D3DCCD1}">
-              <a14:hiddenFill xmlns:a14="http://schemas.microsoft.com/office/drawing/2010/main">
+              <a14:hiddenFill xmlns:a14="http://schemas.microsoft.com/office/drawing/2010/main" xmlns="">
                 <a:solidFill>
                   <a:schemeClr val="accent1"/>
                 </a:solidFill>
               </a14:hiddenFill>
             </a:ext>
             <a:ext uri="{91240B29-F687-4F45-9708-019B960494DF}">
-              <a14:hiddenLine xmlns:a14="http://schemas.microsoft.com/office/drawing/2010/main" w="9525">
+              <a14:hiddenLine xmlns:a14="http://schemas.microsoft.com/office/drawing/2010/main" xmlns="" w="9525">
                 <a:solidFill>
                   <a:schemeClr val="tx1"/>
                 </a:solidFill>
@@ -8132,7 +8132,7 @@
     </p:spTree>
     <p:extLst>
       <p:ext uri="{BB962C8B-B14F-4D97-AF65-F5344CB8AC3E}">
-        <p14:creationId xmlns:p14="http://schemas.microsoft.com/office/powerpoint/2010/main" val="729488776"/>
+        <p14:creationId xmlns:p14="http://schemas.microsoft.com/office/powerpoint/2010/main" xmlns="" val="729488776"/>
       </p:ext>
     </p:extLst>
   </p:cSld>
@@ -8369,7 +8369,7 @@
           <a:blip r:embed="rId3" cstate="print">
             <a:extLst>
               <a:ext uri="{28A0092B-C50C-407E-A947-70E740481C1C}">
-                <a14:useLocalDpi xmlns:a14="http://schemas.microsoft.com/office/drawing/2010/main" val="0"/>
+                <a14:useLocalDpi xmlns:a14="http://schemas.microsoft.com/office/drawing/2010/main" xmlns="" val="0"/>
               </a:ext>
             </a:extLst>
           </a:blip>
@@ -8392,14 +8392,14 @@
           </a:ln>
           <a:extLst>
             <a:ext uri="{909E8E84-426E-40DD-AFC4-6F175D3DCCD1}">
-              <a14:hiddenFill xmlns:a14="http://schemas.microsoft.com/office/drawing/2010/main">
+              <a14:hiddenFill xmlns:a14="http://schemas.microsoft.com/office/drawing/2010/main" xmlns="">
                 <a:solidFill>
                   <a:schemeClr val="accent1"/>
                 </a:solidFill>
               </a14:hiddenFill>
             </a:ext>
             <a:ext uri="{91240B29-F687-4F45-9708-019B960494DF}">
-              <a14:hiddenLine xmlns:a14="http://schemas.microsoft.com/office/drawing/2010/main" w="9525">
+              <a14:hiddenLine xmlns:a14="http://schemas.microsoft.com/office/drawing/2010/main" xmlns="" w="9525">
                 <a:solidFill>
                   <a:schemeClr val="tx1"/>
                 </a:solidFill>
@@ -8423,7 +8423,7 @@
           <a:blip r:embed="rId4" cstate="print">
             <a:extLst>
               <a:ext uri="{28A0092B-C50C-407E-A947-70E740481C1C}">
-                <a14:useLocalDpi xmlns:a14="http://schemas.microsoft.com/office/drawing/2010/main" val="0"/>
+                <a14:useLocalDpi xmlns:a14="http://schemas.microsoft.com/office/drawing/2010/main" xmlns="" val="0"/>
               </a:ext>
             </a:extLst>
           </a:blip>
@@ -8446,14 +8446,14 @@
           </a:ln>
           <a:extLst>
             <a:ext uri="{909E8E84-426E-40DD-AFC4-6F175D3DCCD1}">
-              <a14:hiddenFill xmlns:a14="http://schemas.microsoft.com/office/drawing/2010/main">
+              <a14:hiddenFill xmlns:a14="http://schemas.microsoft.com/office/drawing/2010/main" xmlns="">
                 <a:solidFill>
                   <a:schemeClr val="accent1"/>
                 </a:solidFill>
               </a14:hiddenFill>
             </a:ext>
             <a:ext uri="{91240B29-F687-4F45-9708-019B960494DF}">
-              <a14:hiddenLine xmlns:a14="http://schemas.microsoft.com/office/drawing/2010/main" w="9525">
+              <a14:hiddenLine xmlns:a14="http://schemas.microsoft.com/office/drawing/2010/main" xmlns="" w="9525">
                 <a:solidFill>
                   <a:schemeClr val="tx1"/>
                 </a:solidFill>
@@ -8477,7 +8477,7 @@
           <a:blip r:embed="rId5" cstate="print">
             <a:extLst>
               <a:ext uri="{28A0092B-C50C-407E-A947-70E740481C1C}">
-                <a14:useLocalDpi xmlns:a14="http://schemas.microsoft.com/office/drawing/2010/main" val="0"/>
+                <a14:useLocalDpi xmlns:a14="http://schemas.microsoft.com/office/drawing/2010/main" xmlns="" val="0"/>
               </a:ext>
             </a:extLst>
           </a:blip>
@@ -8500,14 +8500,14 @@
           </a:ln>
           <a:extLst>
             <a:ext uri="{909E8E84-426E-40DD-AFC4-6F175D3DCCD1}">
-              <a14:hiddenFill xmlns:a14="http://schemas.microsoft.com/office/drawing/2010/main">
+              <a14:hiddenFill xmlns:a14="http://schemas.microsoft.com/office/drawing/2010/main" xmlns="">
                 <a:solidFill>
                   <a:schemeClr val="accent1"/>
                 </a:solidFill>
               </a14:hiddenFill>
             </a:ext>
             <a:ext uri="{91240B29-F687-4F45-9708-019B960494DF}">
-              <a14:hiddenLine xmlns:a14="http://schemas.microsoft.com/office/drawing/2010/main" w="9525">
+              <a14:hiddenLine xmlns:a14="http://schemas.microsoft.com/office/drawing/2010/main" xmlns="" w="9525">
                 <a:solidFill>
                   <a:schemeClr val="tx1"/>
                 </a:solidFill>
@@ -9220,7 +9220,7 @@
           <a:blip r:embed="rId6" cstate="print">
             <a:extLst>
               <a:ext uri="{28A0092B-C50C-407E-A947-70E740481C1C}">
-                <a14:useLocalDpi xmlns:a14="http://schemas.microsoft.com/office/drawing/2010/main" val="0"/>
+                <a14:useLocalDpi xmlns:a14="http://schemas.microsoft.com/office/drawing/2010/main" xmlns="" val="0"/>
               </a:ext>
             </a:extLst>
           </a:blip>
@@ -9243,14 +9243,14 @@
           </a:ln>
           <a:extLst>
             <a:ext uri="{909E8E84-426E-40DD-AFC4-6F175D3DCCD1}">
-              <a14:hiddenFill xmlns:a14="http://schemas.microsoft.com/office/drawing/2010/main">
+              <a14:hiddenFill xmlns:a14="http://schemas.microsoft.com/office/drawing/2010/main" xmlns="">
                 <a:solidFill>
                   <a:schemeClr val="accent1"/>
                 </a:solidFill>
               </a14:hiddenFill>
             </a:ext>
             <a:ext uri="{91240B29-F687-4F45-9708-019B960494DF}">
-              <a14:hiddenLine xmlns:a14="http://schemas.microsoft.com/office/drawing/2010/main" w="9525">
+              <a14:hiddenLine xmlns:a14="http://schemas.microsoft.com/office/drawing/2010/main" xmlns="" w="9525">
                 <a:solidFill>
                   <a:schemeClr val="tx1"/>
                 </a:solidFill>
@@ -9265,18 +9265,18 @@
     </p:spTree>
     <p:extLst>
       <p:ext uri="{BB962C8B-B14F-4D97-AF65-F5344CB8AC3E}">
-        <p14:creationId xmlns:p14="http://schemas.microsoft.com/office/powerpoint/2010/main" val="2915125699"/>
+        <p14:creationId xmlns:p14="http://schemas.microsoft.com/office/powerpoint/2010/main" xmlns="" val="2915125699"/>
       </p:ext>
     </p:extLst>
   </p:cSld>
   <p:clrMapOvr>
     <a:masterClrMapping/>
   </p:clrMapOvr>
-  <mc:AlternateContent xmlns:mc="http://schemas.openxmlformats.org/markup-compatibility/2006" xmlns:p14="http://schemas.microsoft.com/office/powerpoint/2010/main">
-    <mc:Choice Requires="p14">
+  <mc:AlternateContent xmlns:mc="http://schemas.openxmlformats.org/markup-compatibility/2006">
+    <mc:Choice xmlns:p14="http://schemas.microsoft.com/office/powerpoint/2010/main" xmlns="" Requires="p14">
       <p:transition spd="slow" p14:dur="2000"/>
     </mc:Choice>
-    <mc:Fallback xmlns="">
+    <mc:Fallback>
       <p:transition spd="slow"/>
     </mc:Fallback>
   </mc:AlternateContent>
@@ -9732,7 +9732,7 @@
           <a:blip r:embed="rId3" cstate="print">
             <a:extLst>
               <a:ext uri="{28A0092B-C50C-407E-A947-70E740481C1C}">
-                <a14:useLocalDpi xmlns:a14="http://schemas.microsoft.com/office/drawing/2010/main" val="0"/>
+                <a14:useLocalDpi xmlns:a14="http://schemas.microsoft.com/office/drawing/2010/main" xmlns="" val="0"/>
               </a:ext>
             </a:extLst>
           </a:blip>
@@ -9755,14 +9755,14 @@
           </a:ln>
           <a:extLst>
             <a:ext uri="{909E8E84-426E-40DD-AFC4-6F175D3DCCD1}">
-              <a14:hiddenFill xmlns:a14="http://schemas.microsoft.com/office/drawing/2010/main">
+              <a14:hiddenFill xmlns:a14="http://schemas.microsoft.com/office/drawing/2010/main" xmlns="">
                 <a:solidFill>
                   <a:schemeClr val="accent1"/>
                 </a:solidFill>
               </a14:hiddenFill>
             </a:ext>
             <a:ext uri="{91240B29-F687-4F45-9708-019B960494DF}">
-              <a14:hiddenLine xmlns:a14="http://schemas.microsoft.com/office/drawing/2010/main" w="9525">
+              <a14:hiddenLine xmlns:a14="http://schemas.microsoft.com/office/drawing/2010/main" xmlns="" w="9525">
                 <a:solidFill>
                   <a:schemeClr val="tx1"/>
                 </a:solidFill>
@@ -9786,7 +9786,7 @@
           <a:blip r:embed="rId4" cstate="print">
             <a:extLst>
               <a:ext uri="{28A0092B-C50C-407E-A947-70E740481C1C}">
-                <a14:useLocalDpi xmlns:a14="http://schemas.microsoft.com/office/drawing/2010/main" val="0"/>
+                <a14:useLocalDpi xmlns:a14="http://schemas.microsoft.com/office/drawing/2010/main" xmlns="" val="0"/>
               </a:ext>
             </a:extLst>
           </a:blip>
@@ -9809,14 +9809,14 @@
           </a:ln>
           <a:extLst>
             <a:ext uri="{909E8E84-426E-40DD-AFC4-6F175D3DCCD1}">
-              <a14:hiddenFill xmlns:a14="http://schemas.microsoft.com/office/drawing/2010/main">
+              <a14:hiddenFill xmlns:a14="http://schemas.microsoft.com/office/drawing/2010/main" xmlns="">
                 <a:solidFill>
                   <a:schemeClr val="accent1"/>
                 </a:solidFill>
               </a14:hiddenFill>
             </a:ext>
             <a:ext uri="{91240B29-F687-4F45-9708-019B960494DF}">
-              <a14:hiddenLine xmlns:a14="http://schemas.microsoft.com/office/drawing/2010/main" w="9525">
+              <a14:hiddenLine xmlns:a14="http://schemas.microsoft.com/office/drawing/2010/main" xmlns="" w="9525">
                 <a:solidFill>
                   <a:schemeClr val="tx1"/>
                 </a:solidFill>
@@ -9918,7 +9918,7 @@
           <a:blip r:embed="rId5" cstate="print">
             <a:extLst>
               <a:ext uri="{28A0092B-C50C-407E-A947-70E740481C1C}">
-                <a14:useLocalDpi xmlns:a14="http://schemas.microsoft.com/office/drawing/2010/main" val="0"/>
+                <a14:useLocalDpi xmlns:a14="http://schemas.microsoft.com/office/drawing/2010/main" xmlns="" val="0"/>
               </a:ext>
             </a:extLst>
           </a:blip>
@@ -9941,14 +9941,14 @@
           </a:ln>
           <a:extLst>
             <a:ext uri="{909E8E84-426E-40DD-AFC4-6F175D3DCCD1}">
-              <a14:hiddenFill xmlns:a14="http://schemas.microsoft.com/office/drawing/2010/main">
+              <a14:hiddenFill xmlns:a14="http://schemas.microsoft.com/office/drawing/2010/main" xmlns="">
                 <a:solidFill>
                   <a:schemeClr val="accent1"/>
                 </a:solidFill>
               </a14:hiddenFill>
             </a:ext>
             <a:ext uri="{91240B29-F687-4F45-9708-019B960494DF}">
-              <a14:hiddenLine xmlns:a14="http://schemas.microsoft.com/office/drawing/2010/main" w="9525">
+              <a14:hiddenLine xmlns:a14="http://schemas.microsoft.com/office/drawing/2010/main" xmlns="" w="9525">
                 <a:solidFill>
                   <a:schemeClr val="tx1"/>
                 </a:solidFill>
@@ -9972,7 +9972,7 @@
           <a:blip r:embed="rId6" cstate="print">
             <a:extLst>
               <a:ext uri="{28A0092B-C50C-407E-A947-70E740481C1C}">
-                <a14:useLocalDpi xmlns:a14="http://schemas.microsoft.com/office/drawing/2010/main" val="0"/>
+                <a14:useLocalDpi xmlns:a14="http://schemas.microsoft.com/office/drawing/2010/main" xmlns="" val="0"/>
               </a:ext>
             </a:extLst>
           </a:blip>
@@ -9995,14 +9995,14 @@
           </a:ln>
           <a:extLst>
             <a:ext uri="{909E8E84-426E-40DD-AFC4-6F175D3DCCD1}">
-              <a14:hiddenFill xmlns:a14="http://schemas.microsoft.com/office/drawing/2010/main">
+              <a14:hiddenFill xmlns:a14="http://schemas.microsoft.com/office/drawing/2010/main" xmlns="">
                 <a:solidFill>
                   <a:schemeClr val="accent1"/>
                 </a:solidFill>
               </a14:hiddenFill>
             </a:ext>
             <a:ext uri="{91240B29-F687-4F45-9708-019B960494DF}">
-              <a14:hiddenLine xmlns:a14="http://schemas.microsoft.com/office/drawing/2010/main" w="9525">
+              <a14:hiddenLine xmlns:a14="http://schemas.microsoft.com/office/drawing/2010/main" xmlns="" w="9525">
                 <a:solidFill>
                   <a:schemeClr val="tx1"/>
                 </a:solidFill>
@@ -10194,7 +10194,7 @@
           <a:blip r:embed="rId7" cstate="print">
             <a:extLst>
               <a:ext uri="{28A0092B-C50C-407E-A947-70E740481C1C}">
-                <a14:useLocalDpi xmlns:a14="http://schemas.microsoft.com/office/drawing/2010/main" val="0"/>
+                <a14:useLocalDpi xmlns:a14="http://schemas.microsoft.com/office/drawing/2010/main" xmlns="" val="0"/>
               </a:ext>
             </a:extLst>
           </a:blip>
@@ -10217,14 +10217,14 @@
           </a:ln>
           <a:extLst>
             <a:ext uri="{909E8E84-426E-40DD-AFC4-6F175D3DCCD1}">
-              <a14:hiddenFill xmlns:a14="http://schemas.microsoft.com/office/drawing/2010/main">
+              <a14:hiddenFill xmlns:a14="http://schemas.microsoft.com/office/drawing/2010/main" xmlns="">
                 <a:solidFill>
                   <a:schemeClr val="accent1"/>
                 </a:solidFill>
               </a14:hiddenFill>
             </a:ext>
             <a:ext uri="{91240B29-F687-4F45-9708-019B960494DF}">
-              <a14:hiddenLine xmlns:a14="http://schemas.microsoft.com/office/drawing/2010/main" w="9525">
+              <a14:hiddenLine xmlns:a14="http://schemas.microsoft.com/office/drawing/2010/main" xmlns="" w="9525">
                 <a:solidFill>
                   <a:schemeClr val="tx1"/>
                 </a:solidFill>
@@ -10248,7 +10248,7 @@
           <a:blip r:embed="rId8" cstate="print">
             <a:extLst>
               <a:ext uri="{28A0092B-C50C-407E-A947-70E740481C1C}">
-                <a14:useLocalDpi xmlns:a14="http://schemas.microsoft.com/office/drawing/2010/main" val="0"/>
+                <a14:useLocalDpi xmlns:a14="http://schemas.microsoft.com/office/drawing/2010/main" xmlns="" val="0"/>
               </a:ext>
             </a:extLst>
           </a:blip>
@@ -10272,14 +10272,14 @@
           <a:effectLst/>
           <a:extLst>
             <a:ext uri="{909E8E84-426E-40DD-AFC4-6F175D3DCCD1}">
-              <a14:hiddenFill xmlns:a14="http://schemas.microsoft.com/office/drawing/2010/main">
+              <a14:hiddenFill xmlns:a14="http://schemas.microsoft.com/office/drawing/2010/main" xmlns="">
                 <a:solidFill>
                   <a:schemeClr val="accent1"/>
                 </a:solidFill>
               </a14:hiddenFill>
             </a:ext>
             <a:ext uri="{91240B29-F687-4F45-9708-019B960494DF}">
-              <a14:hiddenLine xmlns:a14="http://schemas.microsoft.com/office/drawing/2010/main" w="9525">
+              <a14:hiddenLine xmlns:a14="http://schemas.microsoft.com/office/drawing/2010/main" xmlns="" w="9525">
                 <a:solidFill>
                   <a:schemeClr val="tx1"/>
                 </a:solidFill>
@@ -10289,7 +10289,7 @@
               </a14:hiddenLine>
             </a:ext>
             <a:ext uri="{AF507438-7753-43E0-B8FC-AC1667EBCBE1}">
-              <a14:hiddenEffects xmlns:a14="http://schemas.microsoft.com/office/drawing/2010/main">
+              <a14:hiddenEffects xmlns:a14="http://schemas.microsoft.com/office/drawing/2010/main" xmlns="">
                 <a:effectLst>
                   <a:outerShdw dist="35921" dir="2700000" algn="ctr" rotWithShape="0">
                     <a:schemeClr val="bg2"/>
@@ -10303,18 +10303,18 @@
     </p:spTree>
     <p:extLst>
       <p:ext uri="{BB962C8B-B14F-4D97-AF65-F5344CB8AC3E}">
-        <p14:creationId xmlns:p14="http://schemas.microsoft.com/office/powerpoint/2010/main" val="1082728236"/>
+        <p14:creationId xmlns:p14="http://schemas.microsoft.com/office/powerpoint/2010/main" xmlns="" val="1082728236"/>
       </p:ext>
     </p:extLst>
   </p:cSld>
   <p:clrMapOvr>
     <a:masterClrMapping/>
   </p:clrMapOvr>
-  <mc:AlternateContent xmlns:mc="http://schemas.openxmlformats.org/markup-compatibility/2006" xmlns:p14="http://schemas.microsoft.com/office/powerpoint/2010/main">
-    <mc:Choice Requires="p14">
+  <mc:AlternateContent xmlns:mc="http://schemas.openxmlformats.org/markup-compatibility/2006">
+    <mc:Choice xmlns:p14="http://schemas.microsoft.com/office/powerpoint/2010/main" xmlns="" Requires="p14">
       <p:transition spd="slow" p14:dur="2000"/>
     </mc:Choice>
-    <mc:Fallback xmlns="">
+    <mc:Fallback>
       <p:transition spd="slow"/>
     </mc:Fallback>
   </mc:AlternateContent>
@@ -10926,7 +10926,7 @@
           <a:blip r:embed="rId3" cstate="print">
             <a:extLst>
               <a:ext uri="{28A0092B-C50C-407E-A947-70E740481C1C}">
-                <a14:useLocalDpi xmlns:a14="http://schemas.microsoft.com/office/drawing/2010/main" val="0"/>
+                <a14:useLocalDpi xmlns:a14="http://schemas.microsoft.com/office/drawing/2010/main" xmlns="" val="0"/>
               </a:ext>
             </a:extLst>
           </a:blip>
@@ -10949,14 +10949,14 @@
           </a:ln>
           <a:extLst>
             <a:ext uri="{909E8E84-426E-40DD-AFC4-6F175D3DCCD1}">
-              <a14:hiddenFill xmlns:a14="http://schemas.microsoft.com/office/drawing/2010/main">
+              <a14:hiddenFill xmlns:a14="http://schemas.microsoft.com/office/drawing/2010/main" xmlns="">
                 <a:solidFill>
                   <a:schemeClr val="accent1"/>
                 </a:solidFill>
               </a14:hiddenFill>
             </a:ext>
             <a:ext uri="{91240B29-F687-4F45-9708-019B960494DF}">
-              <a14:hiddenLine xmlns:a14="http://schemas.microsoft.com/office/drawing/2010/main" w="9525">
+              <a14:hiddenLine xmlns:a14="http://schemas.microsoft.com/office/drawing/2010/main" xmlns="" w="9525">
                 <a:solidFill>
                   <a:schemeClr val="tx1"/>
                 </a:solidFill>
@@ -10980,7 +10980,7 @@
           <a:blip r:embed="rId4" cstate="print">
             <a:extLst>
               <a:ext uri="{28A0092B-C50C-407E-A947-70E740481C1C}">
-                <a14:useLocalDpi xmlns:a14="http://schemas.microsoft.com/office/drawing/2010/main" val="0"/>
+                <a14:useLocalDpi xmlns:a14="http://schemas.microsoft.com/office/drawing/2010/main" xmlns="" val="0"/>
               </a:ext>
             </a:extLst>
           </a:blip>
@@ -11003,14 +11003,14 @@
           </a:ln>
           <a:extLst>
             <a:ext uri="{909E8E84-426E-40DD-AFC4-6F175D3DCCD1}">
-              <a14:hiddenFill xmlns:a14="http://schemas.microsoft.com/office/drawing/2010/main">
+              <a14:hiddenFill xmlns:a14="http://schemas.microsoft.com/office/drawing/2010/main" xmlns="">
                 <a:solidFill>
                   <a:schemeClr val="accent1"/>
                 </a:solidFill>
               </a14:hiddenFill>
             </a:ext>
             <a:ext uri="{91240B29-F687-4F45-9708-019B960494DF}">
-              <a14:hiddenLine xmlns:a14="http://schemas.microsoft.com/office/drawing/2010/main" w="9525">
+              <a14:hiddenLine xmlns:a14="http://schemas.microsoft.com/office/drawing/2010/main" xmlns="" w="9525">
                 <a:solidFill>
                   <a:schemeClr val="tx1"/>
                 </a:solidFill>
@@ -11034,7 +11034,7 @@
           <a:blip r:embed="rId5" cstate="print">
             <a:extLst>
               <a:ext uri="{28A0092B-C50C-407E-A947-70E740481C1C}">
-                <a14:useLocalDpi xmlns:a14="http://schemas.microsoft.com/office/drawing/2010/main" val="0"/>
+                <a14:useLocalDpi xmlns:a14="http://schemas.microsoft.com/office/drawing/2010/main" xmlns="" val="0"/>
               </a:ext>
             </a:extLst>
           </a:blip>
@@ -11057,14 +11057,14 @@
           </a:ln>
           <a:extLst>
             <a:ext uri="{909E8E84-426E-40DD-AFC4-6F175D3DCCD1}">
-              <a14:hiddenFill xmlns:a14="http://schemas.microsoft.com/office/drawing/2010/main">
+              <a14:hiddenFill xmlns:a14="http://schemas.microsoft.com/office/drawing/2010/main" xmlns="">
                 <a:solidFill>
                   <a:schemeClr val="accent1"/>
                 </a:solidFill>
               </a14:hiddenFill>
             </a:ext>
             <a:ext uri="{91240B29-F687-4F45-9708-019B960494DF}">
-              <a14:hiddenLine xmlns:a14="http://schemas.microsoft.com/office/drawing/2010/main" w="9525">
+              <a14:hiddenLine xmlns:a14="http://schemas.microsoft.com/office/drawing/2010/main" xmlns="" w="9525">
                 <a:solidFill>
                   <a:schemeClr val="tx1"/>
                 </a:solidFill>
@@ -11079,18 +11079,18 @@
     </p:spTree>
     <p:extLst>
       <p:ext uri="{BB962C8B-B14F-4D97-AF65-F5344CB8AC3E}">
-        <p14:creationId xmlns:p14="http://schemas.microsoft.com/office/powerpoint/2010/main" val="2710702658"/>
+        <p14:creationId xmlns:p14="http://schemas.microsoft.com/office/powerpoint/2010/main" xmlns="" val="2710702658"/>
       </p:ext>
     </p:extLst>
   </p:cSld>
   <p:clrMapOvr>
     <a:masterClrMapping/>
   </p:clrMapOvr>
-  <mc:AlternateContent xmlns:mc="http://schemas.openxmlformats.org/markup-compatibility/2006" xmlns:p14="http://schemas.microsoft.com/office/powerpoint/2010/main">
-    <mc:Choice Requires="p14">
+  <mc:AlternateContent xmlns:mc="http://schemas.openxmlformats.org/markup-compatibility/2006">
+    <mc:Choice xmlns:p14="http://schemas.microsoft.com/office/powerpoint/2010/main" xmlns="" Requires="p14">
       <p:transition spd="slow" p14:dur="2000"/>
     </mc:Choice>
-    <mc:Fallback xmlns="">
+    <mc:Fallback>
       <p:transition spd="slow"/>
     </mc:Fallback>
   </mc:AlternateContent>
@@ -11414,7 +11414,7 @@
           <a:blip r:embed="rId3" cstate="print">
             <a:extLst>
               <a:ext uri="{28A0092B-C50C-407E-A947-70E740481C1C}">
-                <a14:useLocalDpi xmlns:a14="http://schemas.microsoft.com/office/drawing/2010/main" val="0"/>
+                <a14:useLocalDpi xmlns:a14="http://schemas.microsoft.com/office/drawing/2010/main" xmlns="" val="0"/>
               </a:ext>
             </a:extLst>
           </a:blip>
@@ -11437,14 +11437,14 @@
           </a:ln>
           <a:extLst>
             <a:ext uri="{909E8E84-426E-40DD-AFC4-6F175D3DCCD1}">
-              <a14:hiddenFill xmlns:a14="http://schemas.microsoft.com/office/drawing/2010/main">
+              <a14:hiddenFill xmlns:a14="http://schemas.microsoft.com/office/drawing/2010/main" xmlns="">
                 <a:solidFill>
                   <a:schemeClr val="accent1"/>
                 </a:solidFill>
               </a14:hiddenFill>
             </a:ext>
             <a:ext uri="{91240B29-F687-4F45-9708-019B960494DF}">
-              <a14:hiddenLine xmlns:a14="http://schemas.microsoft.com/office/drawing/2010/main" w="9525">
+              <a14:hiddenLine xmlns:a14="http://schemas.microsoft.com/office/drawing/2010/main" xmlns="" w="9525">
                 <a:solidFill>
                   <a:schemeClr val="tx1"/>
                 </a:solidFill>
@@ -11468,7 +11468,7 @@
           <a:blip r:embed="rId4" cstate="print">
             <a:extLst>
               <a:ext uri="{28A0092B-C50C-407E-A947-70E740481C1C}">
-                <a14:useLocalDpi xmlns:a14="http://schemas.microsoft.com/office/drawing/2010/main" val="0"/>
+                <a14:useLocalDpi xmlns:a14="http://schemas.microsoft.com/office/drawing/2010/main" xmlns="" val="0"/>
               </a:ext>
             </a:extLst>
           </a:blip>
@@ -11491,14 +11491,14 @@
           </a:ln>
           <a:extLst>
             <a:ext uri="{909E8E84-426E-40DD-AFC4-6F175D3DCCD1}">
-              <a14:hiddenFill xmlns:a14="http://schemas.microsoft.com/office/drawing/2010/main">
+              <a14:hiddenFill xmlns:a14="http://schemas.microsoft.com/office/drawing/2010/main" xmlns="">
                 <a:solidFill>
                   <a:schemeClr val="accent1"/>
                 </a:solidFill>
               </a14:hiddenFill>
             </a:ext>
             <a:ext uri="{91240B29-F687-4F45-9708-019B960494DF}">
-              <a14:hiddenLine xmlns:a14="http://schemas.microsoft.com/office/drawing/2010/main" w="9525">
+              <a14:hiddenLine xmlns:a14="http://schemas.microsoft.com/office/drawing/2010/main" xmlns="" w="9525">
                 <a:solidFill>
                   <a:schemeClr val="tx1"/>
                 </a:solidFill>
@@ -11522,7 +11522,7 @@
           <a:blip r:embed="rId5" cstate="print">
             <a:extLst>
               <a:ext uri="{28A0092B-C50C-407E-A947-70E740481C1C}">
-                <a14:useLocalDpi xmlns:a14="http://schemas.microsoft.com/office/drawing/2010/main" val="0"/>
+                <a14:useLocalDpi xmlns:a14="http://schemas.microsoft.com/office/drawing/2010/main" xmlns="" val="0"/>
               </a:ext>
             </a:extLst>
           </a:blip>
@@ -11545,14 +11545,14 @@
           </a:ln>
           <a:extLst>
             <a:ext uri="{909E8E84-426E-40DD-AFC4-6F175D3DCCD1}">
-              <a14:hiddenFill xmlns:a14="http://schemas.microsoft.com/office/drawing/2010/main">
+              <a14:hiddenFill xmlns:a14="http://schemas.microsoft.com/office/drawing/2010/main" xmlns="">
                 <a:solidFill>
                   <a:schemeClr val="accent1"/>
                 </a:solidFill>
               </a14:hiddenFill>
             </a:ext>
             <a:ext uri="{91240B29-F687-4F45-9708-019B960494DF}">
-              <a14:hiddenLine xmlns:a14="http://schemas.microsoft.com/office/drawing/2010/main" w="9525">
+              <a14:hiddenLine xmlns:a14="http://schemas.microsoft.com/office/drawing/2010/main" xmlns="" w="9525">
                 <a:solidFill>
                   <a:schemeClr val="tx1"/>
                 </a:solidFill>
@@ -11576,7 +11576,7 @@
           <a:blip r:embed="rId6" cstate="print">
             <a:extLst>
               <a:ext uri="{28A0092B-C50C-407E-A947-70E740481C1C}">
-                <a14:useLocalDpi xmlns:a14="http://schemas.microsoft.com/office/drawing/2010/main" val="0"/>
+                <a14:useLocalDpi xmlns:a14="http://schemas.microsoft.com/office/drawing/2010/main" xmlns="" val="0"/>
               </a:ext>
             </a:extLst>
           </a:blip>
@@ -11599,14 +11599,14 @@
           </a:ln>
           <a:extLst>
             <a:ext uri="{909E8E84-426E-40DD-AFC4-6F175D3DCCD1}">
-              <a14:hiddenFill xmlns:a14="http://schemas.microsoft.com/office/drawing/2010/main">
+              <a14:hiddenFill xmlns:a14="http://schemas.microsoft.com/office/drawing/2010/main" xmlns="">
                 <a:solidFill>
                   <a:schemeClr val="accent1"/>
                 </a:solidFill>
               </a14:hiddenFill>
             </a:ext>
             <a:ext uri="{91240B29-F687-4F45-9708-019B960494DF}">
-              <a14:hiddenLine xmlns:a14="http://schemas.microsoft.com/office/drawing/2010/main" w="9525">
+              <a14:hiddenLine xmlns:a14="http://schemas.microsoft.com/office/drawing/2010/main" xmlns="" w="9525">
                 <a:solidFill>
                   <a:schemeClr val="tx1"/>
                 </a:solidFill>
@@ -11630,7 +11630,7 @@
           <a:blip r:embed="rId7" cstate="print">
             <a:extLst>
               <a:ext uri="{28A0092B-C50C-407E-A947-70E740481C1C}">
-                <a14:useLocalDpi xmlns:a14="http://schemas.microsoft.com/office/drawing/2010/main" val="0"/>
+                <a14:useLocalDpi xmlns:a14="http://schemas.microsoft.com/office/drawing/2010/main" xmlns="" val="0"/>
               </a:ext>
             </a:extLst>
           </a:blip>
@@ -11653,14 +11653,14 @@
           </a:ln>
           <a:extLst>
             <a:ext uri="{909E8E84-426E-40DD-AFC4-6F175D3DCCD1}">
-              <a14:hiddenFill xmlns:a14="http://schemas.microsoft.com/office/drawing/2010/main">
+              <a14:hiddenFill xmlns:a14="http://schemas.microsoft.com/office/drawing/2010/main" xmlns="">
                 <a:solidFill>
                   <a:schemeClr val="accent1"/>
                 </a:solidFill>
               </a14:hiddenFill>
             </a:ext>
             <a:ext uri="{91240B29-F687-4F45-9708-019B960494DF}">
-              <a14:hiddenLine xmlns:a14="http://schemas.microsoft.com/office/drawing/2010/main" w="9525">
+              <a14:hiddenLine xmlns:a14="http://schemas.microsoft.com/office/drawing/2010/main" xmlns="" w="9525">
                 <a:solidFill>
                   <a:schemeClr val="tx1"/>
                 </a:solidFill>
@@ -11720,7 +11720,7 @@
           <a:blip r:embed="rId8" cstate="print">
             <a:extLst>
               <a:ext uri="{28A0092B-C50C-407E-A947-70E740481C1C}">
-                <a14:useLocalDpi xmlns:a14="http://schemas.microsoft.com/office/drawing/2010/main" val="0"/>
+                <a14:useLocalDpi xmlns:a14="http://schemas.microsoft.com/office/drawing/2010/main" xmlns="" val="0"/>
               </a:ext>
             </a:extLst>
           </a:blip>
@@ -11743,14 +11743,14 @@
           </a:ln>
           <a:extLst>
             <a:ext uri="{909E8E84-426E-40DD-AFC4-6F175D3DCCD1}">
-              <a14:hiddenFill xmlns:a14="http://schemas.microsoft.com/office/drawing/2010/main">
+              <a14:hiddenFill xmlns:a14="http://schemas.microsoft.com/office/drawing/2010/main" xmlns="">
                 <a:solidFill>
                   <a:schemeClr val="accent1"/>
                 </a:solidFill>
               </a14:hiddenFill>
             </a:ext>
             <a:ext uri="{91240B29-F687-4F45-9708-019B960494DF}">
-              <a14:hiddenLine xmlns:a14="http://schemas.microsoft.com/office/drawing/2010/main" w="9525">
+              <a14:hiddenLine xmlns:a14="http://schemas.microsoft.com/office/drawing/2010/main" xmlns="" w="9525">
                 <a:solidFill>
                   <a:schemeClr val="tx1"/>
                 </a:solidFill>
@@ -11774,7 +11774,7 @@
           <a:blip r:embed="rId9" cstate="print">
             <a:extLst>
               <a:ext uri="{28A0092B-C50C-407E-A947-70E740481C1C}">
-                <a14:useLocalDpi xmlns:a14="http://schemas.microsoft.com/office/drawing/2010/main" val="0"/>
+                <a14:useLocalDpi xmlns:a14="http://schemas.microsoft.com/office/drawing/2010/main" xmlns="" val="0"/>
               </a:ext>
             </a:extLst>
           </a:blip>
@@ -11797,14 +11797,14 @@
           </a:ln>
           <a:extLst>
             <a:ext uri="{909E8E84-426E-40DD-AFC4-6F175D3DCCD1}">
-              <a14:hiddenFill xmlns:a14="http://schemas.microsoft.com/office/drawing/2010/main">
+              <a14:hiddenFill xmlns:a14="http://schemas.microsoft.com/office/drawing/2010/main" xmlns="">
                 <a:solidFill>
                   <a:schemeClr val="accent1"/>
                 </a:solidFill>
               </a14:hiddenFill>
             </a:ext>
             <a:ext uri="{91240B29-F687-4F45-9708-019B960494DF}">
-              <a14:hiddenLine xmlns:a14="http://schemas.microsoft.com/office/drawing/2010/main" w="9525">
+              <a14:hiddenLine xmlns:a14="http://schemas.microsoft.com/office/drawing/2010/main" xmlns="" w="9525">
                 <a:solidFill>
                   <a:schemeClr val="tx1"/>
                 </a:solidFill>
@@ -11842,7 +11842,7 @@
             <a:blip r:embed="rId10" cstate="print">
               <a:extLst>
                 <a:ext uri="{28A0092B-C50C-407E-A947-70E740481C1C}">
-                  <a14:useLocalDpi xmlns:a14="http://schemas.microsoft.com/office/drawing/2010/main" val="0"/>
+                  <a14:useLocalDpi xmlns:a14="http://schemas.microsoft.com/office/drawing/2010/main" xmlns="" val="0"/>
                 </a:ext>
               </a:extLst>
             </a:blip>
@@ -11868,7 +11868,7 @@
             </a:ln>
             <a:extLst>
               <a:ext uri="{909E8E84-426E-40DD-AFC4-6F175D3DCCD1}">
-                <a14:hiddenFill xmlns:a14="http://schemas.microsoft.com/office/drawing/2010/main">
+                <a14:hiddenFill xmlns:a14="http://schemas.microsoft.com/office/drawing/2010/main" xmlns="">
                   <a:solidFill>
                     <a:schemeClr val="accent1"/>
                   </a:solidFill>
@@ -11889,7 +11889,7 @@
             <a:blip r:embed="rId11" cstate="print">
               <a:extLst>
                 <a:ext uri="{28A0092B-C50C-407E-A947-70E740481C1C}">
-                  <a14:useLocalDpi xmlns:a14="http://schemas.microsoft.com/office/drawing/2010/main" val="0"/>
+                  <a14:useLocalDpi xmlns:a14="http://schemas.microsoft.com/office/drawing/2010/main" xmlns="" val="0"/>
                 </a:ext>
               </a:extLst>
             </a:blip>
@@ -11912,14 +11912,14 @@
             </a:ln>
             <a:extLst>
               <a:ext uri="{909E8E84-426E-40DD-AFC4-6F175D3DCCD1}">
-                <a14:hiddenFill xmlns:a14="http://schemas.microsoft.com/office/drawing/2010/main">
+                <a14:hiddenFill xmlns:a14="http://schemas.microsoft.com/office/drawing/2010/main" xmlns="">
                   <a:solidFill>
                     <a:schemeClr val="accent1"/>
                   </a:solidFill>
                 </a14:hiddenFill>
               </a:ext>
               <a:ext uri="{91240B29-F687-4F45-9708-019B960494DF}">
-                <a14:hiddenLine xmlns:a14="http://schemas.microsoft.com/office/drawing/2010/main" w="9525">
+                <a14:hiddenLine xmlns:a14="http://schemas.microsoft.com/office/drawing/2010/main" xmlns="" w="9525">
                   <a:solidFill>
                     <a:schemeClr val="tx1"/>
                   </a:solidFill>
@@ -11990,7 +11990,7 @@
           <a:blip r:embed="rId12" cstate="print">
             <a:extLst>
               <a:ext uri="{28A0092B-C50C-407E-A947-70E740481C1C}">
-                <a14:useLocalDpi xmlns:a14="http://schemas.microsoft.com/office/drawing/2010/main" val="0"/>
+                <a14:useLocalDpi xmlns:a14="http://schemas.microsoft.com/office/drawing/2010/main" xmlns="" val="0"/>
               </a:ext>
             </a:extLst>
           </a:blip>
@@ -12013,14 +12013,14 @@
           </a:ln>
           <a:extLst>
             <a:ext uri="{909E8E84-426E-40DD-AFC4-6F175D3DCCD1}">
-              <a14:hiddenFill xmlns:a14="http://schemas.microsoft.com/office/drawing/2010/main">
+              <a14:hiddenFill xmlns:a14="http://schemas.microsoft.com/office/drawing/2010/main" xmlns="">
                 <a:solidFill>
                   <a:schemeClr val="accent1"/>
                 </a:solidFill>
               </a14:hiddenFill>
             </a:ext>
             <a:ext uri="{91240B29-F687-4F45-9708-019B960494DF}">
-              <a14:hiddenLine xmlns:a14="http://schemas.microsoft.com/office/drawing/2010/main" w="9525">
+              <a14:hiddenLine xmlns:a14="http://schemas.microsoft.com/office/drawing/2010/main" xmlns="" w="9525">
                 <a:solidFill>
                   <a:schemeClr val="tx1"/>
                 </a:solidFill>
@@ -12156,18 +12156,18 @@
     </p:spTree>
     <p:extLst>
       <p:ext uri="{BB962C8B-B14F-4D97-AF65-F5344CB8AC3E}">
-        <p14:creationId xmlns:p14="http://schemas.microsoft.com/office/powerpoint/2010/main" val="3899836803"/>
+        <p14:creationId xmlns:p14="http://schemas.microsoft.com/office/powerpoint/2010/main" xmlns="" val="3899836803"/>
       </p:ext>
     </p:extLst>
   </p:cSld>
   <p:clrMapOvr>
     <a:masterClrMapping/>
   </p:clrMapOvr>
-  <mc:AlternateContent xmlns:mc="http://schemas.openxmlformats.org/markup-compatibility/2006" xmlns:p14="http://schemas.microsoft.com/office/powerpoint/2010/main">
-    <mc:Choice Requires="p14">
+  <mc:AlternateContent xmlns:mc="http://schemas.openxmlformats.org/markup-compatibility/2006">
+    <mc:Choice xmlns:p14="http://schemas.microsoft.com/office/powerpoint/2010/main" xmlns="" Requires="p14">
       <p:transition spd="slow" p14:dur="2000"/>
     </mc:Choice>
-    <mc:Fallback xmlns="">
+    <mc:Fallback>
       <p:transition spd="slow"/>
     </mc:Fallback>
   </mc:AlternateContent>
@@ -12383,7 +12383,7 @@
           <a:blip r:embed="rId3" cstate="print">
             <a:extLst>
               <a:ext uri="{28A0092B-C50C-407E-A947-70E740481C1C}">
-                <a14:useLocalDpi xmlns:a14="http://schemas.microsoft.com/office/drawing/2010/main" val="0"/>
+                <a14:useLocalDpi xmlns:a14="http://schemas.microsoft.com/office/drawing/2010/main" xmlns="" val="0"/>
               </a:ext>
             </a:extLst>
           </a:blip>
@@ -12406,14 +12406,14 @@
           </a:ln>
           <a:extLst>
             <a:ext uri="{909E8E84-426E-40DD-AFC4-6F175D3DCCD1}">
-              <a14:hiddenFill xmlns:a14="http://schemas.microsoft.com/office/drawing/2010/main">
+              <a14:hiddenFill xmlns:a14="http://schemas.microsoft.com/office/drawing/2010/main" xmlns="">
                 <a:solidFill>
                   <a:schemeClr val="accent1"/>
                 </a:solidFill>
               </a14:hiddenFill>
             </a:ext>
             <a:ext uri="{91240B29-F687-4F45-9708-019B960494DF}">
-              <a14:hiddenLine xmlns:a14="http://schemas.microsoft.com/office/drawing/2010/main" w="9525">
+              <a14:hiddenLine xmlns:a14="http://schemas.microsoft.com/office/drawing/2010/main" xmlns="" w="9525">
                 <a:solidFill>
                   <a:schemeClr val="tx1"/>
                 </a:solidFill>
@@ -12437,7 +12437,7 @@
           <a:blip r:embed="rId4" cstate="print">
             <a:extLst>
               <a:ext uri="{28A0092B-C50C-407E-A947-70E740481C1C}">
-                <a14:useLocalDpi xmlns:a14="http://schemas.microsoft.com/office/drawing/2010/main" val="0"/>
+                <a14:useLocalDpi xmlns:a14="http://schemas.microsoft.com/office/drawing/2010/main" xmlns="" val="0"/>
               </a:ext>
             </a:extLst>
           </a:blip>
@@ -12460,14 +12460,14 @@
           </a:ln>
           <a:extLst>
             <a:ext uri="{909E8E84-426E-40DD-AFC4-6F175D3DCCD1}">
-              <a14:hiddenFill xmlns:a14="http://schemas.microsoft.com/office/drawing/2010/main">
+              <a14:hiddenFill xmlns:a14="http://schemas.microsoft.com/office/drawing/2010/main" xmlns="">
                 <a:solidFill>
                   <a:schemeClr val="accent1"/>
                 </a:solidFill>
               </a14:hiddenFill>
             </a:ext>
             <a:ext uri="{91240B29-F687-4F45-9708-019B960494DF}">
-              <a14:hiddenLine xmlns:a14="http://schemas.microsoft.com/office/drawing/2010/main" w="9525">
+              <a14:hiddenLine xmlns:a14="http://schemas.microsoft.com/office/drawing/2010/main" xmlns="" w="9525">
                 <a:solidFill>
                   <a:schemeClr val="tx1"/>
                 </a:solidFill>
@@ -12575,7 +12575,7 @@
           <a:blip r:embed="rId5" cstate="print">
             <a:extLst>
               <a:ext uri="{28A0092B-C50C-407E-A947-70E740481C1C}">
-                <a14:useLocalDpi xmlns:a14="http://schemas.microsoft.com/office/drawing/2010/main" val="0"/>
+                <a14:useLocalDpi xmlns:a14="http://schemas.microsoft.com/office/drawing/2010/main" xmlns="" val="0"/>
               </a:ext>
             </a:extLst>
           </a:blip>
@@ -12598,14 +12598,14 @@
           </a:ln>
           <a:extLst>
             <a:ext uri="{909E8E84-426E-40DD-AFC4-6F175D3DCCD1}">
-              <a14:hiddenFill xmlns:a14="http://schemas.microsoft.com/office/drawing/2010/main">
+              <a14:hiddenFill xmlns:a14="http://schemas.microsoft.com/office/drawing/2010/main" xmlns="">
                 <a:solidFill>
                   <a:schemeClr val="accent1"/>
                 </a:solidFill>
               </a14:hiddenFill>
             </a:ext>
             <a:ext uri="{91240B29-F687-4F45-9708-019B960494DF}">
-              <a14:hiddenLine xmlns:a14="http://schemas.microsoft.com/office/drawing/2010/main" w="9525">
+              <a14:hiddenLine xmlns:a14="http://schemas.microsoft.com/office/drawing/2010/main" xmlns="" w="9525">
                 <a:solidFill>
                   <a:schemeClr val="tx1"/>
                 </a:solidFill>
@@ -12737,7 +12737,7 @@
           <a:blip r:embed="rId6" cstate="print">
             <a:extLst>
               <a:ext uri="{28A0092B-C50C-407E-A947-70E740481C1C}">
-                <a14:useLocalDpi xmlns:a14="http://schemas.microsoft.com/office/drawing/2010/main" val="0"/>
+                <a14:useLocalDpi xmlns:a14="http://schemas.microsoft.com/office/drawing/2010/main" xmlns="" val="0"/>
               </a:ext>
             </a:extLst>
           </a:blip>
@@ -12760,14 +12760,14 @@
           </a:ln>
           <a:extLst>
             <a:ext uri="{909E8E84-426E-40DD-AFC4-6F175D3DCCD1}">
-              <a14:hiddenFill xmlns:a14="http://schemas.microsoft.com/office/drawing/2010/main">
+              <a14:hiddenFill xmlns:a14="http://schemas.microsoft.com/office/drawing/2010/main" xmlns="">
                 <a:solidFill>
                   <a:schemeClr val="accent1"/>
                 </a:solidFill>
               </a14:hiddenFill>
             </a:ext>
             <a:ext uri="{91240B29-F687-4F45-9708-019B960494DF}">
-              <a14:hiddenLine xmlns:a14="http://schemas.microsoft.com/office/drawing/2010/main" w="9525">
+              <a14:hiddenLine xmlns:a14="http://schemas.microsoft.com/office/drawing/2010/main" xmlns="" w="9525">
                 <a:solidFill>
                   <a:schemeClr val="tx1"/>
                 </a:solidFill>
@@ -12903,18 +12903,18 @@
     </p:spTree>
     <p:extLst>
       <p:ext uri="{BB962C8B-B14F-4D97-AF65-F5344CB8AC3E}">
-        <p14:creationId xmlns:p14="http://schemas.microsoft.com/office/powerpoint/2010/main" val="3671896962"/>
+        <p14:creationId xmlns:p14="http://schemas.microsoft.com/office/powerpoint/2010/main" xmlns="" val="3671896962"/>
       </p:ext>
     </p:extLst>
   </p:cSld>
   <p:clrMapOvr>
     <a:masterClrMapping/>
   </p:clrMapOvr>
-  <mc:AlternateContent xmlns:mc="http://schemas.openxmlformats.org/markup-compatibility/2006" xmlns:p14="http://schemas.microsoft.com/office/powerpoint/2010/main">
-    <mc:Choice Requires="p14">
+  <mc:AlternateContent xmlns:mc="http://schemas.openxmlformats.org/markup-compatibility/2006">
+    <mc:Choice xmlns:p14="http://schemas.microsoft.com/office/powerpoint/2010/main" xmlns="" Requires="p14">
       <p:transition spd="slow" p14:dur="2000"/>
     </mc:Choice>
-    <mc:Fallback xmlns="">
+    <mc:Fallback>
       <p:transition spd="slow"/>
     </mc:Fallback>
   </mc:AlternateContent>
@@ -13115,7 +13115,7 @@
           <a:blip r:embed="rId3" cstate="print">
             <a:extLst>
               <a:ext uri="{28A0092B-C50C-407E-A947-70E740481C1C}">
-                <a14:useLocalDpi xmlns:a14="http://schemas.microsoft.com/office/drawing/2010/main" val="0"/>
+                <a14:useLocalDpi xmlns:a14="http://schemas.microsoft.com/office/drawing/2010/main" xmlns="" val="0"/>
               </a:ext>
             </a:extLst>
           </a:blip>
@@ -13138,14 +13138,14 @@
           </a:ln>
           <a:extLst>
             <a:ext uri="{909E8E84-426E-40DD-AFC4-6F175D3DCCD1}">
-              <a14:hiddenFill xmlns:a14="http://schemas.microsoft.com/office/drawing/2010/main">
+              <a14:hiddenFill xmlns:a14="http://schemas.microsoft.com/office/drawing/2010/main" xmlns="">
                 <a:solidFill>
                   <a:schemeClr val="accent1"/>
                 </a:solidFill>
               </a14:hiddenFill>
             </a:ext>
             <a:ext uri="{91240B29-F687-4F45-9708-019B960494DF}">
-              <a14:hiddenLine xmlns:a14="http://schemas.microsoft.com/office/drawing/2010/main" w="9525">
+              <a14:hiddenLine xmlns:a14="http://schemas.microsoft.com/office/drawing/2010/main" xmlns="" w="9525">
                 <a:solidFill>
                   <a:schemeClr val="tx1"/>
                 </a:solidFill>
@@ -13169,7 +13169,7 @@
           <a:blip r:embed="rId4" cstate="print">
             <a:extLst>
               <a:ext uri="{28A0092B-C50C-407E-A947-70E740481C1C}">
-                <a14:useLocalDpi xmlns:a14="http://schemas.microsoft.com/office/drawing/2010/main" val="0"/>
+                <a14:useLocalDpi xmlns:a14="http://schemas.microsoft.com/office/drawing/2010/main" xmlns="" val="0"/>
               </a:ext>
             </a:extLst>
           </a:blip>
@@ -13192,14 +13192,14 @@
           </a:ln>
           <a:extLst>
             <a:ext uri="{909E8E84-426E-40DD-AFC4-6F175D3DCCD1}">
-              <a14:hiddenFill xmlns:a14="http://schemas.microsoft.com/office/drawing/2010/main">
+              <a14:hiddenFill xmlns:a14="http://schemas.microsoft.com/office/drawing/2010/main" xmlns="">
                 <a:solidFill>
                   <a:schemeClr val="accent1"/>
                 </a:solidFill>
               </a14:hiddenFill>
             </a:ext>
             <a:ext uri="{91240B29-F687-4F45-9708-019B960494DF}">
-              <a14:hiddenLine xmlns:a14="http://schemas.microsoft.com/office/drawing/2010/main" w="9525">
+              <a14:hiddenLine xmlns:a14="http://schemas.microsoft.com/office/drawing/2010/main" xmlns="" w="9525">
                 <a:solidFill>
                   <a:schemeClr val="tx1"/>
                 </a:solidFill>
@@ -13269,7 +13269,7 @@
           <a:blip r:embed="rId5" cstate="print">
             <a:extLst>
               <a:ext uri="{28A0092B-C50C-407E-A947-70E740481C1C}">
-                <a14:useLocalDpi xmlns:a14="http://schemas.microsoft.com/office/drawing/2010/main" val="0"/>
+                <a14:useLocalDpi xmlns:a14="http://schemas.microsoft.com/office/drawing/2010/main" xmlns="" val="0"/>
               </a:ext>
             </a:extLst>
           </a:blip>
@@ -13292,14 +13292,14 @@
           </a:ln>
           <a:extLst>
             <a:ext uri="{909E8E84-426E-40DD-AFC4-6F175D3DCCD1}">
-              <a14:hiddenFill xmlns:a14="http://schemas.microsoft.com/office/drawing/2010/main">
+              <a14:hiddenFill xmlns:a14="http://schemas.microsoft.com/office/drawing/2010/main" xmlns="">
                 <a:solidFill>
                   <a:schemeClr val="accent1"/>
                 </a:solidFill>
               </a14:hiddenFill>
             </a:ext>
             <a:ext uri="{91240B29-F687-4F45-9708-019B960494DF}">
-              <a14:hiddenLine xmlns:a14="http://schemas.microsoft.com/office/drawing/2010/main" w="9525">
+              <a14:hiddenLine xmlns:a14="http://schemas.microsoft.com/office/drawing/2010/main" xmlns="" w="9525">
                 <a:solidFill>
                   <a:schemeClr val="tx1"/>
                 </a:solidFill>
@@ -13323,7 +13323,7 @@
           <a:blip r:embed="rId6" cstate="print">
             <a:extLst>
               <a:ext uri="{28A0092B-C50C-407E-A947-70E740481C1C}">
-                <a14:useLocalDpi xmlns:a14="http://schemas.microsoft.com/office/drawing/2010/main" val="0"/>
+                <a14:useLocalDpi xmlns:a14="http://schemas.microsoft.com/office/drawing/2010/main" xmlns="" val="0"/>
               </a:ext>
             </a:extLst>
           </a:blip>
@@ -13346,14 +13346,14 @@
           </a:ln>
           <a:extLst>
             <a:ext uri="{909E8E84-426E-40DD-AFC4-6F175D3DCCD1}">
-              <a14:hiddenFill xmlns:a14="http://schemas.microsoft.com/office/drawing/2010/main">
+              <a14:hiddenFill xmlns:a14="http://schemas.microsoft.com/office/drawing/2010/main" xmlns="">
                 <a:solidFill>
                   <a:schemeClr val="accent1"/>
                 </a:solidFill>
               </a14:hiddenFill>
             </a:ext>
             <a:ext uri="{91240B29-F687-4F45-9708-019B960494DF}">
-              <a14:hiddenLine xmlns:a14="http://schemas.microsoft.com/office/drawing/2010/main" w="9525">
+              <a14:hiddenLine xmlns:a14="http://schemas.microsoft.com/office/drawing/2010/main" xmlns="" w="9525">
                 <a:solidFill>
                   <a:schemeClr val="tx1"/>
                 </a:solidFill>
@@ -13377,7 +13377,7 @@
           <a:blip r:embed="rId7" cstate="print">
             <a:extLst>
               <a:ext uri="{28A0092B-C50C-407E-A947-70E740481C1C}">
-                <a14:useLocalDpi xmlns:a14="http://schemas.microsoft.com/office/drawing/2010/main" val="0"/>
+                <a14:useLocalDpi xmlns:a14="http://schemas.microsoft.com/office/drawing/2010/main" xmlns="" val="0"/>
               </a:ext>
             </a:extLst>
           </a:blip>
@@ -13400,14 +13400,14 @@
           </a:ln>
           <a:extLst>
             <a:ext uri="{909E8E84-426E-40DD-AFC4-6F175D3DCCD1}">
-              <a14:hiddenFill xmlns:a14="http://schemas.microsoft.com/office/drawing/2010/main">
+              <a14:hiddenFill xmlns:a14="http://schemas.microsoft.com/office/drawing/2010/main" xmlns="">
                 <a:solidFill>
                   <a:schemeClr val="accent1"/>
                 </a:solidFill>
               </a14:hiddenFill>
             </a:ext>
             <a:ext uri="{91240B29-F687-4F45-9708-019B960494DF}">
-              <a14:hiddenLine xmlns:a14="http://schemas.microsoft.com/office/drawing/2010/main" w="9525">
+              <a14:hiddenLine xmlns:a14="http://schemas.microsoft.com/office/drawing/2010/main" xmlns="" w="9525">
                 <a:solidFill>
                   <a:schemeClr val="tx1"/>
                 </a:solidFill>
@@ -13431,7 +13431,7 @@
           <a:blip r:embed="rId8" cstate="print">
             <a:extLst>
               <a:ext uri="{28A0092B-C50C-407E-A947-70E740481C1C}">
-                <a14:useLocalDpi xmlns:a14="http://schemas.microsoft.com/office/drawing/2010/main" val="0"/>
+                <a14:useLocalDpi xmlns:a14="http://schemas.microsoft.com/office/drawing/2010/main" xmlns="" val="0"/>
               </a:ext>
             </a:extLst>
           </a:blip>
@@ -13454,14 +13454,14 @@
           </a:ln>
           <a:extLst>
             <a:ext uri="{909E8E84-426E-40DD-AFC4-6F175D3DCCD1}">
-              <a14:hiddenFill xmlns:a14="http://schemas.microsoft.com/office/drawing/2010/main">
+              <a14:hiddenFill xmlns:a14="http://schemas.microsoft.com/office/drawing/2010/main" xmlns="">
                 <a:solidFill>
                   <a:schemeClr val="accent1"/>
                 </a:solidFill>
               </a14:hiddenFill>
             </a:ext>
             <a:ext uri="{91240B29-F687-4F45-9708-019B960494DF}">
-              <a14:hiddenLine xmlns:a14="http://schemas.microsoft.com/office/drawing/2010/main" w="9525">
+              <a14:hiddenLine xmlns:a14="http://schemas.microsoft.com/office/drawing/2010/main" xmlns="" w="9525">
                 <a:solidFill>
                   <a:schemeClr val="tx1"/>
                 </a:solidFill>
@@ -13597,18 +13597,18 @@
     </p:spTree>
     <p:extLst>
       <p:ext uri="{BB962C8B-B14F-4D97-AF65-F5344CB8AC3E}">
-        <p14:creationId xmlns:p14="http://schemas.microsoft.com/office/powerpoint/2010/main" val="390011000"/>
+        <p14:creationId xmlns:p14="http://schemas.microsoft.com/office/powerpoint/2010/main" xmlns="" val="390011000"/>
       </p:ext>
     </p:extLst>
   </p:cSld>
   <p:clrMapOvr>
     <a:masterClrMapping/>
   </p:clrMapOvr>
-  <mc:AlternateContent xmlns:mc="http://schemas.openxmlformats.org/markup-compatibility/2006" xmlns:p14="http://schemas.microsoft.com/office/powerpoint/2010/main">
-    <mc:Choice Requires="p14">
+  <mc:AlternateContent xmlns:mc="http://schemas.openxmlformats.org/markup-compatibility/2006">
+    <mc:Choice xmlns:p14="http://schemas.microsoft.com/office/powerpoint/2010/main" xmlns="" Requires="p14">
       <p:transition spd="slow" p14:dur="2000"/>
     </mc:Choice>
-    <mc:Fallback xmlns="">
+    <mc:Fallback>
       <p:transition spd="slow"/>
     </mc:Fallback>
   </mc:AlternateContent>
@@ -13793,7 +13793,7 @@
         <p:spPr>
           <a:xfrm>
             <a:off x="457200" y="1163885"/>
-            <a:ext cx="8229600" cy="5145435"/>
+            <a:ext cx="8363272" cy="5145435"/>
           </a:xfrm>
         </p:spPr>
         <p:txBody>
@@ -13805,85 +13805,111 @@
             <a:pPr marL="0" indent="0">
               <a:buNone/>
             </a:pPr>
-            <a:endParaRPr lang="de-DE" sz="3200" smtClean="0"/>
+            <a:endParaRPr lang="de-DE" sz="3200" dirty="0" smtClean="0"/>
           </a:p>
           <a:p>
             <a:pPr marL="0" indent="0">
               <a:buNone/>
             </a:pPr>
             <a:r>
-              <a:rPr lang="de-DE" smtClean="0"/>
-              <a:t>Nenne     koerziv, iff</a:t>
-            </a:r>
+              <a:rPr lang="de-DE" dirty="0" smtClean="0"/>
+              <a:t>Nenne     </a:t>
+            </a:r>
+            <a:r>
+              <a:rPr lang="de-DE" dirty="0" err="1" smtClean="0"/>
+              <a:t>koerziv</a:t>
+            </a:r>
+            <a:r>
+              <a:rPr lang="de-DE" dirty="0" smtClean="0"/>
+              <a:t>, </a:t>
+            </a:r>
+            <a:r>
+              <a:rPr lang="de-DE" dirty="0" err="1" smtClean="0"/>
+              <a:t>iff</a:t>
+            </a:r>
+            <a:endParaRPr lang="de-DE" dirty="0" smtClean="0"/>
           </a:p>
           <a:p>
             <a:pPr marL="0" indent="0">
               <a:buNone/>
             </a:pPr>
-            <a:endParaRPr lang="de-DE" sz="1200"/>
+            <a:endParaRPr lang="de-DE" sz="1200" dirty="0"/>
           </a:p>
           <a:p>
             <a:pPr marL="0" indent="0">
               <a:buNone/>
             </a:pPr>
             <a:r>
-              <a:rPr lang="de-DE" smtClean="0"/>
-              <a:t>Nenne     stetig, iff</a:t>
-            </a:r>
+              <a:rPr lang="de-DE" dirty="0" smtClean="0"/>
+              <a:t>Nenne     stetig, </a:t>
+            </a:r>
+            <a:r>
+              <a:rPr lang="de-DE" dirty="0" err="1" smtClean="0"/>
+              <a:t>iff</a:t>
+            </a:r>
+            <a:endParaRPr lang="de-DE" dirty="0" smtClean="0"/>
           </a:p>
           <a:p>
             <a:pPr marL="0" indent="0">
               <a:buNone/>
             </a:pPr>
-            <a:endParaRPr lang="de-DE" sz="1400" smtClean="0"/>
+            <a:endParaRPr lang="de-DE" sz="1400" dirty="0" smtClean="0"/>
           </a:p>
           <a:p>
             <a:pPr marL="0" indent="0">
               <a:buNone/>
             </a:pPr>
             <a:r>
-              <a:rPr lang="de-DE" sz="3200" smtClean="0"/>
-              <a:t>Cea‘s Lemma</a:t>
-            </a:r>
+              <a:rPr lang="de-DE" sz="3200" dirty="0" smtClean="0"/>
+              <a:t>Lemma von Lax-</a:t>
+            </a:r>
+            <a:r>
+              <a:rPr lang="de-DE" sz="3200" dirty="0" err="1" smtClean="0"/>
+              <a:t>Milgram</a:t>
+            </a:r>
+            <a:endParaRPr lang="de-DE" sz="3200" dirty="0" smtClean="0"/>
           </a:p>
           <a:p>
             <a:pPr marL="0" indent="0">
               <a:buNone/>
             </a:pPr>
-            <a:endParaRPr lang="de-DE" sz="3200"/>
+            <a:r>
+              <a:rPr lang="de-DE" sz="3600" dirty="0" smtClean="0"/>
+              <a:t>			       </a:t>
+            </a:r>
+            <a:r>
+              <a:rPr lang="de-DE" dirty="0" smtClean="0"/>
+              <a:t>hat mit                eindeutige </a:t>
+            </a:r>
+            <a:r>
+              <a:rPr lang="de-DE" dirty="0" smtClean="0"/>
+              <a:t>Lösung            .</a:t>
+            </a:r>
+            <a:endParaRPr lang="de-DE" sz="3200" dirty="0" smtClean="0"/>
           </a:p>
           <a:p>
             <a:pPr marL="0" indent="0">
               <a:buNone/>
             </a:pPr>
-            <a:endParaRPr lang="de-DE" sz="3200" smtClean="0"/>
+            <a:endParaRPr lang="de-DE" sz="3200" dirty="0" smtClean="0"/>
           </a:p>
           <a:p>
             <a:pPr marL="0" indent="0">
               <a:buNone/>
             </a:pPr>
             <a:r>
-              <a:rPr lang="de-DE" sz="3200" smtClean="0"/>
-              <a:t>Lax-Milgram</a:t>
-            </a:r>
-          </a:p>
-          <a:p>
-            <a:pPr marL="0" indent="0">
-              <a:buNone/>
-            </a:pPr>
-            <a:r>
-              <a:rPr lang="de-DE" sz="3200"/>
-              <a:t>	</a:t>
-            </a:r>
-            <a:r>
-              <a:rPr lang="de-DE" sz="3200" smtClean="0"/>
-              <a:t>		       </a:t>
-            </a:r>
-            <a:r>
-              <a:rPr lang="de-DE" smtClean="0"/>
-              <a:t>hat mit                eindeutige Lösung            .</a:t>
-            </a:r>
-            <a:endParaRPr lang="de-DE" sz="3200"/>
+              <a:rPr lang="de-DE" sz="3200" dirty="0" err="1" smtClean="0"/>
+              <a:t>Cea‘s</a:t>
+            </a:r>
+            <a:r>
+              <a:rPr lang="de-DE" sz="3200" dirty="0" smtClean="0"/>
+              <a:t> </a:t>
+            </a:r>
+            <a:r>
+              <a:rPr lang="de-DE" sz="3200" dirty="0" smtClean="0"/>
+              <a:t>Lemma </a:t>
+            </a:r>
+            <a:endParaRPr lang="de-DE" sz="3200" dirty="0" smtClean="0"/>
           </a:p>
         </p:txBody>
       </p:sp>
@@ -13899,7 +13925,7 @@
           <a:blip r:embed="rId3" cstate="print">
             <a:extLst>
               <a:ext uri="{28A0092B-C50C-407E-A947-70E740481C1C}">
-                <a14:useLocalDpi xmlns:a14="http://schemas.microsoft.com/office/drawing/2010/main" val="0"/>
+                <a14:useLocalDpi xmlns:a14="http://schemas.microsoft.com/office/drawing/2010/main" xmlns="" val="0"/>
               </a:ext>
             </a:extLst>
           </a:blip>
@@ -13922,14 +13948,14 @@
           </a:ln>
           <a:extLst>
             <a:ext uri="{909E8E84-426E-40DD-AFC4-6F175D3DCCD1}">
-              <a14:hiddenFill xmlns:a14="http://schemas.microsoft.com/office/drawing/2010/main">
+              <a14:hiddenFill xmlns:a14="http://schemas.microsoft.com/office/drawing/2010/main" xmlns="">
                 <a:solidFill>
                   <a:schemeClr val="accent1"/>
                 </a:solidFill>
               </a14:hiddenFill>
             </a:ext>
             <a:ext uri="{91240B29-F687-4F45-9708-019B960494DF}">
-              <a14:hiddenLine xmlns:a14="http://schemas.microsoft.com/office/drawing/2010/main" w="9525">
+              <a14:hiddenLine xmlns:a14="http://schemas.microsoft.com/office/drawing/2010/main" xmlns="" w="9525">
                 <a:solidFill>
                   <a:schemeClr val="tx1"/>
                 </a:solidFill>
@@ -13953,7 +13979,7 @@
           <a:blip r:embed="rId4" cstate="print">
             <a:extLst>
               <a:ext uri="{28A0092B-C50C-407E-A947-70E740481C1C}">
-                <a14:useLocalDpi xmlns:a14="http://schemas.microsoft.com/office/drawing/2010/main" val="0"/>
+                <a14:useLocalDpi xmlns:a14="http://schemas.microsoft.com/office/drawing/2010/main" xmlns="" val="0"/>
               </a:ext>
             </a:extLst>
           </a:blip>
@@ -13976,14 +14002,14 @@
           </a:ln>
           <a:extLst>
             <a:ext uri="{909E8E84-426E-40DD-AFC4-6F175D3DCCD1}">
-              <a14:hiddenFill xmlns:a14="http://schemas.microsoft.com/office/drawing/2010/main">
+              <a14:hiddenFill xmlns:a14="http://schemas.microsoft.com/office/drawing/2010/main" xmlns="">
                 <a:solidFill>
                   <a:schemeClr val="accent1"/>
                 </a:solidFill>
               </a14:hiddenFill>
             </a:ext>
             <a:ext uri="{91240B29-F687-4F45-9708-019B960494DF}">
-              <a14:hiddenLine xmlns:a14="http://schemas.microsoft.com/office/drawing/2010/main" w="9525">
+              <a14:hiddenLine xmlns:a14="http://schemas.microsoft.com/office/drawing/2010/main" xmlns="" w="9525">
                 <a:solidFill>
                   <a:schemeClr val="tx1"/>
                 </a:solidFill>
@@ -14007,7 +14033,7 @@
           <a:blip r:embed="rId5" cstate="print">
             <a:extLst>
               <a:ext uri="{28A0092B-C50C-407E-A947-70E740481C1C}">
-                <a14:useLocalDpi xmlns:a14="http://schemas.microsoft.com/office/drawing/2010/main" val="0"/>
+                <a14:useLocalDpi xmlns:a14="http://schemas.microsoft.com/office/drawing/2010/main" xmlns="" val="0"/>
               </a:ext>
             </a:extLst>
           </a:blip>
@@ -14030,14 +14056,14 @@
           </a:ln>
           <a:extLst>
             <a:ext uri="{909E8E84-426E-40DD-AFC4-6F175D3DCCD1}">
-              <a14:hiddenFill xmlns:a14="http://schemas.microsoft.com/office/drawing/2010/main">
+              <a14:hiddenFill xmlns:a14="http://schemas.microsoft.com/office/drawing/2010/main" xmlns="">
                 <a:solidFill>
                   <a:schemeClr val="accent1"/>
                 </a:solidFill>
               </a14:hiddenFill>
             </a:ext>
             <a:ext uri="{91240B29-F687-4F45-9708-019B960494DF}">
-              <a14:hiddenLine xmlns:a14="http://schemas.microsoft.com/office/drawing/2010/main" w="9525">
+              <a14:hiddenLine xmlns:a14="http://schemas.microsoft.com/office/drawing/2010/main" xmlns="" w="9525">
                 <a:solidFill>
                   <a:schemeClr val="tx1"/>
                 </a:solidFill>
@@ -14061,7 +14087,7 @@
           <a:blip r:embed="rId5" cstate="print">
             <a:extLst>
               <a:ext uri="{28A0092B-C50C-407E-A947-70E740481C1C}">
-                <a14:useLocalDpi xmlns:a14="http://schemas.microsoft.com/office/drawing/2010/main" val="0"/>
+                <a14:useLocalDpi xmlns:a14="http://schemas.microsoft.com/office/drawing/2010/main" xmlns="" val="0"/>
               </a:ext>
             </a:extLst>
           </a:blip>
@@ -14084,14 +14110,14 @@
           </a:ln>
           <a:extLst>
             <a:ext uri="{909E8E84-426E-40DD-AFC4-6F175D3DCCD1}">
-              <a14:hiddenFill xmlns:a14="http://schemas.microsoft.com/office/drawing/2010/main">
+              <a14:hiddenFill xmlns:a14="http://schemas.microsoft.com/office/drawing/2010/main" xmlns="">
                 <a:solidFill>
                   <a:schemeClr val="accent1"/>
                 </a:solidFill>
               </a14:hiddenFill>
             </a:ext>
             <a:ext uri="{91240B29-F687-4F45-9708-019B960494DF}">
-              <a14:hiddenLine xmlns:a14="http://schemas.microsoft.com/office/drawing/2010/main" w="9525">
+              <a14:hiddenLine xmlns:a14="http://schemas.microsoft.com/office/drawing/2010/main" xmlns="" w="9525">
                 <a:solidFill>
                   <a:schemeClr val="tx1"/>
                 </a:solidFill>
@@ -14146,7 +14172,7 @@
           <a:blip r:embed="rId6" cstate="print">
             <a:extLst>
               <a:ext uri="{28A0092B-C50C-407E-A947-70E740481C1C}">
-                <a14:useLocalDpi xmlns:a14="http://schemas.microsoft.com/office/drawing/2010/main" val="0"/>
+                <a14:useLocalDpi xmlns:a14="http://schemas.microsoft.com/office/drawing/2010/main" xmlns="" val="0"/>
               </a:ext>
             </a:extLst>
           </a:blip>
@@ -14157,7 +14183,7 @@
         </p:blipFill>
         <p:spPr bwMode="auto">
           <a:xfrm>
-            <a:off x="3238747" y="3400274"/>
+            <a:off x="2627784" y="4725144"/>
             <a:ext cx="5364088" cy="777531"/>
           </a:xfrm>
           <a:prstGeom prst="rect">
@@ -14165,18 +14191,24 @@
           </a:prstGeom>
           <a:noFill/>
           <a:ln>
-            <a:noFill/>
+            <a:solidFill>
+              <a:schemeClr val="tx1">
+                <a:lumMod val="50000"/>
+                <a:lumOff val="50000"/>
+              </a:schemeClr>
+            </a:solidFill>
+            <a:prstDash val="sysDash"/>
           </a:ln>
           <a:extLst>
             <a:ext uri="{909E8E84-426E-40DD-AFC4-6F175D3DCCD1}">
-              <a14:hiddenFill xmlns:a14="http://schemas.microsoft.com/office/drawing/2010/main">
+              <a14:hiddenFill xmlns:a14="http://schemas.microsoft.com/office/drawing/2010/main" xmlns="">
                 <a:solidFill>
                   <a:schemeClr val="accent1"/>
                 </a:solidFill>
               </a14:hiddenFill>
             </a:ext>
             <a:ext uri="{91240B29-F687-4F45-9708-019B960494DF}">
-              <a14:hiddenLine xmlns:a14="http://schemas.microsoft.com/office/drawing/2010/main" w="9525">
+              <a14:hiddenLine xmlns:a14="http://schemas.microsoft.com/office/drawing/2010/main" xmlns="" w="9525">
                 <a:solidFill>
                   <a:schemeClr val="tx1"/>
                 </a:solidFill>
@@ -14200,7 +14232,7 @@
           <a:blip r:embed="rId7" cstate="print">
             <a:extLst>
               <a:ext uri="{28A0092B-C50C-407E-A947-70E740481C1C}">
-                <a14:useLocalDpi xmlns:a14="http://schemas.microsoft.com/office/drawing/2010/main" val="0"/>
+                <a14:useLocalDpi xmlns:a14="http://schemas.microsoft.com/office/drawing/2010/main" xmlns="" val="0"/>
               </a:ext>
             </a:extLst>
           </a:blip>
@@ -14211,7 +14243,7 @@
         </p:blipFill>
         <p:spPr bwMode="auto">
           <a:xfrm>
-            <a:off x="539552" y="4241068"/>
+            <a:off x="683568" y="5661248"/>
             <a:ext cx="4390256" cy="651006"/>
           </a:xfrm>
           <a:prstGeom prst="rect">
@@ -14223,14 +14255,14 @@
           </a:ln>
           <a:extLst>
             <a:ext uri="{909E8E84-426E-40DD-AFC4-6F175D3DCCD1}">
-              <a14:hiddenFill xmlns:a14="http://schemas.microsoft.com/office/drawing/2010/main">
+              <a14:hiddenFill xmlns:a14="http://schemas.microsoft.com/office/drawing/2010/main" xmlns="">
                 <a:solidFill>
                   <a:schemeClr val="accent1"/>
                 </a:solidFill>
               </a14:hiddenFill>
             </a:ext>
             <a:ext uri="{91240B29-F687-4F45-9708-019B960494DF}">
-              <a14:hiddenLine xmlns:a14="http://schemas.microsoft.com/office/drawing/2010/main" w="9525">
+              <a14:hiddenLine xmlns:a14="http://schemas.microsoft.com/office/drawing/2010/main" xmlns="" w="9525">
                 <a:solidFill>
                   <a:schemeClr val="tx1"/>
                 </a:solidFill>
@@ -14405,7 +14437,7 @@
         </p:nvGrpSpPr>
         <p:grpSpPr>
           <a:xfrm>
-            <a:off x="504041" y="5644012"/>
+            <a:off x="611560" y="3933056"/>
             <a:ext cx="3045105" cy="431528"/>
             <a:chOff x="5697386" y="5735667"/>
             <a:chExt cx="3045105" cy="431528"/>
@@ -14423,7 +14455,7 @@
             <a:blip r:embed="rId8" cstate="print">
               <a:extLst>
                 <a:ext uri="{28A0092B-C50C-407E-A947-70E740481C1C}">
-                  <a14:useLocalDpi xmlns:a14="http://schemas.microsoft.com/office/drawing/2010/main" val="0"/>
+                  <a14:useLocalDpi xmlns:a14="http://schemas.microsoft.com/office/drawing/2010/main" xmlns="" val="0"/>
                 </a:ext>
               </a:extLst>
             </a:blip>
@@ -14449,7 +14481,7 @@
             </a:ln>
             <a:extLst>
               <a:ext uri="{909E8E84-426E-40DD-AFC4-6F175D3DCCD1}">
-                <a14:hiddenFill xmlns:a14="http://schemas.microsoft.com/office/drawing/2010/main">
+                <a14:hiddenFill xmlns:a14="http://schemas.microsoft.com/office/drawing/2010/main" xmlns="">
                   <a:solidFill>
                     <a:schemeClr val="accent1"/>
                   </a:solidFill>
@@ -14470,7 +14502,7 @@
             <a:blip r:embed="rId9" cstate="print">
               <a:extLst>
                 <a:ext uri="{28A0092B-C50C-407E-A947-70E740481C1C}">
-                  <a14:useLocalDpi xmlns:a14="http://schemas.microsoft.com/office/drawing/2010/main" val="0"/>
+                  <a14:useLocalDpi xmlns:a14="http://schemas.microsoft.com/office/drawing/2010/main" xmlns="" val="0"/>
                 </a:ext>
               </a:extLst>
             </a:blip>
@@ -14493,14 +14525,14 @@
             </a:ln>
             <a:extLst>
               <a:ext uri="{909E8E84-426E-40DD-AFC4-6F175D3DCCD1}">
-                <a14:hiddenFill xmlns:a14="http://schemas.microsoft.com/office/drawing/2010/main">
+                <a14:hiddenFill xmlns:a14="http://schemas.microsoft.com/office/drawing/2010/main" xmlns="">
                   <a:solidFill>
                     <a:schemeClr val="accent1"/>
                   </a:solidFill>
                 </a14:hiddenFill>
               </a:ext>
               <a:ext uri="{91240B29-F687-4F45-9708-019B960494DF}">
-                <a14:hiddenLine xmlns:a14="http://schemas.microsoft.com/office/drawing/2010/main" w="9525">
+                <a14:hiddenLine xmlns:a14="http://schemas.microsoft.com/office/drawing/2010/main" xmlns="" w="9525">
                   <a:solidFill>
                     <a:schemeClr val="tx1"/>
                   </a:solidFill>
@@ -14525,7 +14557,7 @@
           <a:blip r:embed="rId10" cstate="print">
             <a:extLst>
               <a:ext uri="{28A0092B-C50C-407E-A947-70E740481C1C}">
-                <a14:useLocalDpi xmlns:a14="http://schemas.microsoft.com/office/drawing/2010/main" val="0"/>
+                <a14:useLocalDpi xmlns:a14="http://schemas.microsoft.com/office/drawing/2010/main" xmlns="" val="0"/>
               </a:ext>
             </a:extLst>
           </a:blip>
@@ -14536,7 +14568,7 @@
         </p:blipFill>
         <p:spPr bwMode="auto">
           <a:xfrm>
-            <a:off x="4716016" y="5712296"/>
+            <a:off x="4788024" y="4005064"/>
             <a:ext cx="891662" cy="308992"/>
           </a:xfrm>
           <a:prstGeom prst="rect">
@@ -14548,14 +14580,14 @@
           </a:ln>
           <a:extLst>
             <a:ext uri="{909E8E84-426E-40DD-AFC4-6F175D3DCCD1}">
-              <a14:hiddenFill xmlns:a14="http://schemas.microsoft.com/office/drawing/2010/main">
+              <a14:hiddenFill xmlns:a14="http://schemas.microsoft.com/office/drawing/2010/main" xmlns="">
                 <a:solidFill>
                   <a:schemeClr val="accent1"/>
                 </a:solidFill>
               </a14:hiddenFill>
             </a:ext>
             <a:ext uri="{91240B29-F687-4F45-9708-019B960494DF}">
-              <a14:hiddenLine xmlns:a14="http://schemas.microsoft.com/office/drawing/2010/main" w="9525">
+              <a14:hiddenLine xmlns:a14="http://schemas.microsoft.com/office/drawing/2010/main" xmlns="" w="9525">
                 <a:solidFill>
                   <a:schemeClr val="tx1"/>
                 </a:solidFill>
@@ -14579,7 +14611,7 @@
           <a:blip r:embed="rId11" cstate="print">
             <a:extLst>
               <a:ext uri="{28A0092B-C50C-407E-A947-70E740481C1C}">
-                <a14:useLocalDpi xmlns:a14="http://schemas.microsoft.com/office/drawing/2010/main" val="0"/>
+                <a14:useLocalDpi xmlns:a14="http://schemas.microsoft.com/office/drawing/2010/main" xmlns="" val="0"/>
               </a:ext>
             </a:extLst>
           </a:blip>
@@ -14590,7 +14622,7 @@
         </p:blipFill>
         <p:spPr bwMode="auto">
           <a:xfrm>
-            <a:off x="7740352" y="5733256"/>
+            <a:off x="7823398" y="4018409"/>
             <a:ext cx="722990" cy="264642"/>
           </a:xfrm>
           <a:prstGeom prst="rect">
@@ -14602,14 +14634,14 @@
           </a:ln>
           <a:extLst>
             <a:ext uri="{909E8E84-426E-40DD-AFC4-6F175D3DCCD1}">
-              <a14:hiddenFill xmlns:a14="http://schemas.microsoft.com/office/drawing/2010/main">
+              <a14:hiddenFill xmlns:a14="http://schemas.microsoft.com/office/drawing/2010/main" xmlns="">
                 <a:solidFill>
                   <a:schemeClr val="accent1"/>
                 </a:solidFill>
               </a14:hiddenFill>
             </a:ext>
             <a:ext uri="{91240B29-F687-4F45-9708-019B960494DF}">
-              <a14:hiddenLine xmlns:a14="http://schemas.microsoft.com/office/drawing/2010/main" w="9525">
+              <a14:hiddenLine xmlns:a14="http://schemas.microsoft.com/office/drawing/2010/main" xmlns="" w="9525">
                 <a:solidFill>
                   <a:schemeClr val="tx1"/>
                 </a:solidFill>
@@ -14745,18 +14777,18 @@
     </p:spTree>
     <p:extLst>
       <p:ext uri="{BB962C8B-B14F-4D97-AF65-F5344CB8AC3E}">
-        <p14:creationId xmlns:p14="http://schemas.microsoft.com/office/powerpoint/2010/main" val="1798221942"/>
+        <p14:creationId xmlns:p14="http://schemas.microsoft.com/office/powerpoint/2010/main" xmlns="" val="1798221942"/>
       </p:ext>
     </p:extLst>
   </p:cSld>
   <p:clrMapOvr>
     <a:masterClrMapping/>
   </p:clrMapOvr>
-  <mc:AlternateContent xmlns:mc="http://schemas.openxmlformats.org/markup-compatibility/2006" xmlns:p14="http://schemas.microsoft.com/office/powerpoint/2010/main">
-    <mc:Choice Requires="p14">
+  <mc:AlternateContent xmlns:mc="http://schemas.openxmlformats.org/markup-compatibility/2006">
+    <mc:Choice xmlns:p14="http://schemas.microsoft.com/office/powerpoint/2010/main" xmlns="" Requires="p14">
       <p:transition spd="slow" p14:dur="2000"/>
     </mc:Choice>
-    <mc:Fallback xmlns="">
+    <mc:Fallback>
       <p:transition spd="slow"/>
     </mc:Fallback>
   </mc:AlternateContent>
@@ -14974,7 +15006,7 @@
           <a:blip r:embed="rId3" cstate="print">
             <a:extLst>
               <a:ext uri="{28A0092B-C50C-407E-A947-70E740481C1C}">
-                <a14:useLocalDpi xmlns:a14="http://schemas.microsoft.com/office/drawing/2010/main" val="0"/>
+                <a14:useLocalDpi xmlns:a14="http://schemas.microsoft.com/office/drawing/2010/main" xmlns="" val="0"/>
               </a:ext>
             </a:extLst>
           </a:blip>
@@ -14997,14 +15029,14 @@
           </a:ln>
           <a:extLst>
             <a:ext uri="{909E8E84-426E-40DD-AFC4-6F175D3DCCD1}">
-              <a14:hiddenFill xmlns:a14="http://schemas.microsoft.com/office/drawing/2010/main">
+              <a14:hiddenFill xmlns:a14="http://schemas.microsoft.com/office/drawing/2010/main" xmlns="">
                 <a:solidFill>
                   <a:schemeClr val="accent1"/>
                 </a:solidFill>
               </a14:hiddenFill>
             </a:ext>
             <a:ext uri="{91240B29-F687-4F45-9708-019B960494DF}">
-              <a14:hiddenLine xmlns:a14="http://schemas.microsoft.com/office/drawing/2010/main" w="9525">
+              <a14:hiddenLine xmlns:a14="http://schemas.microsoft.com/office/drawing/2010/main" xmlns="" w="9525">
                 <a:solidFill>
                   <a:schemeClr val="tx1"/>
                 </a:solidFill>
@@ -15212,7 +15244,7 @@
           <a:blip r:embed="rId9" cstate="print">
             <a:extLst>
               <a:ext uri="{28A0092B-C50C-407E-A947-70E740481C1C}">
-                <a14:useLocalDpi xmlns:a14="http://schemas.microsoft.com/office/drawing/2010/main" val="0"/>
+                <a14:useLocalDpi xmlns:a14="http://schemas.microsoft.com/office/drawing/2010/main" xmlns="" val="0"/>
               </a:ext>
             </a:extLst>
           </a:blip>
@@ -15235,14 +15267,14 @@
           </a:ln>
           <a:extLst>
             <a:ext uri="{909E8E84-426E-40DD-AFC4-6F175D3DCCD1}">
-              <a14:hiddenFill xmlns:a14="http://schemas.microsoft.com/office/drawing/2010/main">
+              <a14:hiddenFill xmlns:a14="http://schemas.microsoft.com/office/drawing/2010/main" xmlns="">
                 <a:solidFill>
                   <a:schemeClr val="accent1"/>
                 </a:solidFill>
               </a14:hiddenFill>
             </a:ext>
             <a:ext uri="{91240B29-F687-4F45-9708-019B960494DF}">
-              <a14:hiddenLine xmlns:a14="http://schemas.microsoft.com/office/drawing/2010/main" w="9525">
+              <a14:hiddenLine xmlns:a14="http://schemas.microsoft.com/office/drawing/2010/main" xmlns="" w="9525">
                 <a:solidFill>
                   <a:schemeClr val="tx1"/>
                 </a:solidFill>
@@ -15263,10 +15295,10 @@
           <p:nvPr/>
         </p:nvPicPr>
         <p:blipFill>
-          <a:blip r:embed="rId10">
+          <a:blip r:embed="rId10" cstate="print">
             <a:extLst>
               <a:ext uri="{28A0092B-C50C-407E-A947-70E740481C1C}">
-                <a14:useLocalDpi xmlns:a14="http://schemas.microsoft.com/office/drawing/2010/main" val="0"/>
+                <a14:useLocalDpi xmlns:a14="http://schemas.microsoft.com/office/drawing/2010/main" xmlns="" val="0"/>
               </a:ext>
             </a:extLst>
           </a:blip>
@@ -15289,14 +15321,14 @@
           </a:ln>
           <a:extLst>
             <a:ext uri="{909E8E84-426E-40DD-AFC4-6F175D3DCCD1}">
-              <a14:hiddenFill xmlns:a14="http://schemas.microsoft.com/office/drawing/2010/main">
+              <a14:hiddenFill xmlns:a14="http://schemas.microsoft.com/office/drawing/2010/main" xmlns="">
                 <a:solidFill>
                   <a:schemeClr val="accent1"/>
                 </a:solidFill>
               </a14:hiddenFill>
             </a:ext>
             <a:ext uri="{91240B29-F687-4F45-9708-019B960494DF}">
-              <a14:hiddenLine xmlns:a14="http://schemas.microsoft.com/office/drawing/2010/main" w="9525">
+              <a14:hiddenLine xmlns:a14="http://schemas.microsoft.com/office/drawing/2010/main" xmlns="" w="9525">
                 <a:solidFill>
                   <a:schemeClr val="tx1"/>
                 </a:solidFill>
@@ -15350,7 +15382,7 @@
           <a:blip r:embed="rId11" cstate="print">
             <a:extLst>
               <a:ext uri="{28A0092B-C50C-407E-A947-70E740481C1C}">
-                <a14:useLocalDpi xmlns:a14="http://schemas.microsoft.com/office/drawing/2010/main" val="0"/>
+                <a14:useLocalDpi xmlns:a14="http://schemas.microsoft.com/office/drawing/2010/main" xmlns="" val="0"/>
               </a:ext>
             </a:extLst>
           </a:blip>
@@ -15373,14 +15405,14 @@
           </a:ln>
           <a:extLst>
             <a:ext uri="{909E8E84-426E-40DD-AFC4-6F175D3DCCD1}">
-              <a14:hiddenFill xmlns:a14="http://schemas.microsoft.com/office/drawing/2010/main">
+              <a14:hiddenFill xmlns:a14="http://schemas.microsoft.com/office/drawing/2010/main" xmlns="">
                 <a:solidFill>
                   <a:schemeClr val="accent1"/>
                 </a:solidFill>
               </a14:hiddenFill>
             </a:ext>
             <a:ext uri="{91240B29-F687-4F45-9708-019B960494DF}">
-              <a14:hiddenLine xmlns:a14="http://schemas.microsoft.com/office/drawing/2010/main" w="9525">
+              <a14:hiddenLine xmlns:a14="http://schemas.microsoft.com/office/drawing/2010/main" xmlns="" w="9525">
                 <a:solidFill>
                   <a:schemeClr val="tx1"/>
                 </a:solidFill>
@@ -15516,18 +15548,18 @@
     </p:spTree>
     <p:extLst>
       <p:ext uri="{BB962C8B-B14F-4D97-AF65-F5344CB8AC3E}">
-        <p14:creationId xmlns:p14="http://schemas.microsoft.com/office/powerpoint/2010/main" val="2695192595"/>
+        <p14:creationId xmlns:p14="http://schemas.microsoft.com/office/powerpoint/2010/main" xmlns="" val="2695192595"/>
       </p:ext>
     </p:extLst>
   </p:cSld>
   <p:clrMapOvr>
     <a:masterClrMapping/>
   </p:clrMapOvr>
-  <mc:AlternateContent xmlns:mc="http://schemas.openxmlformats.org/markup-compatibility/2006" xmlns:p14="http://schemas.microsoft.com/office/powerpoint/2010/main">
-    <mc:Choice Requires="p14">
+  <mc:AlternateContent xmlns:mc="http://schemas.openxmlformats.org/markup-compatibility/2006">
+    <mc:Choice xmlns:p14="http://schemas.microsoft.com/office/powerpoint/2010/main" xmlns="" Requires="p14">
       <p:transition spd="slow" p14:dur="2000"/>
     </mc:Choice>
-    <mc:Fallback xmlns="">
+    <mc:Fallback>
       <p:transition spd="slow"/>
     </mc:Fallback>
   </mc:AlternateContent>
@@ -15836,10 +15868,10 @@
           <p:nvPr/>
         </p:nvPicPr>
         <p:blipFill>
-          <a:blip r:embed="rId3">
+          <a:blip r:embed="rId3" cstate="print">
             <a:extLst>
               <a:ext uri="{28A0092B-C50C-407E-A947-70E740481C1C}">
-                <a14:useLocalDpi xmlns:a14="http://schemas.microsoft.com/office/drawing/2010/main" val="0"/>
+                <a14:useLocalDpi xmlns:a14="http://schemas.microsoft.com/office/drawing/2010/main" xmlns="" val="0"/>
               </a:ext>
             </a:extLst>
           </a:blip>
@@ -15862,14 +15894,14 @@
           </a:ln>
           <a:extLst>
             <a:ext uri="{909E8E84-426E-40DD-AFC4-6F175D3DCCD1}">
-              <a14:hiddenFill xmlns:a14="http://schemas.microsoft.com/office/drawing/2010/main">
+              <a14:hiddenFill xmlns:a14="http://schemas.microsoft.com/office/drawing/2010/main" xmlns="">
                 <a:solidFill>
                   <a:schemeClr val="accent1"/>
                 </a:solidFill>
               </a14:hiddenFill>
             </a:ext>
             <a:ext uri="{91240B29-F687-4F45-9708-019B960494DF}">
-              <a14:hiddenLine xmlns:a14="http://schemas.microsoft.com/office/drawing/2010/main" w="9525">
+              <a14:hiddenLine xmlns:a14="http://schemas.microsoft.com/office/drawing/2010/main" xmlns="" w="9525">
                 <a:solidFill>
                   <a:schemeClr val="tx1"/>
                 </a:solidFill>
@@ -15968,10 +16000,10 @@
           <p:nvPr/>
         </p:nvPicPr>
         <p:blipFill>
-          <a:blip r:embed="rId4">
+          <a:blip r:embed="rId4" cstate="print">
             <a:extLst>
               <a:ext uri="{28A0092B-C50C-407E-A947-70E740481C1C}">
-                <a14:useLocalDpi xmlns:a14="http://schemas.microsoft.com/office/drawing/2010/main" val="0"/>
+                <a14:useLocalDpi xmlns:a14="http://schemas.microsoft.com/office/drawing/2010/main" xmlns="" val="0"/>
               </a:ext>
             </a:extLst>
           </a:blip>
@@ -15994,14 +16026,14 @@
           </a:ln>
           <a:extLst>
             <a:ext uri="{909E8E84-426E-40DD-AFC4-6F175D3DCCD1}">
-              <a14:hiddenFill xmlns:a14="http://schemas.microsoft.com/office/drawing/2010/main">
+              <a14:hiddenFill xmlns:a14="http://schemas.microsoft.com/office/drawing/2010/main" xmlns="">
                 <a:solidFill>
                   <a:schemeClr val="accent1"/>
                 </a:solidFill>
               </a14:hiddenFill>
             </a:ext>
             <a:ext uri="{91240B29-F687-4F45-9708-019B960494DF}">
-              <a14:hiddenLine xmlns:a14="http://schemas.microsoft.com/office/drawing/2010/main" w="9525">
+              <a14:hiddenLine xmlns:a14="http://schemas.microsoft.com/office/drawing/2010/main" xmlns="" w="9525">
                 <a:solidFill>
                   <a:schemeClr val="tx1"/>
                 </a:solidFill>
@@ -16137,125 +16169,27 @@
     </p:spTree>
     <p:extLst>
       <p:ext uri="{BB962C8B-B14F-4D97-AF65-F5344CB8AC3E}">
-        <p14:creationId xmlns:p14="http://schemas.microsoft.com/office/powerpoint/2010/main" val="2974051312"/>
+        <p14:creationId xmlns:p14="http://schemas.microsoft.com/office/powerpoint/2010/main" xmlns="" val="2974051312"/>
       </p:ext>
     </p:extLst>
   </p:cSld>
   <p:clrMapOvr>
     <a:masterClrMapping/>
   </p:clrMapOvr>
-  <mc:AlternateContent xmlns:mc="http://schemas.openxmlformats.org/markup-compatibility/2006" xmlns:p14="http://schemas.microsoft.com/office/powerpoint/2010/main">
-    <mc:Choice Requires="p14">
+  <mc:AlternateContent xmlns:mc="http://schemas.openxmlformats.org/markup-compatibility/2006">
+    <mc:Choice xmlns:p14="http://schemas.microsoft.com/office/powerpoint/2010/main" xmlns="" Requires="p14">
       <p:transition spd="slow" p14:dur="2000"/>
     </mc:Choice>
-    <mc:Fallback xmlns="">
+    <mc:Fallback>
       <p:transition spd="slow"/>
     </mc:Fallback>
   </mc:AlternateContent>
   <p:timing>
     <p:tnLst>
       <p:par>
-        <p:cTn id="1" dur="indefinite" restart="never" nodeType="tmRoot">
-          <p:childTnLst>
-            <p:seq concurrent="1" nextAc="seek">
-              <p:cTn id="2" dur="indefinite" nodeType="mainSeq">
-                <p:childTnLst>
-                  <p:par>
-                    <p:cTn id="3" fill="hold">
-                      <p:stCondLst>
-                        <p:cond delay="indefinite"/>
-                      </p:stCondLst>
-                      <p:childTnLst>
-                        <p:par>
-                          <p:cTn id="4" fill="hold">
-                            <p:stCondLst>
-                              <p:cond delay="0"/>
-                            </p:stCondLst>
-                            <p:childTnLst>
-                              <p:par>
-                                <p:cTn id="5" presetID="1" presetClass="entr" presetSubtype="0" fill="hold" grpId="0" nodeType="clickEffect">
-                                  <p:stCondLst>
-                                    <p:cond delay="0"/>
-                                  </p:stCondLst>
-                                  <p:childTnLst>
-                                    <p:set>
-                                      <p:cBhvr>
-                                        <p:cTn id="6" dur="1" fill="hold">
-                                          <p:stCondLst>
-                                            <p:cond delay="0"/>
-                                          </p:stCondLst>
-                                        </p:cTn>
-                                        <p:tgtEl>
-                                          <p:spTgt spid="16"/>
-                                        </p:tgtEl>
-                                        <p:attrNameLst>
-                                          <p:attrName>style.visibility</p:attrName>
-                                        </p:attrNameLst>
-                                      </p:cBhvr>
-                                      <p:to>
-                                        <p:strVal val="visible"/>
-                                      </p:to>
-                                    </p:set>
-                                  </p:childTnLst>
-                                </p:cTn>
-                              </p:par>
-                              <p:par>
-                                <p:cTn id="7" presetID="1" presetClass="entr" presetSubtype="0" fill="hold" nodeType="withEffect">
-                                  <p:stCondLst>
-                                    <p:cond delay="0"/>
-                                  </p:stCondLst>
-                                  <p:childTnLst>
-                                    <p:set>
-                                      <p:cBhvr>
-                                        <p:cTn id="8" dur="1" fill="hold">
-                                          <p:stCondLst>
-                                            <p:cond delay="0"/>
-                                          </p:stCondLst>
-                                        </p:cTn>
-                                        <p:tgtEl>
-                                          <p:spTgt spid="12"/>
-                                        </p:tgtEl>
-                                        <p:attrNameLst>
-                                          <p:attrName>style.visibility</p:attrName>
-                                        </p:attrNameLst>
-                                      </p:cBhvr>
-                                      <p:to>
-                                        <p:strVal val="visible"/>
-                                      </p:to>
-                                    </p:set>
-                                  </p:childTnLst>
-                                </p:cTn>
-                              </p:par>
-                            </p:childTnLst>
-                          </p:cTn>
-                        </p:par>
-                      </p:childTnLst>
-                    </p:cTn>
-                  </p:par>
-                </p:childTnLst>
-              </p:cTn>
-              <p:prevCondLst>
-                <p:cond evt="onPrev" delay="0">
-                  <p:tgtEl>
-                    <p:sldTgt/>
-                  </p:tgtEl>
-                </p:cond>
-              </p:prevCondLst>
-              <p:nextCondLst>
-                <p:cond evt="onNext" delay="0">
-                  <p:tgtEl>
-                    <p:sldTgt/>
-                  </p:tgtEl>
-                </p:cond>
-              </p:nextCondLst>
-            </p:seq>
-          </p:childTnLst>
-        </p:cTn>
+        <p:cTn id="1" dur="indefinite" restart="never" nodeType="tmRoot"/>
       </p:par>
     </p:tnLst>
-    <p:bldLst>
-      <p:bldP spid="16" grpId="0"/>
-    </p:bldLst>
   </p:timing>
 </p:sld>
 </file>
@@ -16322,7 +16256,7 @@
               <a:buAutoNum type="arabicPeriod"/>
             </a:pPr>
             <a:r>
-              <a:rPr lang="de-DE" smtClean="0"/>
+              <a:rPr lang="de-DE" dirty="0" smtClean="0"/>
               <a:t>Problemstellung</a:t>
             </a:r>
           </a:p>
@@ -16332,7 +16266,7 @@
               <a:buAutoNum type="arabicPeriod"/>
             </a:pPr>
             <a:r>
-              <a:rPr lang="de-DE" smtClean="0"/>
+              <a:rPr lang="de-DE" dirty="0" smtClean="0"/>
               <a:t>FEM-Verfahren</a:t>
             </a:r>
           </a:p>
@@ -16342,7 +16276,7 @@
               <a:buAutoNum type="arabicPeriod"/>
             </a:pPr>
             <a:r>
-              <a:rPr lang="de-DE" smtClean="0"/>
+              <a:rPr lang="de-DE" dirty="0" smtClean="0"/>
               <a:t>DG-Verfahren</a:t>
             </a:r>
           </a:p>
@@ -16352,7 +16286,7 @@
               <a:buAutoNum type="alphaLcPeriod"/>
             </a:pPr>
             <a:r>
-              <a:rPr lang="de-DE" smtClean="0"/>
+              <a:rPr lang="de-DE" dirty="0" smtClean="0"/>
               <a:t>Der numerische Fluss</a:t>
             </a:r>
           </a:p>
@@ -16362,8 +16296,16 @@
               <a:buAutoNum type="alphaLcPeriod"/>
             </a:pPr>
             <a:r>
-              <a:rPr lang="de-DE" smtClean="0"/>
-              <a:t>In Bilinearform-Schreibweise</a:t>
+              <a:rPr lang="de-DE" dirty="0" smtClean="0"/>
+              <a:t>In </a:t>
+            </a:r>
+            <a:r>
+              <a:rPr lang="de-DE" dirty="0" err="1" smtClean="0"/>
+              <a:t>Bilinearform</a:t>
+            </a:r>
+            <a:r>
+              <a:rPr lang="de-DE" dirty="0" smtClean="0"/>
+              <a:t>-Schreibweise</a:t>
             </a:r>
           </a:p>
           <a:p>
@@ -16372,9 +16314,18 @@
               <a:buAutoNum type="arabicPeriod"/>
             </a:pPr>
             <a:r>
-              <a:rPr lang="de-DE" smtClean="0"/>
-              <a:t>Erste Ergebnisse</a:t>
-            </a:r>
+              <a:rPr lang="de-DE" dirty="0" smtClean="0"/>
+              <a:t>Schema für die </a:t>
+            </a:r>
+            <a:r>
+              <a:rPr lang="de-DE" dirty="0" err="1" smtClean="0"/>
+              <a:t>LvN</a:t>
+            </a:r>
+            <a:r>
+              <a:rPr lang="de-DE" dirty="0" smtClean="0"/>
+              <a:t>-Gleichung</a:t>
+            </a:r>
+            <a:endParaRPr lang="de-DE" dirty="0" smtClean="0"/>
           </a:p>
           <a:p>
             <a:pPr marL="514350" indent="-514350">
@@ -16382,10 +16333,10 @@
               <a:buAutoNum type="arabicPeriod"/>
             </a:pPr>
             <a:r>
-              <a:rPr lang="de-DE" smtClean="0"/>
+              <a:rPr lang="de-DE" dirty="0" smtClean="0"/>
               <a:t>Ausblick</a:t>
             </a:r>
-            <a:endParaRPr lang="de-DE"/>
+            <a:endParaRPr lang="de-DE" dirty="0"/>
           </a:p>
         </p:txBody>
       </p:sp>
@@ -16834,7 +16785,7 @@
           <a:blip r:embed="rId3" cstate="print">
             <a:extLst>
               <a:ext uri="{28A0092B-C50C-407E-A947-70E740481C1C}">
-                <a14:useLocalDpi xmlns:a14="http://schemas.microsoft.com/office/drawing/2010/main" val="0"/>
+                <a14:useLocalDpi xmlns:a14="http://schemas.microsoft.com/office/drawing/2010/main" xmlns="" val="0"/>
               </a:ext>
             </a:extLst>
           </a:blip>
@@ -16857,14 +16808,14 @@
           </a:ln>
           <a:extLst>
             <a:ext uri="{909E8E84-426E-40DD-AFC4-6F175D3DCCD1}">
-              <a14:hiddenFill xmlns:a14="http://schemas.microsoft.com/office/drawing/2010/main">
+              <a14:hiddenFill xmlns:a14="http://schemas.microsoft.com/office/drawing/2010/main" xmlns="">
                 <a:solidFill>
                   <a:schemeClr val="accent1"/>
                 </a:solidFill>
               </a14:hiddenFill>
             </a:ext>
             <a:ext uri="{91240B29-F687-4F45-9708-019B960494DF}">
-              <a14:hiddenLine xmlns:a14="http://schemas.microsoft.com/office/drawing/2010/main" w="9525">
+              <a14:hiddenLine xmlns:a14="http://schemas.microsoft.com/office/drawing/2010/main" xmlns="" w="9525">
                 <a:solidFill>
                   <a:schemeClr val="tx1"/>
                 </a:solidFill>
@@ -16946,18 +16897,18 @@
     </p:spTree>
     <p:extLst>
       <p:ext uri="{BB962C8B-B14F-4D97-AF65-F5344CB8AC3E}">
-        <p14:creationId xmlns:p14="http://schemas.microsoft.com/office/powerpoint/2010/main" val="455730665"/>
+        <p14:creationId xmlns:p14="http://schemas.microsoft.com/office/powerpoint/2010/main" xmlns="" val="455730665"/>
       </p:ext>
     </p:extLst>
   </p:cSld>
   <p:clrMapOvr>
     <a:masterClrMapping/>
   </p:clrMapOvr>
-  <mc:AlternateContent xmlns:mc="http://schemas.openxmlformats.org/markup-compatibility/2006" xmlns:p14="http://schemas.microsoft.com/office/powerpoint/2010/main">
-    <mc:Choice Requires="p14">
+  <mc:AlternateContent xmlns:mc="http://schemas.openxmlformats.org/markup-compatibility/2006">
+    <mc:Choice xmlns:p14="http://schemas.microsoft.com/office/powerpoint/2010/main" xmlns="" Requires="p14">
       <p:transition spd="slow" p14:dur="2000"/>
     </mc:Choice>
-    <mc:Fallback xmlns="">
+    <mc:Fallback>
       <p:transition spd="slow"/>
     </mc:Fallback>
   </mc:AlternateContent>
@@ -17106,10 +17057,10 @@
           <p:nvPr/>
         </p:nvPicPr>
         <p:blipFill>
-          <a:blip r:embed="rId3">
+          <a:blip r:embed="rId3" cstate="print">
             <a:extLst>
               <a:ext uri="{28A0092B-C50C-407E-A947-70E740481C1C}">
-                <a14:useLocalDpi xmlns:a14="http://schemas.microsoft.com/office/drawing/2010/main" val="0"/>
+                <a14:useLocalDpi xmlns:a14="http://schemas.microsoft.com/office/drawing/2010/main" xmlns="" val="0"/>
               </a:ext>
             </a:extLst>
           </a:blip>
@@ -17132,14 +17083,14 @@
           </a:ln>
           <a:extLst>
             <a:ext uri="{909E8E84-426E-40DD-AFC4-6F175D3DCCD1}">
-              <a14:hiddenFill xmlns:a14="http://schemas.microsoft.com/office/drawing/2010/main">
+              <a14:hiddenFill xmlns:a14="http://schemas.microsoft.com/office/drawing/2010/main" xmlns="">
                 <a:solidFill>
                   <a:schemeClr val="accent1"/>
                 </a:solidFill>
               </a14:hiddenFill>
             </a:ext>
             <a:ext uri="{91240B29-F687-4F45-9708-019B960494DF}">
-              <a14:hiddenLine xmlns:a14="http://schemas.microsoft.com/office/drawing/2010/main" w="9525">
+              <a14:hiddenLine xmlns:a14="http://schemas.microsoft.com/office/drawing/2010/main" xmlns="" w="9525">
                 <a:solidFill>
                   <a:schemeClr val="tx1"/>
                 </a:solidFill>
@@ -17163,7 +17114,7 @@
           <a:blip r:embed="rId4" cstate="print">
             <a:extLst>
               <a:ext uri="{28A0092B-C50C-407E-A947-70E740481C1C}">
-                <a14:useLocalDpi xmlns:a14="http://schemas.microsoft.com/office/drawing/2010/main" val="0"/>
+                <a14:useLocalDpi xmlns:a14="http://schemas.microsoft.com/office/drawing/2010/main" xmlns="" val="0"/>
               </a:ext>
             </a:extLst>
           </a:blip>
@@ -17186,14 +17137,14 @@
           </a:ln>
           <a:extLst>
             <a:ext uri="{909E8E84-426E-40DD-AFC4-6F175D3DCCD1}">
-              <a14:hiddenFill xmlns:a14="http://schemas.microsoft.com/office/drawing/2010/main">
+              <a14:hiddenFill xmlns:a14="http://schemas.microsoft.com/office/drawing/2010/main" xmlns="">
                 <a:solidFill>
                   <a:schemeClr val="accent1"/>
                 </a:solidFill>
               </a14:hiddenFill>
             </a:ext>
             <a:ext uri="{91240B29-F687-4F45-9708-019B960494DF}">
-              <a14:hiddenLine xmlns:a14="http://schemas.microsoft.com/office/drawing/2010/main" w="9525">
+              <a14:hiddenLine xmlns:a14="http://schemas.microsoft.com/office/drawing/2010/main" xmlns="" w="9525">
                 <a:solidFill>
                   <a:schemeClr val="tx1"/>
                 </a:solidFill>
@@ -17420,18 +17371,18 @@
     </p:spTree>
     <p:extLst>
       <p:ext uri="{BB962C8B-B14F-4D97-AF65-F5344CB8AC3E}">
-        <p14:creationId xmlns:p14="http://schemas.microsoft.com/office/powerpoint/2010/main" val="39708428"/>
+        <p14:creationId xmlns:p14="http://schemas.microsoft.com/office/powerpoint/2010/main" xmlns="" val="39708428"/>
       </p:ext>
     </p:extLst>
   </p:cSld>
   <p:clrMapOvr>
     <a:masterClrMapping/>
   </p:clrMapOvr>
-  <mc:AlternateContent xmlns:mc="http://schemas.openxmlformats.org/markup-compatibility/2006" xmlns:p14="http://schemas.microsoft.com/office/powerpoint/2010/main">
-    <mc:Choice Requires="p14">
+  <mc:AlternateContent xmlns:mc="http://schemas.openxmlformats.org/markup-compatibility/2006">
+    <mc:Choice xmlns:p14="http://schemas.microsoft.com/office/powerpoint/2010/main" xmlns="" Requires="p14">
       <p:transition spd="slow" p14:dur="2000"/>
     </mc:Choice>
-    <mc:Fallback xmlns="">
+    <mc:Fallback>
       <p:transition spd="slow"/>
     </mc:Fallback>
   </mc:AlternateContent>
@@ -17747,10 +17698,10 @@
           <p:nvPr/>
         </p:nvPicPr>
         <p:blipFill>
-          <a:blip r:embed="rId3">
+          <a:blip r:embed="rId3" cstate="print">
             <a:extLst>
               <a:ext uri="{28A0092B-C50C-407E-A947-70E740481C1C}">
-                <a14:useLocalDpi xmlns:a14="http://schemas.microsoft.com/office/drawing/2010/main" val="0"/>
+                <a14:useLocalDpi xmlns:a14="http://schemas.microsoft.com/office/drawing/2010/main" xmlns="" val="0"/>
               </a:ext>
             </a:extLst>
           </a:blip>
@@ -17773,14 +17724,14 @@
           </a:ln>
           <a:extLst>
             <a:ext uri="{909E8E84-426E-40DD-AFC4-6F175D3DCCD1}">
-              <a14:hiddenFill xmlns:a14="http://schemas.microsoft.com/office/drawing/2010/main">
+              <a14:hiddenFill xmlns:a14="http://schemas.microsoft.com/office/drawing/2010/main" xmlns="">
                 <a:solidFill>
                   <a:schemeClr val="accent1"/>
                 </a:solidFill>
               </a14:hiddenFill>
             </a:ext>
             <a:ext uri="{91240B29-F687-4F45-9708-019B960494DF}">
-              <a14:hiddenLine xmlns:a14="http://schemas.microsoft.com/office/drawing/2010/main" w="9525">
+              <a14:hiddenLine xmlns:a14="http://schemas.microsoft.com/office/drawing/2010/main" xmlns="" w="9525">
                 <a:solidFill>
                   <a:schemeClr val="tx1"/>
                 </a:solidFill>
@@ -17804,7 +17755,7 @@
           <a:blip r:embed="rId4" cstate="print">
             <a:extLst>
               <a:ext uri="{28A0092B-C50C-407E-A947-70E740481C1C}">
-                <a14:useLocalDpi xmlns:a14="http://schemas.microsoft.com/office/drawing/2010/main" val="0"/>
+                <a14:useLocalDpi xmlns:a14="http://schemas.microsoft.com/office/drawing/2010/main" xmlns="" val="0"/>
               </a:ext>
             </a:extLst>
           </a:blip>
@@ -17827,14 +17778,14 @@
           </a:ln>
           <a:extLst>
             <a:ext uri="{909E8E84-426E-40DD-AFC4-6F175D3DCCD1}">
-              <a14:hiddenFill xmlns:a14="http://schemas.microsoft.com/office/drawing/2010/main">
+              <a14:hiddenFill xmlns:a14="http://schemas.microsoft.com/office/drawing/2010/main" xmlns="">
                 <a:solidFill>
                   <a:schemeClr val="accent1"/>
                 </a:solidFill>
               </a14:hiddenFill>
             </a:ext>
             <a:ext uri="{91240B29-F687-4F45-9708-019B960494DF}">
-              <a14:hiddenLine xmlns:a14="http://schemas.microsoft.com/office/drawing/2010/main" w="9525">
+              <a14:hiddenLine xmlns:a14="http://schemas.microsoft.com/office/drawing/2010/main" xmlns="" w="9525">
                 <a:solidFill>
                   <a:schemeClr val="tx1"/>
                 </a:solidFill>
@@ -17858,7 +17809,7 @@
           <a:blip r:embed="rId5" cstate="print">
             <a:extLst>
               <a:ext uri="{28A0092B-C50C-407E-A947-70E740481C1C}">
-                <a14:useLocalDpi xmlns:a14="http://schemas.microsoft.com/office/drawing/2010/main" val="0"/>
+                <a14:useLocalDpi xmlns:a14="http://schemas.microsoft.com/office/drawing/2010/main" xmlns="" val="0"/>
               </a:ext>
             </a:extLst>
           </a:blip>
@@ -17881,14 +17832,14 @@
           </a:ln>
           <a:extLst>
             <a:ext uri="{909E8E84-426E-40DD-AFC4-6F175D3DCCD1}">
-              <a14:hiddenFill xmlns:a14="http://schemas.microsoft.com/office/drawing/2010/main">
+              <a14:hiddenFill xmlns:a14="http://schemas.microsoft.com/office/drawing/2010/main" xmlns="">
                 <a:solidFill>
                   <a:schemeClr val="accent1"/>
                 </a:solidFill>
               </a14:hiddenFill>
             </a:ext>
             <a:ext uri="{91240B29-F687-4F45-9708-019B960494DF}">
-              <a14:hiddenLine xmlns:a14="http://schemas.microsoft.com/office/drawing/2010/main" w="9525">
+              <a14:hiddenLine xmlns:a14="http://schemas.microsoft.com/office/drawing/2010/main" xmlns="" w="9525">
                 <a:solidFill>
                   <a:schemeClr val="tx1"/>
                 </a:solidFill>
@@ -18059,18 +18010,18 @@
     </p:spTree>
     <p:extLst>
       <p:ext uri="{BB962C8B-B14F-4D97-AF65-F5344CB8AC3E}">
-        <p14:creationId xmlns:p14="http://schemas.microsoft.com/office/powerpoint/2010/main" val="1683752737"/>
+        <p14:creationId xmlns:p14="http://schemas.microsoft.com/office/powerpoint/2010/main" xmlns="" val="1683752737"/>
       </p:ext>
     </p:extLst>
   </p:cSld>
   <p:clrMapOvr>
     <a:masterClrMapping/>
   </p:clrMapOvr>
-  <mc:AlternateContent xmlns:mc="http://schemas.openxmlformats.org/markup-compatibility/2006" xmlns:p14="http://schemas.microsoft.com/office/powerpoint/2010/main">
-    <mc:Choice Requires="p14">
+  <mc:AlternateContent xmlns:mc="http://schemas.openxmlformats.org/markup-compatibility/2006">
+    <mc:Choice xmlns:p14="http://schemas.microsoft.com/office/powerpoint/2010/main" xmlns="" Requires="p14">
       <p:transition spd="slow" p14:dur="2000"/>
     </mc:Choice>
-    <mc:Fallback xmlns="">
+    <mc:Fallback>
       <p:transition spd="slow"/>
     </mc:Fallback>
   </mc:AlternateContent>
@@ -18277,7 +18228,7 @@
           <a:blip r:embed="rId3" cstate="print">
             <a:extLst>
               <a:ext uri="{28A0092B-C50C-407E-A947-70E740481C1C}">
-                <a14:useLocalDpi xmlns:a14="http://schemas.microsoft.com/office/drawing/2010/main" val="0"/>
+                <a14:useLocalDpi xmlns:a14="http://schemas.microsoft.com/office/drawing/2010/main" xmlns="" val="0"/>
               </a:ext>
             </a:extLst>
           </a:blip>
@@ -18300,14 +18251,14 @@
           </a:ln>
           <a:extLst>
             <a:ext uri="{909E8E84-426E-40DD-AFC4-6F175D3DCCD1}">
-              <a14:hiddenFill xmlns:a14="http://schemas.microsoft.com/office/drawing/2010/main">
+              <a14:hiddenFill xmlns:a14="http://schemas.microsoft.com/office/drawing/2010/main" xmlns="">
                 <a:solidFill>
                   <a:schemeClr val="accent1"/>
                 </a:solidFill>
               </a14:hiddenFill>
             </a:ext>
             <a:ext uri="{91240B29-F687-4F45-9708-019B960494DF}">
-              <a14:hiddenLine xmlns:a14="http://schemas.microsoft.com/office/drawing/2010/main" w="9525">
+              <a14:hiddenLine xmlns:a14="http://schemas.microsoft.com/office/drawing/2010/main" xmlns="" w="9525">
                 <a:solidFill>
                   <a:schemeClr val="tx1"/>
                 </a:solidFill>
@@ -18331,7 +18282,7 @@
           <a:blip r:embed="rId4" cstate="print">
             <a:extLst>
               <a:ext uri="{28A0092B-C50C-407E-A947-70E740481C1C}">
-                <a14:useLocalDpi xmlns:a14="http://schemas.microsoft.com/office/drawing/2010/main" val="0"/>
+                <a14:useLocalDpi xmlns:a14="http://schemas.microsoft.com/office/drawing/2010/main" xmlns="" val="0"/>
               </a:ext>
             </a:extLst>
           </a:blip>
@@ -18354,14 +18305,14 @@
           </a:ln>
           <a:extLst>
             <a:ext uri="{909E8E84-426E-40DD-AFC4-6F175D3DCCD1}">
-              <a14:hiddenFill xmlns:a14="http://schemas.microsoft.com/office/drawing/2010/main">
+              <a14:hiddenFill xmlns:a14="http://schemas.microsoft.com/office/drawing/2010/main" xmlns="">
                 <a:solidFill>
                   <a:schemeClr val="accent1"/>
                 </a:solidFill>
               </a14:hiddenFill>
             </a:ext>
             <a:ext uri="{91240B29-F687-4F45-9708-019B960494DF}">
-              <a14:hiddenLine xmlns:a14="http://schemas.microsoft.com/office/drawing/2010/main" w="9525">
+              <a14:hiddenLine xmlns:a14="http://schemas.microsoft.com/office/drawing/2010/main" xmlns="" w="9525">
                 <a:solidFill>
                   <a:schemeClr val="tx1"/>
                 </a:solidFill>
@@ -18385,7 +18336,7 @@
           <a:blip r:embed="rId5" cstate="print">
             <a:extLst>
               <a:ext uri="{28A0092B-C50C-407E-A947-70E740481C1C}">
-                <a14:useLocalDpi xmlns:a14="http://schemas.microsoft.com/office/drawing/2010/main" val="0"/>
+                <a14:useLocalDpi xmlns:a14="http://schemas.microsoft.com/office/drawing/2010/main" xmlns="" val="0"/>
               </a:ext>
             </a:extLst>
           </a:blip>
@@ -18408,14 +18359,14 @@
           </a:ln>
           <a:extLst>
             <a:ext uri="{909E8E84-426E-40DD-AFC4-6F175D3DCCD1}">
-              <a14:hiddenFill xmlns:a14="http://schemas.microsoft.com/office/drawing/2010/main">
+              <a14:hiddenFill xmlns:a14="http://schemas.microsoft.com/office/drawing/2010/main" xmlns="">
                 <a:solidFill>
                   <a:schemeClr val="accent1"/>
                 </a:solidFill>
               </a14:hiddenFill>
             </a:ext>
             <a:ext uri="{91240B29-F687-4F45-9708-019B960494DF}">
-              <a14:hiddenLine xmlns:a14="http://schemas.microsoft.com/office/drawing/2010/main" w="9525">
+              <a14:hiddenLine xmlns:a14="http://schemas.microsoft.com/office/drawing/2010/main" xmlns="" w="9525">
                 <a:solidFill>
                   <a:schemeClr val="tx1"/>
                 </a:solidFill>
@@ -18485,7 +18436,7 @@
           <a:blip r:embed="rId6" cstate="print">
             <a:extLst>
               <a:ext uri="{28A0092B-C50C-407E-A947-70E740481C1C}">
-                <a14:useLocalDpi xmlns:a14="http://schemas.microsoft.com/office/drawing/2010/main" val="0"/>
+                <a14:useLocalDpi xmlns:a14="http://schemas.microsoft.com/office/drawing/2010/main" xmlns="" val="0"/>
               </a:ext>
             </a:extLst>
           </a:blip>
@@ -18508,14 +18459,14 @@
           </a:ln>
           <a:extLst>
             <a:ext uri="{909E8E84-426E-40DD-AFC4-6F175D3DCCD1}">
-              <a14:hiddenFill xmlns:a14="http://schemas.microsoft.com/office/drawing/2010/main">
+              <a14:hiddenFill xmlns:a14="http://schemas.microsoft.com/office/drawing/2010/main" xmlns="">
                 <a:solidFill>
                   <a:schemeClr val="accent1"/>
                 </a:solidFill>
               </a14:hiddenFill>
             </a:ext>
             <a:ext uri="{91240B29-F687-4F45-9708-019B960494DF}">
-              <a14:hiddenLine xmlns:a14="http://schemas.microsoft.com/office/drawing/2010/main" w="9525">
+              <a14:hiddenLine xmlns:a14="http://schemas.microsoft.com/office/drawing/2010/main" xmlns="" w="9525">
                 <a:solidFill>
                   <a:schemeClr val="tx1"/>
                 </a:solidFill>
@@ -18733,7 +18684,7 @@
           <a:blip r:embed="rId7" cstate="print">
             <a:extLst>
               <a:ext uri="{28A0092B-C50C-407E-A947-70E740481C1C}">
-                <a14:useLocalDpi xmlns:a14="http://schemas.microsoft.com/office/drawing/2010/main" val="0"/>
+                <a14:useLocalDpi xmlns:a14="http://schemas.microsoft.com/office/drawing/2010/main" xmlns="" val="0"/>
               </a:ext>
             </a:extLst>
           </a:blip>
@@ -18756,14 +18707,14 @@
           </a:ln>
           <a:extLst>
             <a:ext uri="{909E8E84-426E-40DD-AFC4-6F175D3DCCD1}">
-              <a14:hiddenFill xmlns:a14="http://schemas.microsoft.com/office/drawing/2010/main">
+              <a14:hiddenFill xmlns:a14="http://schemas.microsoft.com/office/drawing/2010/main" xmlns="">
                 <a:solidFill>
                   <a:schemeClr val="accent1"/>
                 </a:solidFill>
               </a14:hiddenFill>
             </a:ext>
             <a:ext uri="{91240B29-F687-4F45-9708-019B960494DF}">
-              <a14:hiddenLine xmlns:a14="http://schemas.microsoft.com/office/drawing/2010/main" w="9525">
+              <a14:hiddenLine xmlns:a14="http://schemas.microsoft.com/office/drawing/2010/main" xmlns="" w="9525">
                 <a:solidFill>
                   <a:schemeClr val="tx1"/>
                 </a:solidFill>
@@ -18899,18 +18850,18 @@
     </p:spTree>
     <p:extLst>
       <p:ext uri="{BB962C8B-B14F-4D97-AF65-F5344CB8AC3E}">
-        <p14:creationId xmlns:p14="http://schemas.microsoft.com/office/powerpoint/2010/main" val="3413688562"/>
+        <p14:creationId xmlns:p14="http://schemas.microsoft.com/office/powerpoint/2010/main" xmlns="" val="3413688562"/>
       </p:ext>
     </p:extLst>
   </p:cSld>
   <p:clrMapOvr>
     <a:masterClrMapping/>
   </p:clrMapOvr>
-  <mc:AlternateContent xmlns:mc="http://schemas.openxmlformats.org/markup-compatibility/2006" xmlns:p14="http://schemas.microsoft.com/office/powerpoint/2010/main">
-    <mc:Choice Requires="p14">
+  <mc:AlternateContent xmlns:mc="http://schemas.openxmlformats.org/markup-compatibility/2006">
+    <mc:Choice xmlns:p14="http://schemas.microsoft.com/office/powerpoint/2010/main" xmlns="" Requires="p14">
       <p:transition spd="slow" p14:dur="2000"/>
     </mc:Choice>
-    <mc:Fallback xmlns="">
+    <mc:Fallback>
       <p:transition spd="slow"/>
     </mc:Fallback>
   </mc:AlternateContent>
@@ -19254,7 +19205,7 @@
           <a:blip r:embed="rId3" cstate="print">
             <a:extLst>
               <a:ext uri="{28A0092B-C50C-407E-A947-70E740481C1C}">
-                <a14:useLocalDpi xmlns:a14="http://schemas.microsoft.com/office/drawing/2010/main" val="0"/>
+                <a14:useLocalDpi xmlns:a14="http://schemas.microsoft.com/office/drawing/2010/main" xmlns="" val="0"/>
               </a:ext>
             </a:extLst>
           </a:blip>
@@ -19277,14 +19228,14 @@
           </a:ln>
           <a:extLst>
             <a:ext uri="{909E8E84-426E-40DD-AFC4-6F175D3DCCD1}">
-              <a14:hiddenFill xmlns:a14="http://schemas.microsoft.com/office/drawing/2010/main">
+              <a14:hiddenFill xmlns:a14="http://schemas.microsoft.com/office/drawing/2010/main" xmlns="">
                 <a:solidFill>
                   <a:schemeClr val="accent1"/>
                 </a:solidFill>
               </a14:hiddenFill>
             </a:ext>
             <a:ext uri="{91240B29-F687-4F45-9708-019B960494DF}">
-              <a14:hiddenLine xmlns:a14="http://schemas.microsoft.com/office/drawing/2010/main" w="9525">
+              <a14:hiddenLine xmlns:a14="http://schemas.microsoft.com/office/drawing/2010/main" xmlns="" w="9525">
                 <a:solidFill>
                   <a:schemeClr val="tx1"/>
                 </a:solidFill>
@@ -19308,7 +19259,7 @@
           <a:blip r:embed="rId4" cstate="print">
             <a:extLst>
               <a:ext uri="{28A0092B-C50C-407E-A947-70E740481C1C}">
-                <a14:useLocalDpi xmlns:a14="http://schemas.microsoft.com/office/drawing/2010/main" val="0"/>
+                <a14:useLocalDpi xmlns:a14="http://schemas.microsoft.com/office/drawing/2010/main" xmlns="" val="0"/>
               </a:ext>
             </a:extLst>
           </a:blip>
@@ -19331,14 +19282,14 @@
           </a:ln>
           <a:extLst>
             <a:ext uri="{909E8E84-426E-40DD-AFC4-6F175D3DCCD1}">
-              <a14:hiddenFill xmlns:a14="http://schemas.microsoft.com/office/drawing/2010/main">
+              <a14:hiddenFill xmlns:a14="http://schemas.microsoft.com/office/drawing/2010/main" xmlns="">
                 <a:solidFill>
                   <a:schemeClr val="accent1"/>
                 </a:solidFill>
               </a14:hiddenFill>
             </a:ext>
             <a:ext uri="{91240B29-F687-4F45-9708-019B960494DF}">
-              <a14:hiddenLine xmlns:a14="http://schemas.microsoft.com/office/drawing/2010/main" w="9525">
+              <a14:hiddenLine xmlns:a14="http://schemas.microsoft.com/office/drawing/2010/main" xmlns="" w="9525">
                 <a:solidFill>
                   <a:schemeClr val="tx1"/>
                 </a:solidFill>
@@ -19395,10 +19346,10 @@
           <p:nvPr/>
         </p:nvPicPr>
         <p:blipFill>
-          <a:blip r:embed="rId5">
+          <a:blip r:embed="rId5" cstate="print">
             <a:extLst>
               <a:ext uri="{28A0092B-C50C-407E-A947-70E740481C1C}">
-                <a14:useLocalDpi xmlns:a14="http://schemas.microsoft.com/office/drawing/2010/main" val="0"/>
+                <a14:useLocalDpi xmlns:a14="http://schemas.microsoft.com/office/drawing/2010/main" xmlns="" val="0"/>
               </a:ext>
             </a:extLst>
           </a:blip>
@@ -19421,14 +19372,14 @@
           </a:ln>
           <a:extLst>
             <a:ext uri="{909E8E84-426E-40DD-AFC4-6F175D3DCCD1}">
-              <a14:hiddenFill xmlns:a14="http://schemas.microsoft.com/office/drawing/2010/main">
+              <a14:hiddenFill xmlns:a14="http://schemas.microsoft.com/office/drawing/2010/main" xmlns="">
                 <a:solidFill>
                   <a:schemeClr val="accent1"/>
                 </a:solidFill>
               </a14:hiddenFill>
             </a:ext>
             <a:ext uri="{91240B29-F687-4F45-9708-019B960494DF}">
-              <a14:hiddenLine xmlns:a14="http://schemas.microsoft.com/office/drawing/2010/main" w="9525">
+              <a14:hiddenLine xmlns:a14="http://schemas.microsoft.com/office/drawing/2010/main" xmlns="" w="9525">
                 <a:solidFill>
                   <a:schemeClr val="tx1"/>
                 </a:solidFill>
@@ -19564,18 +19515,18 @@
     </p:spTree>
     <p:extLst>
       <p:ext uri="{BB962C8B-B14F-4D97-AF65-F5344CB8AC3E}">
-        <p14:creationId xmlns:p14="http://schemas.microsoft.com/office/powerpoint/2010/main" val="3245768290"/>
+        <p14:creationId xmlns:p14="http://schemas.microsoft.com/office/powerpoint/2010/main" xmlns="" val="3245768290"/>
       </p:ext>
     </p:extLst>
   </p:cSld>
   <p:clrMapOvr>
     <a:masterClrMapping/>
   </p:clrMapOvr>
-  <mc:AlternateContent xmlns:mc="http://schemas.openxmlformats.org/markup-compatibility/2006" xmlns:p14="http://schemas.microsoft.com/office/powerpoint/2010/main">
-    <mc:Choice Requires="p14">
+  <mc:AlternateContent xmlns:mc="http://schemas.openxmlformats.org/markup-compatibility/2006">
+    <mc:Choice xmlns:p14="http://schemas.microsoft.com/office/powerpoint/2010/main" xmlns="" Requires="p14">
       <p:transition spd="slow" p14:dur="2000"/>
     </mc:Choice>
-    <mc:Fallback xmlns="">
+    <mc:Fallback>
       <p:transition spd="slow"/>
     </mc:Fallback>
   </mc:AlternateContent>
@@ -19862,10 +19813,10 @@
           <p:nvPr/>
         </p:nvPicPr>
         <p:blipFill>
-          <a:blip r:embed="rId3">
+          <a:blip r:embed="rId3" cstate="print">
             <a:extLst>
               <a:ext uri="{28A0092B-C50C-407E-A947-70E740481C1C}">
-                <a14:useLocalDpi xmlns:a14="http://schemas.microsoft.com/office/drawing/2010/main" val="0"/>
+                <a14:useLocalDpi xmlns:a14="http://schemas.microsoft.com/office/drawing/2010/main" xmlns="" val="0"/>
               </a:ext>
             </a:extLst>
           </a:blip>
@@ -19888,14 +19839,14 @@
           </a:ln>
           <a:extLst>
             <a:ext uri="{909E8E84-426E-40DD-AFC4-6F175D3DCCD1}">
-              <a14:hiddenFill xmlns:a14="http://schemas.microsoft.com/office/drawing/2010/main">
+              <a14:hiddenFill xmlns:a14="http://schemas.microsoft.com/office/drawing/2010/main" xmlns="">
                 <a:solidFill>
                   <a:schemeClr val="accent1"/>
                 </a:solidFill>
               </a14:hiddenFill>
             </a:ext>
             <a:ext uri="{91240B29-F687-4F45-9708-019B960494DF}">
-              <a14:hiddenLine xmlns:a14="http://schemas.microsoft.com/office/drawing/2010/main" w="9525">
+              <a14:hiddenLine xmlns:a14="http://schemas.microsoft.com/office/drawing/2010/main" xmlns="" w="9525">
                 <a:solidFill>
                   <a:schemeClr val="tx1"/>
                 </a:solidFill>
@@ -19919,7 +19870,7 @@
           <a:blip r:embed="rId4" cstate="print">
             <a:extLst>
               <a:ext uri="{28A0092B-C50C-407E-A947-70E740481C1C}">
-                <a14:useLocalDpi xmlns:a14="http://schemas.microsoft.com/office/drawing/2010/main" val="0"/>
+                <a14:useLocalDpi xmlns:a14="http://schemas.microsoft.com/office/drawing/2010/main" xmlns="" val="0"/>
               </a:ext>
             </a:extLst>
           </a:blip>
@@ -19942,14 +19893,14 @@
           </a:ln>
           <a:extLst>
             <a:ext uri="{909E8E84-426E-40DD-AFC4-6F175D3DCCD1}">
-              <a14:hiddenFill xmlns:a14="http://schemas.microsoft.com/office/drawing/2010/main">
+              <a14:hiddenFill xmlns:a14="http://schemas.microsoft.com/office/drawing/2010/main" xmlns="">
                 <a:solidFill>
                   <a:schemeClr val="accent1"/>
                 </a:solidFill>
               </a14:hiddenFill>
             </a:ext>
             <a:ext uri="{91240B29-F687-4F45-9708-019B960494DF}">
-              <a14:hiddenLine xmlns:a14="http://schemas.microsoft.com/office/drawing/2010/main" w="9525">
+              <a14:hiddenLine xmlns:a14="http://schemas.microsoft.com/office/drawing/2010/main" xmlns="" w="9525">
                 <a:solidFill>
                   <a:schemeClr val="tx1"/>
                 </a:solidFill>
@@ -19973,7 +19924,7 @@
           <a:blip r:embed="rId5" cstate="print">
             <a:extLst>
               <a:ext uri="{28A0092B-C50C-407E-A947-70E740481C1C}">
-                <a14:useLocalDpi xmlns:a14="http://schemas.microsoft.com/office/drawing/2010/main" val="0"/>
+                <a14:useLocalDpi xmlns:a14="http://schemas.microsoft.com/office/drawing/2010/main" xmlns="" val="0"/>
               </a:ext>
             </a:extLst>
           </a:blip>
@@ -19996,14 +19947,14 @@
           </a:ln>
           <a:extLst>
             <a:ext uri="{909E8E84-426E-40DD-AFC4-6F175D3DCCD1}">
-              <a14:hiddenFill xmlns:a14="http://schemas.microsoft.com/office/drawing/2010/main">
+              <a14:hiddenFill xmlns:a14="http://schemas.microsoft.com/office/drawing/2010/main" xmlns="">
                 <a:solidFill>
                   <a:schemeClr val="accent1"/>
                 </a:solidFill>
               </a14:hiddenFill>
             </a:ext>
             <a:ext uri="{91240B29-F687-4F45-9708-019B960494DF}">
-              <a14:hiddenLine xmlns:a14="http://schemas.microsoft.com/office/drawing/2010/main" w="9525">
+              <a14:hiddenLine xmlns:a14="http://schemas.microsoft.com/office/drawing/2010/main" xmlns="" w="9525">
                 <a:solidFill>
                   <a:schemeClr val="tx1"/>
                 </a:solidFill>
@@ -20223,18 +20174,18 @@
     </p:spTree>
     <p:extLst>
       <p:ext uri="{BB962C8B-B14F-4D97-AF65-F5344CB8AC3E}">
-        <p14:creationId xmlns:p14="http://schemas.microsoft.com/office/powerpoint/2010/main" val="1104384488"/>
+        <p14:creationId xmlns:p14="http://schemas.microsoft.com/office/powerpoint/2010/main" xmlns="" val="1104384488"/>
       </p:ext>
     </p:extLst>
   </p:cSld>
   <p:clrMapOvr>
     <a:masterClrMapping/>
   </p:clrMapOvr>
-  <mc:AlternateContent xmlns:mc="http://schemas.openxmlformats.org/markup-compatibility/2006" xmlns:p14="http://schemas.microsoft.com/office/powerpoint/2010/main">
-    <mc:Choice Requires="p14">
+  <mc:AlternateContent xmlns:mc="http://schemas.openxmlformats.org/markup-compatibility/2006">
+    <mc:Choice xmlns:p14="http://schemas.microsoft.com/office/powerpoint/2010/main" xmlns="" Requires="p14">
       <p:transition spd="slow" p14:dur="2000"/>
     </mc:Choice>
-    <mc:Fallback xmlns="">
+    <mc:Fallback>
       <p:transition spd="slow"/>
     </mc:Fallback>
   </mc:AlternateContent>
@@ -20449,10 +20400,10 @@
           <p:nvPr/>
         </p:nvPicPr>
         <p:blipFill>
-          <a:blip r:embed="rId3">
+          <a:blip r:embed="rId3" cstate="print">
             <a:extLst>
               <a:ext uri="{28A0092B-C50C-407E-A947-70E740481C1C}">
-                <a14:useLocalDpi xmlns:a14="http://schemas.microsoft.com/office/drawing/2010/main" val="0"/>
+                <a14:useLocalDpi xmlns:a14="http://schemas.microsoft.com/office/drawing/2010/main" xmlns="" val="0"/>
               </a:ext>
             </a:extLst>
           </a:blip>
@@ -20475,14 +20426,14 @@
           </a:ln>
           <a:extLst>
             <a:ext uri="{909E8E84-426E-40DD-AFC4-6F175D3DCCD1}">
-              <a14:hiddenFill xmlns:a14="http://schemas.microsoft.com/office/drawing/2010/main">
+              <a14:hiddenFill xmlns:a14="http://schemas.microsoft.com/office/drawing/2010/main" xmlns="">
                 <a:solidFill>
                   <a:schemeClr val="accent1"/>
                 </a:solidFill>
               </a14:hiddenFill>
             </a:ext>
             <a:ext uri="{91240B29-F687-4F45-9708-019B960494DF}">
-              <a14:hiddenLine xmlns:a14="http://schemas.microsoft.com/office/drawing/2010/main" w="9525">
+              <a14:hiddenLine xmlns:a14="http://schemas.microsoft.com/office/drawing/2010/main" xmlns="" w="9525">
                 <a:solidFill>
                   <a:schemeClr val="tx1"/>
                 </a:solidFill>
@@ -20503,10 +20454,10 @@
           <p:nvPr/>
         </p:nvPicPr>
         <p:blipFill>
-          <a:blip r:embed="rId4">
+          <a:blip r:embed="rId4" cstate="print">
             <a:extLst>
               <a:ext uri="{28A0092B-C50C-407E-A947-70E740481C1C}">
-                <a14:useLocalDpi xmlns:a14="http://schemas.microsoft.com/office/drawing/2010/main" val="0"/>
+                <a14:useLocalDpi xmlns:a14="http://schemas.microsoft.com/office/drawing/2010/main" xmlns="" val="0"/>
               </a:ext>
             </a:extLst>
           </a:blip>
@@ -20529,14 +20480,14 @@
           </a:ln>
           <a:extLst>
             <a:ext uri="{909E8E84-426E-40DD-AFC4-6F175D3DCCD1}">
-              <a14:hiddenFill xmlns:a14="http://schemas.microsoft.com/office/drawing/2010/main">
+              <a14:hiddenFill xmlns:a14="http://schemas.microsoft.com/office/drawing/2010/main" xmlns="">
                 <a:solidFill>
                   <a:schemeClr val="accent1"/>
                 </a:solidFill>
               </a14:hiddenFill>
             </a:ext>
             <a:ext uri="{91240B29-F687-4F45-9708-019B960494DF}">
-              <a14:hiddenLine xmlns:a14="http://schemas.microsoft.com/office/drawing/2010/main" w="9525">
+              <a14:hiddenLine xmlns:a14="http://schemas.microsoft.com/office/drawing/2010/main" xmlns="" w="9525">
                 <a:solidFill>
                   <a:schemeClr val="tx1"/>
                 </a:solidFill>
@@ -20642,7 +20593,7 @@
           <a:blip r:embed="rId5" cstate="print">
             <a:extLst>
               <a:ext uri="{28A0092B-C50C-407E-A947-70E740481C1C}">
-                <a14:useLocalDpi xmlns:a14="http://schemas.microsoft.com/office/drawing/2010/main" val="0"/>
+                <a14:useLocalDpi xmlns:a14="http://schemas.microsoft.com/office/drawing/2010/main" xmlns="" val="0"/>
               </a:ext>
             </a:extLst>
           </a:blip>
@@ -20665,14 +20616,14 @@
           </a:ln>
           <a:extLst>
             <a:ext uri="{909E8E84-426E-40DD-AFC4-6F175D3DCCD1}">
-              <a14:hiddenFill xmlns:a14="http://schemas.microsoft.com/office/drawing/2010/main">
+              <a14:hiddenFill xmlns:a14="http://schemas.microsoft.com/office/drawing/2010/main" xmlns="">
                 <a:solidFill>
                   <a:schemeClr val="accent1"/>
                 </a:solidFill>
               </a14:hiddenFill>
             </a:ext>
             <a:ext uri="{91240B29-F687-4F45-9708-019B960494DF}">
-              <a14:hiddenLine xmlns:a14="http://schemas.microsoft.com/office/drawing/2010/main" w="9525">
+              <a14:hiddenLine xmlns:a14="http://schemas.microsoft.com/office/drawing/2010/main" xmlns="" w="9525">
                 <a:solidFill>
                   <a:schemeClr val="tx1"/>
                 </a:solidFill>
@@ -21137,18 +21088,18 @@
     </p:spTree>
     <p:extLst>
       <p:ext uri="{BB962C8B-B14F-4D97-AF65-F5344CB8AC3E}">
-        <p14:creationId xmlns:p14="http://schemas.microsoft.com/office/powerpoint/2010/main" val="898637032"/>
+        <p14:creationId xmlns:p14="http://schemas.microsoft.com/office/powerpoint/2010/main" xmlns="" val="898637032"/>
       </p:ext>
     </p:extLst>
   </p:cSld>
   <p:clrMapOvr>
     <a:masterClrMapping/>
   </p:clrMapOvr>
-  <mc:AlternateContent xmlns:mc="http://schemas.openxmlformats.org/markup-compatibility/2006" xmlns:p14="http://schemas.microsoft.com/office/powerpoint/2010/main">
-    <mc:Choice Requires="p14">
+  <mc:AlternateContent xmlns:mc="http://schemas.openxmlformats.org/markup-compatibility/2006">
+    <mc:Choice xmlns:p14="http://schemas.microsoft.com/office/powerpoint/2010/main" xmlns="" Requires="p14">
       <p:transition spd="slow" p14:dur="2000"/>
     </mc:Choice>
-    <mc:Fallback xmlns="">
+    <mc:Fallback>
       <p:transition spd="slow"/>
     </mc:Fallback>
   </mc:AlternateContent>
@@ -21324,10 +21275,10 @@
           <p:nvPr/>
         </p:nvPicPr>
         <p:blipFill>
-          <a:blip r:embed="rId3">
+          <a:blip r:embed="rId3" cstate="print">
             <a:extLst>
               <a:ext uri="{28A0092B-C50C-407E-A947-70E740481C1C}">
-                <a14:useLocalDpi xmlns:a14="http://schemas.microsoft.com/office/drawing/2010/main" val="0"/>
+                <a14:useLocalDpi xmlns:a14="http://schemas.microsoft.com/office/drawing/2010/main" xmlns="" val="0"/>
               </a:ext>
             </a:extLst>
           </a:blip>
@@ -21350,14 +21301,14 @@
           </a:ln>
           <a:extLst>
             <a:ext uri="{909E8E84-426E-40DD-AFC4-6F175D3DCCD1}">
-              <a14:hiddenFill xmlns:a14="http://schemas.microsoft.com/office/drawing/2010/main">
+              <a14:hiddenFill xmlns:a14="http://schemas.microsoft.com/office/drawing/2010/main" xmlns="">
                 <a:solidFill>
                   <a:schemeClr val="accent1"/>
                 </a:solidFill>
               </a14:hiddenFill>
             </a:ext>
             <a:ext uri="{91240B29-F687-4F45-9708-019B960494DF}">
-              <a14:hiddenLine xmlns:a14="http://schemas.microsoft.com/office/drawing/2010/main" w="9525">
+              <a14:hiddenLine xmlns:a14="http://schemas.microsoft.com/office/drawing/2010/main" xmlns="" w="9525">
                 <a:solidFill>
                   <a:schemeClr val="tx1"/>
                 </a:solidFill>
@@ -21612,18 +21563,18 @@
     </p:spTree>
     <p:extLst>
       <p:ext uri="{BB962C8B-B14F-4D97-AF65-F5344CB8AC3E}">
-        <p14:creationId xmlns:p14="http://schemas.microsoft.com/office/powerpoint/2010/main" val="2375915081"/>
+        <p14:creationId xmlns:p14="http://schemas.microsoft.com/office/powerpoint/2010/main" xmlns="" val="2375915081"/>
       </p:ext>
     </p:extLst>
   </p:cSld>
   <p:clrMapOvr>
     <a:masterClrMapping/>
   </p:clrMapOvr>
-  <mc:AlternateContent xmlns:mc="http://schemas.openxmlformats.org/markup-compatibility/2006" xmlns:p14="http://schemas.microsoft.com/office/powerpoint/2010/main">
-    <mc:Choice Requires="p14">
+  <mc:AlternateContent xmlns:mc="http://schemas.openxmlformats.org/markup-compatibility/2006">
+    <mc:Choice xmlns:p14="http://schemas.microsoft.com/office/powerpoint/2010/main" xmlns="" Requires="p14">
       <p:transition spd="slow" p14:dur="2000"/>
     </mc:Choice>
-    <mc:Fallback xmlns="">
+    <mc:Fallback>
       <p:transition spd="slow"/>
     </mc:Fallback>
   </mc:AlternateContent>
@@ -22023,18 +21974,18 @@
     </p:spTree>
     <p:extLst>
       <p:ext uri="{BB962C8B-B14F-4D97-AF65-F5344CB8AC3E}">
-        <p14:creationId xmlns:p14="http://schemas.microsoft.com/office/powerpoint/2010/main" val="2702604506"/>
+        <p14:creationId xmlns:p14="http://schemas.microsoft.com/office/powerpoint/2010/main" xmlns="" val="2702604506"/>
       </p:ext>
     </p:extLst>
   </p:cSld>
   <p:clrMapOvr>
     <a:masterClrMapping/>
   </p:clrMapOvr>
-  <mc:AlternateContent xmlns:mc="http://schemas.openxmlformats.org/markup-compatibility/2006" xmlns:p14="http://schemas.microsoft.com/office/powerpoint/2010/main">
-    <mc:Choice Requires="p14">
+  <mc:AlternateContent xmlns:mc="http://schemas.openxmlformats.org/markup-compatibility/2006">
+    <mc:Choice xmlns:p14="http://schemas.microsoft.com/office/powerpoint/2010/main" xmlns="" Requires="p14">
       <p:transition spd="slow" p14:dur="2000"/>
     </mc:Choice>
-    <mc:Fallback xmlns="">
+    <mc:Fallback>
       <p:transition spd="slow"/>
     </mc:Fallback>
   </mc:AlternateContent>
@@ -22223,7 +22174,7 @@
           <a:p>
             <a:pPr algn="ctr"/>
             <a:r>
-              <a:rPr lang="de-DE" sz="1600" smtClean="0">
+              <a:rPr lang="de-DE" sz="1600" dirty="0" smtClean="0">
                 <a:solidFill>
                   <a:schemeClr val="accent5">
                     <a:lumMod val="50000"/>
@@ -22232,19 +22183,37 @@
                 <a:latin typeface="Adobe Arabic" pitchFamily="18" charset="-78"/>
                 <a:cs typeface="Adobe Arabic" pitchFamily="18" charset="-78"/>
               </a:rPr>
-              <a:t>2. </a:t>
-            </a:r>
-            <a:r>
-              <a:rPr lang="de-DE" sz="1600" smtClean="0">
+              <a:t>4. </a:t>
+            </a:r>
+            <a:r>
+              <a:rPr lang="de-DE" sz="1600" dirty="0" smtClean="0">
                 <a:latin typeface="Adobe Arabic" pitchFamily="18" charset="-78"/>
                 <a:cs typeface="Adobe Arabic" pitchFamily="18" charset="-78"/>
               </a:rPr>
-              <a:t>DG-Verfahren</a:t>
-            </a:r>
+              <a:t>Schema : </a:t>
+            </a:r>
+            <a:r>
+              <a:rPr lang="de-DE" sz="1600" dirty="0" err="1" smtClean="0">
+                <a:latin typeface="Adobe Arabic" pitchFamily="18" charset="-78"/>
+                <a:cs typeface="Adobe Arabic" pitchFamily="18" charset="-78"/>
+              </a:rPr>
+              <a:t>LvN</a:t>
+            </a:r>
+            <a:r>
+              <a:rPr lang="de-DE" sz="1600" dirty="0" smtClean="0">
+                <a:latin typeface="Adobe Arabic" pitchFamily="18" charset="-78"/>
+                <a:cs typeface="Adobe Arabic" pitchFamily="18" charset="-78"/>
+              </a:rPr>
+              <a:t>-Gleichung</a:t>
+            </a:r>
+            <a:endParaRPr lang="de-DE" sz="1600" dirty="0" smtClean="0">
+              <a:latin typeface="Adobe Arabic" pitchFamily="18" charset="-78"/>
+              <a:cs typeface="Adobe Arabic" pitchFamily="18" charset="-78"/>
+            </a:endParaRPr>
           </a:p>
           <a:p>
             <a:pPr algn="ctr"/>
-            <a:endParaRPr lang="de-DE" sz="1600">
+            <a:endParaRPr lang="de-DE" sz="1600" dirty="0">
               <a:solidFill>
                 <a:schemeClr val="accent5">
                   <a:lumMod val="50000"/>
@@ -22334,7 +22303,7 @@
           <a:blip r:embed="rId3" cstate="print">
             <a:extLst>
               <a:ext uri="{28A0092B-C50C-407E-A947-70E740481C1C}">
-                <a14:useLocalDpi xmlns:a14="http://schemas.microsoft.com/office/drawing/2010/main" val="0"/>
+                <a14:useLocalDpi xmlns:a14="http://schemas.microsoft.com/office/drawing/2010/main" xmlns="" val="0"/>
               </a:ext>
             </a:extLst>
           </a:blip>
@@ -22357,14 +22326,14 @@
           </a:ln>
           <a:extLst>
             <a:ext uri="{909E8E84-426E-40DD-AFC4-6F175D3DCCD1}">
-              <a14:hiddenFill xmlns:a14="http://schemas.microsoft.com/office/drawing/2010/main">
+              <a14:hiddenFill xmlns:a14="http://schemas.microsoft.com/office/drawing/2010/main" xmlns="">
                 <a:solidFill>
                   <a:schemeClr val="accent1"/>
                 </a:solidFill>
               </a14:hiddenFill>
             </a:ext>
             <a:ext uri="{91240B29-F687-4F45-9708-019B960494DF}">
-              <a14:hiddenLine xmlns:a14="http://schemas.microsoft.com/office/drawing/2010/main" w="9525">
+              <a14:hiddenLine xmlns:a14="http://schemas.microsoft.com/office/drawing/2010/main" xmlns="" w="9525">
                 <a:solidFill>
                   <a:schemeClr val="tx1"/>
                 </a:solidFill>
@@ -22388,7 +22357,7 @@
           <a:blip r:embed="rId4" cstate="print">
             <a:extLst>
               <a:ext uri="{28A0092B-C50C-407E-A947-70E740481C1C}">
-                <a14:useLocalDpi xmlns:a14="http://schemas.microsoft.com/office/drawing/2010/main" val="0"/>
+                <a14:useLocalDpi xmlns:a14="http://schemas.microsoft.com/office/drawing/2010/main" xmlns="" val="0"/>
               </a:ext>
             </a:extLst>
           </a:blip>
@@ -22411,14 +22380,14 @@
           </a:ln>
           <a:extLst>
             <a:ext uri="{909E8E84-426E-40DD-AFC4-6F175D3DCCD1}">
-              <a14:hiddenFill xmlns:a14="http://schemas.microsoft.com/office/drawing/2010/main">
+              <a14:hiddenFill xmlns:a14="http://schemas.microsoft.com/office/drawing/2010/main" xmlns="">
                 <a:solidFill>
                   <a:schemeClr val="accent1"/>
                 </a:solidFill>
               </a14:hiddenFill>
             </a:ext>
             <a:ext uri="{91240B29-F687-4F45-9708-019B960494DF}">
-              <a14:hiddenLine xmlns:a14="http://schemas.microsoft.com/office/drawing/2010/main" w="9525">
+              <a14:hiddenLine xmlns:a14="http://schemas.microsoft.com/office/drawing/2010/main" xmlns="" w="9525">
                 <a:solidFill>
                   <a:schemeClr val="tx1"/>
                 </a:solidFill>
@@ -22433,18 +22402,18 @@
     </p:spTree>
     <p:extLst>
       <p:ext uri="{BB962C8B-B14F-4D97-AF65-F5344CB8AC3E}">
-        <p14:creationId xmlns:p14="http://schemas.microsoft.com/office/powerpoint/2010/main" val="765164478"/>
+        <p14:creationId xmlns:p14="http://schemas.microsoft.com/office/powerpoint/2010/main" xmlns="" val="765164478"/>
       </p:ext>
     </p:extLst>
   </p:cSld>
   <p:clrMapOvr>
     <a:masterClrMapping/>
   </p:clrMapOvr>
-  <mc:AlternateContent xmlns:mc="http://schemas.openxmlformats.org/markup-compatibility/2006" xmlns:p14="http://schemas.microsoft.com/office/powerpoint/2010/main">
-    <mc:Choice Requires="p14">
+  <mc:AlternateContent xmlns:mc="http://schemas.openxmlformats.org/markup-compatibility/2006">
+    <mc:Choice xmlns:p14="http://schemas.microsoft.com/office/powerpoint/2010/main" xmlns="" Requires="p14">
       <p:transition spd="slow" p14:dur="2000"/>
     </mc:Choice>
-    <mc:Fallback xmlns="">
+    <mc:Fallback>
       <p:transition spd="slow"/>
     </mc:Fallback>
   </mc:AlternateContent>
@@ -23689,11 +23658,11 @@
   <p:clrMapOvr>
     <a:masterClrMapping/>
   </p:clrMapOvr>
-  <mc:AlternateContent xmlns:mc="http://schemas.openxmlformats.org/markup-compatibility/2006" xmlns:p14="http://schemas.microsoft.com/office/powerpoint/2010/main">
-    <mc:Choice Requires="p14">
+  <mc:AlternateContent xmlns:mc="http://schemas.openxmlformats.org/markup-compatibility/2006">
+    <mc:Choice xmlns:p14="http://schemas.microsoft.com/office/powerpoint/2010/main" xmlns="" Requires="p14">
       <p:transition spd="slow" p14:dur="2000"/>
     </mc:Choice>
-    <mc:Fallback xmlns="">
+    <mc:Fallback>
       <p:transition spd="slow"/>
     </mc:Fallback>
   </mc:AlternateContent>
@@ -23999,7 +23968,7 @@
           <a:blip r:embed="rId3" cstate="print">
             <a:extLst>
               <a:ext uri="{28A0092B-C50C-407E-A947-70E740481C1C}">
-                <a14:useLocalDpi xmlns:a14="http://schemas.microsoft.com/office/drawing/2010/main" val="0"/>
+                <a14:useLocalDpi xmlns:a14="http://schemas.microsoft.com/office/drawing/2010/main" xmlns="" val="0"/>
               </a:ext>
             </a:extLst>
           </a:blip>
@@ -24022,14 +23991,14 @@
           </a:ln>
           <a:extLst>
             <a:ext uri="{909E8E84-426E-40DD-AFC4-6F175D3DCCD1}">
-              <a14:hiddenFill xmlns:a14="http://schemas.microsoft.com/office/drawing/2010/main">
+              <a14:hiddenFill xmlns:a14="http://schemas.microsoft.com/office/drawing/2010/main" xmlns="">
                 <a:solidFill>
                   <a:schemeClr val="accent1"/>
                 </a:solidFill>
               </a14:hiddenFill>
             </a:ext>
             <a:ext uri="{91240B29-F687-4F45-9708-019B960494DF}">
-              <a14:hiddenLine xmlns:a14="http://schemas.microsoft.com/office/drawing/2010/main" w="9525">
+              <a14:hiddenLine xmlns:a14="http://schemas.microsoft.com/office/drawing/2010/main" xmlns="" w="9525">
                 <a:solidFill>
                   <a:schemeClr val="tx1"/>
                 </a:solidFill>
@@ -24113,7 +24082,468 @@
       </p:sp>
       <p:sp>
         <p:nvSpPr>
-          <p:cNvPr id="7" name="Rechteck 6"/>
+          <p:cNvPr id="17" name="Inhaltsplatzhalter 1"/>
+          <p:cNvSpPr>
+            <a:spLocks noGrp="1"/>
+          </p:cNvSpPr>
+          <p:nvPr>
+            <p:ph idx="1"/>
+          </p:nvPr>
+        </p:nvSpPr>
+        <p:spPr>
+          <a:xfrm>
+            <a:off x="457200" y="980728"/>
+            <a:ext cx="8229600" cy="5145435"/>
+          </a:xfrm>
+        </p:spPr>
+        <p:txBody>
+          <a:bodyPr>
+            <a:normAutofit/>
+          </a:bodyPr>
+          <a:lstStyle/>
+          <a:p>
+            <a:pPr marL="0" indent="0">
+              <a:buNone/>
+            </a:pPr>
+            <a:r>
+              <a:rPr lang="de-DE" sz="3200" smtClean="0"/>
+              <a:t>Entwicklung in Polynombasis</a:t>
+            </a:r>
+          </a:p>
+          <a:p>
+            <a:pPr marL="0" indent="0">
+              <a:buNone/>
+            </a:pPr>
+            <a:endParaRPr lang="de-DE" sz="3200"/>
+          </a:p>
+          <a:p>
+            <a:pPr marL="0" indent="0">
+              <a:buNone/>
+            </a:pPr>
+            <a:endParaRPr lang="de-DE" sz="3200" smtClean="0"/>
+          </a:p>
+          <a:p>
+            <a:pPr marL="0" indent="0">
+              <a:buNone/>
+            </a:pPr>
+            <a:endParaRPr lang="de-DE" sz="3200"/>
+          </a:p>
+          <a:p>
+            <a:pPr marL="0" indent="0">
+              <a:buNone/>
+            </a:pPr>
+            <a:endParaRPr lang="de-DE" sz="3200" smtClean="0"/>
+          </a:p>
+          <a:p>
+            <a:pPr marL="0" indent="0">
+              <a:buNone/>
+            </a:pPr>
+            <a:endParaRPr lang="de-DE" sz="3200"/>
+          </a:p>
+          <a:p>
+            <a:pPr marL="0" indent="0">
+              <a:buNone/>
+            </a:pPr>
+            <a:r>
+              <a:rPr lang="de-DE" smtClean="0"/>
+              <a:t>Kurzschreibweise</a:t>
+            </a:r>
+            <a:endParaRPr lang="de-DE" sz="3200" smtClean="0"/>
+          </a:p>
+          <a:p>
+            <a:pPr marL="0" indent="0">
+              <a:buNone/>
+            </a:pPr>
+            <a:endParaRPr lang="de-DE" sz="3200"/>
+          </a:p>
+          <a:p>
+            <a:pPr marL="0" indent="0">
+              <a:buNone/>
+            </a:pPr>
+            <a:endParaRPr lang="de-DE" sz="3200" smtClean="0"/>
+          </a:p>
+          <a:p>
+            <a:pPr marL="0" indent="0">
+              <a:buNone/>
+            </a:pPr>
+            <a:endParaRPr lang="de-DE" sz="3200"/>
+          </a:p>
+          <a:p>
+            <a:endParaRPr lang="de-DE" smtClean="0"/>
+          </a:p>
+          <a:p>
+            <a:endParaRPr lang="de-DE" i="1" smtClean="0"/>
+          </a:p>
+        </p:txBody>
+      </p:sp>
+      <p:pic>
+        <p:nvPicPr>
+          <p:cNvPr id="2051" name="Picture 3"/>
+          <p:cNvPicPr>
+            <a:picLocks noChangeAspect="1" noChangeArrowheads="1"/>
+          </p:cNvPicPr>
+          <p:nvPr/>
+        </p:nvPicPr>
+        <p:blipFill>
+          <a:blip r:embed="rId4" cstate="print">
+            <a:extLst>
+              <a:ext uri="{28A0092B-C50C-407E-A947-70E740481C1C}">
+                <a14:useLocalDpi xmlns:a14="http://schemas.microsoft.com/office/drawing/2010/main" xmlns="" val="0"/>
+              </a:ext>
+            </a:extLst>
+          </a:blip>
+          <a:srcRect/>
+          <a:stretch>
+            <a:fillRect/>
+          </a:stretch>
+        </p:blipFill>
+        <p:spPr bwMode="auto">
+          <a:xfrm>
+            <a:off x="1403648" y="1916832"/>
+            <a:ext cx="2367532" cy="576064"/>
+          </a:xfrm>
+          <a:prstGeom prst="rect">
+            <a:avLst/>
+          </a:prstGeom>
+          <a:noFill/>
+          <a:ln>
+            <a:noFill/>
+          </a:ln>
+          <a:extLst>
+            <a:ext uri="{909E8E84-426E-40DD-AFC4-6F175D3DCCD1}">
+              <a14:hiddenFill xmlns:a14="http://schemas.microsoft.com/office/drawing/2010/main" xmlns="">
+                <a:solidFill>
+                  <a:schemeClr val="accent1"/>
+                </a:solidFill>
+              </a14:hiddenFill>
+            </a:ext>
+            <a:ext uri="{91240B29-F687-4F45-9708-019B960494DF}">
+              <a14:hiddenLine xmlns:a14="http://schemas.microsoft.com/office/drawing/2010/main" xmlns="" w="9525">
+                <a:solidFill>
+                  <a:schemeClr val="tx1"/>
+                </a:solidFill>
+                <a:miter lim="800000"/>
+                <a:headEnd/>
+                <a:tailEnd/>
+              </a14:hiddenLine>
+            </a:ext>
+          </a:extLst>
+        </p:spPr>
+      </p:pic>
+      <p:pic>
+        <p:nvPicPr>
+          <p:cNvPr id="2053" name="Picture 5"/>
+          <p:cNvPicPr>
+            <a:picLocks noChangeAspect="1" noChangeArrowheads="1"/>
+          </p:cNvPicPr>
+          <p:nvPr/>
+        </p:nvPicPr>
+        <p:blipFill>
+          <a:blip r:embed="rId5" cstate="print">
+            <a:extLst>
+              <a:ext uri="{28A0092B-C50C-407E-A947-70E740481C1C}">
+                <a14:useLocalDpi xmlns:a14="http://schemas.microsoft.com/office/drawing/2010/main" xmlns="" val="0"/>
+              </a:ext>
+            </a:extLst>
+          </a:blip>
+          <a:srcRect/>
+          <a:stretch>
+            <a:fillRect/>
+          </a:stretch>
+        </p:blipFill>
+        <p:spPr bwMode="auto">
+          <a:xfrm>
+            <a:off x="1403648" y="5085184"/>
+            <a:ext cx="3851920" cy="695721"/>
+          </a:xfrm>
+          <a:prstGeom prst="rect">
+            <a:avLst/>
+          </a:prstGeom>
+          <a:noFill/>
+          <a:ln>
+            <a:noFill/>
+          </a:ln>
+          <a:extLst>
+            <a:ext uri="{909E8E84-426E-40DD-AFC4-6F175D3DCCD1}">
+              <a14:hiddenFill xmlns:a14="http://schemas.microsoft.com/office/drawing/2010/main" xmlns="">
+                <a:solidFill>
+                  <a:schemeClr val="accent1"/>
+                </a:solidFill>
+              </a14:hiddenFill>
+            </a:ext>
+            <a:ext uri="{91240B29-F687-4F45-9708-019B960494DF}">
+              <a14:hiddenLine xmlns:a14="http://schemas.microsoft.com/office/drawing/2010/main" xmlns="" w="9525">
+                <a:solidFill>
+                  <a:schemeClr val="tx1"/>
+                </a:solidFill>
+                <a:miter lim="800000"/>
+                <a:headEnd/>
+                <a:tailEnd/>
+              </a14:hiddenLine>
+            </a:ext>
+          </a:extLst>
+        </p:spPr>
+      </p:pic>
+      <p:sp>
+        <p:nvSpPr>
+          <p:cNvPr id="2" name="Rechteck 1"/>
+          <p:cNvSpPr/>
+          <p:nvPr/>
+        </p:nvSpPr>
+        <p:spPr>
+          <a:xfrm>
+            <a:off x="3268980" y="2852936"/>
+            <a:ext cx="1844040" cy="827524"/>
+          </a:xfrm>
+          <a:prstGeom prst="rect">
+            <a:avLst/>
+          </a:prstGeom>
+          <a:noFill/>
+          <a:ln>
+            <a:solidFill>
+              <a:srgbClr val="52C000"/>
+            </a:solidFill>
+          </a:ln>
+        </p:spPr>
+        <p:style>
+          <a:lnRef idx="2">
+            <a:schemeClr val="accent1">
+              <a:shade val="50000"/>
+            </a:schemeClr>
+          </a:lnRef>
+          <a:fillRef idx="1">
+            <a:schemeClr val="accent1"/>
+          </a:fillRef>
+          <a:effectRef idx="0">
+            <a:schemeClr val="accent1"/>
+          </a:effectRef>
+          <a:fontRef idx="minor">
+            <a:schemeClr val="lt1"/>
+          </a:fontRef>
+        </p:style>
+        <p:txBody>
+          <a:bodyPr rtlCol="0" anchor="ctr"/>
+          <a:lstStyle/>
+          <a:p>
+            <a:pPr algn="ctr"/>
+            <a:endParaRPr lang="de-DE"/>
+          </a:p>
+        </p:txBody>
+      </p:sp>
+      <p:sp>
+        <p:nvSpPr>
+          <p:cNvPr id="15" name="Rechteck 14"/>
+          <p:cNvSpPr/>
+          <p:nvPr/>
+        </p:nvSpPr>
+        <p:spPr>
+          <a:xfrm>
+            <a:off x="5356860" y="2845316"/>
+            <a:ext cx="2239476" cy="827524"/>
+          </a:xfrm>
+          <a:prstGeom prst="rect">
+            <a:avLst/>
+          </a:prstGeom>
+          <a:noFill/>
+          <a:ln>
+            <a:solidFill>
+              <a:srgbClr val="0000FF"/>
+            </a:solidFill>
+          </a:ln>
+        </p:spPr>
+        <p:style>
+          <a:lnRef idx="2">
+            <a:schemeClr val="accent1">
+              <a:shade val="50000"/>
+            </a:schemeClr>
+          </a:lnRef>
+          <a:fillRef idx="1">
+            <a:schemeClr val="accent1"/>
+          </a:fillRef>
+          <a:effectRef idx="0">
+            <a:schemeClr val="accent1"/>
+          </a:effectRef>
+          <a:fontRef idx="minor">
+            <a:schemeClr val="lt1"/>
+          </a:fontRef>
+        </p:style>
+        <p:txBody>
+          <a:bodyPr rtlCol="0" anchor="ctr"/>
+          <a:lstStyle/>
+          <a:p>
+            <a:pPr algn="ctr"/>
+            <a:endParaRPr lang="de-DE"/>
+          </a:p>
+        </p:txBody>
+      </p:sp>
+      <p:sp>
+        <p:nvSpPr>
+          <p:cNvPr id="6" name="Textfeld 5"/>
+          <p:cNvSpPr txBox="1"/>
+          <p:nvPr/>
+        </p:nvSpPr>
+        <p:spPr>
+          <a:xfrm>
+            <a:off x="5216458" y="3789040"/>
+            <a:ext cx="2520280" cy="830997"/>
+          </a:xfrm>
+          <a:prstGeom prst="rect">
+            <a:avLst/>
+          </a:prstGeom>
+          <a:noFill/>
+        </p:spPr>
+        <p:txBody>
+          <a:bodyPr wrap="square" rtlCol="0">
+            <a:spAutoFit/>
+          </a:bodyPr>
+          <a:lstStyle/>
+          <a:p>
+            <a:pPr algn="ctr"/>
+            <a:r>
+              <a:rPr lang="de-DE" sz="2400" smtClean="0">
+                <a:solidFill>
+                  <a:srgbClr val="0000FF"/>
+                </a:solidFill>
+                <a:latin typeface="Adobe Arabic" pitchFamily="18" charset="-78"/>
+                <a:cs typeface="Adobe Arabic" pitchFamily="18" charset="-78"/>
+              </a:rPr>
+              <a:t>Nodale Entwicklung</a:t>
+            </a:r>
+            <a:br>
+              <a:rPr lang="de-DE" sz="2400" smtClean="0">
+                <a:solidFill>
+                  <a:srgbClr val="0000FF"/>
+                </a:solidFill>
+                <a:latin typeface="Adobe Arabic" pitchFamily="18" charset="-78"/>
+                <a:cs typeface="Adobe Arabic" pitchFamily="18" charset="-78"/>
+              </a:rPr>
+            </a:br>
+            <a:r>
+              <a:rPr lang="de-DE" sz="2400" smtClean="0">
+                <a:solidFill>
+                  <a:srgbClr val="0000FF"/>
+                </a:solidFill>
+                <a:latin typeface="Adobe Arabic" pitchFamily="18" charset="-78"/>
+                <a:cs typeface="Adobe Arabic" pitchFamily="18" charset="-78"/>
+              </a:rPr>
+              <a:t>(Lagrange-Interpolation)</a:t>
+            </a:r>
+            <a:endParaRPr lang="de-DE">
+              <a:solidFill>
+                <a:srgbClr val="0000FF"/>
+              </a:solidFill>
+              <a:latin typeface="Adobe Arabic" pitchFamily="18" charset="-78"/>
+              <a:cs typeface="Adobe Arabic" pitchFamily="18" charset="-78"/>
+            </a:endParaRPr>
+          </a:p>
+        </p:txBody>
+      </p:sp>
+      <p:sp>
+        <p:nvSpPr>
+          <p:cNvPr id="18" name="Textfeld 17"/>
+          <p:cNvSpPr txBox="1"/>
+          <p:nvPr/>
+        </p:nvSpPr>
+        <p:spPr>
+          <a:xfrm>
+            <a:off x="2915620" y="3789040"/>
+            <a:ext cx="2520280" cy="830997"/>
+          </a:xfrm>
+          <a:prstGeom prst="rect">
+            <a:avLst/>
+          </a:prstGeom>
+          <a:noFill/>
+        </p:spPr>
+        <p:txBody>
+          <a:bodyPr wrap="square" rtlCol="0">
+            <a:spAutoFit/>
+          </a:bodyPr>
+          <a:lstStyle/>
+          <a:p>
+            <a:pPr algn="ctr"/>
+            <a:r>
+              <a:rPr lang="de-DE" sz="2400" smtClean="0">
+                <a:solidFill>
+                  <a:srgbClr val="52C000"/>
+                </a:solidFill>
+                <a:latin typeface="Adobe Arabic" pitchFamily="18" charset="-78"/>
+                <a:cs typeface="Adobe Arabic" pitchFamily="18" charset="-78"/>
+              </a:rPr>
+              <a:t>Modale Entwicklung</a:t>
+            </a:r>
+            <a:br>
+              <a:rPr lang="de-DE" sz="2400" smtClean="0">
+                <a:solidFill>
+                  <a:srgbClr val="52C000"/>
+                </a:solidFill>
+                <a:latin typeface="Adobe Arabic" pitchFamily="18" charset="-78"/>
+                <a:cs typeface="Adobe Arabic" pitchFamily="18" charset="-78"/>
+              </a:rPr>
+            </a:br>
+            <a:r>
+              <a:rPr lang="de-DE" sz="2400" smtClean="0">
+                <a:solidFill>
+                  <a:srgbClr val="52C000"/>
+                </a:solidFill>
+                <a:latin typeface="Adobe Arabic" pitchFamily="18" charset="-78"/>
+                <a:cs typeface="Adobe Arabic" pitchFamily="18" charset="-78"/>
+              </a:rPr>
+              <a:t>(Jacobi-Polynome)</a:t>
+            </a:r>
+            <a:endParaRPr lang="de-DE">
+              <a:solidFill>
+                <a:srgbClr val="52C000"/>
+              </a:solidFill>
+              <a:latin typeface="Adobe Arabic" pitchFamily="18" charset="-78"/>
+              <a:cs typeface="Adobe Arabic" pitchFamily="18" charset="-78"/>
+            </a:endParaRPr>
+          </a:p>
+        </p:txBody>
+      </p:sp>
+      <p:sp>
+        <p:nvSpPr>
+          <p:cNvPr id="9" name="Rechteck 8"/>
+          <p:cNvSpPr/>
+          <p:nvPr/>
+        </p:nvSpPr>
+        <p:spPr>
+          <a:xfrm>
+            <a:off x="4351427" y="1057722"/>
+            <a:ext cx="441146" cy="369332"/>
+          </a:xfrm>
+          <a:prstGeom prst="rect">
+            <a:avLst/>
+          </a:prstGeom>
+        </p:spPr>
+        <p:txBody>
+          <a:bodyPr wrap="none">
+            <a:spAutoFit/>
+          </a:bodyPr>
+          <a:lstStyle/>
+          <a:p>
+            <a:r>
+              <a:rPr lang="de-DE" smtClean="0">
+                <a:solidFill>
+                  <a:srgbClr val="0070C0"/>
+                </a:solidFill>
+                <a:latin typeface="Arial" panose="020B0604020202020204" pitchFamily="34" charset="0"/>
+                <a:cs typeface="Arial" panose="020B0604020202020204" pitchFamily="34" charset="0"/>
+              </a:rPr>
+              <a:t>[3]</a:t>
+            </a:r>
+            <a:endParaRPr lang="de-DE">
+              <a:solidFill>
+                <a:srgbClr val="0070C0"/>
+              </a:solidFill>
+              <a:latin typeface="Arial" panose="020B0604020202020204" pitchFamily="34" charset="0"/>
+              <a:cs typeface="Arial" panose="020B0604020202020204" pitchFamily="34" charset="0"/>
+            </a:endParaRPr>
+          </a:p>
+        </p:txBody>
+      </p:sp>
+      <p:sp>
+        <p:nvSpPr>
+          <p:cNvPr id="16" name="Rechteck 15"/>
           <p:cNvSpPr/>
           <p:nvPr/>
         </p:nvSpPr>
@@ -24177,7 +24607,7 @@
       </p:sp>
       <p:sp>
         <p:nvSpPr>
-          <p:cNvPr id="8" name="Textfeld 7"/>
+          <p:cNvPr id="19" name="Textfeld 18"/>
           <p:cNvSpPr txBox="1"/>
           <p:nvPr/>
         </p:nvSpPr>
@@ -24199,7 +24629,7 @@
           <a:p>
             <a:pPr algn="ctr"/>
             <a:r>
-              <a:rPr lang="de-DE" sz="1600" smtClean="0">
+              <a:rPr lang="de-DE" sz="1600" dirty="0" smtClean="0">
                 <a:solidFill>
                   <a:schemeClr val="accent5">
                     <a:lumMod val="50000"/>
@@ -24208,19 +24638,37 @@
                 <a:latin typeface="Adobe Arabic" pitchFamily="18" charset="-78"/>
                 <a:cs typeface="Adobe Arabic" pitchFamily="18" charset="-78"/>
               </a:rPr>
-              <a:t>2. </a:t>
-            </a:r>
-            <a:r>
-              <a:rPr lang="de-DE" sz="1600" smtClean="0">
+              <a:t>4. </a:t>
+            </a:r>
+            <a:r>
+              <a:rPr lang="de-DE" sz="1600" dirty="0" smtClean="0">
                 <a:latin typeface="Adobe Arabic" pitchFamily="18" charset="-78"/>
                 <a:cs typeface="Adobe Arabic" pitchFamily="18" charset="-78"/>
               </a:rPr>
-              <a:t>DG-Verfahren</a:t>
-            </a:r>
+              <a:t>Schema : </a:t>
+            </a:r>
+            <a:r>
+              <a:rPr lang="de-DE" sz="1600" dirty="0" err="1" smtClean="0">
+                <a:latin typeface="Adobe Arabic" pitchFamily="18" charset="-78"/>
+                <a:cs typeface="Adobe Arabic" pitchFamily="18" charset="-78"/>
+              </a:rPr>
+              <a:t>LvN</a:t>
+            </a:r>
+            <a:r>
+              <a:rPr lang="de-DE" sz="1600" dirty="0" smtClean="0">
+                <a:latin typeface="Adobe Arabic" pitchFamily="18" charset="-78"/>
+                <a:cs typeface="Adobe Arabic" pitchFamily="18" charset="-78"/>
+              </a:rPr>
+              <a:t>-Gleichung</a:t>
+            </a:r>
+            <a:endParaRPr lang="de-DE" sz="1600" dirty="0" smtClean="0">
+              <a:latin typeface="Adobe Arabic" pitchFamily="18" charset="-78"/>
+              <a:cs typeface="Adobe Arabic" pitchFamily="18" charset="-78"/>
+            </a:endParaRPr>
           </a:p>
           <a:p>
             <a:pPr algn="ctr"/>
-            <a:endParaRPr lang="de-DE" sz="1600">
+            <a:endParaRPr lang="de-DE" sz="1600" dirty="0">
               <a:solidFill>
                 <a:schemeClr val="accent5">
                   <a:lumMod val="50000"/>
@@ -24232,482 +24680,21 @@
           </a:p>
         </p:txBody>
       </p:sp>
-      <p:sp>
-        <p:nvSpPr>
-          <p:cNvPr id="17" name="Inhaltsplatzhalter 1"/>
-          <p:cNvSpPr>
-            <a:spLocks noGrp="1"/>
-          </p:cNvSpPr>
-          <p:nvPr>
-            <p:ph idx="1"/>
-          </p:nvPr>
-        </p:nvSpPr>
-        <p:spPr>
-          <a:xfrm>
-            <a:off x="457200" y="980728"/>
-            <a:ext cx="8229600" cy="5145435"/>
-          </a:xfrm>
-        </p:spPr>
-        <p:txBody>
-          <a:bodyPr>
-            <a:normAutofit/>
-          </a:bodyPr>
-          <a:lstStyle/>
-          <a:p>
-            <a:pPr marL="0" indent="0">
-              <a:buNone/>
-            </a:pPr>
-            <a:r>
-              <a:rPr lang="de-DE" sz="3200" smtClean="0"/>
-              <a:t>Entwicklung in Polynombasis</a:t>
-            </a:r>
-          </a:p>
-          <a:p>
-            <a:pPr marL="0" indent="0">
-              <a:buNone/>
-            </a:pPr>
-            <a:endParaRPr lang="de-DE" sz="3200"/>
-          </a:p>
-          <a:p>
-            <a:pPr marL="0" indent="0">
-              <a:buNone/>
-            </a:pPr>
-            <a:endParaRPr lang="de-DE" sz="3200" smtClean="0"/>
-          </a:p>
-          <a:p>
-            <a:pPr marL="0" indent="0">
-              <a:buNone/>
-            </a:pPr>
-            <a:endParaRPr lang="de-DE" sz="3200"/>
-          </a:p>
-          <a:p>
-            <a:pPr marL="0" indent="0">
-              <a:buNone/>
-            </a:pPr>
-            <a:endParaRPr lang="de-DE" sz="3200" smtClean="0"/>
-          </a:p>
-          <a:p>
-            <a:pPr marL="0" indent="0">
-              <a:buNone/>
-            </a:pPr>
-            <a:endParaRPr lang="de-DE" sz="3200"/>
-          </a:p>
-          <a:p>
-            <a:pPr marL="0" indent="0">
-              <a:buNone/>
-            </a:pPr>
-            <a:r>
-              <a:rPr lang="de-DE" smtClean="0"/>
-              <a:t>Kurzschreibweise</a:t>
-            </a:r>
-            <a:endParaRPr lang="de-DE" sz="3200" smtClean="0"/>
-          </a:p>
-          <a:p>
-            <a:pPr marL="0" indent="0">
-              <a:buNone/>
-            </a:pPr>
-            <a:endParaRPr lang="de-DE" sz="3200"/>
-          </a:p>
-          <a:p>
-            <a:pPr marL="0" indent="0">
-              <a:buNone/>
-            </a:pPr>
-            <a:endParaRPr lang="de-DE" sz="3200" smtClean="0"/>
-          </a:p>
-          <a:p>
-            <a:pPr marL="0" indent="0">
-              <a:buNone/>
-            </a:pPr>
-            <a:endParaRPr lang="de-DE" sz="3200"/>
-          </a:p>
-          <a:p>
-            <a:endParaRPr lang="de-DE" smtClean="0"/>
-          </a:p>
-          <a:p>
-            <a:endParaRPr lang="de-DE" i="1" smtClean="0"/>
-          </a:p>
-        </p:txBody>
-      </p:sp>
-      <p:pic>
-        <p:nvPicPr>
-          <p:cNvPr id="2051" name="Picture 3"/>
-          <p:cNvPicPr>
-            <a:picLocks noChangeAspect="1" noChangeArrowheads="1"/>
-          </p:cNvPicPr>
-          <p:nvPr/>
-        </p:nvPicPr>
-        <p:blipFill>
-          <a:blip r:embed="rId4" cstate="print">
-            <a:extLst>
-              <a:ext uri="{28A0092B-C50C-407E-A947-70E740481C1C}">
-                <a14:useLocalDpi xmlns:a14="http://schemas.microsoft.com/office/drawing/2010/main" val="0"/>
-              </a:ext>
-            </a:extLst>
-          </a:blip>
-          <a:srcRect/>
-          <a:stretch>
-            <a:fillRect/>
-          </a:stretch>
-        </p:blipFill>
-        <p:spPr bwMode="auto">
-          <a:xfrm>
-            <a:off x="1403648" y="1916832"/>
-            <a:ext cx="2367532" cy="576064"/>
-          </a:xfrm>
-          <a:prstGeom prst="rect">
-            <a:avLst/>
-          </a:prstGeom>
-          <a:noFill/>
-          <a:ln>
-            <a:noFill/>
-          </a:ln>
-          <a:extLst>
-            <a:ext uri="{909E8E84-426E-40DD-AFC4-6F175D3DCCD1}">
-              <a14:hiddenFill xmlns:a14="http://schemas.microsoft.com/office/drawing/2010/main">
-                <a:solidFill>
-                  <a:schemeClr val="accent1"/>
-                </a:solidFill>
-              </a14:hiddenFill>
-            </a:ext>
-            <a:ext uri="{91240B29-F687-4F45-9708-019B960494DF}">
-              <a14:hiddenLine xmlns:a14="http://schemas.microsoft.com/office/drawing/2010/main" w="9525">
-                <a:solidFill>
-                  <a:schemeClr val="tx1"/>
-                </a:solidFill>
-                <a:miter lim="800000"/>
-                <a:headEnd/>
-                <a:tailEnd/>
-              </a14:hiddenLine>
-            </a:ext>
-          </a:extLst>
-        </p:spPr>
-      </p:pic>
-      <p:pic>
-        <p:nvPicPr>
-          <p:cNvPr id="2053" name="Picture 5"/>
-          <p:cNvPicPr>
-            <a:picLocks noChangeAspect="1" noChangeArrowheads="1"/>
-          </p:cNvPicPr>
-          <p:nvPr/>
-        </p:nvPicPr>
-        <p:blipFill>
-          <a:blip r:embed="rId5" cstate="print">
-            <a:extLst>
-              <a:ext uri="{28A0092B-C50C-407E-A947-70E740481C1C}">
-                <a14:useLocalDpi xmlns:a14="http://schemas.microsoft.com/office/drawing/2010/main" val="0"/>
-              </a:ext>
-            </a:extLst>
-          </a:blip>
-          <a:srcRect/>
-          <a:stretch>
-            <a:fillRect/>
-          </a:stretch>
-        </p:blipFill>
-        <p:spPr bwMode="auto">
-          <a:xfrm>
-            <a:off x="1403648" y="5085184"/>
-            <a:ext cx="3851920" cy="695721"/>
-          </a:xfrm>
-          <a:prstGeom prst="rect">
-            <a:avLst/>
-          </a:prstGeom>
-          <a:noFill/>
-          <a:ln>
-            <a:noFill/>
-          </a:ln>
-          <a:extLst>
-            <a:ext uri="{909E8E84-426E-40DD-AFC4-6F175D3DCCD1}">
-              <a14:hiddenFill xmlns:a14="http://schemas.microsoft.com/office/drawing/2010/main">
-                <a:solidFill>
-                  <a:schemeClr val="accent1"/>
-                </a:solidFill>
-              </a14:hiddenFill>
-            </a:ext>
-            <a:ext uri="{91240B29-F687-4F45-9708-019B960494DF}">
-              <a14:hiddenLine xmlns:a14="http://schemas.microsoft.com/office/drawing/2010/main" w="9525">
-                <a:solidFill>
-                  <a:schemeClr val="tx1"/>
-                </a:solidFill>
-                <a:miter lim="800000"/>
-                <a:headEnd/>
-                <a:tailEnd/>
-              </a14:hiddenLine>
-            </a:ext>
-          </a:extLst>
-        </p:spPr>
-      </p:pic>
-      <p:sp>
-        <p:nvSpPr>
-          <p:cNvPr id="2" name="Rechteck 1"/>
-          <p:cNvSpPr/>
-          <p:nvPr/>
-        </p:nvSpPr>
-        <p:spPr>
-          <a:xfrm>
-            <a:off x="3268980" y="2852936"/>
-            <a:ext cx="1844040" cy="827524"/>
-          </a:xfrm>
-          <a:prstGeom prst="rect">
-            <a:avLst/>
-          </a:prstGeom>
-          <a:noFill/>
-          <a:ln>
-            <a:solidFill>
-              <a:srgbClr val="52C000"/>
-            </a:solidFill>
-          </a:ln>
-        </p:spPr>
-        <p:style>
-          <a:lnRef idx="2">
-            <a:schemeClr val="accent1">
-              <a:shade val="50000"/>
-            </a:schemeClr>
-          </a:lnRef>
-          <a:fillRef idx="1">
-            <a:schemeClr val="accent1"/>
-          </a:fillRef>
-          <a:effectRef idx="0">
-            <a:schemeClr val="accent1"/>
-          </a:effectRef>
-          <a:fontRef idx="minor">
-            <a:schemeClr val="lt1"/>
-          </a:fontRef>
-        </p:style>
-        <p:txBody>
-          <a:bodyPr rtlCol="0" anchor="ctr"/>
-          <a:lstStyle/>
-          <a:p>
-            <a:pPr algn="ctr"/>
-            <a:endParaRPr lang="de-DE"/>
-          </a:p>
-        </p:txBody>
-      </p:sp>
-      <p:sp>
-        <p:nvSpPr>
-          <p:cNvPr id="15" name="Rechteck 14"/>
-          <p:cNvSpPr/>
-          <p:nvPr/>
-        </p:nvSpPr>
-        <p:spPr>
-          <a:xfrm>
-            <a:off x="5356860" y="2845316"/>
-            <a:ext cx="2239476" cy="827524"/>
-          </a:xfrm>
-          <a:prstGeom prst="rect">
-            <a:avLst/>
-          </a:prstGeom>
-          <a:noFill/>
-          <a:ln>
-            <a:solidFill>
-              <a:srgbClr val="0000FF"/>
-            </a:solidFill>
-          </a:ln>
-        </p:spPr>
-        <p:style>
-          <a:lnRef idx="2">
-            <a:schemeClr val="accent1">
-              <a:shade val="50000"/>
-            </a:schemeClr>
-          </a:lnRef>
-          <a:fillRef idx="1">
-            <a:schemeClr val="accent1"/>
-          </a:fillRef>
-          <a:effectRef idx="0">
-            <a:schemeClr val="accent1"/>
-          </a:effectRef>
-          <a:fontRef idx="minor">
-            <a:schemeClr val="lt1"/>
-          </a:fontRef>
-        </p:style>
-        <p:txBody>
-          <a:bodyPr rtlCol="0" anchor="ctr"/>
-          <a:lstStyle/>
-          <a:p>
-            <a:pPr algn="ctr"/>
-            <a:endParaRPr lang="de-DE"/>
-          </a:p>
-        </p:txBody>
-      </p:sp>
-      <p:sp>
-        <p:nvSpPr>
-          <p:cNvPr id="6" name="Textfeld 5"/>
-          <p:cNvSpPr txBox="1"/>
-          <p:nvPr/>
-        </p:nvSpPr>
-        <p:spPr>
-          <a:xfrm>
-            <a:off x="5216458" y="3789040"/>
-            <a:ext cx="2520280" cy="830997"/>
-          </a:xfrm>
-          <a:prstGeom prst="rect">
-            <a:avLst/>
-          </a:prstGeom>
-          <a:noFill/>
-        </p:spPr>
-        <p:txBody>
-          <a:bodyPr wrap="square" rtlCol="0">
-            <a:spAutoFit/>
-          </a:bodyPr>
-          <a:lstStyle/>
-          <a:p>
-            <a:pPr algn="ctr"/>
-            <a:r>
-              <a:rPr lang="de-DE" sz="2400" smtClean="0">
-                <a:solidFill>
-                  <a:srgbClr val="0000FF"/>
-                </a:solidFill>
-                <a:latin typeface="Adobe Arabic" pitchFamily="18" charset="-78"/>
-                <a:cs typeface="Adobe Arabic" pitchFamily="18" charset="-78"/>
-              </a:rPr>
-              <a:t>Nodale Entwicklung</a:t>
-            </a:r>
-            <a:br>
-              <a:rPr lang="de-DE" sz="2400" smtClean="0">
-                <a:solidFill>
-                  <a:srgbClr val="0000FF"/>
-                </a:solidFill>
-                <a:latin typeface="Adobe Arabic" pitchFamily="18" charset="-78"/>
-                <a:cs typeface="Adobe Arabic" pitchFamily="18" charset="-78"/>
-              </a:rPr>
-            </a:br>
-            <a:r>
-              <a:rPr lang="de-DE" sz="2400" smtClean="0">
-                <a:solidFill>
-                  <a:srgbClr val="0000FF"/>
-                </a:solidFill>
-                <a:latin typeface="Adobe Arabic" pitchFamily="18" charset="-78"/>
-                <a:cs typeface="Adobe Arabic" pitchFamily="18" charset="-78"/>
-              </a:rPr>
-              <a:t>(Lagrange-Interpolation)</a:t>
-            </a:r>
-            <a:endParaRPr lang="de-DE">
-              <a:solidFill>
-                <a:srgbClr val="0000FF"/>
-              </a:solidFill>
-              <a:latin typeface="Adobe Arabic" pitchFamily="18" charset="-78"/>
-              <a:cs typeface="Adobe Arabic" pitchFamily="18" charset="-78"/>
-            </a:endParaRPr>
-          </a:p>
-        </p:txBody>
-      </p:sp>
-      <p:sp>
-        <p:nvSpPr>
-          <p:cNvPr id="18" name="Textfeld 17"/>
-          <p:cNvSpPr txBox="1"/>
-          <p:nvPr/>
-        </p:nvSpPr>
-        <p:spPr>
-          <a:xfrm>
-            <a:off x="2915620" y="3789040"/>
-            <a:ext cx="2520280" cy="830997"/>
-          </a:xfrm>
-          <a:prstGeom prst="rect">
-            <a:avLst/>
-          </a:prstGeom>
-          <a:noFill/>
-        </p:spPr>
-        <p:txBody>
-          <a:bodyPr wrap="square" rtlCol="0">
-            <a:spAutoFit/>
-          </a:bodyPr>
-          <a:lstStyle/>
-          <a:p>
-            <a:pPr algn="ctr"/>
-            <a:r>
-              <a:rPr lang="de-DE" sz="2400" smtClean="0">
-                <a:solidFill>
-                  <a:srgbClr val="52C000"/>
-                </a:solidFill>
-                <a:latin typeface="Adobe Arabic" pitchFamily="18" charset="-78"/>
-                <a:cs typeface="Adobe Arabic" pitchFamily="18" charset="-78"/>
-              </a:rPr>
-              <a:t>Modale Entwicklung</a:t>
-            </a:r>
-            <a:br>
-              <a:rPr lang="de-DE" sz="2400" smtClean="0">
-                <a:solidFill>
-                  <a:srgbClr val="52C000"/>
-                </a:solidFill>
-                <a:latin typeface="Adobe Arabic" pitchFamily="18" charset="-78"/>
-                <a:cs typeface="Adobe Arabic" pitchFamily="18" charset="-78"/>
-              </a:rPr>
-            </a:br>
-            <a:r>
-              <a:rPr lang="de-DE" sz="2400" smtClean="0">
-                <a:solidFill>
-                  <a:srgbClr val="52C000"/>
-                </a:solidFill>
-                <a:latin typeface="Adobe Arabic" pitchFamily="18" charset="-78"/>
-                <a:cs typeface="Adobe Arabic" pitchFamily="18" charset="-78"/>
-              </a:rPr>
-              <a:t>(Jacobi-Polynome)</a:t>
-            </a:r>
-            <a:endParaRPr lang="de-DE">
-              <a:solidFill>
-                <a:srgbClr val="52C000"/>
-              </a:solidFill>
-              <a:latin typeface="Adobe Arabic" pitchFamily="18" charset="-78"/>
-              <a:cs typeface="Adobe Arabic" pitchFamily="18" charset="-78"/>
-            </a:endParaRPr>
-          </a:p>
-        </p:txBody>
-      </p:sp>
-      <p:sp>
-        <p:nvSpPr>
-          <p:cNvPr id="9" name="Rechteck 8"/>
-          <p:cNvSpPr/>
-          <p:nvPr/>
-        </p:nvSpPr>
-        <p:spPr>
-          <a:xfrm>
-            <a:off x="4351427" y="1057722"/>
-            <a:ext cx="441146" cy="369332"/>
-          </a:xfrm>
-          <a:prstGeom prst="rect">
-            <a:avLst/>
-          </a:prstGeom>
-        </p:spPr>
-        <p:txBody>
-          <a:bodyPr wrap="none">
-            <a:spAutoFit/>
-          </a:bodyPr>
-          <a:lstStyle/>
-          <a:p>
-            <a:r>
-              <a:rPr lang="de-DE" smtClean="0">
-                <a:solidFill>
-                  <a:srgbClr val="0070C0"/>
-                </a:solidFill>
-                <a:latin typeface="Arial" panose="020B0604020202020204" pitchFamily="34" charset="0"/>
-                <a:cs typeface="Arial" panose="020B0604020202020204" pitchFamily="34" charset="0"/>
-              </a:rPr>
-              <a:t>[3]</a:t>
-            </a:r>
-            <a:endParaRPr lang="de-DE">
-              <a:solidFill>
-                <a:srgbClr val="0070C0"/>
-              </a:solidFill>
-              <a:latin typeface="Arial" panose="020B0604020202020204" pitchFamily="34" charset="0"/>
-              <a:cs typeface="Arial" panose="020B0604020202020204" pitchFamily="34" charset="0"/>
-            </a:endParaRPr>
-          </a:p>
-        </p:txBody>
-      </p:sp>
     </p:spTree>
     <p:extLst>
       <p:ext uri="{BB962C8B-B14F-4D97-AF65-F5344CB8AC3E}">
-        <p14:creationId xmlns:p14="http://schemas.microsoft.com/office/powerpoint/2010/main" val="1405301025"/>
+        <p14:creationId xmlns:p14="http://schemas.microsoft.com/office/powerpoint/2010/main" xmlns="" val="1405301025"/>
       </p:ext>
     </p:extLst>
   </p:cSld>
   <p:clrMapOvr>
     <a:masterClrMapping/>
   </p:clrMapOvr>
-  <mc:AlternateContent xmlns:mc="http://schemas.openxmlformats.org/markup-compatibility/2006" xmlns:p14="http://schemas.microsoft.com/office/powerpoint/2010/main">
-    <mc:Choice Requires="p14">
+  <mc:AlternateContent xmlns:mc="http://schemas.openxmlformats.org/markup-compatibility/2006">
+    <mc:Choice xmlns:p14="http://schemas.microsoft.com/office/powerpoint/2010/main" xmlns="" Requires="p14">
       <p:transition spd="slow" p14:dur="2000"/>
     </mc:Choice>
-    <mc:Fallback xmlns="">
+    <mc:Fallback>
       <p:transition spd="slow"/>
     </mc:Fallback>
   </mc:AlternateContent>
@@ -24909,7 +24896,357 @@
       </p:sp>
       <p:sp>
         <p:nvSpPr>
-          <p:cNvPr id="7" name="Rechteck 6"/>
+          <p:cNvPr id="17" name="Inhaltsplatzhalter 1"/>
+          <p:cNvSpPr>
+            <a:spLocks noGrp="1"/>
+          </p:cNvSpPr>
+          <p:nvPr>
+            <p:ph idx="1"/>
+          </p:nvPr>
+        </p:nvSpPr>
+        <p:spPr>
+          <a:xfrm>
+            <a:off x="457200" y="980728"/>
+            <a:ext cx="8229600" cy="5145435"/>
+          </a:xfrm>
+        </p:spPr>
+        <p:txBody>
+          <a:bodyPr>
+            <a:normAutofit/>
+          </a:bodyPr>
+          <a:lstStyle/>
+          <a:p>
+            <a:pPr marL="0" indent="0">
+              <a:buNone/>
+            </a:pPr>
+            <a:r>
+              <a:rPr lang="de-DE" sz="3200" smtClean="0"/>
+              <a:t>Starke Formulierung</a:t>
+            </a:r>
+          </a:p>
+          <a:p>
+            <a:pPr marL="0" indent="0">
+              <a:buNone/>
+            </a:pPr>
+            <a:endParaRPr lang="de-DE" sz="3200"/>
+          </a:p>
+          <a:p>
+            <a:pPr marL="0" indent="0">
+              <a:buNone/>
+            </a:pPr>
+            <a:endParaRPr lang="de-DE" sz="3200"/>
+          </a:p>
+          <a:p>
+            <a:pPr marL="0" indent="0">
+              <a:buNone/>
+            </a:pPr>
+            <a:endParaRPr lang="de-DE" sz="3200" smtClean="0"/>
+          </a:p>
+          <a:p>
+            <a:pPr marL="0" indent="0">
+              <a:buNone/>
+            </a:pPr>
+            <a:endParaRPr lang="de-DE" sz="3200"/>
+          </a:p>
+          <a:p>
+            <a:endParaRPr lang="de-DE" smtClean="0"/>
+          </a:p>
+          <a:p>
+            <a:endParaRPr lang="de-DE" i="1" smtClean="0"/>
+          </a:p>
+        </p:txBody>
+      </p:sp>
+      <p:pic>
+        <p:nvPicPr>
+          <p:cNvPr id="3074" name="Picture 2"/>
+          <p:cNvPicPr>
+            <a:picLocks noChangeAspect="1" noChangeArrowheads="1"/>
+          </p:cNvPicPr>
+          <p:nvPr/>
+        </p:nvPicPr>
+        <p:blipFill>
+          <a:blip r:embed="rId3" cstate="print">
+            <a:extLst>
+              <a:ext uri="{28A0092B-C50C-407E-A947-70E740481C1C}">
+                <a14:useLocalDpi xmlns:a14="http://schemas.microsoft.com/office/drawing/2010/main" xmlns="" val="0"/>
+              </a:ext>
+            </a:extLst>
+          </a:blip>
+          <a:srcRect/>
+          <a:stretch>
+            <a:fillRect/>
+          </a:stretch>
+        </p:blipFill>
+        <p:spPr bwMode="auto">
+          <a:xfrm>
+            <a:off x="3047004" y="1772816"/>
+            <a:ext cx="5989492" cy="1559056"/>
+          </a:xfrm>
+          <a:prstGeom prst="rect">
+            <a:avLst/>
+          </a:prstGeom>
+          <a:noFill/>
+          <a:ln>
+            <a:noFill/>
+          </a:ln>
+          <a:extLst>
+            <a:ext uri="{909E8E84-426E-40DD-AFC4-6F175D3DCCD1}">
+              <a14:hiddenFill xmlns:a14="http://schemas.microsoft.com/office/drawing/2010/main" xmlns="">
+                <a:solidFill>
+                  <a:schemeClr val="accent1"/>
+                </a:solidFill>
+              </a14:hiddenFill>
+            </a:ext>
+            <a:ext uri="{91240B29-F687-4F45-9708-019B960494DF}">
+              <a14:hiddenLine xmlns:a14="http://schemas.microsoft.com/office/drawing/2010/main" xmlns="" w="9525">
+                <a:solidFill>
+                  <a:schemeClr val="tx1"/>
+                </a:solidFill>
+                <a:miter lim="800000"/>
+                <a:headEnd/>
+                <a:tailEnd/>
+              </a14:hiddenLine>
+            </a:ext>
+          </a:extLst>
+        </p:spPr>
+      </p:pic>
+      <p:pic>
+        <p:nvPicPr>
+          <p:cNvPr id="3076" name="Picture 4"/>
+          <p:cNvPicPr>
+            <a:picLocks noChangeAspect="1" noChangeArrowheads="1"/>
+          </p:cNvPicPr>
+          <p:nvPr/>
+        </p:nvPicPr>
+        <p:blipFill>
+          <a:blip r:embed="rId4" cstate="print">
+            <a:extLst>
+              <a:ext uri="{28A0092B-C50C-407E-A947-70E740481C1C}">
+                <a14:useLocalDpi xmlns:a14="http://schemas.microsoft.com/office/drawing/2010/main" xmlns="" val="0"/>
+              </a:ext>
+            </a:extLst>
+          </a:blip>
+          <a:srcRect/>
+          <a:stretch>
+            <a:fillRect/>
+          </a:stretch>
+        </p:blipFill>
+        <p:spPr bwMode="auto">
+          <a:xfrm>
+            <a:off x="3046756" y="5661248"/>
+            <a:ext cx="1126382" cy="253883"/>
+          </a:xfrm>
+          <a:prstGeom prst="rect">
+            <a:avLst/>
+          </a:prstGeom>
+          <a:noFill/>
+          <a:ln>
+            <a:noFill/>
+          </a:ln>
+          <a:extLst>
+            <a:ext uri="{909E8E84-426E-40DD-AFC4-6F175D3DCCD1}">
+              <a14:hiddenFill xmlns:a14="http://schemas.microsoft.com/office/drawing/2010/main" xmlns="">
+                <a:solidFill>
+                  <a:schemeClr val="accent1"/>
+                </a:solidFill>
+              </a14:hiddenFill>
+            </a:ext>
+            <a:ext uri="{91240B29-F687-4F45-9708-019B960494DF}">
+              <a14:hiddenLine xmlns:a14="http://schemas.microsoft.com/office/drawing/2010/main" xmlns="" w="9525">
+                <a:solidFill>
+                  <a:schemeClr val="tx1"/>
+                </a:solidFill>
+                <a:miter lim="800000"/>
+                <a:headEnd/>
+                <a:tailEnd/>
+              </a14:hiddenLine>
+            </a:ext>
+          </a:extLst>
+        </p:spPr>
+      </p:pic>
+      <p:pic>
+        <p:nvPicPr>
+          <p:cNvPr id="19" name="Picture 3"/>
+          <p:cNvPicPr>
+            <a:picLocks noChangeAspect="1" noChangeArrowheads="1"/>
+          </p:cNvPicPr>
+          <p:nvPr/>
+        </p:nvPicPr>
+        <p:blipFill>
+          <a:blip r:embed="rId5" cstate="print">
+            <a:extLst>
+              <a:ext uri="{28A0092B-C50C-407E-A947-70E740481C1C}">
+                <a14:useLocalDpi xmlns:a14="http://schemas.microsoft.com/office/drawing/2010/main" xmlns="" val="0"/>
+              </a:ext>
+            </a:extLst>
+          </a:blip>
+          <a:srcRect/>
+          <a:stretch>
+            <a:fillRect/>
+          </a:stretch>
+        </p:blipFill>
+        <p:spPr bwMode="auto">
+          <a:xfrm>
+            <a:off x="461256" y="3264967"/>
+            <a:ext cx="1878496" cy="1048146"/>
+          </a:xfrm>
+          <a:prstGeom prst="rect">
+            <a:avLst/>
+          </a:prstGeom>
+          <a:noFill/>
+          <a:ln>
+            <a:noFill/>
+          </a:ln>
+          <a:extLst>
+            <a:ext uri="{909E8E84-426E-40DD-AFC4-6F175D3DCCD1}">
+              <a14:hiddenFill xmlns:a14="http://schemas.microsoft.com/office/drawing/2010/main" xmlns="">
+                <a:solidFill>
+                  <a:schemeClr val="accent1"/>
+                </a:solidFill>
+              </a14:hiddenFill>
+            </a:ext>
+            <a:ext uri="{91240B29-F687-4F45-9708-019B960494DF}">
+              <a14:hiddenLine xmlns:a14="http://schemas.microsoft.com/office/drawing/2010/main" xmlns="" w="9525">
+                <a:solidFill>
+                  <a:schemeClr val="tx1"/>
+                </a:solidFill>
+                <a:miter lim="800000"/>
+                <a:headEnd/>
+                <a:tailEnd/>
+              </a14:hiddenLine>
+            </a:ext>
+          </a:extLst>
+        </p:spPr>
+      </p:pic>
+      <p:cxnSp>
+        <p:nvCxnSpPr>
+          <p:cNvPr id="10" name="Gerade Verbindung mit Pfeil 9"/>
+          <p:cNvCxnSpPr/>
+          <p:nvPr/>
+        </p:nvCxnSpPr>
+        <p:spPr>
+          <a:xfrm flipV="1">
+            <a:off x="2339752" y="2636912"/>
+            <a:ext cx="648072" cy="694960"/>
+          </a:xfrm>
+          <a:prstGeom prst="straightConnector1">
+            <a:avLst/>
+          </a:prstGeom>
+          <a:ln>
+            <a:solidFill>
+              <a:schemeClr val="tx1"/>
+            </a:solidFill>
+            <a:tailEnd type="arrow"/>
+          </a:ln>
+        </p:spPr>
+        <p:style>
+          <a:lnRef idx="1">
+            <a:schemeClr val="accent1"/>
+          </a:lnRef>
+          <a:fillRef idx="0">
+            <a:schemeClr val="accent1"/>
+          </a:fillRef>
+          <a:effectRef idx="0">
+            <a:schemeClr val="accent1"/>
+          </a:effectRef>
+          <a:fontRef idx="minor">
+            <a:schemeClr val="tx1"/>
+          </a:fontRef>
+        </p:style>
+      </p:cxnSp>
+      <p:cxnSp>
+        <p:nvCxnSpPr>
+          <p:cNvPr id="12" name="Gerade Verbindung mit Pfeil 11"/>
+          <p:cNvCxnSpPr/>
+          <p:nvPr/>
+        </p:nvCxnSpPr>
+        <p:spPr>
+          <a:xfrm>
+            <a:off x="2339752" y="4005064"/>
+            <a:ext cx="504056" cy="144016"/>
+          </a:xfrm>
+          <a:prstGeom prst="straightConnector1">
+            <a:avLst/>
+          </a:prstGeom>
+          <a:ln>
+            <a:solidFill>
+              <a:schemeClr val="tx1"/>
+            </a:solidFill>
+            <a:tailEnd type="arrow"/>
+          </a:ln>
+        </p:spPr>
+        <p:style>
+          <a:lnRef idx="1">
+            <a:schemeClr val="accent1"/>
+          </a:lnRef>
+          <a:fillRef idx="0">
+            <a:schemeClr val="accent1"/>
+          </a:fillRef>
+          <a:effectRef idx="0">
+            <a:schemeClr val="accent1"/>
+          </a:effectRef>
+          <a:fontRef idx="minor">
+            <a:schemeClr val="tx1"/>
+          </a:fontRef>
+        </p:style>
+      </p:cxnSp>
+      <p:pic>
+        <p:nvPicPr>
+          <p:cNvPr id="3078" name="Picture 6"/>
+          <p:cNvPicPr>
+            <a:picLocks noChangeAspect="1" noChangeArrowheads="1"/>
+          </p:cNvPicPr>
+          <p:nvPr/>
+        </p:nvPicPr>
+        <p:blipFill>
+          <a:blip r:embed="rId6" cstate="print">
+            <a:extLst>
+              <a:ext uri="{28A0092B-C50C-407E-A947-70E740481C1C}">
+                <a14:useLocalDpi xmlns:a14="http://schemas.microsoft.com/office/drawing/2010/main" xmlns="" val="0"/>
+              </a:ext>
+            </a:extLst>
+          </a:blip>
+          <a:srcRect/>
+          <a:stretch>
+            <a:fillRect/>
+          </a:stretch>
+        </p:blipFill>
+        <p:spPr bwMode="auto">
+          <a:xfrm>
+            <a:off x="3047004" y="3789040"/>
+            <a:ext cx="5886220" cy="1495623"/>
+          </a:xfrm>
+          <a:prstGeom prst="rect">
+            <a:avLst/>
+          </a:prstGeom>
+          <a:noFill/>
+          <a:ln>
+            <a:noFill/>
+          </a:ln>
+          <a:extLst>
+            <a:ext uri="{909E8E84-426E-40DD-AFC4-6F175D3DCCD1}">
+              <a14:hiddenFill xmlns:a14="http://schemas.microsoft.com/office/drawing/2010/main" xmlns="">
+                <a:solidFill>
+                  <a:schemeClr val="accent1"/>
+                </a:solidFill>
+              </a14:hiddenFill>
+            </a:ext>
+            <a:ext uri="{91240B29-F687-4F45-9708-019B960494DF}">
+              <a14:hiddenLine xmlns:a14="http://schemas.microsoft.com/office/drawing/2010/main" xmlns="" w="9525">
+                <a:solidFill>
+                  <a:schemeClr val="tx1"/>
+                </a:solidFill>
+                <a:miter lim="800000"/>
+                <a:headEnd/>
+                <a:tailEnd/>
+              </a14:hiddenLine>
+            </a:ext>
+          </a:extLst>
+        </p:spPr>
+      </p:pic>
+      <p:sp>
+        <p:nvSpPr>
+          <p:cNvPr id="14" name="Rechteck 13"/>
           <p:cNvSpPr/>
           <p:nvPr/>
         </p:nvSpPr>
@@ -24973,7 +25310,7 @@
       </p:sp>
       <p:sp>
         <p:nvSpPr>
-          <p:cNvPr id="8" name="Textfeld 7"/>
+          <p:cNvPr id="15" name="Textfeld 14"/>
           <p:cNvSpPr txBox="1"/>
           <p:nvPr/>
         </p:nvSpPr>
@@ -24995,7 +25332,7 @@
           <a:p>
             <a:pPr algn="ctr"/>
             <a:r>
-              <a:rPr lang="de-DE" sz="1600" smtClean="0">
+              <a:rPr lang="de-DE" sz="1600" dirty="0" smtClean="0">
                 <a:solidFill>
                   <a:schemeClr val="accent5">
                     <a:lumMod val="50000"/>
@@ -25004,19 +25341,37 @@
                 <a:latin typeface="Adobe Arabic" pitchFamily="18" charset="-78"/>
                 <a:cs typeface="Adobe Arabic" pitchFamily="18" charset="-78"/>
               </a:rPr>
-              <a:t>2. </a:t>
-            </a:r>
-            <a:r>
-              <a:rPr lang="de-DE" sz="1600" smtClean="0">
+              <a:t>4. </a:t>
+            </a:r>
+            <a:r>
+              <a:rPr lang="de-DE" sz="1600" dirty="0" smtClean="0">
                 <a:latin typeface="Adobe Arabic" pitchFamily="18" charset="-78"/>
                 <a:cs typeface="Adobe Arabic" pitchFamily="18" charset="-78"/>
               </a:rPr>
-              <a:t>DG-Verfahren</a:t>
-            </a:r>
+              <a:t>Schema : </a:t>
+            </a:r>
+            <a:r>
+              <a:rPr lang="de-DE" sz="1600" dirty="0" err="1" smtClean="0">
+                <a:latin typeface="Adobe Arabic" pitchFamily="18" charset="-78"/>
+                <a:cs typeface="Adobe Arabic" pitchFamily="18" charset="-78"/>
+              </a:rPr>
+              <a:t>LvN</a:t>
+            </a:r>
+            <a:r>
+              <a:rPr lang="de-DE" sz="1600" dirty="0" smtClean="0">
+                <a:latin typeface="Adobe Arabic" pitchFamily="18" charset="-78"/>
+                <a:cs typeface="Adobe Arabic" pitchFamily="18" charset="-78"/>
+              </a:rPr>
+              <a:t>-Gleichung</a:t>
+            </a:r>
+            <a:endParaRPr lang="de-DE" sz="1600" dirty="0" smtClean="0">
+              <a:latin typeface="Adobe Arabic" pitchFamily="18" charset="-78"/>
+              <a:cs typeface="Adobe Arabic" pitchFamily="18" charset="-78"/>
+            </a:endParaRPr>
           </a:p>
           <a:p>
             <a:pPr algn="ctr"/>
-            <a:endParaRPr lang="de-DE" sz="1600">
+            <a:endParaRPr lang="de-DE" sz="1600" dirty="0">
               <a:solidFill>
                 <a:schemeClr val="accent5">
                   <a:lumMod val="50000"/>
@@ -25028,371 +25383,21 @@
           </a:p>
         </p:txBody>
       </p:sp>
-      <p:sp>
-        <p:nvSpPr>
-          <p:cNvPr id="17" name="Inhaltsplatzhalter 1"/>
-          <p:cNvSpPr>
-            <a:spLocks noGrp="1"/>
-          </p:cNvSpPr>
-          <p:nvPr>
-            <p:ph idx="1"/>
-          </p:nvPr>
-        </p:nvSpPr>
-        <p:spPr>
-          <a:xfrm>
-            <a:off x="457200" y="980728"/>
-            <a:ext cx="8229600" cy="5145435"/>
-          </a:xfrm>
-        </p:spPr>
-        <p:txBody>
-          <a:bodyPr>
-            <a:normAutofit/>
-          </a:bodyPr>
-          <a:lstStyle/>
-          <a:p>
-            <a:pPr marL="0" indent="0">
-              <a:buNone/>
-            </a:pPr>
-            <a:r>
-              <a:rPr lang="de-DE" sz="3200" smtClean="0"/>
-              <a:t>Starke Formulierung</a:t>
-            </a:r>
-          </a:p>
-          <a:p>
-            <a:pPr marL="0" indent="0">
-              <a:buNone/>
-            </a:pPr>
-            <a:endParaRPr lang="de-DE" sz="3200"/>
-          </a:p>
-          <a:p>
-            <a:pPr marL="0" indent="0">
-              <a:buNone/>
-            </a:pPr>
-            <a:endParaRPr lang="de-DE" sz="3200"/>
-          </a:p>
-          <a:p>
-            <a:pPr marL="0" indent="0">
-              <a:buNone/>
-            </a:pPr>
-            <a:endParaRPr lang="de-DE" sz="3200" smtClean="0"/>
-          </a:p>
-          <a:p>
-            <a:pPr marL="0" indent="0">
-              <a:buNone/>
-            </a:pPr>
-            <a:endParaRPr lang="de-DE" sz="3200"/>
-          </a:p>
-          <a:p>
-            <a:endParaRPr lang="de-DE" smtClean="0"/>
-          </a:p>
-          <a:p>
-            <a:endParaRPr lang="de-DE" i="1" smtClean="0"/>
-          </a:p>
-        </p:txBody>
-      </p:sp>
-      <p:pic>
-        <p:nvPicPr>
-          <p:cNvPr id="3074" name="Picture 2"/>
-          <p:cNvPicPr>
-            <a:picLocks noChangeAspect="1" noChangeArrowheads="1"/>
-          </p:cNvPicPr>
-          <p:nvPr/>
-        </p:nvPicPr>
-        <p:blipFill>
-          <a:blip r:embed="rId3" cstate="print">
-            <a:extLst>
-              <a:ext uri="{28A0092B-C50C-407E-A947-70E740481C1C}">
-                <a14:useLocalDpi xmlns:a14="http://schemas.microsoft.com/office/drawing/2010/main" val="0"/>
-              </a:ext>
-            </a:extLst>
-          </a:blip>
-          <a:srcRect/>
-          <a:stretch>
-            <a:fillRect/>
-          </a:stretch>
-        </p:blipFill>
-        <p:spPr bwMode="auto">
-          <a:xfrm>
-            <a:off x="3047004" y="1772816"/>
-            <a:ext cx="5989492" cy="1559056"/>
-          </a:xfrm>
-          <a:prstGeom prst="rect">
-            <a:avLst/>
-          </a:prstGeom>
-          <a:noFill/>
-          <a:ln>
-            <a:noFill/>
-          </a:ln>
-          <a:extLst>
-            <a:ext uri="{909E8E84-426E-40DD-AFC4-6F175D3DCCD1}">
-              <a14:hiddenFill xmlns:a14="http://schemas.microsoft.com/office/drawing/2010/main">
-                <a:solidFill>
-                  <a:schemeClr val="accent1"/>
-                </a:solidFill>
-              </a14:hiddenFill>
-            </a:ext>
-            <a:ext uri="{91240B29-F687-4F45-9708-019B960494DF}">
-              <a14:hiddenLine xmlns:a14="http://schemas.microsoft.com/office/drawing/2010/main" w="9525">
-                <a:solidFill>
-                  <a:schemeClr val="tx1"/>
-                </a:solidFill>
-                <a:miter lim="800000"/>
-                <a:headEnd/>
-                <a:tailEnd/>
-              </a14:hiddenLine>
-            </a:ext>
-          </a:extLst>
-        </p:spPr>
-      </p:pic>
-      <p:pic>
-        <p:nvPicPr>
-          <p:cNvPr id="3076" name="Picture 4"/>
-          <p:cNvPicPr>
-            <a:picLocks noChangeAspect="1" noChangeArrowheads="1"/>
-          </p:cNvPicPr>
-          <p:nvPr/>
-        </p:nvPicPr>
-        <p:blipFill>
-          <a:blip r:embed="rId4" cstate="print">
-            <a:extLst>
-              <a:ext uri="{28A0092B-C50C-407E-A947-70E740481C1C}">
-                <a14:useLocalDpi xmlns:a14="http://schemas.microsoft.com/office/drawing/2010/main" val="0"/>
-              </a:ext>
-            </a:extLst>
-          </a:blip>
-          <a:srcRect/>
-          <a:stretch>
-            <a:fillRect/>
-          </a:stretch>
-        </p:blipFill>
-        <p:spPr bwMode="auto">
-          <a:xfrm>
-            <a:off x="3046756" y="5661248"/>
-            <a:ext cx="1126382" cy="253883"/>
-          </a:xfrm>
-          <a:prstGeom prst="rect">
-            <a:avLst/>
-          </a:prstGeom>
-          <a:noFill/>
-          <a:ln>
-            <a:noFill/>
-          </a:ln>
-          <a:extLst>
-            <a:ext uri="{909E8E84-426E-40DD-AFC4-6F175D3DCCD1}">
-              <a14:hiddenFill xmlns:a14="http://schemas.microsoft.com/office/drawing/2010/main">
-                <a:solidFill>
-                  <a:schemeClr val="accent1"/>
-                </a:solidFill>
-              </a14:hiddenFill>
-            </a:ext>
-            <a:ext uri="{91240B29-F687-4F45-9708-019B960494DF}">
-              <a14:hiddenLine xmlns:a14="http://schemas.microsoft.com/office/drawing/2010/main" w="9525">
-                <a:solidFill>
-                  <a:schemeClr val="tx1"/>
-                </a:solidFill>
-                <a:miter lim="800000"/>
-                <a:headEnd/>
-                <a:tailEnd/>
-              </a14:hiddenLine>
-            </a:ext>
-          </a:extLst>
-        </p:spPr>
-      </p:pic>
-      <p:pic>
-        <p:nvPicPr>
-          <p:cNvPr id="19" name="Picture 3"/>
-          <p:cNvPicPr>
-            <a:picLocks noChangeAspect="1" noChangeArrowheads="1"/>
-          </p:cNvPicPr>
-          <p:nvPr/>
-        </p:nvPicPr>
-        <p:blipFill>
-          <a:blip r:embed="rId5" cstate="print">
-            <a:extLst>
-              <a:ext uri="{28A0092B-C50C-407E-A947-70E740481C1C}">
-                <a14:useLocalDpi xmlns:a14="http://schemas.microsoft.com/office/drawing/2010/main" val="0"/>
-              </a:ext>
-            </a:extLst>
-          </a:blip>
-          <a:srcRect/>
-          <a:stretch>
-            <a:fillRect/>
-          </a:stretch>
-        </p:blipFill>
-        <p:spPr bwMode="auto">
-          <a:xfrm>
-            <a:off x="461256" y="3264967"/>
-            <a:ext cx="1878496" cy="1048146"/>
-          </a:xfrm>
-          <a:prstGeom prst="rect">
-            <a:avLst/>
-          </a:prstGeom>
-          <a:noFill/>
-          <a:ln>
-            <a:noFill/>
-          </a:ln>
-          <a:extLst>
-            <a:ext uri="{909E8E84-426E-40DD-AFC4-6F175D3DCCD1}">
-              <a14:hiddenFill xmlns:a14="http://schemas.microsoft.com/office/drawing/2010/main">
-                <a:solidFill>
-                  <a:schemeClr val="accent1"/>
-                </a:solidFill>
-              </a14:hiddenFill>
-            </a:ext>
-            <a:ext uri="{91240B29-F687-4F45-9708-019B960494DF}">
-              <a14:hiddenLine xmlns:a14="http://schemas.microsoft.com/office/drawing/2010/main" w="9525">
-                <a:solidFill>
-                  <a:schemeClr val="tx1"/>
-                </a:solidFill>
-                <a:miter lim="800000"/>
-                <a:headEnd/>
-                <a:tailEnd/>
-              </a14:hiddenLine>
-            </a:ext>
-          </a:extLst>
-        </p:spPr>
-      </p:pic>
-      <p:cxnSp>
-        <p:nvCxnSpPr>
-          <p:cNvPr id="10" name="Gerade Verbindung mit Pfeil 9"/>
-          <p:cNvCxnSpPr/>
-          <p:nvPr/>
-        </p:nvCxnSpPr>
-        <p:spPr>
-          <a:xfrm flipV="1">
-            <a:off x="2339752" y="2636912"/>
-            <a:ext cx="648072" cy="694960"/>
-          </a:xfrm>
-          <a:prstGeom prst="straightConnector1">
-            <a:avLst/>
-          </a:prstGeom>
-          <a:ln>
-            <a:solidFill>
-              <a:schemeClr val="tx1"/>
-            </a:solidFill>
-            <a:tailEnd type="arrow"/>
-          </a:ln>
-        </p:spPr>
-        <p:style>
-          <a:lnRef idx="1">
-            <a:schemeClr val="accent1"/>
-          </a:lnRef>
-          <a:fillRef idx="0">
-            <a:schemeClr val="accent1"/>
-          </a:fillRef>
-          <a:effectRef idx="0">
-            <a:schemeClr val="accent1"/>
-          </a:effectRef>
-          <a:fontRef idx="minor">
-            <a:schemeClr val="tx1"/>
-          </a:fontRef>
-        </p:style>
-      </p:cxnSp>
-      <p:cxnSp>
-        <p:nvCxnSpPr>
-          <p:cNvPr id="12" name="Gerade Verbindung mit Pfeil 11"/>
-          <p:cNvCxnSpPr/>
-          <p:nvPr/>
-        </p:nvCxnSpPr>
-        <p:spPr>
-          <a:xfrm>
-            <a:off x="2339752" y="4005064"/>
-            <a:ext cx="504056" cy="144016"/>
-          </a:xfrm>
-          <a:prstGeom prst="straightConnector1">
-            <a:avLst/>
-          </a:prstGeom>
-          <a:ln>
-            <a:solidFill>
-              <a:schemeClr val="tx1"/>
-            </a:solidFill>
-            <a:tailEnd type="arrow"/>
-          </a:ln>
-        </p:spPr>
-        <p:style>
-          <a:lnRef idx="1">
-            <a:schemeClr val="accent1"/>
-          </a:lnRef>
-          <a:fillRef idx="0">
-            <a:schemeClr val="accent1"/>
-          </a:fillRef>
-          <a:effectRef idx="0">
-            <a:schemeClr val="accent1"/>
-          </a:effectRef>
-          <a:fontRef idx="minor">
-            <a:schemeClr val="tx1"/>
-          </a:fontRef>
-        </p:style>
-      </p:cxnSp>
-      <p:pic>
-        <p:nvPicPr>
-          <p:cNvPr id="3078" name="Picture 6"/>
-          <p:cNvPicPr>
-            <a:picLocks noChangeAspect="1" noChangeArrowheads="1"/>
-          </p:cNvPicPr>
-          <p:nvPr/>
-        </p:nvPicPr>
-        <p:blipFill>
-          <a:blip r:embed="rId6" cstate="print">
-            <a:extLst>
-              <a:ext uri="{28A0092B-C50C-407E-A947-70E740481C1C}">
-                <a14:useLocalDpi xmlns:a14="http://schemas.microsoft.com/office/drawing/2010/main" val="0"/>
-              </a:ext>
-            </a:extLst>
-          </a:blip>
-          <a:srcRect/>
-          <a:stretch>
-            <a:fillRect/>
-          </a:stretch>
-        </p:blipFill>
-        <p:spPr bwMode="auto">
-          <a:xfrm>
-            <a:off x="3047004" y="3789040"/>
-            <a:ext cx="5886220" cy="1495623"/>
-          </a:xfrm>
-          <a:prstGeom prst="rect">
-            <a:avLst/>
-          </a:prstGeom>
-          <a:noFill/>
-          <a:ln>
-            <a:noFill/>
-          </a:ln>
-          <a:extLst>
-            <a:ext uri="{909E8E84-426E-40DD-AFC4-6F175D3DCCD1}">
-              <a14:hiddenFill xmlns:a14="http://schemas.microsoft.com/office/drawing/2010/main">
-                <a:solidFill>
-                  <a:schemeClr val="accent1"/>
-                </a:solidFill>
-              </a14:hiddenFill>
-            </a:ext>
-            <a:ext uri="{91240B29-F687-4F45-9708-019B960494DF}">
-              <a14:hiddenLine xmlns:a14="http://schemas.microsoft.com/office/drawing/2010/main" w="9525">
-                <a:solidFill>
-                  <a:schemeClr val="tx1"/>
-                </a:solidFill>
-                <a:miter lim="800000"/>
-                <a:headEnd/>
-                <a:tailEnd/>
-              </a14:hiddenLine>
-            </a:ext>
-          </a:extLst>
-        </p:spPr>
-      </p:pic>
     </p:spTree>
     <p:extLst>
       <p:ext uri="{BB962C8B-B14F-4D97-AF65-F5344CB8AC3E}">
-        <p14:creationId xmlns:p14="http://schemas.microsoft.com/office/powerpoint/2010/main" val="2631561151"/>
+        <p14:creationId xmlns:p14="http://schemas.microsoft.com/office/powerpoint/2010/main" xmlns="" val="2631561151"/>
       </p:ext>
     </p:extLst>
   </p:cSld>
   <p:clrMapOvr>
     <a:masterClrMapping/>
   </p:clrMapOvr>
-  <mc:AlternateContent xmlns:mc="http://schemas.openxmlformats.org/markup-compatibility/2006" xmlns:p14="http://schemas.microsoft.com/office/powerpoint/2010/main">
-    <mc:Choice Requires="p14">
+  <mc:AlternateContent xmlns:mc="http://schemas.openxmlformats.org/markup-compatibility/2006">
+    <mc:Choice xmlns:p14="http://schemas.microsoft.com/office/powerpoint/2010/main" xmlns="" Requires="p14">
       <p:transition spd="slow" p14:dur="2000"/>
     </mc:Choice>
-    <mc:Fallback xmlns="">
+    <mc:Fallback>
       <p:transition spd="slow"/>
     </mc:Fallback>
   </mc:AlternateContent>
@@ -25495,7 +25500,177 @@
       </p:sp>
       <p:sp>
         <p:nvSpPr>
-          <p:cNvPr id="7" name="Rechteck 6"/>
+          <p:cNvPr id="17" name="Inhaltsplatzhalter 1"/>
+          <p:cNvSpPr>
+            <a:spLocks noGrp="1"/>
+          </p:cNvSpPr>
+          <p:nvPr>
+            <p:ph idx="1"/>
+          </p:nvPr>
+        </p:nvSpPr>
+        <p:spPr>
+          <a:xfrm>
+            <a:off x="457200" y="980728"/>
+            <a:ext cx="8229600" cy="5145435"/>
+          </a:xfrm>
+        </p:spPr>
+        <p:txBody>
+          <a:bodyPr>
+            <a:normAutofit/>
+          </a:bodyPr>
+          <a:lstStyle/>
+          <a:p>
+            <a:pPr marL="0" indent="0">
+              <a:buNone/>
+            </a:pPr>
+            <a:r>
+              <a:rPr lang="de-DE" sz="3200" smtClean="0"/>
+              <a:t>Definition Massen- und Steifigkeitsmatrix</a:t>
+            </a:r>
+          </a:p>
+          <a:p>
+            <a:pPr marL="0" indent="0">
+              <a:buNone/>
+            </a:pPr>
+            <a:endParaRPr lang="de-DE" sz="3200"/>
+          </a:p>
+          <a:p>
+            <a:pPr marL="0" indent="0">
+              <a:buNone/>
+            </a:pPr>
+            <a:endParaRPr lang="de-DE" sz="3200"/>
+          </a:p>
+          <a:p>
+            <a:pPr marL="0" indent="0">
+              <a:buNone/>
+            </a:pPr>
+            <a:endParaRPr lang="de-DE" sz="3200" smtClean="0"/>
+          </a:p>
+          <a:p>
+            <a:pPr marL="0" indent="0">
+              <a:buNone/>
+            </a:pPr>
+            <a:endParaRPr lang="de-DE" sz="3200"/>
+          </a:p>
+          <a:p>
+            <a:endParaRPr lang="de-DE" smtClean="0"/>
+          </a:p>
+          <a:p>
+            <a:endParaRPr lang="de-DE" i="1" smtClean="0"/>
+          </a:p>
+        </p:txBody>
+      </p:sp>
+      <p:pic>
+        <p:nvPicPr>
+          <p:cNvPr id="4098" name="Picture 2"/>
+          <p:cNvPicPr>
+            <a:picLocks noChangeAspect="1" noChangeArrowheads="1"/>
+          </p:cNvPicPr>
+          <p:nvPr/>
+        </p:nvPicPr>
+        <p:blipFill>
+          <a:blip r:embed="rId3" cstate="print">
+            <a:extLst>
+              <a:ext uri="{28A0092B-C50C-407E-A947-70E740481C1C}">
+                <a14:useLocalDpi xmlns:a14="http://schemas.microsoft.com/office/drawing/2010/main" xmlns="" val="0"/>
+              </a:ext>
+            </a:extLst>
+          </a:blip>
+          <a:srcRect/>
+          <a:stretch>
+            <a:fillRect/>
+          </a:stretch>
+        </p:blipFill>
+        <p:spPr bwMode="auto">
+          <a:xfrm>
+            <a:off x="1043608" y="2130706"/>
+            <a:ext cx="5868144" cy="520139"/>
+          </a:xfrm>
+          <a:prstGeom prst="rect">
+            <a:avLst/>
+          </a:prstGeom>
+          <a:noFill/>
+          <a:ln>
+            <a:noFill/>
+          </a:ln>
+          <a:extLst>
+            <a:ext uri="{909E8E84-426E-40DD-AFC4-6F175D3DCCD1}">
+              <a14:hiddenFill xmlns:a14="http://schemas.microsoft.com/office/drawing/2010/main" xmlns="">
+                <a:solidFill>
+                  <a:schemeClr val="accent1"/>
+                </a:solidFill>
+              </a14:hiddenFill>
+            </a:ext>
+            <a:ext uri="{91240B29-F687-4F45-9708-019B960494DF}">
+              <a14:hiddenLine xmlns:a14="http://schemas.microsoft.com/office/drawing/2010/main" xmlns="" w="9525">
+                <a:solidFill>
+                  <a:schemeClr val="tx1"/>
+                </a:solidFill>
+                <a:miter lim="800000"/>
+                <a:headEnd/>
+                <a:tailEnd/>
+              </a14:hiddenLine>
+            </a:ext>
+          </a:extLst>
+        </p:spPr>
+      </p:pic>
+      <p:pic>
+        <p:nvPicPr>
+          <p:cNvPr id="4100" name="Picture 4"/>
+          <p:cNvPicPr>
+            <a:picLocks noChangeAspect="1" noChangeArrowheads="1"/>
+          </p:cNvPicPr>
+          <p:nvPr/>
+        </p:nvPicPr>
+        <p:blipFill>
+          <a:blip r:embed="rId4" cstate="print">
+            <a:extLst>
+              <a:ext uri="{28A0092B-C50C-407E-A947-70E740481C1C}">
+                <a14:useLocalDpi xmlns:a14="http://schemas.microsoft.com/office/drawing/2010/main" xmlns="" val="0"/>
+              </a:ext>
+            </a:extLst>
+          </a:blip>
+          <a:srcRect/>
+          <a:stretch>
+            <a:fillRect/>
+          </a:stretch>
+        </p:blipFill>
+        <p:spPr bwMode="auto">
+          <a:xfrm>
+            <a:off x="1043608" y="3356992"/>
+            <a:ext cx="4635869" cy="544575"/>
+          </a:xfrm>
+          <a:prstGeom prst="rect">
+            <a:avLst/>
+          </a:prstGeom>
+          <a:noFill/>
+          <a:ln>
+            <a:noFill/>
+          </a:ln>
+          <a:extLst>
+            <a:ext uri="{909E8E84-426E-40DD-AFC4-6F175D3DCCD1}">
+              <a14:hiddenFill xmlns:a14="http://schemas.microsoft.com/office/drawing/2010/main" xmlns="">
+                <a:solidFill>
+                  <a:schemeClr val="accent1"/>
+                </a:solidFill>
+              </a14:hiddenFill>
+            </a:ext>
+            <a:ext uri="{91240B29-F687-4F45-9708-019B960494DF}">
+              <a14:hiddenLine xmlns:a14="http://schemas.microsoft.com/office/drawing/2010/main" xmlns="" w="9525">
+                <a:solidFill>
+                  <a:schemeClr val="tx1"/>
+                </a:solidFill>
+                <a:miter lim="800000"/>
+                <a:headEnd/>
+                <a:tailEnd/>
+              </a14:hiddenLine>
+            </a:ext>
+          </a:extLst>
+        </p:spPr>
+      </p:pic>
+      <p:sp>
+        <p:nvSpPr>
+          <p:cNvPr id="10" name="Rechteck 9"/>
           <p:cNvSpPr/>
           <p:nvPr/>
         </p:nvSpPr>
@@ -25559,7 +25734,7 @@
       </p:sp>
       <p:sp>
         <p:nvSpPr>
-          <p:cNvPr id="8" name="Textfeld 7"/>
+          <p:cNvPr id="11" name="Textfeld 10"/>
           <p:cNvSpPr txBox="1"/>
           <p:nvPr/>
         </p:nvSpPr>
@@ -25581,7 +25756,7 @@
           <a:p>
             <a:pPr algn="ctr"/>
             <a:r>
-              <a:rPr lang="de-DE" sz="1600" smtClean="0">
+              <a:rPr lang="de-DE" sz="1600" dirty="0" smtClean="0">
                 <a:solidFill>
                   <a:schemeClr val="accent5">
                     <a:lumMod val="50000"/>
@@ -25590,19 +25765,37 @@
                 <a:latin typeface="Adobe Arabic" pitchFamily="18" charset="-78"/>
                 <a:cs typeface="Adobe Arabic" pitchFamily="18" charset="-78"/>
               </a:rPr>
-              <a:t>2. </a:t>
-            </a:r>
-            <a:r>
-              <a:rPr lang="de-DE" sz="1600" smtClean="0">
+              <a:t>4. </a:t>
+            </a:r>
+            <a:r>
+              <a:rPr lang="de-DE" sz="1600" dirty="0" smtClean="0">
                 <a:latin typeface="Adobe Arabic" pitchFamily="18" charset="-78"/>
                 <a:cs typeface="Adobe Arabic" pitchFamily="18" charset="-78"/>
               </a:rPr>
-              <a:t>DG-Verfahren</a:t>
-            </a:r>
+              <a:t>Schema : </a:t>
+            </a:r>
+            <a:r>
+              <a:rPr lang="de-DE" sz="1600" dirty="0" err="1" smtClean="0">
+                <a:latin typeface="Adobe Arabic" pitchFamily="18" charset="-78"/>
+                <a:cs typeface="Adobe Arabic" pitchFamily="18" charset="-78"/>
+              </a:rPr>
+              <a:t>LvN</a:t>
+            </a:r>
+            <a:r>
+              <a:rPr lang="de-DE" sz="1600" dirty="0" smtClean="0">
+                <a:latin typeface="Adobe Arabic" pitchFamily="18" charset="-78"/>
+                <a:cs typeface="Adobe Arabic" pitchFamily="18" charset="-78"/>
+              </a:rPr>
+              <a:t>-Gleichung</a:t>
+            </a:r>
+            <a:endParaRPr lang="de-DE" sz="1600" dirty="0" smtClean="0">
+              <a:latin typeface="Adobe Arabic" pitchFamily="18" charset="-78"/>
+              <a:cs typeface="Adobe Arabic" pitchFamily="18" charset="-78"/>
+            </a:endParaRPr>
           </a:p>
           <a:p>
             <a:pPr algn="ctr"/>
-            <a:endParaRPr lang="de-DE" sz="1600">
+            <a:endParaRPr lang="de-DE" sz="1600" dirty="0">
               <a:solidFill>
                 <a:schemeClr val="accent5">
                   <a:lumMod val="50000"/>
@@ -25614,191 +25807,21 @@
           </a:p>
         </p:txBody>
       </p:sp>
-      <p:sp>
-        <p:nvSpPr>
-          <p:cNvPr id="17" name="Inhaltsplatzhalter 1"/>
-          <p:cNvSpPr>
-            <a:spLocks noGrp="1"/>
-          </p:cNvSpPr>
-          <p:nvPr>
-            <p:ph idx="1"/>
-          </p:nvPr>
-        </p:nvSpPr>
-        <p:spPr>
-          <a:xfrm>
-            <a:off x="457200" y="980728"/>
-            <a:ext cx="8229600" cy="5145435"/>
-          </a:xfrm>
-        </p:spPr>
-        <p:txBody>
-          <a:bodyPr>
-            <a:normAutofit/>
-          </a:bodyPr>
-          <a:lstStyle/>
-          <a:p>
-            <a:pPr marL="0" indent="0">
-              <a:buNone/>
-            </a:pPr>
-            <a:r>
-              <a:rPr lang="de-DE" sz="3200" smtClean="0"/>
-              <a:t>Definition Massen- und Steifigkeitsmatrix</a:t>
-            </a:r>
-          </a:p>
-          <a:p>
-            <a:pPr marL="0" indent="0">
-              <a:buNone/>
-            </a:pPr>
-            <a:endParaRPr lang="de-DE" sz="3200"/>
-          </a:p>
-          <a:p>
-            <a:pPr marL="0" indent="0">
-              <a:buNone/>
-            </a:pPr>
-            <a:endParaRPr lang="de-DE" sz="3200"/>
-          </a:p>
-          <a:p>
-            <a:pPr marL="0" indent="0">
-              <a:buNone/>
-            </a:pPr>
-            <a:endParaRPr lang="de-DE" sz="3200" smtClean="0"/>
-          </a:p>
-          <a:p>
-            <a:pPr marL="0" indent="0">
-              <a:buNone/>
-            </a:pPr>
-            <a:endParaRPr lang="de-DE" sz="3200"/>
-          </a:p>
-          <a:p>
-            <a:endParaRPr lang="de-DE" smtClean="0"/>
-          </a:p>
-          <a:p>
-            <a:endParaRPr lang="de-DE" i="1" smtClean="0"/>
-          </a:p>
-        </p:txBody>
-      </p:sp>
-      <p:pic>
-        <p:nvPicPr>
-          <p:cNvPr id="4098" name="Picture 2"/>
-          <p:cNvPicPr>
-            <a:picLocks noChangeAspect="1" noChangeArrowheads="1"/>
-          </p:cNvPicPr>
-          <p:nvPr/>
-        </p:nvPicPr>
-        <p:blipFill>
-          <a:blip r:embed="rId3" cstate="print">
-            <a:extLst>
-              <a:ext uri="{28A0092B-C50C-407E-A947-70E740481C1C}">
-                <a14:useLocalDpi xmlns:a14="http://schemas.microsoft.com/office/drawing/2010/main" val="0"/>
-              </a:ext>
-            </a:extLst>
-          </a:blip>
-          <a:srcRect/>
-          <a:stretch>
-            <a:fillRect/>
-          </a:stretch>
-        </p:blipFill>
-        <p:spPr bwMode="auto">
-          <a:xfrm>
-            <a:off x="1043608" y="2130706"/>
-            <a:ext cx="5868144" cy="520139"/>
-          </a:xfrm>
-          <a:prstGeom prst="rect">
-            <a:avLst/>
-          </a:prstGeom>
-          <a:noFill/>
-          <a:ln>
-            <a:noFill/>
-          </a:ln>
-          <a:extLst>
-            <a:ext uri="{909E8E84-426E-40DD-AFC4-6F175D3DCCD1}">
-              <a14:hiddenFill xmlns:a14="http://schemas.microsoft.com/office/drawing/2010/main">
-                <a:solidFill>
-                  <a:schemeClr val="accent1"/>
-                </a:solidFill>
-              </a14:hiddenFill>
-            </a:ext>
-            <a:ext uri="{91240B29-F687-4F45-9708-019B960494DF}">
-              <a14:hiddenLine xmlns:a14="http://schemas.microsoft.com/office/drawing/2010/main" w="9525">
-                <a:solidFill>
-                  <a:schemeClr val="tx1"/>
-                </a:solidFill>
-                <a:miter lim="800000"/>
-                <a:headEnd/>
-                <a:tailEnd/>
-              </a14:hiddenLine>
-            </a:ext>
-          </a:extLst>
-        </p:spPr>
-      </p:pic>
-      <p:pic>
-        <p:nvPicPr>
-          <p:cNvPr id="4100" name="Picture 4"/>
-          <p:cNvPicPr>
-            <a:picLocks noChangeAspect="1" noChangeArrowheads="1"/>
-          </p:cNvPicPr>
-          <p:nvPr/>
-        </p:nvPicPr>
-        <p:blipFill>
-          <a:blip r:embed="rId4" cstate="print">
-            <a:extLst>
-              <a:ext uri="{28A0092B-C50C-407E-A947-70E740481C1C}">
-                <a14:useLocalDpi xmlns:a14="http://schemas.microsoft.com/office/drawing/2010/main" val="0"/>
-              </a:ext>
-            </a:extLst>
-          </a:blip>
-          <a:srcRect/>
-          <a:stretch>
-            <a:fillRect/>
-          </a:stretch>
-        </p:blipFill>
-        <p:spPr bwMode="auto">
-          <a:xfrm>
-            <a:off x="1043608" y="3356992"/>
-            <a:ext cx="4635869" cy="544575"/>
-          </a:xfrm>
-          <a:prstGeom prst="rect">
-            <a:avLst/>
-          </a:prstGeom>
-          <a:noFill/>
-          <a:ln>
-            <a:noFill/>
-          </a:ln>
-          <a:extLst>
-            <a:ext uri="{909E8E84-426E-40DD-AFC4-6F175D3DCCD1}">
-              <a14:hiddenFill xmlns:a14="http://schemas.microsoft.com/office/drawing/2010/main">
-                <a:solidFill>
-                  <a:schemeClr val="accent1"/>
-                </a:solidFill>
-              </a14:hiddenFill>
-            </a:ext>
-            <a:ext uri="{91240B29-F687-4F45-9708-019B960494DF}">
-              <a14:hiddenLine xmlns:a14="http://schemas.microsoft.com/office/drawing/2010/main" w="9525">
-                <a:solidFill>
-                  <a:schemeClr val="tx1"/>
-                </a:solidFill>
-                <a:miter lim="800000"/>
-                <a:headEnd/>
-                <a:tailEnd/>
-              </a14:hiddenLine>
-            </a:ext>
-          </a:extLst>
-        </p:spPr>
-      </p:pic>
     </p:spTree>
     <p:extLst>
       <p:ext uri="{BB962C8B-B14F-4D97-AF65-F5344CB8AC3E}">
-        <p14:creationId xmlns:p14="http://schemas.microsoft.com/office/powerpoint/2010/main" val="2655658885"/>
+        <p14:creationId xmlns:p14="http://schemas.microsoft.com/office/powerpoint/2010/main" xmlns="" val="2655658885"/>
       </p:ext>
     </p:extLst>
   </p:cSld>
   <p:clrMapOvr>
     <a:masterClrMapping/>
   </p:clrMapOvr>
-  <mc:AlternateContent xmlns:mc="http://schemas.openxmlformats.org/markup-compatibility/2006" xmlns:p14="http://schemas.microsoft.com/office/powerpoint/2010/main">
-    <mc:Choice Requires="p14">
+  <mc:AlternateContent xmlns:mc="http://schemas.openxmlformats.org/markup-compatibility/2006">
+    <mc:Choice xmlns:p14="http://schemas.microsoft.com/office/powerpoint/2010/main" xmlns="" Requires="p14">
       <p:transition spd="slow" p14:dur="2000"/>
     </mc:Choice>
-    <mc:Fallback xmlns="">
+    <mc:Fallback>
       <p:transition spd="slow"/>
     </mc:Fallback>
   </mc:AlternateContent>
@@ -25901,127 +25924,6 @@
       </p:sp>
       <p:sp>
         <p:nvSpPr>
-          <p:cNvPr id="7" name="Rechteck 6"/>
-          <p:cNvSpPr/>
-          <p:nvPr/>
-        </p:nvSpPr>
-        <p:spPr>
-          <a:xfrm>
-            <a:off x="6588224" y="72008"/>
-            <a:ext cx="2483768" cy="260648"/>
-          </a:xfrm>
-          <a:prstGeom prst="rect">
-            <a:avLst/>
-          </a:prstGeom>
-          <a:solidFill>
-            <a:srgbClr val="92D050"/>
-          </a:solidFill>
-          <a:ln>
-            <a:noFill/>
-          </a:ln>
-          <a:effectLst>
-            <a:outerShdw blurRad="44450" dist="27940" dir="5400000" algn="ctr">
-              <a:srgbClr val="000000">
-                <a:alpha val="32000"/>
-              </a:srgbClr>
-            </a:outerShdw>
-          </a:effectLst>
-          <a:scene3d>
-            <a:camera prst="orthographicFront">
-              <a:rot lat="0" lon="0" rev="0"/>
-            </a:camera>
-            <a:lightRig rig="balanced" dir="t">
-              <a:rot lat="0" lon="0" rev="8700000"/>
-            </a:lightRig>
-          </a:scene3d>
-          <a:sp3d>
-            <a:bevelT w="190500" h="38100"/>
-          </a:sp3d>
-        </p:spPr>
-        <p:style>
-          <a:lnRef idx="2">
-            <a:schemeClr val="accent1">
-              <a:shade val="50000"/>
-            </a:schemeClr>
-          </a:lnRef>
-          <a:fillRef idx="1">
-            <a:schemeClr val="accent1"/>
-          </a:fillRef>
-          <a:effectRef idx="0">
-            <a:schemeClr val="accent1"/>
-          </a:effectRef>
-          <a:fontRef idx="minor">
-            <a:schemeClr val="lt1"/>
-          </a:fontRef>
-        </p:style>
-        <p:txBody>
-          <a:bodyPr rtlCol="0" anchor="ctr"/>
-          <a:lstStyle/>
-          <a:p>
-            <a:pPr algn="ctr"/>
-            <a:endParaRPr lang="de-DE"/>
-          </a:p>
-        </p:txBody>
-      </p:sp>
-      <p:sp>
-        <p:nvSpPr>
-          <p:cNvPr id="8" name="Textfeld 7"/>
-          <p:cNvSpPr txBox="1"/>
-          <p:nvPr/>
-        </p:nvSpPr>
-        <p:spPr>
-          <a:xfrm>
-            <a:off x="6586695" y="35913"/>
-            <a:ext cx="2521809" cy="584775"/>
-          </a:xfrm>
-          <a:prstGeom prst="rect">
-            <a:avLst/>
-          </a:prstGeom>
-          <a:noFill/>
-        </p:spPr>
-        <p:txBody>
-          <a:bodyPr wrap="square" rtlCol="0">
-            <a:spAutoFit/>
-          </a:bodyPr>
-          <a:lstStyle/>
-          <a:p>
-            <a:pPr algn="ctr"/>
-            <a:r>
-              <a:rPr lang="de-DE" sz="1600" smtClean="0">
-                <a:solidFill>
-                  <a:schemeClr val="accent5">
-                    <a:lumMod val="50000"/>
-                  </a:schemeClr>
-                </a:solidFill>
-                <a:latin typeface="Adobe Arabic" pitchFamily="18" charset="-78"/>
-                <a:cs typeface="Adobe Arabic" pitchFamily="18" charset="-78"/>
-              </a:rPr>
-              <a:t>2. </a:t>
-            </a:r>
-            <a:r>
-              <a:rPr lang="de-DE" sz="1600" smtClean="0">
-                <a:latin typeface="Adobe Arabic" pitchFamily="18" charset="-78"/>
-                <a:cs typeface="Adobe Arabic" pitchFamily="18" charset="-78"/>
-              </a:rPr>
-              <a:t>DG-Verfahren</a:t>
-            </a:r>
-          </a:p>
-          <a:p>
-            <a:pPr algn="ctr"/>
-            <a:endParaRPr lang="de-DE" sz="1600">
-              <a:solidFill>
-                <a:schemeClr val="accent5">
-                  <a:lumMod val="50000"/>
-                </a:schemeClr>
-              </a:solidFill>
-              <a:latin typeface="Adobe Arabic" pitchFamily="18" charset="-78"/>
-              <a:cs typeface="Adobe Arabic" pitchFamily="18" charset="-78"/>
-            </a:endParaRPr>
-          </a:p>
-        </p:txBody>
-      </p:sp>
-      <p:sp>
-        <p:nvSpPr>
           <p:cNvPr id="17" name="Inhaltsplatzhalter 1"/>
           <p:cNvSpPr>
             <a:spLocks noGrp="1"/>
@@ -26137,10 +26039,10 @@
           <p:nvPr/>
         </p:nvPicPr>
         <p:blipFill>
-          <a:blip r:embed="rId3">
+          <a:blip r:embed="rId3" cstate="print">
             <a:extLst>
               <a:ext uri="{28A0092B-C50C-407E-A947-70E740481C1C}">
-                <a14:useLocalDpi xmlns:a14="http://schemas.microsoft.com/office/drawing/2010/main" val="0"/>
+                <a14:useLocalDpi xmlns:a14="http://schemas.microsoft.com/office/drawing/2010/main" xmlns="" val="0"/>
               </a:ext>
             </a:extLst>
           </a:blip>
@@ -26163,14 +26065,14 @@
           </a:ln>
           <a:extLst>
             <a:ext uri="{909E8E84-426E-40DD-AFC4-6F175D3DCCD1}">
-              <a14:hiddenFill xmlns:a14="http://schemas.microsoft.com/office/drawing/2010/main">
+              <a14:hiddenFill xmlns:a14="http://schemas.microsoft.com/office/drawing/2010/main" xmlns="">
                 <a:solidFill>
                   <a:schemeClr val="accent1"/>
                 </a:solidFill>
               </a14:hiddenFill>
             </a:ext>
             <a:ext uri="{91240B29-F687-4F45-9708-019B960494DF}">
-              <a14:hiddenLine xmlns:a14="http://schemas.microsoft.com/office/drawing/2010/main" w="9525">
+              <a14:hiddenLine xmlns:a14="http://schemas.microsoft.com/office/drawing/2010/main" xmlns="" w="9525">
                 <a:solidFill>
                   <a:schemeClr val="tx1"/>
                 </a:solidFill>
@@ -26191,10 +26093,10 @@
           <p:nvPr/>
         </p:nvPicPr>
         <p:blipFill>
-          <a:blip r:embed="rId4">
+          <a:blip r:embed="rId4" cstate="print">
             <a:extLst>
               <a:ext uri="{28A0092B-C50C-407E-A947-70E740481C1C}">
-                <a14:useLocalDpi xmlns:a14="http://schemas.microsoft.com/office/drawing/2010/main" val="0"/>
+                <a14:useLocalDpi xmlns:a14="http://schemas.microsoft.com/office/drawing/2010/main" xmlns="" val="0"/>
               </a:ext>
             </a:extLst>
           </a:blip>
@@ -26217,14 +26119,14 @@
           </a:ln>
           <a:extLst>
             <a:ext uri="{909E8E84-426E-40DD-AFC4-6F175D3DCCD1}">
-              <a14:hiddenFill xmlns:a14="http://schemas.microsoft.com/office/drawing/2010/main">
+              <a14:hiddenFill xmlns:a14="http://schemas.microsoft.com/office/drawing/2010/main" xmlns="">
                 <a:solidFill>
                   <a:schemeClr val="accent1"/>
                 </a:solidFill>
               </a14:hiddenFill>
             </a:ext>
             <a:ext uri="{91240B29-F687-4F45-9708-019B960494DF}">
-              <a14:hiddenLine xmlns:a14="http://schemas.microsoft.com/office/drawing/2010/main" w="9525">
+              <a14:hiddenLine xmlns:a14="http://schemas.microsoft.com/office/drawing/2010/main" xmlns="" w="9525">
                 <a:solidFill>
                   <a:schemeClr val="tx1"/>
                 </a:solidFill>
@@ -26248,7 +26150,7 @@
           <a:blip r:embed="rId5" cstate="print">
             <a:extLst>
               <a:ext uri="{28A0092B-C50C-407E-A947-70E740481C1C}">
-                <a14:useLocalDpi xmlns:a14="http://schemas.microsoft.com/office/drawing/2010/main" val="0"/>
+                <a14:useLocalDpi xmlns:a14="http://schemas.microsoft.com/office/drawing/2010/main" xmlns="" val="0"/>
               </a:ext>
             </a:extLst>
           </a:blip>
@@ -26271,14 +26173,14 @@
           </a:ln>
           <a:extLst>
             <a:ext uri="{909E8E84-426E-40DD-AFC4-6F175D3DCCD1}">
-              <a14:hiddenFill xmlns:a14="http://schemas.microsoft.com/office/drawing/2010/main">
+              <a14:hiddenFill xmlns:a14="http://schemas.microsoft.com/office/drawing/2010/main" xmlns="">
                 <a:solidFill>
                   <a:schemeClr val="accent1"/>
                 </a:solidFill>
               </a14:hiddenFill>
             </a:ext>
             <a:ext uri="{91240B29-F687-4F45-9708-019B960494DF}">
-              <a14:hiddenLine xmlns:a14="http://schemas.microsoft.com/office/drawing/2010/main" w="9525">
+              <a14:hiddenLine xmlns:a14="http://schemas.microsoft.com/office/drawing/2010/main" xmlns="" w="9525">
                 <a:solidFill>
                   <a:schemeClr val="tx1"/>
                 </a:solidFill>
@@ -26302,7 +26204,7 @@
           <a:blip r:embed="rId6" cstate="print">
             <a:extLst>
               <a:ext uri="{28A0092B-C50C-407E-A947-70E740481C1C}">
-                <a14:useLocalDpi xmlns:a14="http://schemas.microsoft.com/office/drawing/2010/main" val="0"/>
+                <a14:useLocalDpi xmlns:a14="http://schemas.microsoft.com/office/drawing/2010/main" xmlns="" val="0"/>
               </a:ext>
             </a:extLst>
           </a:blip>
@@ -26325,14 +26227,14 @@
           </a:ln>
           <a:extLst>
             <a:ext uri="{909E8E84-426E-40DD-AFC4-6F175D3DCCD1}">
-              <a14:hiddenFill xmlns:a14="http://schemas.microsoft.com/office/drawing/2010/main">
+              <a14:hiddenFill xmlns:a14="http://schemas.microsoft.com/office/drawing/2010/main" xmlns="">
                 <a:solidFill>
                   <a:schemeClr val="accent1"/>
                 </a:solidFill>
               </a14:hiddenFill>
             </a:ext>
             <a:ext uri="{91240B29-F687-4F45-9708-019B960494DF}">
-              <a14:hiddenLine xmlns:a14="http://schemas.microsoft.com/office/drawing/2010/main" w="9525">
+              <a14:hiddenLine xmlns:a14="http://schemas.microsoft.com/office/drawing/2010/main" xmlns="" w="9525">
                 <a:solidFill>
                   <a:schemeClr val="tx1"/>
                 </a:solidFill>
@@ -26581,21 +26483,160 @@
           </a:p>
         </p:txBody>
       </p:sp>
+      <p:sp>
+        <p:nvSpPr>
+          <p:cNvPr id="15" name="Rechteck 14"/>
+          <p:cNvSpPr/>
+          <p:nvPr/>
+        </p:nvSpPr>
+        <p:spPr>
+          <a:xfrm>
+            <a:off x="6588224" y="72008"/>
+            <a:ext cx="2483768" cy="260648"/>
+          </a:xfrm>
+          <a:prstGeom prst="rect">
+            <a:avLst/>
+          </a:prstGeom>
+          <a:solidFill>
+            <a:srgbClr val="92D050"/>
+          </a:solidFill>
+          <a:ln>
+            <a:noFill/>
+          </a:ln>
+          <a:effectLst>
+            <a:outerShdw blurRad="44450" dist="27940" dir="5400000" algn="ctr">
+              <a:srgbClr val="000000">
+                <a:alpha val="32000"/>
+              </a:srgbClr>
+            </a:outerShdw>
+          </a:effectLst>
+          <a:scene3d>
+            <a:camera prst="orthographicFront">
+              <a:rot lat="0" lon="0" rev="0"/>
+            </a:camera>
+            <a:lightRig rig="balanced" dir="t">
+              <a:rot lat="0" lon="0" rev="8700000"/>
+            </a:lightRig>
+          </a:scene3d>
+          <a:sp3d>
+            <a:bevelT w="190500" h="38100"/>
+          </a:sp3d>
+        </p:spPr>
+        <p:style>
+          <a:lnRef idx="2">
+            <a:schemeClr val="accent1">
+              <a:shade val="50000"/>
+            </a:schemeClr>
+          </a:lnRef>
+          <a:fillRef idx="1">
+            <a:schemeClr val="accent1"/>
+          </a:fillRef>
+          <a:effectRef idx="0">
+            <a:schemeClr val="accent1"/>
+          </a:effectRef>
+          <a:fontRef idx="minor">
+            <a:schemeClr val="lt1"/>
+          </a:fontRef>
+        </p:style>
+        <p:txBody>
+          <a:bodyPr rtlCol="0" anchor="ctr"/>
+          <a:lstStyle/>
+          <a:p>
+            <a:pPr algn="ctr"/>
+            <a:endParaRPr lang="de-DE"/>
+          </a:p>
+        </p:txBody>
+      </p:sp>
+      <p:sp>
+        <p:nvSpPr>
+          <p:cNvPr id="16" name="Textfeld 15"/>
+          <p:cNvSpPr txBox="1"/>
+          <p:nvPr/>
+        </p:nvSpPr>
+        <p:spPr>
+          <a:xfrm>
+            <a:off x="6586695" y="35913"/>
+            <a:ext cx="2521809" cy="584775"/>
+          </a:xfrm>
+          <a:prstGeom prst="rect">
+            <a:avLst/>
+          </a:prstGeom>
+          <a:noFill/>
+        </p:spPr>
+        <p:txBody>
+          <a:bodyPr wrap="square" rtlCol="0">
+            <a:spAutoFit/>
+          </a:bodyPr>
+          <a:lstStyle/>
+          <a:p>
+            <a:pPr algn="ctr"/>
+            <a:r>
+              <a:rPr lang="de-DE" sz="1600" dirty="0" smtClean="0">
+                <a:solidFill>
+                  <a:schemeClr val="accent5">
+                    <a:lumMod val="50000"/>
+                  </a:schemeClr>
+                </a:solidFill>
+                <a:latin typeface="Adobe Arabic" pitchFamily="18" charset="-78"/>
+                <a:cs typeface="Adobe Arabic" pitchFamily="18" charset="-78"/>
+              </a:rPr>
+              <a:t>4. </a:t>
+            </a:r>
+            <a:r>
+              <a:rPr lang="de-DE" sz="1600" dirty="0" smtClean="0">
+                <a:latin typeface="Adobe Arabic" pitchFamily="18" charset="-78"/>
+                <a:cs typeface="Adobe Arabic" pitchFamily="18" charset="-78"/>
+              </a:rPr>
+              <a:t>Schema : </a:t>
+            </a:r>
+            <a:r>
+              <a:rPr lang="de-DE" sz="1600" dirty="0" err="1" smtClean="0">
+                <a:latin typeface="Adobe Arabic" pitchFamily="18" charset="-78"/>
+                <a:cs typeface="Adobe Arabic" pitchFamily="18" charset="-78"/>
+              </a:rPr>
+              <a:t>LvN</a:t>
+            </a:r>
+            <a:r>
+              <a:rPr lang="de-DE" sz="1600" dirty="0" smtClean="0">
+                <a:latin typeface="Adobe Arabic" pitchFamily="18" charset="-78"/>
+                <a:cs typeface="Adobe Arabic" pitchFamily="18" charset="-78"/>
+              </a:rPr>
+              <a:t>-Gleichung</a:t>
+            </a:r>
+            <a:endParaRPr lang="de-DE" sz="1600" dirty="0" smtClean="0">
+              <a:latin typeface="Adobe Arabic" pitchFamily="18" charset="-78"/>
+              <a:cs typeface="Adobe Arabic" pitchFamily="18" charset="-78"/>
+            </a:endParaRPr>
+          </a:p>
+          <a:p>
+            <a:pPr algn="ctr"/>
+            <a:endParaRPr lang="de-DE" sz="1600" dirty="0">
+              <a:solidFill>
+                <a:schemeClr val="accent5">
+                  <a:lumMod val="50000"/>
+                </a:schemeClr>
+              </a:solidFill>
+              <a:latin typeface="Adobe Arabic" pitchFamily="18" charset="-78"/>
+              <a:cs typeface="Adobe Arabic" pitchFamily="18" charset="-78"/>
+            </a:endParaRPr>
+          </a:p>
+        </p:txBody>
+      </p:sp>
     </p:spTree>
     <p:extLst>
       <p:ext uri="{BB962C8B-B14F-4D97-AF65-F5344CB8AC3E}">
-        <p14:creationId xmlns:p14="http://schemas.microsoft.com/office/powerpoint/2010/main" val="2103742752"/>
+        <p14:creationId xmlns:p14="http://schemas.microsoft.com/office/powerpoint/2010/main" xmlns="" val="2103742752"/>
       </p:ext>
     </p:extLst>
   </p:cSld>
   <p:clrMapOvr>
     <a:masterClrMapping/>
   </p:clrMapOvr>
-  <mc:AlternateContent xmlns:mc="http://schemas.openxmlformats.org/markup-compatibility/2006" xmlns:p14="http://schemas.microsoft.com/office/powerpoint/2010/main">
-    <mc:Choice Requires="p14">
+  <mc:AlternateContent xmlns:mc="http://schemas.openxmlformats.org/markup-compatibility/2006">
+    <mc:Choice xmlns:p14="http://schemas.microsoft.com/office/powerpoint/2010/main" xmlns="" Requires="p14">
       <p:transition spd="slow" p14:dur="2000"/>
     </mc:Choice>
-    <mc:Fallback xmlns="">
+    <mc:Fallback>
       <p:transition spd="slow"/>
     </mc:Fallback>
   </mc:AlternateContent>
@@ -26824,7 +26865,69 @@
       </p:sp>
       <p:sp>
         <p:nvSpPr>
-          <p:cNvPr id="7" name="Rechteck 6"/>
+          <p:cNvPr id="17" name="Inhaltsplatzhalter 1"/>
+          <p:cNvSpPr>
+            <a:spLocks noGrp="1"/>
+          </p:cNvSpPr>
+          <p:nvPr>
+            <p:ph idx="1"/>
+          </p:nvPr>
+        </p:nvSpPr>
+        <p:spPr>
+          <a:xfrm>
+            <a:off x="457200" y="980728"/>
+            <a:ext cx="8229600" cy="5145435"/>
+          </a:xfrm>
+        </p:spPr>
+        <p:txBody>
+          <a:bodyPr>
+            <a:normAutofit/>
+          </a:bodyPr>
+          <a:lstStyle/>
+          <a:p>
+            <a:pPr marL="0" indent="0">
+              <a:buNone/>
+            </a:pPr>
+            <a:r>
+              <a:rPr lang="de-DE" sz="3200" smtClean="0"/>
+              <a:t>Gleichgewichtslösung</a:t>
+            </a:r>
+          </a:p>
+          <a:p>
+            <a:pPr marL="0" indent="0">
+              <a:buNone/>
+            </a:pPr>
+            <a:endParaRPr lang="de-DE" sz="3200"/>
+          </a:p>
+          <a:p>
+            <a:pPr marL="0" indent="0">
+              <a:buNone/>
+            </a:pPr>
+            <a:endParaRPr lang="de-DE" sz="3200"/>
+          </a:p>
+          <a:p>
+            <a:pPr marL="0" indent="0">
+              <a:buNone/>
+            </a:pPr>
+            <a:endParaRPr lang="de-DE" sz="3200" smtClean="0"/>
+          </a:p>
+          <a:p>
+            <a:pPr marL="0" indent="0">
+              <a:buNone/>
+            </a:pPr>
+            <a:endParaRPr lang="de-DE" sz="3200"/>
+          </a:p>
+          <a:p>
+            <a:endParaRPr lang="de-DE" smtClean="0"/>
+          </a:p>
+          <a:p>
+            <a:endParaRPr lang="de-DE" i="1" smtClean="0"/>
+          </a:p>
+        </p:txBody>
+      </p:sp>
+      <p:sp>
+        <p:nvSpPr>
+          <p:cNvPr id="9" name="Rechteck 8"/>
           <p:cNvSpPr/>
           <p:nvPr/>
         </p:nvSpPr>
@@ -26888,7 +26991,7 @@
       </p:sp>
       <p:sp>
         <p:nvSpPr>
-          <p:cNvPr id="8" name="Textfeld 7"/>
+          <p:cNvPr id="10" name="Textfeld 9"/>
           <p:cNvSpPr txBox="1"/>
           <p:nvPr/>
         </p:nvSpPr>
@@ -26910,7 +27013,7 @@
           <a:p>
             <a:pPr algn="ctr"/>
             <a:r>
-              <a:rPr lang="de-DE" sz="1600" smtClean="0">
+              <a:rPr lang="de-DE" sz="1600" dirty="0" smtClean="0">
                 <a:solidFill>
                   <a:schemeClr val="accent5">
                     <a:lumMod val="50000"/>
@@ -26919,19 +27022,37 @@
                 <a:latin typeface="Adobe Arabic" pitchFamily="18" charset="-78"/>
                 <a:cs typeface="Adobe Arabic" pitchFamily="18" charset="-78"/>
               </a:rPr>
-              <a:t>2. </a:t>
-            </a:r>
-            <a:r>
-              <a:rPr lang="de-DE" sz="1600" smtClean="0">
+              <a:t>4. </a:t>
+            </a:r>
+            <a:r>
+              <a:rPr lang="de-DE" sz="1600" dirty="0" smtClean="0">
                 <a:latin typeface="Adobe Arabic" pitchFamily="18" charset="-78"/>
                 <a:cs typeface="Adobe Arabic" pitchFamily="18" charset="-78"/>
               </a:rPr>
-              <a:t>DG-Verfahren</a:t>
-            </a:r>
+              <a:t>Schema : </a:t>
+            </a:r>
+            <a:r>
+              <a:rPr lang="de-DE" sz="1600" dirty="0" err="1" smtClean="0">
+                <a:latin typeface="Adobe Arabic" pitchFamily="18" charset="-78"/>
+                <a:cs typeface="Adobe Arabic" pitchFamily="18" charset="-78"/>
+              </a:rPr>
+              <a:t>LvN</a:t>
+            </a:r>
+            <a:r>
+              <a:rPr lang="de-DE" sz="1600" dirty="0" smtClean="0">
+                <a:latin typeface="Adobe Arabic" pitchFamily="18" charset="-78"/>
+                <a:cs typeface="Adobe Arabic" pitchFamily="18" charset="-78"/>
+              </a:rPr>
+              <a:t>-Gleichung</a:t>
+            </a:r>
+            <a:endParaRPr lang="de-DE" sz="1600" dirty="0" smtClean="0">
+              <a:latin typeface="Adobe Arabic" pitchFamily="18" charset="-78"/>
+              <a:cs typeface="Adobe Arabic" pitchFamily="18" charset="-78"/>
+            </a:endParaRPr>
           </a:p>
           <a:p>
             <a:pPr algn="ctr"/>
-            <a:endParaRPr lang="de-DE" sz="1600">
+            <a:endParaRPr lang="de-DE" sz="1600" dirty="0">
               <a:solidFill>
                 <a:schemeClr val="accent5">
                   <a:lumMod val="50000"/>
@@ -26943,83 +27064,21 @@
           </a:p>
         </p:txBody>
       </p:sp>
-      <p:sp>
-        <p:nvSpPr>
-          <p:cNvPr id="17" name="Inhaltsplatzhalter 1"/>
-          <p:cNvSpPr>
-            <a:spLocks noGrp="1"/>
-          </p:cNvSpPr>
-          <p:nvPr>
-            <p:ph idx="1"/>
-          </p:nvPr>
-        </p:nvSpPr>
-        <p:spPr>
-          <a:xfrm>
-            <a:off x="457200" y="980728"/>
-            <a:ext cx="8229600" cy="5145435"/>
-          </a:xfrm>
-        </p:spPr>
-        <p:txBody>
-          <a:bodyPr>
-            <a:normAutofit/>
-          </a:bodyPr>
-          <a:lstStyle/>
-          <a:p>
-            <a:pPr marL="0" indent="0">
-              <a:buNone/>
-            </a:pPr>
-            <a:r>
-              <a:rPr lang="de-DE" sz="3200" smtClean="0"/>
-              <a:t>Gleichgewichtslösung</a:t>
-            </a:r>
-          </a:p>
-          <a:p>
-            <a:pPr marL="0" indent="0">
-              <a:buNone/>
-            </a:pPr>
-            <a:endParaRPr lang="de-DE" sz="3200"/>
-          </a:p>
-          <a:p>
-            <a:pPr marL="0" indent="0">
-              <a:buNone/>
-            </a:pPr>
-            <a:endParaRPr lang="de-DE" sz="3200"/>
-          </a:p>
-          <a:p>
-            <a:pPr marL="0" indent="0">
-              <a:buNone/>
-            </a:pPr>
-            <a:endParaRPr lang="de-DE" sz="3200" smtClean="0"/>
-          </a:p>
-          <a:p>
-            <a:pPr marL="0" indent="0">
-              <a:buNone/>
-            </a:pPr>
-            <a:endParaRPr lang="de-DE" sz="3200"/>
-          </a:p>
-          <a:p>
-            <a:endParaRPr lang="de-DE" smtClean="0"/>
-          </a:p>
-          <a:p>
-            <a:endParaRPr lang="de-DE" i="1" smtClean="0"/>
-          </a:p>
-        </p:txBody>
-      </p:sp>
     </p:spTree>
     <p:extLst>
       <p:ext uri="{BB962C8B-B14F-4D97-AF65-F5344CB8AC3E}">
-        <p14:creationId xmlns:p14="http://schemas.microsoft.com/office/powerpoint/2010/main" val="2551036270"/>
+        <p14:creationId xmlns:p14="http://schemas.microsoft.com/office/powerpoint/2010/main" xmlns="" val="2551036270"/>
       </p:ext>
     </p:extLst>
   </p:cSld>
   <p:clrMapOvr>
     <a:masterClrMapping/>
   </p:clrMapOvr>
-  <mc:AlternateContent xmlns:mc="http://schemas.openxmlformats.org/markup-compatibility/2006" xmlns:p14="http://schemas.microsoft.com/office/powerpoint/2010/main">
-    <mc:Choice Requires="p14">
+  <mc:AlternateContent xmlns:mc="http://schemas.openxmlformats.org/markup-compatibility/2006">
+    <mc:Choice xmlns:p14="http://schemas.microsoft.com/office/powerpoint/2010/main" xmlns="" Requires="p14">
       <p:transition spd="slow" p14:dur="2000"/>
     </mc:Choice>
-    <mc:Fallback xmlns="">
+    <mc:Fallback>
       <p:transition spd="slow"/>
     </mc:Fallback>
   </mc:AlternateContent>
@@ -29302,7 +29361,7 @@
     </p:spTree>
     <p:extLst>
       <p:ext uri="{BB962C8B-B14F-4D97-AF65-F5344CB8AC3E}">
-        <p14:creationId xmlns:p14="http://schemas.microsoft.com/office/powerpoint/2010/main" val="2860399129"/>
+        <p14:creationId xmlns:p14="http://schemas.microsoft.com/office/powerpoint/2010/main" xmlns="" val="2860399129"/>
       </p:ext>
     </p:extLst>
   </p:cSld>
@@ -29977,7 +30036,7 @@
           <a:blip r:embed="rId3" cstate="print">
             <a:extLst>
               <a:ext uri="{28A0092B-C50C-407E-A947-70E740481C1C}">
-                <a14:useLocalDpi xmlns:a14="http://schemas.microsoft.com/office/drawing/2010/main" val="0"/>
+                <a14:useLocalDpi xmlns:a14="http://schemas.microsoft.com/office/drawing/2010/main" xmlns="" val="0"/>
               </a:ext>
             </a:extLst>
           </a:blip>
@@ -30000,14 +30059,14 @@
           </a:ln>
           <a:extLst>
             <a:ext uri="{909E8E84-426E-40DD-AFC4-6F175D3DCCD1}">
-              <a14:hiddenFill xmlns:a14="http://schemas.microsoft.com/office/drawing/2010/main">
+              <a14:hiddenFill xmlns:a14="http://schemas.microsoft.com/office/drawing/2010/main" xmlns="">
                 <a:solidFill>
                   <a:schemeClr val="accent1"/>
                 </a:solidFill>
               </a14:hiddenFill>
             </a:ext>
             <a:ext uri="{91240B29-F687-4F45-9708-019B960494DF}">
-              <a14:hiddenLine xmlns:a14="http://schemas.microsoft.com/office/drawing/2010/main" w="9525">
+              <a14:hiddenLine xmlns:a14="http://schemas.microsoft.com/office/drawing/2010/main" xmlns="" w="9525">
                 <a:solidFill>
                   <a:schemeClr val="tx1"/>
                 </a:solidFill>
@@ -30031,7 +30090,7 @@
           <a:blip r:embed="rId4" cstate="print">
             <a:extLst>
               <a:ext uri="{28A0092B-C50C-407E-A947-70E740481C1C}">
-                <a14:useLocalDpi xmlns:a14="http://schemas.microsoft.com/office/drawing/2010/main" val="0"/>
+                <a14:useLocalDpi xmlns:a14="http://schemas.microsoft.com/office/drawing/2010/main" xmlns="" val="0"/>
               </a:ext>
             </a:extLst>
           </a:blip>
@@ -30054,14 +30113,14 @@
           </a:ln>
           <a:extLst>
             <a:ext uri="{909E8E84-426E-40DD-AFC4-6F175D3DCCD1}">
-              <a14:hiddenFill xmlns:a14="http://schemas.microsoft.com/office/drawing/2010/main">
+              <a14:hiddenFill xmlns:a14="http://schemas.microsoft.com/office/drawing/2010/main" xmlns="">
                 <a:solidFill>
                   <a:schemeClr val="accent1"/>
                 </a:solidFill>
               </a14:hiddenFill>
             </a:ext>
             <a:ext uri="{91240B29-F687-4F45-9708-019B960494DF}">
-              <a14:hiddenLine xmlns:a14="http://schemas.microsoft.com/office/drawing/2010/main" w="9525">
+              <a14:hiddenLine xmlns:a14="http://schemas.microsoft.com/office/drawing/2010/main" xmlns="" w="9525">
                 <a:solidFill>
                   <a:schemeClr val="tx1"/>
                 </a:solidFill>
@@ -30076,7 +30135,7 @@
     </p:spTree>
     <p:extLst>
       <p:ext uri="{BB962C8B-B14F-4D97-AF65-F5344CB8AC3E}">
-        <p14:creationId xmlns:p14="http://schemas.microsoft.com/office/powerpoint/2010/main" val="2635250499"/>
+        <p14:creationId xmlns:p14="http://schemas.microsoft.com/office/powerpoint/2010/main" xmlns="" val="2635250499"/>
       </p:ext>
     </p:extLst>
   </p:cSld>
@@ -30122,7 +30181,7 @@
           <a:blip r:embed="rId3" cstate="print">
             <a:extLst>
               <a:ext uri="{28A0092B-C50C-407E-A947-70E740481C1C}">
-                <a14:useLocalDpi xmlns:a14="http://schemas.microsoft.com/office/drawing/2010/main" val="0"/>
+                <a14:useLocalDpi xmlns:a14="http://schemas.microsoft.com/office/drawing/2010/main" xmlns="" val="0"/>
               </a:ext>
             </a:extLst>
           </a:blip>
@@ -30145,14 +30204,14 @@
           </a:ln>
           <a:extLst>
             <a:ext uri="{909E8E84-426E-40DD-AFC4-6F175D3DCCD1}">
-              <a14:hiddenFill xmlns:a14="http://schemas.microsoft.com/office/drawing/2010/main">
+              <a14:hiddenFill xmlns:a14="http://schemas.microsoft.com/office/drawing/2010/main" xmlns="">
                 <a:solidFill>
                   <a:schemeClr val="accent1"/>
                 </a:solidFill>
               </a14:hiddenFill>
             </a:ext>
             <a:ext uri="{91240B29-F687-4F45-9708-019B960494DF}">
-              <a14:hiddenLine xmlns:a14="http://schemas.microsoft.com/office/drawing/2010/main" w="9525">
+              <a14:hiddenLine xmlns:a14="http://schemas.microsoft.com/office/drawing/2010/main" xmlns="" w="9525">
                 <a:solidFill>
                   <a:schemeClr val="tx1"/>
                 </a:solidFill>
@@ -30409,7 +30468,7 @@
           <a:blip r:embed="rId4" cstate="print">
             <a:extLst>
               <a:ext uri="{28A0092B-C50C-407E-A947-70E740481C1C}">
-                <a14:useLocalDpi xmlns:a14="http://schemas.microsoft.com/office/drawing/2010/main" val="0"/>
+                <a14:useLocalDpi xmlns:a14="http://schemas.microsoft.com/office/drawing/2010/main" xmlns="" val="0"/>
               </a:ext>
             </a:extLst>
           </a:blip>
@@ -30433,14 +30492,14 @@
           <a:effectLst/>
           <a:extLst>
             <a:ext uri="{909E8E84-426E-40DD-AFC4-6F175D3DCCD1}">
-              <a14:hiddenFill xmlns:a14="http://schemas.microsoft.com/office/drawing/2010/main">
+              <a14:hiddenFill xmlns:a14="http://schemas.microsoft.com/office/drawing/2010/main" xmlns="">
                 <a:solidFill>
                   <a:schemeClr val="accent1"/>
                 </a:solidFill>
               </a14:hiddenFill>
             </a:ext>
             <a:ext uri="{91240B29-F687-4F45-9708-019B960494DF}">
-              <a14:hiddenLine xmlns:a14="http://schemas.microsoft.com/office/drawing/2010/main" w="9525">
+              <a14:hiddenLine xmlns:a14="http://schemas.microsoft.com/office/drawing/2010/main" xmlns="" w="9525">
                 <a:solidFill>
                   <a:schemeClr val="tx1"/>
                 </a:solidFill>
@@ -30450,7 +30509,7 @@
               </a14:hiddenLine>
             </a:ext>
             <a:ext uri="{AF507438-7753-43E0-B8FC-AC1667EBCBE1}">
-              <a14:hiddenEffects xmlns:a14="http://schemas.microsoft.com/office/drawing/2010/main">
+              <a14:hiddenEffects xmlns:a14="http://schemas.microsoft.com/office/drawing/2010/main" xmlns="">
                 <a:effectLst>
                   <a:outerShdw dist="35921" dir="2700000" algn="ctr" rotWithShape="0">
                     <a:schemeClr val="bg2"/>
@@ -30473,7 +30532,7 @@
           <a:blip r:embed="rId5" cstate="print">
             <a:extLst>
               <a:ext uri="{28A0092B-C50C-407E-A947-70E740481C1C}">
-                <a14:useLocalDpi xmlns:a14="http://schemas.microsoft.com/office/drawing/2010/main" val="0"/>
+                <a14:useLocalDpi xmlns:a14="http://schemas.microsoft.com/office/drawing/2010/main" xmlns="" val="0"/>
               </a:ext>
             </a:extLst>
           </a:blip>
@@ -30496,14 +30555,14 @@
           </a:ln>
           <a:extLst>
             <a:ext uri="{909E8E84-426E-40DD-AFC4-6F175D3DCCD1}">
-              <a14:hiddenFill xmlns:a14="http://schemas.microsoft.com/office/drawing/2010/main">
+              <a14:hiddenFill xmlns:a14="http://schemas.microsoft.com/office/drawing/2010/main" xmlns="">
                 <a:solidFill>
                   <a:schemeClr val="accent1"/>
                 </a:solidFill>
               </a14:hiddenFill>
             </a:ext>
             <a:ext uri="{91240B29-F687-4F45-9708-019B960494DF}">
-              <a14:hiddenLine xmlns:a14="http://schemas.microsoft.com/office/drawing/2010/main" w="9525">
+              <a14:hiddenLine xmlns:a14="http://schemas.microsoft.com/office/drawing/2010/main" xmlns="" w="9525">
                 <a:solidFill>
                   <a:schemeClr val="tx1"/>
                 </a:solidFill>
@@ -30527,7 +30586,7 @@
           <a:blip r:embed="rId6" cstate="print">
             <a:extLst>
               <a:ext uri="{28A0092B-C50C-407E-A947-70E740481C1C}">
-                <a14:useLocalDpi xmlns:a14="http://schemas.microsoft.com/office/drawing/2010/main" val="0"/>
+                <a14:useLocalDpi xmlns:a14="http://schemas.microsoft.com/office/drawing/2010/main" xmlns="" val="0"/>
               </a:ext>
             </a:extLst>
           </a:blip>
@@ -30550,14 +30609,14 @@
           </a:ln>
           <a:extLst>
             <a:ext uri="{909E8E84-426E-40DD-AFC4-6F175D3DCCD1}">
-              <a14:hiddenFill xmlns:a14="http://schemas.microsoft.com/office/drawing/2010/main">
+              <a14:hiddenFill xmlns:a14="http://schemas.microsoft.com/office/drawing/2010/main" xmlns="">
                 <a:solidFill>
                   <a:schemeClr val="accent1"/>
                 </a:solidFill>
               </a14:hiddenFill>
             </a:ext>
             <a:ext uri="{91240B29-F687-4F45-9708-019B960494DF}">
-              <a14:hiddenLine xmlns:a14="http://schemas.microsoft.com/office/drawing/2010/main" w="9525">
+              <a14:hiddenLine xmlns:a14="http://schemas.microsoft.com/office/drawing/2010/main" xmlns="" w="9525">
                 <a:solidFill>
                   <a:schemeClr val="tx1"/>
                 </a:solidFill>
@@ -30581,7 +30640,7 @@
           <a:blip r:embed="rId7" cstate="print">
             <a:extLst>
               <a:ext uri="{28A0092B-C50C-407E-A947-70E740481C1C}">
-                <a14:useLocalDpi xmlns:a14="http://schemas.microsoft.com/office/drawing/2010/main" val="0"/>
+                <a14:useLocalDpi xmlns:a14="http://schemas.microsoft.com/office/drawing/2010/main" xmlns="" val="0"/>
               </a:ext>
             </a:extLst>
           </a:blip>
@@ -30604,14 +30663,14 @@
           </a:ln>
           <a:extLst>
             <a:ext uri="{909E8E84-426E-40DD-AFC4-6F175D3DCCD1}">
-              <a14:hiddenFill xmlns:a14="http://schemas.microsoft.com/office/drawing/2010/main">
+              <a14:hiddenFill xmlns:a14="http://schemas.microsoft.com/office/drawing/2010/main" xmlns="">
                 <a:solidFill>
                   <a:schemeClr val="accent1"/>
                 </a:solidFill>
               </a14:hiddenFill>
             </a:ext>
             <a:ext uri="{91240B29-F687-4F45-9708-019B960494DF}">
-              <a14:hiddenLine xmlns:a14="http://schemas.microsoft.com/office/drawing/2010/main" w="9525">
+              <a14:hiddenLine xmlns:a14="http://schemas.microsoft.com/office/drawing/2010/main" xmlns="" w="9525">
                 <a:solidFill>
                   <a:schemeClr val="tx1"/>
                 </a:solidFill>
@@ -31112,18 +31171,18 @@
     </p:spTree>
     <p:extLst>
       <p:ext uri="{BB962C8B-B14F-4D97-AF65-F5344CB8AC3E}">
-        <p14:creationId xmlns:p14="http://schemas.microsoft.com/office/powerpoint/2010/main" val="69969289"/>
+        <p14:creationId xmlns:p14="http://schemas.microsoft.com/office/powerpoint/2010/main" xmlns="" val="69969289"/>
       </p:ext>
     </p:extLst>
   </p:cSld>
   <p:clrMapOvr>
     <a:masterClrMapping/>
   </p:clrMapOvr>
-  <mc:AlternateContent xmlns:mc="http://schemas.openxmlformats.org/markup-compatibility/2006" xmlns:p14="http://schemas.microsoft.com/office/powerpoint/2010/main">
-    <mc:Choice Requires="p14">
+  <mc:AlternateContent xmlns:mc="http://schemas.openxmlformats.org/markup-compatibility/2006">
+    <mc:Choice xmlns:p14="http://schemas.microsoft.com/office/powerpoint/2010/main" xmlns="" Requires="p14">
       <p:transition spd="slow" p14:dur="2000"/>
     </mc:Choice>
-    <mc:Fallback xmlns="">
+    <mc:Fallback>
       <p:transition spd="slow"/>
     </mc:Fallback>
   </mc:AlternateContent>
@@ -31561,7 +31620,7 @@
           <a:blip r:embed="rId3" cstate="print">
             <a:extLst>
               <a:ext uri="{28A0092B-C50C-407E-A947-70E740481C1C}">
-                <a14:useLocalDpi xmlns:a14="http://schemas.microsoft.com/office/drawing/2010/main" val="0"/>
+                <a14:useLocalDpi xmlns:a14="http://schemas.microsoft.com/office/drawing/2010/main" xmlns="" val="0"/>
               </a:ext>
             </a:extLst>
           </a:blip>
@@ -31584,14 +31643,14 @@
           </a:ln>
           <a:extLst>
             <a:ext uri="{909E8E84-426E-40DD-AFC4-6F175D3DCCD1}">
-              <a14:hiddenFill xmlns:a14="http://schemas.microsoft.com/office/drawing/2010/main">
+              <a14:hiddenFill xmlns:a14="http://schemas.microsoft.com/office/drawing/2010/main" xmlns="">
                 <a:solidFill>
                   <a:schemeClr val="accent1"/>
                 </a:solidFill>
               </a14:hiddenFill>
             </a:ext>
             <a:ext uri="{91240B29-F687-4F45-9708-019B960494DF}">
-              <a14:hiddenLine xmlns:a14="http://schemas.microsoft.com/office/drawing/2010/main" w="9525">
+              <a14:hiddenLine xmlns:a14="http://schemas.microsoft.com/office/drawing/2010/main" xmlns="" w="9525">
                 <a:solidFill>
                   <a:schemeClr val="tx1"/>
                 </a:solidFill>
@@ -31615,7 +31674,7 @@
           <a:blip r:embed="rId4" cstate="print">
             <a:extLst>
               <a:ext uri="{28A0092B-C50C-407E-A947-70E740481C1C}">
-                <a14:useLocalDpi xmlns:a14="http://schemas.microsoft.com/office/drawing/2010/main" val="0"/>
+                <a14:useLocalDpi xmlns:a14="http://schemas.microsoft.com/office/drawing/2010/main" xmlns="" val="0"/>
               </a:ext>
             </a:extLst>
           </a:blip>
@@ -31638,14 +31697,14 @@
           </a:ln>
           <a:extLst>
             <a:ext uri="{909E8E84-426E-40DD-AFC4-6F175D3DCCD1}">
-              <a14:hiddenFill xmlns:a14="http://schemas.microsoft.com/office/drawing/2010/main">
+              <a14:hiddenFill xmlns:a14="http://schemas.microsoft.com/office/drawing/2010/main" xmlns="">
                 <a:solidFill>
                   <a:schemeClr val="accent1"/>
                 </a:solidFill>
               </a14:hiddenFill>
             </a:ext>
             <a:ext uri="{91240B29-F687-4F45-9708-019B960494DF}">
-              <a14:hiddenLine xmlns:a14="http://schemas.microsoft.com/office/drawing/2010/main" w="9525">
+              <a14:hiddenLine xmlns:a14="http://schemas.microsoft.com/office/drawing/2010/main" xmlns="" w="9525">
                 <a:solidFill>
                   <a:schemeClr val="tx1"/>
                 </a:solidFill>
@@ -31660,18 +31719,18 @@
     </p:spTree>
     <p:extLst>
       <p:ext uri="{BB962C8B-B14F-4D97-AF65-F5344CB8AC3E}">
-        <p14:creationId xmlns:p14="http://schemas.microsoft.com/office/powerpoint/2010/main" val="1985332883"/>
+        <p14:creationId xmlns:p14="http://schemas.microsoft.com/office/powerpoint/2010/main" xmlns="" val="1985332883"/>
       </p:ext>
     </p:extLst>
   </p:cSld>
   <p:clrMapOvr>
     <a:masterClrMapping/>
   </p:clrMapOvr>
-  <mc:AlternateContent xmlns:mc="http://schemas.openxmlformats.org/markup-compatibility/2006" xmlns:p14="http://schemas.microsoft.com/office/powerpoint/2010/main">
-    <mc:Choice Requires="p14">
+  <mc:AlternateContent xmlns:mc="http://schemas.openxmlformats.org/markup-compatibility/2006">
+    <mc:Choice xmlns:p14="http://schemas.microsoft.com/office/powerpoint/2010/main" xmlns="" Requires="p14">
       <p:transition spd="slow" p14:dur="2000"/>
     </mc:Choice>
-    <mc:Fallback xmlns="">
+    <mc:Fallback>
       <p:transition spd="slow"/>
     </mc:Fallback>
   </mc:AlternateContent>
@@ -31933,7 +31992,7 @@
           <a:blip r:embed="rId3" cstate="print">
             <a:extLst>
               <a:ext uri="{28A0092B-C50C-407E-A947-70E740481C1C}">
-                <a14:useLocalDpi xmlns:a14="http://schemas.microsoft.com/office/drawing/2010/main" val="0"/>
+                <a14:useLocalDpi xmlns:a14="http://schemas.microsoft.com/office/drawing/2010/main" xmlns="" val="0"/>
               </a:ext>
             </a:extLst>
           </a:blip>
@@ -31956,14 +32015,14 @@
           </a:ln>
           <a:extLst>
             <a:ext uri="{909E8E84-426E-40DD-AFC4-6F175D3DCCD1}">
-              <a14:hiddenFill xmlns:a14="http://schemas.microsoft.com/office/drawing/2010/main">
+              <a14:hiddenFill xmlns:a14="http://schemas.microsoft.com/office/drawing/2010/main" xmlns="">
                 <a:solidFill>
                   <a:schemeClr val="accent1"/>
                 </a:solidFill>
               </a14:hiddenFill>
             </a:ext>
             <a:ext uri="{91240B29-F687-4F45-9708-019B960494DF}">
-              <a14:hiddenLine xmlns:a14="http://schemas.microsoft.com/office/drawing/2010/main" w="9525">
+              <a14:hiddenLine xmlns:a14="http://schemas.microsoft.com/office/drawing/2010/main" xmlns="" w="9525">
                 <a:solidFill>
                   <a:schemeClr val="tx1"/>
                 </a:solidFill>
@@ -32232,7 +32291,7 @@
           <a:blip r:embed="rId4" cstate="print">
             <a:extLst>
               <a:ext uri="{28A0092B-C50C-407E-A947-70E740481C1C}">
-                <a14:useLocalDpi xmlns:a14="http://schemas.microsoft.com/office/drawing/2010/main" val="0"/>
+                <a14:useLocalDpi xmlns:a14="http://schemas.microsoft.com/office/drawing/2010/main" xmlns="" val="0"/>
               </a:ext>
             </a:extLst>
           </a:blip>
@@ -32255,14 +32314,14 @@
           </a:ln>
           <a:extLst>
             <a:ext uri="{909E8E84-426E-40DD-AFC4-6F175D3DCCD1}">
-              <a14:hiddenFill xmlns:a14="http://schemas.microsoft.com/office/drawing/2010/main">
+              <a14:hiddenFill xmlns:a14="http://schemas.microsoft.com/office/drawing/2010/main" xmlns="">
                 <a:solidFill>
                   <a:schemeClr val="accent1"/>
                 </a:solidFill>
               </a14:hiddenFill>
             </a:ext>
             <a:ext uri="{91240B29-F687-4F45-9708-019B960494DF}">
-              <a14:hiddenLine xmlns:a14="http://schemas.microsoft.com/office/drawing/2010/main" w="9525">
+              <a14:hiddenLine xmlns:a14="http://schemas.microsoft.com/office/drawing/2010/main" xmlns="" w="9525">
                 <a:solidFill>
                   <a:schemeClr val="tx1"/>
                 </a:solidFill>
@@ -32655,7 +32714,7 @@
           <a:blip r:embed="rId4" cstate="print">
             <a:extLst>
               <a:ext uri="{28A0092B-C50C-407E-A947-70E740481C1C}">
-                <a14:useLocalDpi xmlns:a14="http://schemas.microsoft.com/office/drawing/2010/main" val="0"/>
+                <a14:useLocalDpi xmlns:a14="http://schemas.microsoft.com/office/drawing/2010/main" xmlns="" val="0"/>
               </a:ext>
             </a:extLst>
           </a:blip>
@@ -32678,14 +32737,14 @@
           </a:ln>
           <a:extLst>
             <a:ext uri="{909E8E84-426E-40DD-AFC4-6F175D3DCCD1}">
-              <a14:hiddenFill xmlns:a14="http://schemas.microsoft.com/office/drawing/2010/main">
+              <a14:hiddenFill xmlns:a14="http://schemas.microsoft.com/office/drawing/2010/main" xmlns="">
                 <a:solidFill>
                   <a:schemeClr val="accent1"/>
                 </a:solidFill>
               </a14:hiddenFill>
             </a:ext>
             <a:ext uri="{91240B29-F687-4F45-9708-019B960494DF}">
-              <a14:hiddenLine xmlns:a14="http://schemas.microsoft.com/office/drawing/2010/main" w="9525">
+              <a14:hiddenLine xmlns:a14="http://schemas.microsoft.com/office/drawing/2010/main" xmlns="" w="9525">
                 <a:solidFill>
                   <a:schemeClr val="tx1"/>
                 </a:solidFill>
@@ -33468,18 +33527,18 @@
     </p:spTree>
     <p:extLst>
       <p:ext uri="{BB962C8B-B14F-4D97-AF65-F5344CB8AC3E}">
-        <p14:creationId xmlns:p14="http://schemas.microsoft.com/office/powerpoint/2010/main" val="2499104543"/>
+        <p14:creationId xmlns:p14="http://schemas.microsoft.com/office/powerpoint/2010/main" xmlns="" val="2499104543"/>
       </p:ext>
     </p:extLst>
   </p:cSld>
   <p:clrMapOvr>
     <a:masterClrMapping/>
   </p:clrMapOvr>
-  <mc:AlternateContent xmlns:mc="http://schemas.openxmlformats.org/markup-compatibility/2006" xmlns:p14="http://schemas.microsoft.com/office/powerpoint/2010/main">
-    <mc:Choice Requires="p14">
+  <mc:AlternateContent xmlns:mc="http://schemas.openxmlformats.org/markup-compatibility/2006">
+    <mc:Choice xmlns:p14="http://schemas.microsoft.com/office/powerpoint/2010/main" xmlns="" Requires="p14">
       <p:transition spd="slow" p14:dur="2000"/>
     </mc:Choice>
-    <mc:Fallback xmlns="">
+    <mc:Fallback>
       <p:transition spd="slow"/>
     </mc:Fallback>
   </mc:AlternateContent>
@@ -37602,7 +37661,7 @@
     </p:spTree>
     <p:extLst>
       <p:ext uri="{BB962C8B-B14F-4D97-AF65-F5344CB8AC3E}">
-        <p14:creationId xmlns:p14="http://schemas.microsoft.com/office/powerpoint/2010/main" val="4134709709"/>
+        <p14:creationId xmlns:p14="http://schemas.microsoft.com/office/powerpoint/2010/main" xmlns="" val="4134709709"/>
       </p:ext>
     </p:extLst>
   </p:cSld>
